--- a/S24/cs494/notes/github-intro.pptx
+++ b/S24/cs494/notes/github-intro.pptx
@@ -73,7 +73,7 @@
       </p:grpSpPr>
       <p:sp>
         <p:nvSpPr>
-          <p:cNvPr id="203" name="PlaceHolder 1"/>
+          <p:cNvPr id="193" name="PlaceHolder 1"/>
           <p:cNvSpPr>
             <a:spLocks noGrp="1"/>
           </p:cNvSpPr>
@@ -120,7 +120,7 @@
       </p:sp>
       <p:sp>
         <p:nvSpPr>
-          <p:cNvPr id="204" name="PlaceHolder 2"/>
+          <p:cNvPr id="194" name="PlaceHolder 2"/>
           <p:cNvSpPr>
             <a:spLocks noGrp="1"/>
           </p:cNvSpPr>
@@ -169,7 +169,7 @@
       </p:sp>
       <p:sp>
         <p:nvSpPr>
-          <p:cNvPr id="205" name="PlaceHolder 3"/>
+          <p:cNvPr id="195" name="PlaceHolder 3"/>
           <p:cNvSpPr>
             <a:spLocks noGrp="1"/>
           </p:cNvSpPr>
@@ -218,7 +218,7 @@
       </p:sp>
       <p:sp>
         <p:nvSpPr>
-          <p:cNvPr id="206" name="PlaceHolder 4"/>
+          <p:cNvPr id="196" name="PlaceHolder 4"/>
           <p:cNvSpPr>
             <a:spLocks noGrp="1"/>
           </p:cNvSpPr>
@@ -278,7 +278,7 @@
       </p:sp>
       <p:sp>
         <p:nvSpPr>
-          <p:cNvPr id="207" name="PlaceHolder 5"/>
+          <p:cNvPr id="197" name="PlaceHolder 5"/>
           <p:cNvSpPr>
             <a:spLocks noGrp="1"/>
           </p:cNvSpPr>
@@ -338,7 +338,7 @@
       </p:sp>
       <p:sp>
         <p:nvSpPr>
-          <p:cNvPr id="208" name="PlaceHolder 6"/>
+          <p:cNvPr id="198" name="PlaceHolder 6"/>
           <p:cNvSpPr>
             <a:spLocks noGrp="1"/>
           </p:cNvSpPr>
@@ -378,7 +378,7 @@
             <a:pPr indent="0" algn="r">
               <a:buNone/>
             </a:pPr>
-            <a:fld id="{96E5BA87-09C0-4F6E-A8F7-C6BEF3B4B737}" type="slidenum">
+            <a:fld id="{008588D5-D956-45D8-8CC4-573DDA970671}" type="slidenum">
               <a:rPr b="0" lang="en-US" sz="1400" spc="-1" strike="noStrike">
                 <a:solidFill>
                   <a:srgbClr val="000000"/>
@@ -421,7 +421,7 @@
       </p:grpSpPr>
       <p:sp>
         <p:nvSpPr>
-          <p:cNvPr id="377" name="PlaceHolder 1"/>
+          <p:cNvPr id="367" name="PlaceHolder 1"/>
           <p:cNvSpPr>
             <a:spLocks noGrp="1"/>
           </p:cNvSpPr>
@@ -432,7 +432,7 @@
         <p:spPr>
           <a:xfrm>
             <a:off x="685800" y="1143000"/>
-            <a:ext cx="5482800" cy="3082680"/>
+            <a:ext cx="5482440" cy="3082320"/>
           </a:xfrm>
           <a:prstGeom prst="rect">
             <a:avLst/>
@@ -444,7 +444,7 @@
       </p:sp>
       <p:sp>
         <p:nvSpPr>
-          <p:cNvPr id="378" name="PlaceHolder 2"/>
+          <p:cNvPr id="368" name="PlaceHolder 2"/>
           <p:cNvSpPr>
             <a:spLocks noGrp="1"/>
           </p:cNvSpPr>
@@ -455,7 +455,7 @@
         <p:spPr>
           <a:xfrm>
             <a:off x="685800" y="4400640"/>
-            <a:ext cx="5482800" cy="3596760"/>
+            <a:ext cx="5482440" cy="3596400"/>
           </a:xfrm>
           <a:prstGeom prst="rect">
             <a:avLst/>
@@ -484,7 +484,7 @@
       </p:sp>
       <p:sp>
         <p:nvSpPr>
-          <p:cNvPr id="379" name="PlaceHolder 3"/>
+          <p:cNvPr id="369" name="PlaceHolder 3"/>
           <p:cNvSpPr>
             <a:spLocks noGrp="1"/>
           </p:cNvSpPr>
@@ -495,7 +495,7 @@
         <p:spPr>
           <a:xfrm>
             <a:off x="3884760" y="8685360"/>
-            <a:ext cx="2968200" cy="455040"/>
+            <a:ext cx="2967840" cy="454680"/>
           </a:xfrm>
           <a:prstGeom prst="rect">
             <a:avLst/>
@@ -536,7 +536,7 @@
                 <a:tab algn="l" pos="0"/>
               </a:tabLst>
             </a:pPr>
-            <a:fld id="{D1B6B100-56BD-43DE-AF99-5A576E505371}" type="slidenum">
+            <a:fld id="{05932D22-AD35-4D2C-A888-62DCCD6E1D48}" type="slidenum">
               <a:rPr b="0" lang="en-US" sz="1200" spc="-1" strike="noStrike">
                 <a:solidFill>
                   <a:srgbClr val="000000"/>
@@ -578,7 +578,7 @@
       </p:grpSpPr>
       <p:sp>
         <p:nvSpPr>
-          <p:cNvPr id="404" name="PlaceHolder 1"/>
+          <p:cNvPr id="394" name="PlaceHolder 1"/>
           <p:cNvSpPr>
             <a:spLocks noGrp="1"/>
           </p:cNvSpPr>
@@ -589,7 +589,7 @@
         <p:spPr>
           <a:xfrm>
             <a:off x="685800" y="1143000"/>
-            <a:ext cx="5482800" cy="3082680"/>
+            <a:ext cx="5482440" cy="3082320"/>
           </a:xfrm>
           <a:prstGeom prst="rect">
             <a:avLst/>
@@ -601,7 +601,7 @@
       </p:sp>
       <p:sp>
         <p:nvSpPr>
-          <p:cNvPr id="405" name="PlaceHolder 2"/>
+          <p:cNvPr id="395" name="PlaceHolder 2"/>
           <p:cNvSpPr>
             <a:spLocks noGrp="1"/>
           </p:cNvSpPr>
@@ -612,7 +612,7 @@
         <p:spPr>
           <a:xfrm>
             <a:off x="685800" y="4400640"/>
-            <a:ext cx="5482800" cy="3596760"/>
+            <a:ext cx="5482440" cy="3596400"/>
           </a:xfrm>
           <a:prstGeom prst="rect">
             <a:avLst/>
@@ -641,7 +641,7 @@
       </p:sp>
       <p:sp>
         <p:nvSpPr>
-          <p:cNvPr id="406" name="PlaceHolder 3"/>
+          <p:cNvPr id="396" name="PlaceHolder 3"/>
           <p:cNvSpPr>
             <a:spLocks noGrp="1"/>
           </p:cNvSpPr>
@@ -652,7 +652,7 @@
         <p:spPr>
           <a:xfrm>
             <a:off x="3884760" y="8685360"/>
-            <a:ext cx="2968200" cy="455040"/>
+            <a:ext cx="2967840" cy="454680"/>
           </a:xfrm>
           <a:prstGeom prst="rect">
             <a:avLst/>
@@ -693,7 +693,7 @@
                 <a:tab algn="l" pos="0"/>
               </a:tabLst>
             </a:pPr>
-            <a:fld id="{839383BF-F4A6-4482-920A-8C84F72C5FF2}" type="slidenum">
+            <a:fld id="{B7F796DF-CAAD-4AF4-BD75-4F66B743150C}" type="slidenum">
               <a:rPr b="0" lang="en-US" sz="1200" spc="-1" strike="noStrike">
                 <a:solidFill>
                   <a:srgbClr val="000000"/>
@@ -735,7 +735,7 @@
       </p:grpSpPr>
       <p:sp>
         <p:nvSpPr>
-          <p:cNvPr id="407" name="PlaceHolder 1"/>
+          <p:cNvPr id="397" name="PlaceHolder 1"/>
           <p:cNvSpPr>
             <a:spLocks noGrp="1"/>
           </p:cNvSpPr>
@@ -746,7 +746,7 @@
         <p:spPr>
           <a:xfrm>
             <a:off x="685800" y="1143000"/>
-            <a:ext cx="5482800" cy="3082680"/>
+            <a:ext cx="5482440" cy="3082320"/>
           </a:xfrm>
           <a:prstGeom prst="rect">
             <a:avLst/>
@@ -758,7 +758,7 @@
       </p:sp>
       <p:sp>
         <p:nvSpPr>
-          <p:cNvPr id="408" name="PlaceHolder 2"/>
+          <p:cNvPr id="398" name="PlaceHolder 2"/>
           <p:cNvSpPr>
             <a:spLocks noGrp="1"/>
           </p:cNvSpPr>
@@ -769,7 +769,7 @@
         <p:spPr>
           <a:xfrm>
             <a:off x="685800" y="4400640"/>
-            <a:ext cx="5482800" cy="3596760"/>
+            <a:ext cx="5482440" cy="3596400"/>
           </a:xfrm>
           <a:prstGeom prst="rect">
             <a:avLst/>
@@ -798,7 +798,7 @@
       </p:sp>
       <p:sp>
         <p:nvSpPr>
-          <p:cNvPr id="409" name="PlaceHolder 3"/>
+          <p:cNvPr id="399" name="PlaceHolder 3"/>
           <p:cNvSpPr>
             <a:spLocks noGrp="1"/>
           </p:cNvSpPr>
@@ -809,7 +809,7 @@
         <p:spPr>
           <a:xfrm>
             <a:off x="3884760" y="8685360"/>
-            <a:ext cx="2968200" cy="455040"/>
+            <a:ext cx="2967840" cy="454680"/>
           </a:xfrm>
           <a:prstGeom prst="rect">
             <a:avLst/>
@@ -850,7 +850,7 @@
                 <a:tab algn="l" pos="0"/>
               </a:tabLst>
             </a:pPr>
-            <a:fld id="{B3ACE067-14A6-45DB-802B-C0D83981F278}" type="slidenum">
+            <a:fld id="{419328A6-2DE1-4235-ABB7-5760CAAF976C}" type="slidenum">
               <a:rPr b="0" lang="en-US" sz="1200" spc="-1" strike="noStrike">
                 <a:solidFill>
                   <a:srgbClr val="000000"/>
@@ -892,7 +892,7 @@
       </p:grpSpPr>
       <p:sp>
         <p:nvSpPr>
-          <p:cNvPr id="410" name="PlaceHolder 1"/>
+          <p:cNvPr id="400" name="PlaceHolder 1"/>
           <p:cNvSpPr>
             <a:spLocks noGrp="1"/>
           </p:cNvSpPr>
@@ -903,7 +903,7 @@
         <p:spPr>
           <a:xfrm>
             <a:off x="685800" y="1143000"/>
-            <a:ext cx="5482800" cy="3082680"/>
+            <a:ext cx="5482440" cy="3082320"/>
           </a:xfrm>
           <a:prstGeom prst="rect">
             <a:avLst/>
@@ -915,7 +915,7 @@
       </p:sp>
       <p:sp>
         <p:nvSpPr>
-          <p:cNvPr id="411" name="PlaceHolder 2"/>
+          <p:cNvPr id="401" name="PlaceHolder 2"/>
           <p:cNvSpPr>
             <a:spLocks noGrp="1"/>
           </p:cNvSpPr>
@@ -926,7 +926,7 @@
         <p:spPr>
           <a:xfrm>
             <a:off x="685800" y="4400640"/>
-            <a:ext cx="5482800" cy="3596760"/>
+            <a:ext cx="5482440" cy="3596400"/>
           </a:xfrm>
           <a:prstGeom prst="rect">
             <a:avLst/>
@@ -955,7 +955,7 @@
       </p:sp>
       <p:sp>
         <p:nvSpPr>
-          <p:cNvPr id="412" name="PlaceHolder 3"/>
+          <p:cNvPr id="402" name="PlaceHolder 3"/>
           <p:cNvSpPr>
             <a:spLocks noGrp="1"/>
           </p:cNvSpPr>
@@ -966,7 +966,7 @@
         <p:spPr>
           <a:xfrm>
             <a:off x="3884760" y="8685360"/>
-            <a:ext cx="2968200" cy="455040"/>
+            <a:ext cx="2967840" cy="454680"/>
           </a:xfrm>
           <a:prstGeom prst="rect">
             <a:avLst/>
@@ -1007,7 +1007,7 @@
                 <a:tab algn="l" pos="0"/>
               </a:tabLst>
             </a:pPr>
-            <a:fld id="{0394278E-18D5-4C76-A573-1B65F72981E0}" type="slidenum">
+            <a:fld id="{16DA3C59-D612-43E5-95F6-14E0AD4B5A69}" type="slidenum">
               <a:rPr b="0" lang="en-US" sz="1200" spc="-1" strike="noStrike">
                 <a:solidFill>
                   <a:srgbClr val="000000"/>
@@ -1049,7 +1049,7 @@
       </p:grpSpPr>
       <p:sp>
         <p:nvSpPr>
-          <p:cNvPr id="413" name="PlaceHolder 1"/>
+          <p:cNvPr id="403" name="PlaceHolder 1"/>
           <p:cNvSpPr>
             <a:spLocks noGrp="1"/>
           </p:cNvSpPr>
@@ -1060,7 +1060,7 @@
         <p:spPr>
           <a:xfrm>
             <a:off x="685800" y="1143000"/>
-            <a:ext cx="5482800" cy="3082680"/>
+            <a:ext cx="5482440" cy="3082320"/>
           </a:xfrm>
           <a:prstGeom prst="rect">
             <a:avLst/>
@@ -1072,7 +1072,7 @@
       </p:sp>
       <p:sp>
         <p:nvSpPr>
-          <p:cNvPr id="414" name="PlaceHolder 2"/>
+          <p:cNvPr id="404" name="PlaceHolder 2"/>
           <p:cNvSpPr>
             <a:spLocks noGrp="1"/>
           </p:cNvSpPr>
@@ -1083,7 +1083,7 @@
         <p:spPr>
           <a:xfrm>
             <a:off x="685800" y="4400640"/>
-            <a:ext cx="5482800" cy="3596760"/>
+            <a:ext cx="5482440" cy="3596400"/>
           </a:xfrm>
           <a:prstGeom prst="rect">
             <a:avLst/>
@@ -1112,7 +1112,7 @@
       </p:sp>
       <p:sp>
         <p:nvSpPr>
-          <p:cNvPr id="415" name="PlaceHolder 3"/>
+          <p:cNvPr id="405" name="PlaceHolder 3"/>
           <p:cNvSpPr>
             <a:spLocks noGrp="1"/>
           </p:cNvSpPr>
@@ -1123,7 +1123,7 @@
         <p:spPr>
           <a:xfrm>
             <a:off x="3884760" y="8685360"/>
-            <a:ext cx="2968200" cy="455040"/>
+            <a:ext cx="2967840" cy="454680"/>
           </a:xfrm>
           <a:prstGeom prst="rect">
             <a:avLst/>
@@ -1164,7 +1164,7 @@
                 <a:tab algn="l" pos="0"/>
               </a:tabLst>
             </a:pPr>
-            <a:fld id="{417F7E07-3E5F-49BC-9720-20D51B508136}" type="slidenum">
+            <a:fld id="{78DFB9E7-AF42-46B9-A0B0-F09CDE4B84B2}" type="slidenum">
               <a:rPr b="0" lang="en-US" sz="1200" spc="-1" strike="noStrike">
                 <a:solidFill>
                   <a:srgbClr val="000000"/>
@@ -1206,7 +1206,7 @@
       </p:grpSpPr>
       <p:sp>
         <p:nvSpPr>
-          <p:cNvPr id="416" name="PlaceHolder 1"/>
+          <p:cNvPr id="406" name="PlaceHolder 1"/>
           <p:cNvSpPr>
             <a:spLocks noGrp="1"/>
           </p:cNvSpPr>
@@ -1217,7 +1217,7 @@
         <p:spPr>
           <a:xfrm>
             <a:off x="685800" y="1143000"/>
-            <a:ext cx="5482800" cy="3082680"/>
+            <a:ext cx="5482440" cy="3082320"/>
           </a:xfrm>
           <a:prstGeom prst="rect">
             <a:avLst/>
@@ -1229,7 +1229,7 @@
       </p:sp>
       <p:sp>
         <p:nvSpPr>
-          <p:cNvPr id="417" name="PlaceHolder 2"/>
+          <p:cNvPr id="407" name="PlaceHolder 2"/>
           <p:cNvSpPr>
             <a:spLocks noGrp="1"/>
           </p:cNvSpPr>
@@ -1240,7 +1240,7 @@
         <p:spPr>
           <a:xfrm>
             <a:off x="685800" y="4400640"/>
-            <a:ext cx="5482800" cy="3596760"/>
+            <a:ext cx="5482440" cy="3596400"/>
           </a:xfrm>
           <a:prstGeom prst="rect">
             <a:avLst/>
@@ -1269,7 +1269,7 @@
       </p:sp>
       <p:sp>
         <p:nvSpPr>
-          <p:cNvPr id="418" name="PlaceHolder 3"/>
+          <p:cNvPr id="408" name="PlaceHolder 3"/>
           <p:cNvSpPr>
             <a:spLocks noGrp="1"/>
           </p:cNvSpPr>
@@ -1280,7 +1280,7 @@
         <p:spPr>
           <a:xfrm>
             <a:off x="3884760" y="8685360"/>
-            <a:ext cx="2968200" cy="455040"/>
+            <a:ext cx="2967840" cy="454680"/>
           </a:xfrm>
           <a:prstGeom prst="rect">
             <a:avLst/>
@@ -1321,7 +1321,7 @@
                 <a:tab algn="l" pos="0"/>
               </a:tabLst>
             </a:pPr>
-            <a:fld id="{82B7C92A-781D-4E22-AA6F-A63768050A97}" type="slidenum">
+            <a:fld id="{D2FAFFAD-64CD-4DD0-9745-876BC96576DF}" type="slidenum">
               <a:rPr b="0" lang="en-US" sz="1200" spc="-1" strike="noStrike">
                 <a:solidFill>
                   <a:srgbClr val="000000"/>
@@ -1363,7 +1363,7 @@
       </p:grpSpPr>
       <p:sp>
         <p:nvSpPr>
-          <p:cNvPr id="419" name="PlaceHolder 1"/>
+          <p:cNvPr id="409" name="PlaceHolder 1"/>
           <p:cNvSpPr>
             <a:spLocks noGrp="1"/>
           </p:cNvSpPr>
@@ -1374,7 +1374,7 @@
         <p:spPr>
           <a:xfrm>
             <a:off x="685800" y="1143000"/>
-            <a:ext cx="5482800" cy="3082680"/>
+            <a:ext cx="5482440" cy="3082320"/>
           </a:xfrm>
           <a:prstGeom prst="rect">
             <a:avLst/>
@@ -1386,7 +1386,7 @@
       </p:sp>
       <p:sp>
         <p:nvSpPr>
-          <p:cNvPr id="420" name="PlaceHolder 2"/>
+          <p:cNvPr id="410" name="PlaceHolder 2"/>
           <p:cNvSpPr>
             <a:spLocks noGrp="1"/>
           </p:cNvSpPr>
@@ -1397,7 +1397,7 @@
         <p:spPr>
           <a:xfrm>
             <a:off x="685800" y="4400640"/>
-            <a:ext cx="5482800" cy="3596760"/>
+            <a:ext cx="5482440" cy="3596400"/>
           </a:xfrm>
           <a:prstGeom prst="rect">
             <a:avLst/>
@@ -1426,7 +1426,7 @@
       </p:sp>
       <p:sp>
         <p:nvSpPr>
-          <p:cNvPr id="421" name="PlaceHolder 3"/>
+          <p:cNvPr id="411" name="PlaceHolder 3"/>
           <p:cNvSpPr>
             <a:spLocks noGrp="1"/>
           </p:cNvSpPr>
@@ -1437,7 +1437,7 @@
         <p:spPr>
           <a:xfrm>
             <a:off x="3884760" y="8685360"/>
-            <a:ext cx="2968200" cy="455040"/>
+            <a:ext cx="2967840" cy="454680"/>
           </a:xfrm>
           <a:prstGeom prst="rect">
             <a:avLst/>
@@ -1478,7 +1478,7 @@
                 <a:tab algn="l" pos="0"/>
               </a:tabLst>
             </a:pPr>
-            <a:fld id="{BA7E4B1C-9F0E-4592-890F-5CD1A9474682}" type="slidenum">
+            <a:fld id="{76D29124-D313-459E-9B10-DF1A07AC4E71}" type="slidenum">
               <a:rPr b="0" lang="en-US" sz="1200" spc="-1" strike="noStrike">
                 <a:solidFill>
                   <a:srgbClr val="000000"/>
@@ -1520,7 +1520,7 @@
       </p:grpSpPr>
       <p:sp>
         <p:nvSpPr>
-          <p:cNvPr id="422" name="PlaceHolder 1"/>
+          <p:cNvPr id="412" name="PlaceHolder 1"/>
           <p:cNvSpPr>
             <a:spLocks noGrp="1"/>
           </p:cNvSpPr>
@@ -1531,7 +1531,7 @@
         <p:spPr>
           <a:xfrm>
             <a:off x="685800" y="1143000"/>
-            <a:ext cx="5482800" cy="3082680"/>
+            <a:ext cx="5482440" cy="3082320"/>
           </a:xfrm>
           <a:prstGeom prst="rect">
             <a:avLst/>
@@ -1543,7 +1543,7 @@
       </p:sp>
       <p:sp>
         <p:nvSpPr>
-          <p:cNvPr id="423" name="PlaceHolder 2"/>
+          <p:cNvPr id="413" name="PlaceHolder 2"/>
           <p:cNvSpPr>
             <a:spLocks noGrp="1"/>
           </p:cNvSpPr>
@@ -1554,7 +1554,7 @@
         <p:spPr>
           <a:xfrm>
             <a:off x="685800" y="4400640"/>
-            <a:ext cx="5482800" cy="3596760"/>
+            <a:ext cx="5482440" cy="3596400"/>
           </a:xfrm>
           <a:prstGeom prst="rect">
             <a:avLst/>
@@ -1583,7 +1583,7 @@
       </p:sp>
       <p:sp>
         <p:nvSpPr>
-          <p:cNvPr id="424" name="PlaceHolder 3"/>
+          <p:cNvPr id="414" name="PlaceHolder 3"/>
           <p:cNvSpPr>
             <a:spLocks noGrp="1"/>
           </p:cNvSpPr>
@@ -1594,7 +1594,7 @@
         <p:spPr>
           <a:xfrm>
             <a:off x="3884760" y="8685360"/>
-            <a:ext cx="2968200" cy="455040"/>
+            <a:ext cx="2967840" cy="454680"/>
           </a:xfrm>
           <a:prstGeom prst="rect">
             <a:avLst/>
@@ -1635,7 +1635,7 @@
                 <a:tab algn="l" pos="0"/>
               </a:tabLst>
             </a:pPr>
-            <a:fld id="{1572FE2D-A120-45E3-BC9D-E7E9BAA4D1A9}" type="slidenum">
+            <a:fld id="{EEDA04ED-5035-4709-958D-05D98C4BB13C}" type="slidenum">
               <a:rPr b="0" lang="en-US" sz="1200" spc="-1" strike="noStrike">
                 <a:solidFill>
                   <a:srgbClr val="000000"/>
@@ -1677,7 +1677,7 @@
       </p:grpSpPr>
       <p:sp>
         <p:nvSpPr>
-          <p:cNvPr id="380" name="PlaceHolder 1"/>
+          <p:cNvPr id="370" name="PlaceHolder 1"/>
           <p:cNvSpPr>
             <a:spLocks noGrp="1"/>
           </p:cNvSpPr>
@@ -1688,7 +1688,7 @@
         <p:spPr>
           <a:xfrm>
             <a:off x="685800" y="1143000"/>
-            <a:ext cx="5482800" cy="3082680"/>
+            <a:ext cx="5482440" cy="3082320"/>
           </a:xfrm>
           <a:prstGeom prst="rect">
             <a:avLst/>
@@ -1700,7 +1700,7 @@
       </p:sp>
       <p:sp>
         <p:nvSpPr>
-          <p:cNvPr id="381" name="PlaceHolder 2"/>
+          <p:cNvPr id="371" name="PlaceHolder 2"/>
           <p:cNvSpPr>
             <a:spLocks noGrp="1"/>
           </p:cNvSpPr>
@@ -1711,7 +1711,7 @@
         <p:spPr>
           <a:xfrm>
             <a:off x="685800" y="4400640"/>
-            <a:ext cx="5482800" cy="3596760"/>
+            <a:ext cx="5482440" cy="3596400"/>
           </a:xfrm>
           <a:prstGeom prst="rect">
             <a:avLst/>
@@ -1740,7 +1740,7 @@
       </p:sp>
       <p:sp>
         <p:nvSpPr>
-          <p:cNvPr id="382" name="PlaceHolder 3"/>
+          <p:cNvPr id="372" name="PlaceHolder 3"/>
           <p:cNvSpPr>
             <a:spLocks noGrp="1"/>
           </p:cNvSpPr>
@@ -1751,7 +1751,7 @@
         <p:spPr>
           <a:xfrm>
             <a:off x="3884760" y="8685360"/>
-            <a:ext cx="2968200" cy="455040"/>
+            <a:ext cx="2967840" cy="454680"/>
           </a:xfrm>
           <a:prstGeom prst="rect">
             <a:avLst/>
@@ -1792,7 +1792,7 @@
                 <a:tab algn="l" pos="0"/>
               </a:tabLst>
             </a:pPr>
-            <a:fld id="{FEF4F12B-49DC-4BEC-9BCD-0B39CEE00F1E}" type="slidenum">
+            <a:fld id="{D0C9C8A9-FE98-4888-A0AF-C7583E7C4146}" type="slidenum">
               <a:rPr b="0" lang="en-US" sz="1200" spc="-1" strike="noStrike">
                 <a:solidFill>
                   <a:srgbClr val="000000"/>
@@ -1834,7 +1834,7 @@
       </p:grpSpPr>
       <p:sp>
         <p:nvSpPr>
-          <p:cNvPr id="383" name="PlaceHolder 1"/>
+          <p:cNvPr id="373" name="PlaceHolder 1"/>
           <p:cNvSpPr>
             <a:spLocks noGrp="1"/>
           </p:cNvSpPr>
@@ -1845,7 +1845,7 @@
         <p:spPr>
           <a:xfrm>
             <a:off x="685800" y="1143000"/>
-            <a:ext cx="5482800" cy="3082680"/>
+            <a:ext cx="5482440" cy="3082320"/>
           </a:xfrm>
           <a:prstGeom prst="rect">
             <a:avLst/>
@@ -1857,7 +1857,7 @@
       </p:sp>
       <p:sp>
         <p:nvSpPr>
-          <p:cNvPr id="384" name="PlaceHolder 2"/>
+          <p:cNvPr id="374" name="PlaceHolder 2"/>
           <p:cNvSpPr>
             <a:spLocks noGrp="1"/>
           </p:cNvSpPr>
@@ -1868,7 +1868,7 @@
         <p:spPr>
           <a:xfrm>
             <a:off x="685800" y="4400640"/>
-            <a:ext cx="5482800" cy="3596760"/>
+            <a:ext cx="5482440" cy="3596400"/>
           </a:xfrm>
           <a:prstGeom prst="rect">
             <a:avLst/>
@@ -1897,7 +1897,7 @@
       </p:sp>
       <p:sp>
         <p:nvSpPr>
-          <p:cNvPr id="385" name="PlaceHolder 3"/>
+          <p:cNvPr id="375" name="PlaceHolder 3"/>
           <p:cNvSpPr>
             <a:spLocks noGrp="1"/>
           </p:cNvSpPr>
@@ -1908,7 +1908,7 @@
         <p:spPr>
           <a:xfrm>
             <a:off x="3884760" y="8685360"/>
-            <a:ext cx="2968200" cy="455040"/>
+            <a:ext cx="2967840" cy="454680"/>
           </a:xfrm>
           <a:prstGeom prst="rect">
             <a:avLst/>
@@ -1949,7 +1949,7 @@
                 <a:tab algn="l" pos="0"/>
               </a:tabLst>
             </a:pPr>
-            <a:fld id="{EDD82B5E-E679-434D-BF92-BDDC052B44D2}" type="slidenum">
+            <a:fld id="{B0FE8921-3E1F-40F9-A579-8ADCFBCB1686}" type="slidenum">
               <a:rPr b="0" lang="en-US" sz="1200" spc="-1" strike="noStrike">
                 <a:solidFill>
                   <a:srgbClr val="000000"/>
@@ -1991,7 +1991,7 @@
       </p:grpSpPr>
       <p:sp>
         <p:nvSpPr>
-          <p:cNvPr id="386" name="PlaceHolder 1"/>
+          <p:cNvPr id="376" name="PlaceHolder 1"/>
           <p:cNvSpPr>
             <a:spLocks noGrp="1"/>
           </p:cNvSpPr>
@@ -2002,7 +2002,7 @@
         <p:spPr>
           <a:xfrm>
             <a:off x="685800" y="1143000"/>
-            <a:ext cx="5482800" cy="3082680"/>
+            <a:ext cx="5482440" cy="3082320"/>
           </a:xfrm>
           <a:prstGeom prst="rect">
             <a:avLst/>
@@ -2014,7 +2014,7 @@
       </p:sp>
       <p:sp>
         <p:nvSpPr>
-          <p:cNvPr id="387" name="PlaceHolder 2"/>
+          <p:cNvPr id="377" name="PlaceHolder 2"/>
           <p:cNvSpPr>
             <a:spLocks noGrp="1"/>
           </p:cNvSpPr>
@@ -2025,7 +2025,7 @@
         <p:spPr>
           <a:xfrm>
             <a:off x="685800" y="4400640"/>
-            <a:ext cx="5482800" cy="3596760"/>
+            <a:ext cx="5482440" cy="3596400"/>
           </a:xfrm>
           <a:prstGeom prst="rect">
             <a:avLst/>
@@ -2054,7 +2054,7 @@
       </p:sp>
       <p:sp>
         <p:nvSpPr>
-          <p:cNvPr id="388" name="PlaceHolder 3"/>
+          <p:cNvPr id="378" name="PlaceHolder 3"/>
           <p:cNvSpPr>
             <a:spLocks noGrp="1"/>
           </p:cNvSpPr>
@@ -2065,7 +2065,7 @@
         <p:spPr>
           <a:xfrm>
             <a:off x="3884760" y="8685360"/>
-            <a:ext cx="2968200" cy="455040"/>
+            <a:ext cx="2967840" cy="454680"/>
           </a:xfrm>
           <a:prstGeom prst="rect">
             <a:avLst/>
@@ -2106,7 +2106,7 @@
                 <a:tab algn="l" pos="0"/>
               </a:tabLst>
             </a:pPr>
-            <a:fld id="{6B39263F-674D-44B9-94F7-88161492B98E}" type="slidenum">
+            <a:fld id="{C2CF1405-DEFB-48B5-948A-451F79E12740}" type="slidenum">
               <a:rPr b="0" lang="en-US" sz="1200" spc="-1" strike="noStrike">
                 <a:solidFill>
                   <a:srgbClr val="000000"/>
@@ -2148,7 +2148,7 @@
       </p:grpSpPr>
       <p:sp>
         <p:nvSpPr>
-          <p:cNvPr id="389" name="PlaceHolder 1"/>
+          <p:cNvPr id="379" name="PlaceHolder 1"/>
           <p:cNvSpPr>
             <a:spLocks noGrp="1"/>
           </p:cNvSpPr>
@@ -2159,7 +2159,7 @@
         <p:spPr>
           <a:xfrm>
             <a:off x="685800" y="1143000"/>
-            <a:ext cx="5482800" cy="3082680"/>
+            <a:ext cx="5482440" cy="3082320"/>
           </a:xfrm>
           <a:prstGeom prst="rect">
             <a:avLst/>
@@ -2171,7 +2171,7 @@
       </p:sp>
       <p:sp>
         <p:nvSpPr>
-          <p:cNvPr id="390" name="PlaceHolder 2"/>
+          <p:cNvPr id="380" name="PlaceHolder 2"/>
           <p:cNvSpPr>
             <a:spLocks noGrp="1"/>
           </p:cNvSpPr>
@@ -2182,7 +2182,7 @@
         <p:spPr>
           <a:xfrm>
             <a:off x="685800" y="4400640"/>
-            <a:ext cx="5482800" cy="3596760"/>
+            <a:ext cx="5482440" cy="3596400"/>
           </a:xfrm>
           <a:prstGeom prst="rect">
             <a:avLst/>
@@ -2211,7 +2211,7 @@
       </p:sp>
       <p:sp>
         <p:nvSpPr>
-          <p:cNvPr id="391" name="PlaceHolder 3"/>
+          <p:cNvPr id="381" name="PlaceHolder 3"/>
           <p:cNvSpPr>
             <a:spLocks noGrp="1"/>
           </p:cNvSpPr>
@@ -2222,7 +2222,7 @@
         <p:spPr>
           <a:xfrm>
             <a:off x="3884760" y="8685360"/>
-            <a:ext cx="2968200" cy="455040"/>
+            <a:ext cx="2967840" cy="454680"/>
           </a:xfrm>
           <a:prstGeom prst="rect">
             <a:avLst/>
@@ -2263,7 +2263,7 @@
                 <a:tab algn="l" pos="0"/>
               </a:tabLst>
             </a:pPr>
-            <a:fld id="{46BD2D8C-714D-416A-909E-9E16E5A1C633}" type="slidenum">
+            <a:fld id="{DC24E363-E5E9-4337-B0D7-B52C8DB7BDC7}" type="slidenum">
               <a:rPr b="0" lang="en-US" sz="1200" spc="-1" strike="noStrike">
                 <a:solidFill>
                   <a:srgbClr val="000000"/>
@@ -2305,7 +2305,7 @@
       </p:grpSpPr>
       <p:sp>
         <p:nvSpPr>
-          <p:cNvPr id="392" name="PlaceHolder 1"/>
+          <p:cNvPr id="382" name="PlaceHolder 1"/>
           <p:cNvSpPr>
             <a:spLocks noGrp="1"/>
           </p:cNvSpPr>
@@ -2316,7 +2316,7 @@
         <p:spPr>
           <a:xfrm>
             <a:off x="685800" y="1143000"/>
-            <a:ext cx="5482800" cy="3082680"/>
+            <a:ext cx="5482440" cy="3082320"/>
           </a:xfrm>
           <a:prstGeom prst="rect">
             <a:avLst/>
@@ -2328,7 +2328,7 @@
       </p:sp>
       <p:sp>
         <p:nvSpPr>
-          <p:cNvPr id="393" name="PlaceHolder 2"/>
+          <p:cNvPr id="383" name="PlaceHolder 2"/>
           <p:cNvSpPr>
             <a:spLocks noGrp="1"/>
           </p:cNvSpPr>
@@ -2339,7 +2339,7 @@
         <p:spPr>
           <a:xfrm>
             <a:off x="685800" y="4400640"/>
-            <a:ext cx="5482800" cy="3596760"/>
+            <a:ext cx="5482440" cy="3596400"/>
           </a:xfrm>
           <a:prstGeom prst="rect">
             <a:avLst/>
@@ -2368,7 +2368,7 @@
       </p:sp>
       <p:sp>
         <p:nvSpPr>
-          <p:cNvPr id="394" name="PlaceHolder 3"/>
+          <p:cNvPr id="384" name="PlaceHolder 3"/>
           <p:cNvSpPr>
             <a:spLocks noGrp="1"/>
           </p:cNvSpPr>
@@ -2379,7 +2379,7 @@
         <p:spPr>
           <a:xfrm>
             <a:off x="3884760" y="8685360"/>
-            <a:ext cx="2968200" cy="455040"/>
+            <a:ext cx="2967840" cy="454680"/>
           </a:xfrm>
           <a:prstGeom prst="rect">
             <a:avLst/>
@@ -2420,7 +2420,7 @@
                 <a:tab algn="l" pos="0"/>
               </a:tabLst>
             </a:pPr>
-            <a:fld id="{CE72D9A0-3263-4C50-BF17-157F8DB90524}" type="slidenum">
+            <a:fld id="{A8D61E1C-CFCC-4E9B-BC56-3DCB65D73545}" type="slidenum">
               <a:rPr b="0" lang="en-US" sz="1200" spc="-1" strike="noStrike">
                 <a:solidFill>
                   <a:srgbClr val="000000"/>
@@ -2462,7 +2462,7 @@
       </p:grpSpPr>
       <p:sp>
         <p:nvSpPr>
-          <p:cNvPr id="395" name="PlaceHolder 1"/>
+          <p:cNvPr id="385" name="PlaceHolder 1"/>
           <p:cNvSpPr>
             <a:spLocks noGrp="1"/>
           </p:cNvSpPr>
@@ -2473,7 +2473,7 @@
         <p:spPr>
           <a:xfrm>
             <a:off x="685800" y="1143000"/>
-            <a:ext cx="5482800" cy="3082680"/>
+            <a:ext cx="5482440" cy="3082320"/>
           </a:xfrm>
           <a:prstGeom prst="rect">
             <a:avLst/>
@@ -2485,7 +2485,7 @@
       </p:sp>
       <p:sp>
         <p:nvSpPr>
-          <p:cNvPr id="396" name="PlaceHolder 2"/>
+          <p:cNvPr id="386" name="PlaceHolder 2"/>
           <p:cNvSpPr>
             <a:spLocks noGrp="1"/>
           </p:cNvSpPr>
@@ -2496,7 +2496,7 @@
         <p:spPr>
           <a:xfrm>
             <a:off x="685800" y="4400640"/>
-            <a:ext cx="5482800" cy="3596760"/>
+            <a:ext cx="5482440" cy="3596400"/>
           </a:xfrm>
           <a:prstGeom prst="rect">
             <a:avLst/>
@@ -2525,7 +2525,7 @@
       </p:sp>
       <p:sp>
         <p:nvSpPr>
-          <p:cNvPr id="397" name="PlaceHolder 3"/>
+          <p:cNvPr id="387" name="PlaceHolder 3"/>
           <p:cNvSpPr>
             <a:spLocks noGrp="1"/>
           </p:cNvSpPr>
@@ -2536,7 +2536,7 @@
         <p:spPr>
           <a:xfrm>
             <a:off x="3884760" y="8685360"/>
-            <a:ext cx="2968200" cy="455040"/>
+            <a:ext cx="2967840" cy="454680"/>
           </a:xfrm>
           <a:prstGeom prst="rect">
             <a:avLst/>
@@ -2577,7 +2577,7 @@
                 <a:tab algn="l" pos="0"/>
               </a:tabLst>
             </a:pPr>
-            <a:fld id="{2C8C406A-0918-491A-866D-FAA20B403458}" type="slidenum">
+            <a:fld id="{DEC16465-04EB-44BD-AE6D-CC2236C3ECD2}" type="slidenum">
               <a:rPr b="0" lang="en-US" sz="1200" spc="-1" strike="noStrike">
                 <a:solidFill>
                   <a:srgbClr val="000000"/>
@@ -2619,7 +2619,7 @@
       </p:grpSpPr>
       <p:sp>
         <p:nvSpPr>
-          <p:cNvPr id="398" name="PlaceHolder 1"/>
+          <p:cNvPr id="388" name="PlaceHolder 1"/>
           <p:cNvSpPr>
             <a:spLocks noGrp="1"/>
           </p:cNvSpPr>
@@ -2630,7 +2630,7 @@
         <p:spPr>
           <a:xfrm>
             <a:off x="685800" y="1143000"/>
-            <a:ext cx="5482800" cy="3082680"/>
+            <a:ext cx="5482440" cy="3082320"/>
           </a:xfrm>
           <a:prstGeom prst="rect">
             <a:avLst/>
@@ -2642,7 +2642,7 @@
       </p:sp>
       <p:sp>
         <p:nvSpPr>
-          <p:cNvPr id="399" name="PlaceHolder 2"/>
+          <p:cNvPr id="389" name="PlaceHolder 2"/>
           <p:cNvSpPr>
             <a:spLocks noGrp="1"/>
           </p:cNvSpPr>
@@ -2653,7 +2653,7 @@
         <p:spPr>
           <a:xfrm>
             <a:off x="685800" y="4400640"/>
-            <a:ext cx="5482800" cy="3596760"/>
+            <a:ext cx="5482440" cy="3596400"/>
           </a:xfrm>
           <a:prstGeom prst="rect">
             <a:avLst/>
@@ -2682,7 +2682,7 @@
       </p:sp>
       <p:sp>
         <p:nvSpPr>
-          <p:cNvPr id="400" name="PlaceHolder 3"/>
+          <p:cNvPr id="390" name="PlaceHolder 3"/>
           <p:cNvSpPr>
             <a:spLocks noGrp="1"/>
           </p:cNvSpPr>
@@ -2693,7 +2693,7 @@
         <p:spPr>
           <a:xfrm>
             <a:off x="3884760" y="8685360"/>
-            <a:ext cx="2968200" cy="455040"/>
+            <a:ext cx="2967840" cy="454680"/>
           </a:xfrm>
           <a:prstGeom prst="rect">
             <a:avLst/>
@@ -2734,7 +2734,7 @@
                 <a:tab algn="l" pos="0"/>
               </a:tabLst>
             </a:pPr>
-            <a:fld id="{542268D0-B828-415D-A103-2DE7DB4639C5}" type="slidenum">
+            <a:fld id="{46A0CF64-0DD6-42FD-A12E-83DE4873D881}" type="slidenum">
               <a:rPr b="0" lang="en-US" sz="1200" spc="-1" strike="noStrike">
                 <a:solidFill>
                   <a:srgbClr val="000000"/>
@@ -2776,7 +2776,7 @@
       </p:grpSpPr>
       <p:sp>
         <p:nvSpPr>
-          <p:cNvPr id="401" name="PlaceHolder 1"/>
+          <p:cNvPr id="391" name="PlaceHolder 1"/>
           <p:cNvSpPr>
             <a:spLocks noGrp="1"/>
           </p:cNvSpPr>
@@ -2787,7 +2787,7 @@
         <p:spPr>
           <a:xfrm>
             <a:off x="685800" y="1143000"/>
-            <a:ext cx="5482800" cy="3082680"/>
+            <a:ext cx="5482440" cy="3082320"/>
           </a:xfrm>
           <a:prstGeom prst="rect">
             <a:avLst/>
@@ -2799,7 +2799,7 @@
       </p:sp>
       <p:sp>
         <p:nvSpPr>
-          <p:cNvPr id="402" name="PlaceHolder 2"/>
+          <p:cNvPr id="392" name="PlaceHolder 2"/>
           <p:cNvSpPr>
             <a:spLocks noGrp="1"/>
           </p:cNvSpPr>
@@ -2810,7 +2810,7 @@
         <p:spPr>
           <a:xfrm>
             <a:off x="685800" y="4400640"/>
-            <a:ext cx="5482800" cy="3596760"/>
+            <a:ext cx="5482440" cy="3596400"/>
           </a:xfrm>
           <a:prstGeom prst="rect">
             <a:avLst/>
@@ -2839,7 +2839,7 @@
       </p:sp>
       <p:sp>
         <p:nvSpPr>
-          <p:cNvPr id="403" name="PlaceHolder 3"/>
+          <p:cNvPr id="393" name="PlaceHolder 3"/>
           <p:cNvSpPr>
             <a:spLocks noGrp="1"/>
           </p:cNvSpPr>
@@ -2850,7 +2850,7 @@
         <p:spPr>
           <a:xfrm>
             <a:off x="3884760" y="8685360"/>
-            <a:ext cx="2968200" cy="455040"/>
+            <a:ext cx="2967840" cy="454680"/>
           </a:xfrm>
           <a:prstGeom prst="rect">
             <a:avLst/>
@@ -2891,7 +2891,7 @@
                 <a:tab algn="l" pos="0"/>
               </a:tabLst>
             </a:pPr>
-            <a:fld id="{9ADDA579-7CBE-4B84-BE84-859B6EC1206C}" type="slidenum">
+            <a:fld id="{FBDAEBB5-094B-4018-93BD-10F3195C7C81}" type="slidenum">
               <a:rPr b="0" lang="en-US" sz="1200" spc="-1" strike="noStrike">
                 <a:solidFill>
                   <a:srgbClr val="000000"/>
@@ -3124,7 +3124,7 @@
       </p:grpSpPr>
       <p:sp>
         <p:nvSpPr>
-          <p:cNvPr id="85" name="PlaceHolder 1"/>
+          <p:cNvPr id="83" name="PlaceHolder 1"/>
           <p:cNvSpPr>
             <a:spLocks noGrp="1"/>
           </p:cNvSpPr>
@@ -3164,7 +3164,7 @@
       </p:sp>
       <p:sp>
         <p:nvSpPr>
-          <p:cNvPr id="86" name="PlaceHolder 2"/>
+          <p:cNvPr id="84" name="PlaceHolder 2"/>
           <p:cNvSpPr>
             <a:spLocks noGrp="1"/>
           </p:cNvSpPr>
@@ -3207,7 +3207,7 @@
       </p:sp>
       <p:sp>
         <p:nvSpPr>
-          <p:cNvPr id="87" name="PlaceHolder 3"/>
+          <p:cNvPr id="85" name="PlaceHolder 3"/>
           <p:cNvSpPr>
             <a:spLocks noGrp="1"/>
           </p:cNvSpPr>
@@ -3272,7 +3272,7 @@
       </p:grpSpPr>
       <p:sp>
         <p:nvSpPr>
-          <p:cNvPr id="93" name="PlaceHolder 1"/>
+          <p:cNvPr id="90" name="PlaceHolder 1"/>
           <p:cNvSpPr>
             <a:spLocks noGrp="1"/>
           </p:cNvSpPr>
@@ -3356,7 +3356,7 @@
       </p:grpSpPr>
       <p:sp>
         <p:nvSpPr>
-          <p:cNvPr id="106" name="PlaceHolder 1"/>
+          <p:cNvPr id="101" name="PlaceHolder 1"/>
           <p:cNvSpPr>
             <a:spLocks noGrp="1"/>
           </p:cNvSpPr>
@@ -3396,7 +3396,7 @@
       </p:sp>
       <p:sp>
         <p:nvSpPr>
-          <p:cNvPr id="107" name="PlaceHolder 2"/>
+          <p:cNvPr id="102" name="PlaceHolder 2"/>
           <p:cNvSpPr>
             <a:spLocks noGrp="1"/>
           </p:cNvSpPr>
@@ -3439,7 +3439,7 @@
       </p:sp>
       <p:sp>
         <p:nvSpPr>
-          <p:cNvPr id="108" name="PlaceHolder 3"/>
+          <p:cNvPr id="103" name="PlaceHolder 3"/>
           <p:cNvSpPr>
             <a:spLocks noGrp="1"/>
           </p:cNvSpPr>
@@ -3482,7 +3482,7 @@
       </p:sp>
       <p:sp>
         <p:nvSpPr>
-          <p:cNvPr id="109" name="PlaceHolder 4"/>
+          <p:cNvPr id="104" name="PlaceHolder 4"/>
           <p:cNvSpPr>
             <a:spLocks noGrp="1"/>
           </p:cNvSpPr>
@@ -3547,7 +3547,7 @@
       </p:grpSpPr>
       <p:sp>
         <p:nvSpPr>
-          <p:cNvPr id="117" name="PlaceHolder 1"/>
+          <p:cNvPr id="112" name="PlaceHolder 1"/>
           <p:cNvSpPr>
             <a:spLocks noGrp="1"/>
           </p:cNvSpPr>
@@ -3587,7 +3587,7 @@
       </p:sp>
       <p:sp>
         <p:nvSpPr>
-          <p:cNvPr id="118" name="PlaceHolder 2"/>
+          <p:cNvPr id="113" name="PlaceHolder 2"/>
           <p:cNvSpPr>
             <a:spLocks noGrp="1"/>
           </p:cNvSpPr>
@@ -3630,7 +3630,7 @@
       </p:sp>
       <p:sp>
         <p:nvSpPr>
-          <p:cNvPr id="119" name="PlaceHolder 3"/>
+          <p:cNvPr id="114" name="PlaceHolder 3"/>
           <p:cNvSpPr>
             <a:spLocks noGrp="1"/>
           </p:cNvSpPr>
@@ -3673,7 +3673,7 @@
       </p:sp>
       <p:sp>
         <p:nvSpPr>
-          <p:cNvPr id="120" name="PlaceHolder 4"/>
+          <p:cNvPr id="115" name="PlaceHolder 4"/>
           <p:cNvSpPr>
             <a:spLocks noGrp="1"/>
           </p:cNvSpPr>
@@ -3738,7 +3738,7 @@
       </p:grpSpPr>
       <p:sp>
         <p:nvSpPr>
-          <p:cNvPr id="128" name="PlaceHolder 1"/>
+          <p:cNvPr id="123" name="PlaceHolder 1"/>
           <p:cNvSpPr>
             <a:spLocks noGrp="1"/>
           </p:cNvSpPr>
@@ -3778,7 +3778,7 @@
       </p:sp>
       <p:sp>
         <p:nvSpPr>
-          <p:cNvPr id="129" name="PlaceHolder 2"/>
+          <p:cNvPr id="124" name="PlaceHolder 2"/>
           <p:cNvSpPr>
             <a:spLocks noGrp="1"/>
           </p:cNvSpPr>
@@ -3821,7 +3821,7 @@
       </p:sp>
       <p:sp>
         <p:nvSpPr>
-          <p:cNvPr id="130" name="PlaceHolder 3"/>
+          <p:cNvPr id="125" name="PlaceHolder 3"/>
           <p:cNvSpPr>
             <a:spLocks noGrp="1"/>
           </p:cNvSpPr>
@@ -3864,7 +3864,7 @@
       </p:sp>
       <p:sp>
         <p:nvSpPr>
-          <p:cNvPr id="131" name="PlaceHolder 4"/>
+          <p:cNvPr id="126" name="PlaceHolder 4"/>
           <p:cNvSpPr>
             <a:spLocks noGrp="1"/>
           </p:cNvSpPr>
@@ -3929,7 +3929,7 @@
       </p:grpSpPr>
       <p:sp>
         <p:nvSpPr>
-          <p:cNvPr id="138" name="PlaceHolder 1"/>
+          <p:cNvPr id="133" name="PlaceHolder 1"/>
           <p:cNvSpPr>
             <a:spLocks noGrp="1"/>
           </p:cNvSpPr>
@@ -3969,7 +3969,7 @@
       </p:sp>
       <p:sp>
         <p:nvSpPr>
-          <p:cNvPr id="139" name="PlaceHolder 2"/>
+          <p:cNvPr id="134" name="PlaceHolder 2"/>
           <p:cNvSpPr>
             <a:spLocks noGrp="1"/>
           </p:cNvSpPr>
@@ -4012,7 +4012,7 @@
       </p:sp>
       <p:sp>
         <p:nvSpPr>
-          <p:cNvPr id="140" name="PlaceHolder 3"/>
+          <p:cNvPr id="135" name="PlaceHolder 3"/>
           <p:cNvSpPr>
             <a:spLocks noGrp="1"/>
           </p:cNvSpPr>
@@ -4077,7 +4077,7 @@
       </p:grpSpPr>
       <p:sp>
         <p:nvSpPr>
-          <p:cNvPr id="149" name="PlaceHolder 1"/>
+          <p:cNvPr id="144" name="PlaceHolder 1"/>
           <p:cNvSpPr>
             <a:spLocks noGrp="1"/>
           </p:cNvSpPr>
@@ -4117,7 +4117,7 @@
       </p:sp>
       <p:sp>
         <p:nvSpPr>
-          <p:cNvPr id="150" name="PlaceHolder 2"/>
+          <p:cNvPr id="145" name="PlaceHolder 2"/>
           <p:cNvSpPr>
             <a:spLocks noGrp="1"/>
           </p:cNvSpPr>
@@ -4160,7 +4160,7 @@
       </p:sp>
       <p:sp>
         <p:nvSpPr>
-          <p:cNvPr id="151" name="PlaceHolder 3"/>
+          <p:cNvPr id="146" name="PlaceHolder 3"/>
           <p:cNvSpPr>
             <a:spLocks noGrp="1"/>
           </p:cNvSpPr>
@@ -4203,7 +4203,7 @@
       </p:sp>
       <p:sp>
         <p:nvSpPr>
-          <p:cNvPr id="152" name="PlaceHolder 4"/>
+          <p:cNvPr id="147" name="PlaceHolder 4"/>
           <p:cNvSpPr>
             <a:spLocks noGrp="1"/>
           </p:cNvSpPr>
@@ -4246,7 +4246,7 @@
       </p:sp>
       <p:sp>
         <p:nvSpPr>
-          <p:cNvPr id="153" name="PlaceHolder 5"/>
+          <p:cNvPr id="148" name="PlaceHolder 5"/>
           <p:cNvSpPr>
             <a:spLocks noGrp="1"/>
           </p:cNvSpPr>
@@ -4546,7 +4546,7 @@
       </p:grpSpPr>
       <p:sp>
         <p:nvSpPr>
-          <p:cNvPr id="169" name="PlaceHolder 1"/>
+          <p:cNvPr id="162" name="PlaceHolder 1"/>
           <p:cNvSpPr>
             <a:spLocks noGrp="1"/>
           </p:cNvSpPr>
@@ -4586,7 +4586,7 @@
       </p:sp>
       <p:sp>
         <p:nvSpPr>
-          <p:cNvPr id="170" name="PlaceHolder 2"/>
+          <p:cNvPr id="163" name="PlaceHolder 2"/>
           <p:cNvSpPr>
             <a:spLocks noGrp="1"/>
           </p:cNvSpPr>
@@ -4651,7 +4651,7 @@
       </p:grpSpPr>
       <p:sp>
         <p:nvSpPr>
-          <p:cNvPr id="176" name="PlaceHolder 1"/>
+          <p:cNvPr id="169" name="PlaceHolder 1"/>
           <p:cNvSpPr>
             <a:spLocks noGrp="1"/>
           </p:cNvSpPr>
@@ -4691,7 +4691,7 @@
       </p:sp>
       <p:sp>
         <p:nvSpPr>
-          <p:cNvPr id="177" name="PlaceHolder 2"/>
+          <p:cNvPr id="170" name="PlaceHolder 2"/>
           <p:cNvSpPr>
             <a:spLocks noGrp="1"/>
           </p:cNvSpPr>
@@ -4756,7 +4756,7 @@
       </p:grpSpPr>
       <p:sp>
         <p:nvSpPr>
-          <p:cNvPr id="184" name="PlaceHolder 1"/>
+          <p:cNvPr id="177" name="PlaceHolder 1"/>
           <p:cNvSpPr>
             <a:spLocks noGrp="1"/>
           </p:cNvSpPr>
@@ -4796,7 +4796,7 @@
       </p:sp>
       <p:sp>
         <p:nvSpPr>
-          <p:cNvPr id="185" name="PlaceHolder 2"/>
+          <p:cNvPr id="178" name="PlaceHolder 2"/>
           <p:cNvSpPr>
             <a:spLocks noGrp="1"/>
           </p:cNvSpPr>
@@ -4839,7 +4839,7 @@
       </p:sp>
       <p:sp>
         <p:nvSpPr>
-          <p:cNvPr id="186" name="PlaceHolder 3"/>
+          <p:cNvPr id="179" name="PlaceHolder 3"/>
           <p:cNvSpPr>
             <a:spLocks noGrp="1"/>
           </p:cNvSpPr>
@@ -4904,7 +4904,7 @@
       </p:grpSpPr>
       <p:sp>
         <p:nvSpPr>
-          <p:cNvPr id="192" name="PlaceHolder 1"/>
+          <p:cNvPr id="184" name="PlaceHolder 1"/>
           <p:cNvSpPr>
             <a:spLocks noGrp="1"/>
           </p:cNvSpPr>
@@ -5627,7 +5627,7 @@
       </p:grpSpPr>
       <p:sp>
         <p:nvSpPr>
-          <p:cNvPr id="70" name="PlaceHolder 1"/>
+          <p:cNvPr id="68" name="PlaceHolder 1"/>
           <p:cNvSpPr>
             <a:spLocks noGrp="1"/>
           </p:cNvSpPr>
@@ -5667,7 +5667,7 @@
       </p:sp>
       <p:sp>
         <p:nvSpPr>
-          <p:cNvPr id="71" name="PlaceHolder 2"/>
+          <p:cNvPr id="69" name="PlaceHolder 2"/>
           <p:cNvSpPr>
             <a:spLocks noGrp="1"/>
           </p:cNvSpPr>
@@ -5732,7 +5732,7 @@
       </p:grpSpPr>
       <p:sp>
         <p:nvSpPr>
-          <p:cNvPr id="77" name="PlaceHolder 1"/>
+          <p:cNvPr id="75" name="PlaceHolder 1"/>
           <p:cNvSpPr>
             <a:spLocks noGrp="1"/>
           </p:cNvSpPr>
@@ -5772,7 +5772,7 @@
       </p:sp>
       <p:sp>
         <p:nvSpPr>
-          <p:cNvPr id="78" name="PlaceHolder 2"/>
+          <p:cNvPr id="76" name="PlaceHolder 2"/>
           <p:cNvSpPr>
             <a:spLocks noGrp="1"/>
           </p:cNvSpPr>
@@ -5855,7 +5855,7 @@
         <p:spPr>
           <a:xfrm>
             <a:off x="-1623960" y="0"/>
-            <a:ext cx="13820400" cy="6864840"/>
+            <a:ext cx="13820040" cy="6864480"/>
           </a:xfrm>
           <a:prstGeom prst="rect">
             <a:avLst/>
@@ -5874,7 +5874,7 @@
         <p:spPr>
           <a:xfrm>
             <a:off x="6084000" y="0"/>
-            <a:ext cx="5586480" cy="6854400"/>
+            <a:ext cx="5586120" cy="6854040"/>
           </a:xfrm>
           <a:prstGeom prst="rect">
             <a:avLst/>
@@ -5932,7 +5932,7 @@
         <p:spPr>
           <a:xfrm>
             <a:off x="7368480" y="4313880"/>
-            <a:ext cx="3183840" cy="1586160"/>
+            <a:ext cx="3183480" cy="1585800"/>
           </a:xfrm>
           <a:prstGeom prst="rect">
             <a:avLst/>
@@ -5980,7 +5980,16 @@
                 </a:solidFill>
                 <a:latin typeface="Arial"/>
               </a:rPr>
-              <a:t>Click to edit the title text format</a:t>
+              <a:t>Click to edit the title </a:t>
+            </a:r>
+            <a:r>
+              <a:rPr b="0" lang="en-US" sz="1800" spc="-1" strike="noStrike">
+                <a:solidFill>
+                  <a:srgbClr val="000000"/>
+                </a:solidFill>
+                <a:latin typeface="Arial"/>
+              </a:rPr>
+              <a:t>text format</a:t>
             </a:r>
             <a:endParaRPr b="0" lang="en-US" sz="1800" spc="-1" strike="noStrike">
               <a:solidFill>
@@ -6701,7 +6710,7 @@
       </p:grpSpPr>
       <p:pic>
         <p:nvPicPr>
-          <p:cNvPr id="79" name="Picture 8" descr="AyresJosh.jpg"/>
+          <p:cNvPr id="77" name="Picture 8" descr="AyresJosh.jpg"/>
           <p:cNvPicPr/>
           <p:nvPr/>
         </p:nvPicPr>
@@ -6712,7 +6721,7 @@
         <p:spPr>
           <a:xfrm>
             <a:off x="-1623960" y="0"/>
-            <a:ext cx="13820400" cy="6864840"/>
+            <a:ext cx="13820040" cy="6864480"/>
           </a:xfrm>
           <a:prstGeom prst="rect">
             <a:avLst/>
@@ -6724,14 +6733,14 @@
       </p:pic>
       <p:sp>
         <p:nvSpPr>
-          <p:cNvPr id="80" name="Rectangle 5"/>
+          <p:cNvPr id="78" name="Rectangle 5"/>
           <p:cNvSpPr/>
           <p:nvPr/>
         </p:nvSpPr>
         <p:spPr>
           <a:xfrm>
             <a:off x="6084000" y="0"/>
-            <a:ext cx="5586480" cy="6854400"/>
+            <a:ext cx="5586120" cy="6854040"/>
           </a:xfrm>
           <a:prstGeom prst="rect">
             <a:avLst/>
@@ -6778,7 +6787,7 @@
       </p:sp>
       <p:pic>
         <p:nvPicPr>
-          <p:cNvPr id="81" name="Picture 10" descr=""/>
+          <p:cNvPr id="79" name="Picture 10" descr=""/>
           <p:cNvPicPr/>
           <p:nvPr/>
         </p:nvPicPr>
@@ -6789,7 +6798,7 @@
         <p:spPr>
           <a:xfrm>
             <a:off x="7368480" y="4313880"/>
-            <a:ext cx="3183840" cy="1586160"/>
+            <a:ext cx="3183480" cy="1585800"/>
           </a:xfrm>
           <a:prstGeom prst="rect">
             <a:avLst/>
@@ -6801,7 +6810,7 @@
       </p:pic>
       <p:sp>
         <p:nvSpPr>
-          <p:cNvPr id="82" name="PlaceHolder 1"/>
+          <p:cNvPr id="80" name="PlaceHolder 1"/>
           <p:cNvSpPr>
             <a:spLocks noGrp="1"/>
           </p:cNvSpPr>
@@ -6850,7 +6859,7 @@
       </p:sp>
       <p:sp>
         <p:nvSpPr>
-          <p:cNvPr id="83" name="PlaceHolder 2"/>
+          <p:cNvPr id="81" name="PlaceHolder 2"/>
           <p:cNvSpPr>
             <a:spLocks noGrp="1"/>
           </p:cNvSpPr>
@@ -7075,7 +7084,7 @@
       </p:sp>
       <p:sp>
         <p:nvSpPr>
-          <p:cNvPr id="84" name="PlaceHolder 3"/>
+          <p:cNvPr id="82" name="PlaceHolder 3"/>
           <p:cNvSpPr>
             <a:spLocks noGrp="1"/>
           </p:cNvSpPr>
@@ -7333,7 +7342,7 @@
       </p:grpSpPr>
       <p:pic>
         <p:nvPicPr>
-          <p:cNvPr id="88" name="Picture 8" descr="AyresJosh.jpg"/>
+          <p:cNvPr id="86" name="Picture 8" descr="AyresJosh.jpg"/>
           <p:cNvPicPr/>
           <p:nvPr/>
         </p:nvPicPr>
@@ -7344,7 +7353,7 @@
         <p:spPr>
           <a:xfrm>
             <a:off x="-1623960" y="0"/>
-            <a:ext cx="13820400" cy="6864840"/>
+            <a:ext cx="13820040" cy="6864480"/>
           </a:xfrm>
           <a:prstGeom prst="rect">
             <a:avLst/>
@@ -7356,14 +7365,14 @@
       </p:pic>
       <p:sp>
         <p:nvSpPr>
-          <p:cNvPr id="89" name="Rectangle 5"/>
+          <p:cNvPr id="87" name="Rectangle 5"/>
           <p:cNvSpPr/>
           <p:nvPr/>
         </p:nvSpPr>
         <p:spPr>
           <a:xfrm>
             <a:off x="6084000" y="0"/>
-            <a:ext cx="5586480" cy="6854400"/>
+            <a:ext cx="5586120" cy="6854040"/>
           </a:xfrm>
           <a:prstGeom prst="rect">
             <a:avLst/>
@@ -7410,7 +7419,7 @@
       </p:sp>
       <p:pic>
         <p:nvPicPr>
-          <p:cNvPr id="90" name="Picture 10" descr=""/>
+          <p:cNvPr id="88" name="Picture 10" descr=""/>
           <p:cNvPicPr/>
           <p:nvPr/>
         </p:nvPicPr>
@@ -7421,7 +7430,7 @@
         <p:spPr>
           <a:xfrm>
             <a:off x="7368480" y="4313880"/>
-            <a:ext cx="3183840" cy="1586160"/>
+            <a:ext cx="3183480" cy="1585800"/>
           </a:xfrm>
           <a:prstGeom prst="rect">
             <a:avLst/>
@@ -7433,7 +7442,7 @@
       </p:pic>
       <p:sp>
         <p:nvSpPr>
-          <p:cNvPr id="91" name="PlaceHolder 1"/>
+          <p:cNvPr id="89" name="PlaceHolder 1"/>
           <p:cNvSpPr>
             <a:spLocks noGrp="1"/>
           </p:cNvSpPr>
@@ -7472,231 +7481,6 @@
               <a:t>Click to edit the title text format</a:t>
             </a:r>
             <a:endParaRPr b="0" lang="en-US" sz="1800" spc="-1" strike="noStrike">
-              <a:solidFill>
-                <a:srgbClr val="000000"/>
-              </a:solidFill>
-              <a:latin typeface="Arial"/>
-            </a:endParaRPr>
-          </a:p>
-        </p:txBody>
-      </p:sp>
-      <p:sp>
-        <p:nvSpPr>
-          <p:cNvPr id="92" name="PlaceHolder 2"/>
-          <p:cNvSpPr>
-            <a:spLocks noGrp="1"/>
-          </p:cNvSpPr>
-          <p:nvPr>
-            <p:ph type="body"/>
-          </p:nvPr>
-        </p:nvSpPr>
-        <p:spPr>
-          <a:xfrm>
-            <a:off x="609120" y="1604520"/>
-            <a:ext cx="10969560" cy="3977280"/>
-          </a:xfrm>
-          <a:prstGeom prst="rect">
-            <a:avLst/>
-          </a:prstGeom>
-          <a:noFill/>
-          <a:ln w="0">
-            <a:noFill/>
-          </a:ln>
-        </p:spPr>
-        <p:txBody>
-          <a:bodyPr lIns="0" rIns="0" tIns="0" bIns="0" anchor="t">
-            <a:normAutofit/>
-          </a:bodyPr>
-          <a:p>
-            <a:pPr marL="432000" indent="-324000">
-              <a:spcBef>
-                <a:spcPts val="1417"/>
-              </a:spcBef>
-              <a:buClr>
-                <a:srgbClr val="000000"/>
-              </a:buClr>
-              <a:buSzPct val="45000"/>
-              <a:buFont typeface="Wingdings" charset="2"/>
-              <a:buChar char=""/>
-            </a:pPr>
-            <a:r>
-              <a:rPr b="0" lang="en-US" sz="3200" spc="-1" strike="noStrike">
-                <a:solidFill>
-                  <a:srgbClr val="000000"/>
-                </a:solidFill>
-                <a:latin typeface="Arial"/>
-              </a:rPr>
-              <a:t>Click to edit the outline text format</a:t>
-            </a:r>
-            <a:endParaRPr b="0" lang="en-US" sz="3200" spc="-1" strike="noStrike">
-              <a:solidFill>
-                <a:srgbClr val="000000"/>
-              </a:solidFill>
-              <a:latin typeface="Arial"/>
-            </a:endParaRPr>
-          </a:p>
-          <a:p>
-            <a:pPr lvl="1" marL="864000" indent="-324000">
-              <a:spcBef>
-                <a:spcPts val="1134"/>
-              </a:spcBef>
-              <a:buClr>
-                <a:srgbClr val="000000"/>
-              </a:buClr>
-              <a:buSzPct val="75000"/>
-              <a:buFont typeface="Symbol" charset="2"/>
-              <a:buChar char=""/>
-            </a:pPr>
-            <a:r>
-              <a:rPr b="0" lang="en-US" sz="2800" spc="-1" strike="noStrike">
-                <a:solidFill>
-                  <a:srgbClr val="000000"/>
-                </a:solidFill>
-                <a:latin typeface="Arial"/>
-              </a:rPr>
-              <a:t>Second Outline Level</a:t>
-            </a:r>
-            <a:endParaRPr b="0" lang="en-US" sz="2800" spc="-1" strike="noStrike">
-              <a:solidFill>
-                <a:srgbClr val="000000"/>
-              </a:solidFill>
-              <a:latin typeface="Arial"/>
-            </a:endParaRPr>
-          </a:p>
-          <a:p>
-            <a:pPr lvl="2" marL="1296000" indent="-288000">
-              <a:spcBef>
-                <a:spcPts val="850"/>
-              </a:spcBef>
-              <a:buClr>
-                <a:srgbClr val="000000"/>
-              </a:buClr>
-              <a:buSzPct val="45000"/>
-              <a:buFont typeface="Wingdings" charset="2"/>
-              <a:buChar char=""/>
-            </a:pPr>
-            <a:r>
-              <a:rPr b="0" lang="en-US" sz="2400" spc="-1" strike="noStrike">
-                <a:solidFill>
-                  <a:srgbClr val="000000"/>
-                </a:solidFill>
-                <a:latin typeface="Arial"/>
-              </a:rPr>
-              <a:t>Third Outline Level</a:t>
-            </a:r>
-            <a:endParaRPr b="0" lang="en-US" sz="2400" spc="-1" strike="noStrike">
-              <a:solidFill>
-                <a:srgbClr val="000000"/>
-              </a:solidFill>
-              <a:latin typeface="Arial"/>
-            </a:endParaRPr>
-          </a:p>
-          <a:p>
-            <a:pPr lvl="3" marL="1728000" indent="-216000">
-              <a:spcBef>
-                <a:spcPts val="567"/>
-              </a:spcBef>
-              <a:buClr>
-                <a:srgbClr val="000000"/>
-              </a:buClr>
-              <a:buSzPct val="75000"/>
-              <a:buFont typeface="Symbol" charset="2"/>
-              <a:buChar char=""/>
-            </a:pPr>
-            <a:r>
-              <a:rPr b="0" lang="en-US" sz="2000" spc="-1" strike="noStrike">
-                <a:solidFill>
-                  <a:srgbClr val="000000"/>
-                </a:solidFill>
-                <a:latin typeface="Arial"/>
-              </a:rPr>
-              <a:t>Fourth Outline Level</a:t>
-            </a:r>
-            <a:endParaRPr b="0" lang="en-US" sz="2000" spc="-1" strike="noStrike">
-              <a:solidFill>
-                <a:srgbClr val="000000"/>
-              </a:solidFill>
-              <a:latin typeface="Arial"/>
-            </a:endParaRPr>
-          </a:p>
-          <a:p>
-            <a:pPr lvl="4" marL="2160000" indent="-216000">
-              <a:spcBef>
-                <a:spcPts val="283"/>
-              </a:spcBef>
-              <a:buClr>
-                <a:srgbClr val="000000"/>
-              </a:buClr>
-              <a:buSzPct val="45000"/>
-              <a:buFont typeface="Wingdings" charset="2"/>
-              <a:buChar char=""/>
-            </a:pPr>
-            <a:r>
-              <a:rPr b="0" lang="en-US" sz="2000" spc="-1" strike="noStrike">
-                <a:solidFill>
-                  <a:srgbClr val="000000"/>
-                </a:solidFill>
-                <a:latin typeface="Arial"/>
-              </a:rPr>
-              <a:t>Fifth Outline Level</a:t>
-            </a:r>
-            <a:endParaRPr b="0" lang="en-US" sz="2000" spc="-1" strike="noStrike">
-              <a:solidFill>
-                <a:srgbClr val="000000"/>
-              </a:solidFill>
-              <a:latin typeface="Arial"/>
-            </a:endParaRPr>
-          </a:p>
-          <a:p>
-            <a:pPr lvl="5" marL="2592000" indent="-216000">
-              <a:spcBef>
-                <a:spcPts val="283"/>
-              </a:spcBef>
-              <a:buClr>
-                <a:srgbClr val="000000"/>
-              </a:buClr>
-              <a:buSzPct val="45000"/>
-              <a:buFont typeface="Wingdings" charset="2"/>
-              <a:buChar char=""/>
-            </a:pPr>
-            <a:r>
-              <a:rPr b="0" lang="en-US" sz="2000" spc="-1" strike="noStrike">
-                <a:solidFill>
-                  <a:srgbClr val="000000"/>
-                </a:solidFill>
-                <a:latin typeface="Arial"/>
-              </a:rPr>
-              <a:t>Sixth Outline Level</a:t>
-            </a:r>
-            <a:endParaRPr b="0" lang="en-US" sz="2000" spc="-1" strike="noStrike">
-              <a:solidFill>
-                <a:srgbClr val="000000"/>
-              </a:solidFill>
-              <a:latin typeface="Arial"/>
-            </a:endParaRPr>
-          </a:p>
-          <a:p>
-            <a:pPr lvl="6" marL="3024000" indent="-216000">
-              <a:spcBef>
-                <a:spcPts val="283"/>
-              </a:spcBef>
-              <a:buClr>
-                <a:srgbClr val="000000"/>
-              </a:buClr>
-              <a:buSzPct val="45000"/>
-              <a:buFont typeface="Wingdings" charset="2"/>
-              <a:buChar char=""/>
-            </a:pPr>
-            <a:r>
-              <a:rPr b="0" lang="en-US" sz="2000" spc="-1" strike="noStrike">
-                <a:solidFill>
-                  <a:srgbClr val="000000"/>
-                </a:solidFill>
-                <a:latin typeface="Arial"/>
-              </a:rPr>
-              <a:t>Seventh Outline Level</a:t>
-            </a:r>
-            <a:endParaRPr b="0" lang="en-US" sz="2000" spc="-1" strike="noStrike">
               <a:solidFill>
                 <a:srgbClr val="000000"/>
               </a:solidFill>
@@ -7740,7 +7524,7 @@
       </p:grpSpPr>
       <p:pic>
         <p:nvPicPr>
-          <p:cNvPr id="94" name="Picture 8" descr="AyresJosh.jpg"/>
+          <p:cNvPr id="91" name="Picture 8" descr="AyresJosh.jpg"/>
           <p:cNvPicPr/>
           <p:nvPr/>
         </p:nvPicPr>
@@ -7751,7 +7535,7 @@
         <p:spPr>
           <a:xfrm>
             <a:off x="-1623960" y="0"/>
-            <a:ext cx="13820400" cy="6864840"/>
+            <a:ext cx="13820040" cy="6864480"/>
           </a:xfrm>
           <a:prstGeom prst="rect">
             <a:avLst/>
@@ -7763,14 +7547,14 @@
       </p:pic>
       <p:sp>
         <p:nvSpPr>
-          <p:cNvPr id="95" name="Rectangle 5"/>
+          <p:cNvPr id="92" name="Rectangle 5"/>
           <p:cNvSpPr/>
           <p:nvPr/>
         </p:nvSpPr>
         <p:spPr>
           <a:xfrm>
             <a:off x="6084000" y="0"/>
-            <a:ext cx="5586480" cy="6854400"/>
+            <a:ext cx="5586120" cy="6854040"/>
           </a:xfrm>
           <a:prstGeom prst="rect">
             <a:avLst/>
@@ -7817,7 +7601,7 @@
       </p:sp>
       <p:pic>
         <p:nvPicPr>
-          <p:cNvPr id="96" name="Picture 10" descr=""/>
+          <p:cNvPr id="93" name="Picture 10" descr=""/>
           <p:cNvPicPr/>
           <p:nvPr/>
         </p:nvPicPr>
@@ -7828,7 +7612,7 @@
         <p:spPr>
           <a:xfrm>
             <a:off x="7368480" y="4313880"/>
-            <a:ext cx="3183840" cy="1586160"/>
+            <a:ext cx="3183480" cy="1585800"/>
           </a:xfrm>
           <a:prstGeom prst="rect">
             <a:avLst/>
@@ -7838,280 +7622,6 @@
           </a:ln>
         </p:spPr>
       </p:pic>
-      <p:sp>
-        <p:nvSpPr>
-          <p:cNvPr id="97" name="PlaceHolder 1"/>
-          <p:cNvSpPr>
-            <a:spLocks noGrp="1"/>
-          </p:cNvSpPr>
-          <p:nvPr>
-            <p:ph type="title"/>
-          </p:nvPr>
-        </p:nvSpPr>
-        <p:spPr>
-          <a:xfrm>
-            <a:off x="609120" y="273600"/>
-            <a:ext cx="10969560" cy="1144800"/>
-          </a:xfrm>
-          <a:prstGeom prst="rect">
-            <a:avLst/>
-          </a:prstGeom>
-          <a:noFill/>
-          <a:ln w="0">
-            <a:noFill/>
-          </a:ln>
-        </p:spPr>
-        <p:txBody>
-          <a:bodyPr lIns="0" rIns="0" tIns="0" bIns="0" anchor="ctr">
-            <a:noAutofit/>
-          </a:bodyPr>
-          <a:p>
-            <a:pPr indent="0" algn="ctr">
-              <a:buNone/>
-            </a:pPr>
-            <a:r>
-              <a:rPr b="0" lang="en-US" sz="4400" spc="-1" strike="noStrike">
-                <a:solidFill>
-                  <a:srgbClr val="000000"/>
-                </a:solidFill>
-                <a:latin typeface="Arial"/>
-              </a:rPr>
-              <a:t>Click to edit the title text format</a:t>
-            </a:r>
-            <a:endParaRPr b="0" lang="en-US" sz="4400" spc="-1" strike="noStrike">
-              <a:solidFill>
-                <a:srgbClr val="000000"/>
-              </a:solidFill>
-              <a:latin typeface="Arial"/>
-            </a:endParaRPr>
-          </a:p>
-        </p:txBody>
-      </p:sp>
-      <p:sp>
-        <p:nvSpPr>
-          <p:cNvPr id="98" name="PlaceHolder 2"/>
-          <p:cNvSpPr>
-            <a:spLocks noGrp="1"/>
-          </p:cNvSpPr>
-          <p:nvPr>
-            <p:ph type="body"/>
-          </p:nvPr>
-        </p:nvSpPr>
-        <p:spPr>
-          <a:xfrm>
-            <a:off x="609120" y="1604520"/>
-            <a:ext cx="10969560" cy="3977280"/>
-          </a:xfrm>
-          <a:prstGeom prst="rect">
-            <a:avLst/>
-          </a:prstGeom>
-          <a:noFill/>
-          <a:ln w="0">
-            <a:noFill/>
-          </a:ln>
-        </p:spPr>
-        <p:txBody>
-          <a:bodyPr lIns="0" rIns="0" tIns="0" bIns="0" anchor="t">
-            <a:normAutofit/>
-          </a:bodyPr>
-          <a:p>
-            <a:pPr marL="432000" indent="-324000">
-              <a:spcBef>
-                <a:spcPts val="1417"/>
-              </a:spcBef>
-              <a:buClr>
-                <a:srgbClr val="000000"/>
-              </a:buClr>
-              <a:buSzPct val="45000"/>
-              <a:buFont typeface="Wingdings" charset="2"/>
-              <a:buChar char=""/>
-            </a:pPr>
-            <a:r>
-              <a:rPr b="0" lang="en-US" sz="3200" spc="-1" strike="noStrike">
-                <a:solidFill>
-                  <a:srgbClr val="000000"/>
-                </a:solidFill>
-                <a:latin typeface="Arial"/>
-              </a:rPr>
-              <a:t>Click to edit the outline text format</a:t>
-            </a:r>
-            <a:endParaRPr b="0" lang="en-US" sz="3200" spc="-1" strike="noStrike">
-              <a:solidFill>
-                <a:srgbClr val="000000"/>
-              </a:solidFill>
-              <a:latin typeface="Arial"/>
-            </a:endParaRPr>
-          </a:p>
-          <a:p>
-            <a:pPr lvl="1" marL="864000" indent="-324000">
-              <a:spcBef>
-                <a:spcPts val="1134"/>
-              </a:spcBef>
-              <a:buClr>
-                <a:srgbClr val="000000"/>
-              </a:buClr>
-              <a:buSzPct val="75000"/>
-              <a:buFont typeface="Symbol" charset="2"/>
-              <a:buChar char=""/>
-            </a:pPr>
-            <a:r>
-              <a:rPr b="0" lang="en-US" sz="2800" spc="-1" strike="noStrike">
-                <a:solidFill>
-                  <a:srgbClr val="000000"/>
-                </a:solidFill>
-                <a:latin typeface="Arial"/>
-              </a:rPr>
-              <a:t>Second Outline Level</a:t>
-            </a:r>
-            <a:endParaRPr b="0" lang="en-US" sz="2800" spc="-1" strike="noStrike">
-              <a:solidFill>
-                <a:srgbClr val="000000"/>
-              </a:solidFill>
-              <a:latin typeface="Arial"/>
-            </a:endParaRPr>
-          </a:p>
-          <a:p>
-            <a:pPr lvl="2" marL="1296000" indent="-288000">
-              <a:spcBef>
-                <a:spcPts val="850"/>
-              </a:spcBef>
-              <a:buClr>
-                <a:srgbClr val="000000"/>
-              </a:buClr>
-              <a:buSzPct val="45000"/>
-              <a:buFont typeface="Wingdings" charset="2"/>
-              <a:buChar char=""/>
-            </a:pPr>
-            <a:r>
-              <a:rPr b="0" lang="en-US" sz="2400" spc="-1" strike="noStrike">
-                <a:solidFill>
-                  <a:srgbClr val="000000"/>
-                </a:solidFill>
-                <a:latin typeface="Arial"/>
-              </a:rPr>
-              <a:t>Third Outline Level</a:t>
-            </a:r>
-            <a:endParaRPr b="0" lang="en-US" sz="2400" spc="-1" strike="noStrike">
-              <a:solidFill>
-                <a:srgbClr val="000000"/>
-              </a:solidFill>
-              <a:latin typeface="Arial"/>
-            </a:endParaRPr>
-          </a:p>
-          <a:p>
-            <a:pPr lvl="3" marL="1728000" indent="-216000">
-              <a:spcBef>
-                <a:spcPts val="567"/>
-              </a:spcBef>
-              <a:buClr>
-                <a:srgbClr val="000000"/>
-              </a:buClr>
-              <a:buSzPct val="75000"/>
-              <a:buFont typeface="Symbol" charset="2"/>
-              <a:buChar char=""/>
-            </a:pPr>
-            <a:r>
-              <a:rPr b="0" lang="en-US" sz="2000" spc="-1" strike="noStrike">
-                <a:solidFill>
-                  <a:srgbClr val="000000"/>
-                </a:solidFill>
-                <a:latin typeface="Arial"/>
-              </a:rPr>
-              <a:t>Fourth Outline Level</a:t>
-            </a:r>
-            <a:endParaRPr b="0" lang="en-US" sz="2000" spc="-1" strike="noStrike">
-              <a:solidFill>
-                <a:srgbClr val="000000"/>
-              </a:solidFill>
-              <a:latin typeface="Arial"/>
-            </a:endParaRPr>
-          </a:p>
-          <a:p>
-            <a:pPr lvl="4" marL="2160000" indent="-216000">
-              <a:spcBef>
-                <a:spcPts val="283"/>
-              </a:spcBef>
-              <a:buClr>
-                <a:srgbClr val="000000"/>
-              </a:buClr>
-              <a:buSzPct val="45000"/>
-              <a:buFont typeface="Wingdings" charset="2"/>
-              <a:buChar char=""/>
-            </a:pPr>
-            <a:r>
-              <a:rPr b="0" lang="en-US" sz="2000" spc="-1" strike="noStrike">
-                <a:solidFill>
-                  <a:srgbClr val="000000"/>
-                </a:solidFill>
-                <a:latin typeface="Arial"/>
-              </a:rPr>
-              <a:t>Fifth Outline Level</a:t>
-            </a:r>
-            <a:endParaRPr b="0" lang="en-US" sz="2000" spc="-1" strike="noStrike">
-              <a:solidFill>
-                <a:srgbClr val="000000"/>
-              </a:solidFill>
-              <a:latin typeface="Arial"/>
-            </a:endParaRPr>
-          </a:p>
-          <a:p>
-            <a:pPr lvl="5" marL="2592000" indent="-216000">
-              <a:spcBef>
-                <a:spcPts val="283"/>
-              </a:spcBef>
-              <a:buClr>
-                <a:srgbClr val="000000"/>
-              </a:buClr>
-              <a:buSzPct val="45000"/>
-              <a:buFont typeface="Wingdings" charset="2"/>
-              <a:buChar char=""/>
-            </a:pPr>
-            <a:r>
-              <a:rPr b="0" lang="en-US" sz="2000" spc="-1" strike="noStrike">
-                <a:solidFill>
-                  <a:srgbClr val="000000"/>
-                </a:solidFill>
-                <a:latin typeface="Arial"/>
-              </a:rPr>
-              <a:t>Sixth Outline Level</a:t>
-            </a:r>
-            <a:endParaRPr b="0" lang="en-US" sz="2000" spc="-1" strike="noStrike">
-              <a:solidFill>
-                <a:srgbClr val="000000"/>
-              </a:solidFill>
-              <a:latin typeface="Arial"/>
-            </a:endParaRPr>
-          </a:p>
-          <a:p>
-            <a:pPr lvl="6" marL="3024000" indent="-216000">
-              <a:spcBef>
-                <a:spcPts val="283"/>
-              </a:spcBef>
-              <a:buClr>
-                <a:srgbClr val="000000"/>
-              </a:buClr>
-              <a:buSzPct val="45000"/>
-              <a:buFont typeface="Wingdings" charset="2"/>
-              <a:buChar char=""/>
-            </a:pPr>
-            <a:r>
-              <a:rPr b="0" lang="en-US" sz="2000" spc="-1" strike="noStrike">
-                <a:solidFill>
-                  <a:srgbClr val="000000"/>
-                </a:solidFill>
-                <a:latin typeface="Arial"/>
-              </a:rPr>
-              <a:t>Seventh Outline Level</a:t>
-            </a:r>
-            <a:endParaRPr b="0" lang="en-US" sz="2000" spc="-1" strike="noStrike">
-              <a:solidFill>
-                <a:srgbClr val="000000"/>
-              </a:solidFill>
-              <a:latin typeface="Arial"/>
-            </a:endParaRPr>
-          </a:p>
-        </p:txBody>
-      </p:sp>
     </p:spTree>
   </p:cSld>
   <p:clrMap bg1="lt1" bg2="lt2" tx1="dk1" tx2="dk2" accent1="accent1" accent2="accent2" accent3="accent3" accent4="accent4" accent5="accent5" accent6="accent6" hlink="hlink" folHlink="folHlink"/>
@@ -8147,7 +7657,7 @@
       </p:grpSpPr>
       <p:pic>
         <p:nvPicPr>
-          <p:cNvPr id="99" name="Picture 8" descr="AyresJosh.jpg"/>
+          <p:cNvPr id="94" name="Picture 8" descr="AyresJosh.jpg"/>
           <p:cNvPicPr/>
           <p:nvPr/>
         </p:nvPicPr>
@@ -8158,7 +7668,7 @@
         <p:spPr>
           <a:xfrm>
             <a:off x="-1623960" y="0"/>
-            <a:ext cx="13820400" cy="6864840"/>
+            <a:ext cx="13820040" cy="6864480"/>
           </a:xfrm>
           <a:prstGeom prst="rect">
             <a:avLst/>
@@ -8170,14 +7680,14 @@
       </p:pic>
       <p:sp>
         <p:nvSpPr>
-          <p:cNvPr id="100" name="Rectangle 5"/>
+          <p:cNvPr id="95" name="Rectangle 5"/>
           <p:cNvSpPr/>
           <p:nvPr/>
         </p:nvSpPr>
         <p:spPr>
           <a:xfrm>
             <a:off x="6084000" y="0"/>
-            <a:ext cx="5586480" cy="6854400"/>
+            <a:ext cx="5586120" cy="6854040"/>
           </a:xfrm>
           <a:prstGeom prst="rect">
             <a:avLst/>
@@ -8224,7 +7734,7 @@
       </p:sp>
       <p:pic>
         <p:nvPicPr>
-          <p:cNvPr id="101" name="Picture 10" descr=""/>
+          <p:cNvPr id="96" name="Picture 10" descr=""/>
           <p:cNvPicPr/>
           <p:nvPr/>
         </p:nvPicPr>
@@ -8235,7 +7745,7 @@
         <p:spPr>
           <a:xfrm>
             <a:off x="7368480" y="4313880"/>
-            <a:ext cx="3183840" cy="1586160"/>
+            <a:ext cx="3183480" cy="1585800"/>
           </a:xfrm>
           <a:prstGeom prst="rect">
             <a:avLst/>
@@ -8247,7 +7757,7 @@
       </p:pic>
       <p:sp>
         <p:nvSpPr>
-          <p:cNvPr id="102" name="PlaceHolder 1"/>
+          <p:cNvPr id="97" name="PlaceHolder 1"/>
           <p:cNvSpPr>
             <a:spLocks noGrp="1"/>
           </p:cNvSpPr>
@@ -8296,7 +7806,7 @@
       </p:sp>
       <p:sp>
         <p:nvSpPr>
-          <p:cNvPr id="103" name="PlaceHolder 2"/>
+          <p:cNvPr id="98" name="PlaceHolder 2"/>
           <p:cNvSpPr>
             <a:spLocks noGrp="1"/>
           </p:cNvSpPr>
@@ -8521,7 +8031,7 @@
       </p:sp>
       <p:sp>
         <p:nvSpPr>
-          <p:cNvPr id="104" name="PlaceHolder 3"/>
+          <p:cNvPr id="99" name="PlaceHolder 3"/>
           <p:cNvSpPr>
             <a:spLocks noGrp="1"/>
           </p:cNvSpPr>
@@ -8746,7 +8256,7 @@
       </p:sp>
       <p:sp>
         <p:nvSpPr>
-          <p:cNvPr id="105" name="PlaceHolder 4"/>
+          <p:cNvPr id="100" name="PlaceHolder 4"/>
           <p:cNvSpPr>
             <a:spLocks noGrp="1"/>
           </p:cNvSpPr>
@@ -9004,7 +8514,7 @@
       </p:grpSpPr>
       <p:pic>
         <p:nvPicPr>
-          <p:cNvPr id="110" name="Picture 8" descr="AyresJosh.jpg"/>
+          <p:cNvPr id="105" name="Picture 8" descr="AyresJosh.jpg"/>
           <p:cNvPicPr/>
           <p:nvPr/>
         </p:nvPicPr>
@@ -9015,7 +8525,7 @@
         <p:spPr>
           <a:xfrm>
             <a:off x="-1623960" y="0"/>
-            <a:ext cx="13820400" cy="6864840"/>
+            <a:ext cx="13820040" cy="6864480"/>
           </a:xfrm>
           <a:prstGeom prst="rect">
             <a:avLst/>
@@ -9027,14 +8537,14 @@
       </p:pic>
       <p:sp>
         <p:nvSpPr>
-          <p:cNvPr id="111" name="Rectangle 5"/>
+          <p:cNvPr id="106" name="Rectangle 5"/>
           <p:cNvSpPr/>
           <p:nvPr/>
         </p:nvSpPr>
         <p:spPr>
           <a:xfrm>
             <a:off x="6084000" y="0"/>
-            <a:ext cx="5586480" cy="6854400"/>
+            <a:ext cx="5586120" cy="6854040"/>
           </a:xfrm>
           <a:prstGeom prst="rect">
             <a:avLst/>
@@ -9081,7 +8591,7 @@
       </p:sp>
       <p:pic>
         <p:nvPicPr>
-          <p:cNvPr id="112" name="Picture 10" descr=""/>
+          <p:cNvPr id="107" name="Picture 10" descr=""/>
           <p:cNvPicPr/>
           <p:nvPr/>
         </p:nvPicPr>
@@ -9092,7 +8602,7 @@
         <p:spPr>
           <a:xfrm>
             <a:off x="7368480" y="4313880"/>
-            <a:ext cx="3183840" cy="1586160"/>
+            <a:ext cx="3183480" cy="1585800"/>
           </a:xfrm>
           <a:prstGeom prst="rect">
             <a:avLst/>
@@ -9104,7 +8614,7 @@
       </p:pic>
       <p:sp>
         <p:nvSpPr>
-          <p:cNvPr id="113" name="PlaceHolder 1"/>
+          <p:cNvPr id="108" name="PlaceHolder 1"/>
           <p:cNvSpPr>
             <a:spLocks noGrp="1"/>
           </p:cNvSpPr>
@@ -9153,7 +8663,7 @@
       </p:sp>
       <p:sp>
         <p:nvSpPr>
-          <p:cNvPr id="114" name="PlaceHolder 2"/>
+          <p:cNvPr id="109" name="PlaceHolder 2"/>
           <p:cNvSpPr>
             <a:spLocks noGrp="1"/>
           </p:cNvSpPr>
@@ -9378,7 +8888,7 @@
       </p:sp>
       <p:sp>
         <p:nvSpPr>
-          <p:cNvPr id="115" name="PlaceHolder 3"/>
+          <p:cNvPr id="110" name="PlaceHolder 3"/>
           <p:cNvSpPr>
             <a:spLocks noGrp="1"/>
           </p:cNvSpPr>
@@ -9603,7 +9113,7 @@
       </p:sp>
       <p:sp>
         <p:nvSpPr>
-          <p:cNvPr id="116" name="PlaceHolder 4"/>
+          <p:cNvPr id="111" name="PlaceHolder 4"/>
           <p:cNvSpPr>
             <a:spLocks noGrp="1"/>
           </p:cNvSpPr>
@@ -9861,7 +9371,7 @@
       </p:grpSpPr>
       <p:pic>
         <p:nvPicPr>
-          <p:cNvPr id="121" name="Picture 8" descr="AyresJosh.jpg"/>
+          <p:cNvPr id="116" name="Picture 8" descr="AyresJosh.jpg"/>
           <p:cNvPicPr/>
           <p:nvPr/>
         </p:nvPicPr>
@@ -9872,7 +9382,7 @@
         <p:spPr>
           <a:xfrm>
             <a:off x="-1623960" y="0"/>
-            <a:ext cx="13820400" cy="6864840"/>
+            <a:ext cx="13820040" cy="6864480"/>
           </a:xfrm>
           <a:prstGeom prst="rect">
             <a:avLst/>
@@ -9884,14 +9394,14 @@
       </p:pic>
       <p:sp>
         <p:nvSpPr>
-          <p:cNvPr id="122" name="Rectangle 5"/>
+          <p:cNvPr id="117" name="Rectangle 5"/>
           <p:cNvSpPr/>
           <p:nvPr/>
         </p:nvSpPr>
         <p:spPr>
           <a:xfrm>
             <a:off x="6084000" y="0"/>
-            <a:ext cx="5586480" cy="6854400"/>
+            <a:ext cx="5586120" cy="6854040"/>
           </a:xfrm>
           <a:prstGeom prst="rect">
             <a:avLst/>
@@ -9938,7 +9448,7 @@
       </p:sp>
       <p:pic>
         <p:nvPicPr>
-          <p:cNvPr id="123" name="Picture 10" descr=""/>
+          <p:cNvPr id="118" name="Picture 10" descr=""/>
           <p:cNvPicPr/>
           <p:nvPr/>
         </p:nvPicPr>
@@ -9949,7 +9459,7 @@
         <p:spPr>
           <a:xfrm>
             <a:off x="7368480" y="4313880"/>
-            <a:ext cx="3183840" cy="1586160"/>
+            <a:ext cx="3183480" cy="1585800"/>
           </a:xfrm>
           <a:prstGeom prst="rect">
             <a:avLst/>
@@ -9961,7 +9471,7 @@
       </p:pic>
       <p:sp>
         <p:nvSpPr>
-          <p:cNvPr id="124" name="PlaceHolder 1"/>
+          <p:cNvPr id="119" name="PlaceHolder 1"/>
           <p:cNvSpPr>
             <a:spLocks noGrp="1"/>
           </p:cNvSpPr>
@@ -10010,7 +9520,7 @@
       </p:sp>
       <p:sp>
         <p:nvSpPr>
-          <p:cNvPr id="125" name="PlaceHolder 2"/>
+          <p:cNvPr id="120" name="PlaceHolder 2"/>
           <p:cNvSpPr>
             <a:spLocks noGrp="1"/>
           </p:cNvSpPr>
@@ -10235,7 +9745,7 @@
       </p:sp>
       <p:sp>
         <p:nvSpPr>
-          <p:cNvPr id="126" name="PlaceHolder 3"/>
+          <p:cNvPr id="121" name="PlaceHolder 3"/>
           <p:cNvSpPr>
             <a:spLocks noGrp="1"/>
           </p:cNvSpPr>
@@ -10460,7 +9970,7 @@
       </p:sp>
       <p:sp>
         <p:nvSpPr>
-          <p:cNvPr id="127" name="PlaceHolder 4"/>
+          <p:cNvPr id="122" name="PlaceHolder 4"/>
           <p:cNvSpPr>
             <a:spLocks noGrp="1"/>
           </p:cNvSpPr>
@@ -10718,7 +10228,7 @@
       </p:grpSpPr>
       <p:pic>
         <p:nvPicPr>
-          <p:cNvPr id="132" name="Picture 8" descr="AyresJosh.jpg"/>
+          <p:cNvPr id="127" name="Picture 8" descr="AyresJosh.jpg"/>
           <p:cNvPicPr/>
           <p:nvPr/>
         </p:nvPicPr>
@@ -10729,7 +10239,7 @@
         <p:spPr>
           <a:xfrm>
             <a:off x="-1623960" y="0"/>
-            <a:ext cx="13820400" cy="6864840"/>
+            <a:ext cx="13820040" cy="6864480"/>
           </a:xfrm>
           <a:prstGeom prst="rect">
             <a:avLst/>
@@ -10741,14 +10251,14 @@
       </p:pic>
       <p:sp>
         <p:nvSpPr>
-          <p:cNvPr id="133" name="Rectangle 5"/>
+          <p:cNvPr id="128" name="Rectangle 5"/>
           <p:cNvSpPr/>
           <p:nvPr/>
         </p:nvSpPr>
         <p:spPr>
           <a:xfrm>
             <a:off x="6084000" y="0"/>
-            <a:ext cx="5586480" cy="6854400"/>
+            <a:ext cx="5586120" cy="6854040"/>
           </a:xfrm>
           <a:prstGeom prst="rect">
             <a:avLst/>
@@ -10795,7 +10305,7 @@
       </p:sp>
       <p:pic>
         <p:nvPicPr>
-          <p:cNvPr id="134" name="Picture 10" descr=""/>
+          <p:cNvPr id="129" name="Picture 10" descr=""/>
           <p:cNvPicPr/>
           <p:nvPr/>
         </p:nvPicPr>
@@ -10806,7 +10316,7 @@
         <p:spPr>
           <a:xfrm>
             <a:off x="7368480" y="4313880"/>
-            <a:ext cx="3183840" cy="1586160"/>
+            <a:ext cx="3183480" cy="1585800"/>
           </a:xfrm>
           <a:prstGeom prst="rect">
             <a:avLst/>
@@ -10818,7 +10328,7 @@
       </p:pic>
       <p:sp>
         <p:nvSpPr>
-          <p:cNvPr id="135" name="PlaceHolder 1"/>
+          <p:cNvPr id="130" name="PlaceHolder 1"/>
           <p:cNvSpPr>
             <a:spLocks noGrp="1"/>
           </p:cNvSpPr>
@@ -10867,7 +10377,7 @@
       </p:sp>
       <p:sp>
         <p:nvSpPr>
-          <p:cNvPr id="136" name="PlaceHolder 2"/>
+          <p:cNvPr id="131" name="PlaceHolder 2"/>
           <p:cNvSpPr>
             <a:spLocks noGrp="1"/>
           </p:cNvSpPr>
@@ -11092,7 +10602,7 @@
       </p:sp>
       <p:sp>
         <p:nvSpPr>
-          <p:cNvPr id="137" name="PlaceHolder 3"/>
+          <p:cNvPr id="132" name="PlaceHolder 3"/>
           <p:cNvSpPr>
             <a:spLocks noGrp="1"/>
           </p:cNvSpPr>
@@ -11350,7 +10860,7 @@
       </p:grpSpPr>
       <p:pic>
         <p:nvPicPr>
-          <p:cNvPr id="141" name="Picture 8" descr="AyresJosh.jpg"/>
+          <p:cNvPr id="136" name="Picture 8" descr="AyresJosh.jpg"/>
           <p:cNvPicPr/>
           <p:nvPr/>
         </p:nvPicPr>
@@ -11361,7 +10871,7 @@
         <p:spPr>
           <a:xfrm>
             <a:off x="-1623960" y="0"/>
-            <a:ext cx="13820400" cy="6864840"/>
+            <a:ext cx="13820040" cy="6864480"/>
           </a:xfrm>
           <a:prstGeom prst="rect">
             <a:avLst/>
@@ -11373,14 +10883,14 @@
       </p:pic>
       <p:sp>
         <p:nvSpPr>
-          <p:cNvPr id="142" name="Rectangle 5"/>
+          <p:cNvPr id="137" name="Rectangle 5"/>
           <p:cNvSpPr/>
           <p:nvPr/>
         </p:nvSpPr>
         <p:spPr>
           <a:xfrm>
             <a:off x="6084000" y="0"/>
-            <a:ext cx="5586480" cy="6854400"/>
+            <a:ext cx="5586120" cy="6854040"/>
           </a:xfrm>
           <a:prstGeom prst="rect">
             <a:avLst/>
@@ -11427,7 +10937,7 @@
       </p:sp>
       <p:pic>
         <p:nvPicPr>
-          <p:cNvPr id="143" name="Picture 10" descr=""/>
+          <p:cNvPr id="138" name="Picture 10" descr=""/>
           <p:cNvPicPr/>
           <p:nvPr/>
         </p:nvPicPr>
@@ -11438,7 +10948,7 @@
         <p:spPr>
           <a:xfrm>
             <a:off x="7368480" y="4313880"/>
-            <a:ext cx="3183840" cy="1586160"/>
+            <a:ext cx="3183480" cy="1585800"/>
           </a:xfrm>
           <a:prstGeom prst="rect">
             <a:avLst/>
@@ -11450,7 +10960,7 @@
       </p:pic>
       <p:sp>
         <p:nvSpPr>
-          <p:cNvPr id="144" name="PlaceHolder 1"/>
+          <p:cNvPr id="139" name="PlaceHolder 1"/>
           <p:cNvSpPr>
             <a:spLocks noGrp="1"/>
           </p:cNvSpPr>
@@ -11499,7 +11009,7 @@
       </p:sp>
       <p:sp>
         <p:nvSpPr>
-          <p:cNvPr id="145" name="PlaceHolder 2"/>
+          <p:cNvPr id="140" name="PlaceHolder 2"/>
           <p:cNvSpPr>
             <a:spLocks noGrp="1"/>
           </p:cNvSpPr>
@@ -11724,7 +11234,7 @@
       </p:sp>
       <p:sp>
         <p:nvSpPr>
-          <p:cNvPr id="146" name="PlaceHolder 3"/>
+          <p:cNvPr id="141" name="PlaceHolder 3"/>
           <p:cNvSpPr>
             <a:spLocks noGrp="1"/>
           </p:cNvSpPr>
@@ -11949,7 +11459,7 @@
       </p:sp>
       <p:sp>
         <p:nvSpPr>
-          <p:cNvPr id="147" name="PlaceHolder 4"/>
+          <p:cNvPr id="142" name="PlaceHolder 4"/>
           <p:cNvSpPr>
             <a:spLocks noGrp="1"/>
           </p:cNvSpPr>
@@ -12174,7 +11684,7 @@
       </p:sp>
       <p:sp>
         <p:nvSpPr>
-          <p:cNvPr id="148" name="PlaceHolder 5"/>
+          <p:cNvPr id="143" name="PlaceHolder 5"/>
           <p:cNvSpPr>
             <a:spLocks noGrp="1"/>
           </p:cNvSpPr>
@@ -12432,7 +11942,7 @@
       </p:grpSpPr>
       <p:pic>
         <p:nvPicPr>
-          <p:cNvPr id="154" name="Picture 8" descr="AyresJosh.jpg"/>
+          <p:cNvPr id="149" name="Picture 8" descr="AyresJosh.jpg"/>
           <p:cNvPicPr/>
           <p:nvPr/>
         </p:nvPicPr>
@@ -12443,7 +11953,7 @@
         <p:spPr>
           <a:xfrm>
             <a:off x="-1623960" y="0"/>
-            <a:ext cx="13820400" cy="6864840"/>
+            <a:ext cx="13820040" cy="6864480"/>
           </a:xfrm>
           <a:prstGeom prst="rect">
             <a:avLst/>
@@ -12455,14 +11965,14 @@
       </p:pic>
       <p:sp>
         <p:nvSpPr>
-          <p:cNvPr id="155" name="Rectangle 5"/>
+          <p:cNvPr id="150" name="Rectangle 5"/>
           <p:cNvSpPr/>
           <p:nvPr/>
         </p:nvSpPr>
         <p:spPr>
           <a:xfrm>
             <a:off x="6084000" y="0"/>
-            <a:ext cx="5586480" cy="6854400"/>
+            <a:ext cx="5586120" cy="6854040"/>
           </a:xfrm>
           <a:prstGeom prst="rect">
             <a:avLst/>
@@ -12509,7 +12019,7 @@
       </p:sp>
       <p:pic>
         <p:nvPicPr>
-          <p:cNvPr id="156" name="Picture 10" descr=""/>
+          <p:cNvPr id="151" name="Picture 10" descr=""/>
           <p:cNvPicPr/>
           <p:nvPr/>
         </p:nvPicPr>
@@ -12520,7 +12030,7 @@
         <p:spPr>
           <a:xfrm>
             <a:off x="7368480" y="4313880"/>
-            <a:ext cx="3183840" cy="1586160"/>
+            <a:ext cx="3183480" cy="1585800"/>
           </a:xfrm>
           <a:prstGeom prst="rect">
             <a:avLst/>
@@ -12530,280 +12040,6 @@
           </a:ln>
         </p:spPr>
       </p:pic>
-      <p:sp>
-        <p:nvSpPr>
-          <p:cNvPr id="157" name="PlaceHolder 1"/>
-          <p:cNvSpPr>
-            <a:spLocks noGrp="1"/>
-          </p:cNvSpPr>
-          <p:nvPr>
-            <p:ph type="title"/>
-          </p:nvPr>
-        </p:nvSpPr>
-        <p:spPr>
-          <a:xfrm>
-            <a:off x="609120" y="273600"/>
-            <a:ext cx="10969560" cy="1144800"/>
-          </a:xfrm>
-          <a:prstGeom prst="rect">
-            <a:avLst/>
-          </a:prstGeom>
-          <a:noFill/>
-          <a:ln w="0">
-            <a:noFill/>
-          </a:ln>
-        </p:spPr>
-        <p:txBody>
-          <a:bodyPr lIns="0" rIns="0" tIns="0" bIns="0" anchor="ctr">
-            <a:noAutofit/>
-          </a:bodyPr>
-          <a:p>
-            <a:pPr indent="0" algn="ctr">
-              <a:buNone/>
-            </a:pPr>
-            <a:r>
-              <a:rPr b="0" lang="en-US" sz="4400" spc="-1" strike="noStrike">
-                <a:solidFill>
-                  <a:srgbClr val="000000"/>
-                </a:solidFill>
-                <a:latin typeface="Arial"/>
-              </a:rPr>
-              <a:t>Click to edit the title text format</a:t>
-            </a:r>
-            <a:endParaRPr b="0" lang="en-US" sz="4400" spc="-1" strike="noStrike">
-              <a:solidFill>
-                <a:srgbClr val="000000"/>
-              </a:solidFill>
-              <a:latin typeface="Arial"/>
-            </a:endParaRPr>
-          </a:p>
-        </p:txBody>
-      </p:sp>
-      <p:sp>
-        <p:nvSpPr>
-          <p:cNvPr id="158" name="PlaceHolder 2"/>
-          <p:cNvSpPr>
-            <a:spLocks noGrp="1"/>
-          </p:cNvSpPr>
-          <p:nvPr>
-            <p:ph type="body"/>
-          </p:nvPr>
-        </p:nvSpPr>
-        <p:spPr>
-          <a:xfrm>
-            <a:off x="609120" y="1604520"/>
-            <a:ext cx="10969560" cy="3977280"/>
-          </a:xfrm>
-          <a:prstGeom prst="rect">
-            <a:avLst/>
-          </a:prstGeom>
-          <a:noFill/>
-          <a:ln w="0">
-            <a:noFill/>
-          </a:ln>
-        </p:spPr>
-        <p:txBody>
-          <a:bodyPr lIns="0" rIns="0" tIns="0" bIns="0" anchor="t">
-            <a:normAutofit/>
-          </a:bodyPr>
-          <a:p>
-            <a:pPr marL="432000" indent="-324000">
-              <a:spcBef>
-                <a:spcPts val="1417"/>
-              </a:spcBef>
-              <a:buClr>
-                <a:srgbClr val="000000"/>
-              </a:buClr>
-              <a:buSzPct val="45000"/>
-              <a:buFont typeface="Wingdings" charset="2"/>
-              <a:buChar char=""/>
-            </a:pPr>
-            <a:r>
-              <a:rPr b="0" lang="en-US" sz="3200" spc="-1" strike="noStrike">
-                <a:solidFill>
-                  <a:srgbClr val="000000"/>
-                </a:solidFill>
-                <a:latin typeface="Arial"/>
-              </a:rPr>
-              <a:t>Click to edit the outline text format</a:t>
-            </a:r>
-            <a:endParaRPr b="0" lang="en-US" sz="3200" spc="-1" strike="noStrike">
-              <a:solidFill>
-                <a:srgbClr val="000000"/>
-              </a:solidFill>
-              <a:latin typeface="Arial"/>
-            </a:endParaRPr>
-          </a:p>
-          <a:p>
-            <a:pPr lvl="1" marL="864000" indent="-324000">
-              <a:spcBef>
-                <a:spcPts val="1134"/>
-              </a:spcBef>
-              <a:buClr>
-                <a:srgbClr val="000000"/>
-              </a:buClr>
-              <a:buSzPct val="75000"/>
-              <a:buFont typeface="Symbol" charset="2"/>
-              <a:buChar char=""/>
-            </a:pPr>
-            <a:r>
-              <a:rPr b="0" lang="en-US" sz="2800" spc="-1" strike="noStrike">
-                <a:solidFill>
-                  <a:srgbClr val="000000"/>
-                </a:solidFill>
-                <a:latin typeface="Arial"/>
-              </a:rPr>
-              <a:t>Second Outline Level</a:t>
-            </a:r>
-            <a:endParaRPr b="0" lang="en-US" sz="2800" spc="-1" strike="noStrike">
-              <a:solidFill>
-                <a:srgbClr val="000000"/>
-              </a:solidFill>
-              <a:latin typeface="Arial"/>
-            </a:endParaRPr>
-          </a:p>
-          <a:p>
-            <a:pPr lvl="2" marL="1296000" indent="-288000">
-              <a:spcBef>
-                <a:spcPts val="850"/>
-              </a:spcBef>
-              <a:buClr>
-                <a:srgbClr val="000000"/>
-              </a:buClr>
-              <a:buSzPct val="45000"/>
-              <a:buFont typeface="Wingdings" charset="2"/>
-              <a:buChar char=""/>
-            </a:pPr>
-            <a:r>
-              <a:rPr b="0" lang="en-US" sz="2400" spc="-1" strike="noStrike">
-                <a:solidFill>
-                  <a:srgbClr val="000000"/>
-                </a:solidFill>
-                <a:latin typeface="Arial"/>
-              </a:rPr>
-              <a:t>Third Outline Level</a:t>
-            </a:r>
-            <a:endParaRPr b="0" lang="en-US" sz="2400" spc="-1" strike="noStrike">
-              <a:solidFill>
-                <a:srgbClr val="000000"/>
-              </a:solidFill>
-              <a:latin typeface="Arial"/>
-            </a:endParaRPr>
-          </a:p>
-          <a:p>
-            <a:pPr lvl="3" marL="1728000" indent="-216000">
-              <a:spcBef>
-                <a:spcPts val="567"/>
-              </a:spcBef>
-              <a:buClr>
-                <a:srgbClr val="000000"/>
-              </a:buClr>
-              <a:buSzPct val="75000"/>
-              <a:buFont typeface="Symbol" charset="2"/>
-              <a:buChar char=""/>
-            </a:pPr>
-            <a:r>
-              <a:rPr b="0" lang="en-US" sz="2000" spc="-1" strike="noStrike">
-                <a:solidFill>
-                  <a:srgbClr val="000000"/>
-                </a:solidFill>
-                <a:latin typeface="Arial"/>
-              </a:rPr>
-              <a:t>Fourth Outline Level</a:t>
-            </a:r>
-            <a:endParaRPr b="0" lang="en-US" sz="2000" spc="-1" strike="noStrike">
-              <a:solidFill>
-                <a:srgbClr val="000000"/>
-              </a:solidFill>
-              <a:latin typeface="Arial"/>
-            </a:endParaRPr>
-          </a:p>
-          <a:p>
-            <a:pPr lvl="4" marL="2160000" indent="-216000">
-              <a:spcBef>
-                <a:spcPts val="283"/>
-              </a:spcBef>
-              <a:buClr>
-                <a:srgbClr val="000000"/>
-              </a:buClr>
-              <a:buSzPct val="45000"/>
-              <a:buFont typeface="Wingdings" charset="2"/>
-              <a:buChar char=""/>
-            </a:pPr>
-            <a:r>
-              <a:rPr b="0" lang="en-US" sz="2000" spc="-1" strike="noStrike">
-                <a:solidFill>
-                  <a:srgbClr val="000000"/>
-                </a:solidFill>
-                <a:latin typeface="Arial"/>
-              </a:rPr>
-              <a:t>Fifth Outline Level</a:t>
-            </a:r>
-            <a:endParaRPr b="0" lang="en-US" sz="2000" spc="-1" strike="noStrike">
-              <a:solidFill>
-                <a:srgbClr val="000000"/>
-              </a:solidFill>
-              <a:latin typeface="Arial"/>
-            </a:endParaRPr>
-          </a:p>
-          <a:p>
-            <a:pPr lvl="5" marL="2592000" indent="-216000">
-              <a:spcBef>
-                <a:spcPts val="283"/>
-              </a:spcBef>
-              <a:buClr>
-                <a:srgbClr val="000000"/>
-              </a:buClr>
-              <a:buSzPct val="45000"/>
-              <a:buFont typeface="Wingdings" charset="2"/>
-              <a:buChar char=""/>
-            </a:pPr>
-            <a:r>
-              <a:rPr b="0" lang="en-US" sz="2000" spc="-1" strike="noStrike">
-                <a:solidFill>
-                  <a:srgbClr val="000000"/>
-                </a:solidFill>
-                <a:latin typeface="Arial"/>
-              </a:rPr>
-              <a:t>Sixth Outline Level</a:t>
-            </a:r>
-            <a:endParaRPr b="0" lang="en-US" sz="2000" spc="-1" strike="noStrike">
-              <a:solidFill>
-                <a:srgbClr val="000000"/>
-              </a:solidFill>
-              <a:latin typeface="Arial"/>
-            </a:endParaRPr>
-          </a:p>
-          <a:p>
-            <a:pPr lvl="6" marL="3024000" indent="-216000">
-              <a:spcBef>
-                <a:spcPts val="283"/>
-              </a:spcBef>
-              <a:buClr>
-                <a:srgbClr val="000000"/>
-              </a:buClr>
-              <a:buSzPct val="45000"/>
-              <a:buFont typeface="Wingdings" charset="2"/>
-              <a:buChar char=""/>
-            </a:pPr>
-            <a:r>
-              <a:rPr b="0" lang="en-US" sz="2000" spc="-1" strike="noStrike">
-                <a:solidFill>
-                  <a:srgbClr val="000000"/>
-                </a:solidFill>
-                <a:latin typeface="Arial"/>
-              </a:rPr>
-              <a:t>Seventh Outline Level</a:t>
-            </a:r>
-            <a:endParaRPr b="0" lang="en-US" sz="2000" spc="-1" strike="noStrike">
-              <a:solidFill>
-                <a:srgbClr val="000000"/>
-              </a:solidFill>
-              <a:latin typeface="Arial"/>
-            </a:endParaRPr>
-          </a:p>
-        </p:txBody>
-      </p:sp>
     </p:spTree>
   </p:cSld>
   <p:clrMap bg1="lt1" bg2="lt2" tx1="dk1" tx2="dk2" accent1="accent1" accent2="accent2" accent3="accent3" accent4="accent4" accent5="accent5" accent6="accent6" hlink="hlink" folHlink="folHlink"/>
@@ -12839,7 +12075,7 @@
       </p:grpSpPr>
       <p:pic>
         <p:nvPicPr>
-          <p:cNvPr id="159" name="Picture 8" descr="AyresJosh.jpg"/>
+          <p:cNvPr id="152" name="Picture 8" descr="AyresJosh.jpg"/>
           <p:cNvPicPr/>
           <p:nvPr/>
         </p:nvPicPr>
@@ -12850,7 +12086,7 @@
         <p:spPr>
           <a:xfrm>
             <a:off x="-1623960" y="0"/>
-            <a:ext cx="13820400" cy="6864840"/>
+            <a:ext cx="13820040" cy="6864480"/>
           </a:xfrm>
           <a:prstGeom prst="rect">
             <a:avLst/>
@@ -12862,14 +12098,14 @@
       </p:pic>
       <p:sp>
         <p:nvSpPr>
-          <p:cNvPr id="160" name="Rectangle 5"/>
+          <p:cNvPr id="153" name="Rectangle 5"/>
           <p:cNvSpPr/>
           <p:nvPr/>
         </p:nvSpPr>
         <p:spPr>
           <a:xfrm>
             <a:off x="6084000" y="0"/>
-            <a:ext cx="5586480" cy="6854400"/>
+            <a:ext cx="5586120" cy="6854040"/>
           </a:xfrm>
           <a:prstGeom prst="rect">
             <a:avLst/>
@@ -12916,7 +12152,7 @@
       </p:sp>
       <p:pic>
         <p:nvPicPr>
-          <p:cNvPr id="161" name="Picture 10" descr=""/>
+          <p:cNvPr id="154" name="Picture 10" descr=""/>
           <p:cNvPicPr/>
           <p:nvPr/>
         </p:nvPicPr>
@@ -12927,7 +12163,7 @@
         <p:spPr>
           <a:xfrm>
             <a:off x="7368480" y="4313880"/>
-            <a:ext cx="3183840" cy="1586160"/>
+            <a:ext cx="3183480" cy="1585800"/>
           </a:xfrm>
           <a:prstGeom prst="rect">
             <a:avLst/>
@@ -12939,7 +12175,7 @@
       </p:pic>
       <p:sp>
         <p:nvSpPr>
-          <p:cNvPr id="162" name="PlaceHolder 1"/>
+          <p:cNvPr id="155" name="PlaceHolder 1"/>
           <p:cNvSpPr>
             <a:spLocks noGrp="1"/>
           </p:cNvSpPr>
@@ -12988,7 +12224,7 @@
       </p:sp>
       <p:sp>
         <p:nvSpPr>
-          <p:cNvPr id="163" name="PlaceHolder 2"/>
+          <p:cNvPr id="156" name="PlaceHolder 2"/>
           <p:cNvSpPr>
             <a:spLocks noGrp="1"/>
           </p:cNvSpPr>
@@ -13257,7 +12493,7 @@
         <p:spPr>
           <a:xfrm>
             <a:off x="-1623960" y="0"/>
-            <a:ext cx="13820400" cy="6864840"/>
+            <a:ext cx="13820040" cy="6864480"/>
           </a:xfrm>
           <a:prstGeom prst="rect">
             <a:avLst/>
@@ -13276,7 +12512,7 @@
         <p:spPr>
           <a:xfrm>
             <a:off x="6084000" y="0"/>
-            <a:ext cx="5586480" cy="6854400"/>
+            <a:ext cx="5586120" cy="6854040"/>
           </a:xfrm>
           <a:prstGeom prst="rect">
             <a:avLst/>
@@ -13334,7 +12570,7 @@
         <p:spPr>
           <a:xfrm>
             <a:off x="7368480" y="4313880"/>
-            <a:ext cx="3183840" cy="1586160"/>
+            <a:ext cx="3183480" cy="1585800"/>
           </a:xfrm>
           <a:prstGeom prst="rect">
             <a:avLst/>
@@ -13382,7 +12618,34 @@
                 </a:solidFill>
                 <a:latin typeface="Arial"/>
               </a:rPr>
-              <a:t>Click to edit the title text format</a:t>
+              <a:t>Click to </a:t>
+            </a:r>
+            <a:r>
+              <a:rPr b="0" lang="en-US" sz="1800" spc="-1" strike="noStrike">
+                <a:solidFill>
+                  <a:srgbClr val="000000"/>
+                </a:solidFill>
+                <a:latin typeface="Arial"/>
+              </a:rPr>
+              <a:t>edit the </a:t>
+            </a:r>
+            <a:r>
+              <a:rPr b="0" lang="en-US" sz="1800" spc="-1" strike="noStrike">
+                <a:solidFill>
+                  <a:srgbClr val="000000"/>
+                </a:solidFill>
+                <a:latin typeface="Arial"/>
+              </a:rPr>
+              <a:t>title text </a:t>
+            </a:r>
+            <a:r>
+              <a:rPr b="0" lang="en-US" sz="1800" spc="-1" strike="noStrike">
+                <a:solidFill>
+                  <a:srgbClr val="000000"/>
+                </a:solidFill>
+                <a:latin typeface="Arial"/>
+              </a:rPr>
+              <a:t>format</a:t>
             </a:r>
             <a:endParaRPr b="0" lang="en-US" sz="1800" spc="-1" strike="noStrike">
               <a:solidFill>
@@ -14103,7 +13366,7 @@
       </p:grpSpPr>
       <p:pic>
         <p:nvPicPr>
-          <p:cNvPr id="164" name="Picture 8" descr="AyresJosh.jpg"/>
+          <p:cNvPr id="157" name="Picture 8" descr="AyresJosh.jpg"/>
           <p:cNvPicPr/>
           <p:nvPr/>
         </p:nvPicPr>
@@ -14114,7 +13377,7 @@
         <p:spPr>
           <a:xfrm>
             <a:off x="-1623960" y="0"/>
-            <a:ext cx="13820400" cy="6864840"/>
+            <a:ext cx="13820040" cy="6864480"/>
           </a:xfrm>
           <a:prstGeom prst="rect">
             <a:avLst/>
@@ -14126,14 +13389,14 @@
       </p:pic>
       <p:sp>
         <p:nvSpPr>
-          <p:cNvPr id="165" name="Rectangle 5"/>
+          <p:cNvPr id="158" name="Rectangle 5"/>
           <p:cNvSpPr/>
           <p:nvPr/>
         </p:nvSpPr>
         <p:spPr>
           <a:xfrm>
             <a:off x="6084000" y="0"/>
-            <a:ext cx="5586480" cy="6854400"/>
+            <a:ext cx="5586120" cy="6854040"/>
           </a:xfrm>
           <a:prstGeom prst="rect">
             <a:avLst/>
@@ -14180,7 +13443,7 @@
       </p:sp>
       <p:pic>
         <p:nvPicPr>
-          <p:cNvPr id="166" name="Picture 10" descr=""/>
+          <p:cNvPr id="159" name="Picture 10" descr=""/>
           <p:cNvPicPr/>
           <p:nvPr/>
         </p:nvPicPr>
@@ -14191,7 +13454,7 @@
         <p:spPr>
           <a:xfrm>
             <a:off x="7368480" y="4313880"/>
-            <a:ext cx="3183840" cy="1586160"/>
+            <a:ext cx="3183480" cy="1585800"/>
           </a:xfrm>
           <a:prstGeom prst="rect">
             <a:avLst/>
@@ -14203,7 +13466,7 @@
       </p:pic>
       <p:sp>
         <p:nvSpPr>
-          <p:cNvPr id="167" name="PlaceHolder 1"/>
+          <p:cNvPr id="160" name="PlaceHolder 1"/>
           <p:cNvSpPr>
             <a:spLocks noGrp="1"/>
           </p:cNvSpPr>
@@ -14252,7 +13515,7 @@
       </p:sp>
       <p:sp>
         <p:nvSpPr>
-          <p:cNvPr id="168" name="PlaceHolder 2"/>
+          <p:cNvPr id="161" name="PlaceHolder 2"/>
           <p:cNvSpPr>
             <a:spLocks noGrp="1"/>
           </p:cNvSpPr>
@@ -14510,7 +13773,7 @@
       </p:grpSpPr>
       <p:pic>
         <p:nvPicPr>
-          <p:cNvPr id="171" name="Picture 8" descr="AyresJosh.jpg"/>
+          <p:cNvPr id="164" name="Picture 8" descr="AyresJosh.jpg"/>
           <p:cNvPicPr/>
           <p:nvPr/>
         </p:nvPicPr>
@@ -14521,7 +13784,7 @@
         <p:spPr>
           <a:xfrm>
             <a:off x="-1623960" y="0"/>
-            <a:ext cx="13820400" cy="6864840"/>
+            <a:ext cx="13820040" cy="6864480"/>
           </a:xfrm>
           <a:prstGeom prst="rect">
             <a:avLst/>
@@ -14533,14 +13796,14 @@
       </p:pic>
       <p:sp>
         <p:nvSpPr>
-          <p:cNvPr id="172" name="Rectangle 5"/>
+          <p:cNvPr id="165" name="Rectangle 5"/>
           <p:cNvSpPr/>
           <p:nvPr/>
         </p:nvSpPr>
         <p:spPr>
           <a:xfrm>
             <a:off x="6084000" y="0"/>
-            <a:ext cx="5586480" cy="6854400"/>
+            <a:ext cx="5586120" cy="6854040"/>
           </a:xfrm>
           <a:prstGeom prst="rect">
             <a:avLst/>
@@ -14587,7 +13850,7 @@
       </p:sp>
       <p:pic>
         <p:nvPicPr>
-          <p:cNvPr id="173" name="Picture 10" descr=""/>
+          <p:cNvPr id="166" name="Picture 10" descr=""/>
           <p:cNvPicPr/>
           <p:nvPr/>
         </p:nvPicPr>
@@ -14598,7 +13861,7 @@
         <p:spPr>
           <a:xfrm>
             <a:off x="7368480" y="4313880"/>
-            <a:ext cx="3183840" cy="1586160"/>
+            <a:ext cx="3183480" cy="1585800"/>
           </a:xfrm>
           <a:prstGeom prst="rect">
             <a:avLst/>
@@ -14610,7 +13873,7 @@
       </p:pic>
       <p:sp>
         <p:nvSpPr>
-          <p:cNvPr id="174" name="PlaceHolder 1"/>
+          <p:cNvPr id="167" name="PlaceHolder 1"/>
           <p:cNvSpPr>
             <a:spLocks noGrp="1"/>
           </p:cNvSpPr>
@@ -14659,7 +13922,7 @@
       </p:sp>
       <p:sp>
         <p:nvSpPr>
-          <p:cNvPr id="175" name="PlaceHolder 2"/>
+          <p:cNvPr id="168" name="PlaceHolder 2"/>
           <p:cNvSpPr>
             <a:spLocks noGrp="1"/>
           </p:cNvSpPr>
@@ -14917,7 +14180,7 @@
       </p:grpSpPr>
       <p:pic>
         <p:nvPicPr>
-          <p:cNvPr id="178" name="Picture 8" descr="AyresJosh.jpg"/>
+          <p:cNvPr id="171" name="Picture 8" descr="AyresJosh.jpg"/>
           <p:cNvPicPr/>
           <p:nvPr/>
         </p:nvPicPr>
@@ -14928,7 +14191,7 @@
         <p:spPr>
           <a:xfrm>
             <a:off x="-1623960" y="0"/>
-            <a:ext cx="13820400" cy="6864840"/>
+            <a:ext cx="13820040" cy="6864480"/>
           </a:xfrm>
           <a:prstGeom prst="rect">
             <a:avLst/>
@@ -14940,14 +14203,14 @@
       </p:pic>
       <p:sp>
         <p:nvSpPr>
-          <p:cNvPr id="179" name="Rectangle 5"/>
+          <p:cNvPr id="172" name="Rectangle 5"/>
           <p:cNvSpPr/>
           <p:nvPr/>
         </p:nvSpPr>
         <p:spPr>
           <a:xfrm>
             <a:off x="6084000" y="0"/>
-            <a:ext cx="5586480" cy="6854400"/>
+            <a:ext cx="5586120" cy="6854040"/>
           </a:xfrm>
           <a:prstGeom prst="rect">
             <a:avLst/>
@@ -14994,7 +14257,7 @@
       </p:sp>
       <p:pic>
         <p:nvPicPr>
-          <p:cNvPr id="180" name="Picture 10" descr=""/>
+          <p:cNvPr id="173" name="Picture 10" descr=""/>
           <p:cNvPicPr/>
           <p:nvPr/>
         </p:nvPicPr>
@@ -15005,7 +14268,7 @@
         <p:spPr>
           <a:xfrm>
             <a:off x="7368480" y="4313880"/>
-            <a:ext cx="3183840" cy="1586160"/>
+            <a:ext cx="3183480" cy="1585800"/>
           </a:xfrm>
           <a:prstGeom prst="rect">
             <a:avLst/>
@@ -15017,7 +14280,7 @@
       </p:pic>
       <p:sp>
         <p:nvSpPr>
-          <p:cNvPr id="181" name="PlaceHolder 1"/>
+          <p:cNvPr id="174" name="PlaceHolder 1"/>
           <p:cNvSpPr>
             <a:spLocks noGrp="1"/>
           </p:cNvSpPr>
@@ -15066,7 +14329,7 @@
       </p:sp>
       <p:sp>
         <p:nvSpPr>
-          <p:cNvPr id="182" name="PlaceHolder 2"/>
+          <p:cNvPr id="175" name="PlaceHolder 2"/>
           <p:cNvSpPr>
             <a:spLocks noGrp="1"/>
           </p:cNvSpPr>
@@ -15291,7 +14554,7 @@
       </p:sp>
       <p:sp>
         <p:nvSpPr>
-          <p:cNvPr id="183" name="PlaceHolder 3"/>
+          <p:cNvPr id="176" name="PlaceHolder 3"/>
           <p:cNvSpPr>
             <a:spLocks noGrp="1"/>
           </p:cNvSpPr>
@@ -15549,7 +14812,7 @@
       </p:grpSpPr>
       <p:pic>
         <p:nvPicPr>
-          <p:cNvPr id="187" name="Picture 8" descr="AyresJosh.jpg"/>
+          <p:cNvPr id="180" name="Picture 8" descr="AyresJosh.jpg"/>
           <p:cNvPicPr/>
           <p:nvPr/>
         </p:nvPicPr>
@@ -15560,7 +14823,7 @@
         <p:spPr>
           <a:xfrm>
             <a:off x="-1623960" y="0"/>
-            <a:ext cx="13820400" cy="6864840"/>
+            <a:ext cx="13820040" cy="6864480"/>
           </a:xfrm>
           <a:prstGeom prst="rect">
             <a:avLst/>
@@ -15572,14 +14835,14 @@
       </p:pic>
       <p:sp>
         <p:nvSpPr>
-          <p:cNvPr id="188" name="Rectangle 5"/>
+          <p:cNvPr id="181" name="Rectangle 5"/>
           <p:cNvSpPr/>
           <p:nvPr/>
         </p:nvSpPr>
         <p:spPr>
           <a:xfrm>
             <a:off x="6084000" y="0"/>
-            <a:ext cx="5586480" cy="6854400"/>
+            <a:ext cx="5586120" cy="6854040"/>
           </a:xfrm>
           <a:prstGeom prst="rect">
             <a:avLst/>
@@ -15626,7 +14889,7 @@
       </p:sp>
       <p:pic>
         <p:nvPicPr>
-          <p:cNvPr id="189" name="Picture 10" descr=""/>
+          <p:cNvPr id="182" name="Picture 10" descr=""/>
           <p:cNvPicPr/>
           <p:nvPr/>
         </p:nvPicPr>
@@ -15637,7 +14900,7 @@
         <p:spPr>
           <a:xfrm>
             <a:off x="7368480" y="4313880"/>
-            <a:ext cx="3183840" cy="1586160"/>
+            <a:ext cx="3183480" cy="1585800"/>
           </a:xfrm>
           <a:prstGeom prst="rect">
             <a:avLst/>
@@ -15649,7 +14912,7 @@
       </p:pic>
       <p:sp>
         <p:nvSpPr>
-          <p:cNvPr id="190" name="PlaceHolder 1"/>
+          <p:cNvPr id="183" name="PlaceHolder 1"/>
           <p:cNvSpPr>
             <a:spLocks noGrp="1"/>
           </p:cNvSpPr>
@@ -15688,231 +14951,6 @@
               <a:t>Click to edit the title text format</a:t>
             </a:r>
             <a:endParaRPr b="0" lang="en-US" sz="1800" spc="-1" strike="noStrike">
-              <a:solidFill>
-                <a:srgbClr val="000000"/>
-              </a:solidFill>
-              <a:latin typeface="Arial"/>
-            </a:endParaRPr>
-          </a:p>
-        </p:txBody>
-      </p:sp>
-      <p:sp>
-        <p:nvSpPr>
-          <p:cNvPr id="191" name="PlaceHolder 2"/>
-          <p:cNvSpPr>
-            <a:spLocks noGrp="1"/>
-          </p:cNvSpPr>
-          <p:nvPr>
-            <p:ph type="body"/>
-          </p:nvPr>
-        </p:nvSpPr>
-        <p:spPr>
-          <a:xfrm>
-            <a:off x="609120" y="1604520"/>
-            <a:ext cx="10969560" cy="3977280"/>
-          </a:xfrm>
-          <a:prstGeom prst="rect">
-            <a:avLst/>
-          </a:prstGeom>
-          <a:noFill/>
-          <a:ln w="0">
-            <a:noFill/>
-          </a:ln>
-        </p:spPr>
-        <p:txBody>
-          <a:bodyPr lIns="0" rIns="0" tIns="0" bIns="0" anchor="t">
-            <a:normAutofit/>
-          </a:bodyPr>
-          <a:p>
-            <a:pPr marL="432000" indent="-324000">
-              <a:spcBef>
-                <a:spcPts val="1417"/>
-              </a:spcBef>
-              <a:buClr>
-                <a:srgbClr val="000000"/>
-              </a:buClr>
-              <a:buSzPct val="45000"/>
-              <a:buFont typeface="Wingdings" charset="2"/>
-              <a:buChar char=""/>
-            </a:pPr>
-            <a:r>
-              <a:rPr b="0" lang="en-US" sz="3200" spc="-1" strike="noStrike">
-                <a:solidFill>
-                  <a:srgbClr val="000000"/>
-                </a:solidFill>
-                <a:latin typeface="Arial"/>
-              </a:rPr>
-              <a:t>Click to edit the outline text format</a:t>
-            </a:r>
-            <a:endParaRPr b="0" lang="en-US" sz="3200" spc="-1" strike="noStrike">
-              <a:solidFill>
-                <a:srgbClr val="000000"/>
-              </a:solidFill>
-              <a:latin typeface="Arial"/>
-            </a:endParaRPr>
-          </a:p>
-          <a:p>
-            <a:pPr lvl="1" marL="864000" indent="-324000">
-              <a:spcBef>
-                <a:spcPts val="1134"/>
-              </a:spcBef>
-              <a:buClr>
-                <a:srgbClr val="000000"/>
-              </a:buClr>
-              <a:buSzPct val="75000"/>
-              <a:buFont typeface="Symbol" charset="2"/>
-              <a:buChar char=""/>
-            </a:pPr>
-            <a:r>
-              <a:rPr b="0" lang="en-US" sz="2800" spc="-1" strike="noStrike">
-                <a:solidFill>
-                  <a:srgbClr val="000000"/>
-                </a:solidFill>
-                <a:latin typeface="Arial"/>
-              </a:rPr>
-              <a:t>Second Outline Level</a:t>
-            </a:r>
-            <a:endParaRPr b="0" lang="en-US" sz="2800" spc="-1" strike="noStrike">
-              <a:solidFill>
-                <a:srgbClr val="000000"/>
-              </a:solidFill>
-              <a:latin typeface="Arial"/>
-            </a:endParaRPr>
-          </a:p>
-          <a:p>
-            <a:pPr lvl="2" marL="1296000" indent="-288000">
-              <a:spcBef>
-                <a:spcPts val="850"/>
-              </a:spcBef>
-              <a:buClr>
-                <a:srgbClr val="000000"/>
-              </a:buClr>
-              <a:buSzPct val="45000"/>
-              <a:buFont typeface="Wingdings" charset="2"/>
-              <a:buChar char=""/>
-            </a:pPr>
-            <a:r>
-              <a:rPr b="0" lang="en-US" sz="2400" spc="-1" strike="noStrike">
-                <a:solidFill>
-                  <a:srgbClr val="000000"/>
-                </a:solidFill>
-                <a:latin typeface="Arial"/>
-              </a:rPr>
-              <a:t>Third Outline Level</a:t>
-            </a:r>
-            <a:endParaRPr b="0" lang="en-US" sz="2400" spc="-1" strike="noStrike">
-              <a:solidFill>
-                <a:srgbClr val="000000"/>
-              </a:solidFill>
-              <a:latin typeface="Arial"/>
-            </a:endParaRPr>
-          </a:p>
-          <a:p>
-            <a:pPr lvl="3" marL="1728000" indent="-216000">
-              <a:spcBef>
-                <a:spcPts val="567"/>
-              </a:spcBef>
-              <a:buClr>
-                <a:srgbClr val="000000"/>
-              </a:buClr>
-              <a:buSzPct val="75000"/>
-              <a:buFont typeface="Symbol" charset="2"/>
-              <a:buChar char=""/>
-            </a:pPr>
-            <a:r>
-              <a:rPr b="0" lang="en-US" sz="2000" spc="-1" strike="noStrike">
-                <a:solidFill>
-                  <a:srgbClr val="000000"/>
-                </a:solidFill>
-                <a:latin typeface="Arial"/>
-              </a:rPr>
-              <a:t>Fourth Outline Level</a:t>
-            </a:r>
-            <a:endParaRPr b="0" lang="en-US" sz="2000" spc="-1" strike="noStrike">
-              <a:solidFill>
-                <a:srgbClr val="000000"/>
-              </a:solidFill>
-              <a:latin typeface="Arial"/>
-            </a:endParaRPr>
-          </a:p>
-          <a:p>
-            <a:pPr lvl="4" marL="2160000" indent="-216000">
-              <a:spcBef>
-                <a:spcPts val="283"/>
-              </a:spcBef>
-              <a:buClr>
-                <a:srgbClr val="000000"/>
-              </a:buClr>
-              <a:buSzPct val="45000"/>
-              <a:buFont typeface="Wingdings" charset="2"/>
-              <a:buChar char=""/>
-            </a:pPr>
-            <a:r>
-              <a:rPr b="0" lang="en-US" sz="2000" spc="-1" strike="noStrike">
-                <a:solidFill>
-                  <a:srgbClr val="000000"/>
-                </a:solidFill>
-                <a:latin typeface="Arial"/>
-              </a:rPr>
-              <a:t>Fifth Outline Level</a:t>
-            </a:r>
-            <a:endParaRPr b="0" lang="en-US" sz="2000" spc="-1" strike="noStrike">
-              <a:solidFill>
-                <a:srgbClr val="000000"/>
-              </a:solidFill>
-              <a:latin typeface="Arial"/>
-            </a:endParaRPr>
-          </a:p>
-          <a:p>
-            <a:pPr lvl="5" marL="2592000" indent="-216000">
-              <a:spcBef>
-                <a:spcPts val="283"/>
-              </a:spcBef>
-              <a:buClr>
-                <a:srgbClr val="000000"/>
-              </a:buClr>
-              <a:buSzPct val="45000"/>
-              <a:buFont typeface="Wingdings" charset="2"/>
-              <a:buChar char=""/>
-            </a:pPr>
-            <a:r>
-              <a:rPr b="0" lang="en-US" sz="2000" spc="-1" strike="noStrike">
-                <a:solidFill>
-                  <a:srgbClr val="000000"/>
-                </a:solidFill>
-                <a:latin typeface="Arial"/>
-              </a:rPr>
-              <a:t>Sixth Outline Level</a:t>
-            </a:r>
-            <a:endParaRPr b="0" lang="en-US" sz="2000" spc="-1" strike="noStrike">
-              <a:solidFill>
-                <a:srgbClr val="000000"/>
-              </a:solidFill>
-              <a:latin typeface="Arial"/>
-            </a:endParaRPr>
-          </a:p>
-          <a:p>
-            <a:pPr lvl="6" marL="3024000" indent="-216000">
-              <a:spcBef>
-                <a:spcPts val="283"/>
-              </a:spcBef>
-              <a:buClr>
-                <a:srgbClr val="000000"/>
-              </a:buClr>
-              <a:buSzPct val="45000"/>
-              <a:buFont typeface="Wingdings" charset="2"/>
-              <a:buChar char=""/>
-            </a:pPr>
-            <a:r>
-              <a:rPr b="0" lang="en-US" sz="2000" spc="-1" strike="noStrike">
-                <a:solidFill>
-                  <a:srgbClr val="000000"/>
-                </a:solidFill>
-                <a:latin typeface="Arial"/>
-              </a:rPr>
-              <a:t>Seventh Outline Level</a:t>
-            </a:r>
-            <a:endParaRPr b="0" lang="en-US" sz="2000" spc="-1" strike="noStrike">
               <a:solidFill>
                 <a:srgbClr val="000000"/>
               </a:solidFill>
@@ -15956,7 +14994,7 @@
       </p:grpSpPr>
       <p:pic>
         <p:nvPicPr>
-          <p:cNvPr id="193" name="Picture 8" descr="AyresJosh.jpg"/>
+          <p:cNvPr id="185" name="Picture 8" descr="AyresJosh.jpg"/>
           <p:cNvPicPr/>
           <p:nvPr/>
         </p:nvPicPr>
@@ -15967,7 +15005,7 @@
         <p:spPr>
           <a:xfrm>
             <a:off x="-1623960" y="0"/>
-            <a:ext cx="13820400" cy="6864840"/>
+            <a:ext cx="13820040" cy="6864480"/>
           </a:xfrm>
           <a:prstGeom prst="rect">
             <a:avLst/>
@@ -15979,14 +15017,14 @@
       </p:pic>
       <p:sp>
         <p:nvSpPr>
-          <p:cNvPr id="194" name="Rectangle 5"/>
+          <p:cNvPr id="186" name="Rectangle 5"/>
           <p:cNvSpPr/>
           <p:nvPr/>
         </p:nvSpPr>
         <p:spPr>
           <a:xfrm>
             <a:off x="6084000" y="0"/>
-            <a:ext cx="5586480" cy="6854400"/>
+            <a:ext cx="5586120" cy="6854040"/>
           </a:xfrm>
           <a:prstGeom prst="rect">
             <a:avLst/>
@@ -16033,7 +15071,7 @@
       </p:sp>
       <p:pic>
         <p:nvPicPr>
-          <p:cNvPr id="195" name="Picture 10" descr=""/>
+          <p:cNvPr id="187" name="Picture 10" descr=""/>
           <p:cNvPicPr/>
           <p:nvPr/>
         </p:nvPicPr>
@@ -16044,7 +15082,7 @@
         <p:spPr>
           <a:xfrm>
             <a:off x="7368480" y="4313880"/>
-            <a:ext cx="3183840" cy="1586160"/>
+            <a:ext cx="3183480" cy="1585800"/>
           </a:xfrm>
           <a:prstGeom prst="rect">
             <a:avLst/>
@@ -16054,280 +15092,6 @@
           </a:ln>
         </p:spPr>
       </p:pic>
-      <p:sp>
-        <p:nvSpPr>
-          <p:cNvPr id="196" name="PlaceHolder 1"/>
-          <p:cNvSpPr>
-            <a:spLocks noGrp="1"/>
-          </p:cNvSpPr>
-          <p:nvPr>
-            <p:ph type="title"/>
-          </p:nvPr>
-        </p:nvSpPr>
-        <p:spPr>
-          <a:xfrm>
-            <a:off x="609120" y="273600"/>
-            <a:ext cx="10969560" cy="1144800"/>
-          </a:xfrm>
-          <a:prstGeom prst="rect">
-            <a:avLst/>
-          </a:prstGeom>
-          <a:noFill/>
-          <a:ln w="0">
-            <a:noFill/>
-          </a:ln>
-        </p:spPr>
-        <p:txBody>
-          <a:bodyPr lIns="0" rIns="0" tIns="0" bIns="0" anchor="ctr">
-            <a:noAutofit/>
-          </a:bodyPr>
-          <a:p>
-            <a:pPr indent="0" algn="ctr">
-              <a:buNone/>
-            </a:pPr>
-            <a:r>
-              <a:rPr b="0" lang="en-US" sz="4400" spc="-1" strike="noStrike">
-                <a:solidFill>
-                  <a:srgbClr val="000000"/>
-                </a:solidFill>
-                <a:latin typeface="Arial"/>
-              </a:rPr>
-              <a:t>Click to edit the title text format</a:t>
-            </a:r>
-            <a:endParaRPr b="0" lang="en-US" sz="4400" spc="-1" strike="noStrike">
-              <a:solidFill>
-                <a:srgbClr val="000000"/>
-              </a:solidFill>
-              <a:latin typeface="Arial"/>
-            </a:endParaRPr>
-          </a:p>
-        </p:txBody>
-      </p:sp>
-      <p:sp>
-        <p:nvSpPr>
-          <p:cNvPr id="197" name="PlaceHolder 2"/>
-          <p:cNvSpPr>
-            <a:spLocks noGrp="1"/>
-          </p:cNvSpPr>
-          <p:nvPr>
-            <p:ph type="body"/>
-          </p:nvPr>
-        </p:nvSpPr>
-        <p:spPr>
-          <a:xfrm>
-            <a:off x="609120" y="1604520"/>
-            <a:ext cx="10969560" cy="3977280"/>
-          </a:xfrm>
-          <a:prstGeom prst="rect">
-            <a:avLst/>
-          </a:prstGeom>
-          <a:noFill/>
-          <a:ln w="0">
-            <a:noFill/>
-          </a:ln>
-        </p:spPr>
-        <p:txBody>
-          <a:bodyPr lIns="0" rIns="0" tIns="0" bIns="0" anchor="t">
-            <a:normAutofit/>
-          </a:bodyPr>
-          <a:p>
-            <a:pPr marL="432000" indent="-324000">
-              <a:spcBef>
-                <a:spcPts val="1417"/>
-              </a:spcBef>
-              <a:buClr>
-                <a:srgbClr val="000000"/>
-              </a:buClr>
-              <a:buSzPct val="45000"/>
-              <a:buFont typeface="Wingdings" charset="2"/>
-              <a:buChar char=""/>
-            </a:pPr>
-            <a:r>
-              <a:rPr b="0" lang="en-US" sz="3200" spc="-1" strike="noStrike">
-                <a:solidFill>
-                  <a:srgbClr val="000000"/>
-                </a:solidFill>
-                <a:latin typeface="Arial"/>
-              </a:rPr>
-              <a:t>Click to edit the outline text format</a:t>
-            </a:r>
-            <a:endParaRPr b="0" lang="en-US" sz="3200" spc="-1" strike="noStrike">
-              <a:solidFill>
-                <a:srgbClr val="000000"/>
-              </a:solidFill>
-              <a:latin typeface="Arial"/>
-            </a:endParaRPr>
-          </a:p>
-          <a:p>
-            <a:pPr lvl="1" marL="864000" indent="-324000">
-              <a:spcBef>
-                <a:spcPts val="1134"/>
-              </a:spcBef>
-              <a:buClr>
-                <a:srgbClr val="000000"/>
-              </a:buClr>
-              <a:buSzPct val="75000"/>
-              <a:buFont typeface="Symbol" charset="2"/>
-              <a:buChar char=""/>
-            </a:pPr>
-            <a:r>
-              <a:rPr b="0" lang="en-US" sz="2800" spc="-1" strike="noStrike">
-                <a:solidFill>
-                  <a:srgbClr val="000000"/>
-                </a:solidFill>
-                <a:latin typeface="Arial"/>
-              </a:rPr>
-              <a:t>Second Outline Level</a:t>
-            </a:r>
-            <a:endParaRPr b="0" lang="en-US" sz="2800" spc="-1" strike="noStrike">
-              <a:solidFill>
-                <a:srgbClr val="000000"/>
-              </a:solidFill>
-              <a:latin typeface="Arial"/>
-            </a:endParaRPr>
-          </a:p>
-          <a:p>
-            <a:pPr lvl="2" marL="1296000" indent="-288000">
-              <a:spcBef>
-                <a:spcPts val="850"/>
-              </a:spcBef>
-              <a:buClr>
-                <a:srgbClr val="000000"/>
-              </a:buClr>
-              <a:buSzPct val="45000"/>
-              <a:buFont typeface="Wingdings" charset="2"/>
-              <a:buChar char=""/>
-            </a:pPr>
-            <a:r>
-              <a:rPr b="0" lang="en-US" sz="2400" spc="-1" strike="noStrike">
-                <a:solidFill>
-                  <a:srgbClr val="000000"/>
-                </a:solidFill>
-                <a:latin typeface="Arial"/>
-              </a:rPr>
-              <a:t>Third Outline Level</a:t>
-            </a:r>
-            <a:endParaRPr b="0" lang="en-US" sz="2400" spc="-1" strike="noStrike">
-              <a:solidFill>
-                <a:srgbClr val="000000"/>
-              </a:solidFill>
-              <a:latin typeface="Arial"/>
-            </a:endParaRPr>
-          </a:p>
-          <a:p>
-            <a:pPr lvl="3" marL="1728000" indent="-216000">
-              <a:spcBef>
-                <a:spcPts val="567"/>
-              </a:spcBef>
-              <a:buClr>
-                <a:srgbClr val="000000"/>
-              </a:buClr>
-              <a:buSzPct val="75000"/>
-              <a:buFont typeface="Symbol" charset="2"/>
-              <a:buChar char=""/>
-            </a:pPr>
-            <a:r>
-              <a:rPr b="0" lang="en-US" sz="2000" spc="-1" strike="noStrike">
-                <a:solidFill>
-                  <a:srgbClr val="000000"/>
-                </a:solidFill>
-                <a:latin typeface="Arial"/>
-              </a:rPr>
-              <a:t>Fourth Outline Level</a:t>
-            </a:r>
-            <a:endParaRPr b="0" lang="en-US" sz="2000" spc="-1" strike="noStrike">
-              <a:solidFill>
-                <a:srgbClr val="000000"/>
-              </a:solidFill>
-              <a:latin typeface="Arial"/>
-            </a:endParaRPr>
-          </a:p>
-          <a:p>
-            <a:pPr lvl="4" marL="2160000" indent="-216000">
-              <a:spcBef>
-                <a:spcPts val="283"/>
-              </a:spcBef>
-              <a:buClr>
-                <a:srgbClr val="000000"/>
-              </a:buClr>
-              <a:buSzPct val="45000"/>
-              <a:buFont typeface="Wingdings" charset="2"/>
-              <a:buChar char=""/>
-            </a:pPr>
-            <a:r>
-              <a:rPr b="0" lang="en-US" sz="2000" spc="-1" strike="noStrike">
-                <a:solidFill>
-                  <a:srgbClr val="000000"/>
-                </a:solidFill>
-                <a:latin typeface="Arial"/>
-              </a:rPr>
-              <a:t>Fifth Outline Level</a:t>
-            </a:r>
-            <a:endParaRPr b="0" lang="en-US" sz="2000" spc="-1" strike="noStrike">
-              <a:solidFill>
-                <a:srgbClr val="000000"/>
-              </a:solidFill>
-              <a:latin typeface="Arial"/>
-            </a:endParaRPr>
-          </a:p>
-          <a:p>
-            <a:pPr lvl="5" marL="2592000" indent="-216000">
-              <a:spcBef>
-                <a:spcPts val="283"/>
-              </a:spcBef>
-              <a:buClr>
-                <a:srgbClr val="000000"/>
-              </a:buClr>
-              <a:buSzPct val="45000"/>
-              <a:buFont typeface="Wingdings" charset="2"/>
-              <a:buChar char=""/>
-            </a:pPr>
-            <a:r>
-              <a:rPr b="0" lang="en-US" sz="2000" spc="-1" strike="noStrike">
-                <a:solidFill>
-                  <a:srgbClr val="000000"/>
-                </a:solidFill>
-                <a:latin typeface="Arial"/>
-              </a:rPr>
-              <a:t>Sixth Outline Level</a:t>
-            </a:r>
-            <a:endParaRPr b="0" lang="en-US" sz="2000" spc="-1" strike="noStrike">
-              <a:solidFill>
-                <a:srgbClr val="000000"/>
-              </a:solidFill>
-              <a:latin typeface="Arial"/>
-            </a:endParaRPr>
-          </a:p>
-          <a:p>
-            <a:pPr lvl="6" marL="3024000" indent="-216000">
-              <a:spcBef>
-                <a:spcPts val="283"/>
-              </a:spcBef>
-              <a:buClr>
-                <a:srgbClr val="000000"/>
-              </a:buClr>
-              <a:buSzPct val="45000"/>
-              <a:buFont typeface="Wingdings" charset="2"/>
-              <a:buChar char=""/>
-            </a:pPr>
-            <a:r>
-              <a:rPr b="0" lang="en-US" sz="2000" spc="-1" strike="noStrike">
-                <a:solidFill>
-                  <a:srgbClr val="000000"/>
-                </a:solidFill>
-                <a:latin typeface="Arial"/>
-              </a:rPr>
-              <a:t>Seventh Outline Level</a:t>
-            </a:r>
-            <a:endParaRPr b="0" lang="en-US" sz="2000" spc="-1" strike="noStrike">
-              <a:solidFill>
-                <a:srgbClr val="000000"/>
-              </a:solidFill>
-              <a:latin typeface="Arial"/>
-            </a:endParaRPr>
-          </a:p>
-        </p:txBody>
-      </p:sp>
     </p:spTree>
   </p:cSld>
   <p:clrMap bg1="lt1" bg2="lt2" tx1="dk1" tx2="dk2" accent1="accent1" accent2="accent2" accent3="accent3" accent4="accent4" accent5="accent5" accent6="accent6" hlink="hlink" folHlink="folHlink"/>
@@ -16363,7 +15127,7 @@
       </p:grpSpPr>
       <p:pic>
         <p:nvPicPr>
-          <p:cNvPr id="198" name="Picture 8" descr="AyresJosh.jpg"/>
+          <p:cNvPr id="188" name="Picture 8" descr="AyresJosh.jpg"/>
           <p:cNvPicPr/>
           <p:nvPr/>
         </p:nvPicPr>
@@ -16374,7 +15138,7 @@
         <p:spPr>
           <a:xfrm>
             <a:off x="-1623960" y="0"/>
-            <a:ext cx="13820400" cy="6864840"/>
+            <a:ext cx="13820040" cy="6864480"/>
           </a:xfrm>
           <a:prstGeom prst="rect">
             <a:avLst/>
@@ -16386,14 +15150,14 @@
       </p:pic>
       <p:sp>
         <p:nvSpPr>
-          <p:cNvPr id="199" name="Rectangle 5"/>
+          <p:cNvPr id="189" name="Rectangle 5"/>
           <p:cNvSpPr/>
           <p:nvPr/>
         </p:nvSpPr>
         <p:spPr>
           <a:xfrm>
             <a:off x="6084000" y="0"/>
-            <a:ext cx="5586480" cy="6854400"/>
+            <a:ext cx="5586120" cy="6854040"/>
           </a:xfrm>
           <a:prstGeom prst="rect">
             <a:avLst/>
@@ -16440,7 +15204,7 @@
       </p:sp>
       <p:pic>
         <p:nvPicPr>
-          <p:cNvPr id="200" name="Picture 10" descr=""/>
+          <p:cNvPr id="190" name="Picture 10" descr=""/>
           <p:cNvPicPr/>
           <p:nvPr/>
         </p:nvPicPr>
@@ -16451,7 +15215,7 @@
         <p:spPr>
           <a:xfrm>
             <a:off x="7368480" y="4313880"/>
-            <a:ext cx="3183840" cy="1586160"/>
+            <a:ext cx="3183480" cy="1585800"/>
           </a:xfrm>
           <a:prstGeom prst="rect">
             <a:avLst/>
@@ -16463,7 +15227,7 @@
       </p:pic>
       <p:sp>
         <p:nvSpPr>
-          <p:cNvPr id="201" name="PlaceHolder 1"/>
+          <p:cNvPr id="191" name="PlaceHolder 1"/>
           <p:cNvSpPr>
             <a:spLocks noGrp="1"/>
           </p:cNvSpPr>
@@ -16512,7 +15276,7 @@
       </p:sp>
       <p:sp>
         <p:nvSpPr>
-          <p:cNvPr id="202" name="PlaceHolder 2"/>
+          <p:cNvPr id="192" name="PlaceHolder 2"/>
           <p:cNvSpPr>
             <a:spLocks noGrp="1"/>
           </p:cNvSpPr>
@@ -16781,7 +15545,7 @@
         <p:spPr>
           <a:xfrm>
             <a:off x="-1623960" y="0"/>
-            <a:ext cx="13820400" cy="6864840"/>
+            <a:ext cx="13820040" cy="6864480"/>
           </a:xfrm>
           <a:prstGeom prst="rect">
             <a:avLst/>
@@ -16800,7 +15564,7 @@
         <p:spPr>
           <a:xfrm>
             <a:off x="6084000" y="0"/>
-            <a:ext cx="5586480" cy="6854400"/>
+            <a:ext cx="5586120" cy="6854040"/>
           </a:xfrm>
           <a:prstGeom prst="rect">
             <a:avLst/>
@@ -16858,7 +15622,7 @@
         <p:spPr>
           <a:xfrm>
             <a:off x="7368480" y="4313880"/>
-            <a:ext cx="3183840" cy="1586160"/>
+            <a:ext cx="3183480" cy="1585800"/>
           </a:xfrm>
           <a:prstGeom prst="rect">
             <a:avLst/>
@@ -17638,7 +16402,7 @@
         <p:spPr>
           <a:xfrm>
             <a:off x="-1623960" y="0"/>
-            <a:ext cx="13820400" cy="6864840"/>
+            <a:ext cx="13820040" cy="6864480"/>
           </a:xfrm>
           <a:prstGeom prst="rect">
             <a:avLst/>
@@ -17657,7 +16421,7 @@
         <p:spPr>
           <a:xfrm>
             <a:off x="6084000" y="0"/>
-            <a:ext cx="5586480" cy="6854400"/>
+            <a:ext cx="5586120" cy="6854040"/>
           </a:xfrm>
           <a:prstGeom prst="rect">
             <a:avLst/>
@@ -17715,7 +16479,7 @@
         <p:spPr>
           <a:xfrm>
             <a:off x="7368480" y="4313880"/>
-            <a:ext cx="3183840" cy="1586160"/>
+            <a:ext cx="3183480" cy="1585800"/>
           </a:xfrm>
           <a:prstGeom prst="rect">
             <a:avLst/>
@@ -18270,7 +17034,7 @@
         <p:spPr>
           <a:xfrm>
             <a:off x="-1623960" y="0"/>
-            <a:ext cx="13820400" cy="6864840"/>
+            <a:ext cx="13820040" cy="6864480"/>
           </a:xfrm>
           <a:prstGeom prst="rect">
             <a:avLst/>
@@ -18289,7 +17053,7 @@
         <p:spPr>
           <a:xfrm>
             <a:off x="6084000" y="0"/>
-            <a:ext cx="5586480" cy="6854400"/>
+            <a:ext cx="5586120" cy="6854040"/>
           </a:xfrm>
           <a:prstGeom prst="rect">
             <a:avLst/>
@@ -18347,7 +17111,7 @@
         <p:spPr>
           <a:xfrm>
             <a:off x="7368480" y="4313880"/>
-            <a:ext cx="3183840" cy="1586160"/>
+            <a:ext cx="3183480" cy="1585800"/>
           </a:xfrm>
           <a:prstGeom prst="rect">
             <a:avLst/>
@@ -19352,7 +18116,7 @@
         <p:spPr>
           <a:xfrm>
             <a:off x="-1623960" y="0"/>
-            <a:ext cx="13820400" cy="6864840"/>
+            <a:ext cx="13820040" cy="6864480"/>
           </a:xfrm>
           <a:prstGeom prst="rect">
             <a:avLst/>
@@ -19371,7 +18135,7 @@
         <p:spPr>
           <a:xfrm>
             <a:off x="6084000" y="0"/>
-            <a:ext cx="5586480" cy="6854400"/>
+            <a:ext cx="5586120" cy="6854040"/>
           </a:xfrm>
           <a:prstGeom prst="rect">
             <a:avLst/>
@@ -19429,7 +18193,7 @@
         <p:spPr>
           <a:xfrm>
             <a:off x="7368480" y="4313880"/>
-            <a:ext cx="3183840" cy="1586160"/>
+            <a:ext cx="3183480" cy="1585800"/>
           </a:xfrm>
           <a:prstGeom prst="rect">
             <a:avLst/>
@@ -19439,280 +18203,6 @@
           </a:ln>
         </p:spPr>
       </p:pic>
-      <p:sp>
-        <p:nvSpPr>
-          <p:cNvPr id="58" name="PlaceHolder 1"/>
-          <p:cNvSpPr>
-            <a:spLocks noGrp="1"/>
-          </p:cNvSpPr>
-          <p:nvPr>
-            <p:ph type="title"/>
-          </p:nvPr>
-        </p:nvSpPr>
-        <p:spPr>
-          <a:xfrm>
-            <a:off x="609120" y="273600"/>
-            <a:ext cx="10969560" cy="1144800"/>
-          </a:xfrm>
-          <a:prstGeom prst="rect">
-            <a:avLst/>
-          </a:prstGeom>
-          <a:noFill/>
-          <a:ln w="0">
-            <a:noFill/>
-          </a:ln>
-        </p:spPr>
-        <p:txBody>
-          <a:bodyPr lIns="0" rIns="0" tIns="0" bIns="0" anchor="ctr">
-            <a:noAutofit/>
-          </a:bodyPr>
-          <a:p>
-            <a:pPr indent="0" algn="ctr">
-              <a:buNone/>
-            </a:pPr>
-            <a:r>
-              <a:rPr b="0" lang="en-US" sz="4400" spc="-1" strike="noStrike">
-                <a:solidFill>
-                  <a:srgbClr val="000000"/>
-                </a:solidFill>
-                <a:latin typeface="Arial"/>
-              </a:rPr>
-              <a:t>Click to edit the title text format</a:t>
-            </a:r>
-            <a:endParaRPr b="0" lang="en-US" sz="4400" spc="-1" strike="noStrike">
-              <a:solidFill>
-                <a:srgbClr val="000000"/>
-              </a:solidFill>
-              <a:latin typeface="Arial"/>
-            </a:endParaRPr>
-          </a:p>
-        </p:txBody>
-      </p:sp>
-      <p:sp>
-        <p:nvSpPr>
-          <p:cNvPr id="59" name="PlaceHolder 2"/>
-          <p:cNvSpPr>
-            <a:spLocks noGrp="1"/>
-          </p:cNvSpPr>
-          <p:nvPr>
-            <p:ph type="body"/>
-          </p:nvPr>
-        </p:nvSpPr>
-        <p:spPr>
-          <a:xfrm>
-            <a:off x="609120" y="1604520"/>
-            <a:ext cx="10969560" cy="3977280"/>
-          </a:xfrm>
-          <a:prstGeom prst="rect">
-            <a:avLst/>
-          </a:prstGeom>
-          <a:noFill/>
-          <a:ln w="0">
-            <a:noFill/>
-          </a:ln>
-        </p:spPr>
-        <p:txBody>
-          <a:bodyPr lIns="0" rIns="0" tIns="0" bIns="0" anchor="t">
-            <a:normAutofit/>
-          </a:bodyPr>
-          <a:p>
-            <a:pPr marL="432000" indent="-324000">
-              <a:spcBef>
-                <a:spcPts val="1417"/>
-              </a:spcBef>
-              <a:buClr>
-                <a:srgbClr val="000000"/>
-              </a:buClr>
-              <a:buSzPct val="45000"/>
-              <a:buFont typeface="Wingdings" charset="2"/>
-              <a:buChar char=""/>
-            </a:pPr>
-            <a:r>
-              <a:rPr b="0" lang="en-US" sz="3200" spc="-1" strike="noStrike">
-                <a:solidFill>
-                  <a:srgbClr val="000000"/>
-                </a:solidFill>
-                <a:latin typeface="Arial"/>
-              </a:rPr>
-              <a:t>Click to edit the outline text format</a:t>
-            </a:r>
-            <a:endParaRPr b="0" lang="en-US" sz="3200" spc="-1" strike="noStrike">
-              <a:solidFill>
-                <a:srgbClr val="000000"/>
-              </a:solidFill>
-              <a:latin typeface="Arial"/>
-            </a:endParaRPr>
-          </a:p>
-          <a:p>
-            <a:pPr lvl="1" marL="864000" indent="-324000">
-              <a:spcBef>
-                <a:spcPts val="1134"/>
-              </a:spcBef>
-              <a:buClr>
-                <a:srgbClr val="000000"/>
-              </a:buClr>
-              <a:buSzPct val="75000"/>
-              <a:buFont typeface="Symbol" charset="2"/>
-              <a:buChar char=""/>
-            </a:pPr>
-            <a:r>
-              <a:rPr b="0" lang="en-US" sz="2800" spc="-1" strike="noStrike">
-                <a:solidFill>
-                  <a:srgbClr val="000000"/>
-                </a:solidFill>
-                <a:latin typeface="Arial"/>
-              </a:rPr>
-              <a:t>Second Outline Level</a:t>
-            </a:r>
-            <a:endParaRPr b="0" lang="en-US" sz="2800" spc="-1" strike="noStrike">
-              <a:solidFill>
-                <a:srgbClr val="000000"/>
-              </a:solidFill>
-              <a:latin typeface="Arial"/>
-            </a:endParaRPr>
-          </a:p>
-          <a:p>
-            <a:pPr lvl="2" marL="1296000" indent="-288000">
-              <a:spcBef>
-                <a:spcPts val="850"/>
-              </a:spcBef>
-              <a:buClr>
-                <a:srgbClr val="000000"/>
-              </a:buClr>
-              <a:buSzPct val="45000"/>
-              <a:buFont typeface="Wingdings" charset="2"/>
-              <a:buChar char=""/>
-            </a:pPr>
-            <a:r>
-              <a:rPr b="0" lang="en-US" sz="2400" spc="-1" strike="noStrike">
-                <a:solidFill>
-                  <a:srgbClr val="000000"/>
-                </a:solidFill>
-                <a:latin typeface="Arial"/>
-              </a:rPr>
-              <a:t>Third Outline Level</a:t>
-            </a:r>
-            <a:endParaRPr b="0" lang="en-US" sz="2400" spc="-1" strike="noStrike">
-              <a:solidFill>
-                <a:srgbClr val="000000"/>
-              </a:solidFill>
-              <a:latin typeface="Arial"/>
-            </a:endParaRPr>
-          </a:p>
-          <a:p>
-            <a:pPr lvl="3" marL="1728000" indent="-216000">
-              <a:spcBef>
-                <a:spcPts val="567"/>
-              </a:spcBef>
-              <a:buClr>
-                <a:srgbClr val="000000"/>
-              </a:buClr>
-              <a:buSzPct val="75000"/>
-              <a:buFont typeface="Symbol" charset="2"/>
-              <a:buChar char=""/>
-            </a:pPr>
-            <a:r>
-              <a:rPr b="0" lang="en-US" sz="2000" spc="-1" strike="noStrike">
-                <a:solidFill>
-                  <a:srgbClr val="000000"/>
-                </a:solidFill>
-                <a:latin typeface="Arial"/>
-              </a:rPr>
-              <a:t>Fourth Outline Level</a:t>
-            </a:r>
-            <a:endParaRPr b="0" lang="en-US" sz="2000" spc="-1" strike="noStrike">
-              <a:solidFill>
-                <a:srgbClr val="000000"/>
-              </a:solidFill>
-              <a:latin typeface="Arial"/>
-            </a:endParaRPr>
-          </a:p>
-          <a:p>
-            <a:pPr lvl="4" marL="2160000" indent="-216000">
-              <a:spcBef>
-                <a:spcPts val="283"/>
-              </a:spcBef>
-              <a:buClr>
-                <a:srgbClr val="000000"/>
-              </a:buClr>
-              <a:buSzPct val="45000"/>
-              <a:buFont typeface="Wingdings" charset="2"/>
-              <a:buChar char=""/>
-            </a:pPr>
-            <a:r>
-              <a:rPr b="0" lang="en-US" sz="2000" spc="-1" strike="noStrike">
-                <a:solidFill>
-                  <a:srgbClr val="000000"/>
-                </a:solidFill>
-                <a:latin typeface="Arial"/>
-              </a:rPr>
-              <a:t>Fifth Outline Level</a:t>
-            </a:r>
-            <a:endParaRPr b="0" lang="en-US" sz="2000" spc="-1" strike="noStrike">
-              <a:solidFill>
-                <a:srgbClr val="000000"/>
-              </a:solidFill>
-              <a:latin typeface="Arial"/>
-            </a:endParaRPr>
-          </a:p>
-          <a:p>
-            <a:pPr lvl="5" marL="2592000" indent="-216000">
-              <a:spcBef>
-                <a:spcPts val="283"/>
-              </a:spcBef>
-              <a:buClr>
-                <a:srgbClr val="000000"/>
-              </a:buClr>
-              <a:buSzPct val="45000"/>
-              <a:buFont typeface="Wingdings" charset="2"/>
-              <a:buChar char=""/>
-            </a:pPr>
-            <a:r>
-              <a:rPr b="0" lang="en-US" sz="2000" spc="-1" strike="noStrike">
-                <a:solidFill>
-                  <a:srgbClr val="000000"/>
-                </a:solidFill>
-                <a:latin typeface="Arial"/>
-              </a:rPr>
-              <a:t>Sixth Outline Level</a:t>
-            </a:r>
-            <a:endParaRPr b="0" lang="en-US" sz="2000" spc="-1" strike="noStrike">
-              <a:solidFill>
-                <a:srgbClr val="000000"/>
-              </a:solidFill>
-              <a:latin typeface="Arial"/>
-            </a:endParaRPr>
-          </a:p>
-          <a:p>
-            <a:pPr lvl="6" marL="3024000" indent="-216000">
-              <a:spcBef>
-                <a:spcPts val="283"/>
-              </a:spcBef>
-              <a:buClr>
-                <a:srgbClr val="000000"/>
-              </a:buClr>
-              <a:buSzPct val="45000"/>
-              <a:buFont typeface="Wingdings" charset="2"/>
-              <a:buChar char=""/>
-            </a:pPr>
-            <a:r>
-              <a:rPr b="0" lang="en-US" sz="2000" spc="-1" strike="noStrike">
-                <a:solidFill>
-                  <a:srgbClr val="000000"/>
-                </a:solidFill>
-                <a:latin typeface="Arial"/>
-              </a:rPr>
-              <a:t>Seventh Outline Level</a:t>
-            </a:r>
-            <a:endParaRPr b="0" lang="en-US" sz="2000" spc="-1" strike="noStrike">
-              <a:solidFill>
-                <a:srgbClr val="000000"/>
-              </a:solidFill>
-              <a:latin typeface="Arial"/>
-            </a:endParaRPr>
-          </a:p>
-        </p:txBody>
-      </p:sp>
     </p:spTree>
   </p:cSld>
   <p:clrMap bg1="lt1" bg2="lt2" tx1="dk1" tx2="dk2" accent1="accent1" accent2="accent2" accent3="accent3" accent4="accent4" accent5="accent5" accent6="accent6" hlink="hlink" folHlink="folHlink"/>
@@ -19748,7 +18238,7 @@
       </p:grpSpPr>
       <p:pic>
         <p:nvPicPr>
-          <p:cNvPr id="60" name="Picture 8" descr="AyresJosh.jpg"/>
+          <p:cNvPr id="58" name="Picture 8" descr="AyresJosh.jpg"/>
           <p:cNvPicPr/>
           <p:nvPr/>
         </p:nvPicPr>
@@ -19759,7 +18249,7 @@
         <p:spPr>
           <a:xfrm>
             <a:off x="-1623960" y="0"/>
-            <a:ext cx="13820400" cy="6864840"/>
+            <a:ext cx="13820040" cy="6864480"/>
           </a:xfrm>
           <a:prstGeom prst="rect">
             <a:avLst/>
@@ -19771,14 +18261,14 @@
       </p:pic>
       <p:sp>
         <p:nvSpPr>
-          <p:cNvPr id="61" name="Rectangle 5"/>
+          <p:cNvPr id="59" name="Rectangle 5"/>
           <p:cNvSpPr/>
           <p:nvPr/>
         </p:nvSpPr>
         <p:spPr>
           <a:xfrm>
             <a:off x="6084000" y="0"/>
-            <a:ext cx="5586480" cy="6854400"/>
+            <a:ext cx="5586120" cy="6854040"/>
           </a:xfrm>
           <a:prstGeom prst="rect">
             <a:avLst/>
@@ -19825,7 +18315,7 @@
       </p:sp>
       <p:pic>
         <p:nvPicPr>
-          <p:cNvPr id="62" name="Picture 10" descr=""/>
+          <p:cNvPr id="60" name="Picture 10" descr=""/>
           <p:cNvPicPr/>
           <p:nvPr/>
         </p:nvPicPr>
@@ -19836,7 +18326,7 @@
         <p:spPr>
           <a:xfrm>
             <a:off x="7368480" y="4313880"/>
-            <a:ext cx="3183840" cy="1586160"/>
+            <a:ext cx="3183480" cy="1585800"/>
           </a:xfrm>
           <a:prstGeom prst="rect">
             <a:avLst/>
@@ -19848,7 +18338,7 @@
       </p:pic>
       <p:sp>
         <p:nvSpPr>
-          <p:cNvPr id="63" name="PlaceHolder 1"/>
+          <p:cNvPr id="61" name="PlaceHolder 1"/>
           <p:cNvSpPr>
             <a:spLocks noGrp="1"/>
           </p:cNvSpPr>
@@ -19897,7 +18387,7 @@
       </p:sp>
       <p:sp>
         <p:nvSpPr>
-          <p:cNvPr id="64" name="PlaceHolder 2"/>
+          <p:cNvPr id="62" name="PlaceHolder 2"/>
           <p:cNvSpPr>
             <a:spLocks noGrp="1"/>
           </p:cNvSpPr>
@@ -20155,7 +18645,7 @@
       </p:grpSpPr>
       <p:pic>
         <p:nvPicPr>
-          <p:cNvPr id="65" name="Picture 8" descr="AyresJosh.jpg"/>
+          <p:cNvPr id="63" name="Picture 8" descr="AyresJosh.jpg"/>
           <p:cNvPicPr/>
           <p:nvPr/>
         </p:nvPicPr>
@@ -20166,7 +18656,7 @@
         <p:spPr>
           <a:xfrm>
             <a:off x="-1623960" y="0"/>
-            <a:ext cx="13820400" cy="6864840"/>
+            <a:ext cx="13820040" cy="6864480"/>
           </a:xfrm>
           <a:prstGeom prst="rect">
             <a:avLst/>
@@ -20178,14 +18668,14 @@
       </p:pic>
       <p:sp>
         <p:nvSpPr>
-          <p:cNvPr id="66" name="Rectangle 5"/>
+          <p:cNvPr id="64" name="Rectangle 5"/>
           <p:cNvSpPr/>
           <p:nvPr/>
         </p:nvSpPr>
         <p:spPr>
           <a:xfrm>
             <a:off x="6084000" y="0"/>
-            <a:ext cx="5586480" cy="6854400"/>
+            <a:ext cx="5586120" cy="6854040"/>
           </a:xfrm>
           <a:prstGeom prst="rect">
             <a:avLst/>
@@ -20232,7 +18722,7 @@
       </p:sp>
       <p:pic>
         <p:nvPicPr>
-          <p:cNvPr id="67" name="Picture 10" descr=""/>
+          <p:cNvPr id="65" name="Picture 10" descr=""/>
           <p:cNvPicPr/>
           <p:nvPr/>
         </p:nvPicPr>
@@ -20243,7 +18733,7 @@
         <p:spPr>
           <a:xfrm>
             <a:off x="7368480" y="4313880"/>
-            <a:ext cx="3183840" cy="1586160"/>
+            <a:ext cx="3183480" cy="1585800"/>
           </a:xfrm>
           <a:prstGeom prst="rect">
             <a:avLst/>
@@ -20255,7 +18745,7 @@
       </p:pic>
       <p:sp>
         <p:nvSpPr>
-          <p:cNvPr id="68" name="PlaceHolder 1"/>
+          <p:cNvPr id="66" name="PlaceHolder 1"/>
           <p:cNvSpPr>
             <a:spLocks noGrp="1"/>
           </p:cNvSpPr>
@@ -20304,7 +18794,7 @@
       </p:sp>
       <p:sp>
         <p:nvSpPr>
-          <p:cNvPr id="69" name="PlaceHolder 2"/>
+          <p:cNvPr id="67" name="PlaceHolder 2"/>
           <p:cNvSpPr>
             <a:spLocks noGrp="1"/>
           </p:cNvSpPr>
@@ -20562,7 +19052,7 @@
       </p:grpSpPr>
       <p:pic>
         <p:nvPicPr>
-          <p:cNvPr id="72" name="Picture 8" descr="AyresJosh.jpg"/>
+          <p:cNvPr id="70" name="Picture 8" descr="AyresJosh.jpg"/>
           <p:cNvPicPr/>
           <p:nvPr/>
         </p:nvPicPr>
@@ -20573,7 +19063,7 @@
         <p:spPr>
           <a:xfrm>
             <a:off x="-1623960" y="0"/>
-            <a:ext cx="13820400" cy="6864840"/>
+            <a:ext cx="13820040" cy="6864480"/>
           </a:xfrm>
           <a:prstGeom prst="rect">
             <a:avLst/>
@@ -20585,14 +19075,14 @@
       </p:pic>
       <p:sp>
         <p:nvSpPr>
-          <p:cNvPr id="73" name="Rectangle 5"/>
+          <p:cNvPr id="71" name="Rectangle 5"/>
           <p:cNvSpPr/>
           <p:nvPr/>
         </p:nvSpPr>
         <p:spPr>
           <a:xfrm>
             <a:off x="6084000" y="0"/>
-            <a:ext cx="5586480" cy="6854400"/>
+            <a:ext cx="5586120" cy="6854040"/>
           </a:xfrm>
           <a:prstGeom prst="rect">
             <a:avLst/>
@@ -20639,7 +19129,7 @@
       </p:sp>
       <p:pic>
         <p:nvPicPr>
-          <p:cNvPr id="74" name="Picture 10" descr=""/>
+          <p:cNvPr id="72" name="Picture 10" descr=""/>
           <p:cNvPicPr/>
           <p:nvPr/>
         </p:nvPicPr>
@@ -20650,7 +19140,7 @@
         <p:spPr>
           <a:xfrm>
             <a:off x="7368480" y="4313880"/>
-            <a:ext cx="3183840" cy="1586160"/>
+            <a:ext cx="3183480" cy="1585800"/>
           </a:xfrm>
           <a:prstGeom prst="rect">
             <a:avLst/>
@@ -20662,7 +19152,7 @@
       </p:pic>
       <p:sp>
         <p:nvSpPr>
-          <p:cNvPr id="75" name="PlaceHolder 1"/>
+          <p:cNvPr id="73" name="PlaceHolder 1"/>
           <p:cNvSpPr>
             <a:spLocks noGrp="1"/>
           </p:cNvSpPr>
@@ -20711,7 +19201,7 @@
       </p:sp>
       <p:sp>
         <p:nvSpPr>
-          <p:cNvPr id="76" name="PlaceHolder 2"/>
+          <p:cNvPr id="74" name="PlaceHolder 2"/>
           <p:cNvSpPr>
             <a:spLocks noGrp="1"/>
           </p:cNvSpPr>
@@ -20969,7 +19459,7 @@
       </p:grpSpPr>
       <p:sp>
         <p:nvSpPr>
-          <p:cNvPr id="209" name="PlaceHolder 1"/>
+          <p:cNvPr id="199" name="PlaceHolder 1"/>
           <p:cNvSpPr>
             <a:spLocks noGrp="1"/>
           </p:cNvSpPr>
@@ -20980,7 +19470,7 @@
         <p:spPr>
           <a:xfrm>
             <a:off x="1982520" y="20520"/>
-            <a:ext cx="8223840" cy="6294240"/>
+            <a:ext cx="8223480" cy="6293880"/>
           </a:xfrm>
           <a:prstGeom prst="rect">
             <a:avLst/>
@@ -21096,7 +19586,7 @@
       </p:sp>
       <p:sp>
         <p:nvSpPr>
-          <p:cNvPr id="210" name="Straight Connector 8"/>
+          <p:cNvPr id="200" name="Straight Connector 8"/>
           <p:cNvSpPr/>
           <p:nvPr/>
         </p:nvSpPr>
@@ -21138,7 +19628,7 @@
       </p:sp>
       <p:sp>
         <p:nvSpPr>
-          <p:cNvPr id="211" name="Straight Connector 1"/>
+          <p:cNvPr id="201" name="Straight Connector 1"/>
           <p:cNvSpPr/>
           <p:nvPr/>
         </p:nvSpPr>
@@ -21210,7 +19700,7 @@
       </p:grpSpPr>
       <p:sp>
         <p:nvSpPr>
-          <p:cNvPr id="308" name="PlaceHolder 1"/>
+          <p:cNvPr id="298" name="PlaceHolder 1"/>
           <p:cNvSpPr>
             <a:spLocks noGrp="1"/>
           </p:cNvSpPr>
@@ -21221,7 +19711,7 @@
         <p:spPr>
           <a:xfrm>
             <a:off x="2056680" y="-74160"/>
-            <a:ext cx="8223840" cy="1216080"/>
+            <a:ext cx="8223480" cy="1215720"/>
           </a:xfrm>
           <a:prstGeom prst="rect">
             <a:avLst/>
@@ -21271,7 +19761,7 @@
       </p:sp>
       <p:sp>
         <p:nvSpPr>
-          <p:cNvPr id="309" name="Straight Connector 16"/>
+          <p:cNvPr id="299" name="Straight Connector 16"/>
           <p:cNvSpPr/>
           <p:nvPr/>
         </p:nvSpPr>
@@ -21313,14 +19803,14 @@
       </p:sp>
       <p:sp>
         <p:nvSpPr>
-          <p:cNvPr id="310" name=""/>
-          <p:cNvSpPr txBox="1"/>
+          <p:cNvPr id="300" name=""/>
+          <p:cNvSpPr/>
           <p:nvPr/>
         </p:nvSpPr>
         <p:spPr>
           <a:xfrm>
             <a:off x="11721960" y="6430680"/>
-            <a:ext cx="3822840" cy="427320"/>
+            <a:ext cx="3822480" cy="426960"/>
           </a:xfrm>
           <a:prstGeom prst="rect">
             <a:avLst/>
@@ -21330,11 +19820,22 @@
             <a:noFill/>
           </a:ln>
         </p:spPr>
+        <p:style>
+          <a:lnRef idx="0"/>
+          <a:fillRef idx="0"/>
+          <a:effectRef idx="0"/>
+          <a:fontRef idx="minor"/>
+        </p:style>
         <p:txBody>
           <a:bodyPr lIns="90000" rIns="90000" tIns="45000" bIns="45000" anchor="t">
             <a:noAutofit/>
           </a:bodyPr>
           <a:p>
+            <a:pPr>
+              <a:lnSpc>
+                <a:spcPct val="100000"/>
+              </a:lnSpc>
+            </a:pPr>
             <a:r>
               <a:rPr b="0" lang="en-US" sz="2400" spc="-1" strike="noStrike">
                 <a:solidFill>
@@ -21348,14 +19849,14 @@
               <a:solidFill>
                 <a:srgbClr val="000000"/>
               </a:solidFill>
-              <a:latin typeface="Times New Roman"/>
+              <a:latin typeface="Arial"/>
             </a:endParaRPr>
           </a:p>
         </p:txBody>
       </p:sp>
       <p:pic>
         <p:nvPicPr>
-          <p:cNvPr id="311" name="" descr=""/>
+          <p:cNvPr id="301" name="" descr=""/>
           <p:cNvPicPr/>
           <p:nvPr/>
         </p:nvPicPr>
@@ -21366,7 +19867,7 @@
         <p:spPr>
           <a:xfrm>
             <a:off x="5237640" y="1326240"/>
-            <a:ext cx="1713960" cy="959760"/>
+            <a:ext cx="1713600" cy="959400"/>
           </a:xfrm>
           <a:prstGeom prst="rect">
             <a:avLst/>
@@ -21378,14 +19879,14 @@
       </p:pic>
       <p:sp>
         <p:nvSpPr>
-          <p:cNvPr id="312" name=""/>
+          <p:cNvPr id="302" name=""/>
           <p:cNvSpPr/>
           <p:nvPr/>
         </p:nvSpPr>
         <p:spPr>
           <a:xfrm flipV="1">
             <a:off x="6094440" y="3045600"/>
-            <a:ext cx="0" cy="457200"/>
+            <a:ext cx="360" cy="457200"/>
           </a:xfrm>
           <a:prstGeom prst="line">
             <a:avLst/>
@@ -21414,20 +19915,21 @@
                 <a:srgbClr val="000000"/>
               </a:solidFill>
               <a:latin typeface="Arial"/>
+              <a:ea typeface="DejaVu Sans"/>
             </a:endParaRPr>
           </a:p>
         </p:txBody>
       </p:sp>
       <p:sp>
         <p:nvSpPr>
-          <p:cNvPr id="313" name=""/>
+          <p:cNvPr id="303" name=""/>
           <p:cNvSpPr/>
           <p:nvPr/>
         </p:nvSpPr>
         <p:spPr>
           <a:xfrm>
             <a:off x="5408640" y="3236400"/>
-            <a:ext cx="1371600" cy="457200"/>
+            <a:ext cx="1371240" cy="456840"/>
           </a:xfrm>
           <a:prstGeom prst="roundRect">
             <a:avLst>
@@ -21454,13 +19956,18 @@
             <a:noAutofit/>
           </a:bodyPr>
           <a:p>
-            <a:pPr algn="ctr"/>
+            <a:pPr algn="ctr">
+              <a:lnSpc>
+                <a:spcPct val="100000"/>
+              </a:lnSpc>
+            </a:pPr>
             <a:r>
               <a:rPr b="0" lang="en-US" sz="1800" spc="-1" strike="noStrike">
                 <a:solidFill>
                   <a:srgbClr val="000000"/>
                 </a:solidFill>
                 <a:latin typeface="Times New Roman"/>
+                <a:ea typeface="DejaVu Sans"/>
               </a:rPr>
               <a:t>commit</a:t>
             </a:r>
@@ -21468,21 +19975,21 @@
               <a:solidFill>
                 <a:srgbClr val="000000"/>
               </a:solidFill>
-              <a:latin typeface="Times New Roman"/>
+              <a:latin typeface="Arial"/>
             </a:endParaRPr>
           </a:p>
         </p:txBody>
       </p:sp>
       <p:sp>
         <p:nvSpPr>
-          <p:cNvPr id="314" name=""/>
+          <p:cNvPr id="304" name=""/>
           <p:cNvSpPr/>
           <p:nvPr/>
         </p:nvSpPr>
         <p:spPr>
           <a:xfrm flipV="1">
             <a:off x="6094440" y="2322000"/>
-            <a:ext cx="0" cy="457200"/>
+            <a:ext cx="360" cy="457200"/>
           </a:xfrm>
           <a:prstGeom prst="line">
             <a:avLst/>
@@ -21511,20 +20018,21 @@
                 <a:srgbClr val="000000"/>
               </a:solidFill>
               <a:latin typeface="Arial"/>
+              <a:ea typeface="DejaVu Sans"/>
             </a:endParaRPr>
           </a:p>
         </p:txBody>
       </p:sp>
       <p:sp>
         <p:nvSpPr>
-          <p:cNvPr id="315" name=""/>
+          <p:cNvPr id="305" name=""/>
           <p:cNvSpPr/>
           <p:nvPr/>
         </p:nvSpPr>
         <p:spPr>
           <a:xfrm>
             <a:off x="5411160" y="2525760"/>
-            <a:ext cx="1371600" cy="457200"/>
+            <a:ext cx="1371240" cy="456840"/>
           </a:xfrm>
           <a:prstGeom prst="roundRect">
             <a:avLst>
@@ -21551,13 +20059,18 @@
             <a:noAutofit/>
           </a:bodyPr>
           <a:p>
-            <a:pPr algn="ctr"/>
+            <a:pPr algn="ctr">
+              <a:lnSpc>
+                <a:spcPct val="100000"/>
+              </a:lnSpc>
+            </a:pPr>
             <a:r>
               <a:rPr b="0" lang="en-US" sz="1800" spc="-1" strike="noStrike">
                 <a:solidFill>
                   <a:srgbClr val="000000"/>
                 </a:solidFill>
                 <a:latin typeface="Times New Roman"/>
+                <a:ea typeface="DejaVu Sans"/>
               </a:rPr>
               <a:t>push</a:t>
             </a:r>
@@ -21565,21 +20078,21 @@
               <a:solidFill>
                 <a:srgbClr val="000000"/>
               </a:solidFill>
-              <a:latin typeface="Times New Roman"/>
+              <a:latin typeface="Arial"/>
             </a:endParaRPr>
           </a:p>
         </p:txBody>
       </p:sp>
       <p:sp>
         <p:nvSpPr>
-          <p:cNvPr id="316" name=""/>
+          <p:cNvPr id="306" name=""/>
           <p:cNvSpPr/>
           <p:nvPr/>
         </p:nvSpPr>
         <p:spPr>
           <a:xfrm flipV="1">
             <a:off x="6094440" y="3775320"/>
-            <a:ext cx="0" cy="457200"/>
+            <a:ext cx="360" cy="457200"/>
           </a:xfrm>
           <a:prstGeom prst="line">
             <a:avLst/>
@@ -21608,20 +20121,21 @@
                 <a:srgbClr val="000000"/>
               </a:solidFill>
               <a:latin typeface="Arial"/>
+              <a:ea typeface="DejaVu Sans"/>
             </a:endParaRPr>
           </a:p>
         </p:txBody>
       </p:sp>
       <p:sp>
         <p:nvSpPr>
-          <p:cNvPr id="317" name=""/>
+          <p:cNvPr id="307" name=""/>
           <p:cNvSpPr/>
           <p:nvPr/>
         </p:nvSpPr>
         <p:spPr>
           <a:xfrm>
             <a:off x="5409000" y="3956760"/>
-            <a:ext cx="1371600" cy="457200"/>
+            <a:ext cx="1371240" cy="456840"/>
           </a:xfrm>
           <a:prstGeom prst="roundRect">
             <a:avLst>
@@ -21648,13 +20162,18 @@
             <a:noAutofit/>
           </a:bodyPr>
           <a:p>
-            <a:pPr algn="ctr"/>
+            <a:pPr algn="ctr">
+              <a:lnSpc>
+                <a:spcPct val="100000"/>
+              </a:lnSpc>
+            </a:pPr>
             <a:r>
               <a:rPr b="0" lang="en-US" sz="1800" spc="-1" strike="noStrike">
                 <a:solidFill>
                   <a:srgbClr val="000000"/>
                 </a:solidFill>
                 <a:latin typeface="Times New Roman"/>
+                <a:ea typeface="DejaVu Sans"/>
               </a:rPr>
               <a:t>add</a:t>
             </a:r>
@@ -21662,21 +20181,21 @@
               <a:solidFill>
                 <a:srgbClr val="000000"/>
               </a:solidFill>
-              <a:latin typeface="Times New Roman"/>
+              <a:latin typeface="Arial"/>
             </a:endParaRPr>
           </a:p>
         </p:txBody>
       </p:sp>
       <p:sp>
         <p:nvSpPr>
-          <p:cNvPr id="318" name=""/>
+          <p:cNvPr id="308" name=""/>
           <p:cNvSpPr/>
           <p:nvPr/>
         </p:nvSpPr>
         <p:spPr>
           <a:xfrm flipV="1">
             <a:off x="6094440" y="4531320"/>
-            <a:ext cx="0" cy="457200"/>
+            <a:ext cx="360" cy="457200"/>
           </a:xfrm>
           <a:prstGeom prst="line">
             <a:avLst/>
@@ -21705,13 +20224,14 @@
                 <a:srgbClr val="000000"/>
               </a:solidFill>
               <a:latin typeface="Arial"/>
+              <a:ea typeface="DejaVu Sans"/>
             </a:endParaRPr>
           </a:p>
         </p:txBody>
       </p:sp>
       <p:pic>
         <p:nvPicPr>
-          <p:cNvPr id="319" name="" descr=""/>
+          <p:cNvPr id="309" name="" descr=""/>
           <p:cNvPicPr/>
           <p:nvPr/>
         </p:nvPicPr>
@@ -21722,7 +20242,7 @@
         <p:spPr>
           <a:xfrm>
             <a:off x="5366160" y="4726800"/>
-            <a:ext cx="1456920" cy="1456920"/>
+            <a:ext cx="1456560" cy="1456560"/>
           </a:xfrm>
           <a:prstGeom prst="rect">
             <a:avLst/>
@@ -21734,14 +20254,14 @@
       </p:pic>
       <p:sp>
         <p:nvSpPr>
-          <p:cNvPr id="320" name=""/>
-          <p:cNvSpPr txBox="1"/>
+          <p:cNvPr id="310" name=""/>
+          <p:cNvSpPr/>
           <p:nvPr/>
         </p:nvSpPr>
         <p:spPr>
           <a:xfrm>
             <a:off x="5751720" y="4924440"/>
-            <a:ext cx="685800" cy="596520"/>
+            <a:ext cx="685440" cy="596160"/>
           </a:xfrm>
           <a:prstGeom prst="rect">
             <a:avLst/>
@@ -21751,12 +20271,22 @@
             <a:noFill/>
           </a:ln>
         </p:spPr>
+        <p:style>
+          <a:lnRef idx="0"/>
+          <a:fillRef idx="0"/>
+          <a:effectRef idx="0"/>
+          <a:fontRef idx="minor"/>
+        </p:style>
         <p:txBody>
           <a:bodyPr lIns="90000" rIns="90000" tIns="45000" bIns="45000" anchor="t">
             <a:noAutofit/>
           </a:bodyPr>
           <a:p>
-            <a:pPr algn="ctr"/>
+            <a:pPr algn="ctr">
+              <a:lnSpc>
+                <a:spcPct val="100000"/>
+              </a:lnSpc>
+            </a:pPr>
             <a:r>
               <a:rPr b="0" lang="en-US" sz="1800" spc="-1" strike="noStrike">
                 <a:solidFill>
@@ -21770,21 +20300,21 @@
               <a:solidFill>
                 <a:srgbClr val="000000"/>
               </a:solidFill>
-              <a:latin typeface="Times New Roman"/>
+              <a:latin typeface="Arial"/>
             </a:endParaRPr>
           </a:p>
         </p:txBody>
       </p:sp>
       <p:sp>
         <p:nvSpPr>
-          <p:cNvPr id="321" name=""/>
+          <p:cNvPr id="311" name=""/>
           <p:cNvSpPr/>
           <p:nvPr/>
         </p:nvSpPr>
         <p:spPr>
           <a:xfrm>
             <a:off x="6400800" y="228600"/>
-            <a:ext cx="2286000" cy="914400"/>
+            <a:ext cx="2285640" cy="914040"/>
           </a:xfrm>
           <a:prstGeom prst="wedgeEllipseCallout">
             <a:avLst>
@@ -21812,13 +20342,18 @@
             <a:noAutofit/>
           </a:bodyPr>
           <a:p>
-            <a:pPr algn="ctr"/>
+            <a:pPr algn="ctr">
+              <a:lnSpc>
+                <a:spcPct val="100000"/>
+              </a:lnSpc>
+            </a:pPr>
             <a:r>
               <a:rPr b="0" lang="en-US" sz="1800" spc="-1" strike="noStrike">
                 <a:solidFill>
                   <a:srgbClr val="000000"/>
                 </a:solidFill>
                 <a:latin typeface="Arial"/>
+                <a:ea typeface="DejaVu Sans"/>
               </a:rPr>
               <a:t>Wait, I have new changes</a:t>
             </a:r>
@@ -21863,7 +20398,7 @@
       </p:grpSpPr>
       <p:sp>
         <p:nvSpPr>
-          <p:cNvPr id="322" name="PlaceHolder 1"/>
+          <p:cNvPr id="312" name="PlaceHolder 1"/>
           <p:cNvSpPr>
             <a:spLocks noGrp="1"/>
           </p:cNvSpPr>
@@ -21874,7 +20409,7 @@
         <p:spPr>
           <a:xfrm>
             <a:off x="2056680" y="-74160"/>
-            <a:ext cx="8223840" cy="1216080"/>
+            <a:ext cx="8223480" cy="1215720"/>
           </a:xfrm>
           <a:prstGeom prst="rect">
             <a:avLst/>
@@ -21924,7 +20459,7 @@
       </p:sp>
       <p:sp>
         <p:nvSpPr>
-          <p:cNvPr id="323" name="Straight Connector 10"/>
+          <p:cNvPr id="313" name="Straight Connector 10"/>
           <p:cNvSpPr/>
           <p:nvPr/>
         </p:nvSpPr>
@@ -21966,14 +20501,14 @@
       </p:sp>
       <p:sp>
         <p:nvSpPr>
-          <p:cNvPr id="324" name=""/>
-          <p:cNvSpPr txBox="1"/>
+          <p:cNvPr id="314" name=""/>
+          <p:cNvSpPr/>
           <p:nvPr/>
         </p:nvSpPr>
         <p:spPr>
           <a:xfrm>
             <a:off x="11721960" y="6430680"/>
-            <a:ext cx="3822840" cy="427320"/>
+            <a:ext cx="3822480" cy="426960"/>
           </a:xfrm>
           <a:prstGeom prst="rect">
             <a:avLst/>
@@ -21983,11 +20518,22 @@
             <a:noFill/>
           </a:ln>
         </p:spPr>
+        <p:style>
+          <a:lnRef idx="0"/>
+          <a:fillRef idx="0"/>
+          <a:effectRef idx="0"/>
+          <a:fontRef idx="minor"/>
+        </p:style>
         <p:txBody>
           <a:bodyPr lIns="90000" rIns="90000" tIns="45000" bIns="45000" anchor="t">
             <a:noAutofit/>
           </a:bodyPr>
           <a:p>
+            <a:pPr>
+              <a:lnSpc>
+                <a:spcPct val="100000"/>
+              </a:lnSpc>
+            </a:pPr>
             <a:r>
               <a:rPr b="0" lang="en-US" sz="2400" spc="-1" strike="noStrike">
                 <a:solidFill>
@@ -22001,21 +20547,21 @@
               <a:solidFill>
                 <a:srgbClr val="000000"/>
               </a:solidFill>
-              <a:latin typeface="Times New Roman"/>
+              <a:latin typeface="Arial"/>
             </a:endParaRPr>
           </a:p>
         </p:txBody>
       </p:sp>
       <p:sp>
         <p:nvSpPr>
-          <p:cNvPr id="325" name=""/>
+          <p:cNvPr id="315" name=""/>
           <p:cNvSpPr/>
           <p:nvPr/>
         </p:nvSpPr>
         <p:spPr>
           <a:xfrm flipV="1">
             <a:off x="6057720" y="2482920"/>
-            <a:ext cx="0" cy="457200"/>
+            <a:ext cx="360" cy="457200"/>
           </a:xfrm>
           <a:prstGeom prst="line">
             <a:avLst/>
@@ -22044,20 +20590,21 @@
                 <a:srgbClr val="000000"/>
               </a:solidFill>
               <a:latin typeface="Arial"/>
+              <a:ea typeface="DejaVu Sans"/>
             </a:endParaRPr>
           </a:p>
         </p:txBody>
       </p:sp>
       <p:sp>
         <p:nvSpPr>
-          <p:cNvPr id="326" name=""/>
+          <p:cNvPr id="316" name=""/>
           <p:cNvSpPr/>
           <p:nvPr/>
         </p:nvSpPr>
         <p:spPr>
           <a:xfrm>
             <a:off x="5371920" y="2673720"/>
-            <a:ext cx="1371600" cy="457200"/>
+            <a:ext cx="1371240" cy="456840"/>
           </a:xfrm>
           <a:prstGeom prst="roundRect">
             <a:avLst>
@@ -22084,13 +20631,18 @@
             <a:noAutofit/>
           </a:bodyPr>
           <a:p>
-            <a:pPr algn="ctr"/>
+            <a:pPr algn="ctr">
+              <a:lnSpc>
+                <a:spcPct val="100000"/>
+              </a:lnSpc>
+            </a:pPr>
             <a:r>
               <a:rPr b="0" lang="en-US" sz="1800" spc="-1" strike="noStrike">
                 <a:solidFill>
                   <a:srgbClr val="000000"/>
                 </a:solidFill>
                 <a:latin typeface="Times New Roman"/>
+                <a:ea typeface="DejaVu Sans"/>
               </a:rPr>
               <a:t>commit</a:t>
             </a:r>
@@ -22098,21 +20650,21 @@
               <a:solidFill>
                 <a:srgbClr val="000000"/>
               </a:solidFill>
-              <a:latin typeface="Times New Roman"/>
+              <a:latin typeface="Arial"/>
             </a:endParaRPr>
           </a:p>
         </p:txBody>
       </p:sp>
       <p:sp>
         <p:nvSpPr>
-          <p:cNvPr id="327" name=""/>
+          <p:cNvPr id="317" name=""/>
           <p:cNvSpPr/>
           <p:nvPr/>
         </p:nvSpPr>
         <p:spPr>
           <a:xfrm flipV="1">
             <a:off x="6057720" y="1759320"/>
-            <a:ext cx="0" cy="457200"/>
+            <a:ext cx="360" cy="457200"/>
           </a:xfrm>
           <a:prstGeom prst="line">
             <a:avLst/>
@@ -22141,20 +20693,21 @@
                 <a:srgbClr val="000000"/>
               </a:solidFill>
               <a:latin typeface="Arial"/>
+              <a:ea typeface="DejaVu Sans"/>
             </a:endParaRPr>
           </a:p>
         </p:txBody>
       </p:sp>
       <p:sp>
         <p:nvSpPr>
-          <p:cNvPr id="328" name=""/>
+          <p:cNvPr id="318" name=""/>
           <p:cNvSpPr/>
           <p:nvPr/>
         </p:nvSpPr>
         <p:spPr>
           <a:xfrm>
             <a:off x="5374440" y="1963080"/>
-            <a:ext cx="1371600" cy="457200"/>
+            <a:ext cx="1371240" cy="456840"/>
           </a:xfrm>
           <a:prstGeom prst="roundRect">
             <a:avLst>
@@ -22181,13 +20734,18 @@
             <a:noAutofit/>
           </a:bodyPr>
           <a:p>
-            <a:pPr algn="ctr"/>
+            <a:pPr algn="ctr">
+              <a:lnSpc>
+                <a:spcPct val="100000"/>
+              </a:lnSpc>
+            </a:pPr>
             <a:r>
               <a:rPr b="0" lang="en-US" sz="1800" spc="-1" strike="noStrike">
                 <a:solidFill>
                   <a:srgbClr val="000000"/>
                 </a:solidFill>
                 <a:latin typeface="Times New Roman"/>
+                <a:ea typeface="DejaVu Sans"/>
               </a:rPr>
               <a:t>push</a:t>
             </a:r>
@@ -22195,21 +20753,21 @@
               <a:solidFill>
                 <a:srgbClr val="000000"/>
               </a:solidFill>
-              <a:latin typeface="Times New Roman"/>
+              <a:latin typeface="Arial"/>
             </a:endParaRPr>
           </a:p>
         </p:txBody>
       </p:sp>
       <p:sp>
         <p:nvSpPr>
-          <p:cNvPr id="329" name=""/>
+          <p:cNvPr id="319" name=""/>
           <p:cNvSpPr/>
           <p:nvPr/>
         </p:nvSpPr>
         <p:spPr>
           <a:xfrm flipV="1">
             <a:off x="6057720" y="3212640"/>
-            <a:ext cx="0" cy="457200"/>
+            <a:ext cx="360" cy="457200"/>
           </a:xfrm>
           <a:prstGeom prst="line">
             <a:avLst/>
@@ -22238,20 +20796,21 @@
                 <a:srgbClr val="000000"/>
               </a:solidFill>
               <a:latin typeface="Arial"/>
+              <a:ea typeface="DejaVu Sans"/>
             </a:endParaRPr>
           </a:p>
         </p:txBody>
       </p:sp>
       <p:sp>
         <p:nvSpPr>
-          <p:cNvPr id="330" name=""/>
+          <p:cNvPr id="320" name=""/>
           <p:cNvSpPr/>
           <p:nvPr/>
         </p:nvSpPr>
         <p:spPr>
           <a:xfrm>
             <a:off x="5372280" y="3394080"/>
-            <a:ext cx="1371600" cy="457200"/>
+            <a:ext cx="1371240" cy="456840"/>
           </a:xfrm>
           <a:prstGeom prst="roundRect">
             <a:avLst>
@@ -22278,13 +20837,18 @@
             <a:noAutofit/>
           </a:bodyPr>
           <a:p>
-            <a:pPr algn="ctr"/>
+            <a:pPr algn="ctr">
+              <a:lnSpc>
+                <a:spcPct val="100000"/>
+              </a:lnSpc>
+            </a:pPr>
             <a:r>
               <a:rPr b="0" lang="en-US" sz="1800" spc="-1" strike="noStrike">
                 <a:solidFill>
                   <a:srgbClr val="000000"/>
                 </a:solidFill>
                 <a:latin typeface="Times New Roman"/>
+                <a:ea typeface="DejaVu Sans"/>
               </a:rPr>
               <a:t>add</a:t>
             </a:r>
@@ -22292,21 +20856,21 @@
               <a:solidFill>
                 <a:srgbClr val="000000"/>
               </a:solidFill>
-              <a:latin typeface="Times New Roman"/>
+              <a:latin typeface="Arial"/>
             </a:endParaRPr>
           </a:p>
         </p:txBody>
       </p:sp>
       <p:sp>
         <p:nvSpPr>
-          <p:cNvPr id="331" name=""/>
+          <p:cNvPr id="321" name=""/>
           <p:cNvSpPr/>
           <p:nvPr/>
         </p:nvSpPr>
         <p:spPr>
           <a:xfrm flipV="1">
             <a:off x="6057720" y="3968640"/>
-            <a:ext cx="0" cy="457200"/>
+            <a:ext cx="360" cy="457200"/>
           </a:xfrm>
           <a:prstGeom prst="line">
             <a:avLst/>
@@ -22335,13 +20899,14 @@
                 <a:srgbClr val="000000"/>
               </a:solidFill>
               <a:latin typeface="Arial"/>
+              <a:ea typeface="DejaVu Sans"/>
             </a:endParaRPr>
           </a:p>
         </p:txBody>
       </p:sp>
       <p:pic>
         <p:nvPicPr>
-          <p:cNvPr id="332" name="" descr=""/>
+          <p:cNvPr id="322" name="" descr=""/>
           <p:cNvPicPr/>
           <p:nvPr/>
         </p:nvPicPr>
@@ -22352,7 +20917,7 @@
         <p:spPr>
           <a:xfrm>
             <a:off x="5329440" y="4164120"/>
-            <a:ext cx="1456920" cy="1456920"/>
+            <a:ext cx="1456560" cy="1456560"/>
           </a:xfrm>
           <a:prstGeom prst="rect">
             <a:avLst/>
@@ -22364,14 +20929,14 @@
       </p:pic>
       <p:sp>
         <p:nvSpPr>
-          <p:cNvPr id="333" name=""/>
-          <p:cNvSpPr txBox="1"/>
+          <p:cNvPr id="323" name=""/>
+          <p:cNvSpPr/>
           <p:nvPr/>
         </p:nvSpPr>
         <p:spPr>
           <a:xfrm>
             <a:off x="5715000" y="4361760"/>
-            <a:ext cx="685800" cy="596520"/>
+            <a:ext cx="685440" cy="596160"/>
           </a:xfrm>
           <a:prstGeom prst="rect">
             <a:avLst/>
@@ -22381,12 +20946,22 @@
             <a:noFill/>
           </a:ln>
         </p:spPr>
+        <p:style>
+          <a:lnRef idx="0"/>
+          <a:fillRef idx="0"/>
+          <a:effectRef idx="0"/>
+          <a:fontRef idx="minor"/>
+        </p:style>
         <p:txBody>
           <a:bodyPr lIns="90000" rIns="90000" tIns="45000" bIns="45000" anchor="t">
             <a:noAutofit/>
           </a:bodyPr>
           <a:p>
-            <a:pPr algn="ctr"/>
+            <a:pPr algn="ctr">
+              <a:lnSpc>
+                <a:spcPct val="100000"/>
+              </a:lnSpc>
+            </a:pPr>
             <a:r>
               <a:rPr b="0" lang="en-US" sz="1800" spc="-1" strike="noStrike">
                 <a:solidFill>
@@ -22400,14 +20975,14 @@
               <a:solidFill>
                 <a:srgbClr val="000000"/>
               </a:solidFill>
-              <a:latin typeface="Times New Roman"/>
+              <a:latin typeface="Arial"/>
             </a:endParaRPr>
           </a:p>
         </p:txBody>
       </p:sp>
       <p:pic>
         <p:nvPicPr>
-          <p:cNvPr id="334" name="" descr=""/>
+          <p:cNvPr id="324" name="" descr=""/>
           <p:cNvPicPr/>
           <p:nvPr/>
         </p:nvPicPr>
@@ -22418,7 +20993,7 @@
         <p:spPr>
           <a:xfrm>
             <a:off x="2057400" y="1723320"/>
-            <a:ext cx="8001000" cy="4220280"/>
+            <a:ext cx="8000640" cy="4219920"/>
           </a:xfrm>
           <a:prstGeom prst="rect">
             <a:avLst/>
@@ -22430,14 +21005,14 @@
       </p:pic>
       <p:sp>
         <p:nvSpPr>
-          <p:cNvPr id="335" name=""/>
-          <p:cNvSpPr txBox="1"/>
+          <p:cNvPr id="325" name=""/>
+          <p:cNvSpPr/>
           <p:nvPr/>
         </p:nvSpPr>
         <p:spPr>
           <a:xfrm>
             <a:off x="4800600" y="2409120"/>
-            <a:ext cx="2514600" cy="685800"/>
+            <a:ext cx="2514240" cy="685440"/>
           </a:xfrm>
           <a:prstGeom prst="rect">
             <a:avLst/>
@@ -22447,12 +21022,22 @@
             <a:noFill/>
           </a:ln>
         </p:spPr>
+        <p:style>
+          <a:lnRef idx="0"/>
+          <a:fillRef idx="0"/>
+          <a:effectRef idx="0"/>
+          <a:fontRef idx="minor"/>
+        </p:style>
         <p:txBody>
           <a:bodyPr lIns="90000" rIns="90000" tIns="45000" bIns="45000" anchor="t">
             <a:noAutofit/>
           </a:bodyPr>
           <a:p>
-            <a:pPr algn="ctr"/>
+            <a:pPr algn="ctr">
+              <a:lnSpc>
+                <a:spcPct val="100000"/>
+              </a:lnSpc>
+            </a:pPr>
             <a:r>
               <a:rPr b="0" lang="en-US" sz="2200" spc="-1" strike="noStrike">
                 <a:solidFill>
@@ -22466,7 +21051,7 @@
               <a:solidFill>
                 <a:srgbClr val="000000"/>
               </a:solidFill>
-              <a:latin typeface="Times New Roman"/>
+              <a:latin typeface="Arial"/>
             </a:endParaRPr>
           </a:p>
         </p:txBody>
@@ -22503,7 +21088,7 @@
       </p:grpSpPr>
       <p:sp>
         <p:nvSpPr>
-          <p:cNvPr id="336" name="PlaceHolder 1"/>
+          <p:cNvPr id="326" name="PlaceHolder 1"/>
           <p:cNvSpPr>
             <a:spLocks noGrp="1"/>
           </p:cNvSpPr>
@@ -22514,7 +21099,7 @@
         <p:spPr>
           <a:xfrm>
             <a:off x="2056680" y="-74160"/>
-            <a:ext cx="8223840" cy="1216080"/>
+            <a:ext cx="8223480" cy="1215720"/>
           </a:xfrm>
           <a:prstGeom prst="rect">
             <a:avLst/>
@@ -22564,7 +21149,7 @@
       </p:sp>
       <p:sp>
         <p:nvSpPr>
-          <p:cNvPr id="337" name="Straight Connector 13"/>
+          <p:cNvPr id="327" name="Straight Connector 13"/>
           <p:cNvSpPr/>
           <p:nvPr/>
         </p:nvSpPr>
@@ -22606,14 +21191,14 @@
       </p:sp>
       <p:sp>
         <p:nvSpPr>
-          <p:cNvPr id="338" name=""/>
-          <p:cNvSpPr txBox="1"/>
+          <p:cNvPr id="328" name=""/>
+          <p:cNvSpPr/>
           <p:nvPr/>
         </p:nvSpPr>
         <p:spPr>
           <a:xfrm>
             <a:off x="11721960" y="6430680"/>
-            <a:ext cx="3822840" cy="427320"/>
+            <a:ext cx="3822480" cy="426960"/>
           </a:xfrm>
           <a:prstGeom prst="rect">
             <a:avLst/>
@@ -22623,11 +21208,22 @@
             <a:noFill/>
           </a:ln>
         </p:spPr>
+        <p:style>
+          <a:lnRef idx="0"/>
+          <a:fillRef idx="0"/>
+          <a:effectRef idx="0"/>
+          <a:fontRef idx="minor"/>
+        </p:style>
         <p:txBody>
           <a:bodyPr lIns="90000" rIns="90000" tIns="45000" bIns="45000" anchor="t">
             <a:noAutofit/>
           </a:bodyPr>
           <a:p>
+            <a:pPr>
+              <a:lnSpc>
+                <a:spcPct val="100000"/>
+              </a:lnSpc>
+            </a:pPr>
             <a:r>
               <a:rPr b="0" lang="en-US" sz="2400" spc="-1" strike="noStrike">
                 <a:solidFill>
@@ -22641,21 +21237,21 @@
               <a:solidFill>
                 <a:srgbClr val="000000"/>
               </a:solidFill>
-              <a:latin typeface="Times New Roman"/>
+              <a:latin typeface="Arial"/>
             </a:endParaRPr>
           </a:p>
         </p:txBody>
       </p:sp>
       <p:sp>
         <p:nvSpPr>
-          <p:cNvPr id="339" name=""/>
+          <p:cNvPr id="329" name=""/>
           <p:cNvSpPr/>
           <p:nvPr/>
         </p:nvSpPr>
         <p:spPr>
           <a:xfrm flipV="1">
             <a:off x="6057720" y="2482920"/>
-            <a:ext cx="0" cy="457200"/>
+            <a:ext cx="360" cy="457200"/>
           </a:xfrm>
           <a:prstGeom prst="line">
             <a:avLst/>
@@ -22684,20 +21280,21 @@
                 <a:srgbClr val="000000"/>
               </a:solidFill>
               <a:latin typeface="Arial"/>
+              <a:ea typeface="DejaVu Sans"/>
             </a:endParaRPr>
           </a:p>
         </p:txBody>
       </p:sp>
       <p:sp>
         <p:nvSpPr>
-          <p:cNvPr id="340" name=""/>
+          <p:cNvPr id="330" name=""/>
           <p:cNvSpPr/>
           <p:nvPr/>
         </p:nvSpPr>
         <p:spPr>
           <a:xfrm>
             <a:off x="5371920" y="2673720"/>
-            <a:ext cx="1371600" cy="457200"/>
+            <a:ext cx="1371240" cy="456840"/>
           </a:xfrm>
           <a:prstGeom prst="roundRect">
             <a:avLst>
@@ -22724,13 +21321,18 @@
             <a:noAutofit/>
           </a:bodyPr>
           <a:p>
-            <a:pPr algn="ctr"/>
+            <a:pPr algn="ctr">
+              <a:lnSpc>
+                <a:spcPct val="100000"/>
+              </a:lnSpc>
+            </a:pPr>
             <a:r>
               <a:rPr b="0" lang="en-US" sz="1800" spc="-1" strike="noStrike">
                 <a:solidFill>
                   <a:srgbClr val="000000"/>
                 </a:solidFill>
                 <a:latin typeface="Times New Roman"/>
+                <a:ea typeface="DejaVu Sans"/>
               </a:rPr>
               <a:t>commit</a:t>
             </a:r>
@@ -22738,21 +21340,21 @@
               <a:solidFill>
                 <a:srgbClr val="000000"/>
               </a:solidFill>
-              <a:latin typeface="Times New Roman"/>
+              <a:latin typeface="Arial"/>
             </a:endParaRPr>
           </a:p>
         </p:txBody>
       </p:sp>
       <p:sp>
         <p:nvSpPr>
-          <p:cNvPr id="341" name=""/>
+          <p:cNvPr id="331" name=""/>
           <p:cNvSpPr/>
           <p:nvPr/>
         </p:nvSpPr>
         <p:spPr>
           <a:xfrm flipV="1">
             <a:off x="6057720" y="1759320"/>
-            <a:ext cx="0" cy="457200"/>
+            <a:ext cx="360" cy="457200"/>
           </a:xfrm>
           <a:prstGeom prst="line">
             <a:avLst/>
@@ -22781,20 +21383,21 @@
                 <a:srgbClr val="000000"/>
               </a:solidFill>
               <a:latin typeface="Arial"/>
+              <a:ea typeface="DejaVu Sans"/>
             </a:endParaRPr>
           </a:p>
         </p:txBody>
       </p:sp>
       <p:sp>
         <p:nvSpPr>
-          <p:cNvPr id="342" name=""/>
+          <p:cNvPr id="332" name=""/>
           <p:cNvSpPr/>
           <p:nvPr/>
         </p:nvSpPr>
         <p:spPr>
           <a:xfrm>
             <a:off x="5374440" y="1963080"/>
-            <a:ext cx="1371600" cy="457200"/>
+            <a:ext cx="1371240" cy="456840"/>
           </a:xfrm>
           <a:prstGeom prst="roundRect">
             <a:avLst>
@@ -22821,13 +21424,18 @@
             <a:noAutofit/>
           </a:bodyPr>
           <a:p>
-            <a:pPr algn="ctr"/>
+            <a:pPr algn="ctr">
+              <a:lnSpc>
+                <a:spcPct val="100000"/>
+              </a:lnSpc>
+            </a:pPr>
             <a:r>
               <a:rPr b="0" lang="en-US" sz="1800" spc="-1" strike="noStrike">
                 <a:solidFill>
                   <a:srgbClr val="000000"/>
                 </a:solidFill>
                 <a:latin typeface="Times New Roman"/>
+                <a:ea typeface="DejaVu Sans"/>
               </a:rPr>
               <a:t>push</a:t>
             </a:r>
@@ -22835,21 +21443,21 @@
               <a:solidFill>
                 <a:srgbClr val="000000"/>
               </a:solidFill>
-              <a:latin typeface="Times New Roman"/>
+              <a:latin typeface="Arial"/>
             </a:endParaRPr>
           </a:p>
         </p:txBody>
       </p:sp>
       <p:sp>
         <p:nvSpPr>
-          <p:cNvPr id="343" name=""/>
+          <p:cNvPr id="333" name=""/>
           <p:cNvSpPr/>
           <p:nvPr/>
         </p:nvSpPr>
         <p:spPr>
           <a:xfrm flipV="1">
             <a:off x="6057720" y="3212640"/>
-            <a:ext cx="0" cy="457200"/>
+            <a:ext cx="360" cy="457200"/>
           </a:xfrm>
           <a:prstGeom prst="line">
             <a:avLst/>
@@ -22878,20 +21486,21 @@
                 <a:srgbClr val="000000"/>
               </a:solidFill>
               <a:latin typeface="Arial"/>
+              <a:ea typeface="DejaVu Sans"/>
             </a:endParaRPr>
           </a:p>
         </p:txBody>
       </p:sp>
       <p:sp>
         <p:nvSpPr>
-          <p:cNvPr id="344" name=""/>
+          <p:cNvPr id="334" name=""/>
           <p:cNvSpPr/>
           <p:nvPr/>
         </p:nvSpPr>
         <p:spPr>
           <a:xfrm>
             <a:off x="5372280" y="3394080"/>
-            <a:ext cx="1371600" cy="457200"/>
+            <a:ext cx="1371240" cy="456840"/>
           </a:xfrm>
           <a:prstGeom prst="roundRect">
             <a:avLst>
@@ -22918,13 +21527,18 @@
             <a:noAutofit/>
           </a:bodyPr>
           <a:p>
-            <a:pPr algn="ctr"/>
+            <a:pPr algn="ctr">
+              <a:lnSpc>
+                <a:spcPct val="100000"/>
+              </a:lnSpc>
+            </a:pPr>
             <a:r>
               <a:rPr b="0" lang="en-US" sz="1800" spc="-1" strike="noStrike">
                 <a:solidFill>
                   <a:srgbClr val="000000"/>
                 </a:solidFill>
                 <a:latin typeface="Times New Roman"/>
+                <a:ea typeface="DejaVu Sans"/>
               </a:rPr>
               <a:t>add</a:t>
             </a:r>
@@ -22932,21 +21546,21 @@
               <a:solidFill>
                 <a:srgbClr val="000000"/>
               </a:solidFill>
-              <a:latin typeface="Times New Roman"/>
+              <a:latin typeface="Arial"/>
             </a:endParaRPr>
           </a:p>
         </p:txBody>
       </p:sp>
       <p:sp>
         <p:nvSpPr>
-          <p:cNvPr id="345" name=""/>
+          <p:cNvPr id="335" name=""/>
           <p:cNvSpPr/>
           <p:nvPr/>
         </p:nvSpPr>
         <p:spPr>
           <a:xfrm flipV="1">
             <a:off x="6057720" y="3968640"/>
-            <a:ext cx="0" cy="457200"/>
+            <a:ext cx="360" cy="457200"/>
           </a:xfrm>
           <a:prstGeom prst="line">
             <a:avLst/>
@@ -22975,13 +21589,14 @@
                 <a:srgbClr val="000000"/>
               </a:solidFill>
               <a:latin typeface="Arial"/>
+              <a:ea typeface="DejaVu Sans"/>
             </a:endParaRPr>
           </a:p>
         </p:txBody>
       </p:sp>
       <p:pic>
         <p:nvPicPr>
-          <p:cNvPr id="346" name="" descr=""/>
+          <p:cNvPr id="336" name="" descr=""/>
           <p:cNvPicPr/>
           <p:nvPr/>
         </p:nvPicPr>
@@ -22992,7 +21607,7 @@
         <p:spPr>
           <a:xfrm>
             <a:off x="5329440" y="4164120"/>
-            <a:ext cx="1456920" cy="1456920"/>
+            <a:ext cx="1456560" cy="1456560"/>
           </a:xfrm>
           <a:prstGeom prst="rect">
             <a:avLst/>
@@ -23004,14 +21619,14 @@
       </p:pic>
       <p:sp>
         <p:nvSpPr>
-          <p:cNvPr id="347" name=""/>
-          <p:cNvSpPr txBox="1"/>
+          <p:cNvPr id="337" name=""/>
+          <p:cNvSpPr/>
           <p:nvPr/>
         </p:nvSpPr>
         <p:spPr>
           <a:xfrm>
             <a:off x="5715000" y="4361760"/>
-            <a:ext cx="685800" cy="596520"/>
+            <a:ext cx="685440" cy="596160"/>
           </a:xfrm>
           <a:prstGeom prst="rect">
             <a:avLst/>
@@ -23021,12 +21636,22 @@
             <a:noFill/>
           </a:ln>
         </p:spPr>
+        <p:style>
+          <a:lnRef idx="0"/>
+          <a:fillRef idx="0"/>
+          <a:effectRef idx="0"/>
+          <a:fontRef idx="minor"/>
+        </p:style>
         <p:txBody>
           <a:bodyPr lIns="90000" rIns="90000" tIns="45000" bIns="45000" anchor="t">
             <a:noAutofit/>
           </a:bodyPr>
           <a:p>
-            <a:pPr algn="ctr"/>
+            <a:pPr algn="ctr">
+              <a:lnSpc>
+                <a:spcPct val="100000"/>
+              </a:lnSpc>
+            </a:pPr>
             <a:r>
               <a:rPr b="0" lang="en-US" sz="1800" spc="-1" strike="noStrike">
                 <a:solidFill>
@@ -23040,14 +21665,14 @@
               <a:solidFill>
                 <a:srgbClr val="000000"/>
               </a:solidFill>
-              <a:latin typeface="Times New Roman"/>
+              <a:latin typeface="Arial"/>
             </a:endParaRPr>
           </a:p>
         </p:txBody>
       </p:sp>
       <p:pic>
         <p:nvPicPr>
-          <p:cNvPr id="348" name="" descr=""/>
+          <p:cNvPr id="338" name="" descr=""/>
           <p:cNvPicPr/>
           <p:nvPr/>
         </p:nvPicPr>
@@ -23058,7 +21683,7 @@
         <p:spPr>
           <a:xfrm>
             <a:off x="2057400" y="1723320"/>
-            <a:ext cx="8001000" cy="4220280"/>
+            <a:ext cx="8000640" cy="4219920"/>
           </a:xfrm>
           <a:prstGeom prst="rect">
             <a:avLst/>
@@ -23070,14 +21695,14 @@
       </p:pic>
       <p:sp>
         <p:nvSpPr>
-          <p:cNvPr id="349" name=""/>
-          <p:cNvSpPr txBox="1"/>
+          <p:cNvPr id="339" name=""/>
+          <p:cNvSpPr/>
           <p:nvPr/>
         </p:nvSpPr>
         <p:spPr>
           <a:xfrm>
             <a:off x="4800600" y="2409120"/>
-            <a:ext cx="2514600" cy="685800"/>
+            <a:ext cx="2514240" cy="685440"/>
           </a:xfrm>
           <a:prstGeom prst="rect">
             <a:avLst/>
@@ -23087,12 +21712,22 @@
             <a:noFill/>
           </a:ln>
         </p:spPr>
+        <p:style>
+          <a:lnRef idx="0"/>
+          <a:fillRef idx="0"/>
+          <a:effectRef idx="0"/>
+          <a:fontRef idx="minor"/>
+        </p:style>
         <p:txBody>
           <a:bodyPr lIns="90000" rIns="90000" tIns="45000" bIns="45000" anchor="t">
             <a:noAutofit/>
           </a:bodyPr>
           <a:p>
-            <a:pPr algn="ctr"/>
+            <a:pPr algn="ctr">
+              <a:lnSpc>
+                <a:spcPct val="100000"/>
+              </a:lnSpc>
+            </a:pPr>
             <a:r>
               <a:rPr b="0" lang="en-US" sz="1800" spc="-1" strike="noStrike">
                 <a:solidFill>
@@ -23113,32 +21748,43 @@
       </p:sp>
       <p:sp>
         <p:nvSpPr>
-          <p:cNvPr id="350" name=""/>
-          <p:cNvSpPr txBox="1"/>
+          <p:cNvPr id="340" name=""/>
+          <p:cNvSpPr/>
           <p:nvPr/>
         </p:nvSpPr>
         <p:spPr>
           <a:xfrm>
             <a:off x="3200400" y="1600200"/>
-            <a:ext cx="5895720" cy="4438080"/>
+            <a:ext cx="5895360" cy="4437720"/>
           </a:xfrm>
           <a:prstGeom prst="rect">
             <a:avLst/>
           </a:prstGeom>
           <a:blipFill rotWithShape="0">
             <a:blip r:embed="rId3"/>
+            <a:srcRect/>
             <a:stretch/>
           </a:blipFill>
           <a:ln w="0">
             <a:noFill/>
           </a:ln>
         </p:spPr>
+        <p:style>
+          <a:lnRef idx="0"/>
+          <a:fillRef idx="0"/>
+          <a:effectRef idx="0"/>
+          <a:fontRef idx="minor"/>
+        </p:style>
         <p:txBody>
           <a:bodyPr lIns="90000" rIns="90000" tIns="45000" bIns="45000" anchor="ctr" anchorCtr="1">
             <a:noAutofit/>
           </a:bodyPr>
           <a:p>
-            <a:pPr algn="ctr"/>
+            <a:pPr algn="ctr">
+              <a:lnSpc>
+                <a:spcPct val="100000"/>
+              </a:lnSpc>
+            </a:pPr>
             <a:r>
               <a:rPr b="0" lang="en-US" sz="2200" spc="-1" strike="noStrike">
                 <a:solidFill>
@@ -23152,7 +21798,7 @@
               <a:solidFill>
                 <a:srgbClr val="000000"/>
               </a:solidFill>
-              <a:latin typeface="Times New Roman"/>
+              <a:latin typeface="Arial"/>
             </a:endParaRPr>
           </a:p>
         </p:txBody>
@@ -23189,7 +21835,7 @@
       </p:grpSpPr>
       <p:sp>
         <p:nvSpPr>
-          <p:cNvPr id="351" name="PlaceHolder 1"/>
+          <p:cNvPr id="341" name="PlaceHolder 1"/>
           <p:cNvSpPr>
             <a:spLocks noGrp="1"/>
           </p:cNvSpPr>
@@ -23200,7 +21846,7 @@
         <p:spPr>
           <a:xfrm>
             <a:off x="2056680" y="-74160"/>
-            <a:ext cx="8223840" cy="1216080"/>
+            <a:ext cx="8223480" cy="1215720"/>
           </a:xfrm>
           <a:prstGeom prst="rect">
             <a:avLst/>
@@ -23250,7 +21896,7 @@
       </p:sp>
       <p:sp>
         <p:nvSpPr>
-          <p:cNvPr id="352" name="Straight Connector 14"/>
+          <p:cNvPr id="342" name="Straight Connector 14"/>
           <p:cNvSpPr/>
           <p:nvPr/>
         </p:nvSpPr>
@@ -23292,14 +21938,14 @@
       </p:sp>
       <p:sp>
         <p:nvSpPr>
-          <p:cNvPr id="353" name=""/>
-          <p:cNvSpPr txBox="1"/>
+          <p:cNvPr id="343" name=""/>
+          <p:cNvSpPr/>
           <p:nvPr/>
         </p:nvSpPr>
         <p:spPr>
           <a:xfrm>
             <a:off x="11721960" y="6430680"/>
-            <a:ext cx="3822840" cy="427320"/>
+            <a:ext cx="3822480" cy="426960"/>
           </a:xfrm>
           <a:prstGeom prst="rect">
             <a:avLst/>
@@ -23309,11 +21955,22 @@
             <a:noFill/>
           </a:ln>
         </p:spPr>
+        <p:style>
+          <a:lnRef idx="0"/>
+          <a:fillRef idx="0"/>
+          <a:effectRef idx="0"/>
+          <a:fontRef idx="minor"/>
+        </p:style>
         <p:txBody>
           <a:bodyPr lIns="90000" rIns="90000" tIns="45000" bIns="45000" anchor="t">
             <a:noAutofit/>
           </a:bodyPr>
           <a:p>
+            <a:pPr>
+              <a:lnSpc>
+                <a:spcPct val="100000"/>
+              </a:lnSpc>
+            </a:pPr>
             <a:r>
               <a:rPr b="0" lang="en-US" sz="2400" spc="-1" strike="noStrike">
                 <a:solidFill>
@@ -23327,21 +21984,21 @@
               <a:solidFill>
                 <a:srgbClr val="000000"/>
               </a:solidFill>
-              <a:latin typeface="Times New Roman"/>
+              <a:latin typeface="Arial"/>
             </a:endParaRPr>
           </a:p>
         </p:txBody>
       </p:sp>
       <p:sp>
         <p:nvSpPr>
-          <p:cNvPr id="354" name=""/>
+          <p:cNvPr id="344" name=""/>
           <p:cNvSpPr/>
           <p:nvPr/>
         </p:nvSpPr>
         <p:spPr>
           <a:xfrm flipV="1">
             <a:off x="6057720" y="2482920"/>
-            <a:ext cx="0" cy="457200"/>
+            <a:ext cx="360" cy="457200"/>
           </a:xfrm>
           <a:prstGeom prst="line">
             <a:avLst/>
@@ -23370,20 +22027,21 @@
                 <a:srgbClr val="000000"/>
               </a:solidFill>
               <a:latin typeface="Arial"/>
+              <a:ea typeface="DejaVu Sans"/>
             </a:endParaRPr>
           </a:p>
         </p:txBody>
       </p:sp>
       <p:sp>
         <p:nvSpPr>
-          <p:cNvPr id="355" name=""/>
+          <p:cNvPr id="345" name=""/>
           <p:cNvSpPr/>
           <p:nvPr/>
         </p:nvSpPr>
         <p:spPr>
           <a:xfrm>
             <a:off x="5371920" y="2673720"/>
-            <a:ext cx="1371600" cy="457200"/>
+            <a:ext cx="1371240" cy="456840"/>
           </a:xfrm>
           <a:prstGeom prst="roundRect">
             <a:avLst>
@@ -23410,13 +22068,18 @@
             <a:noAutofit/>
           </a:bodyPr>
           <a:p>
-            <a:pPr algn="ctr"/>
+            <a:pPr algn="ctr">
+              <a:lnSpc>
+                <a:spcPct val="100000"/>
+              </a:lnSpc>
+            </a:pPr>
             <a:r>
               <a:rPr b="0" lang="en-US" sz="1800" spc="-1" strike="noStrike">
                 <a:solidFill>
                   <a:srgbClr val="000000"/>
                 </a:solidFill>
                 <a:latin typeface="Times New Roman"/>
+                <a:ea typeface="DejaVu Sans"/>
               </a:rPr>
               <a:t>commit</a:t>
             </a:r>
@@ -23424,21 +22087,21 @@
               <a:solidFill>
                 <a:srgbClr val="000000"/>
               </a:solidFill>
-              <a:latin typeface="Times New Roman"/>
+              <a:latin typeface="Arial"/>
             </a:endParaRPr>
           </a:p>
         </p:txBody>
       </p:sp>
       <p:sp>
         <p:nvSpPr>
-          <p:cNvPr id="356" name=""/>
+          <p:cNvPr id="346" name=""/>
           <p:cNvSpPr/>
           <p:nvPr/>
         </p:nvSpPr>
         <p:spPr>
           <a:xfrm flipV="1">
             <a:off x="6057720" y="1759320"/>
-            <a:ext cx="0" cy="457200"/>
+            <a:ext cx="360" cy="457200"/>
           </a:xfrm>
           <a:prstGeom prst="line">
             <a:avLst/>
@@ -23467,20 +22130,21 @@
                 <a:srgbClr val="000000"/>
               </a:solidFill>
               <a:latin typeface="Arial"/>
+              <a:ea typeface="DejaVu Sans"/>
             </a:endParaRPr>
           </a:p>
         </p:txBody>
       </p:sp>
       <p:sp>
         <p:nvSpPr>
-          <p:cNvPr id="357" name=""/>
+          <p:cNvPr id="347" name=""/>
           <p:cNvSpPr/>
           <p:nvPr/>
         </p:nvSpPr>
         <p:spPr>
           <a:xfrm>
             <a:off x="5374440" y="1963080"/>
-            <a:ext cx="1371600" cy="457200"/>
+            <a:ext cx="1371240" cy="456840"/>
           </a:xfrm>
           <a:prstGeom prst="roundRect">
             <a:avLst>
@@ -23507,13 +22171,18 @@
             <a:noAutofit/>
           </a:bodyPr>
           <a:p>
-            <a:pPr algn="ctr"/>
+            <a:pPr algn="ctr">
+              <a:lnSpc>
+                <a:spcPct val="100000"/>
+              </a:lnSpc>
+            </a:pPr>
             <a:r>
               <a:rPr b="0" lang="en-US" sz="1800" spc="-1" strike="noStrike">
                 <a:solidFill>
                   <a:srgbClr val="000000"/>
                 </a:solidFill>
                 <a:latin typeface="Times New Roman"/>
+                <a:ea typeface="DejaVu Sans"/>
               </a:rPr>
               <a:t>push</a:t>
             </a:r>
@@ -23521,21 +22190,21 @@
               <a:solidFill>
                 <a:srgbClr val="000000"/>
               </a:solidFill>
-              <a:latin typeface="Times New Roman"/>
+              <a:latin typeface="Arial"/>
             </a:endParaRPr>
           </a:p>
         </p:txBody>
       </p:sp>
       <p:sp>
         <p:nvSpPr>
-          <p:cNvPr id="358" name=""/>
+          <p:cNvPr id="348" name=""/>
           <p:cNvSpPr/>
           <p:nvPr/>
         </p:nvSpPr>
         <p:spPr>
           <a:xfrm flipV="1">
             <a:off x="6057720" y="3212640"/>
-            <a:ext cx="0" cy="457200"/>
+            <a:ext cx="360" cy="457200"/>
           </a:xfrm>
           <a:prstGeom prst="line">
             <a:avLst/>
@@ -23564,20 +22233,21 @@
                 <a:srgbClr val="000000"/>
               </a:solidFill>
               <a:latin typeface="Arial"/>
+              <a:ea typeface="DejaVu Sans"/>
             </a:endParaRPr>
           </a:p>
         </p:txBody>
       </p:sp>
       <p:sp>
         <p:nvSpPr>
-          <p:cNvPr id="359" name=""/>
+          <p:cNvPr id="349" name=""/>
           <p:cNvSpPr/>
           <p:nvPr/>
         </p:nvSpPr>
         <p:spPr>
           <a:xfrm>
             <a:off x="5372280" y="3394080"/>
-            <a:ext cx="1371600" cy="457200"/>
+            <a:ext cx="1371240" cy="456840"/>
           </a:xfrm>
           <a:prstGeom prst="roundRect">
             <a:avLst>
@@ -23604,13 +22274,18 @@
             <a:noAutofit/>
           </a:bodyPr>
           <a:p>
-            <a:pPr algn="ctr"/>
+            <a:pPr algn="ctr">
+              <a:lnSpc>
+                <a:spcPct val="100000"/>
+              </a:lnSpc>
+            </a:pPr>
             <a:r>
               <a:rPr b="0" lang="en-US" sz="1800" spc="-1" strike="noStrike">
                 <a:solidFill>
                   <a:srgbClr val="000000"/>
                 </a:solidFill>
                 <a:latin typeface="Times New Roman"/>
+                <a:ea typeface="DejaVu Sans"/>
               </a:rPr>
               <a:t>add</a:t>
             </a:r>
@@ -23618,21 +22293,21 @@
               <a:solidFill>
                 <a:srgbClr val="000000"/>
               </a:solidFill>
-              <a:latin typeface="Times New Roman"/>
+              <a:latin typeface="Arial"/>
             </a:endParaRPr>
           </a:p>
         </p:txBody>
       </p:sp>
       <p:sp>
         <p:nvSpPr>
-          <p:cNvPr id="360" name=""/>
+          <p:cNvPr id="350" name=""/>
           <p:cNvSpPr/>
           <p:nvPr/>
         </p:nvSpPr>
         <p:spPr>
           <a:xfrm flipV="1">
             <a:off x="6057720" y="3968640"/>
-            <a:ext cx="0" cy="457200"/>
+            <a:ext cx="360" cy="457200"/>
           </a:xfrm>
           <a:prstGeom prst="line">
             <a:avLst/>
@@ -23661,13 +22336,14 @@
                 <a:srgbClr val="000000"/>
               </a:solidFill>
               <a:latin typeface="Arial"/>
+              <a:ea typeface="DejaVu Sans"/>
             </a:endParaRPr>
           </a:p>
         </p:txBody>
       </p:sp>
       <p:pic>
         <p:nvPicPr>
-          <p:cNvPr id="361" name="" descr=""/>
+          <p:cNvPr id="351" name="" descr=""/>
           <p:cNvPicPr/>
           <p:nvPr/>
         </p:nvPicPr>
@@ -23678,7 +22354,7 @@
         <p:spPr>
           <a:xfrm>
             <a:off x="5329440" y="4164120"/>
-            <a:ext cx="1456920" cy="1456920"/>
+            <a:ext cx="1456560" cy="1456560"/>
           </a:xfrm>
           <a:prstGeom prst="rect">
             <a:avLst/>
@@ -23690,14 +22366,14 @@
       </p:pic>
       <p:sp>
         <p:nvSpPr>
-          <p:cNvPr id="362" name=""/>
-          <p:cNvSpPr txBox="1"/>
+          <p:cNvPr id="352" name=""/>
+          <p:cNvSpPr/>
           <p:nvPr/>
         </p:nvSpPr>
         <p:spPr>
           <a:xfrm>
             <a:off x="5715000" y="4361760"/>
-            <a:ext cx="685800" cy="596520"/>
+            <a:ext cx="685440" cy="596160"/>
           </a:xfrm>
           <a:prstGeom prst="rect">
             <a:avLst/>
@@ -23707,12 +22383,22 @@
             <a:noFill/>
           </a:ln>
         </p:spPr>
+        <p:style>
+          <a:lnRef idx="0"/>
+          <a:fillRef idx="0"/>
+          <a:effectRef idx="0"/>
+          <a:fontRef idx="minor"/>
+        </p:style>
         <p:txBody>
           <a:bodyPr lIns="90000" rIns="90000" tIns="45000" bIns="45000" anchor="t">
             <a:noAutofit/>
           </a:bodyPr>
           <a:p>
-            <a:pPr algn="ctr"/>
+            <a:pPr algn="ctr">
+              <a:lnSpc>
+                <a:spcPct val="100000"/>
+              </a:lnSpc>
+            </a:pPr>
             <a:r>
               <a:rPr b="0" lang="en-US" sz="1800" spc="-1" strike="noStrike">
                 <a:solidFill>
@@ -23726,14 +22412,14 @@
               <a:solidFill>
                 <a:srgbClr val="000000"/>
               </a:solidFill>
-              <a:latin typeface="Times New Roman"/>
+              <a:latin typeface="Arial"/>
             </a:endParaRPr>
           </a:p>
         </p:txBody>
       </p:sp>
       <p:pic>
         <p:nvPicPr>
-          <p:cNvPr id="363" name="" descr=""/>
+          <p:cNvPr id="353" name="" descr=""/>
           <p:cNvPicPr/>
           <p:nvPr/>
         </p:nvPicPr>
@@ -23744,7 +22430,7 @@
         <p:spPr>
           <a:xfrm>
             <a:off x="2057400" y="1723320"/>
-            <a:ext cx="8001000" cy="4220280"/>
+            <a:ext cx="8000640" cy="4219920"/>
           </a:xfrm>
           <a:prstGeom prst="rect">
             <a:avLst/>
@@ -23756,14 +22442,14 @@
       </p:pic>
       <p:sp>
         <p:nvSpPr>
-          <p:cNvPr id="364" name=""/>
-          <p:cNvSpPr txBox="1"/>
+          <p:cNvPr id="354" name=""/>
+          <p:cNvSpPr/>
           <p:nvPr/>
         </p:nvSpPr>
         <p:spPr>
           <a:xfrm>
             <a:off x="4800600" y="2409120"/>
-            <a:ext cx="2514600" cy="685800"/>
+            <a:ext cx="2514240" cy="685440"/>
           </a:xfrm>
           <a:prstGeom prst="rect">
             <a:avLst/>
@@ -23773,12 +22459,22 @@
             <a:noFill/>
           </a:ln>
         </p:spPr>
+        <p:style>
+          <a:lnRef idx="0"/>
+          <a:fillRef idx="0"/>
+          <a:effectRef idx="0"/>
+          <a:fontRef idx="minor"/>
+        </p:style>
         <p:txBody>
           <a:bodyPr lIns="90000" rIns="90000" tIns="45000" bIns="45000" anchor="t">
             <a:noAutofit/>
           </a:bodyPr>
           <a:p>
-            <a:pPr algn="ctr"/>
+            <a:pPr algn="ctr">
+              <a:lnSpc>
+                <a:spcPct val="100000"/>
+              </a:lnSpc>
+            </a:pPr>
             <a:r>
               <a:rPr b="0" lang="en-US" sz="1800" spc="-1" strike="noStrike">
                 <a:solidFill>
@@ -23799,32 +22495,43 @@
       </p:sp>
       <p:sp>
         <p:nvSpPr>
-          <p:cNvPr id="365" name=""/>
-          <p:cNvSpPr txBox="1"/>
+          <p:cNvPr id="355" name=""/>
+          <p:cNvSpPr/>
           <p:nvPr/>
         </p:nvSpPr>
         <p:spPr>
           <a:xfrm>
             <a:off x="3146760" y="1600200"/>
-            <a:ext cx="5895720" cy="4438080"/>
+            <a:ext cx="5895360" cy="4437720"/>
           </a:xfrm>
           <a:prstGeom prst="rect">
             <a:avLst/>
           </a:prstGeom>
           <a:blipFill rotWithShape="0">
             <a:blip r:embed="rId3"/>
+            <a:srcRect/>
             <a:stretch/>
           </a:blipFill>
           <a:ln w="0">
             <a:noFill/>
           </a:ln>
         </p:spPr>
+        <p:style>
+          <a:lnRef idx="0"/>
+          <a:fillRef idx="0"/>
+          <a:effectRef idx="0"/>
+          <a:fontRef idx="minor"/>
+        </p:style>
         <p:txBody>
           <a:bodyPr lIns="90000" rIns="90000" tIns="45000" bIns="45000" anchor="ctr" anchorCtr="1">
             <a:noAutofit/>
           </a:bodyPr>
           <a:p>
-            <a:pPr algn="ctr"/>
+            <a:pPr algn="ctr">
+              <a:lnSpc>
+                <a:spcPct val="100000"/>
+              </a:lnSpc>
+            </a:pPr>
             <a:r>
               <a:rPr b="0" lang="en-US" sz="2200" spc="-1" strike="noStrike">
                 <a:solidFill>
@@ -23838,14 +22545,14 @@
               <a:solidFill>
                 <a:srgbClr val="000000"/>
               </a:solidFill>
-              <a:latin typeface="Times New Roman"/>
+              <a:latin typeface="Arial"/>
             </a:endParaRPr>
           </a:p>
         </p:txBody>
       </p:sp>
       <p:pic>
         <p:nvPicPr>
-          <p:cNvPr id="366" name="" descr=""/>
+          <p:cNvPr id="356" name="" descr=""/>
           <p:cNvPicPr/>
           <p:nvPr/>
         </p:nvPicPr>
@@ -23856,7 +22563,7 @@
         <p:spPr>
           <a:xfrm>
             <a:off x="2894040" y="1779120"/>
-            <a:ext cx="6400800" cy="4259160"/>
+            <a:ext cx="6400440" cy="4258800"/>
           </a:xfrm>
           <a:prstGeom prst="rect">
             <a:avLst/>
@@ -23868,14 +22575,14 @@
       </p:pic>
       <p:sp>
         <p:nvSpPr>
-          <p:cNvPr id="367" name=""/>
-          <p:cNvSpPr txBox="1"/>
+          <p:cNvPr id="357" name=""/>
+          <p:cNvSpPr/>
           <p:nvPr/>
         </p:nvSpPr>
         <p:spPr>
           <a:xfrm>
             <a:off x="5372280" y="3657600"/>
-            <a:ext cx="1143000" cy="399600"/>
+            <a:ext cx="1142640" cy="399240"/>
           </a:xfrm>
           <a:prstGeom prst="rect">
             <a:avLst/>
@@ -23885,11 +22592,22 @@
             <a:noFill/>
           </a:ln>
         </p:spPr>
+        <p:style>
+          <a:lnRef idx="0"/>
+          <a:fillRef idx="0"/>
+          <a:effectRef idx="0"/>
+          <a:fontRef idx="minor"/>
+        </p:style>
         <p:txBody>
           <a:bodyPr lIns="90000" rIns="90000" tIns="45000" bIns="45000" anchor="t">
             <a:noAutofit/>
           </a:bodyPr>
           <a:p>
+            <a:pPr>
+              <a:lnSpc>
+                <a:spcPct val="100000"/>
+              </a:lnSpc>
+            </a:pPr>
             <a:r>
               <a:rPr b="0" lang="en-US" sz="2200" spc="-1" strike="noStrike">
                 <a:solidFill>
@@ -23903,7 +22621,7 @@
               <a:solidFill>
                 <a:srgbClr val="000000"/>
               </a:solidFill>
-              <a:latin typeface="Times New Roman"/>
+              <a:latin typeface="Arial"/>
             </a:endParaRPr>
           </a:p>
         </p:txBody>
@@ -23940,7 +22658,7 @@
       </p:grpSpPr>
       <p:sp>
         <p:nvSpPr>
-          <p:cNvPr id="368" name="PlaceHolder 1"/>
+          <p:cNvPr id="358" name="PlaceHolder 1"/>
           <p:cNvSpPr>
             <a:spLocks noGrp="1"/>
           </p:cNvSpPr>
@@ -23951,7 +22669,7 @@
         <p:spPr>
           <a:xfrm>
             <a:off x="2056680" y="-74160"/>
-            <a:ext cx="8223840" cy="1216080"/>
+            <a:ext cx="8223480" cy="1215720"/>
           </a:xfrm>
           <a:prstGeom prst="rect">
             <a:avLst/>
@@ -24001,7 +22719,7 @@
       </p:sp>
       <p:sp>
         <p:nvSpPr>
-          <p:cNvPr id="369" name="Straight Connector 17"/>
+          <p:cNvPr id="359" name="Straight Connector 17"/>
           <p:cNvSpPr/>
           <p:nvPr/>
         </p:nvSpPr>
@@ -24043,14 +22761,14 @@
       </p:sp>
       <p:sp>
         <p:nvSpPr>
-          <p:cNvPr id="370" name=""/>
-          <p:cNvSpPr txBox="1"/>
+          <p:cNvPr id="360" name=""/>
+          <p:cNvSpPr/>
           <p:nvPr/>
         </p:nvSpPr>
         <p:spPr>
           <a:xfrm>
             <a:off x="11721960" y="6430680"/>
-            <a:ext cx="3822840" cy="427320"/>
+            <a:ext cx="3822480" cy="426960"/>
           </a:xfrm>
           <a:prstGeom prst="rect">
             <a:avLst/>
@@ -24060,11 +22778,22 @@
             <a:noFill/>
           </a:ln>
         </p:spPr>
+        <p:style>
+          <a:lnRef idx="0"/>
+          <a:fillRef idx="0"/>
+          <a:effectRef idx="0"/>
+          <a:fontRef idx="minor"/>
+        </p:style>
         <p:txBody>
           <a:bodyPr lIns="90000" rIns="90000" tIns="45000" bIns="45000" anchor="t">
             <a:noAutofit/>
           </a:bodyPr>
           <a:p>
+            <a:pPr>
+              <a:lnSpc>
+                <a:spcPct val="100000"/>
+              </a:lnSpc>
+            </a:pPr>
             <a:r>
               <a:rPr b="0" lang="en-US" sz="2400" spc="-1" strike="noStrike">
                 <a:solidFill>
@@ -24078,7 +22807,7 @@
               <a:solidFill>
                 <a:srgbClr val="000000"/>
               </a:solidFill>
-              <a:latin typeface="Times New Roman"/>
+              <a:latin typeface="Arial"/>
             </a:endParaRPr>
           </a:p>
         </p:txBody>
@@ -24115,7 +22844,7 @@
       </p:grpSpPr>
       <p:sp>
         <p:nvSpPr>
-          <p:cNvPr id="371" name="PlaceHolder 1"/>
+          <p:cNvPr id="361" name="PlaceHolder 1"/>
           <p:cNvSpPr>
             <a:spLocks noGrp="1"/>
           </p:cNvSpPr>
@@ -24126,7 +22855,7 @@
         <p:spPr>
           <a:xfrm>
             <a:off x="2056680" y="-74160"/>
-            <a:ext cx="8223840" cy="1216080"/>
+            <a:ext cx="8223480" cy="1215720"/>
           </a:xfrm>
           <a:prstGeom prst="rect">
             <a:avLst/>
@@ -24176,7 +22905,7 @@
       </p:sp>
       <p:sp>
         <p:nvSpPr>
-          <p:cNvPr id="372" name="Straight Connector 2"/>
+          <p:cNvPr id="362" name="Straight Connector 2"/>
           <p:cNvSpPr/>
           <p:nvPr/>
         </p:nvSpPr>
@@ -24218,14 +22947,14 @@
       </p:sp>
       <p:sp>
         <p:nvSpPr>
-          <p:cNvPr id="373" name=""/>
+          <p:cNvPr id="363" name=""/>
           <p:cNvSpPr/>
           <p:nvPr/>
         </p:nvSpPr>
         <p:spPr>
           <a:xfrm>
             <a:off x="456840" y="1371600"/>
-            <a:ext cx="11197440" cy="5028120"/>
+            <a:ext cx="11197080" cy="5027760"/>
           </a:xfrm>
           <a:prstGeom prst="rect">
             <a:avLst/>
@@ -24398,7 +23127,7 @@
       </p:grpSpPr>
       <p:sp>
         <p:nvSpPr>
-          <p:cNvPr id="374" name="PlaceHolder 1"/>
+          <p:cNvPr id="364" name="PlaceHolder 1"/>
           <p:cNvSpPr>
             <a:spLocks noGrp="1"/>
           </p:cNvSpPr>
@@ -24409,7 +23138,7 @@
         <p:spPr>
           <a:xfrm>
             <a:off x="2069640" y="20520"/>
-            <a:ext cx="8223840" cy="6294240"/>
+            <a:ext cx="8223480" cy="6293880"/>
           </a:xfrm>
           <a:prstGeom prst="rect">
             <a:avLst/>
@@ -24525,7 +23254,7 @@
       </p:sp>
       <p:sp>
         <p:nvSpPr>
-          <p:cNvPr id="375" name="Straight Connector 4"/>
+          <p:cNvPr id="365" name="Straight Connector 4"/>
           <p:cNvSpPr/>
           <p:nvPr/>
         </p:nvSpPr>
@@ -24567,7 +23296,7 @@
       </p:sp>
       <p:sp>
         <p:nvSpPr>
-          <p:cNvPr id="376" name="Straight Connector 5"/>
+          <p:cNvPr id="366" name="Straight Connector 5"/>
           <p:cNvSpPr/>
           <p:nvPr/>
         </p:nvSpPr>
@@ -24639,7 +23368,7 @@
       </p:grpSpPr>
       <p:sp>
         <p:nvSpPr>
-          <p:cNvPr id="212" name="PlaceHolder 1"/>
+          <p:cNvPr id="202" name="PlaceHolder 1"/>
           <p:cNvSpPr>
             <a:spLocks noGrp="1"/>
           </p:cNvSpPr>
@@ -24650,7 +23379,7 @@
         <p:spPr>
           <a:xfrm>
             <a:off x="1982520" y="228600"/>
-            <a:ext cx="8223840" cy="1233360"/>
+            <a:ext cx="8223480" cy="1233000"/>
           </a:xfrm>
           <a:prstGeom prst="rect">
             <a:avLst/>
@@ -24694,7 +23423,7 @@
       </p:sp>
       <p:sp>
         <p:nvSpPr>
-          <p:cNvPr id="213" name="PlaceHolder 2"/>
+          <p:cNvPr id="203" name="PlaceHolder 2"/>
           <p:cNvSpPr>
             <a:spLocks noGrp="1"/>
           </p:cNvSpPr>
@@ -24705,7 +23434,7 @@
         <p:spPr>
           <a:xfrm>
             <a:off x="464400" y="808560"/>
-            <a:ext cx="11189880" cy="4662360"/>
+            <a:ext cx="11189520" cy="4662000"/>
           </a:xfrm>
           <a:prstGeom prst="rect">
             <a:avLst/>
@@ -24894,7 +23623,7 @@
       </p:sp>
       <p:sp>
         <p:nvSpPr>
-          <p:cNvPr id="214" name="Straight Connector 8"/>
+          <p:cNvPr id="204" name="Straight Connector 8"/>
           <p:cNvSpPr/>
           <p:nvPr/>
         </p:nvSpPr>
@@ -24936,14 +23665,14 @@
       </p:sp>
       <p:sp>
         <p:nvSpPr>
-          <p:cNvPr id="215" name="Rectangle: Rounded Corners 9"/>
+          <p:cNvPr id="205" name="Rectangle: Rounded Corners 9"/>
           <p:cNvSpPr/>
           <p:nvPr/>
         </p:nvSpPr>
         <p:spPr>
           <a:xfrm>
             <a:off x="336240" y="1339920"/>
-            <a:ext cx="11318040" cy="1828440"/>
+            <a:ext cx="11317680" cy="1828080"/>
           </a:xfrm>
           <a:prstGeom prst="roundRect">
             <a:avLst>
@@ -25002,14 +23731,14 @@
       </p:sp>
       <p:sp>
         <p:nvSpPr>
-          <p:cNvPr id="216" name=""/>
-          <p:cNvSpPr txBox="1"/>
+          <p:cNvPr id="206" name=""/>
+          <p:cNvSpPr/>
           <p:nvPr/>
         </p:nvSpPr>
         <p:spPr>
           <a:xfrm>
             <a:off x="11658600" y="6400800"/>
-            <a:ext cx="3822840" cy="427320"/>
+            <a:ext cx="3822480" cy="426960"/>
           </a:xfrm>
           <a:prstGeom prst="rect">
             <a:avLst/>
@@ -25019,11 +23748,22 @@
             <a:noFill/>
           </a:ln>
         </p:spPr>
+        <p:style>
+          <a:lnRef idx="0"/>
+          <a:fillRef idx="0"/>
+          <a:effectRef idx="0"/>
+          <a:fontRef idx="minor"/>
+        </p:style>
         <p:txBody>
           <a:bodyPr lIns="90000" rIns="90000" tIns="45000" bIns="45000" anchor="t">
             <a:noAutofit/>
           </a:bodyPr>
           <a:p>
+            <a:pPr>
+              <a:lnSpc>
+                <a:spcPct val="100000"/>
+              </a:lnSpc>
+            </a:pPr>
             <a:r>
               <a:rPr b="0" lang="en-US" sz="2400" spc="-1" strike="noStrike">
                 <a:solidFill>
@@ -25037,7 +23777,7 @@
               <a:solidFill>
                 <a:srgbClr val="000000"/>
               </a:solidFill>
-              <a:latin typeface="Times New Roman"/>
+              <a:latin typeface="Arial"/>
             </a:endParaRPr>
           </a:p>
         </p:txBody>
@@ -25074,7 +23814,7 @@
       </p:grpSpPr>
       <p:sp>
         <p:nvSpPr>
-          <p:cNvPr id="217" name="PlaceHolder 1"/>
+          <p:cNvPr id="207" name="PlaceHolder 1"/>
           <p:cNvSpPr>
             <a:spLocks noGrp="1"/>
           </p:cNvSpPr>
@@ -25085,7 +23825,7 @@
         <p:spPr>
           <a:xfrm>
             <a:off x="1982520" y="-74160"/>
-            <a:ext cx="8223840" cy="1216080"/>
+            <a:ext cx="8223480" cy="1215720"/>
           </a:xfrm>
           <a:prstGeom prst="rect">
             <a:avLst/>
@@ -25135,7 +23875,7 @@
       </p:sp>
       <p:sp>
         <p:nvSpPr>
-          <p:cNvPr id="218" name="Straight Connector 6"/>
+          <p:cNvPr id="208" name="Straight Connector 6"/>
           <p:cNvSpPr/>
           <p:nvPr/>
         </p:nvSpPr>
@@ -25177,14 +23917,14 @@
       </p:sp>
       <p:sp>
         <p:nvSpPr>
-          <p:cNvPr id="219" name=""/>
+          <p:cNvPr id="209" name=""/>
           <p:cNvSpPr/>
           <p:nvPr/>
         </p:nvSpPr>
         <p:spPr>
           <a:xfrm>
             <a:off x="492840" y="1371600"/>
-            <a:ext cx="11197440" cy="5028120"/>
+            <a:ext cx="11197080" cy="5027760"/>
           </a:xfrm>
           <a:prstGeom prst="rect">
             <a:avLst/>
@@ -25463,7 +24203,7 @@
       </p:sp>
       <p:pic>
         <p:nvPicPr>
-          <p:cNvPr id="220" name="" descr=""/>
+          <p:cNvPr id="210" name="" descr=""/>
           <p:cNvPicPr/>
           <p:nvPr/>
         </p:nvPicPr>
@@ -25474,7 +24214,7 @@
         <p:spPr>
           <a:xfrm>
             <a:off x="9141480" y="1505880"/>
-            <a:ext cx="2379600" cy="1923120"/>
+            <a:ext cx="2379240" cy="1922760"/>
           </a:xfrm>
           <a:prstGeom prst="rect">
             <a:avLst/>
@@ -25486,14 +24226,14 @@
       </p:pic>
       <p:sp>
         <p:nvSpPr>
-          <p:cNvPr id="221" name=""/>
+          <p:cNvPr id="211" name=""/>
           <p:cNvSpPr/>
           <p:nvPr/>
         </p:nvSpPr>
         <p:spPr>
           <a:xfrm>
             <a:off x="727200" y="5142960"/>
-            <a:ext cx="1599840" cy="685800"/>
+            <a:ext cx="1599480" cy="685440"/>
           </a:xfrm>
           <a:prstGeom prst="roundRect">
             <a:avLst>
@@ -25520,13 +24260,18 @@
             <a:noAutofit/>
           </a:bodyPr>
           <a:p>
-            <a:pPr algn="ctr"/>
+            <a:pPr algn="ctr">
+              <a:lnSpc>
+                <a:spcPct val="100000"/>
+              </a:lnSpc>
+            </a:pPr>
             <a:r>
               <a:rPr b="0" lang="en-US" sz="1800" spc="-1" strike="noStrike">
                 <a:solidFill>
                   <a:srgbClr val="000000"/>
                 </a:solidFill>
                 <a:latin typeface="Arial"/>
+                <a:ea typeface="DejaVu Sans"/>
               </a:rPr>
               <a:t>add</a:t>
             </a:r>
@@ -25541,14 +24286,14 @@
       </p:sp>
       <p:sp>
         <p:nvSpPr>
-          <p:cNvPr id="222" name=""/>
+          <p:cNvPr id="212" name=""/>
           <p:cNvSpPr/>
           <p:nvPr/>
         </p:nvSpPr>
         <p:spPr>
           <a:xfrm>
             <a:off x="5298120" y="5142960"/>
-            <a:ext cx="1599840" cy="685800"/>
+            <a:ext cx="1599480" cy="685440"/>
           </a:xfrm>
           <a:prstGeom prst="roundRect">
             <a:avLst>
@@ -25575,13 +24320,18 @@
             <a:noAutofit/>
           </a:bodyPr>
           <a:p>
-            <a:pPr algn="ctr"/>
+            <a:pPr algn="ctr">
+              <a:lnSpc>
+                <a:spcPct val="100000"/>
+              </a:lnSpc>
+            </a:pPr>
             <a:r>
               <a:rPr b="0" lang="en-US" sz="1800" spc="-1" strike="noStrike">
                 <a:solidFill>
                   <a:srgbClr val="000000"/>
                 </a:solidFill>
                 <a:latin typeface="Arial"/>
+                <a:ea typeface="DejaVu Sans"/>
               </a:rPr>
               <a:t>commit</a:t>
             </a:r>
@@ -25596,14 +24346,14 @@
       </p:sp>
       <p:sp>
         <p:nvSpPr>
-          <p:cNvPr id="223" name=""/>
+          <p:cNvPr id="213" name=""/>
           <p:cNvSpPr/>
           <p:nvPr/>
         </p:nvSpPr>
         <p:spPr>
           <a:xfrm>
             <a:off x="9640080" y="5142960"/>
-            <a:ext cx="1599840" cy="685800"/>
+            <a:ext cx="1599480" cy="685440"/>
           </a:xfrm>
           <a:prstGeom prst="roundRect">
             <a:avLst>
@@ -25630,13 +24380,18 @@
             <a:noAutofit/>
           </a:bodyPr>
           <a:p>
-            <a:pPr algn="ctr"/>
+            <a:pPr algn="ctr">
+              <a:lnSpc>
+                <a:spcPct val="100000"/>
+              </a:lnSpc>
+            </a:pPr>
             <a:r>
               <a:rPr b="0" lang="en-US" sz="1800" spc="-1" strike="noStrike">
                 <a:solidFill>
                   <a:srgbClr val="000000"/>
                 </a:solidFill>
                 <a:latin typeface="Arial"/>
+                <a:ea typeface="DejaVu Sans"/>
               </a:rPr>
               <a:t>push</a:t>
             </a:r>
@@ -25651,14 +24406,14 @@
       </p:sp>
       <p:sp>
         <p:nvSpPr>
-          <p:cNvPr id="224" name=""/>
+          <p:cNvPr id="214" name=""/>
           <p:cNvSpPr/>
           <p:nvPr/>
         </p:nvSpPr>
         <p:spPr>
           <a:xfrm>
             <a:off x="2742120" y="5486400"/>
-            <a:ext cx="1828440" cy="0"/>
+            <a:ext cx="1828440" cy="360"/>
           </a:xfrm>
           <a:prstGeom prst="line">
             <a:avLst/>
@@ -25687,20 +24442,21 @@
                 <a:srgbClr val="000000"/>
               </a:solidFill>
               <a:latin typeface="Arial"/>
+              <a:ea typeface="DejaVu Sans"/>
             </a:endParaRPr>
           </a:p>
         </p:txBody>
       </p:sp>
       <p:sp>
         <p:nvSpPr>
-          <p:cNvPr id="225" name=""/>
+          <p:cNvPr id="215" name=""/>
           <p:cNvSpPr/>
           <p:nvPr/>
         </p:nvSpPr>
         <p:spPr>
           <a:xfrm>
             <a:off x="7313040" y="5486400"/>
-            <a:ext cx="1828440" cy="0"/>
+            <a:ext cx="1828440" cy="360"/>
           </a:xfrm>
           <a:prstGeom prst="line">
             <a:avLst/>
@@ -25729,20 +24485,21 @@
                 <a:srgbClr val="000000"/>
               </a:solidFill>
               <a:latin typeface="Arial"/>
+              <a:ea typeface="DejaVu Sans"/>
             </a:endParaRPr>
           </a:p>
         </p:txBody>
       </p:sp>
       <p:sp>
         <p:nvSpPr>
-          <p:cNvPr id="226" name=""/>
-          <p:cNvSpPr txBox="1"/>
+          <p:cNvPr id="216" name=""/>
+          <p:cNvSpPr/>
           <p:nvPr/>
         </p:nvSpPr>
         <p:spPr>
           <a:xfrm>
             <a:off x="11690280" y="6399720"/>
-            <a:ext cx="3822840" cy="427320"/>
+            <a:ext cx="3822480" cy="426960"/>
           </a:xfrm>
           <a:prstGeom prst="rect">
             <a:avLst/>
@@ -25752,11 +24509,22 @@
             <a:noFill/>
           </a:ln>
         </p:spPr>
+        <p:style>
+          <a:lnRef idx="0"/>
+          <a:fillRef idx="0"/>
+          <a:effectRef idx="0"/>
+          <a:fontRef idx="minor"/>
+        </p:style>
         <p:txBody>
           <a:bodyPr lIns="90000" rIns="90000" tIns="45000" bIns="45000" anchor="t">
             <a:noAutofit/>
           </a:bodyPr>
           <a:p>
+            <a:pPr>
+              <a:lnSpc>
+                <a:spcPct val="100000"/>
+              </a:lnSpc>
+            </a:pPr>
             <a:r>
               <a:rPr b="0" lang="en-US" sz="2400" spc="-1" strike="noStrike">
                 <a:solidFill>
@@ -25770,7 +24538,7 @@
               <a:solidFill>
                 <a:srgbClr val="000000"/>
               </a:solidFill>
-              <a:latin typeface="Times New Roman"/>
+              <a:latin typeface="Arial"/>
             </a:endParaRPr>
           </a:p>
         </p:txBody>
@@ -25807,7 +24575,7 @@
       </p:grpSpPr>
       <p:sp>
         <p:nvSpPr>
-          <p:cNvPr id="227" name="PlaceHolder 1"/>
+          <p:cNvPr id="217" name="PlaceHolder 1"/>
           <p:cNvSpPr>
             <a:spLocks noGrp="1"/>
           </p:cNvSpPr>
@@ -25818,7 +24586,7 @@
         <p:spPr>
           <a:xfrm>
             <a:off x="1982520" y="-74160"/>
-            <a:ext cx="8223840" cy="1216080"/>
+            <a:ext cx="8223480" cy="1215720"/>
           </a:xfrm>
           <a:prstGeom prst="rect">
             <a:avLst/>
@@ -25868,7 +24636,7 @@
       </p:sp>
       <p:sp>
         <p:nvSpPr>
-          <p:cNvPr id="228" name="Straight Connector 9"/>
+          <p:cNvPr id="218" name="Straight Connector 9"/>
           <p:cNvSpPr/>
           <p:nvPr/>
         </p:nvSpPr>
@@ -25910,14 +24678,14 @@
       </p:sp>
       <p:sp>
         <p:nvSpPr>
-          <p:cNvPr id="229" name=""/>
+          <p:cNvPr id="219" name=""/>
           <p:cNvSpPr/>
           <p:nvPr/>
         </p:nvSpPr>
         <p:spPr>
           <a:xfrm>
             <a:off x="456840" y="1371600"/>
-            <a:ext cx="11197440" cy="5028120"/>
+            <a:ext cx="11197080" cy="5027760"/>
           </a:xfrm>
           <a:prstGeom prst="rect">
             <a:avLst/>
@@ -25986,16 +24754,6 @@
                 <a:latin typeface="Times New Roman"/>
                 <a:ea typeface="DejaVu Sans"/>
               </a:rPr>
-              <a:t> </a:t>
-            </a:r>
-            <a:r>
-              <a:rPr b="0" lang="en-US" sz="2800" spc="-1" strike="noStrike">
-                <a:solidFill>
-                  <a:srgbClr val="000000"/>
-                </a:solidFill>
-                <a:latin typeface="Times New Roman"/>
-                <a:ea typeface="DejaVu Sans"/>
-              </a:rPr>
               <a:t>- To your great delight, git will help you with</a:t>
             </a:r>
             <a:endParaRPr b="0" lang="en-US" sz="2800" spc="-1" strike="noStrike">
@@ -26048,7 +24806,7 @@
       </p:sp>
       <p:pic>
         <p:nvPicPr>
-          <p:cNvPr id="230" name="" descr=""/>
+          <p:cNvPr id="220" name="" descr=""/>
           <p:cNvPicPr/>
           <p:nvPr/>
         </p:nvPicPr>
@@ -26059,7 +24817,7 @@
         <p:spPr>
           <a:xfrm>
             <a:off x="7754040" y="2514600"/>
-            <a:ext cx="3609000" cy="3885840"/>
+            <a:ext cx="3608640" cy="3885480"/>
           </a:xfrm>
           <a:prstGeom prst="rect">
             <a:avLst/>
@@ -26076,7 +24834,7 @@
       </p:pic>
       <p:pic>
         <p:nvPicPr>
-          <p:cNvPr id="231" name="" descr=""/>
+          <p:cNvPr id="221" name="" descr=""/>
           <p:cNvPicPr/>
           <p:nvPr/>
         </p:nvPicPr>
@@ -26087,7 +24845,7 @@
         <p:spPr>
           <a:xfrm>
             <a:off x="875520" y="3587400"/>
-            <a:ext cx="6397200" cy="2812320"/>
+            <a:ext cx="6396840" cy="2811960"/>
           </a:xfrm>
           <a:prstGeom prst="rect">
             <a:avLst/>
@@ -26104,14 +24862,14 @@
       </p:pic>
       <p:sp>
         <p:nvSpPr>
-          <p:cNvPr id="232" name=""/>
-          <p:cNvSpPr txBox="1"/>
+          <p:cNvPr id="222" name=""/>
+          <p:cNvSpPr/>
           <p:nvPr/>
         </p:nvSpPr>
         <p:spPr>
           <a:xfrm>
             <a:off x="11721960" y="6399720"/>
-            <a:ext cx="3822840" cy="427320"/>
+            <a:ext cx="3822480" cy="426960"/>
           </a:xfrm>
           <a:prstGeom prst="rect">
             <a:avLst/>
@@ -26121,11 +24879,22 @@
             <a:noFill/>
           </a:ln>
         </p:spPr>
+        <p:style>
+          <a:lnRef idx="0"/>
+          <a:fillRef idx="0"/>
+          <a:effectRef idx="0"/>
+          <a:fontRef idx="minor"/>
+        </p:style>
         <p:txBody>
           <a:bodyPr lIns="90000" rIns="90000" tIns="45000" bIns="45000" anchor="t">
             <a:noAutofit/>
           </a:bodyPr>
           <a:p>
+            <a:pPr>
+              <a:lnSpc>
+                <a:spcPct val="100000"/>
+              </a:lnSpc>
+            </a:pPr>
             <a:r>
               <a:rPr b="0" lang="en-US" sz="2400" spc="-1" strike="noStrike">
                 <a:solidFill>
@@ -26139,7 +24908,7 @@
               <a:solidFill>
                 <a:srgbClr val="000000"/>
               </a:solidFill>
-              <a:latin typeface="Times New Roman"/>
+              <a:latin typeface="Arial"/>
             </a:endParaRPr>
           </a:p>
         </p:txBody>
@@ -26176,7 +24945,7 @@
       </p:grpSpPr>
       <p:sp>
         <p:nvSpPr>
-          <p:cNvPr id="233" name="PlaceHolder 1"/>
+          <p:cNvPr id="223" name="PlaceHolder 1"/>
           <p:cNvSpPr>
             <a:spLocks noGrp="1"/>
           </p:cNvSpPr>
@@ -26187,7 +24956,7 @@
         <p:spPr>
           <a:xfrm>
             <a:off x="1982520" y="-74160"/>
-            <a:ext cx="8223840" cy="1216080"/>
+            <a:ext cx="8223480" cy="1215720"/>
           </a:xfrm>
           <a:prstGeom prst="rect">
             <a:avLst/>
@@ -26237,7 +25006,7 @@
       </p:sp>
       <p:sp>
         <p:nvSpPr>
-          <p:cNvPr id="234" name="Straight Connector 7"/>
+          <p:cNvPr id="224" name="Straight Connector 7"/>
           <p:cNvSpPr/>
           <p:nvPr/>
         </p:nvSpPr>
@@ -26279,14 +25048,14 @@
       </p:sp>
       <p:sp>
         <p:nvSpPr>
-          <p:cNvPr id="235" name=""/>
+          <p:cNvPr id="225" name=""/>
           <p:cNvSpPr/>
           <p:nvPr/>
         </p:nvSpPr>
         <p:spPr>
           <a:xfrm>
             <a:off x="456840" y="1371600"/>
-            <a:ext cx="11197440" cy="5028120"/>
+            <a:ext cx="11197080" cy="5027760"/>
           </a:xfrm>
           <a:prstGeom prst="rect">
             <a:avLst/>
@@ -26384,16 +25153,6 @@
                 <a:latin typeface="Times New Roman"/>
                 <a:ea typeface="DejaVu Sans"/>
               </a:rPr>
-              <a:t> </a:t>
-            </a:r>
-            <a:r>
-              <a:rPr b="0" lang="en-US" sz="2800" spc="-1" strike="noStrike">
-                <a:solidFill>
-                  <a:srgbClr val="000000"/>
-                </a:solidFill>
-                <a:latin typeface="Times New Roman"/>
-                <a:ea typeface="DejaVu Sans"/>
-              </a:rPr>
               <a:t>- Derivatives like Bitbucket, gitlab, etc. support larger groups and repos </a:t>
             </a:r>
             <a:endParaRPr b="0" lang="en-US" sz="2800" spc="-1" strike="noStrike">
@@ -26423,16 +25182,6 @@
                 <a:latin typeface="Times New Roman"/>
                 <a:ea typeface="DejaVu Sans"/>
               </a:rPr>
-              <a:t> </a:t>
-            </a:r>
-            <a:r>
-              <a:rPr b="0" lang="en-US" sz="2800" spc="-1" strike="noStrike">
-                <a:solidFill>
-                  <a:srgbClr val="000000"/>
-                </a:solidFill>
-                <a:latin typeface="Times New Roman"/>
-                <a:ea typeface="DejaVu Sans"/>
-              </a:rPr>
               <a:t>- Pragmatically meaningless – just think free and paid server support </a:t>
             </a:r>
             <a:endParaRPr b="0" lang="en-US" sz="2800" spc="-1" strike="noStrike">
@@ -26446,7 +25195,7 @@
       </p:sp>
       <p:pic>
         <p:nvPicPr>
-          <p:cNvPr id="236" name="" descr=""/>
+          <p:cNvPr id="226" name="" descr=""/>
           <p:cNvPicPr/>
           <p:nvPr/>
         </p:nvPicPr>
@@ -26457,7 +25206,7 @@
         <p:spPr>
           <a:xfrm>
             <a:off x="5485680" y="5029200"/>
-            <a:ext cx="1599840" cy="1600200"/>
+            <a:ext cx="1599480" cy="1599840"/>
           </a:xfrm>
           <a:prstGeom prst="rect">
             <a:avLst/>
@@ -26469,7 +25218,7 @@
       </p:pic>
       <p:pic>
         <p:nvPicPr>
-          <p:cNvPr id="237" name="" descr=""/>
+          <p:cNvPr id="227" name="" descr=""/>
           <p:cNvPicPr/>
           <p:nvPr/>
         </p:nvPicPr>
@@ -26480,7 +25229,7 @@
         <p:spPr>
           <a:xfrm>
             <a:off x="2743200" y="4298040"/>
-            <a:ext cx="1713960" cy="959760"/>
+            <a:ext cx="1713600" cy="959400"/>
           </a:xfrm>
           <a:prstGeom prst="rect">
             <a:avLst/>
@@ -26492,7 +25241,7 @@
       </p:pic>
       <p:pic>
         <p:nvPicPr>
-          <p:cNvPr id="238" name="" descr=""/>
+          <p:cNvPr id="228" name="" descr=""/>
           <p:cNvPicPr/>
           <p:nvPr/>
         </p:nvPicPr>
@@ -26503,7 +25252,7 @@
         <p:spPr>
           <a:xfrm>
             <a:off x="7999560" y="4343400"/>
-            <a:ext cx="1260000" cy="1143000"/>
+            <a:ext cx="1259640" cy="1142640"/>
           </a:xfrm>
           <a:prstGeom prst="rect">
             <a:avLst/>
@@ -26515,7 +25264,7 @@
       </p:pic>
       <p:sp>
         <p:nvSpPr>
-          <p:cNvPr id="239" name=""/>
+          <p:cNvPr id="229" name=""/>
           <p:cNvSpPr/>
           <p:nvPr/>
         </p:nvSpPr>
@@ -26551,13 +25300,14 @@
                 <a:srgbClr val="000000"/>
               </a:solidFill>
               <a:latin typeface="Arial"/>
+              <a:ea typeface="DejaVu Sans"/>
             </a:endParaRPr>
           </a:p>
         </p:txBody>
       </p:sp>
       <p:sp>
         <p:nvSpPr>
-          <p:cNvPr id="240" name=""/>
+          <p:cNvPr id="230" name=""/>
           <p:cNvSpPr/>
           <p:nvPr/>
         </p:nvSpPr>
@@ -26593,20 +25343,21 @@
                 <a:srgbClr val="000000"/>
               </a:solidFill>
               <a:latin typeface="Arial"/>
+              <a:ea typeface="DejaVu Sans"/>
             </a:endParaRPr>
           </a:p>
         </p:txBody>
       </p:sp>
       <p:sp>
         <p:nvSpPr>
-          <p:cNvPr id="241" name=""/>
-          <p:cNvSpPr txBox="1"/>
+          <p:cNvPr id="231" name=""/>
+          <p:cNvSpPr/>
           <p:nvPr/>
         </p:nvSpPr>
         <p:spPr>
           <a:xfrm>
             <a:off x="11721960" y="6430680"/>
-            <a:ext cx="3822840" cy="427320"/>
+            <a:ext cx="3822480" cy="426960"/>
           </a:xfrm>
           <a:prstGeom prst="rect">
             <a:avLst/>
@@ -26616,11 +25367,22 @@
             <a:noFill/>
           </a:ln>
         </p:spPr>
+        <p:style>
+          <a:lnRef idx="0"/>
+          <a:fillRef idx="0"/>
+          <a:effectRef idx="0"/>
+          <a:fontRef idx="minor"/>
+        </p:style>
         <p:txBody>
           <a:bodyPr lIns="90000" rIns="90000" tIns="45000" bIns="45000" anchor="t">
             <a:noAutofit/>
           </a:bodyPr>
           <a:p>
+            <a:pPr>
+              <a:lnSpc>
+                <a:spcPct val="100000"/>
+              </a:lnSpc>
+            </a:pPr>
             <a:r>
               <a:rPr b="0" lang="en-US" sz="2400" spc="-1" strike="noStrike">
                 <a:solidFill>
@@ -26634,7 +25396,7 @@
               <a:solidFill>
                 <a:srgbClr val="000000"/>
               </a:solidFill>
-              <a:latin typeface="Times New Roman"/>
+              <a:latin typeface="Arial"/>
             </a:endParaRPr>
           </a:p>
         </p:txBody>
@@ -26671,7 +25433,7 @@
       </p:grpSpPr>
       <p:sp>
         <p:nvSpPr>
-          <p:cNvPr id="242" name="PlaceHolder 1"/>
+          <p:cNvPr id="232" name="PlaceHolder 1"/>
           <p:cNvSpPr>
             <a:spLocks noGrp="1"/>
           </p:cNvSpPr>
@@ -26682,7 +25444,7 @@
         <p:spPr>
           <a:xfrm>
             <a:off x="1982520" y="-72720"/>
-            <a:ext cx="8223840" cy="1216080"/>
+            <a:ext cx="8223480" cy="1215720"/>
           </a:xfrm>
           <a:prstGeom prst="rect">
             <a:avLst/>
@@ -26732,7 +25494,7 @@
       </p:sp>
       <p:sp>
         <p:nvSpPr>
-          <p:cNvPr id="243" name="Straight Connector 11"/>
+          <p:cNvPr id="233" name="Straight Connector 11"/>
           <p:cNvSpPr/>
           <p:nvPr/>
         </p:nvSpPr>
@@ -26774,14 +25536,14 @@
       </p:sp>
       <p:sp>
         <p:nvSpPr>
-          <p:cNvPr id="244" name=""/>
+          <p:cNvPr id="234" name=""/>
           <p:cNvSpPr/>
           <p:nvPr/>
         </p:nvSpPr>
         <p:spPr>
           <a:xfrm>
             <a:off x="456840" y="1371600"/>
-            <a:ext cx="11197440" cy="5028120"/>
+            <a:ext cx="11197080" cy="5027760"/>
           </a:xfrm>
           <a:prstGeom prst="rect">
             <a:avLst/>
@@ -26802,25 +25564,31 @@
             <a:noAutofit/>
           </a:bodyPr>
           <a:p>
-            <a:endParaRPr b="0" lang="en-US" sz="1800" spc="-1" strike="noStrike">
-              <a:solidFill>
-                <a:srgbClr val="000000"/>
-              </a:solidFill>
-              <a:latin typeface="Arial"/>
+            <a:pPr>
+              <a:lnSpc>
+                <a:spcPct val="100000"/>
+              </a:lnSpc>
+            </a:pPr>
+            <a:endParaRPr b="0" lang="en-US" sz="1800" spc="-1" strike="noStrike">
+              <a:solidFill>
+                <a:srgbClr val="000000"/>
+              </a:solidFill>
+              <a:latin typeface="Arial"/>
+              <a:ea typeface="DejaVu Sans"/>
             </a:endParaRPr>
           </a:p>
         </p:txBody>
       </p:sp>
       <p:sp>
         <p:nvSpPr>
-          <p:cNvPr id="245" name=""/>
-          <p:cNvSpPr txBox="1"/>
+          <p:cNvPr id="235" name=""/>
+          <p:cNvSpPr/>
           <p:nvPr/>
         </p:nvSpPr>
         <p:spPr>
           <a:xfrm>
             <a:off x="11721960" y="6430680"/>
-            <a:ext cx="3822840" cy="427320"/>
+            <a:ext cx="3822480" cy="426960"/>
           </a:xfrm>
           <a:prstGeom prst="rect">
             <a:avLst/>
@@ -26830,11 +25598,22 @@
             <a:noFill/>
           </a:ln>
         </p:spPr>
+        <p:style>
+          <a:lnRef idx="0"/>
+          <a:fillRef idx="0"/>
+          <a:effectRef idx="0"/>
+          <a:fontRef idx="minor"/>
+        </p:style>
         <p:txBody>
           <a:bodyPr lIns="90000" rIns="90000" tIns="45000" bIns="45000" anchor="t">
             <a:noAutofit/>
           </a:bodyPr>
           <a:p>
+            <a:pPr>
+              <a:lnSpc>
+                <a:spcPct val="100000"/>
+              </a:lnSpc>
+            </a:pPr>
             <a:r>
               <a:rPr b="0" lang="en-US" sz="2400" spc="-1" strike="noStrike">
                 <a:solidFill>
@@ -26848,14 +25627,14 @@
               <a:solidFill>
                 <a:srgbClr val="000000"/>
               </a:solidFill>
-              <a:latin typeface="Times New Roman"/>
+              <a:latin typeface="Arial"/>
             </a:endParaRPr>
           </a:p>
         </p:txBody>
       </p:sp>
       <p:pic>
         <p:nvPicPr>
-          <p:cNvPr id="246" name="" descr=""/>
+          <p:cNvPr id="236" name="" descr=""/>
           <p:cNvPicPr/>
           <p:nvPr/>
         </p:nvPicPr>
@@ -26866,7 +25645,7 @@
         <p:spPr>
           <a:xfrm>
             <a:off x="5237640" y="1828800"/>
-            <a:ext cx="1713960" cy="959760"/>
+            <a:ext cx="1713600" cy="959400"/>
           </a:xfrm>
           <a:prstGeom prst="rect">
             <a:avLst/>
@@ -26878,7 +25657,7 @@
       </p:pic>
       <p:pic>
         <p:nvPicPr>
-          <p:cNvPr id="247" name="" descr=""/>
+          <p:cNvPr id="237" name="" descr=""/>
           <p:cNvPicPr/>
           <p:nvPr/>
         </p:nvPicPr>
@@ -26889,7 +25668,7 @@
         <p:spPr>
           <a:xfrm>
             <a:off x="2314080" y="3429000"/>
-            <a:ext cx="1456920" cy="1456920"/>
+            <a:ext cx="1456560" cy="1456560"/>
           </a:xfrm>
           <a:prstGeom prst="rect">
             <a:avLst/>
@@ -26901,7 +25680,7 @@
       </p:pic>
       <p:pic>
         <p:nvPicPr>
-          <p:cNvPr id="248" name="" descr=""/>
+          <p:cNvPr id="238" name="" descr=""/>
           <p:cNvPicPr/>
           <p:nvPr/>
         </p:nvPicPr>
@@ -26912,7 +25691,7 @@
         <p:spPr>
           <a:xfrm>
             <a:off x="8657280" y="3429000"/>
-            <a:ext cx="1465560" cy="1465560"/>
+            <a:ext cx="1465200" cy="1465200"/>
           </a:xfrm>
           <a:prstGeom prst="rect">
             <a:avLst/>
@@ -26924,7 +25703,7 @@
       </p:pic>
       <p:sp>
         <p:nvSpPr>
-          <p:cNvPr id="249" name=""/>
+          <p:cNvPr id="239" name=""/>
           <p:cNvSpPr/>
           <p:nvPr/>
         </p:nvSpPr>
@@ -26960,13 +25739,14 @@
                 <a:srgbClr val="000000"/>
               </a:solidFill>
               <a:latin typeface="Arial"/>
+              <a:ea typeface="DejaVu Sans"/>
             </a:endParaRPr>
           </a:p>
         </p:txBody>
       </p:sp>
       <p:sp>
         <p:nvSpPr>
-          <p:cNvPr id="250" name=""/>
+          <p:cNvPr id="240" name=""/>
           <p:cNvSpPr/>
           <p:nvPr/>
         </p:nvSpPr>
@@ -27002,13 +25782,14 @@
                 <a:srgbClr val="000000"/>
               </a:solidFill>
               <a:latin typeface="Arial"/>
+              <a:ea typeface="DejaVu Sans"/>
             </a:endParaRPr>
           </a:p>
         </p:txBody>
       </p:sp>
       <p:sp>
         <p:nvSpPr>
-          <p:cNvPr id="251" name=""/>
+          <p:cNvPr id="241" name=""/>
           <p:cNvSpPr/>
           <p:nvPr/>
         </p:nvSpPr>
@@ -27044,13 +25825,14 @@
                 <a:srgbClr val="000000"/>
               </a:solidFill>
               <a:latin typeface="Arial"/>
+              <a:ea typeface="DejaVu Sans"/>
             </a:endParaRPr>
           </a:p>
         </p:txBody>
       </p:sp>
       <p:sp>
         <p:nvSpPr>
-          <p:cNvPr id="252" name=""/>
+          <p:cNvPr id="242" name=""/>
           <p:cNvSpPr/>
           <p:nvPr/>
         </p:nvSpPr>
@@ -27086,20 +25868,21 @@
                 <a:srgbClr val="000000"/>
               </a:solidFill>
               <a:latin typeface="Arial"/>
+              <a:ea typeface="DejaVu Sans"/>
             </a:endParaRPr>
           </a:p>
         </p:txBody>
       </p:sp>
       <p:sp>
         <p:nvSpPr>
-          <p:cNvPr id="253" name=""/>
-          <p:cNvSpPr txBox="1"/>
+          <p:cNvPr id="243" name=""/>
+          <p:cNvSpPr/>
           <p:nvPr/>
         </p:nvSpPr>
         <p:spPr>
           <a:xfrm rot="19620000">
             <a:off x="3648960" y="2926440"/>
-            <a:ext cx="1648800" cy="457200"/>
+            <a:ext cx="1648440" cy="456840"/>
           </a:xfrm>
           <a:prstGeom prst="rect">
             <a:avLst/>
@@ -27109,12 +25892,22 @@
             <a:noFill/>
           </a:ln>
         </p:spPr>
+        <p:style>
+          <a:lnRef idx="0"/>
+          <a:fillRef idx="0"/>
+          <a:effectRef idx="0"/>
+          <a:fontRef idx="minor"/>
+        </p:style>
         <p:txBody>
           <a:bodyPr lIns="90000" rIns="90000" tIns="45000" bIns="45000" anchor="t">
             <a:noAutofit/>
           </a:bodyPr>
           <a:p>
-            <a:pPr algn="ctr"/>
+            <a:pPr algn="ctr">
+              <a:lnSpc>
+                <a:spcPct val="100000"/>
+              </a:lnSpc>
+            </a:pPr>
             <a:r>
               <a:rPr b="1" lang="en-US" sz="1800" spc="-1" strike="noStrike">
                 <a:solidFill>
@@ -27124,25 +25917,25 @@
               </a:rPr>
               <a:t>Pull</a:t>
             </a:r>
-            <a:endParaRPr b="1" lang="en-US" sz="1800" spc="-1" strike="noStrike">
-              <a:solidFill>
-                <a:srgbClr val="000000"/>
-              </a:solidFill>
-              <a:latin typeface="Times New Roman"/>
+            <a:endParaRPr b="0" lang="en-US" sz="1800" spc="-1" strike="noStrike">
+              <a:solidFill>
+                <a:srgbClr val="000000"/>
+              </a:solidFill>
+              <a:latin typeface="Arial"/>
             </a:endParaRPr>
           </a:p>
         </p:txBody>
       </p:sp>
       <p:sp>
         <p:nvSpPr>
-          <p:cNvPr id="254" name=""/>
-          <p:cNvSpPr txBox="1"/>
+          <p:cNvPr id="244" name=""/>
+          <p:cNvSpPr/>
           <p:nvPr/>
         </p:nvSpPr>
         <p:spPr>
           <a:xfrm rot="19860000">
             <a:off x="3418560" y="2416320"/>
-            <a:ext cx="1600200" cy="457200"/>
+            <a:ext cx="1599840" cy="456840"/>
           </a:xfrm>
           <a:prstGeom prst="rect">
             <a:avLst/>
@@ -27152,12 +25945,22 @@
             <a:noFill/>
           </a:ln>
         </p:spPr>
+        <p:style>
+          <a:lnRef idx="0"/>
+          <a:fillRef idx="0"/>
+          <a:effectRef idx="0"/>
+          <a:fontRef idx="minor"/>
+        </p:style>
         <p:txBody>
           <a:bodyPr lIns="90000" rIns="90000" tIns="45000" bIns="45000" anchor="t">
             <a:noAutofit/>
           </a:bodyPr>
           <a:p>
-            <a:pPr algn="ctr"/>
+            <a:pPr algn="ctr">
+              <a:lnSpc>
+                <a:spcPct val="100000"/>
+              </a:lnSpc>
+            </a:pPr>
             <a:r>
               <a:rPr b="1" lang="en-US" sz="1800" spc="-1" strike="noStrike">
                 <a:solidFill>
@@ -27167,25 +25970,25 @@
               </a:rPr>
               <a:t>Push</a:t>
             </a:r>
-            <a:endParaRPr b="1" lang="en-US" sz="1800" spc="-1" strike="noStrike">
-              <a:solidFill>
-                <a:srgbClr val="000000"/>
-              </a:solidFill>
-              <a:latin typeface="Times New Roman"/>
+            <a:endParaRPr b="0" lang="en-US" sz="1800" spc="-1" strike="noStrike">
+              <a:solidFill>
+                <a:srgbClr val="000000"/>
+              </a:solidFill>
+              <a:latin typeface="Arial"/>
             </a:endParaRPr>
           </a:p>
         </p:txBody>
       </p:sp>
       <p:sp>
         <p:nvSpPr>
-          <p:cNvPr id="255" name=""/>
-          <p:cNvSpPr txBox="1"/>
+          <p:cNvPr id="245" name=""/>
+          <p:cNvSpPr/>
           <p:nvPr/>
         </p:nvSpPr>
         <p:spPr>
           <a:xfrm rot="2220000">
-            <a:off x="6932160" y="2949840"/>
-            <a:ext cx="1600200" cy="457200"/>
+            <a:off x="6932160" y="2949480"/>
+            <a:ext cx="1599840" cy="456840"/>
           </a:xfrm>
           <a:prstGeom prst="rect">
             <a:avLst/>
@@ -27195,12 +25998,22 @@
             <a:noFill/>
           </a:ln>
         </p:spPr>
+        <p:style>
+          <a:lnRef idx="0"/>
+          <a:fillRef idx="0"/>
+          <a:effectRef idx="0"/>
+          <a:fontRef idx="minor"/>
+        </p:style>
         <p:txBody>
           <a:bodyPr lIns="90000" rIns="90000" tIns="45000" bIns="45000" anchor="t">
             <a:noAutofit/>
           </a:bodyPr>
           <a:p>
-            <a:pPr algn="ctr"/>
+            <a:pPr algn="ctr">
+              <a:lnSpc>
+                <a:spcPct val="100000"/>
+              </a:lnSpc>
+            </a:pPr>
             <a:r>
               <a:rPr b="1" lang="en-US" sz="1800" spc="-1" strike="noStrike">
                 <a:solidFill>
@@ -27210,25 +26023,25 @@
               </a:rPr>
               <a:t>Pull</a:t>
             </a:r>
-            <a:endParaRPr b="1" lang="en-US" sz="1800" spc="-1" strike="noStrike">
-              <a:solidFill>
-                <a:srgbClr val="000000"/>
-              </a:solidFill>
-              <a:latin typeface="Times New Roman"/>
+            <a:endParaRPr b="0" lang="en-US" sz="1800" spc="-1" strike="noStrike">
+              <a:solidFill>
+                <a:srgbClr val="000000"/>
+              </a:solidFill>
+              <a:latin typeface="Arial"/>
             </a:endParaRPr>
           </a:p>
         </p:txBody>
       </p:sp>
       <p:sp>
         <p:nvSpPr>
-          <p:cNvPr id="256" name=""/>
-          <p:cNvSpPr txBox="1"/>
+          <p:cNvPr id="246" name=""/>
+          <p:cNvSpPr/>
           <p:nvPr/>
         </p:nvSpPr>
         <p:spPr>
           <a:xfrm rot="2280000">
-            <a:off x="7343640" y="2501280"/>
-            <a:ext cx="1600200" cy="457200"/>
+            <a:off x="7343640" y="2500920"/>
+            <a:ext cx="1599840" cy="456840"/>
           </a:xfrm>
           <a:prstGeom prst="rect">
             <a:avLst/>
@@ -27238,12 +26051,22 @@
             <a:noFill/>
           </a:ln>
         </p:spPr>
+        <p:style>
+          <a:lnRef idx="0"/>
+          <a:fillRef idx="0"/>
+          <a:effectRef idx="0"/>
+          <a:fontRef idx="minor"/>
+        </p:style>
         <p:txBody>
           <a:bodyPr lIns="90000" rIns="90000" tIns="45000" bIns="45000" anchor="t">
             <a:noAutofit/>
           </a:bodyPr>
           <a:p>
-            <a:pPr algn="ctr"/>
+            <a:pPr algn="ctr">
+              <a:lnSpc>
+                <a:spcPct val="100000"/>
+              </a:lnSpc>
+            </a:pPr>
             <a:r>
               <a:rPr b="1" lang="en-US" sz="1800" spc="-1" strike="noStrike">
                 <a:solidFill>
@@ -27253,25 +26076,25 @@
               </a:rPr>
               <a:t>Push</a:t>
             </a:r>
-            <a:endParaRPr b="1" lang="en-US" sz="1800" spc="-1" strike="noStrike">
-              <a:solidFill>
-                <a:srgbClr val="000000"/>
-              </a:solidFill>
-              <a:latin typeface="Times New Roman"/>
+            <a:endParaRPr b="0" lang="en-US" sz="1800" spc="-1" strike="noStrike">
+              <a:solidFill>
+                <a:srgbClr val="000000"/>
+              </a:solidFill>
+              <a:latin typeface="Arial"/>
             </a:endParaRPr>
           </a:p>
         </p:txBody>
       </p:sp>
       <p:sp>
         <p:nvSpPr>
-          <p:cNvPr id="257" name=""/>
-          <p:cNvSpPr txBox="1"/>
+          <p:cNvPr id="247" name=""/>
+          <p:cNvSpPr/>
           <p:nvPr/>
         </p:nvSpPr>
         <p:spPr>
           <a:xfrm>
             <a:off x="2399400" y="4885920"/>
-            <a:ext cx="1371600" cy="685800"/>
+            <a:ext cx="1371240" cy="685440"/>
           </a:xfrm>
           <a:prstGeom prst="rect">
             <a:avLst/>
@@ -27281,12 +26104,22 @@
             <a:noFill/>
           </a:ln>
         </p:spPr>
+        <p:style>
+          <a:lnRef idx="0"/>
+          <a:fillRef idx="0"/>
+          <a:effectRef idx="0"/>
+          <a:fontRef idx="minor"/>
+        </p:style>
         <p:txBody>
           <a:bodyPr lIns="90000" rIns="90000" tIns="45000" bIns="45000" anchor="t">
             <a:noAutofit/>
           </a:bodyPr>
           <a:p>
-            <a:pPr algn="ctr"/>
+            <a:pPr algn="ctr">
+              <a:lnSpc>
+                <a:spcPct val="100000"/>
+              </a:lnSpc>
+            </a:pPr>
             <a:r>
               <a:rPr b="1" lang="en-US" sz="2400" spc="-1" strike="noStrike">
                 <a:solidFill>
@@ -27296,25 +26129,25 @@
               </a:rPr>
               <a:t>Personal</a:t>
             </a:r>
-            <a:endParaRPr b="1" lang="en-US" sz="2400" spc="-1" strike="noStrike">
-              <a:solidFill>
-                <a:srgbClr val="000000"/>
-              </a:solidFill>
-              <a:latin typeface="Times New Roman"/>
+            <a:endParaRPr b="0" lang="en-US" sz="2400" spc="-1" strike="noStrike">
+              <a:solidFill>
+                <a:srgbClr val="000000"/>
+              </a:solidFill>
+              <a:latin typeface="Arial"/>
             </a:endParaRPr>
           </a:p>
         </p:txBody>
       </p:sp>
       <p:sp>
         <p:nvSpPr>
-          <p:cNvPr id="258" name=""/>
-          <p:cNvSpPr txBox="1"/>
+          <p:cNvPr id="248" name=""/>
+          <p:cNvSpPr/>
           <p:nvPr/>
         </p:nvSpPr>
         <p:spPr>
           <a:xfrm>
             <a:off x="8393760" y="4884120"/>
-            <a:ext cx="2121840" cy="764280"/>
+            <a:ext cx="2121480" cy="763920"/>
           </a:xfrm>
           <a:prstGeom prst="rect">
             <a:avLst/>
@@ -27324,12 +26157,22 @@
             <a:noFill/>
           </a:ln>
         </p:spPr>
+        <p:style>
+          <a:lnRef idx="0"/>
+          <a:fillRef idx="0"/>
+          <a:effectRef idx="0"/>
+          <a:fontRef idx="minor"/>
+        </p:style>
         <p:txBody>
           <a:bodyPr lIns="90000" rIns="90000" tIns="45000" bIns="45000" anchor="t">
             <a:noAutofit/>
           </a:bodyPr>
           <a:p>
-            <a:pPr algn="ctr"/>
+            <a:pPr algn="ctr">
+              <a:lnSpc>
+                <a:spcPct val="100000"/>
+              </a:lnSpc>
+            </a:pPr>
             <a:r>
               <a:rPr b="1" lang="en-US" sz="2400" spc="-1" strike="noStrike">
                 <a:solidFill>
@@ -27339,25 +26182,25 @@
               </a:rPr>
               <a:t>Collaborator</a:t>
             </a:r>
-            <a:endParaRPr b="1" lang="en-US" sz="2400" spc="-1" strike="noStrike">
-              <a:solidFill>
-                <a:srgbClr val="000000"/>
-              </a:solidFill>
-              <a:latin typeface="Times New Roman"/>
+            <a:endParaRPr b="0" lang="en-US" sz="2400" spc="-1" strike="noStrike">
+              <a:solidFill>
+                <a:srgbClr val="000000"/>
+              </a:solidFill>
+              <a:latin typeface="Arial"/>
             </a:endParaRPr>
           </a:p>
         </p:txBody>
       </p:sp>
       <p:sp>
         <p:nvSpPr>
-          <p:cNvPr id="259" name=""/>
-          <p:cNvSpPr txBox="1"/>
+          <p:cNvPr id="249" name=""/>
+          <p:cNvSpPr/>
           <p:nvPr/>
         </p:nvSpPr>
         <p:spPr>
           <a:xfrm>
             <a:off x="4380120" y="4343400"/>
-            <a:ext cx="3429000" cy="2390760"/>
+            <a:ext cx="3428640" cy="2390400"/>
           </a:xfrm>
           <a:prstGeom prst="rect">
             <a:avLst/>
@@ -27367,12 +26210,22 @@
             <a:noFill/>
           </a:ln>
         </p:spPr>
+        <p:style>
+          <a:lnRef idx="0"/>
+          <a:fillRef idx="0"/>
+          <a:effectRef idx="0"/>
+          <a:fontRef idx="minor"/>
+        </p:style>
         <p:txBody>
           <a:bodyPr lIns="90000" rIns="90000" tIns="45000" bIns="45000" anchor="t">
             <a:noAutofit/>
           </a:bodyPr>
           <a:p>
-            <a:pPr algn="ctr"/>
+            <a:pPr algn="ctr">
+              <a:lnSpc>
+                <a:spcPct val="100000"/>
+              </a:lnSpc>
+            </a:pPr>
             <a:r>
               <a:rPr b="1" lang="en-US" sz="2400" spc="-1" strike="noStrike">
                 <a:solidFill>
@@ -27382,15 +26235,19 @@
               </a:rPr>
               <a:t>Branches:</a:t>
             </a:r>
-            <a:endParaRPr b="1" lang="en-US" sz="2400" spc="-1" strike="noStrike">
-              <a:solidFill>
-                <a:srgbClr val="000000"/>
-              </a:solidFill>
-              <a:latin typeface="Arial"/>
-            </a:endParaRPr>
-          </a:p>
-          <a:p>
-            <a:pPr algn="ctr"/>
+            <a:endParaRPr b="0" lang="en-US" sz="2400" spc="-1" strike="noStrike">
+              <a:solidFill>
+                <a:srgbClr val="000000"/>
+              </a:solidFill>
+              <a:latin typeface="Arial"/>
+            </a:endParaRPr>
+          </a:p>
+          <a:p>
+            <a:pPr algn="ctr">
+              <a:lnSpc>
+                <a:spcPct val="100000"/>
+              </a:lnSpc>
+            </a:pPr>
             <a:r>
               <a:rPr b="1" lang="en-US" sz="2400" spc="-1" strike="noStrike">
                 <a:solidFill>
@@ -27400,15 +26257,19 @@
               </a:rPr>
               <a:t>master</a:t>
             </a:r>
-            <a:endParaRPr b="1" lang="en-US" sz="2400" spc="-1" strike="noStrike">
-              <a:solidFill>
-                <a:srgbClr val="000000"/>
-              </a:solidFill>
-              <a:latin typeface="Arial"/>
-            </a:endParaRPr>
-          </a:p>
-          <a:p>
-            <a:pPr algn="ctr"/>
+            <a:endParaRPr b="0" lang="en-US" sz="2400" spc="-1" strike="noStrike">
+              <a:solidFill>
+                <a:srgbClr val="000000"/>
+              </a:solidFill>
+              <a:latin typeface="Arial"/>
+            </a:endParaRPr>
+          </a:p>
+          <a:p>
+            <a:pPr algn="ctr">
+              <a:lnSpc>
+                <a:spcPct val="100000"/>
+              </a:lnSpc>
+            </a:pPr>
             <a:r>
               <a:rPr b="1" lang="en-US" sz="2400" spc="-1" strike="noStrike">
                 <a:solidFill>
@@ -27418,15 +26279,19 @@
               </a:rPr>
               <a:t>personal</a:t>
             </a:r>
-            <a:endParaRPr b="1" lang="en-US" sz="2400" spc="-1" strike="noStrike">
-              <a:solidFill>
-                <a:srgbClr val="000000"/>
-              </a:solidFill>
-              <a:latin typeface="Arial"/>
-            </a:endParaRPr>
-          </a:p>
-          <a:p>
-            <a:pPr algn="ctr"/>
+            <a:endParaRPr b="0" lang="en-US" sz="2400" spc="-1" strike="noStrike">
+              <a:solidFill>
+                <a:srgbClr val="000000"/>
+              </a:solidFill>
+              <a:latin typeface="Arial"/>
+            </a:endParaRPr>
+          </a:p>
+          <a:p>
+            <a:pPr algn="ctr">
+              <a:lnSpc>
+                <a:spcPct val="100000"/>
+              </a:lnSpc>
+            </a:pPr>
             <a:r>
               <a:rPr b="1" lang="en-US" sz="2400" spc="-1" strike="noStrike">
                 <a:solidFill>
@@ -27436,15 +26301,19 @@
               </a:rPr>
               <a:t>collab</a:t>
             </a:r>
-            <a:endParaRPr b="1" lang="en-US" sz="2400" spc="-1" strike="noStrike">
-              <a:solidFill>
-                <a:srgbClr val="000000"/>
-              </a:solidFill>
-              <a:latin typeface="Arial"/>
-            </a:endParaRPr>
-          </a:p>
-          <a:p>
-            <a:pPr algn="ctr"/>
+            <a:endParaRPr b="0" lang="en-US" sz="2400" spc="-1" strike="noStrike">
+              <a:solidFill>
+                <a:srgbClr val="000000"/>
+              </a:solidFill>
+              <a:latin typeface="Arial"/>
+            </a:endParaRPr>
+          </a:p>
+          <a:p>
+            <a:pPr algn="ctr">
+              <a:lnSpc>
+                <a:spcPct val="100000"/>
+              </a:lnSpc>
+            </a:pPr>
             <a:r>
               <a:rPr b="1" lang="en-US" sz="2400" spc="-1" strike="noStrike">
                 <a:solidFill>
@@ -27454,7 +26323,7 @@
               </a:rPr>
               <a:t>dev</a:t>
             </a:r>
-            <a:endParaRPr b="1" lang="en-US" sz="2400" spc="-1" strike="noStrike">
+            <a:endParaRPr b="0" lang="en-US" sz="2400" spc="-1" strike="noStrike">
               <a:solidFill>
                 <a:srgbClr val="000000"/>
               </a:solidFill>
@@ -27495,7 +26364,7 @@
       </p:grpSpPr>
       <p:sp>
         <p:nvSpPr>
-          <p:cNvPr id="260" name="PlaceHolder 1"/>
+          <p:cNvPr id="250" name="PlaceHolder 1"/>
           <p:cNvSpPr>
             <a:spLocks noGrp="1"/>
           </p:cNvSpPr>
@@ -27506,7 +26375,7 @@
         <p:spPr>
           <a:xfrm>
             <a:off x="1982520" y="-72720"/>
-            <a:ext cx="8223840" cy="1216080"/>
+            <a:ext cx="8223480" cy="1215720"/>
           </a:xfrm>
           <a:prstGeom prst="rect">
             <a:avLst/>
@@ -27556,7 +26425,7 @@
       </p:sp>
       <p:sp>
         <p:nvSpPr>
-          <p:cNvPr id="261" name="Straight Connector 3"/>
+          <p:cNvPr id="251" name="Straight Connector 3"/>
           <p:cNvSpPr/>
           <p:nvPr/>
         </p:nvSpPr>
@@ -27598,14 +26467,14 @@
       </p:sp>
       <p:sp>
         <p:nvSpPr>
-          <p:cNvPr id="262" name=""/>
+          <p:cNvPr id="252" name=""/>
           <p:cNvSpPr/>
           <p:nvPr/>
         </p:nvSpPr>
         <p:spPr>
           <a:xfrm>
             <a:off x="456840" y="1371600"/>
-            <a:ext cx="11197440" cy="5028120"/>
+            <a:ext cx="11197080" cy="5027760"/>
           </a:xfrm>
           <a:prstGeom prst="rect">
             <a:avLst/>
@@ -27626,25 +26495,31 @@
             <a:noAutofit/>
           </a:bodyPr>
           <a:p>
-            <a:endParaRPr b="0" lang="en-US" sz="1800" spc="-1" strike="noStrike">
-              <a:solidFill>
-                <a:srgbClr val="000000"/>
-              </a:solidFill>
-              <a:latin typeface="Arial"/>
+            <a:pPr>
+              <a:lnSpc>
+                <a:spcPct val="100000"/>
+              </a:lnSpc>
+            </a:pPr>
+            <a:endParaRPr b="0" lang="en-US" sz="1800" spc="-1" strike="noStrike">
+              <a:solidFill>
+                <a:srgbClr val="000000"/>
+              </a:solidFill>
+              <a:latin typeface="Arial"/>
+              <a:ea typeface="DejaVu Sans"/>
             </a:endParaRPr>
           </a:p>
         </p:txBody>
       </p:sp>
       <p:sp>
         <p:nvSpPr>
-          <p:cNvPr id="263" name=""/>
-          <p:cNvSpPr txBox="1"/>
+          <p:cNvPr id="253" name=""/>
+          <p:cNvSpPr/>
           <p:nvPr/>
         </p:nvSpPr>
         <p:spPr>
           <a:xfrm>
             <a:off x="11721960" y="6430680"/>
-            <a:ext cx="3822840" cy="427320"/>
+            <a:ext cx="3822480" cy="426960"/>
           </a:xfrm>
           <a:prstGeom prst="rect">
             <a:avLst/>
@@ -27654,11 +26529,22 @@
             <a:noFill/>
           </a:ln>
         </p:spPr>
+        <p:style>
+          <a:lnRef idx="0"/>
+          <a:fillRef idx="0"/>
+          <a:effectRef idx="0"/>
+          <a:fontRef idx="minor"/>
+        </p:style>
         <p:txBody>
           <a:bodyPr lIns="90000" rIns="90000" tIns="45000" bIns="45000" anchor="t">
             <a:noAutofit/>
           </a:bodyPr>
           <a:p>
+            <a:pPr>
+              <a:lnSpc>
+                <a:spcPct val="100000"/>
+              </a:lnSpc>
+            </a:pPr>
             <a:r>
               <a:rPr b="0" lang="en-US" sz="2400" spc="-1" strike="noStrike">
                 <a:solidFill>
@@ -27672,14 +26558,14 @@
               <a:solidFill>
                 <a:srgbClr val="000000"/>
               </a:solidFill>
-              <a:latin typeface="Times New Roman"/>
+              <a:latin typeface="Arial"/>
             </a:endParaRPr>
           </a:p>
         </p:txBody>
       </p:sp>
       <p:pic>
         <p:nvPicPr>
-          <p:cNvPr id="264" name="" descr=""/>
+          <p:cNvPr id="254" name="" descr=""/>
           <p:cNvPicPr/>
           <p:nvPr/>
         </p:nvPicPr>
@@ -27690,7 +26576,7 @@
         <p:spPr>
           <a:xfrm>
             <a:off x="5237640" y="1828800"/>
-            <a:ext cx="1713960" cy="959760"/>
+            <a:ext cx="1713600" cy="959400"/>
           </a:xfrm>
           <a:prstGeom prst="rect">
             <a:avLst/>
@@ -27702,7 +26588,7 @@
       </p:pic>
       <p:pic>
         <p:nvPicPr>
-          <p:cNvPr id="265" name="" descr=""/>
+          <p:cNvPr id="255" name="" descr=""/>
           <p:cNvPicPr/>
           <p:nvPr/>
         </p:nvPicPr>
@@ -27713,7 +26599,7 @@
         <p:spPr>
           <a:xfrm>
             <a:off x="2314080" y="3429000"/>
-            <a:ext cx="1456920" cy="1456920"/>
+            <a:ext cx="1456560" cy="1456560"/>
           </a:xfrm>
           <a:prstGeom prst="rect">
             <a:avLst/>
@@ -27725,7 +26611,7 @@
       </p:pic>
       <p:pic>
         <p:nvPicPr>
-          <p:cNvPr id="266" name="" descr=""/>
+          <p:cNvPr id="256" name="" descr=""/>
           <p:cNvPicPr/>
           <p:nvPr/>
         </p:nvPicPr>
@@ -27736,7 +26622,7 @@
         <p:spPr>
           <a:xfrm>
             <a:off x="8657280" y="3429000"/>
-            <a:ext cx="1465560" cy="1465560"/>
+            <a:ext cx="1465200" cy="1465200"/>
           </a:xfrm>
           <a:prstGeom prst="rect">
             <a:avLst/>
@@ -27748,7 +26634,7 @@
       </p:pic>
       <p:sp>
         <p:nvSpPr>
-          <p:cNvPr id="267" name=""/>
+          <p:cNvPr id="257" name=""/>
           <p:cNvSpPr/>
           <p:nvPr/>
         </p:nvSpPr>
@@ -27784,13 +26670,14 @@
                 <a:srgbClr val="000000"/>
               </a:solidFill>
               <a:latin typeface="Arial"/>
+              <a:ea typeface="DejaVu Sans"/>
             </a:endParaRPr>
           </a:p>
         </p:txBody>
       </p:sp>
       <p:sp>
         <p:nvSpPr>
-          <p:cNvPr id="268" name=""/>
+          <p:cNvPr id="258" name=""/>
           <p:cNvSpPr/>
           <p:nvPr/>
         </p:nvSpPr>
@@ -27826,13 +26713,14 @@
                 <a:srgbClr val="000000"/>
               </a:solidFill>
               <a:latin typeface="Arial"/>
+              <a:ea typeface="DejaVu Sans"/>
             </a:endParaRPr>
           </a:p>
         </p:txBody>
       </p:sp>
       <p:sp>
         <p:nvSpPr>
-          <p:cNvPr id="269" name=""/>
+          <p:cNvPr id="259" name=""/>
           <p:cNvSpPr/>
           <p:nvPr/>
         </p:nvSpPr>
@@ -27868,13 +26756,14 @@
                 <a:srgbClr val="000000"/>
               </a:solidFill>
               <a:latin typeface="Arial"/>
+              <a:ea typeface="DejaVu Sans"/>
             </a:endParaRPr>
           </a:p>
         </p:txBody>
       </p:sp>
       <p:sp>
         <p:nvSpPr>
-          <p:cNvPr id="270" name=""/>
+          <p:cNvPr id="260" name=""/>
           <p:cNvSpPr/>
           <p:nvPr/>
         </p:nvSpPr>
@@ -27910,20 +26799,21 @@
                 <a:srgbClr val="000000"/>
               </a:solidFill>
               <a:latin typeface="Arial"/>
+              <a:ea typeface="DejaVu Sans"/>
             </a:endParaRPr>
           </a:p>
         </p:txBody>
       </p:sp>
       <p:sp>
         <p:nvSpPr>
-          <p:cNvPr id="271" name=""/>
-          <p:cNvSpPr txBox="1"/>
+          <p:cNvPr id="261" name=""/>
+          <p:cNvSpPr/>
           <p:nvPr/>
         </p:nvSpPr>
         <p:spPr>
           <a:xfrm rot="19620000">
             <a:off x="3648960" y="2926440"/>
-            <a:ext cx="1648800" cy="457200"/>
+            <a:ext cx="1648440" cy="456840"/>
           </a:xfrm>
           <a:prstGeom prst="rect">
             <a:avLst/>
@@ -27933,12 +26823,22 @@
             <a:noFill/>
           </a:ln>
         </p:spPr>
+        <p:style>
+          <a:lnRef idx="0"/>
+          <a:fillRef idx="0"/>
+          <a:effectRef idx="0"/>
+          <a:fontRef idx="minor"/>
+        </p:style>
         <p:txBody>
           <a:bodyPr lIns="90000" rIns="90000" tIns="45000" bIns="45000" anchor="t">
             <a:noAutofit/>
           </a:bodyPr>
           <a:p>
-            <a:pPr algn="ctr"/>
+            <a:pPr algn="ctr">
+              <a:lnSpc>
+                <a:spcPct val="100000"/>
+              </a:lnSpc>
+            </a:pPr>
             <a:r>
               <a:rPr b="1" lang="en-US" sz="1800" spc="-1" strike="noStrike">
                 <a:solidFill>
@@ -27948,25 +26848,25 @@
               </a:rPr>
               <a:t>Pull</a:t>
             </a:r>
-            <a:endParaRPr b="1" lang="en-US" sz="1800" spc="-1" strike="noStrike">
-              <a:solidFill>
-                <a:srgbClr val="000000"/>
-              </a:solidFill>
-              <a:latin typeface="Times New Roman"/>
+            <a:endParaRPr b="0" lang="en-US" sz="1800" spc="-1" strike="noStrike">
+              <a:solidFill>
+                <a:srgbClr val="000000"/>
+              </a:solidFill>
+              <a:latin typeface="Arial"/>
             </a:endParaRPr>
           </a:p>
         </p:txBody>
       </p:sp>
       <p:sp>
         <p:nvSpPr>
-          <p:cNvPr id="272" name=""/>
-          <p:cNvSpPr txBox="1"/>
+          <p:cNvPr id="262" name=""/>
+          <p:cNvSpPr/>
           <p:nvPr/>
         </p:nvSpPr>
         <p:spPr>
           <a:xfrm rot="19860000">
             <a:off x="3418560" y="2416320"/>
-            <a:ext cx="1600200" cy="457200"/>
+            <a:ext cx="1599840" cy="456840"/>
           </a:xfrm>
           <a:prstGeom prst="rect">
             <a:avLst/>
@@ -27976,12 +26876,22 @@
             <a:noFill/>
           </a:ln>
         </p:spPr>
+        <p:style>
+          <a:lnRef idx="0"/>
+          <a:fillRef idx="0"/>
+          <a:effectRef idx="0"/>
+          <a:fontRef idx="minor"/>
+        </p:style>
         <p:txBody>
           <a:bodyPr lIns="90000" rIns="90000" tIns="45000" bIns="45000" anchor="t">
             <a:noAutofit/>
           </a:bodyPr>
           <a:p>
-            <a:pPr algn="ctr"/>
+            <a:pPr algn="ctr">
+              <a:lnSpc>
+                <a:spcPct val="100000"/>
+              </a:lnSpc>
+            </a:pPr>
             <a:r>
               <a:rPr b="1" lang="en-US" sz="1800" spc="-1" strike="noStrike">
                 <a:solidFill>
@@ -27991,25 +26901,25 @@
               </a:rPr>
               <a:t>Push</a:t>
             </a:r>
-            <a:endParaRPr b="1" lang="en-US" sz="1800" spc="-1" strike="noStrike">
-              <a:solidFill>
-                <a:srgbClr val="000000"/>
-              </a:solidFill>
-              <a:latin typeface="Times New Roman"/>
+            <a:endParaRPr b="0" lang="en-US" sz="1800" spc="-1" strike="noStrike">
+              <a:solidFill>
+                <a:srgbClr val="000000"/>
+              </a:solidFill>
+              <a:latin typeface="Arial"/>
             </a:endParaRPr>
           </a:p>
         </p:txBody>
       </p:sp>
       <p:sp>
         <p:nvSpPr>
-          <p:cNvPr id="273" name=""/>
-          <p:cNvSpPr txBox="1"/>
+          <p:cNvPr id="263" name=""/>
+          <p:cNvSpPr/>
           <p:nvPr/>
         </p:nvSpPr>
         <p:spPr>
           <a:xfrm rot="2220000">
-            <a:off x="6932160" y="2949840"/>
-            <a:ext cx="1600200" cy="457200"/>
+            <a:off x="6932160" y="2949480"/>
+            <a:ext cx="1599840" cy="456840"/>
           </a:xfrm>
           <a:prstGeom prst="rect">
             <a:avLst/>
@@ -28019,12 +26929,22 @@
             <a:noFill/>
           </a:ln>
         </p:spPr>
+        <p:style>
+          <a:lnRef idx="0"/>
+          <a:fillRef idx="0"/>
+          <a:effectRef idx="0"/>
+          <a:fontRef idx="minor"/>
+        </p:style>
         <p:txBody>
           <a:bodyPr lIns="90000" rIns="90000" tIns="45000" bIns="45000" anchor="t">
             <a:noAutofit/>
           </a:bodyPr>
           <a:p>
-            <a:pPr algn="ctr"/>
+            <a:pPr algn="ctr">
+              <a:lnSpc>
+                <a:spcPct val="100000"/>
+              </a:lnSpc>
+            </a:pPr>
             <a:r>
               <a:rPr b="1" lang="en-US" sz="1800" spc="-1" strike="noStrike">
                 <a:solidFill>
@@ -28034,25 +26954,25 @@
               </a:rPr>
               <a:t>Pull</a:t>
             </a:r>
-            <a:endParaRPr b="1" lang="en-US" sz="1800" spc="-1" strike="noStrike">
-              <a:solidFill>
-                <a:srgbClr val="000000"/>
-              </a:solidFill>
-              <a:latin typeface="Times New Roman"/>
+            <a:endParaRPr b="0" lang="en-US" sz="1800" spc="-1" strike="noStrike">
+              <a:solidFill>
+                <a:srgbClr val="000000"/>
+              </a:solidFill>
+              <a:latin typeface="Arial"/>
             </a:endParaRPr>
           </a:p>
         </p:txBody>
       </p:sp>
       <p:sp>
         <p:nvSpPr>
-          <p:cNvPr id="274" name=""/>
-          <p:cNvSpPr txBox="1"/>
+          <p:cNvPr id="264" name=""/>
+          <p:cNvSpPr/>
           <p:nvPr/>
         </p:nvSpPr>
         <p:spPr>
           <a:xfrm rot="2280000">
-            <a:off x="7343640" y="2501280"/>
-            <a:ext cx="1600200" cy="457200"/>
+            <a:off x="7343640" y="2500920"/>
+            <a:ext cx="1599840" cy="456840"/>
           </a:xfrm>
           <a:prstGeom prst="rect">
             <a:avLst/>
@@ -28062,12 +26982,22 @@
             <a:noFill/>
           </a:ln>
         </p:spPr>
+        <p:style>
+          <a:lnRef idx="0"/>
+          <a:fillRef idx="0"/>
+          <a:effectRef idx="0"/>
+          <a:fontRef idx="minor"/>
+        </p:style>
         <p:txBody>
           <a:bodyPr lIns="90000" rIns="90000" tIns="45000" bIns="45000" anchor="t">
             <a:noAutofit/>
           </a:bodyPr>
           <a:p>
-            <a:pPr algn="ctr"/>
+            <a:pPr algn="ctr">
+              <a:lnSpc>
+                <a:spcPct val="100000"/>
+              </a:lnSpc>
+            </a:pPr>
             <a:r>
               <a:rPr b="1" lang="en-US" sz="1800" spc="-1" strike="noStrike">
                 <a:solidFill>
@@ -28077,25 +27007,25 @@
               </a:rPr>
               <a:t>Push</a:t>
             </a:r>
-            <a:endParaRPr b="1" lang="en-US" sz="1800" spc="-1" strike="noStrike">
-              <a:solidFill>
-                <a:srgbClr val="000000"/>
-              </a:solidFill>
-              <a:latin typeface="Times New Roman"/>
+            <a:endParaRPr b="0" lang="en-US" sz="1800" spc="-1" strike="noStrike">
+              <a:solidFill>
+                <a:srgbClr val="000000"/>
+              </a:solidFill>
+              <a:latin typeface="Arial"/>
             </a:endParaRPr>
           </a:p>
         </p:txBody>
       </p:sp>
       <p:sp>
         <p:nvSpPr>
-          <p:cNvPr id="275" name=""/>
-          <p:cNvSpPr txBox="1"/>
+          <p:cNvPr id="265" name=""/>
+          <p:cNvSpPr/>
           <p:nvPr/>
         </p:nvSpPr>
         <p:spPr>
           <a:xfrm>
             <a:off x="2399400" y="4885920"/>
-            <a:ext cx="1371600" cy="685800"/>
+            <a:ext cx="1371240" cy="685440"/>
           </a:xfrm>
           <a:prstGeom prst="rect">
             <a:avLst/>
@@ -28105,12 +27035,22 @@
             <a:noFill/>
           </a:ln>
         </p:spPr>
+        <p:style>
+          <a:lnRef idx="0"/>
+          <a:fillRef idx="0"/>
+          <a:effectRef idx="0"/>
+          <a:fontRef idx="minor"/>
+        </p:style>
         <p:txBody>
           <a:bodyPr lIns="90000" rIns="90000" tIns="45000" bIns="45000" anchor="t">
             <a:noAutofit/>
           </a:bodyPr>
           <a:p>
-            <a:pPr algn="ctr"/>
+            <a:pPr algn="ctr">
+              <a:lnSpc>
+                <a:spcPct val="100000"/>
+              </a:lnSpc>
+            </a:pPr>
             <a:r>
               <a:rPr b="1" lang="en-US" sz="2400" spc="-1" strike="noStrike">
                 <a:solidFill>
@@ -28120,25 +27060,25 @@
               </a:rPr>
               <a:t>Personal</a:t>
             </a:r>
-            <a:endParaRPr b="1" lang="en-US" sz="2400" spc="-1" strike="noStrike">
-              <a:solidFill>
-                <a:srgbClr val="000000"/>
-              </a:solidFill>
-              <a:latin typeface="Times New Roman"/>
+            <a:endParaRPr b="0" lang="en-US" sz="2400" spc="-1" strike="noStrike">
+              <a:solidFill>
+                <a:srgbClr val="000000"/>
+              </a:solidFill>
+              <a:latin typeface="Arial"/>
             </a:endParaRPr>
           </a:p>
         </p:txBody>
       </p:sp>
       <p:sp>
         <p:nvSpPr>
-          <p:cNvPr id="276" name=""/>
-          <p:cNvSpPr txBox="1"/>
+          <p:cNvPr id="266" name=""/>
+          <p:cNvSpPr/>
           <p:nvPr/>
         </p:nvSpPr>
         <p:spPr>
           <a:xfrm>
             <a:off x="8393760" y="4884120"/>
-            <a:ext cx="2121840" cy="764280"/>
+            <a:ext cx="2121480" cy="763920"/>
           </a:xfrm>
           <a:prstGeom prst="rect">
             <a:avLst/>
@@ -28148,12 +27088,22 @@
             <a:noFill/>
           </a:ln>
         </p:spPr>
+        <p:style>
+          <a:lnRef idx="0"/>
+          <a:fillRef idx="0"/>
+          <a:effectRef idx="0"/>
+          <a:fontRef idx="minor"/>
+        </p:style>
         <p:txBody>
           <a:bodyPr lIns="90000" rIns="90000" tIns="45000" bIns="45000" anchor="t">
             <a:noAutofit/>
           </a:bodyPr>
           <a:p>
-            <a:pPr algn="ctr"/>
+            <a:pPr algn="ctr">
+              <a:lnSpc>
+                <a:spcPct val="100000"/>
+              </a:lnSpc>
+            </a:pPr>
             <a:r>
               <a:rPr b="1" lang="en-US" sz="2400" spc="-1" strike="noStrike">
                 <a:solidFill>
@@ -28163,25 +27113,25 @@
               </a:rPr>
               <a:t>Collaborator</a:t>
             </a:r>
-            <a:endParaRPr b="1" lang="en-US" sz="2400" spc="-1" strike="noStrike">
-              <a:solidFill>
-                <a:srgbClr val="000000"/>
-              </a:solidFill>
-              <a:latin typeface="Times New Roman"/>
+            <a:endParaRPr b="0" lang="en-US" sz="2400" spc="-1" strike="noStrike">
+              <a:solidFill>
+                <a:srgbClr val="000000"/>
+              </a:solidFill>
+              <a:latin typeface="Arial"/>
             </a:endParaRPr>
           </a:p>
         </p:txBody>
       </p:sp>
       <p:sp>
         <p:nvSpPr>
-          <p:cNvPr id="277" name=""/>
-          <p:cNvSpPr txBox="1"/>
+          <p:cNvPr id="267" name=""/>
+          <p:cNvSpPr/>
           <p:nvPr/>
         </p:nvSpPr>
         <p:spPr>
           <a:xfrm>
             <a:off x="4380120" y="4343400"/>
-            <a:ext cx="3429000" cy="2390760"/>
+            <a:ext cx="3428640" cy="2390400"/>
           </a:xfrm>
           <a:prstGeom prst="rect">
             <a:avLst/>
@@ -28191,12 +27141,22 @@
             <a:noFill/>
           </a:ln>
         </p:spPr>
+        <p:style>
+          <a:lnRef idx="0"/>
+          <a:fillRef idx="0"/>
+          <a:effectRef idx="0"/>
+          <a:fontRef idx="minor"/>
+        </p:style>
         <p:txBody>
           <a:bodyPr lIns="90000" rIns="90000" tIns="45000" bIns="45000" anchor="t">
             <a:noAutofit/>
           </a:bodyPr>
           <a:p>
-            <a:pPr algn="ctr"/>
+            <a:pPr algn="ctr">
+              <a:lnSpc>
+                <a:spcPct val="100000"/>
+              </a:lnSpc>
+            </a:pPr>
             <a:r>
               <a:rPr b="1" lang="en-US" sz="2400" spc="-1" strike="noStrike">
                 <a:solidFill>
@@ -28206,15 +27166,19 @@
               </a:rPr>
               <a:t>Branches:</a:t>
             </a:r>
-            <a:endParaRPr b="1" lang="en-US" sz="2400" spc="-1" strike="noStrike">
-              <a:solidFill>
-                <a:srgbClr val="000000"/>
-              </a:solidFill>
-              <a:latin typeface="Arial"/>
-            </a:endParaRPr>
-          </a:p>
-          <a:p>
-            <a:pPr algn="ctr"/>
+            <a:endParaRPr b="0" lang="en-US" sz="2400" spc="-1" strike="noStrike">
+              <a:solidFill>
+                <a:srgbClr val="000000"/>
+              </a:solidFill>
+              <a:latin typeface="Arial"/>
+            </a:endParaRPr>
+          </a:p>
+          <a:p>
+            <a:pPr algn="ctr">
+              <a:lnSpc>
+                <a:spcPct val="100000"/>
+              </a:lnSpc>
+            </a:pPr>
             <a:r>
               <a:rPr b="1" lang="en-US" sz="2400" spc="-1" strike="noStrike">
                 <a:solidFill>
@@ -28224,15 +27188,19 @@
               </a:rPr>
               <a:t>master</a:t>
             </a:r>
-            <a:endParaRPr b="1" lang="en-US" sz="2400" spc="-1" strike="noStrike">
-              <a:solidFill>
-                <a:srgbClr val="000000"/>
-              </a:solidFill>
-              <a:latin typeface="Arial"/>
-            </a:endParaRPr>
-          </a:p>
-          <a:p>
-            <a:pPr algn="ctr"/>
+            <a:endParaRPr b="0" lang="en-US" sz="2400" spc="-1" strike="noStrike">
+              <a:solidFill>
+                <a:srgbClr val="000000"/>
+              </a:solidFill>
+              <a:latin typeface="Arial"/>
+            </a:endParaRPr>
+          </a:p>
+          <a:p>
+            <a:pPr algn="ctr">
+              <a:lnSpc>
+                <a:spcPct val="100000"/>
+              </a:lnSpc>
+            </a:pPr>
             <a:r>
               <a:rPr b="1" lang="en-US" sz="2400" spc="-1" strike="noStrike">
                 <a:solidFill>
@@ -28242,15 +27210,19 @@
               </a:rPr>
               <a:t>personal</a:t>
             </a:r>
-            <a:endParaRPr b="1" lang="en-US" sz="2400" spc="-1" strike="noStrike">
-              <a:solidFill>
-                <a:srgbClr val="000000"/>
-              </a:solidFill>
-              <a:latin typeface="Arial"/>
-            </a:endParaRPr>
-          </a:p>
-          <a:p>
-            <a:pPr algn="ctr"/>
+            <a:endParaRPr b="0" lang="en-US" sz="2400" spc="-1" strike="noStrike">
+              <a:solidFill>
+                <a:srgbClr val="000000"/>
+              </a:solidFill>
+              <a:latin typeface="Arial"/>
+            </a:endParaRPr>
+          </a:p>
+          <a:p>
+            <a:pPr algn="ctr">
+              <a:lnSpc>
+                <a:spcPct val="100000"/>
+              </a:lnSpc>
+            </a:pPr>
             <a:r>
               <a:rPr b="1" lang="en-US" sz="2400" spc="-1" strike="noStrike">
                 <a:solidFill>
@@ -28260,15 +27232,19 @@
               </a:rPr>
               <a:t>collab</a:t>
             </a:r>
-            <a:endParaRPr b="1" lang="en-US" sz="2400" spc="-1" strike="noStrike">
-              <a:solidFill>
-                <a:srgbClr val="000000"/>
-              </a:solidFill>
-              <a:latin typeface="Arial"/>
-            </a:endParaRPr>
-          </a:p>
-          <a:p>
-            <a:pPr algn="ctr"/>
+            <a:endParaRPr b="0" lang="en-US" sz="2400" spc="-1" strike="noStrike">
+              <a:solidFill>
+                <a:srgbClr val="000000"/>
+              </a:solidFill>
+              <a:latin typeface="Arial"/>
+            </a:endParaRPr>
+          </a:p>
+          <a:p>
+            <a:pPr algn="ctr">
+              <a:lnSpc>
+                <a:spcPct val="100000"/>
+              </a:lnSpc>
+            </a:pPr>
             <a:r>
               <a:rPr b="1" lang="en-US" sz="2400" spc="-1" strike="noStrike">
                 <a:solidFill>
@@ -28278,7 +27254,7 @@
               </a:rPr>
               <a:t>dev</a:t>
             </a:r>
-            <a:endParaRPr b="1" lang="en-US" sz="2400" spc="-1" strike="noStrike">
+            <a:endParaRPr b="0" lang="en-US" sz="2400" spc="-1" strike="noStrike">
               <a:solidFill>
                 <a:srgbClr val="000000"/>
               </a:solidFill>
@@ -28289,7 +27265,7 @@
       </p:sp>
       <p:sp>
         <p:nvSpPr>
-          <p:cNvPr id="278" name=""/>
+          <p:cNvPr id="268" name=""/>
           <p:cNvSpPr/>
           <p:nvPr/>
         </p:nvSpPr>
@@ -28325,20 +27301,21 @@
                 <a:srgbClr val="000000"/>
               </a:solidFill>
               <a:latin typeface="Arial"/>
+              <a:ea typeface="DejaVu Sans"/>
             </a:endParaRPr>
           </a:p>
         </p:txBody>
       </p:sp>
       <p:sp>
         <p:nvSpPr>
-          <p:cNvPr id="279" name=""/>
+          <p:cNvPr id="269" name=""/>
           <p:cNvSpPr/>
           <p:nvPr/>
         </p:nvSpPr>
         <p:spPr>
           <a:xfrm>
             <a:off x="3523320" y="1983960"/>
-            <a:ext cx="1963080" cy="1963080"/>
+            <a:ext cx="1962720" cy="1962720"/>
           </a:xfrm>
           <a:prstGeom prst="ellipse">
             <a:avLst/>
@@ -28361,25 +27338,31 @@
             <a:noAutofit/>
           </a:bodyPr>
           <a:p>
-            <a:endParaRPr b="0" lang="en-US" sz="1800" spc="-1" strike="noStrike">
-              <a:solidFill>
-                <a:srgbClr val="000000"/>
-              </a:solidFill>
-              <a:latin typeface="Arial"/>
+            <a:pPr>
+              <a:lnSpc>
+                <a:spcPct val="100000"/>
+              </a:lnSpc>
+            </a:pPr>
+            <a:endParaRPr b="0" lang="en-US" sz="1800" spc="-1" strike="noStrike">
+              <a:solidFill>
+                <a:srgbClr val="000000"/>
+              </a:solidFill>
+              <a:latin typeface="Arial"/>
+              <a:ea typeface="DejaVu Sans"/>
             </a:endParaRPr>
           </a:p>
         </p:txBody>
       </p:sp>
       <p:sp>
         <p:nvSpPr>
-          <p:cNvPr id="280" name=""/>
-          <p:cNvSpPr txBox="1"/>
+          <p:cNvPr id="270" name=""/>
+          <p:cNvSpPr/>
           <p:nvPr/>
         </p:nvSpPr>
         <p:spPr>
           <a:xfrm>
             <a:off x="914400" y="1828800"/>
-            <a:ext cx="1600200" cy="685800"/>
+            <a:ext cx="1599840" cy="685440"/>
           </a:xfrm>
           <a:prstGeom prst="rect">
             <a:avLst/>
@@ -28389,12 +27372,22 @@
             <a:noFill/>
           </a:ln>
         </p:spPr>
+        <p:style>
+          <a:lnRef idx="0"/>
+          <a:fillRef idx="0"/>
+          <a:effectRef idx="0"/>
+          <a:fontRef idx="minor"/>
+        </p:style>
         <p:txBody>
           <a:bodyPr lIns="90000" rIns="90000" tIns="45000" bIns="45000" anchor="t">
             <a:noAutofit/>
           </a:bodyPr>
           <a:p>
-            <a:pPr algn="ctr"/>
+            <a:pPr algn="ctr">
+              <a:lnSpc>
+                <a:spcPct val="100000"/>
+              </a:lnSpc>
+            </a:pPr>
             <a:r>
               <a:rPr b="1" lang="en-US" sz="1800" spc="-1" strike="noStrike">
                 <a:solidFill>
@@ -28404,11 +27397,11 @@
               </a:rPr>
               <a:t>Now, lets zoom in</a:t>
             </a:r>
-            <a:endParaRPr b="1" lang="en-US" sz="1800" spc="-1" strike="noStrike">
-              <a:solidFill>
-                <a:srgbClr val="f10d0c"/>
-              </a:solidFill>
-              <a:latin typeface="Times New Roman"/>
+            <a:endParaRPr b="0" lang="en-US" sz="1800" spc="-1" strike="noStrike">
+              <a:solidFill>
+                <a:srgbClr val="000000"/>
+              </a:solidFill>
+              <a:latin typeface="Arial"/>
             </a:endParaRPr>
           </a:p>
         </p:txBody>
@@ -28445,7 +27438,7 @@
       </p:grpSpPr>
       <p:sp>
         <p:nvSpPr>
-          <p:cNvPr id="281" name="PlaceHolder 1"/>
+          <p:cNvPr id="271" name="PlaceHolder 1"/>
           <p:cNvSpPr>
             <a:spLocks noGrp="1"/>
           </p:cNvSpPr>
@@ -28456,7 +27449,7 @@
         <p:spPr>
           <a:xfrm>
             <a:off x="2056680" y="-74160"/>
-            <a:ext cx="8223840" cy="1216080"/>
+            <a:ext cx="8223480" cy="1215720"/>
           </a:xfrm>
           <a:prstGeom prst="rect">
             <a:avLst/>
@@ -28506,7 +27499,7 @@
       </p:sp>
       <p:sp>
         <p:nvSpPr>
-          <p:cNvPr id="282" name="Straight Connector 12"/>
+          <p:cNvPr id="272" name="Straight Connector 12"/>
           <p:cNvSpPr/>
           <p:nvPr/>
         </p:nvSpPr>
@@ -28548,14 +27541,14 @@
       </p:sp>
       <p:sp>
         <p:nvSpPr>
-          <p:cNvPr id="283" name=""/>
-          <p:cNvSpPr txBox="1"/>
+          <p:cNvPr id="273" name=""/>
+          <p:cNvSpPr/>
           <p:nvPr/>
         </p:nvSpPr>
         <p:spPr>
           <a:xfrm>
             <a:off x="11721960" y="6430680"/>
-            <a:ext cx="3822840" cy="427320"/>
+            <a:ext cx="3822480" cy="426960"/>
           </a:xfrm>
           <a:prstGeom prst="rect">
             <a:avLst/>
@@ -28565,11 +27558,22 @@
             <a:noFill/>
           </a:ln>
         </p:spPr>
+        <p:style>
+          <a:lnRef idx="0"/>
+          <a:fillRef idx="0"/>
+          <a:effectRef idx="0"/>
+          <a:fontRef idx="minor"/>
+        </p:style>
         <p:txBody>
           <a:bodyPr lIns="90000" rIns="90000" tIns="45000" bIns="45000" anchor="t">
             <a:noAutofit/>
           </a:bodyPr>
           <a:p>
+            <a:pPr>
+              <a:lnSpc>
+                <a:spcPct val="100000"/>
+              </a:lnSpc>
+            </a:pPr>
             <a:r>
               <a:rPr b="0" lang="en-US" sz="2400" spc="-1" strike="noStrike">
                 <a:solidFill>
@@ -28583,14 +27587,14 @@
               <a:solidFill>
                 <a:srgbClr val="000000"/>
               </a:solidFill>
-              <a:latin typeface="Times New Roman"/>
+              <a:latin typeface="Arial"/>
             </a:endParaRPr>
           </a:p>
         </p:txBody>
       </p:sp>
       <p:pic>
         <p:nvPicPr>
-          <p:cNvPr id="284" name="" descr=""/>
+          <p:cNvPr id="274" name="" descr=""/>
           <p:cNvPicPr/>
           <p:nvPr/>
         </p:nvPicPr>
@@ -28601,7 +27605,7 @@
         <p:spPr>
           <a:xfrm>
             <a:off x="5237640" y="1326240"/>
-            <a:ext cx="1713960" cy="959760"/>
+            <a:ext cx="1713600" cy="959400"/>
           </a:xfrm>
           <a:prstGeom prst="rect">
             <a:avLst/>
@@ -28613,14 +27617,14 @@
       </p:pic>
       <p:sp>
         <p:nvSpPr>
-          <p:cNvPr id="285" name=""/>
+          <p:cNvPr id="275" name=""/>
           <p:cNvSpPr/>
           <p:nvPr/>
         </p:nvSpPr>
         <p:spPr>
           <a:xfrm flipV="1">
             <a:off x="6094440" y="3045600"/>
-            <a:ext cx="0" cy="457200"/>
+            <a:ext cx="360" cy="457200"/>
           </a:xfrm>
           <a:prstGeom prst="line">
             <a:avLst/>
@@ -28649,20 +27653,21 @@
                 <a:srgbClr val="000000"/>
               </a:solidFill>
               <a:latin typeface="Arial"/>
+              <a:ea typeface="DejaVu Sans"/>
             </a:endParaRPr>
           </a:p>
         </p:txBody>
       </p:sp>
       <p:sp>
         <p:nvSpPr>
-          <p:cNvPr id="286" name=""/>
+          <p:cNvPr id="276" name=""/>
           <p:cNvSpPr/>
           <p:nvPr/>
         </p:nvSpPr>
         <p:spPr>
           <a:xfrm>
             <a:off x="5408640" y="3236400"/>
-            <a:ext cx="1371600" cy="457200"/>
+            <a:ext cx="1371240" cy="456840"/>
           </a:xfrm>
           <a:prstGeom prst="roundRect">
             <a:avLst>
@@ -28689,13 +27694,18 @@
             <a:noAutofit/>
           </a:bodyPr>
           <a:p>
-            <a:pPr algn="ctr"/>
+            <a:pPr algn="ctr">
+              <a:lnSpc>
+                <a:spcPct val="100000"/>
+              </a:lnSpc>
+            </a:pPr>
             <a:r>
               <a:rPr b="0" lang="en-US" sz="1800" spc="-1" strike="noStrike">
                 <a:solidFill>
                   <a:srgbClr val="000000"/>
                 </a:solidFill>
                 <a:latin typeface="Times New Roman"/>
+                <a:ea typeface="DejaVu Sans"/>
               </a:rPr>
               <a:t>commit</a:t>
             </a:r>
@@ -28703,21 +27713,21 @@
               <a:solidFill>
                 <a:srgbClr val="000000"/>
               </a:solidFill>
-              <a:latin typeface="Times New Roman"/>
+              <a:latin typeface="Arial"/>
             </a:endParaRPr>
           </a:p>
         </p:txBody>
       </p:sp>
       <p:sp>
         <p:nvSpPr>
-          <p:cNvPr id="287" name=""/>
+          <p:cNvPr id="277" name=""/>
           <p:cNvSpPr/>
           <p:nvPr/>
         </p:nvSpPr>
         <p:spPr>
           <a:xfrm flipV="1">
             <a:off x="6094440" y="2322000"/>
-            <a:ext cx="0" cy="457200"/>
+            <a:ext cx="360" cy="457200"/>
           </a:xfrm>
           <a:prstGeom prst="line">
             <a:avLst/>
@@ -28746,20 +27756,21 @@
                 <a:srgbClr val="000000"/>
               </a:solidFill>
               <a:latin typeface="Arial"/>
+              <a:ea typeface="DejaVu Sans"/>
             </a:endParaRPr>
           </a:p>
         </p:txBody>
       </p:sp>
       <p:sp>
         <p:nvSpPr>
-          <p:cNvPr id="288" name=""/>
+          <p:cNvPr id="278" name=""/>
           <p:cNvSpPr/>
           <p:nvPr/>
         </p:nvSpPr>
         <p:spPr>
           <a:xfrm>
             <a:off x="5411160" y="2525760"/>
-            <a:ext cx="1371600" cy="457200"/>
+            <a:ext cx="1371240" cy="456840"/>
           </a:xfrm>
           <a:prstGeom prst="roundRect">
             <a:avLst>
@@ -28786,13 +27797,18 @@
             <a:noAutofit/>
           </a:bodyPr>
           <a:p>
-            <a:pPr algn="ctr"/>
+            <a:pPr algn="ctr">
+              <a:lnSpc>
+                <a:spcPct val="100000"/>
+              </a:lnSpc>
+            </a:pPr>
             <a:r>
               <a:rPr b="0" lang="en-US" sz="1800" spc="-1" strike="noStrike">
                 <a:solidFill>
                   <a:srgbClr val="000000"/>
                 </a:solidFill>
                 <a:latin typeface="Times New Roman"/>
+                <a:ea typeface="DejaVu Sans"/>
               </a:rPr>
               <a:t>push</a:t>
             </a:r>
@@ -28800,21 +27816,21 @@
               <a:solidFill>
                 <a:srgbClr val="000000"/>
               </a:solidFill>
-              <a:latin typeface="Times New Roman"/>
+              <a:latin typeface="Arial"/>
             </a:endParaRPr>
           </a:p>
         </p:txBody>
       </p:sp>
       <p:sp>
         <p:nvSpPr>
-          <p:cNvPr id="289" name=""/>
+          <p:cNvPr id="279" name=""/>
           <p:cNvSpPr/>
           <p:nvPr/>
         </p:nvSpPr>
         <p:spPr>
           <a:xfrm flipV="1">
             <a:off x="6094440" y="3775320"/>
-            <a:ext cx="0" cy="457200"/>
+            <a:ext cx="360" cy="457200"/>
           </a:xfrm>
           <a:prstGeom prst="line">
             <a:avLst/>
@@ -28843,20 +27859,21 @@
                 <a:srgbClr val="000000"/>
               </a:solidFill>
               <a:latin typeface="Arial"/>
+              <a:ea typeface="DejaVu Sans"/>
             </a:endParaRPr>
           </a:p>
         </p:txBody>
       </p:sp>
       <p:sp>
         <p:nvSpPr>
-          <p:cNvPr id="290" name=""/>
+          <p:cNvPr id="280" name=""/>
           <p:cNvSpPr/>
           <p:nvPr/>
         </p:nvSpPr>
         <p:spPr>
           <a:xfrm>
             <a:off x="5409000" y="3956760"/>
-            <a:ext cx="1371600" cy="457200"/>
+            <a:ext cx="1371240" cy="456840"/>
           </a:xfrm>
           <a:prstGeom prst="roundRect">
             <a:avLst>
@@ -28883,13 +27900,18 @@
             <a:noAutofit/>
           </a:bodyPr>
           <a:p>
-            <a:pPr algn="ctr"/>
+            <a:pPr algn="ctr">
+              <a:lnSpc>
+                <a:spcPct val="100000"/>
+              </a:lnSpc>
+            </a:pPr>
             <a:r>
               <a:rPr b="0" lang="en-US" sz="1800" spc="-1" strike="noStrike">
                 <a:solidFill>
                   <a:srgbClr val="000000"/>
                 </a:solidFill>
                 <a:latin typeface="Times New Roman"/>
+                <a:ea typeface="DejaVu Sans"/>
               </a:rPr>
               <a:t>add</a:t>
             </a:r>
@@ -28897,21 +27919,21 @@
               <a:solidFill>
                 <a:srgbClr val="000000"/>
               </a:solidFill>
-              <a:latin typeface="Times New Roman"/>
+              <a:latin typeface="Arial"/>
             </a:endParaRPr>
           </a:p>
         </p:txBody>
       </p:sp>
       <p:sp>
         <p:nvSpPr>
-          <p:cNvPr id="291" name=""/>
+          <p:cNvPr id="281" name=""/>
           <p:cNvSpPr/>
           <p:nvPr/>
         </p:nvSpPr>
         <p:spPr>
           <a:xfrm flipV="1">
             <a:off x="6094440" y="4531320"/>
-            <a:ext cx="0" cy="457200"/>
+            <a:ext cx="360" cy="457200"/>
           </a:xfrm>
           <a:prstGeom prst="line">
             <a:avLst/>
@@ -28940,13 +27962,14 @@
                 <a:srgbClr val="000000"/>
               </a:solidFill>
               <a:latin typeface="Arial"/>
+              <a:ea typeface="DejaVu Sans"/>
             </a:endParaRPr>
           </a:p>
         </p:txBody>
       </p:sp>
       <p:pic>
         <p:nvPicPr>
-          <p:cNvPr id="292" name="" descr=""/>
+          <p:cNvPr id="282" name="" descr=""/>
           <p:cNvPicPr/>
           <p:nvPr/>
         </p:nvPicPr>
@@ -28957,7 +27980,7 @@
         <p:spPr>
           <a:xfrm>
             <a:off x="5366160" y="4726800"/>
-            <a:ext cx="1456920" cy="1456920"/>
+            <a:ext cx="1456560" cy="1456560"/>
           </a:xfrm>
           <a:prstGeom prst="rect">
             <a:avLst/>
@@ -28969,14 +27992,14 @@
       </p:pic>
       <p:sp>
         <p:nvSpPr>
-          <p:cNvPr id="293" name=""/>
-          <p:cNvSpPr txBox="1"/>
+          <p:cNvPr id="283" name=""/>
+          <p:cNvSpPr/>
           <p:nvPr/>
         </p:nvSpPr>
         <p:spPr>
           <a:xfrm>
             <a:off x="5751720" y="4924440"/>
-            <a:ext cx="685800" cy="596520"/>
+            <a:ext cx="685440" cy="596160"/>
           </a:xfrm>
           <a:prstGeom prst="rect">
             <a:avLst/>
@@ -28986,12 +28009,22 @@
             <a:noFill/>
           </a:ln>
         </p:spPr>
+        <p:style>
+          <a:lnRef idx="0"/>
+          <a:fillRef idx="0"/>
+          <a:effectRef idx="0"/>
+          <a:fontRef idx="minor"/>
+        </p:style>
         <p:txBody>
           <a:bodyPr lIns="90000" rIns="90000" tIns="45000" bIns="45000" anchor="t">
             <a:noAutofit/>
           </a:bodyPr>
           <a:p>
-            <a:pPr algn="ctr"/>
+            <a:pPr algn="ctr">
+              <a:lnSpc>
+                <a:spcPct val="100000"/>
+              </a:lnSpc>
+            </a:pPr>
             <a:r>
               <a:rPr b="0" lang="en-US" sz="1800" spc="-1" strike="noStrike">
                 <a:solidFill>
@@ -29005,7 +28038,7 @@
               <a:solidFill>
                 <a:srgbClr val="000000"/>
               </a:solidFill>
-              <a:latin typeface="Times New Roman"/>
+              <a:latin typeface="Arial"/>
             </a:endParaRPr>
           </a:p>
         </p:txBody>
@@ -29042,7 +28075,7 @@
       </p:grpSpPr>
       <p:sp>
         <p:nvSpPr>
-          <p:cNvPr id="294" name="PlaceHolder 1"/>
+          <p:cNvPr id="284" name="PlaceHolder 1"/>
           <p:cNvSpPr>
             <a:spLocks noGrp="1"/>
           </p:cNvSpPr>
@@ -29053,7 +28086,7 @@
         <p:spPr>
           <a:xfrm>
             <a:off x="2056680" y="-74160"/>
-            <a:ext cx="8223840" cy="1216080"/>
+            <a:ext cx="8223480" cy="1215720"/>
           </a:xfrm>
           <a:prstGeom prst="rect">
             <a:avLst/>
@@ -29103,7 +28136,7 @@
       </p:sp>
       <p:sp>
         <p:nvSpPr>
-          <p:cNvPr id="295" name="Straight Connector 15"/>
+          <p:cNvPr id="285" name="Straight Connector 15"/>
           <p:cNvSpPr/>
           <p:nvPr/>
         </p:nvSpPr>
@@ -29145,14 +28178,14 @@
       </p:sp>
       <p:sp>
         <p:nvSpPr>
-          <p:cNvPr id="296" name=""/>
-          <p:cNvSpPr txBox="1"/>
+          <p:cNvPr id="286" name=""/>
+          <p:cNvSpPr/>
           <p:nvPr/>
         </p:nvSpPr>
         <p:spPr>
           <a:xfrm>
             <a:off x="11721960" y="6430680"/>
-            <a:ext cx="3822840" cy="427320"/>
+            <a:ext cx="3822480" cy="426960"/>
           </a:xfrm>
           <a:prstGeom prst="rect">
             <a:avLst/>
@@ -29162,11 +28195,22 @@
             <a:noFill/>
           </a:ln>
         </p:spPr>
+        <p:style>
+          <a:lnRef idx="0"/>
+          <a:fillRef idx="0"/>
+          <a:effectRef idx="0"/>
+          <a:fontRef idx="minor"/>
+        </p:style>
         <p:txBody>
           <a:bodyPr lIns="90000" rIns="90000" tIns="45000" bIns="45000" anchor="t">
             <a:noAutofit/>
           </a:bodyPr>
           <a:p>
+            <a:pPr>
+              <a:lnSpc>
+                <a:spcPct val="100000"/>
+              </a:lnSpc>
+            </a:pPr>
             <a:r>
               <a:rPr b="0" lang="en-US" sz="2400" spc="-1" strike="noStrike">
                 <a:solidFill>
@@ -29180,14 +28224,14 @@
               <a:solidFill>
                 <a:srgbClr val="000000"/>
               </a:solidFill>
-              <a:latin typeface="Times New Roman"/>
+              <a:latin typeface="Arial"/>
             </a:endParaRPr>
           </a:p>
         </p:txBody>
       </p:sp>
       <p:pic>
         <p:nvPicPr>
-          <p:cNvPr id="297" name="" descr=""/>
+          <p:cNvPr id="287" name="" descr=""/>
           <p:cNvPicPr/>
           <p:nvPr/>
         </p:nvPicPr>
@@ -29198,7 +28242,7 @@
         <p:spPr>
           <a:xfrm>
             <a:off x="5237640" y="1326240"/>
-            <a:ext cx="1713960" cy="959760"/>
+            <a:ext cx="1713600" cy="959400"/>
           </a:xfrm>
           <a:prstGeom prst="rect">
             <a:avLst/>
@@ -29210,14 +28254,14 @@
       </p:pic>
       <p:sp>
         <p:nvSpPr>
-          <p:cNvPr id="298" name=""/>
+          <p:cNvPr id="288" name=""/>
           <p:cNvSpPr/>
           <p:nvPr/>
         </p:nvSpPr>
         <p:spPr>
           <a:xfrm flipV="1">
             <a:off x="6094440" y="3045600"/>
-            <a:ext cx="0" cy="457200"/>
+            <a:ext cx="360" cy="457200"/>
           </a:xfrm>
           <a:prstGeom prst="line">
             <a:avLst/>
@@ -29246,20 +28290,21 @@
                 <a:srgbClr val="000000"/>
               </a:solidFill>
               <a:latin typeface="Arial"/>
+              <a:ea typeface="DejaVu Sans"/>
             </a:endParaRPr>
           </a:p>
         </p:txBody>
       </p:sp>
       <p:sp>
         <p:nvSpPr>
-          <p:cNvPr id="299" name=""/>
+          <p:cNvPr id="289" name=""/>
           <p:cNvSpPr/>
           <p:nvPr/>
         </p:nvSpPr>
         <p:spPr>
           <a:xfrm>
             <a:off x="5408640" y="3236400"/>
-            <a:ext cx="1371600" cy="457200"/>
+            <a:ext cx="1371240" cy="456840"/>
           </a:xfrm>
           <a:prstGeom prst="roundRect">
             <a:avLst>
@@ -29286,13 +28331,18 @@
             <a:noAutofit/>
           </a:bodyPr>
           <a:p>
-            <a:pPr algn="ctr"/>
+            <a:pPr algn="ctr">
+              <a:lnSpc>
+                <a:spcPct val="100000"/>
+              </a:lnSpc>
+            </a:pPr>
             <a:r>
               <a:rPr b="0" lang="en-US" sz="1800" spc="-1" strike="noStrike">
                 <a:solidFill>
                   <a:srgbClr val="000000"/>
                 </a:solidFill>
                 <a:latin typeface="Times New Roman"/>
+                <a:ea typeface="DejaVu Sans"/>
               </a:rPr>
               <a:t>commit</a:t>
             </a:r>
@@ -29300,21 +28350,21 @@
               <a:solidFill>
                 <a:srgbClr val="000000"/>
               </a:solidFill>
-              <a:latin typeface="Times New Roman"/>
+              <a:latin typeface="Arial"/>
             </a:endParaRPr>
           </a:p>
         </p:txBody>
       </p:sp>
       <p:sp>
         <p:nvSpPr>
-          <p:cNvPr id="300" name=""/>
+          <p:cNvPr id="290" name=""/>
           <p:cNvSpPr/>
           <p:nvPr/>
         </p:nvSpPr>
         <p:spPr>
           <a:xfrm flipV="1">
             <a:off x="6094440" y="2322000"/>
-            <a:ext cx="0" cy="457200"/>
+            <a:ext cx="360" cy="457200"/>
           </a:xfrm>
           <a:prstGeom prst="line">
             <a:avLst/>
@@ -29343,20 +28393,21 @@
                 <a:srgbClr val="000000"/>
               </a:solidFill>
               <a:latin typeface="Arial"/>
+              <a:ea typeface="DejaVu Sans"/>
             </a:endParaRPr>
           </a:p>
         </p:txBody>
       </p:sp>
       <p:sp>
         <p:nvSpPr>
-          <p:cNvPr id="301" name=""/>
+          <p:cNvPr id="291" name=""/>
           <p:cNvSpPr/>
           <p:nvPr/>
         </p:nvSpPr>
         <p:spPr>
           <a:xfrm>
             <a:off x="5411160" y="2525760"/>
-            <a:ext cx="1371600" cy="457200"/>
+            <a:ext cx="1371240" cy="456840"/>
           </a:xfrm>
           <a:prstGeom prst="roundRect">
             <a:avLst>
@@ -29383,13 +28434,18 @@
             <a:noAutofit/>
           </a:bodyPr>
           <a:p>
-            <a:pPr algn="ctr"/>
+            <a:pPr algn="ctr">
+              <a:lnSpc>
+                <a:spcPct val="100000"/>
+              </a:lnSpc>
+            </a:pPr>
             <a:r>
               <a:rPr b="0" lang="en-US" sz="1800" spc="-1" strike="noStrike">
                 <a:solidFill>
                   <a:srgbClr val="000000"/>
                 </a:solidFill>
                 <a:latin typeface="Times New Roman"/>
+                <a:ea typeface="DejaVu Sans"/>
               </a:rPr>
               <a:t>push</a:t>
             </a:r>
@@ -29397,21 +28453,21 @@
               <a:solidFill>
                 <a:srgbClr val="000000"/>
               </a:solidFill>
-              <a:latin typeface="Times New Roman"/>
+              <a:latin typeface="Arial"/>
             </a:endParaRPr>
           </a:p>
         </p:txBody>
       </p:sp>
       <p:sp>
         <p:nvSpPr>
-          <p:cNvPr id="302" name=""/>
+          <p:cNvPr id="292" name=""/>
           <p:cNvSpPr/>
           <p:nvPr/>
         </p:nvSpPr>
         <p:spPr>
           <a:xfrm flipV="1">
             <a:off x="6094440" y="3775320"/>
-            <a:ext cx="0" cy="457200"/>
+            <a:ext cx="360" cy="457200"/>
           </a:xfrm>
           <a:prstGeom prst="line">
             <a:avLst/>
@@ -29440,20 +28496,21 @@
                 <a:srgbClr val="000000"/>
               </a:solidFill>
               <a:latin typeface="Arial"/>
+              <a:ea typeface="DejaVu Sans"/>
             </a:endParaRPr>
           </a:p>
         </p:txBody>
       </p:sp>
       <p:sp>
         <p:nvSpPr>
-          <p:cNvPr id="303" name=""/>
+          <p:cNvPr id="293" name=""/>
           <p:cNvSpPr/>
           <p:nvPr/>
         </p:nvSpPr>
         <p:spPr>
           <a:xfrm>
             <a:off x="5409000" y="3956760"/>
-            <a:ext cx="1371600" cy="457200"/>
+            <a:ext cx="1371240" cy="456840"/>
           </a:xfrm>
           <a:prstGeom prst="roundRect">
             <a:avLst>
@@ -29480,13 +28537,18 @@
             <a:noAutofit/>
           </a:bodyPr>
           <a:p>
-            <a:pPr algn="ctr"/>
+            <a:pPr algn="ctr">
+              <a:lnSpc>
+                <a:spcPct val="100000"/>
+              </a:lnSpc>
+            </a:pPr>
             <a:r>
               <a:rPr b="0" lang="en-US" sz="1800" spc="-1" strike="noStrike">
                 <a:solidFill>
                   <a:srgbClr val="000000"/>
                 </a:solidFill>
                 <a:latin typeface="Times New Roman"/>
+                <a:ea typeface="DejaVu Sans"/>
               </a:rPr>
               <a:t>add</a:t>
             </a:r>
@@ -29494,21 +28556,21 @@
               <a:solidFill>
                 <a:srgbClr val="000000"/>
               </a:solidFill>
-              <a:latin typeface="Times New Roman"/>
+              <a:latin typeface="Arial"/>
             </a:endParaRPr>
           </a:p>
         </p:txBody>
       </p:sp>
       <p:sp>
         <p:nvSpPr>
-          <p:cNvPr id="304" name=""/>
+          <p:cNvPr id="294" name=""/>
           <p:cNvSpPr/>
           <p:nvPr/>
         </p:nvSpPr>
         <p:spPr>
           <a:xfrm flipV="1">
             <a:off x="6094440" y="4531320"/>
-            <a:ext cx="0" cy="457200"/>
+            <a:ext cx="360" cy="457200"/>
           </a:xfrm>
           <a:prstGeom prst="line">
             <a:avLst/>
@@ -29537,13 +28599,14 @@
                 <a:srgbClr val="000000"/>
               </a:solidFill>
               <a:latin typeface="Arial"/>
+              <a:ea typeface="DejaVu Sans"/>
             </a:endParaRPr>
           </a:p>
         </p:txBody>
       </p:sp>
       <p:pic>
         <p:nvPicPr>
-          <p:cNvPr id="305" name="" descr=""/>
+          <p:cNvPr id="295" name="" descr=""/>
           <p:cNvPicPr/>
           <p:nvPr/>
         </p:nvPicPr>
@@ -29554,7 +28617,7 @@
         <p:spPr>
           <a:xfrm>
             <a:off x="5366160" y="4726800"/>
-            <a:ext cx="1456920" cy="1456920"/>
+            <a:ext cx="1456560" cy="1456560"/>
           </a:xfrm>
           <a:prstGeom prst="rect">
             <a:avLst/>
@@ -29566,14 +28629,14 @@
       </p:pic>
       <p:sp>
         <p:nvSpPr>
-          <p:cNvPr id="306" name=""/>
-          <p:cNvSpPr txBox="1"/>
+          <p:cNvPr id="296" name=""/>
+          <p:cNvSpPr/>
           <p:nvPr/>
         </p:nvSpPr>
         <p:spPr>
           <a:xfrm>
             <a:off x="5751720" y="4924440"/>
-            <a:ext cx="685800" cy="596520"/>
+            <a:ext cx="685440" cy="596160"/>
           </a:xfrm>
           <a:prstGeom prst="rect">
             <a:avLst/>
@@ -29583,12 +28646,22 @@
             <a:noFill/>
           </a:ln>
         </p:spPr>
+        <p:style>
+          <a:lnRef idx="0"/>
+          <a:fillRef idx="0"/>
+          <a:effectRef idx="0"/>
+          <a:fontRef idx="minor"/>
+        </p:style>
         <p:txBody>
           <a:bodyPr lIns="90000" rIns="90000" tIns="45000" bIns="45000" anchor="t">
             <a:noAutofit/>
           </a:bodyPr>
           <a:p>
-            <a:pPr algn="ctr"/>
+            <a:pPr algn="ctr">
+              <a:lnSpc>
+                <a:spcPct val="100000"/>
+              </a:lnSpc>
+            </a:pPr>
             <a:r>
               <a:rPr b="0" lang="en-US" sz="1800" spc="-1" strike="noStrike">
                 <a:solidFill>
@@ -29602,21 +28675,21 @@
               <a:solidFill>
                 <a:srgbClr val="000000"/>
               </a:solidFill>
-              <a:latin typeface="Times New Roman"/>
+              <a:latin typeface="Arial"/>
             </a:endParaRPr>
           </a:p>
         </p:txBody>
       </p:sp>
       <p:sp>
         <p:nvSpPr>
-          <p:cNvPr id="307" name=""/>
+          <p:cNvPr id="297" name=""/>
           <p:cNvSpPr/>
           <p:nvPr/>
         </p:nvSpPr>
         <p:spPr>
           <a:xfrm>
             <a:off x="6400800" y="228600"/>
-            <a:ext cx="2286000" cy="914400"/>
+            <a:ext cx="2285640" cy="914040"/>
           </a:xfrm>
           <a:prstGeom prst="wedgeEllipseCallout">
             <a:avLst>
@@ -29644,13 +28717,18 @@
             <a:noAutofit/>
           </a:bodyPr>
           <a:p>
-            <a:pPr algn="ctr"/>
+            <a:pPr algn="ctr">
+              <a:lnSpc>
+                <a:spcPct val="100000"/>
+              </a:lnSpc>
+            </a:pPr>
             <a:r>
               <a:rPr b="0" lang="en-US" sz="1800" spc="-1" strike="noStrike">
                 <a:solidFill>
                   <a:srgbClr val="000000"/>
                 </a:solidFill>
                 <a:latin typeface="Arial"/>
+                <a:ea typeface="DejaVu Sans"/>
               </a:rPr>
               <a:t>Wait, I have new changes</a:t>
             </a:r>

--- a/S24/cs494/notes/github-intro.pptx
+++ b/S24/cs494/notes/github-intro.pptx
@@ -386,7 +386,7 @@
             <a:pPr indent="0" algn="r">
               <a:buNone/>
             </a:pPr>
-            <a:fld id="{74A2FDE0-81C4-4CEA-971E-C5523D91F784}" type="slidenum">
+            <a:fld id="{C5C1855B-7236-4C44-B793-D5153E75D194}" type="slidenum">
               <a:rPr b="0" lang="en-US" sz="1400" spc="-1" strike="noStrike">
                 <a:solidFill>
                   <a:srgbClr val="000000"/>
@@ -440,7 +440,7 @@
         <p:spPr>
           <a:xfrm>
             <a:off x="685800" y="1143000"/>
-            <a:ext cx="5482080" cy="3081960"/>
+            <a:ext cx="5481720" cy="3081600"/>
           </a:xfrm>
           <a:prstGeom prst="rect">
             <a:avLst/>
@@ -463,7 +463,7 @@
         <p:spPr>
           <a:xfrm>
             <a:off x="685800" y="4400640"/>
-            <a:ext cx="5482080" cy="3596040"/>
+            <a:ext cx="5481720" cy="3595680"/>
           </a:xfrm>
           <a:prstGeom prst="rect">
             <a:avLst/>
@@ -503,7 +503,7 @@
         <p:spPr>
           <a:xfrm>
             <a:off x="3884760" y="8685360"/>
-            <a:ext cx="2967480" cy="454320"/>
+            <a:ext cx="2967120" cy="453960"/>
           </a:xfrm>
           <a:prstGeom prst="rect">
             <a:avLst/>
@@ -544,7 +544,7 @@
                 <a:tab algn="l" pos="0"/>
               </a:tabLst>
             </a:pPr>
-            <a:fld id="{E6D9FB0E-190B-48D7-9E99-739CA46FEBE1}" type="slidenum">
+            <a:fld id="{3D300B58-78A8-4FA9-91F6-A2DBCB4F35CC}" type="slidenum">
               <a:rPr b="0" lang="en-US" sz="1200" spc="-1" strike="noStrike">
                 <a:solidFill>
                   <a:srgbClr val="000000"/>
@@ -597,7 +597,7 @@
         <p:spPr>
           <a:xfrm>
             <a:off x="685800" y="1143000"/>
-            <a:ext cx="5482080" cy="3081960"/>
+            <a:ext cx="5481720" cy="3081600"/>
           </a:xfrm>
           <a:prstGeom prst="rect">
             <a:avLst/>
@@ -620,7 +620,7 @@
         <p:spPr>
           <a:xfrm>
             <a:off x="685800" y="4400640"/>
-            <a:ext cx="5482080" cy="3596040"/>
+            <a:ext cx="5481720" cy="3595680"/>
           </a:xfrm>
           <a:prstGeom prst="rect">
             <a:avLst/>
@@ -660,7 +660,7 @@
         <p:spPr>
           <a:xfrm>
             <a:off x="3884760" y="8685360"/>
-            <a:ext cx="2967480" cy="454320"/>
+            <a:ext cx="2967120" cy="453960"/>
           </a:xfrm>
           <a:prstGeom prst="rect">
             <a:avLst/>
@@ -701,7 +701,7 @@
                 <a:tab algn="l" pos="0"/>
               </a:tabLst>
             </a:pPr>
-            <a:fld id="{6F73E2B4-7DDD-4577-B7CC-B5154398169B}" type="slidenum">
+            <a:fld id="{533B75DE-03AF-494A-BE96-4F55B40511A4}" type="slidenum">
               <a:rPr b="0" lang="en-US" sz="1200" spc="-1" strike="noStrike">
                 <a:solidFill>
                   <a:srgbClr val="000000"/>
@@ -754,7 +754,7 @@
         <p:spPr>
           <a:xfrm>
             <a:off x="685800" y="1143000"/>
-            <a:ext cx="5482080" cy="3081960"/>
+            <a:ext cx="5481720" cy="3081600"/>
           </a:xfrm>
           <a:prstGeom prst="rect">
             <a:avLst/>
@@ -777,7 +777,7 @@
         <p:spPr>
           <a:xfrm>
             <a:off x="685800" y="4400640"/>
-            <a:ext cx="5482080" cy="3596040"/>
+            <a:ext cx="5481720" cy="3595680"/>
           </a:xfrm>
           <a:prstGeom prst="rect">
             <a:avLst/>
@@ -817,7 +817,7 @@
         <p:spPr>
           <a:xfrm>
             <a:off x="3884760" y="8685360"/>
-            <a:ext cx="2967480" cy="454320"/>
+            <a:ext cx="2967120" cy="453960"/>
           </a:xfrm>
           <a:prstGeom prst="rect">
             <a:avLst/>
@@ -858,7 +858,7 @@
                 <a:tab algn="l" pos="0"/>
               </a:tabLst>
             </a:pPr>
-            <a:fld id="{8C57443E-745E-435B-A555-69A73FAF5622}" type="slidenum">
+            <a:fld id="{D0B4828D-C64F-4FFF-BDED-5F350022683F}" type="slidenum">
               <a:rPr b="0" lang="en-US" sz="1200" spc="-1" strike="noStrike">
                 <a:solidFill>
                   <a:srgbClr val="000000"/>
@@ -911,7 +911,7 @@
         <p:spPr>
           <a:xfrm>
             <a:off x="685800" y="1143000"/>
-            <a:ext cx="5482080" cy="3081960"/>
+            <a:ext cx="5481720" cy="3081600"/>
           </a:xfrm>
           <a:prstGeom prst="rect">
             <a:avLst/>
@@ -934,7 +934,7 @@
         <p:spPr>
           <a:xfrm>
             <a:off x="685800" y="4400640"/>
-            <a:ext cx="5482080" cy="3596040"/>
+            <a:ext cx="5481720" cy="3595680"/>
           </a:xfrm>
           <a:prstGeom prst="rect">
             <a:avLst/>
@@ -974,7 +974,7 @@
         <p:spPr>
           <a:xfrm>
             <a:off x="3884760" y="8685360"/>
-            <a:ext cx="2967480" cy="454320"/>
+            <a:ext cx="2967120" cy="453960"/>
           </a:xfrm>
           <a:prstGeom prst="rect">
             <a:avLst/>
@@ -1015,7 +1015,7 @@
                 <a:tab algn="l" pos="0"/>
               </a:tabLst>
             </a:pPr>
-            <a:fld id="{02C1CD3B-07D0-465F-9C9B-234F02D3C611}" type="slidenum">
+            <a:fld id="{98E67AB0-898E-44D1-AB51-CB0A85B175D9}" type="slidenum">
               <a:rPr b="0" lang="en-US" sz="1200" spc="-1" strike="noStrike">
                 <a:solidFill>
                   <a:srgbClr val="000000"/>
@@ -1068,7 +1068,7 @@
         <p:spPr>
           <a:xfrm>
             <a:off x="685800" y="1143000"/>
-            <a:ext cx="5482080" cy="3081960"/>
+            <a:ext cx="5481720" cy="3081600"/>
           </a:xfrm>
           <a:prstGeom prst="rect">
             <a:avLst/>
@@ -1091,7 +1091,7 @@
         <p:spPr>
           <a:xfrm>
             <a:off x="685800" y="4400640"/>
-            <a:ext cx="5482080" cy="3596040"/>
+            <a:ext cx="5481720" cy="3595680"/>
           </a:xfrm>
           <a:prstGeom prst="rect">
             <a:avLst/>
@@ -1131,7 +1131,7 @@
         <p:spPr>
           <a:xfrm>
             <a:off x="3884760" y="8685360"/>
-            <a:ext cx="2967480" cy="454320"/>
+            <a:ext cx="2967120" cy="453960"/>
           </a:xfrm>
           <a:prstGeom prst="rect">
             <a:avLst/>
@@ -1172,7 +1172,7 @@
                 <a:tab algn="l" pos="0"/>
               </a:tabLst>
             </a:pPr>
-            <a:fld id="{938C0761-0B59-4582-B172-122FDBF1252F}" type="slidenum">
+            <a:fld id="{32CFA7E6-2C1B-4D29-A886-DA62CE275DAF}" type="slidenum">
               <a:rPr b="0" lang="en-US" sz="1200" spc="-1" strike="noStrike">
                 <a:solidFill>
                   <a:srgbClr val="000000"/>
@@ -1225,7 +1225,7 @@
         <p:spPr>
           <a:xfrm>
             <a:off x="685800" y="1143000"/>
-            <a:ext cx="5482080" cy="3081960"/>
+            <a:ext cx="5481720" cy="3081600"/>
           </a:xfrm>
           <a:prstGeom prst="rect">
             <a:avLst/>
@@ -1248,7 +1248,7 @@
         <p:spPr>
           <a:xfrm>
             <a:off x="685800" y="4400640"/>
-            <a:ext cx="5482080" cy="3596040"/>
+            <a:ext cx="5481720" cy="3595680"/>
           </a:xfrm>
           <a:prstGeom prst="rect">
             <a:avLst/>
@@ -1288,7 +1288,7 @@
         <p:spPr>
           <a:xfrm>
             <a:off x="3884760" y="8685360"/>
-            <a:ext cx="2967480" cy="454320"/>
+            <a:ext cx="2967120" cy="453960"/>
           </a:xfrm>
           <a:prstGeom prst="rect">
             <a:avLst/>
@@ -1329,7 +1329,7 @@
                 <a:tab algn="l" pos="0"/>
               </a:tabLst>
             </a:pPr>
-            <a:fld id="{7E796675-7684-44C4-A0E8-C13DCF61EB7A}" type="slidenum">
+            <a:fld id="{0BB0AB88-D1C4-44C5-A7DE-E1E51E170828}" type="slidenum">
               <a:rPr b="0" lang="en-US" sz="1200" spc="-1" strike="noStrike">
                 <a:solidFill>
                   <a:srgbClr val="000000"/>
@@ -1382,7 +1382,7 @@
         <p:spPr>
           <a:xfrm>
             <a:off x="685800" y="1143000"/>
-            <a:ext cx="5482080" cy="3081960"/>
+            <a:ext cx="5481720" cy="3081600"/>
           </a:xfrm>
           <a:prstGeom prst="rect">
             <a:avLst/>
@@ -1405,7 +1405,7 @@
         <p:spPr>
           <a:xfrm>
             <a:off x="685800" y="4400640"/>
-            <a:ext cx="5482080" cy="3596040"/>
+            <a:ext cx="5481720" cy="3595680"/>
           </a:xfrm>
           <a:prstGeom prst="rect">
             <a:avLst/>
@@ -1445,7 +1445,7 @@
         <p:spPr>
           <a:xfrm>
             <a:off x="3884760" y="8685360"/>
-            <a:ext cx="2967480" cy="454320"/>
+            <a:ext cx="2967120" cy="453960"/>
           </a:xfrm>
           <a:prstGeom prst="rect">
             <a:avLst/>
@@ -1486,7 +1486,7 @@
                 <a:tab algn="l" pos="0"/>
               </a:tabLst>
             </a:pPr>
-            <a:fld id="{694FCA07-E06C-4B03-AC5A-C4A7DEFB7101}" type="slidenum">
+            <a:fld id="{49C3F482-1A2A-455F-9F43-46ED2635F5F3}" type="slidenum">
               <a:rPr b="0" lang="en-US" sz="1200" spc="-1" strike="noStrike">
                 <a:solidFill>
                   <a:srgbClr val="000000"/>
@@ -1539,7 +1539,7 @@
         <p:spPr>
           <a:xfrm>
             <a:off x="685800" y="1143000"/>
-            <a:ext cx="5482080" cy="3081960"/>
+            <a:ext cx="5481720" cy="3081600"/>
           </a:xfrm>
           <a:prstGeom prst="rect">
             <a:avLst/>
@@ -1562,7 +1562,7 @@
         <p:spPr>
           <a:xfrm>
             <a:off x="685800" y="4400640"/>
-            <a:ext cx="5482080" cy="3596040"/>
+            <a:ext cx="5481720" cy="3595680"/>
           </a:xfrm>
           <a:prstGeom prst="rect">
             <a:avLst/>
@@ -1602,7 +1602,7 @@
         <p:spPr>
           <a:xfrm>
             <a:off x="3884760" y="8685360"/>
-            <a:ext cx="2967480" cy="454320"/>
+            <a:ext cx="2967120" cy="453960"/>
           </a:xfrm>
           <a:prstGeom prst="rect">
             <a:avLst/>
@@ -1643,7 +1643,7 @@
                 <a:tab algn="l" pos="0"/>
               </a:tabLst>
             </a:pPr>
-            <a:fld id="{AFE4E451-9768-4052-AE85-E5E50B855B1C}" type="slidenum">
+            <a:fld id="{DD1E2DB4-B163-4D59-9C6A-CEEF29CFD5B1}" type="slidenum">
               <a:rPr b="0" lang="en-US" sz="1200" spc="-1" strike="noStrike">
                 <a:solidFill>
                   <a:srgbClr val="000000"/>
@@ -1696,7 +1696,7 @@
         <p:spPr>
           <a:xfrm>
             <a:off x="685800" y="1143000"/>
-            <a:ext cx="5482080" cy="3081960"/>
+            <a:ext cx="5481720" cy="3081600"/>
           </a:xfrm>
           <a:prstGeom prst="rect">
             <a:avLst/>
@@ -1719,7 +1719,7 @@
         <p:spPr>
           <a:xfrm>
             <a:off x="685800" y="4400640"/>
-            <a:ext cx="5482080" cy="3596040"/>
+            <a:ext cx="5481720" cy="3595680"/>
           </a:xfrm>
           <a:prstGeom prst="rect">
             <a:avLst/>
@@ -1759,7 +1759,7 @@
         <p:spPr>
           <a:xfrm>
             <a:off x="3884760" y="8685360"/>
-            <a:ext cx="2967480" cy="454320"/>
+            <a:ext cx="2967120" cy="453960"/>
           </a:xfrm>
           <a:prstGeom prst="rect">
             <a:avLst/>
@@ -1800,7 +1800,7 @@
                 <a:tab algn="l" pos="0"/>
               </a:tabLst>
             </a:pPr>
-            <a:fld id="{0AD0B087-E98F-43E7-B152-73C13ADBA50C}" type="slidenum">
+            <a:fld id="{17B8B8C5-6D99-4E2A-A294-1C107A26842B}" type="slidenum">
               <a:rPr b="0" lang="en-US" sz="1200" spc="-1" strike="noStrike">
                 <a:solidFill>
                   <a:srgbClr val="000000"/>
@@ -1853,7 +1853,7 @@
         <p:spPr>
           <a:xfrm>
             <a:off x="685800" y="1143000"/>
-            <a:ext cx="5482080" cy="3081960"/>
+            <a:ext cx="5481720" cy="3081600"/>
           </a:xfrm>
           <a:prstGeom prst="rect">
             <a:avLst/>
@@ -1876,7 +1876,7 @@
         <p:spPr>
           <a:xfrm>
             <a:off x="685800" y="4400640"/>
-            <a:ext cx="5482080" cy="3596040"/>
+            <a:ext cx="5481720" cy="3595680"/>
           </a:xfrm>
           <a:prstGeom prst="rect">
             <a:avLst/>
@@ -1916,7 +1916,7 @@
         <p:spPr>
           <a:xfrm>
             <a:off x="3884760" y="8685360"/>
-            <a:ext cx="2967480" cy="454320"/>
+            <a:ext cx="2967120" cy="453960"/>
           </a:xfrm>
           <a:prstGeom prst="rect">
             <a:avLst/>
@@ -1957,7 +1957,7 @@
                 <a:tab algn="l" pos="0"/>
               </a:tabLst>
             </a:pPr>
-            <a:fld id="{3F87A788-A16C-4F8A-9F02-1B98564192D7}" type="slidenum">
+            <a:fld id="{AAACE051-1810-4295-BCE1-CFD875C1C0C8}" type="slidenum">
               <a:rPr b="0" lang="en-US" sz="1200" spc="-1" strike="noStrike">
                 <a:solidFill>
                   <a:srgbClr val="000000"/>
@@ -2010,7 +2010,7 @@
         <p:spPr>
           <a:xfrm>
             <a:off x="685800" y="1143000"/>
-            <a:ext cx="5482080" cy="3081960"/>
+            <a:ext cx="5481720" cy="3081600"/>
           </a:xfrm>
           <a:prstGeom prst="rect">
             <a:avLst/>
@@ -2033,7 +2033,7 @@
         <p:spPr>
           <a:xfrm>
             <a:off x="685800" y="4400640"/>
-            <a:ext cx="5482080" cy="3596040"/>
+            <a:ext cx="5481720" cy="3595680"/>
           </a:xfrm>
           <a:prstGeom prst="rect">
             <a:avLst/>
@@ -2073,7 +2073,7 @@
         <p:spPr>
           <a:xfrm>
             <a:off x="3884760" y="8685360"/>
-            <a:ext cx="2967480" cy="454320"/>
+            <a:ext cx="2967120" cy="453960"/>
           </a:xfrm>
           <a:prstGeom prst="rect">
             <a:avLst/>
@@ -2114,7 +2114,7 @@
                 <a:tab algn="l" pos="0"/>
               </a:tabLst>
             </a:pPr>
-            <a:fld id="{FE689972-567D-4186-AEBA-E56ECCC9CB28}" type="slidenum">
+            <a:fld id="{5965A8FF-2A68-4F3A-977C-9491EA523CA9}" type="slidenum">
               <a:rPr b="0" lang="en-US" sz="1200" spc="-1" strike="noStrike">
                 <a:solidFill>
                   <a:srgbClr val="000000"/>
@@ -2167,7 +2167,7 @@
         <p:spPr>
           <a:xfrm>
             <a:off x="685800" y="1143000"/>
-            <a:ext cx="5482080" cy="3081960"/>
+            <a:ext cx="5481720" cy="3081600"/>
           </a:xfrm>
           <a:prstGeom prst="rect">
             <a:avLst/>
@@ -2190,7 +2190,7 @@
         <p:spPr>
           <a:xfrm>
             <a:off x="685800" y="4400640"/>
-            <a:ext cx="5482080" cy="3596040"/>
+            <a:ext cx="5481720" cy="3595680"/>
           </a:xfrm>
           <a:prstGeom prst="rect">
             <a:avLst/>
@@ -2230,7 +2230,7 @@
         <p:spPr>
           <a:xfrm>
             <a:off x="3884760" y="8685360"/>
-            <a:ext cx="2967480" cy="454320"/>
+            <a:ext cx="2967120" cy="453960"/>
           </a:xfrm>
           <a:prstGeom prst="rect">
             <a:avLst/>
@@ -2271,7 +2271,7 @@
                 <a:tab algn="l" pos="0"/>
               </a:tabLst>
             </a:pPr>
-            <a:fld id="{CCC727F3-0FB7-4620-A89E-8DE63FED4AD9}" type="slidenum">
+            <a:fld id="{5AFA1678-B61F-400F-8047-A3EAACA753E3}" type="slidenum">
               <a:rPr b="0" lang="en-US" sz="1200" spc="-1" strike="noStrike">
                 <a:solidFill>
                   <a:srgbClr val="000000"/>
@@ -2324,7 +2324,7 @@
         <p:spPr>
           <a:xfrm>
             <a:off x="685800" y="1143000"/>
-            <a:ext cx="5482080" cy="3081960"/>
+            <a:ext cx="5481720" cy="3081600"/>
           </a:xfrm>
           <a:prstGeom prst="rect">
             <a:avLst/>
@@ -2347,7 +2347,7 @@
         <p:spPr>
           <a:xfrm>
             <a:off x="685800" y="4400640"/>
-            <a:ext cx="5482080" cy="3596040"/>
+            <a:ext cx="5481720" cy="3595680"/>
           </a:xfrm>
           <a:prstGeom prst="rect">
             <a:avLst/>
@@ -2387,7 +2387,7 @@
         <p:spPr>
           <a:xfrm>
             <a:off x="3884760" y="8685360"/>
-            <a:ext cx="2967480" cy="454320"/>
+            <a:ext cx="2967120" cy="453960"/>
           </a:xfrm>
           <a:prstGeom prst="rect">
             <a:avLst/>
@@ -2428,7 +2428,7 @@
                 <a:tab algn="l" pos="0"/>
               </a:tabLst>
             </a:pPr>
-            <a:fld id="{6805F047-0C62-40E7-97E6-181F57D0BEAB}" type="slidenum">
+            <a:fld id="{A0258FDE-0905-4603-A01C-49015024FF5F}" type="slidenum">
               <a:rPr b="0" lang="en-US" sz="1200" spc="-1" strike="noStrike">
                 <a:solidFill>
                   <a:srgbClr val="000000"/>
@@ -2481,7 +2481,7 @@
         <p:spPr>
           <a:xfrm>
             <a:off x="685800" y="1143000"/>
-            <a:ext cx="5482080" cy="3081960"/>
+            <a:ext cx="5481720" cy="3081600"/>
           </a:xfrm>
           <a:prstGeom prst="rect">
             <a:avLst/>
@@ -2504,7 +2504,7 @@
         <p:spPr>
           <a:xfrm>
             <a:off x="685800" y="4400640"/>
-            <a:ext cx="5482080" cy="3596040"/>
+            <a:ext cx="5481720" cy="3595680"/>
           </a:xfrm>
           <a:prstGeom prst="rect">
             <a:avLst/>
@@ -2544,7 +2544,7 @@
         <p:spPr>
           <a:xfrm>
             <a:off x="3884760" y="8685360"/>
-            <a:ext cx="2967480" cy="454320"/>
+            <a:ext cx="2967120" cy="453960"/>
           </a:xfrm>
           <a:prstGeom prst="rect">
             <a:avLst/>
@@ -2585,7 +2585,7 @@
                 <a:tab algn="l" pos="0"/>
               </a:tabLst>
             </a:pPr>
-            <a:fld id="{7CE68390-CA66-46C8-8D0A-7E223447B67B}" type="slidenum">
+            <a:fld id="{E5B7C97D-4911-4447-93B7-7F910DBCD316}" type="slidenum">
               <a:rPr b="0" lang="en-US" sz="1200" spc="-1" strike="noStrike">
                 <a:solidFill>
                   <a:srgbClr val="000000"/>
@@ -2638,7 +2638,7 @@
         <p:spPr>
           <a:xfrm>
             <a:off x="685800" y="1143000"/>
-            <a:ext cx="5482080" cy="3081960"/>
+            <a:ext cx="5481720" cy="3081600"/>
           </a:xfrm>
           <a:prstGeom prst="rect">
             <a:avLst/>
@@ -2661,7 +2661,7 @@
         <p:spPr>
           <a:xfrm>
             <a:off x="685800" y="4400640"/>
-            <a:ext cx="5482080" cy="3596040"/>
+            <a:ext cx="5481720" cy="3595680"/>
           </a:xfrm>
           <a:prstGeom prst="rect">
             <a:avLst/>
@@ -2701,7 +2701,7 @@
         <p:spPr>
           <a:xfrm>
             <a:off x="3884760" y="8685360"/>
-            <a:ext cx="2967480" cy="454320"/>
+            <a:ext cx="2967120" cy="453960"/>
           </a:xfrm>
           <a:prstGeom prst="rect">
             <a:avLst/>
@@ -2742,7 +2742,7 @@
                 <a:tab algn="l" pos="0"/>
               </a:tabLst>
             </a:pPr>
-            <a:fld id="{76B2726C-A51D-4492-A072-E4112530653D}" type="slidenum">
+            <a:fld id="{20D86504-D2E4-4ED2-AB25-059BC1EA0B8C}" type="slidenum">
               <a:rPr b="0" lang="en-US" sz="1200" spc="-1" strike="noStrike">
                 <a:solidFill>
                   <a:srgbClr val="000000"/>
@@ -2795,7 +2795,7 @@
         <p:spPr>
           <a:xfrm>
             <a:off x="685800" y="1143000"/>
-            <a:ext cx="5482080" cy="3081960"/>
+            <a:ext cx="5481720" cy="3081600"/>
           </a:xfrm>
           <a:prstGeom prst="rect">
             <a:avLst/>
@@ -2818,7 +2818,7 @@
         <p:spPr>
           <a:xfrm>
             <a:off x="685800" y="4400640"/>
-            <a:ext cx="5482080" cy="3596040"/>
+            <a:ext cx="5481720" cy="3595680"/>
           </a:xfrm>
           <a:prstGeom prst="rect">
             <a:avLst/>
@@ -2858,7 +2858,7 @@
         <p:spPr>
           <a:xfrm>
             <a:off x="3884760" y="8685360"/>
-            <a:ext cx="2967480" cy="454320"/>
+            <a:ext cx="2967120" cy="453960"/>
           </a:xfrm>
           <a:prstGeom prst="rect">
             <a:avLst/>
@@ -2899,7 +2899,7 @@
                 <a:tab algn="l" pos="0"/>
               </a:tabLst>
             </a:pPr>
-            <a:fld id="{21B42D87-1ED3-4D6F-93BE-92413DFFC3D9}" type="slidenum">
+            <a:fld id="{04FB3598-7614-4A6B-9FDA-9DEC84AA9183}" type="slidenum">
               <a:rPr b="0" lang="en-US" sz="1200" spc="-1" strike="noStrike">
                 <a:solidFill>
                   <a:srgbClr val="000000"/>
@@ -2952,7 +2952,7 @@
         <p:spPr>
           <a:xfrm>
             <a:off x="685800" y="1143000"/>
-            <a:ext cx="5482080" cy="3081960"/>
+            <a:ext cx="5481720" cy="3081600"/>
           </a:xfrm>
           <a:prstGeom prst="rect">
             <a:avLst/>
@@ -2975,7 +2975,7 @@
         <p:spPr>
           <a:xfrm>
             <a:off x="685800" y="4400640"/>
-            <a:ext cx="5482080" cy="3596040"/>
+            <a:ext cx="5481720" cy="3595680"/>
           </a:xfrm>
           <a:prstGeom prst="rect">
             <a:avLst/>
@@ -3015,7 +3015,7 @@
         <p:spPr>
           <a:xfrm>
             <a:off x="3884760" y="8685360"/>
-            <a:ext cx="2967480" cy="454320"/>
+            <a:ext cx="2967120" cy="453960"/>
           </a:xfrm>
           <a:prstGeom prst="rect">
             <a:avLst/>
@@ -3056,7 +3056,7 @@
                 <a:tab algn="l" pos="0"/>
               </a:tabLst>
             </a:pPr>
-            <a:fld id="{73659226-7484-466D-9BF1-C3F412555FA8}" type="slidenum">
+            <a:fld id="{D6A65270-AFEC-410C-A734-270BADB99712}" type="slidenum">
               <a:rPr b="0" lang="en-US" sz="1200" spc="-1" strike="noStrike">
                 <a:solidFill>
                   <a:srgbClr val="000000"/>
@@ -3109,7 +3109,7 @@
         <p:spPr>
           <a:xfrm>
             <a:off x="685800" y="1143000"/>
-            <a:ext cx="5482080" cy="3081960"/>
+            <a:ext cx="5481720" cy="3081600"/>
           </a:xfrm>
           <a:prstGeom prst="rect">
             <a:avLst/>
@@ -3132,7 +3132,7 @@
         <p:spPr>
           <a:xfrm>
             <a:off x="685800" y="4400640"/>
-            <a:ext cx="5482080" cy="3596040"/>
+            <a:ext cx="5481720" cy="3595680"/>
           </a:xfrm>
           <a:prstGeom prst="rect">
             <a:avLst/>
@@ -3172,7 +3172,7 @@
         <p:spPr>
           <a:xfrm>
             <a:off x="3884760" y="8685360"/>
-            <a:ext cx="2967480" cy="454320"/>
+            <a:ext cx="2967120" cy="453960"/>
           </a:xfrm>
           <a:prstGeom prst="rect">
             <a:avLst/>
@@ -3213,7 +3213,7 @@
                 <a:tab algn="l" pos="0"/>
               </a:tabLst>
             </a:pPr>
-            <a:fld id="{C9C731F8-167A-4CE2-93E2-05BEBE3E7DD2}" type="slidenum">
+            <a:fld id="{BFD77D7D-74B8-4384-A17D-17194BDC4149}" type="slidenum">
               <a:rPr b="0" lang="en-US" sz="1200" spc="-1" strike="noStrike">
                 <a:solidFill>
                   <a:srgbClr val="000000"/>
@@ -3266,7 +3266,7 @@
         <p:spPr>
           <a:xfrm>
             <a:off x="685800" y="1143000"/>
-            <a:ext cx="5482080" cy="3081960"/>
+            <a:ext cx="5481720" cy="3081600"/>
           </a:xfrm>
           <a:prstGeom prst="rect">
             <a:avLst/>
@@ -3289,7 +3289,7 @@
         <p:spPr>
           <a:xfrm>
             <a:off x="685800" y="4400640"/>
-            <a:ext cx="5482080" cy="3596040"/>
+            <a:ext cx="5481720" cy="3595680"/>
           </a:xfrm>
           <a:prstGeom prst="rect">
             <a:avLst/>
@@ -3329,7 +3329,7 @@
         <p:spPr>
           <a:xfrm>
             <a:off x="3884760" y="8685360"/>
-            <a:ext cx="2967480" cy="454320"/>
+            <a:ext cx="2967120" cy="453960"/>
           </a:xfrm>
           <a:prstGeom prst="rect">
             <a:avLst/>
@@ -3370,7 +3370,7 @@
                 <a:tab algn="l" pos="0"/>
               </a:tabLst>
             </a:pPr>
-            <a:fld id="{11746A56-C14A-461E-83AE-304AA9E16855}" type="slidenum">
+            <a:fld id="{D78E24BC-1254-4A81-BC60-92983826AA4C}" type="slidenum">
               <a:rPr b="0" lang="en-US" sz="1200" spc="-1" strike="noStrike">
                 <a:solidFill>
                   <a:srgbClr val="000000"/>
@@ -3423,7 +3423,7 @@
         <p:spPr>
           <a:xfrm>
             <a:off x="685800" y="1143000"/>
-            <a:ext cx="5482080" cy="3081960"/>
+            <a:ext cx="5481720" cy="3081600"/>
           </a:xfrm>
           <a:prstGeom prst="rect">
             <a:avLst/>
@@ -3446,7 +3446,7 @@
         <p:spPr>
           <a:xfrm>
             <a:off x="685800" y="4400640"/>
-            <a:ext cx="5482080" cy="3596040"/>
+            <a:ext cx="5481720" cy="3595680"/>
           </a:xfrm>
           <a:prstGeom prst="rect">
             <a:avLst/>
@@ -3486,7 +3486,7 @@
         <p:spPr>
           <a:xfrm>
             <a:off x="3884760" y="8685360"/>
-            <a:ext cx="2967480" cy="454320"/>
+            <a:ext cx="2967120" cy="453960"/>
           </a:xfrm>
           <a:prstGeom prst="rect">
             <a:avLst/>
@@ -3527,7 +3527,7 @@
                 <a:tab algn="l" pos="0"/>
               </a:tabLst>
             </a:pPr>
-            <a:fld id="{1396D661-4608-4E65-AABA-882940987516}" type="slidenum">
+            <a:fld id="{BFEAAA68-8477-4F92-B1D9-A84C92764021}" type="slidenum">
               <a:rPr b="0" lang="en-US" sz="1200" spc="-1" strike="noStrike">
                 <a:solidFill>
                   <a:srgbClr val="000000"/>
@@ -3580,7 +3580,7 @@
         <p:spPr>
           <a:xfrm>
             <a:off x="685800" y="1143000"/>
-            <a:ext cx="5482080" cy="3081960"/>
+            <a:ext cx="5481720" cy="3081600"/>
           </a:xfrm>
           <a:prstGeom prst="rect">
             <a:avLst/>
@@ -3603,7 +3603,7 @@
         <p:spPr>
           <a:xfrm>
             <a:off x="685800" y="4400640"/>
-            <a:ext cx="5482080" cy="3596040"/>
+            <a:ext cx="5481720" cy="3595680"/>
           </a:xfrm>
           <a:prstGeom prst="rect">
             <a:avLst/>
@@ -3643,7 +3643,7 @@
         <p:spPr>
           <a:xfrm>
             <a:off x="3884760" y="8685360"/>
-            <a:ext cx="2967480" cy="454320"/>
+            <a:ext cx="2967120" cy="453960"/>
           </a:xfrm>
           <a:prstGeom prst="rect">
             <a:avLst/>
@@ -3684,7 +3684,7 @@
                 <a:tab algn="l" pos="0"/>
               </a:tabLst>
             </a:pPr>
-            <a:fld id="{8C01C7BA-1D63-452A-AEB2-857549FC3A9F}" type="slidenum">
+            <a:fld id="{025FBC0A-D62B-41A9-96B1-161E67E2B5F3}" type="slidenum">
               <a:rPr b="0" lang="en-US" sz="1200" spc="-1" strike="noStrike">
                 <a:solidFill>
                   <a:srgbClr val="000000"/>
@@ -3737,7 +3737,7 @@
         <p:spPr>
           <a:xfrm>
             <a:off x="685800" y="1143000"/>
-            <a:ext cx="5482080" cy="3081960"/>
+            <a:ext cx="5481720" cy="3081600"/>
           </a:xfrm>
           <a:prstGeom prst="rect">
             <a:avLst/>
@@ -3760,7 +3760,7 @@
         <p:spPr>
           <a:xfrm>
             <a:off x="685800" y="4400640"/>
-            <a:ext cx="5482080" cy="3596040"/>
+            <a:ext cx="5481720" cy="3595680"/>
           </a:xfrm>
           <a:prstGeom prst="rect">
             <a:avLst/>
@@ -3800,7 +3800,7 @@
         <p:spPr>
           <a:xfrm>
             <a:off x="3884760" y="8685360"/>
-            <a:ext cx="2967480" cy="454320"/>
+            <a:ext cx="2967120" cy="453960"/>
           </a:xfrm>
           <a:prstGeom prst="rect">
             <a:avLst/>
@@ -3841,7 +3841,7 @@
                 <a:tab algn="l" pos="0"/>
               </a:tabLst>
             </a:pPr>
-            <a:fld id="{6B743E81-4362-4159-B4FC-0CC0CF674A6B}" type="slidenum">
+            <a:fld id="{F18B6167-53EB-48D6-ADB0-966163289B13}" type="slidenum">
               <a:rPr b="0" lang="en-US" sz="1200" spc="-1" strike="noStrike">
                 <a:solidFill>
                   <a:srgbClr val="000000"/>
@@ -3894,7 +3894,7 @@
         <p:spPr>
           <a:xfrm>
             <a:off x="685800" y="1143000"/>
-            <a:ext cx="5482080" cy="3081960"/>
+            <a:ext cx="5481720" cy="3081600"/>
           </a:xfrm>
           <a:prstGeom prst="rect">
             <a:avLst/>
@@ -3917,7 +3917,7 @@
         <p:spPr>
           <a:xfrm>
             <a:off x="685800" y="4400640"/>
-            <a:ext cx="5482080" cy="3596040"/>
+            <a:ext cx="5481720" cy="3595680"/>
           </a:xfrm>
           <a:prstGeom prst="rect">
             <a:avLst/>
@@ -3957,7 +3957,7 @@
         <p:spPr>
           <a:xfrm>
             <a:off x="3884760" y="8685360"/>
-            <a:ext cx="2967480" cy="454320"/>
+            <a:ext cx="2967120" cy="453960"/>
           </a:xfrm>
           <a:prstGeom prst="rect">
             <a:avLst/>
@@ -3998,7 +3998,7 @@
                 <a:tab algn="l" pos="0"/>
               </a:tabLst>
             </a:pPr>
-            <a:fld id="{91A83AEC-3C93-43C1-BBD3-FCB70E6F8763}" type="slidenum">
+            <a:fld id="{6D2B3F9F-5230-4639-ACAA-B947E23779A7}" type="slidenum">
               <a:rPr b="0" lang="en-US" sz="1200" spc="-1" strike="noStrike">
                 <a:solidFill>
                   <a:srgbClr val="000000"/>
@@ -6984,7 +6984,7 @@
         <p:spPr>
           <a:xfrm>
             <a:off x="-1623960" y="0"/>
-            <a:ext cx="13819680" cy="6864120"/>
+            <a:ext cx="13819320" cy="6863760"/>
           </a:xfrm>
           <a:prstGeom prst="rect">
             <a:avLst/>
@@ -7003,7 +7003,7 @@
         <p:spPr>
           <a:xfrm>
             <a:off x="6084000" y="0"/>
-            <a:ext cx="5585760" cy="6853680"/>
+            <a:ext cx="5585400" cy="6853320"/>
           </a:xfrm>
           <a:prstGeom prst="rect">
             <a:avLst/>
@@ -7061,7 +7061,7 @@
         <p:spPr>
           <a:xfrm>
             <a:off x="7368480" y="4313880"/>
-            <a:ext cx="3183120" cy="1585440"/>
+            <a:ext cx="3182760" cy="1585080"/>
           </a:xfrm>
           <a:prstGeom prst="rect">
             <a:avLst/>
@@ -7109,25 +7109,7 @@
                 </a:solidFill>
                 <a:latin typeface="Arial"/>
               </a:rPr>
-              <a:t>Click to edit </a:t>
-            </a:r>
-            <a:r>
-              <a:rPr b="0" lang="en-US" sz="1800" spc="-1" strike="noStrike">
-                <a:solidFill>
-                  <a:srgbClr val="000000"/>
-                </a:solidFill>
-                <a:latin typeface="Arial"/>
-              </a:rPr>
-              <a:t>the title text </a:t>
-            </a:r>
-            <a:r>
-              <a:rPr b="0" lang="en-US" sz="1800" spc="-1" strike="noStrike">
-                <a:solidFill>
-                  <a:srgbClr val="000000"/>
-                </a:solidFill>
-                <a:latin typeface="Arial"/>
-              </a:rPr>
-              <a:t>format</a:t>
+              <a:t>Click to edit the title text format</a:t>
             </a:r>
             <a:endParaRPr b="0" lang="en-US" sz="1800" spc="-1" strike="noStrike">
               <a:solidFill>
@@ -7859,7 +7841,7 @@
         <p:spPr>
           <a:xfrm>
             <a:off x="-1623960" y="0"/>
-            <a:ext cx="13819680" cy="6864120"/>
+            <a:ext cx="13819320" cy="6863760"/>
           </a:xfrm>
           <a:prstGeom prst="rect">
             <a:avLst/>
@@ -7878,7 +7860,7 @@
         <p:spPr>
           <a:xfrm>
             <a:off x="6084000" y="0"/>
-            <a:ext cx="5585760" cy="6853680"/>
+            <a:ext cx="5585400" cy="6853320"/>
           </a:xfrm>
           <a:prstGeom prst="rect">
             <a:avLst/>
@@ -7936,7 +7918,7 @@
         <p:spPr>
           <a:xfrm>
             <a:off x="7368480" y="4313880"/>
-            <a:ext cx="3183120" cy="1585440"/>
+            <a:ext cx="3182760" cy="1585080"/>
           </a:xfrm>
           <a:prstGeom prst="rect">
             <a:avLst/>
@@ -8491,7 +8473,7 @@
         <p:spPr>
           <a:xfrm>
             <a:off x="-1623960" y="0"/>
-            <a:ext cx="13819680" cy="6864120"/>
+            <a:ext cx="13819320" cy="6863760"/>
           </a:xfrm>
           <a:prstGeom prst="rect">
             <a:avLst/>
@@ -8510,7 +8492,7 @@
         <p:spPr>
           <a:xfrm>
             <a:off x="6084000" y="0"/>
-            <a:ext cx="5585760" cy="6853680"/>
+            <a:ext cx="5585400" cy="6853320"/>
           </a:xfrm>
           <a:prstGeom prst="rect">
             <a:avLst/>
@@ -8568,7 +8550,7 @@
         <p:spPr>
           <a:xfrm>
             <a:off x="7368480" y="4313880"/>
-            <a:ext cx="3183120" cy="1585440"/>
+            <a:ext cx="3182760" cy="1585080"/>
           </a:xfrm>
           <a:prstGeom prst="rect">
             <a:avLst/>
@@ -8673,7 +8655,7 @@
         <p:spPr>
           <a:xfrm>
             <a:off x="-1623960" y="0"/>
-            <a:ext cx="13819680" cy="6864120"/>
+            <a:ext cx="13819320" cy="6863760"/>
           </a:xfrm>
           <a:prstGeom prst="rect">
             <a:avLst/>
@@ -8692,7 +8674,7 @@
         <p:spPr>
           <a:xfrm>
             <a:off x="6084000" y="0"/>
-            <a:ext cx="5585760" cy="6853680"/>
+            <a:ext cx="5585400" cy="6853320"/>
           </a:xfrm>
           <a:prstGeom prst="rect">
             <a:avLst/>
@@ -8750,7 +8732,7 @@
         <p:spPr>
           <a:xfrm>
             <a:off x="7368480" y="4313880"/>
-            <a:ext cx="3183120" cy="1585440"/>
+            <a:ext cx="3182760" cy="1585080"/>
           </a:xfrm>
           <a:prstGeom prst="rect">
             <a:avLst/>
@@ -8806,7 +8788,7 @@
         <p:spPr>
           <a:xfrm>
             <a:off x="-1623960" y="0"/>
-            <a:ext cx="13819680" cy="6864120"/>
+            <a:ext cx="13819320" cy="6863760"/>
           </a:xfrm>
           <a:prstGeom prst="rect">
             <a:avLst/>
@@ -8825,7 +8807,7 @@
         <p:spPr>
           <a:xfrm>
             <a:off x="6084000" y="0"/>
-            <a:ext cx="5585760" cy="6853680"/>
+            <a:ext cx="5585400" cy="6853320"/>
           </a:xfrm>
           <a:prstGeom prst="rect">
             <a:avLst/>
@@ -8883,7 +8865,7 @@
         <p:spPr>
           <a:xfrm>
             <a:off x="7368480" y="4313880"/>
-            <a:ext cx="3183120" cy="1585440"/>
+            <a:ext cx="3182760" cy="1585080"/>
           </a:xfrm>
           <a:prstGeom prst="rect">
             <a:avLst/>
@@ -9663,7 +9645,7 @@
         <p:spPr>
           <a:xfrm>
             <a:off x="-1623960" y="0"/>
-            <a:ext cx="13819680" cy="6864120"/>
+            <a:ext cx="13819320" cy="6863760"/>
           </a:xfrm>
           <a:prstGeom prst="rect">
             <a:avLst/>
@@ -9682,7 +9664,7 @@
         <p:spPr>
           <a:xfrm>
             <a:off x="6084000" y="0"/>
-            <a:ext cx="5585760" cy="6853680"/>
+            <a:ext cx="5585400" cy="6853320"/>
           </a:xfrm>
           <a:prstGeom prst="rect">
             <a:avLst/>
@@ -9740,7 +9722,7 @@
         <p:spPr>
           <a:xfrm>
             <a:off x="7368480" y="4313880"/>
-            <a:ext cx="3183120" cy="1585440"/>
+            <a:ext cx="3182760" cy="1585080"/>
           </a:xfrm>
           <a:prstGeom prst="rect">
             <a:avLst/>
@@ -10520,7 +10502,7 @@
         <p:spPr>
           <a:xfrm>
             <a:off x="-1623960" y="0"/>
-            <a:ext cx="13819680" cy="6864120"/>
+            <a:ext cx="13819320" cy="6863760"/>
           </a:xfrm>
           <a:prstGeom prst="rect">
             <a:avLst/>
@@ -10539,7 +10521,7 @@
         <p:spPr>
           <a:xfrm>
             <a:off x="6084000" y="0"/>
-            <a:ext cx="5585760" cy="6853680"/>
+            <a:ext cx="5585400" cy="6853320"/>
           </a:xfrm>
           <a:prstGeom prst="rect">
             <a:avLst/>
@@ -10597,7 +10579,7 @@
         <p:spPr>
           <a:xfrm>
             <a:off x="7368480" y="4313880"/>
-            <a:ext cx="3183120" cy="1585440"/>
+            <a:ext cx="3182760" cy="1585080"/>
           </a:xfrm>
           <a:prstGeom prst="rect">
             <a:avLst/>
@@ -11377,7 +11359,7 @@
         <p:spPr>
           <a:xfrm>
             <a:off x="-1623960" y="0"/>
-            <a:ext cx="13819680" cy="6864120"/>
+            <a:ext cx="13819320" cy="6863760"/>
           </a:xfrm>
           <a:prstGeom prst="rect">
             <a:avLst/>
@@ -11396,7 +11378,7 @@
         <p:spPr>
           <a:xfrm>
             <a:off x="6084000" y="0"/>
-            <a:ext cx="5585760" cy="6853680"/>
+            <a:ext cx="5585400" cy="6853320"/>
           </a:xfrm>
           <a:prstGeom prst="rect">
             <a:avLst/>
@@ -11454,7 +11436,7 @@
         <p:spPr>
           <a:xfrm>
             <a:off x="7368480" y="4313880"/>
-            <a:ext cx="3183120" cy="1585440"/>
+            <a:ext cx="3182760" cy="1585080"/>
           </a:xfrm>
           <a:prstGeom prst="rect">
             <a:avLst/>
@@ -12009,7 +11991,7 @@
         <p:spPr>
           <a:xfrm>
             <a:off x="-1623960" y="0"/>
-            <a:ext cx="13819680" cy="6864120"/>
+            <a:ext cx="13819320" cy="6863760"/>
           </a:xfrm>
           <a:prstGeom prst="rect">
             <a:avLst/>
@@ -12028,7 +12010,7 @@
         <p:spPr>
           <a:xfrm>
             <a:off x="6084000" y="0"/>
-            <a:ext cx="5585760" cy="6853680"/>
+            <a:ext cx="5585400" cy="6853320"/>
           </a:xfrm>
           <a:prstGeom prst="rect">
             <a:avLst/>
@@ -12086,7 +12068,7 @@
         <p:spPr>
           <a:xfrm>
             <a:off x="7368480" y="4313880"/>
-            <a:ext cx="3183120" cy="1585440"/>
+            <a:ext cx="3182760" cy="1585080"/>
           </a:xfrm>
           <a:prstGeom prst="rect">
             <a:avLst/>
@@ -13091,7 +13073,7 @@
         <p:spPr>
           <a:xfrm>
             <a:off x="-1623960" y="0"/>
-            <a:ext cx="13819680" cy="6864120"/>
+            <a:ext cx="13819320" cy="6863760"/>
           </a:xfrm>
           <a:prstGeom prst="rect">
             <a:avLst/>
@@ -13110,7 +13092,7 @@
         <p:spPr>
           <a:xfrm>
             <a:off x="6084000" y="0"/>
-            <a:ext cx="5585760" cy="6853680"/>
+            <a:ext cx="5585400" cy="6853320"/>
           </a:xfrm>
           <a:prstGeom prst="rect">
             <a:avLst/>
@@ -13168,7 +13150,7 @@
         <p:spPr>
           <a:xfrm>
             <a:off x="7368480" y="4313880"/>
-            <a:ext cx="3183120" cy="1585440"/>
+            <a:ext cx="3182760" cy="1585080"/>
           </a:xfrm>
           <a:prstGeom prst="rect">
             <a:avLst/>
@@ -13224,7 +13206,7 @@
         <p:spPr>
           <a:xfrm>
             <a:off x="-1623960" y="0"/>
-            <a:ext cx="13819680" cy="6864120"/>
+            <a:ext cx="13819320" cy="6863760"/>
           </a:xfrm>
           <a:prstGeom prst="rect">
             <a:avLst/>
@@ -13243,7 +13225,7 @@
         <p:spPr>
           <a:xfrm>
             <a:off x="6084000" y="0"/>
-            <a:ext cx="5585760" cy="6853680"/>
+            <a:ext cx="5585400" cy="6853320"/>
           </a:xfrm>
           <a:prstGeom prst="rect">
             <a:avLst/>
@@ -13301,7 +13283,7 @@
         <p:spPr>
           <a:xfrm>
             <a:off x="7368480" y="4313880"/>
-            <a:ext cx="3183120" cy="1585440"/>
+            <a:ext cx="3182760" cy="1585080"/>
           </a:xfrm>
           <a:prstGeom prst="rect">
             <a:avLst/>
@@ -13631,7 +13613,7 @@
         <p:spPr>
           <a:xfrm>
             <a:off x="-1623960" y="0"/>
-            <a:ext cx="13819680" cy="6864120"/>
+            <a:ext cx="13819320" cy="6863760"/>
           </a:xfrm>
           <a:prstGeom prst="rect">
             <a:avLst/>
@@ -13650,7 +13632,7 @@
         <p:spPr>
           <a:xfrm>
             <a:off x="6084000" y="0"/>
-            <a:ext cx="5585760" cy="6853680"/>
+            <a:ext cx="5585400" cy="6853320"/>
           </a:xfrm>
           <a:prstGeom prst="rect">
             <a:avLst/>
@@ -13708,7 +13690,7 @@
         <p:spPr>
           <a:xfrm>
             <a:off x="7368480" y="4313880"/>
-            <a:ext cx="3183120" cy="1585440"/>
+            <a:ext cx="3182760" cy="1585080"/>
           </a:xfrm>
           <a:prstGeom prst="rect">
             <a:avLst/>
@@ -13756,25 +13738,7 @@
                 </a:solidFill>
                 <a:latin typeface="Arial"/>
               </a:rPr>
-              <a:t>Click to edit </a:t>
-            </a:r>
-            <a:r>
-              <a:rPr b="0" lang="en-US" sz="1800" spc="-1" strike="noStrike">
-                <a:solidFill>
-                  <a:srgbClr val="000000"/>
-                </a:solidFill>
-                <a:latin typeface="Arial"/>
-              </a:rPr>
-              <a:t>the title text </a:t>
-            </a:r>
-            <a:r>
-              <a:rPr b="0" lang="en-US" sz="1800" spc="-1" strike="noStrike">
-                <a:solidFill>
-                  <a:srgbClr val="000000"/>
-                </a:solidFill>
-                <a:latin typeface="Arial"/>
-              </a:rPr>
-              <a:t>format</a:t>
+              <a:t>Click to edit the title text format</a:t>
             </a:r>
             <a:endParaRPr b="0" lang="en-US" sz="1800" spc="-1" strike="noStrike">
               <a:solidFill>
@@ -14506,7 +14470,7 @@
         <p:spPr>
           <a:xfrm>
             <a:off x="-1623960" y="0"/>
-            <a:ext cx="13819680" cy="6864120"/>
+            <a:ext cx="13819320" cy="6863760"/>
           </a:xfrm>
           <a:prstGeom prst="rect">
             <a:avLst/>
@@ -14525,7 +14489,7 @@
         <p:spPr>
           <a:xfrm>
             <a:off x="6084000" y="0"/>
-            <a:ext cx="5585760" cy="6853680"/>
+            <a:ext cx="5585400" cy="6853320"/>
           </a:xfrm>
           <a:prstGeom prst="rect">
             <a:avLst/>
@@ -14583,7 +14547,7 @@
         <p:spPr>
           <a:xfrm>
             <a:off x="7368480" y="4313880"/>
-            <a:ext cx="3183120" cy="1585440"/>
+            <a:ext cx="3182760" cy="1585080"/>
           </a:xfrm>
           <a:prstGeom prst="rect">
             <a:avLst/>
@@ -14913,7 +14877,7 @@
         <p:spPr>
           <a:xfrm>
             <a:off x="-1623960" y="0"/>
-            <a:ext cx="13819680" cy="6864120"/>
+            <a:ext cx="13819320" cy="6863760"/>
           </a:xfrm>
           <a:prstGeom prst="rect">
             <a:avLst/>
@@ -14932,7 +14896,7 @@
         <p:spPr>
           <a:xfrm>
             <a:off x="6084000" y="0"/>
-            <a:ext cx="5585760" cy="6853680"/>
+            <a:ext cx="5585400" cy="6853320"/>
           </a:xfrm>
           <a:prstGeom prst="rect">
             <a:avLst/>
@@ -14990,7 +14954,7 @@
         <p:spPr>
           <a:xfrm>
             <a:off x="7368480" y="4313880"/>
-            <a:ext cx="3183120" cy="1585440"/>
+            <a:ext cx="3182760" cy="1585080"/>
           </a:xfrm>
           <a:prstGeom prst="rect">
             <a:avLst/>
@@ -15320,7 +15284,7 @@
         <p:spPr>
           <a:xfrm>
             <a:off x="-1623960" y="0"/>
-            <a:ext cx="13819680" cy="6864120"/>
+            <a:ext cx="13819320" cy="6863760"/>
           </a:xfrm>
           <a:prstGeom prst="rect">
             <a:avLst/>
@@ -15339,7 +15303,7 @@
         <p:spPr>
           <a:xfrm>
             <a:off x="6084000" y="0"/>
-            <a:ext cx="5585760" cy="6853680"/>
+            <a:ext cx="5585400" cy="6853320"/>
           </a:xfrm>
           <a:prstGeom prst="rect">
             <a:avLst/>
@@ -15397,7 +15361,7 @@
         <p:spPr>
           <a:xfrm>
             <a:off x="7368480" y="4313880"/>
-            <a:ext cx="3183120" cy="1585440"/>
+            <a:ext cx="3182760" cy="1585080"/>
           </a:xfrm>
           <a:prstGeom prst="rect">
             <a:avLst/>
@@ -15952,7 +15916,7 @@
         <p:spPr>
           <a:xfrm>
             <a:off x="-1623960" y="0"/>
-            <a:ext cx="13819680" cy="6864120"/>
+            <a:ext cx="13819320" cy="6863760"/>
           </a:xfrm>
           <a:prstGeom prst="rect">
             <a:avLst/>
@@ -15971,7 +15935,7 @@
         <p:spPr>
           <a:xfrm>
             <a:off x="6084000" y="0"/>
-            <a:ext cx="5585760" cy="6853680"/>
+            <a:ext cx="5585400" cy="6853320"/>
           </a:xfrm>
           <a:prstGeom prst="rect">
             <a:avLst/>
@@ -16029,7 +15993,7 @@
         <p:spPr>
           <a:xfrm>
             <a:off x="7368480" y="4313880"/>
-            <a:ext cx="3183120" cy="1585440"/>
+            <a:ext cx="3182760" cy="1585080"/>
           </a:xfrm>
           <a:prstGeom prst="rect">
             <a:avLst/>
@@ -16134,7 +16098,7 @@
         <p:spPr>
           <a:xfrm>
             <a:off x="-1623960" y="0"/>
-            <a:ext cx="13819680" cy="6864120"/>
+            <a:ext cx="13819320" cy="6863760"/>
           </a:xfrm>
           <a:prstGeom prst="rect">
             <a:avLst/>
@@ -16153,7 +16117,7 @@
         <p:spPr>
           <a:xfrm>
             <a:off x="6084000" y="0"/>
-            <a:ext cx="5585760" cy="6853680"/>
+            <a:ext cx="5585400" cy="6853320"/>
           </a:xfrm>
           <a:prstGeom prst="rect">
             <a:avLst/>
@@ -16211,7 +16175,7 @@
         <p:spPr>
           <a:xfrm>
             <a:off x="7368480" y="4313880"/>
-            <a:ext cx="3183120" cy="1585440"/>
+            <a:ext cx="3182760" cy="1585080"/>
           </a:xfrm>
           <a:prstGeom prst="rect">
             <a:avLst/>
@@ -16267,7 +16231,7 @@
         <p:spPr>
           <a:xfrm>
             <a:off x="-1623960" y="0"/>
-            <a:ext cx="13819680" cy="6864120"/>
+            <a:ext cx="13819320" cy="6863760"/>
           </a:xfrm>
           <a:prstGeom prst="rect">
             <a:avLst/>
@@ -16286,7 +16250,7 @@
         <p:spPr>
           <a:xfrm>
             <a:off x="6084000" y="0"/>
-            <a:ext cx="5585760" cy="6853680"/>
+            <a:ext cx="5585400" cy="6853320"/>
           </a:xfrm>
           <a:prstGeom prst="rect">
             <a:avLst/>
@@ -16344,7 +16308,7 @@
         <p:spPr>
           <a:xfrm>
             <a:off x="7368480" y="4313880"/>
-            <a:ext cx="3183120" cy="1585440"/>
+            <a:ext cx="3182760" cy="1585080"/>
           </a:xfrm>
           <a:prstGeom prst="rect">
             <a:avLst/>
@@ -16981,7 +16945,7 @@
         <p:spPr>
           <a:xfrm>
             <a:off x="-1623960" y="0"/>
-            <a:ext cx="13819680" cy="6864120"/>
+            <a:ext cx="13819320" cy="6863760"/>
           </a:xfrm>
           <a:prstGeom prst="rect">
             <a:avLst/>
@@ -17000,7 +16964,7 @@
         <p:spPr>
           <a:xfrm>
             <a:off x="6084000" y="0"/>
-            <a:ext cx="5585760" cy="6853680"/>
+            <a:ext cx="5585400" cy="6853320"/>
           </a:xfrm>
           <a:prstGeom prst="rect">
             <a:avLst/>
@@ -17058,7 +17022,7 @@
         <p:spPr>
           <a:xfrm>
             <a:off x="7368480" y="4313880"/>
-            <a:ext cx="3183120" cy="1585440"/>
+            <a:ext cx="3182760" cy="1585080"/>
           </a:xfrm>
           <a:prstGeom prst="rect">
             <a:avLst/>
@@ -17838,7 +17802,7 @@
         <p:spPr>
           <a:xfrm>
             <a:off x="-1623960" y="0"/>
-            <a:ext cx="13819680" cy="6864120"/>
+            <a:ext cx="13819320" cy="6863760"/>
           </a:xfrm>
           <a:prstGeom prst="rect">
             <a:avLst/>
@@ -17857,7 +17821,7 @@
         <p:spPr>
           <a:xfrm>
             <a:off x="6084000" y="0"/>
-            <a:ext cx="5585760" cy="6853680"/>
+            <a:ext cx="5585400" cy="6853320"/>
           </a:xfrm>
           <a:prstGeom prst="rect">
             <a:avLst/>
@@ -17915,7 +17879,7 @@
         <p:spPr>
           <a:xfrm>
             <a:off x="7368480" y="4313880"/>
-            <a:ext cx="3183120" cy="1585440"/>
+            <a:ext cx="3182760" cy="1585080"/>
           </a:xfrm>
           <a:prstGeom prst="rect">
             <a:avLst/>
@@ -18470,7 +18434,7 @@
         <p:spPr>
           <a:xfrm>
             <a:off x="-1623960" y="0"/>
-            <a:ext cx="13819680" cy="6864120"/>
+            <a:ext cx="13819320" cy="6863760"/>
           </a:xfrm>
           <a:prstGeom prst="rect">
             <a:avLst/>
@@ -18489,7 +18453,7 @@
         <p:spPr>
           <a:xfrm>
             <a:off x="6084000" y="0"/>
-            <a:ext cx="5585760" cy="6853680"/>
+            <a:ext cx="5585400" cy="6853320"/>
           </a:xfrm>
           <a:prstGeom prst="rect">
             <a:avLst/>
@@ -18547,7 +18511,7 @@
         <p:spPr>
           <a:xfrm>
             <a:off x="7368480" y="4313880"/>
-            <a:ext cx="3183120" cy="1585440"/>
+            <a:ext cx="3182760" cy="1585080"/>
           </a:xfrm>
           <a:prstGeom prst="rect">
             <a:avLst/>
@@ -19552,7 +19516,7 @@
         <p:spPr>
           <a:xfrm>
             <a:off x="-1623960" y="0"/>
-            <a:ext cx="13819680" cy="6864120"/>
+            <a:ext cx="13819320" cy="6863760"/>
           </a:xfrm>
           <a:prstGeom prst="rect">
             <a:avLst/>
@@ -19571,7 +19535,7 @@
         <p:spPr>
           <a:xfrm>
             <a:off x="6084000" y="0"/>
-            <a:ext cx="5585760" cy="6853680"/>
+            <a:ext cx="5585400" cy="6853320"/>
           </a:xfrm>
           <a:prstGeom prst="rect">
             <a:avLst/>
@@ -19629,7 +19593,7 @@
         <p:spPr>
           <a:xfrm>
             <a:off x="7368480" y="4313880"/>
-            <a:ext cx="3183120" cy="1585440"/>
+            <a:ext cx="3182760" cy="1585080"/>
           </a:xfrm>
           <a:prstGeom prst="rect">
             <a:avLst/>
@@ -19685,7 +19649,7 @@
         <p:spPr>
           <a:xfrm>
             <a:off x="-1623960" y="0"/>
-            <a:ext cx="13819680" cy="6864120"/>
+            <a:ext cx="13819320" cy="6863760"/>
           </a:xfrm>
           <a:prstGeom prst="rect">
             <a:avLst/>
@@ -19704,7 +19668,7 @@
         <p:spPr>
           <a:xfrm>
             <a:off x="6084000" y="0"/>
-            <a:ext cx="5585760" cy="6853680"/>
+            <a:ext cx="5585400" cy="6853320"/>
           </a:xfrm>
           <a:prstGeom prst="rect">
             <a:avLst/>
@@ -19762,7 +19726,7 @@
         <p:spPr>
           <a:xfrm>
             <a:off x="7368480" y="4313880"/>
-            <a:ext cx="3183120" cy="1585440"/>
+            <a:ext cx="3182760" cy="1585080"/>
           </a:xfrm>
           <a:prstGeom prst="rect">
             <a:avLst/>
@@ -20092,7 +20056,7 @@
         <p:spPr>
           <a:xfrm>
             <a:off x="-1623960" y="0"/>
-            <a:ext cx="13819680" cy="6864120"/>
+            <a:ext cx="13819320" cy="6863760"/>
           </a:xfrm>
           <a:prstGeom prst="rect">
             <a:avLst/>
@@ -20111,7 +20075,7 @@
         <p:spPr>
           <a:xfrm>
             <a:off x="6084000" y="0"/>
-            <a:ext cx="5585760" cy="6853680"/>
+            <a:ext cx="5585400" cy="6853320"/>
           </a:xfrm>
           <a:prstGeom prst="rect">
             <a:avLst/>
@@ -20169,7 +20133,7 @@
         <p:spPr>
           <a:xfrm>
             <a:off x="7368480" y="4313880"/>
-            <a:ext cx="3183120" cy="1585440"/>
+            <a:ext cx="3182760" cy="1585080"/>
           </a:xfrm>
           <a:prstGeom prst="rect">
             <a:avLst/>
@@ -20499,7 +20463,7 @@
         <p:spPr>
           <a:xfrm>
             <a:off x="-1623960" y="0"/>
-            <a:ext cx="13819680" cy="6864120"/>
+            <a:ext cx="13819320" cy="6863760"/>
           </a:xfrm>
           <a:prstGeom prst="rect">
             <a:avLst/>
@@ -20518,7 +20482,7 @@
         <p:spPr>
           <a:xfrm>
             <a:off x="6084000" y="0"/>
-            <a:ext cx="5585760" cy="6853680"/>
+            <a:ext cx="5585400" cy="6853320"/>
           </a:xfrm>
           <a:prstGeom prst="rect">
             <a:avLst/>
@@ -20576,7 +20540,7 @@
         <p:spPr>
           <a:xfrm>
             <a:off x="7368480" y="4313880"/>
-            <a:ext cx="3183120" cy="1585440"/>
+            <a:ext cx="3182760" cy="1585080"/>
           </a:xfrm>
           <a:prstGeom prst="rect">
             <a:avLst/>
@@ -20906,7 +20870,7 @@
         <p:spPr>
           <a:xfrm>
             <a:off x="1982520" y="20520"/>
-            <a:ext cx="8223120" cy="6293520"/>
+            <a:ext cx="8222760" cy="6293160"/>
           </a:xfrm>
           <a:prstGeom prst="rect">
             <a:avLst/>
@@ -21147,7 +21111,7 @@
         <p:spPr>
           <a:xfrm>
             <a:off x="2056680" y="-74160"/>
-            <a:ext cx="8223120" cy="1215360"/>
+            <a:ext cx="8222760" cy="1215000"/>
           </a:xfrm>
           <a:prstGeom prst="rect">
             <a:avLst/>
@@ -21246,7 +21210,7 @@
         <p:spPr>
           <a:xfrm>
             <a:off x="11721960" y="6430680"/>
-            <a:ext cx="3822120" cy="426600"/>
+            <a:ext cx="3821760" cy="426240"/>
           </a:xfrm>
           <a:prstGeom prst="rect">
             <a:avLst/>
@@ -21304,7 +21268,7 @@
         <p:spPr>
           <a:xfrm>
             <a:off x="5237640" y="1326240"/>
-            <a:ext cx="1713240" cy="959040"/>
+            <a:ext cx="1712880" cy="958680"/>
           </a:xfrm>
           <a:prstGeom prst="rect">
             <a:avLst/>
@@ -21366,7 +21330,7 @@
         <p:spPr>
           <a:xfrm>
             <a:off x="5408640" y="3236400"/>
-            <a:ext cx="1370880" cy="456480"/>
+            <a:ext cx="1370520" cy="456120"/>
           </a:xfrm>
           <a:prstGeom prst="roundRect">
             <a:avLst>
@@ -21469,7 +21433,7 @@
         <p:spPr>
           <a:xfrm>
             <a:off x="5411160" y="2525760"/>
-            <a:ext cx="1370880" cy="456480"/>
+            <a:ext cx="1370520" cy="456120"/>
           </a:xfrm>
           <a:prstGeom prst="roundRect">
             <a:avLst>
@@ -21572,7 +21536,7 @@
         <p:spPr>
           <a:xfrm>
             <a:off x="5409000" y="3956760"/>
-            <a:ext cx="1370880" cy="456480"/>
+            <a:ext cx="1370520" cy="456120"/>
           </a:xfrm>
           <a:prstGeom prst="roundRect">
             <a:avLst>
@@ -21679,7 +21643,7 @@
         <p:spPr>
           <a:xfrm>
             <a:off x="5366160" y="4726800"/>
-            <a:ext cx="1456200" cy="1456200"/>
+            <a:ext cx="1455840" cy="1455840"/>
           </a:xfrm>
           <a:prstGeom prst="rect">
             <a:avLst/>
@@ -21697,8 +21661,8 @@
         </p:nvSpPr>
         <p:spPr>
           <a:xfrm>
-            <a:off x="5571720" y="4996440"/>
-            <a:ext cx="1106280" cy="595800"/>
+            <a:off x="5535720" y="4996440"/>
+            <a:ext cx="1105920" cy="595440"/>
           </a:xfrm>
           <a:prstGeom prst="rect">
             <a:avLst/>
@@ -21732,7 +21696,7 @@
                 <a:latin typeface="Times New Roman"/>
                 <a:ea typeface="DejaVu Sans"/>
               </a:rPr>
-              <a:t>updated</a:t>
+              <a:t>Updated</a:t>
             </a:r>
             <a:endParaRPr b="0" lang="en-US" sz="1800" spc="-1" strike="noStrike">
               <a:solidFill>
@@ -21752,7 +21716,7 @@
         <p:spPr>
           <a:xfrm>
             <a:off x="6400800" y="228600"/>
-            <a:ext cx="2285280" cy="913680"/>
+            <a:ext cx="2284920" cy="913320"/>
           </a:xfrm>
           <a:prstGeom prst="wedgeEllipseCallout">
             <a:avLst>
@@ -21799,7 +21763,7 @@
               <a:solidFill>
                 <a:srgbClr val="000000"/>
               </a:solidFill>
-              <a:latin typeface="Times New Roman"/>
+              <a:latin typeface="Arial"/>
             </a:endParaRPr>
           </a:p>
         </p:txBody>
@@ -21813,7 +21777,7 @@
         <p:spPr>
           <a:xfrm flipH="1">
             <a:off x="2285640" y="4114800"/>
-            <a:ext cx="3123000" cy="984240"/>
+            <a:ext cx="3122640" cy="983880"/>
           </a:xfrm>
           <a:prstGeom prst="wedgeEllipseCallout">
             <a:avLst>
@@ -21822,7 +21786,7 @@
             </a:avLst>
           </a:prstGeom>
           <a:solidFill>
-            <a:srgbClr val="729fcf"/>
+            <a:srgbClr val="77bc65"/>
           </a:solidFill>
           <a:ln w="0">
             <a:solidFill>
@@ -21841,13 +21805,18 @@
             <a:noAutofit/>
           </a:bodyPr>
           <a:p>
-            <a:pPr algn="ctr"/>
+            <a:pPr algn="ctr">
+              <a:lnSpc>
+                <a:spcPct val="100000"/>
+              </a:lnSpc>
+            </a:pPr>
             <a:r>
               <a:rPr b="0" lang="en-US" sz="1800" spc="-1" strike="noStrike">
                 <a:solidFill>
                   <a:srgbClr val="000000"/>
                 </a:solidFill>
                 <a:latin typeface="Times New Roman"/>
+                <a:ea typeface="DejaVu Sans"/>
               </a:rPr>
               <a:t>Which means I need to </a:t>
             </a:r>
@@ -21857,6 +21826,7 @@
                   <a:srgbClr val="000000"/>
                 </a:solidFill>
                 <a:latin typeface="Times New Roman"/>
+                <a:ea typeface="DejaVu Sans"/>
               </a:rPr>
               <a:t>pull</a:t>
             </a:r>
@@ -21866,6 +21836,7 @@
                   <a:srgbClr val="000000"/>
                 </a:solidFill>
                 <a:latin typeface="Times New Roman"/>
+                <a:ea typeface="DejaVu Sans"/>
               </a:rPr>
               <a:t> those changes</a:t>
             </a:r>
@@ -21873,7 +21844,7 @@
               <a:solidFill>
                 <a:srgbClr val="000000"/>
               </a:solidFill>
-              <a:latin typeface="Times New Roman"/>
+              <a:latin typeface="Arial"/>
             </a:endParaRPr>
           </a:p>
         </p:txBody>
@@ -21886,8 +21857,8 @@
         </p:nvSpPr>
         <p:spPr>
           <a:xfrm rot="5400000">
-            <a:off x="5143320" y="1942920"/>
-            <a:ext cx="3657600" cy="2971800"/>
+            <a:off x="5143680" y="1942920"/>
+            <a:ext cx="3657240" cy="2971440"/>
           </a:xfrm>
           <a:prstGeom prst="circularArrow">
             <a:avLst>
@@ -21901,10 +21872,10 @@
           <a:gradFill rotWithShape="0">
             <a:gsLst>
               <a:gs pos="0">
-                <a:srgbClr val="4472c4"/>
+                <a:srgbClr val="77bc65"/>
               </a:gs>
               <a:gs pos="100000">
-                <a:srgbClr val="325490"/>
+                <a:srgbClr val="77bc65"/>
               </a:gs>
             </a:gsLst>
             <a:lin ang="9000000"/>
@@ -21924,6 +21895,11 @@
             <a:noAutofit/>
           </a:bodyPr>
           <a:p>
+            <a:pPr>
+              <a:lnSpc>
+                <a:spcPct val="100000"/>
+              </a:lnSpc>
+            </a:pPr>
             <a:endParaRPr b="0" lang="en-US" sz="1800" spc="-1" strike="noStrike">
               <a:solidFill>
                 <a:srgbClr val="000000"/>
@@ -21977,7 +21953,7 @@
         <p:spPr>
           <a:xfrm>
             <a:off x="2056680" y="-74160"/>
-            <a:ext cx="8223120" cy="1215360"/>
+            <a:ext cx="8222760" cy="1215000"/>
           </a:xfrm>
           <a:prstGeom prst="rect">
             <a:avLst/>
@@ -22018,7 +21994,7 @@
       </p:sp>
       <p:sp>
         <p:nvSpPr>
-          <p:cNvPr id="321" name="Straight Connector 19"/>
+          <p:cNvPr id="321" name="Straight Connector 11"/>
           <p:cNvSpPr/>
           <p:nvPr/>
         </p:nvSpPr>
@@ -22067,7 +22043,7 @@
         <p:spPr>
           <a:xfrm>
             <a:off x="11721960" y="6430680"/>
-            <a:ext cx="3822120" cy="426600"/>
+            <a:ext cx="3821760" cy="426240"/>
           </a:xfrm>
           <a:prstGeom prst="rect">
             <a:avLst/>
@@ -22115,13 +22091,13 @@
       <p:sp>
         <p:nvSpPr>
           <p:cNvPr id="323" name=""/>
-          <p:cNvSpPr txBox="1"/>
+          <p:cNvSpPr/>
           <p:nvPr/>
         </p:nvSpPr>
         <p:spPr>
           <a:xfrm>
             <a:off x="569160" y="1371600"/>
-            <a:ext cx="11050560" cy="5257800"/>
+            <a:ext cx="11050200" cy="5257440"/>
           </a:xfrm>
           <a:prstGeom prst="rect">
             <a:avLst/>
@@ -22131,12 +22107,22 @@
             <a:noFill/>
           </a:ln>
         </p:spPr>
+        <p:style>
+          <a:lnRef idx="0"/>
+          <a:fillRef idx="0"/>
+          <a:effectRef idx="0"/>
+          <a:fontRef idx="minor"/>
+        </p:style>
         <p:txBody>
           <a:bodyPr lIns="90000" rIns="90000" tIns="45000" bIns="45000" anchor="t">
             <a:noAutofit/>
           </a:bodyPr>
           <a:p>
-            <a:pPr algn="ctr"/>
+            <a:pPr algn="ctr">
+              <a:lnSpc>
+                <a:spcPct val="100000"/>
+              </a:lnSpc>
+            </a:pPr>
             <a:r>
               <a:rPr b="0" lang="en-US" sz="3200" spc="-1" strike="noStrike">
                 <a:solidFill>
@@ -22144,85 +22130,61 @@
                 </a:solidFill>
                 <a:latin typeface="Times New Roman"/>
               </a:rPr>
-              <a:t>This is starting to get convoluted.</a:t>
+              <a:t>“</a:t>
+            </a:r>
+            <a:r>
+              <a:rPr b="0" lang="en-US" sz="3200" spc="-1" strike="noStrike">
+                <a:solidFill>
+                  <a:srgbClr val="000000"/>
+                </a:solidFill>
+                <a:latin typeface="Times New Roman"/>
+              </a:rPr>
+              <a:t>This is starting to get convoluted.”</a:t>
             </a:r>
             <a:endParaRPr b="0" lang="en-US" sz="3200" spc="-1" strike="noStrike">
               <a:solidFill>
                 <a:srgbClr val="000000"/>
               </a:solidFill>
-              <a:latin typeface="Times New Roman"/>
-            </a:endParaRPr>
-          </a:p>
-          <a:p>
-            <a:pPr algn="ctr"/>
+              <a:latin typeface="Arial"/>
+            </a:endParaRPr>
+          </a:p>
+          <a:p>
+            <a:pPr algn="ctr">
+              <a:lnSpc>
+                <a:spcPct val="100000"/>
+              </a:lnSpc>
+            </a:pPr>
             <a:endParaRPr b="0" lang="en-US" sz="3200" spc="-1" strike="noStrike">
               <a:solidFill>
                 <a:srgbClr val="000000"/>
               </a:solidFill>
-              <a:latin typeface="Times New Roman"/>
-            </a:endParaRPr>
-          </a:p>
-          <a:p>
-            <a:pPr algn="ctr"/>
+              <a:latin typeface="Arial"/>
+            </a:endParaRPr>
+          </a:p>
+          <a:p>
+            <a:pPr algn="ctr">
+              <a:lnSpc>
+                <a:spcPct val="100000"/>
+              </a:lnSpc>
+            </a:pPr>
             <a:endParaRPr b="0" lang="en-US" sz="3200" spc="-1" strike="noStrike">
               <a:solidFill>
                 <a:srgbClr val="000000"/>
               </a:solidFill>
-              <a:latin typeface="Times New Roman"/>
-            </a:endParaRPr>
-          </a:p>
-          <a:p>
-            <a:pPr algn="ctr"/>
+              <a:latin typeface="Arial"/>
+            </a:endParaRPr>
+          </a:p>
+          <a:p>
+            <a:pPr algn="ctr">
+              <a:lnSpc>
+                <a:spcPct val="100000"/>
+              </a:lnSpc>
+            </a:pPr>
             <a:endParaRPr b="0" lang="en-US" sz="3200" spc="-1" strike="noStrike">
               <a:solidFill>
                 <a:srgbClr val="000000"/>
               </a:solidFill>
-              <a:latin typeface="Times New Roman"/>
-            </a:endParaRPr>
-          </a:p>
-          <a:p>
-            <a:pPr algn="ctr"/>
-            <a:endParaRPr b="0" lang="en-US" sz="3200" spc="-1" strike="noStrike">
-              <a:solidFill>
-                <a:srgbClr val="000000"/>
-              </a:solidFill>
-              <a:latin typeface="Times New Roman"/>
-            </a:endParaRPr>
-          </a:p>
-          <a:p>
-            <a:pPr algn="ctr"/>
-            <a:endParaRPr b="0" lang="en-US" sz="3200" spc="-1" strike="noStrike">
-              <a:solidFill>
-                <a:srgbClr val="000000"/>
-              </a:solidFill>
-              <a:latin typeface="Times New Roman"/>
-            </a:endParaRPr>
-          </a:p>
-          <a:p>
-            <a:pPr algn="ctr"/>
-            <a:endParaRPr b="0" lang="en-US" sz="3200" spc="-1" strike="noStrike">
-              <a:solidFill>
-                <a:srgbClr val="000000"/>
-              </a:solidFill>
-              <a:latin typeface="Times New Roman"/>
-            </a:endParaRPr>
-          </a:p>
-          <a:p>
-            <a:pPr algn="ctr"/>
-            <a:endParaRPr b="0" lang="en-US" sz="3200" spc="-1" strike="noStrike">
-              <a:solidFill>
-                <a:srgbClr val="000000"/>
-              </a:solidFill>
-              <a:latin typeface="Times New Roman"/>
-            </a:endParaRPr>
-          </a:p>
-          <a:p>
-            <a:pPr algn="ctr"/>
-            <a:endParaRPr b="0" lang="en-US" sz="3200" spc="-1" strike="noStrike">
-              <a:solidFill>
-                <a:srgbClr val="000000"/>
-              </a:solidFill>
-              <a:latin typeface="Times New Roman"/>
+              <a:latin typeface="Arial"/>
             </a:endParaRPr>
           </a:p>
         </p:txBody>
@@ -22270,7 +22232,7 @@
         <p:spPr>
           <a:xfrm>
             <a:off x="2056680" y="-74160"/>
-            <a:ext cx="8223120" cy="1215360"/>
+            <a:ext cx="8222760" cy="1215000"/>
           </a:xfrm>
           <a:prstGeom prst="rect">
             <a:avLst/>
@@ -22360,7 +22322,7 @@
         <p:spPr>
           <a:xfrm>
             <a:off x="11721960" y="6430680"/>
-            <a:ext cx="3822120" cy="426600"/>
+            <a:ext cx="3821760" cy="426240"/>
           </a:xfrm>
           <a:prstGeom prst="rect">
             <a:avLst/>
@@ -22408,13 +22370,13 @@
       <p:sp>
         <p:nvSpPr>
           <p:cNvPr id="327" name=""/>
-          <p:cNvSpPr txBox="1"/>
+          <p:cNvSpPr/>
           <p:nvPr/>
         </p:nvSpPr>
         <p:spPr>
           <a:xfrm>
             <a:off x="569160" y="1371600"/>
-            <a:ext cx="11050560" cy="5257800"/>
+            <a:ext cx="11050200" cy="5257440"/>
           </a:xfrm>
           <a:prstGeom prst="rect">
             <a:avLst/>
@@ -22424,12 +22386,22 @@
             <a:noFill/>
           </a:ln>
         </p:spPr>
+        <p:style>
+          <a:lnRef idx="0"/>
+          <a:fillRef idx="0"/>
+          <a:effectRef idx="0"/>
+          <a:fontRef idx="minor"/>
+        </p:style>
         <p:txBody>
           <a:bodyPr lIns="90000" rIns="90000" tIns="45000" bIns="45000" anchor="t">
             <a:noAutofit/>
           </a:bodyPr>
           <a:p>
-            <a:pPr algn="ctr"/>
+            <a:pPr algn="ctr">
+              <a:lnSpc>
+                <a:spcPct val="100000"/>
+              </a:lnSpc>
+            </a:pPr>
             <a:r>
               <a:rPr b="0" lang="en-US" sz="3200" spc="-1" strike="noStrike">
                 <a:solidFill>
@@ -22437,85 +22409,131 @@
                 </a:solidFill>
                 <a:latin typeface="Times New Roman"/>
               </a:rPr>
-              <a:t>This is starting to get convoluted.</a:t>
+              <a:t>“</a:t>
+            </a:r>
+            <a:r>
+              <a:rPr b="0" lang="en-US" sz="3200" spc="-1" strike="noStrike">
+                <a:solidFill>
+                  <a:srgbClr val="000000"/>
+                </a:solidFill>
+                <a:latin typeface="Times New Roman"/>
+              </a:rPr>
+              <a:t>This is starting to get convoluted.”</a:t>
             </a:r>
             <a:endParaRPr b="0" lang="en-US" sz="3200" spc="-1" strike="noStrike">
               <a:solidFill>
                 <a:srgbClr val="000000"/>
               </a:solidFill>
-              <a:latin typeface="Times New Roman"/>
-            </a:endParaRPr>
-          </a:p>
-          <a:p>
-            <a:pPr algn="ctr"/>
+              <a:latin typeface="Arial"/>
+            </a:endParaRPr>
+          </a:p>
+          <a:p>
+            <a:pPr algn="ctr">
+              <a:lnSpc>
+                <a:spcPct val="100000"/>
+              </a:lnSpc>
+            </a:pPr>
             <a:endParaRPr b="0" lang="en-US" sz="3200" spc="-1" strike="noStrike">
               <a:solidFill>
                 <a:srgbClr val="000000"/>
               </a:solidFill>
-              <a:latin typeface="Times New Roman"/>
-            </a:endParaRPr>
-          </a:p>
-          <a:p>
-            <a:pPr algn="ctr"/>
+              <a:latin typeface="Arial"/>
+            </a:endParaRPr>
+          </a:p>
+          <a:p>
+            <a:pPr algn="ctr">
+              <a:lnSpc>
+                <a:spcPct val="100000"/>
+              </a:lnSpc>
+            </a:pPr>
             <a:endParaRPr b="0" lang="en-US" sz="3200" spc="-1" strike="noStrike">
               <a:solidFill>
                 <a:srgbClr val="000000"/>
               </a:solidFill>
-              <a:latin typeface="Times New Roman"/>
-            </a:endParaRPr>
-          </a:p>
-          <a:p>
-            <a:pPr algn="ctr"/>
+              <a:latin typeface="Arial"/>
+            </a:endParaRPr>
+          </a:p>
+          <a:p>
+            <a:pPr algn="ctr">
+              <a:lnSpc>
+                <a:spcPct val="100000"/>
+              </a:lnSpc>
+            </a:pPr>
             <a:endParaRPr b="0" lang="en-US" sz="3200" spc="-1" strike="noStrike">
               <a:solidFill>
                 <a:srgbClr val="000000"/>
               </a:solidFill>
-              <a:latin typeface="Times New Roman"/>
-            </a:endParaRPr>
-          </a:p>
-          <a:p>
-            <a:pPr algn="ctr"/>
+              <a:latin typeface="Arial"/>
+            </a:endParaRPr>
+          </a:p>
+          <a:p>
+            <a:pPr algn="ctr">
+              <a:lnSpc>
+                <a:spcPct val="100000"/>
+              </a:lnSpc>
+            </a:pPr>
+            <a:r>
+              <a:rPr b="0" lang="en-US" sz="3200" spc="-1" strike="noStrike">
+                <a:solidFill>
+                  <a:srgbClr val="000000"/>
+                </a:solidFill>
+                <a:latin typeface="Times New Roman"/>
+              </a:rPr>
+              <a:t>“</a:t>
+            </a:r>
+            <a:r>
+              <a:rPr b="0" lang="en-US" sz="3200" spc="-1" strike="noStrike">
+                <a:solidFill>
+                  <a:srgbClr val="000000"/>
+                </a:solidFill>
+                <a:latin typeface="Times New Roman"/>
+              </a:rPr>
+              <a:t>Didn’t you say this was all through the ‘terminal’” ?</a:t>
+            </a:r>
             <a:endParaRPr b="0" lang="en-US" sz="3200" spc="-1" strike="noStrike">
               <a:solidFill>
                 <a:srgbClr val="000000"/>
               </a:solidFill>
-              <a:latin typeface="Times New Roman"/>
-            </a:endParaRPr>
-          </a:p>
-          <a:p>
-            <a:pPr algn="ctr"/>
-            <a:r>
-              <a:rPr b="0" lang="en-US" sz="3200" spc="-1" strike="noStrike">
-                <a:solidFill>
-                  <a:srgbClr val="000000"/>
-                </a:solidFill>
-                <a:latin typeface="Times New Roman"/>
-              </a:rPr>
-              <a:t>Didn’t you say this was all through the “terminal” ?</a:t>
-            </a:r>
+              <a:latin typeface="Arial"/>
+            </a:endParaRPr>
+          </a:p>
+          <a:p>
+            <a:pPr algn="ctr">
+              <a:lnSpc>
+                <a:spcPct val="100000"/>
+              </a:lnSpc>
+            </a:pPr>
             <a:endParaRPr b="0" lang="en-US" sz="3200" spc="-1" strike="noStrike">
               <a:solidFill>
                 <a:srgbClr val="000000"/>
               </a:solidFill>
-              <a:latin typeface="Times New Roman"/>
-            </a:endParaRPr>
-          </a:p>
-          <a:p>
-            <a:pPr algn="ctr"/>
+              <a:latin typeface="Arial"/>
+            </a:endParaRPr>
+          </a:p>
+          <a:p>
+            <a:pPr algn="ctr">
+              <a:lnSpc>
+                <a:spcPct val="100000"/>
+              </a:lnSpc>
+            </a:pPr>
             <a:endParaRPr b="0" lang="en-US" sz="3200" spc="-1" strike="noStrike">
               <a:solidFill>
                 <a:srgbClr val="000000"/>
               </a:solidFill>
-              <a:latin typeface="Times New Roman"/>
-            </a:endParaRPr>
-          </a:p>
-          <a:p>
-            <a:pPr algn="ctr"/>
+              <a:latin typeface="Arial"/>
+            </a:endParaRPr>
+          </a:p>
+          <a:p>
+            <a:pPr algn="ctr">
+              <a:lnSpc>
+                <a:spcPct val="100000"/>
+              </a:lnSpc>
+            </a:pPr>
             <a:endParaRPr b="0" lang="en-US" sz="3200" spc="-1" strike="noStrike">
               <a:solidFill>
                 <a:srgbClr val="000000"/>
               </a:solidFill>
-              <a:latin typeface="Times New Roman"/>
+              <a:latin typeface="Arial"/>
             </a:endParaRPr>
           </a:p>
         </p:txBody>
@@ -22563,7 +22581,7 @@
         <p:spPr>
           <a:xfrm>
             <a:off x="2056680" y="-74160"/>
-            <a:ext cx="8223120" cy="1215360"/>
+            <a:ext cx="8222760" cy="1215000"/>
           </a:xfrm>
           <a:prstGeom prst="rect">
             <a:avLst/>
@@ -22604,7 +22622,7 @@
       </p:sp>
       <p:sp>
         <p:nvSpPr>
-          <p:cNvPr id="329" name="Straight Connector 20"/>
+          <p:cNvPr id="329" name="Straight Connector 19"/>
           <p:cNvSpPr/>
           <p:nvPr/>
         </p:nvSpPr>
@@ -22653,7 +22671,7 @@
         <p:spPr>
           <a:xfrm>
             <a:off x="11721960" y="6430680"/>
-            <a:ext cx="3822120" cy="426600"/>
+            <a:ext cx="3821760" cy="426240"/>
           </a:xfrm>
           <a:prstGeom prst="rect">
             <a:avLst/>
@@ -22701,13 +22719,13 @@
       <p:sp>
         <p:nvSpPr>
           <p:cNvPr id="331" name=""/>
-          <p:cNvSpPr txBox="1"/>
+          <p:cNvSpPr/>
           <p:nvPr/>
         </p:nvSpPr>
         <p:spPr>
           <a:xfrm>
             <a:off x="569160" y="1371600"/>
-            <a:ext cx="11050560" cy="5257800"/>
+            <a:ext cx="11050200" cy="5257440"/>
           </a:xfrm>
           <a:prstGeom prst="rect">
             <a:avLst/>
@@ -22717,12 +22735,22 @@
             <a:noFill/>
           </a:ln>
         </p:spPr>
+        <p:style>
+          <a:lnRef idx="0"/>
+          <a:fillRef idx="0"/>
+          <a:effectRef idx="0"/>
+          <a:fontRef idx="minor"/>
+        </p:style>
         <p:txBody>
           <a:bodyPr lIns="90000" rIns="90000" tIns="45000" bIns="45000" anchor="t">
             <a:noAutofit/>
           </a:bodyPr>
           <a:p>
-            <a:pPr algn="ctr"/>
+            <a:pPr algn="ctr">
+              <a:lnSpc>
+                <a:spcPct val="100000"/>
+              </a:lnSpc>
+            </a:pPr>
             <a:r>
               <a:rPr b="0" lang="en-US" sz="3200" spc="-1" strike="noStrike">
                 <a:solidFill>
@@ -22730,53 +22758,126 @@
                 </a:solidFill>
                 <a:latin typeface="Times New Roman"/>
               </a:rPr>
-              <a:t>This is starting to get convoluted.</a:t>
+              <a:t>“</a:t>
+            </a:r>
+            <a:r>
+              <a:rPr b="0" lang="en-US" sz="3200" spc="-1" strike="noStrike">
+                <a:solidFill>
+                  <a:srgbClr val="000000"/>
+                </a:solidFill>
+                <a:latin typeface="Times New Roman"/>
+              </a:rPr>
+              <a:t>This is starting to get convoluted.”</a:t>
             </a:r>
             <a:endParaRPr b="0" lang="en-US" sz="3200" spc="-1" strike="noStrike">
               <a:solidFill>
                 <a:srgbClr val="000000"/>
               </a:solidFill>
-              <a:latin typeface="Times New Roman"/>
-            </a:endParaRPr>
-          </a:p>
-          <a:p>
-            <a:pPr algn="ctr"/>
+              <a:latin typeface="Arial"/>
+            </a:endParaRPr>
+          </a:p>
+          <a:p>
+            <a:pPr algn="ctr">
+              <a:lnSpc>
+                <a:spcPct val="100000"/>
+              </a:lnSpc>
+            </a:pPr>
             <a:endParaRPr b="0" lang="en-US" sz="3200" spc="-1" strike="noStrike">
               <a:solidFill>
                 <a:srgbClr val="000000"/>
               </a:solidFill>
-              <a:latin typeface="Times New Roman"/>
-            </a:endParaRPr>
-          </a:p>
-          <a:p>
-            <a:pPr algn="ctr"/>
+              <a:latin typeface="Arial"/>
+            </a:endParaRPr>
+          </a:p>
+          <a:p>
+            <a:pPr algn="ctr">
+              <a:lnSpc>
+                <a:spcPct val="100000"/>
+              </a:lnSpc>
+            </a:pPr>
             <a:endParaRPr b="0" lang="en-US" sz="3200" spc="-1" strike="noStrike">
               <a:solidFill>
                 <a:srgbClr val="000000"/>
               </a:solidFill>
-              <a:latin typeface="Times New Roman"/>
-            </a:endParaRPr>
-          </a:p>
-          <a:p>
-            <a:pPr algn="ctr"/>
+              <a:latin typeface="Arial"/>
+            </a:endParaRPr>
+          </a:p>
+          <a:p>
+            <a:pPr algn="ctr">
+              <a:lnSpc>
+                <a:spcPct val="100000"/>
+              </a:lnSpc>
+            </a:pPr>
             <a:endParaRPr b="0" lang="en-US" sz="3200" spc="-1" strike="noStrike">
               <a:solidFill>
                 <a:srgbClr val="000000"/>
               </a:solidFill>
-              <a:latin typeface="Times New Roman"/>
-            </a:endParaRPr>
-          </a:p>
-          <a:p>
-            <a:pPr algn="ctr"/>
+              <a:latin typeface="Arial"/>
+            </a:endParaRPr>
+          </a:p>
+          <a:p>
+            <a:pPr algn="ctr">
+              <a:lnSpc>
+                <a:spcPct val="100000"/>
+              </a:lnSpc>
+            </a:pPr>
+            <a:r>
+              <a:rPr b="0" lang="en-US" sz="3200" spc="-1" strike="noStrike">
+                <a:solidFill>
+                  <a:srgbClr val="000000"/>
+                </a:solidFill>
+                <a:latin typeface="Times New Roman"/>
+              </a:rPr>
+              <a:t>“</a:t>
+            </a:r>
+            <a:r>
+              <a:rPr b="0" lang="en-US" sz="3200" spc="-1" strike="noStrike">
+                <a:solidFill>
+                  <a:srgbClr val="000000"/>
+                </a:solidFill>
+                <a:latin typeface="Times New Roman"/>
+              </a:rPr>
+              <a:t>Didn’t you say this was all through the ‘terminal’” ?</a:t>
+            </a:r>
             <a:endParaRPr b="0" lang="en-US" sz="3200" spc="-1" strike="noStrike">
               <a:solidFill>
                 <a:srgbClr val="000000"/>
               </a:solidFill>
-              <a:latin typeface="Times New Roman"/>
-            </a:endParaRPr>
-          </a:p>
-          <a:p>
-            <a:pPr algn="ctr"/>
+              <a:latin typeface="Arial"/>
+            </a:endParaRPr>
+          </a:p>
+          <a:p>
+            <a:pPr algn="ctr">
+              <a:lnSpc>
+                <a:spcPct val="100000"/>
+              </a:lnSpc>
+            </a:pPr>
+            <a:endParaRPr b="0" lang="en-US" sz="3200" spc="-1" strike="noStrike">
+              <a:solidFill>
+                <a:srgbClr val="000000"/>
+              </a:solidFill>
+              <a:latin typeface="Arial"/>
+            </a:endParaRPr>
+          </a:p>
+          <a:p>
+            <a:pPr algn="ctr">
+              <a:lnSpc>
+                <a:spcPct val="100000"/>
+              </a:lnSpc>
+            </a:pPr>
+            <a:endParaRPr b="0" lang="en-US" sz="3200" spc="-1" strike="noStrike">
+              <a:solidFill>
+                <a:srgbClr val="000000"/>
+              </a:solidFill>
+              <a:latin typeface="Arial"/>
+            </a:endParaRPr>
+          </a:p>
+          <a:p>
+            <a:pPr algn="ctr">
+              <a:lnSpc>
+                <a:spcPct val="100000"/>
+              </a:lnSpc>
+            </a:pPr>
             <a:r>
               <a:rPr b="0" lang="en-US" sz="3200" spc="-1" strike="noStrike">
                 <a:solidFill>
@@ -22784,76 +22885,44 @@
                 </a:solidFill>
                 <a:latin typeface="Times New Roman"/>
               </a:rPr>
-              <a:t>Didn’t you say this was all through the “terminal” ?</a:t>
+              <a:t>“</a:t>
+            </a:r>
+            <a:r>
+              <a:rPr b="0" lang="en-US" sz="3200" spc="-1" strike="noStrike">
+                <a:solidFill>
+                  <a:srgbClr val="000000"/>
+                </a:solidFill>
+                <a:latin typeface="Times New Roman"/>
+              </a:rPr>
+              <a:t>Hate to break it to you man, I run Windows.”</a:t>
             </a:r>
             <a:endParaRPr b="0" lang="en-US" sz="3200" spc="-1" strike="noStrike">
               <a:solidFill>
                 <a:srgbClr val="000000"/>
               </a:solidFill>
-              <a:latin typeface="Times New Roman"/>
-            </a:endParaRPr>
-          </a:p>
-          <a:p>
-            <a:pPr algn="ctr"/>
+              <a:latin typeface="Arial"/>
+            </a:endParaRPr>
+          </a:p>
+          <a:p>
+            <a:pPr algn="ctr">
+              <a:lnSpc>
+                <a:spcPct val="100000"/>
+              </a:lnSpc>
+            </a:pPr>
+            <a:r>
+              <a:rPr b="0" lang="en-US" sz="3200" spc="-1" strike="noStrike">
+                <a:solidFill>
+                  <a:srgbClr val="000000"/>
+                </a:solidFill>
+                <a:latin typeface="Times New Roman"/>
+              </a:rPr>
+              <a:t>-you</a:t>
+            </a:r>
             <a:endParaRPr b="0" lang="en-US" sz="3200" spc="-1" strike="noStrike">
               <a:solidFill>
                 <a:srgbClr val="000000"/>
               </a:solidFill>
-              <a:latin typeface="Times New Roman"/>
-            </a:endParaRPr>
-          </a:p>
-          <a:p>
-            <a:pPr algn="ctr"/>
-            <a:endParaRPr b="0" lang="en-US" sz="3200" spc="-1" strike="noStrike">
-              <a:solidFill>
-                <a:srgbClr val="000000"/>
-              </a:solidFill>
-              <a:latin typeface="Times New Roman"/>
-            </a:endParaRPr>
-          </a:p>
-          <a:p>
-            <a:pPr algn="ctr"/>
-            <a:r>
-              <a:rPr b="0" lang="en-US" sz="3200" spc="-1" strike="noStrike">
-                <a:solidFill>
-                  <a:srgbClr val="000000"/>
-                </a:solidFill>
-                <a:latin typeface="Times New Roman"/>
-              </a:rPr>
-              <a:t>“</a:t>
-            </a:r>
-            <a:r>
-              <a:rPr b="0" lang="en-US" sz="3200" spc="-1" strike="noStrike">
-                <a:solidFill>
-                  <a:srgbClr val="000000"/>
-                </a:solidFill>
-                <a:latin typeface="Times New Roman"/>
-              </a:rPr>
-              <a:t>Hate to break it to you man, I run Windows.”</a:t>
-            </a:r>
-            <a:endParaRPr b="0" lang="en-US" sz="3200" spc="-1" strike="noStrike">
-              <a:solidFill>
-                <a:srgbClr val="000000"/>
-              </a:solidFill>
-              <a:latin typeface="Times New Roman"/>
-            </a:endParaRPr>
-          </a:p>
-          <a:p>
-            <a:pPr algn="ctr"/>
-            <a:r>
-              <a:rPr b="0" lang="en-US" sz="3200" spc="-1" strike="noStrike">
-                <a:solidFill>
-                  <a:srgbClr val="000000"/>
-                </a:solidFill>
-                <a:latin typeface="Times New Roman"/>
-              </a:rPr>
-              <a:t>-you</a:t>
-            </a:r>
-            <a:endParaRPr b="0" lang="en-US" sz="3200" spc="-1" strike="noStrike">
-              <a:solidFill>
-                <a:srgbClr val="000000"/>
-              </a:solidFill>
-              <a:latin typeface="Times New Roman"/>
+              <a:latin typeface="Arial"/>
             </a:endParaRPr>
           </a:p>
         </p:txBody>
@@ -22901,7 +22970,7 @@
         <p:spPr>
           <a:xfrm>
             <a:off x="2056680" y="-74160"/>
-            <a:ext cx="8223120" cy="1215360"/>
+            <a:ext cx="8222760" cy="1215000"/>
           </a:xfrm>
           <a:prstGeom prst="rect">
             <a:avLst/>
@@ -22951,7 +23020,7 @@
       </p:sp>
       <p:sp>
         <p:nvSpPr>
-          <p:cNvPr id="333" name="Straight Connector 22"/>
+          <p:cNvPr id="333" name="Straight Connector 20"/>
           <p:cNvSpPr/>
           <p:nvPr/>
         </p:nvSpPr>
@@ -23000,7 +23069,7 @@
         <p:spPr>
           <a:xfrm>
             <a:off x="11721960" y="6430680"/>
-            <a:ext cx="3822120" cy="426600"/>
+            <a:ext cx="3821760" cy="426240"/>
           </a:xfrm>
           <a:prstGeom prst="rect">
             <a:avLst/>
@@ -23048,13 +23117,13 @@
       <p:sp>
         <p:nvSpPr>
           <p:cNvPr id="335" name=""/>
-          <p:cNvSpPr txBox="1"/>
+          <p:cNvSpPr/>
           <p:nvPr/>
         </p:nvSpPr>
         <p:spPr>
           <a:xfrm>
             <a:off x="569160" y="1371600"/>
-            <a:ext cx="11050560" cy="5257800"/>
+            <a:ext cx="11050200" cy="5257440"/>
           </a:xfrm>
           <a:prstGeom prst="rect">
             <a:avLst/>
@@ -23064,12 +23133,22 @@
             <a:noFill/>
           </a:ln>
         </p:spPr>
+        <p:style>
+          <a:lnRef idx="0"/>
+          <a:fillRef idx="0"/>
+          <a:effectRef idx="0"/>
+          <a:fontRef idx="minor"/>
+        </p:style>
         <p:txBody>
           <a:bodyPr lIns="90000" rIns="90000" tIns="45000" bIns="45000" anchor="t">
             <a:noAutofit/>
           </a:bodyPr>
           <a:p>
-            <a:pPr algn="ctr"/>
+            <a:pPr algn="ctr">
+              <a:lnSpc>
+                <a:spcPct val="100000"/>
+              </a:lnSpc>
+            </a:pPr>
             <a:r>
               <a:rPr b="0" lang="en-US" sz="3200" spc="-1" strike="noStrike">
                 <a:solidFill>
@@ -23077,53 +23156,126 @@
                 </a:solidFill>
                 <a:latin typeface="Times New Roman"/>
               </a:rPr>
-              <a:t>This is starting to get convoluted.</a:t>
+              <a:t>“</a:t>
+            </a:r>
+            <a:r>
+              <a:rPr b="0" lang="en-US" sz="3200" spc="-1" strike="noStrike">
+                <a:solidFill>
+                  <a:srgbClr val="000000"/>
+                </a:solidFill>
+                <a:latin typeface="Times New Roman"/>
+              </a:rPr>
+              <a:t>This is starting to get convoluted.”</a:t>
             </a:r>
             <a:endParaRPr b="0" lang="en-US" sz="3200" spc="-1" strike="noStrike">
               <a:solidFill>
                 <a:srgbClr val="000000"/>
               </a:solidFill>
-              <a:latin typeface="Times New Roman"/>
-            </a:endParaRPr>
-          </a:p>
-          <a:p>
-            <a:pPr algn="ctr"/>
+              <a:latin typeface="Arial"/>
+            </a:endParaRPr>
+          </a:p>
+          <a:p>
+            <a:pPr algn="ctr">
+              <a:lnSpc>
+                <a:spcPct val="100000"/>
+              </a:lnSpc>
+            </a:pPr>
             <a:endParaRPr b="0" lang="en-US" sz="3200" spc="-1" strike="noStrike">
               <a:solidFill>
                 <a:srgbClr val="000000"/>
               </a:solidFill>
-              <a:latin typeface="Times New Roman"/>
-            </a:endParaRPr>
-          </a:p>
-          <a:p>
-            <a:pPr algn="ctr"/>
+              <a:latin typeface="Arial"/>
+            </a:endParaRPr>
+          </a:p>
+          <a:p>
+            <a:pPr algn="ctr">
+              <a:lnSpc>
+                <a:spcPct val="100000"/>
+              </a:lnSpc>
+            </a:pPr>
             <a:endParaRPr b="0" lang="en-US" sz="3200" spc="-1" strike="noStrike">
               <a:solidFill>
                 <a:srgbClr val="000000"/>
               </a:solidFill>
-              <a:latin typeface="Times New Roman"/>
-            </a:endParaRPr>
-          </a:p>
-          <a:p>
-            <a:pPr algn="ctr"/>
+              <a:latin typeface="Arial"/>
+            </a:endParaRPr>
+          </a:p>
+          <a:p>
+            <a:pPr algn="ctr">
+              <a:lnSpc>
+                <a:spcPct val="100000"/>
+              </a:lnSpc>
+            </a:pPr>
             <a:endParaRPr b="0" lang="en-US" sz="3200" spc="-1" strike="noStrike">
               <a:solidFill>
                 <a:srgbClr val="000000"/>
               </a:solidFill>
-              <a:latin typeface="Times New Roman"/>
-            </a:endParaRPr>
-          </a:p>
-          <a:p>
-            <a:pPr algn="ctr"/>
+              <a:latin typeface="Arial"/>
+            </a:endParaRPr>
+          </a:p>
+          <a:p>
+            <a:pPr algn="ctr">
+              <a:lnSpc>
+                <a:spcPct val="100000"/>
+              </a:lnSpc>
+            </a:pPr>
+            <a:r>
+              <a:rPr b="0" lang="en-US" sz="3200" spc="-1" strike="noStrike">
+                <a:solidFill>
+                  <a:srgbClr val="000000"/>
+                </a:solidFill>
+                <a:latin typeface="Times New Roman"/>
+              </a:rPr>
+              <a:t>“</a:t>
+            </a:r>
+            <a:r>
+              <a:rPr b="0" lang="en-US" sz="3200" spc="-1" strike="noStrike">
+                <a:solidFill>
+                  <a:srgbClr val="000000"/>
+                </a:solidFill>
+                <a:latin typeface="Times New Roman"/>
+              </a:rPr>
+              <a:t>Didn’t you say this was all through the ‘terminal’” ?</a:t>
+            </a:r>
             <a:endParaRPr b="0" lang="en-US" sz="3200" spc="-1" strike="noStrike">
               <a:solidFill>
                 <a:srgbClr val="000000"/>
               </a:solidFill>
-              <a:latin typeface="Times New Roman"/>
-            </a:endParaRPr>
-          </a:p>
-          <a:p>
-            <a:pPr algn="ctr"/>
+              <a:latin typeface="Arial"/>
+            </a:endParaRPr>
+          </a:p>
+          <a:p>
+            <a:pPr algn="ctr">
+              <a:lnSpc>
+                <a:spcPct val="100000"/>
+              </a:lnSpc>
+            </a:pPr>
+            <a:endParaRPr b="0" lang="en-US" sz="3200" spc="-1" strike="noStrike">
+              <a:solidFill>
+                <a:srgbClr val="000000"/>
+              </a:solidFill>
+              <a:latin typeface="Arial"/>
+            </a:endParaRPr>
+          </a:p>
+          <a:p>
+            <a:pPr algn="ctr">
+              <a:lnSpc>
+                <a:spcPct val="100000"/>
+              </a:lnSpc>
+            </a:pPr>
+            <a:endParaRPr b="0" lang="en-US" sz="3200" spc="-1" strike="noStrike">
+              <a:solidFill>
+                <a:srgbClr val="000000"/>
+              </a:solidFill>
+              <a:latin typeface="Arial"/>
+            </a:endParaRPr>
+          </a:p>
+          <a:p>
+            <a:pPr algn="ctr">
+              <a:lnSpc>
+                <a:spcPct val="100000"/>
+              </a:lnSpc>
+            </a:pPr>
             <a:r>
               <a:rPr b="0" lang="en-US" sz="3200" spc="-1" strike="noStrike">
                 <a:solidFill>
@@ -23131,76 +23283,44 @@
                 </a:solidFill>
                 <a:latin typeface="Times New Roman"/>
               </a:rPr>
-              <a:t>Didn’t you say this was all through the “terminal” ?</a:t>
+              <a:t>“</a:t>
+            </a:r>
+            <a:r>
+              <a:rPr b="0" lang="en-US" sz="3200" spc="-1" strike="noStrike">
+                <a:solidFill>
+                  <a:srgbClr val="000000"/>
+                </a:solidFill>
+                <a:latin typeface="Times New Roman"/>
+              </a:rPr>
+              <a:t>Hate to break it to you man, I run Windows.”</a:t>
             </a:r>
             <a:endParaRPr b="0" lang="en-US" sz="3200" spc="-1" strike="noStrike">
               <a:solidFill>
                 <a:srgbClr val="000000"/>
               </a:solidFill>
-              <a:latin typeface="Times New Roman"/>
-            </a:endParaRPr>
-          </a:p>
-          <a:p>
-            <a:pPr algn="ctr"/>
+              <a:latin typeface="Arial"/>
+            </a:endParaRPr>
+          </a:p>
+          <a:p>
+            <a:pPr algn="ctr">
+              <a:lnSpc>
+                <a:spcPct val="100000"/>
+              </a:lnSpc>
+            </a:pPr>
+            <a:r>
+              <a:rPr b="0" lang="en-US" sz="3200" spc="-1" strike="noStrike">
+                <a:solidFill>
+                  <a:srgbClr val="000000"/>
+                </a:solidFill>
+                <a:latin typeface="Times New Roman"/>
+              </a:rPr>
+              <a:t>-you</a:t>
+            </a:r>
             <a:endParaRPr b="0" lang="en-US" sz="3200" spc="-1" strike="noStrike">
               <a:solidFill>
                 <a:srgbClr val="000000"/>
               </a:solidFill>
-              <a:latin typeface="Times New Roman"/>
-            </a:endParaRPr>
-          </a:p>
-          <a:p>
-            <a:pPr algn="ctr"/>
-            <a:endParaRPr b="0" lang="en-US" sz="3200" spc="-1" strike="noStrike">
-              <a:solidFill>
-                <a:srgbClr val="000000"/>
-              </a:solidFill>
-              <a:latin typeface="Times New Roman"/>
-            </a:endParaRPr>
-          </a:p>
-          <a:p>
-            <a:pPr algn="ctr"/>
-            <a:r>
-              <a:rPr b="0" lang="en-US" sz="3200" spc="-1" strike="noStrike">
-                <a:solidFill>
-                  <a:srgbClr val="000000"/>
-                </a:solidFill>
-                <a:latin typeface="Times New Roman"/>
-              </a:rPr>
-              <a:t>“</a:t>
-            </a:r>
-            <a:r>
-              <a:rPr b="0" lang="en-US" sz="3200" spc="-1" strike="noStrike">
-                <a:solidFill>
-                  <a:srgbClr val="000000"/>
-                </a:solidFill>
-                <a:latin typeface="Times New Roman"/>
-              </a:rPr>
-              <a:t>Hate to break it to you man, I run Windows.”</a:t>
-            </a:r>
-            <a:endParaRPr b="0" lang="en-US" sz="3200" spc="-1" strike="noStrike">
-              <a:solidFill>
-                <a:srgbClr val="000000"/>
-              </a:solidFill>
-              <a:latin typeface="Times New Roman"/>
-            </a:endParaRPr>
-          </a:p>
-          <a:p>
-            <a:pPr algn="ctr"/>
-            <a:r>
-              <a:rPr b="0" lang="en-US" sz="3200" spc="-1" strike="noStrike">
-                <a:solidFill>
-                  <a:srgbClr val="000000"/>
-                </a:solidFill>
-                <a:latin typeface="Times New Roman"/>
-              </a:rPr>
-              <a:t>-you</a:t>
-            </a:r>
-            <a:endParaRPr b="0" lang="en-US" sz="3200" spc="-1" strike="noStrike">
-              <a:solidFill>
-                <a:srgbClr val="000000"/>
-              </a:solidFill>
-              <a:latin typeface="Times New Roman"/>
+              <a:latin typeface="Arial"/>
             </a:endParaRPr>
           </a:p>
         </p:txBody>
@@ -23248,7 +23368,7 @@
         <p:spPr>
           <a:xfrm>
             <a:off x="2056680" y="-74160"/>
-            <a:ext cx="8223120" cy="1215360"/>
+            <a:ext cx="8222760" cy="1215000"/>
           </a:xfrm>
           <a:prstGeom prst="rect">
             <a:avLst/>
@@ -23347,7 +23467,7 @@
         <p:spPr>
           <a:xfrm>
             <a:off x="11721960" y="6430680"/>
-            <a:ext cx="3822120" cy="426600"/>
+            <a:ext cx="3821760" cy="426240"/>
           </a:xfrm>
           <a:prstGeom prst="rect">
             <a:avLst/>
@@ -23444,7 +23564,7 @@
         <p:spPr>
           <a:xfrm>
             <a:off x="5371920" y="2673720"/>
-            <a:ext cx="1370880" cy="456480"/>
+            <a:ext cx="1370520" cy="456120"/>
           </a:xfrm>
           <a:prstGeom prst="roundRect">
             <a:avLst>
@@ -23547,7 +23667,7 @@
         <p:spPr>
           <a:xfrm>
             <a:off x="5374440" y="1963080"/>
-            <a:ext cx="1370880" cy="456480"/>
+            <a:ext cx="1370520" cy="456120"/>
           </a:xfrm>
           <a:prstGeom prst="roundRect">
             <a:avLst>
@@ -23650,7 +23770,7 @@
         <p:spPr>
           <a:xfrm>
             <a:off x="5372280" y="3394080"/>
-            <a:ext cx="1370880" cy="456480"/>
+            <a:ext cx="1370520" cy="456120"/>
           </a:xfrm>
           <a:prstGeom prst="roundRect">
             <a:avLst>
@@ -23757,7 +23877,7 @@
         <p:spPr>
           <a:xfrm>
             <a:off x="5329440" y="4164120"/>
-            <a:ext cx="1456200" cy="1456200"/>
+            <a:ext cx="1455840" cy="1455840"/>
           </a:xfrm>
           <a:prstGeom prst="rect">
             <a:avLst/>
@@ -23776,7 +23896,7 @@
         <p:spPr>
           <a:xfrm>
             <a:off x="5715000" y="4361760"/>
-            <a:ext cx="685080" cy="595800"/>
+            <a:ext cx="684720" cy="595440"/>
           </a:xfrm>
           <a:prstGeom prst="rect">
             <a:avLst/>
@@ -23834,7 +23954,7 @@
         <p:spPr>
           <a:xfrm>
             <a:off x="2057400" y="1723320"/>
-            <a:ext cx="8000280" cy="4219560"/>
+            <a:ext cx="7999920" cy="4219200"/>
           </a:xfrm>
           <a:prstGeom prst="rect">
             <a:avLst/>
@@ -23853,7 +23973,7 @@
         <p:spPr>
           <a:xfrm>
             <a:off x="4800600" y="2409120"/>
-            <a:ext cx="2513880" cy="685080"/>
+            <a:ext cx="2513520" cy="684720"/>
           </a:xfrm>
           <a:prstGeom prst="rect">
             <a:avLst/>
@@ -23941,7 +24061,7 @@
         <p:spPr>
           <a:xfrm>
             <a:off x="2056680" y="-74160"/>
-            <a:ext cx="8223120" cy="1215360"/>
+            <a:ext cx="8222760" cy="1215000"/>
           </a:xfrm>
           <a:prstGeom prst="rect">
             <a:avLst/>
@@ -24040,7 +24160,7 @@
         <p:spPr>
           <a:xfrm>
             <a:off x="11721960" y="6430680"/>
-            <a:ext cx="3822120" cy="426600"/>
+            <a:ext cx="3821760" cy="426240"/>
           </a:xfrm>
           <a:prstGeom prst="rect">
             <a:avLst/>
@@ -24137,7 +24257,7 @@
         <p:spPr>
           <a:xfrm>
             <a:off x="5371920" y="2673720"/>
-            <a:ext cx="1370880" cy="456480"/>
+            <a:ext cx="1370520" cy="456120"/>
           </a:xfrm>
           <a:prstGeom prst="roundRect">
             <a:avLst>
@@ -24240,7 +24360,7 @@
         <p:spPr>
           <a:xfrm>
             <a:off x="5374440" y="1963080"/>
-            <a:ext cx="1370880" cy="456480"/>
+            <a:ext cx="1370520" cy="456120"/>
           </a:xfrm>
           <a:prstGeom prst="roundRect">
             <a:avLst>
@@ -24343,7 +24463,7 @@
         <p:spPr>
           <a:xfrm>
             <a:off x="5372280" y="3394080"/>
-            <a:ext cx="1370880" cy="456480"/>
+            <a:ext cx="1370520" cy="456120"/>
           </a:xfrm>
           <a:prstGeom prst="roundRect">
             <a:avLst>
@@ -24450,7 +24570,7 @@
         <p:spPr>
           <a:xfrm>
             <a:off x="5329440" y="4164120"/>
-            <a:ext cx="1456200" cy="1456200"/>
+            <a:ext cx="1455840" cy="1455840"/>
           </a:xfrm>
           <a:prstGeom prst="rect">
             <a:avLst/>
@@ -24469,7 +24589,7 @@
         <p:spPr>
           <a:xfrm>
             <a:off x="5715000" y="4361760"/>
-            <a:ext cx="685080" cy="595800"/>
+            <a:ext cx="684720" cy="595440"/>
           </a:xfrm>
           <a:prstGeom prst="rect">
             <a:avLst/>
@@ -24527,7 +24647,7 @@
         <p:spPr>
           <a:xfrm>
             <a:off x="2057400" y="1723320"/>
-            <a:ext cx="8000280" cy="4219560"/>
+            <a:ext cx="7999920" cy="4219200"/>
           </a:xfrm>
           <a:prstGeom prst="rect">
             <a:avLst/>
@@ -24546,7 +24666,7 @@
         <p:spPr>
           <a:xfrm>
             <a:off x="4800600" y="2409120"/>
-            <a:ext cx="2513880" cy="685080"/>
+            <a:ext cx="2513520" cy="684720"/>
           </a:xfrm>
           <a:prstGeom prst="rect">
             <a:avLst/>
@@ -24600,7 +24720,7 @@
         <p:spPr>
           <a:xfrm>
             <a:off x="3200400" y="1600200"/>
-            <a:ext cx="5895000" cy="4437360"/>
+            <a:ext cx="5894640" cy="4437000"/>
           </a:xfrm>
           <a:prstGeom prst="rect">
             <a:avLst/>
@@ -24692,7 +24812,7 @@
         <p:spPr>
           <a:xfrm>
             <a:off x="2056680" y="-74160"/>
-            <a:ext cx="8223120" cy="1215360"/>
+            <a:ext cx="8222760" cy="1215000"/>
           </a:xfrm>
           <a:prstGeom prst="rect">
             <a:avLst/>
@@ -24785,7 +24905,7 @@
         <p:spPr>
           <a:xfrm>
             <a:off x="11721960" y="6430680"/>
-            <a:ext cx="3822120" cy="426600"/>
+            <a:ext cx="3821760" cy="426240"/>
           </a:xfrm>
           <a:prstGeom prst="rect">
             <a:avLst/>
@@ -24882,7 +25002,7 @@
         <p:spPr>
           <a:xfrm>
             <a:off x="5371920" y="2673720"/>
-            <a:ext cx="1370880" cy="456480"/>
+            <a:ext cx="1370520" cy="456120"/>
           </a:xfrm>
           <a:prstGeom prst="roundRect">
             <a:avLst>
@@ -24985,7 +25105,7 @@
         <p:spPr>
           <a:xfrm>
             <a:off x="5374440" y="1963080"/>
-            <a:ext cx="1370880" cy="456480"/>
+            <a:ext cx="1370520" cy="456120"/>
           </a:xfrm>
           <a:prstGeom prst="roundRect">
             <a:avLst>
@@ -25088,7 +25208,7 @@
         <p:spPr>
           <a:xfrm>
             <a:off x="5372280" y="3394080"/>
-            <a:ext cx="1370880" cy="456480"/>
+            <a:ext cx="1370520" cy="456120"/>
           </a:xfrm>
           <a:prstGeom prst="roundRect">
             <a:avLst>
@@ -25195,7 +25315,7 @@
         <p:spPr>
           <a:xfrm>
             <a:off x="5329440" y="4164120"/>
-            <a:ext cx="1456200" cy="1456200"/>
+            <a:ext cx="1455840" cy="1455840"/>
           </a:xfrm>
           <a:prstGeom prst="rect">
             <a:avLst/>
@@ -25214,7 +25334,7 @@
         <p:spPr>
           <a:xfrm>
             <a:off x="5715000" y="4361760"/>
-            <a:ext cx="685080" cy="595800"/>
+            <a:ext cx="684720" cy="595440"/>
           </a:xfrm>
           <a:prstGeom prst="rect">
             <a:avLst/>
@@ -25272,7 +25392,7 @@
         <p:spPr>
           <a:xfrm>
             <a:off x="2057400" y="1723320"/>
-            <a:ext cx="8000280" cy="4219560"/>
+            <a:ext cx="7999920" cy="4219200"/>
           </a:xfrm>
           <a:prstGeom prst="rect">
             <a:avLst/>
@@ -25291,7 +25411,7 @@
         <p:spPr>
           <a:xfrm>
             <a:off x="4800600" y="2409120"/>
-            <a:ext cx="2513880" cy="685080"/>
+            <a:ext cx="2513520" cy="684720"/>
           </a:xfrm>
           <a:prstGeom prst="rect">
             <a:avLst/>
@@ -25345,7 +25465,7 @@
         <p:spPr>
           <a:xfrm>
             <a:off x="3146760" y="1600200"/>
-            <a:ext cx="5895000" cy="4437360"/>
+            <a:ext cx="5894640" cy="4437000"/>
           </a:xfrm>
           <a:prstGeom prst="rect">
             <a:avLst/>
@@ -25407,7 +25527,7 @@
         <p:spPr>
           <a:xfrm>
             <a:off x="2894040" y="1779120"/>
-            <a:ext cx="6400080" cy="4258440"/>
+            <a:ext cx="6399720" cy="4258080"/>
           </a:xfrm>
           <a:prstGeom prst="rect">
             <a:avLst/>
@@ -25426,7 +25546,7 @@
         <p:spPr>
           <a:xfrm>
             <a:off x="5372280" y="3657600"/>
-            <a:ext cx="1142280" cy="398880"/>
+            <a:ext cx="1141920" cy="398520"/>
           </a:xfrm>
           <a:prstGeom prst="rect">
             <a:avLst/>
@@ -25514,7 +25634,7 @@
         <p:spPr>
           <a:xfrm>
             <a:off x="2056680" y="-74160"/>
-            <a:ext cx="8223120" cy="1215360"/>
+            <a:ext cx="8222760" cy="1215000"/>
           </a:xfrm>
           <a:prstGeom prst="rect">
             <a:avLst/>
@@ -25607,7 +25727,7 @@
         <p:spPr>
           <a:xfrm>
             <a:off x="11721960" y="6430680"/>
-            <a:ext cx="3822120" cy="426600"/>
+            <a:ext cx="3821760" cy="426240"/>
           </a:xfrm>
           <a:prstGeom prst="rect">
             <a:avLst/>
@@ -25655,13 +25775,13 @@
       <p:sp>
         <p:nvSpPr>
           <p:cNvPr id="385" name=""/>
-          <p:cNvSpPr txBox="1"/>
+          <p:cNvSpPr/>
           <p:nvPr/>
         </p:nvSpPr>
         <p:spPr>
           <a:xfrm>
             <a:off x="685800" y="1371600"/>
-            <a:ext cx="10972800" cy="5029200"/>
+            <a:ext cx="10972440" cy="5028840"/>
           </a:xfrm>
           <a:prstGeom prst="rect">
             <a:avLst/>
@@ -25671,12 +25791,21 @@
             <a:noFill/>
           </a:ln>
         </p:spPr>
+        <p:style>
+          <a:lnRef idx="0"/>
+          <a:fillRef idx="0"/>
+          <a:effectRef idx="0"/>
+          <a:fontRef idx="minor"/>
+        </p:style>
         <p:txBody>
           <a:bodyPr lIns="90000" rIns="90000" tIns="45000" bIns="45000" anchor="t">
             <a:noAutofit/>
           </a:bodyPr>
           <a:p>
             <a:pPr marL="216000" indent="-216000">
+              <a:lnSpc>
+                <a:spcPct val="100000"/>
+              </a:lnSpc>
               <a:buClr>
                 <a:srgbClr val="000000"/>
               </a:buClr>
@@ -25697,11 +25826,27 @@
               <a:solidFill>
                 <a:srgbClr val="000000"/>
               </a:solidFill>
-              <a:latin typeface="Times New Roman"/>
-            </a:endParaRPr>
-          </a:p>
-          <a:p>
-            <a:pPr marL="216000" indent="-216000">
+              <a:latin typeface="Arial"/>
+            </a:endParaRPr>
+          </a:p>
+          <a:p>
+            <a:pPr>
+              <a:lnSpc>
+                <a:spcPct val="100000"/>
+              </a:lnSpc>
+            </a:pPr>
+            <a:endParaRPr b="0" lang="en-US" sz="2600" spc="-1" strike="noStrike">
+              <a:solidFill>
+                <a:srgbClr val="000000"/>
+              </a:solidFill>
+              <a:latin typeface="Arial"/>
+            </a:endParaRPr>
+          </a:p>
+          <a:p>
+            <a:pPr lvl="1" marL="432000" indent="-216000">
+              <a:lnSpc>
+                <a:spcPct val="100000"/>
+              </a:lnSpc>
               <a:buClr>
                 <a:srgbClr val="000000"/>
               </a:buClr>
@@ -25709,21 +25854,27 @@
               <a:buFont typeface="Wingdings" charset="2"/>
               <a:buChar char=""/>
             </a:pPr>
+            <a:r>
+              <a:rPr b="0" lang="en-US" sz="2600" spc="-1" strike="noStrike">
+                <a:solidFill>
+                  <a:srgbClr val="000000"/>
+                </a:solidFill>
+                <a:latin typeface="Times New Roman"/>
+              </a:rPr>
+              <a:t>git status</a:t>
+            </a:r>
             <a:endParaRPr b="0" lang="en-US" sz="2600" spc="-1" strike="noStrike">
               <a:solidFill>
                 <a:srgbClr val="000000"/>
               </a:solidFill>
-              <a:latin typeface="Times New Roman"/>
-            </a:endParaRPr>
-          </a:p>
-          <a:p>
-            <a:pPr lvl="1" marL="432000" indent="-216000">
-              <a:buClr>
-                <a:srgbClr val="000000"/>
-              </a:buClr>
-              <a:buSzPct val="45000"/>
-              <a:buFont typeface="Wingdings" charset="2"/>
-              <a:buChar char=""/>
+              <a:latin typeface="Arial"/>
+            </a:endParaRPr>
+          </a:p>
+          <a:p>
+            <a:pPr>
+              <a:lnSpc>
+                <a:spcPct val="100000"/>
+              </a:lnSpc>
             </a:pPr>
             <a:r>
               <a:rPr b="0" lang="en-US" sz="2600" spc="-1" strike="noStrike">
@@ -25732,47 +25883,31 @@
                 </a:solidFill>
                 <a:latin typeface="Times New Roman"/>
               </a:rPr>
-              <a:t>git status</a:t>
+              <a:t>  </a:t>
+            </a:r>
+            <a:r>
+              <a:rPr b="0" lang="en-US" sz="2600" spc="-1" strike="noStrike">
+                <a:solidFill>
+                  <a:srgbClr val="000000"/>
+                </a:solidFill>
+                <a:latin typeface="Times New Roman"/>
+              </a:rPr>
+              <a:t>	</a:t>
+            </a:r>
+            <a:r>
+              <a:rPr b="0" lang="en-US" sz="2600" spc="-1" strike="noStrike">
+                <a:solidFill>
+                  <a:srgbClr val="000000"/>
+                </a:solidFill>
+                <a:latin typeface="Times New Roman"/>
+              </a:rPr>
+              <a:t>- show info on file(s)</a:t>
             </a:r>
             <a:endParaRPr b="0" lang="en-US" sz="2600" spc="-1" strike="noStrike">
               <a:solidFill>
                 <a:srgbClr val="000000"/>
               </a:solidFill>
-              <a:latin typeface="Times New Roman"/>
-            </a:endParaRPr>
-          </a:p>
-          <a:p>
-            <a:pPr lvl="1" marL="432000" indent="-216000">
-              <a:buClr>
-                <a:srgbClr val="000000"/>
-              </a:buClr>
-              <a:buSzPct val="45000"/>
-              <a:buFont typeface="Wingdings" charset="2"/>
-              <a:buChar char=""/>
-            </a:pPr>
-            <a:r>
-              <a:rPr b="0" lang="en-US" sz="2600" spc="-1" strike="noStrike">
-                <a:solidFill>
-                  <a:srgbClr val="000000"/>
-                </a:solidFill>
-                <a:latin typeface="Times New Roman"/>
-              </a:rPr>
-              <a:t>  </a:t>
-            </a:r>
-            <a:r>
-              <a:rPr b="0" lang="en-US" sz="2600" spc="-1" strike="noStrike">
-                <a:solidFill>
-                  <a:srgbClr val="000000"/>
-                </a:solidFill>
-                <a:latin typeface="Times New Roman"/>
-              </a:rPr>
-              <a:t>- show info on staged file(s)</a:t>
-            </a:r>
-            <a:endParaRPr b="0" lang="en-US" sz="2600" spc="-1" strike="noStrike">
-              <a:solidFill>
-                <a:srgbClr val="000000"/>
-              </a:solidFill>
-              <a:latin typeface="Times New Roman"/>
+              <a:latin typeface="Arial"/>
             </a:endParaRPr>
           </a:p>
         </p:txBody>
@@ -25790,7 +25925,7 @@
         <p:spPr>
           <a:xfrm>
             <a:off x="9829800" y="1695600"/>
-            <a:ext cx="1713240" cy="959040"/>
+            <a:ext cx="1712880" cy="958680"/>
           </a:xfrm>
           <a:prstGeom prst="rect">
             <a:avLst/>
@@ -25843,7 +25978,7 @@
         <p:spPr>
           <a:xfrm>
             <a:off x="2056680" y="-74160"/>
-            <a:ext cx="8223120" cy="1215360"/>
+            <a:ext cx="8222760" cy="1215000"/>
           </a:xfrm>
           <a:prstGeom prst="rect">
             <a:avLst/>
@@ -25936,7 +26071,7 @@
         <p:spPr>
           <a:xfrm>
             <a:off x="11721960" y="6430680"/>
-            <a:ext cx="3822120" cy="426600"/>
+            <a:ext cx="3821760" cy="426240"/>
           </a:xfrm>
           <a:prstGeom prst="rect">
             <a:avLst/>
@@ -25984,13 +26119,13 @@
       <p:sp>
         <p:nvSpPr>
           <p:cNvPr id="390" name=""/>
-          <p:cNvSpPr txBox="1"/>
+          <p:cNvSpPr/>
           <p:nvPr/>
         </p:nvSpPr>
         <p:spPr>
           <a:xfrm>
             <a:off x="685800" y="1371600"/>
-            <a:ext cx="10972800" cy="5029200"/>
+            <a:ext cx="10972440" cy="5028840"/>
           </a:xfrm>
           <a:prstGeom prst="rect">
             <a:avLst/>
@@ -26000,12 +26135,21 @@
             <a:noFill/>
           </a:ln>
         </p:spPr>
+        <p:style>
+          <a:lnRef idx="0"/>
+          <a:fillRef idx="0"/>
+          <a:effectRef idx="0"/>
+          <a:fontRef idx="minor"/>
+        </p:style>
         <p:txBody>
           <a:bodyPr lIns="90000" rIns="90000" tIns="45000" bIns="45000" anchor="t">
             <a:noAutofit/>
           </a:bodyPr>
           <a:p>
             <a:pPr marL="216000" indent="-216000">
+              <a:lnSpc>
+                <a:spcPct val="100000"/>
+              </a:lnSpc>
               <a:buClr>
                 <a:srgbClr val="000000"/>
               </a:buClr>
@@ -26026,11 +26170,27 @@
               <a:solidFill>
                 <a:srgbClr val="000000"/>
               </a:solidFill>
-              <a:latin typeface="Times New Roman"/>
-            </a:endParaRPr>
-          </a:p>
-          <a:p>
-            <a:pPr marL="216000" indent="-216000">
+              <a:latin typeface="Arial"/>
+            </a:endParaRPr>
+          </a:p>
+          <a:p>
+            <a:pPr>
+              <a:lnSpc>
+                <a:spcPct val="100000"/>
+              </a:lnSpc>
+            </a:pPr>
+            <a:endParaRPr b="0" lang="en-US" sz="2600" spc="-1" strike="noStrike">
+              <a:solidFill>
+                <a:srgbClr val="000000"/>
+              </a:solidFill>
+              <a:latin typeface="Arial"/>
+            </a:endParaRPr>
+          </a:p>
+          <a:p>
+            <a:pPr lvl="1" marL="432000" indent="-216000">
+              <a:lnSpc>
+                <a:spcPct val="100000"/>
+              </a:lnSpc>
               <a:buClr>
                 <a:srgbClr val="000000"/>
               </a:buClr>
@@ -26038,15 +26198,80 @@
               <a:buFont typeface="Wingdings" charset="2"/>
               <a:buChar char=""/>
             </a:pPr>
+            <a:r>
+              <a:rPr b="0" lang="en-US" sz="2600" spc="-1" strike="noStrike">
+                <a:solidFill>
+                  <a:srgbClr val="000000"/>
+                </a:solidFill>
+                <a:latin typeface="Times New Roman"/>
+              </a:rPr>
+              <a:t>git status</a:t>
+            </a:r>
             <a:endParaRPr b="0" lang="en-US" sz="2600" spc="-1" strike="noStrike">
               <a:solidFill>
                 <a:srgbClr val="000000"/>
               </a:solidFill>
-              <a:latin typeface="Times New Roman"/>
+              <a:latin typeface="Arial"/>
+            </a:endParaRPr>
+          </a:p>
+          <a:p>
+            <a:pPr>
+              <a:lnSpc>
+                <a:spcPct val="100000"/>
+              </a:lnSpc>
+            </a:pPr>
+            <a:r>
+              <a:rPr b="0" lang="en-US" sz="2600" spc="-1" strike="noStrike">
+                <a:solidFill>
+                  <a:srgbClr val="000000"/>
+                </a:solidFill>
+                <a:latin typeface="Times New Roman"/>
+              </a:rPr>
+              <a:t> </a:t>
+            </a:r>
+            <a:r>
+              <a:rPr b="0" lang="en-US" sz="2600" spc="-1" strike="noStrike">
+                <a:solidFill>
+                  <a:srgbClr val="000000"/>
+                </a:solidFill>
+                <a:latin typeface="Times New Roman"/>
+              </a:rPr>
+              <a:t>	</a:t>
+            </a:r>
+            <a:r>
+              <a:rPr b="0" lang="en-US" sz="2600" spc="-1" strike="noStrike">
+                <a:solidFill>
+                  <a:srgbClr val="000000"/>
+                </a:solidFill>
+                <a:latin typeface="Times New Roman"/>
+              </a:rPr>
+              <a:t>- show info on file(s)</a:t>
+            </a:r>
+            <a:endParaRPr b="0" lang="en-US" sz="2600" spc="-1" strike="noStrike">
+              <a:solidFill>
+                <a:srgbClr val="000000"/>
+              </a:solidFill>
+              <a:latin typeface="Arial"/>
+            </a:endParaRPr>
+          </a:p>
+          <a:p>
+            <a:pPr>
+              <a:lnSpc>
+                <a:spcPct val="100000"/>
+              </a:lnSpc>
+            </a:pPr>
+            <a:endParaRPr b="0" lang="en-US" sz="2600" spc="-1" strike="noStrike">
+              <a:solidFill>
+                <a:srgbClr val="000000"/>
+              </a:solidFill>
+              <a:latin typeface="Arial"/>
             </a:endParaRPr>
           </a:p>
           <a:p>
             <a:pPr lvl="1" marL="432000" indent="-216000">
+              <a:lnSpc>
+                <a:spcPct val="100000"/>
+              </a:lnSpc>
               <a:buClr>
                 <a:srgbClr val="000000"/>
               </a:buClr>
@@ -26061,23 +26286,20 @@
                 </a:solidFill>
                 <a:latin typeface="Times New Roman"/>
               </a:rPr>
-              <a:t>git status</a:t>
+              <a:t>git fetch</a:t>
             </a:r>
             <a:endParaRPr b="0" lang="en-US" sz="2600" spc="-1" strike="noStrike">
               <a:solidFill>
                 <a:srgbClr val="000000"/>
               </a:solidFill>
-              <a:latin typeface="Times New Roman"/>
-            </a:endParaRPr>
-          </a:p>
-          <a:p>
-            <a:pPr lvl="1" marL="432000" indent="-216000">
-              <a:buClr>
-                <a:srgbClr val="000000"/>
-              </a:buClr>
-              <a:buSzPct val="45000"/>
-              <a:buFont typeface="Wingdings" charset="2"/>
-              <a:buChar char=""/>
+              <a:latin typeface="Arial"/>
+            </a:endParaRPr>
+          </a:p>
+          <a:p>
+            <a:pPr>
+              <a:lnSpc>
+                <a:spcPct val="100000"/>
+              </a:lnSpc>
             </a:pPr>
             <a:r>
               <a:rPr b="0" lang="en-US" sz="2600" spc="-1" strike="noStrike">
@@ -26095,88 +26317,22 @@
                 </a:solidFill>
                 <a:latin typeface="Times New Roman"/>
               </a:rPr>
-              <a:t>- show info on staged file(s)</a:t>
+              <a:t>	</a:t>
+            </a:r>
+            <a:r>
+              <a:rPr b="0" lang="en-US" sz="2600" spc="-1" strike="noStrike">
+                <a:solidFill>
+                  <a:srgbClr val="000000"/>
+                </a:solidFill>
+                <a:latin typeface="Times New Roman"/>
+              </a:rPr>
+              <a:t>- grab new changes from remote repos</a:t>
             </a:r>
             <a:endParaRPr b="0" lang="en-US" sz="2600" spc="-1" strike="noStrike">
               <a:solidFill>
                 <a:srgbClr val="000000"/>
               </a:solidFill>
-              <a:latin typeface="Times New Roman"/>
-            </a:endParaRPr>
-          </a:p>
-          <a:p>
-            <a:pPr lvl="1" marL="432000" indent="-216000">
-              <a:buClr>
-                <a:srgbClr val="000000"/>
-              </a:buClr>
-              <a:buSzPct val="45000"/>
-              <a:buFont typeface="Wingdings" charset="2"/>
-              <a:buChar char=""/>
-            </a:pPr>
-            <a:endParaRPr b="0" lang="en-US" sz="2600" spc="-1" strike="noStrike">
-              <a:solidFill>
-                <a:srgbClr val="000000"/>
-              </a:solidFill>
-              <a:latin typeface="Times New Roman"/>
-            </a:endParaRPr>
-          </a:p>
-          <a:p>
-            <a:pPr lvl="1" marL="432000" indent="-216000">
-              <a:buClr>
-                <a:srgbClr val="000000"/>
-              </a:buClr>
-              <a:buSzPct val="45000"/>
-              <a:buFont typeface="Wingdings" charset="2"/>
-              <a:buChar char=""/>
-            </a:pPr>
-            <a:r>
-              <a:rPr b="0" lang="en-US" sz="2600" spc="-1" strike="noStrike">
-                <a:solidFill>
-                  <a:srgbClr val="000000"/>
-                </a:solidFill>
-                <a:latin typeface="Times New Roman"/>
-              </a:rPr>
-              <a:t>git fetch</a:t>
-            </a:r>
-            <a:endParaRPr b="0" lang="en-US" sz="2600" spc="-1" strike="noStrike">
-              <a:solidFill>
-                <a:srgbClr val="000000"/>
-              </a:solidFill>
-              <a:latin typeface="Times New Roman"/>
-            </a:endParaRPr>
-          </a:p>
-          <a:p>
-            <a:pPr lvl="1" marL="432000" indent="-216000">
-              <a:buClr>
-                <a:srgbClr val="000000"/>
-              </a:buClr>
-              <a:buSzPct val="45000"/>
-              <a:buFont typeface="Wingdings" charset="2"/>
-              <a:buChar char=""/>
-            </a:pPr>
-            <a:r>
-              <a:rPr b="0" lang="en-US" sz="2600" spc="-1" strike="noStrike">
-                <a:solidFill>
-                  <a:srgbClr val="000000"/>
-                </a:solidFill>
-                <a:latin typeface="Times New Roman"/>
-              </a:rPr>
-              <a:t>  </a:t>
-            </a:r>
-            <a:r>
-              <a:rPr b="0" lang="en-US" sz="2600" spc="-1" strike="noStrike">
-                <a:solidFill>
-                  <a:srgbClr val="000000"/>
-                </a:solidFill>
-                <a:latin typeface="Times New Roman"/>
-              </a:rPr>
-              <a:t>- grab new changes from remote repos</a:t>
-            </a:r>
-            <a:endParaRPr b="0" lang="en-US" sz="2600" spc="-1" strike="noStrike">
-              <a:solidFill>
-                <a:srgbClr val="000000"/>
-              </a:solidFill>
-              <a:latin typeface="Times New Roman"/>
+              <a:latin typeface="Arial"/>
             </a:endParaRPr>
           </a:p>
         </p:txBody>
@@ -26233,7 +26389,7 @@
         <p:spPr>
           <a:xfrm>
             <a:off x="10003320" y="2859120"/>
-            <a:ext cx="1370880" cy="456480"/>
+            <a:ext cx="1370520" cy="456120"/>
           </a:xfrm>
           <a:prstGeom prst="roundRect">
             <a:avLst>
@@ -26340,7 +26496,7 @@
         <p:spPr>
           <a:xfrm>
             <a:off x="9829800" y="1695600"/>
-            <a:ext cx="1713240" cy="959040"/>
+            <a:ext cx="1712880" cy="958680"/>
           </a:xfrm>
           <a:prstGeom prst="rect">
             <a:avLst/>
@@ -26393,7 +26549,7 @@
         <p:spPr>
           <a:xfrm>
             <a:off x="1982520" y="228600"/>
-            <a:ext cx="8223120" cy="1232640"/>
+            <a:ext cx="8222760" cy="1232280"/>
           </a:xfrm>
           <a:prstGeom prst="rect">
             <a:avLst/>
@@ -26448,7 +26604,7 @@
         <p:spPr>
           <a:xfrm>
             <a:off x="457200" y="808560"/>
-            <a:ext cx="11189160" cy="4661640"/>
+            <a:ext cx="11188800" cy="4661280"/>
           </a:xfrm>
           <a:prstGeom prst="rect">
             <a:avLst/>
@@ -26686,7 +26842,7 @@
         <p:spPr>
           <a:xfrm>
             <a:off x="336240" y="1339920"/>
-            <a:ext cx="11317320" cy="1827720"/>
+            <a:ext cx="11316960" cy="1827360"/>
           </a:xfrm>
           <a:prstGeom prst="roundRect">
             <a:avLst>
@@ -26752,7 +26908,7 @@
         <p:spPr>
           <a:xfrm>
             <a:off x="11658600" y="6400800"/>
-            <a:ext cx="3822120" cy="426600"/>
+            <a:ext cx="3821760" cy="426240"/>
           </a:xfrm>
           <a:prstGeom prst="rect">
             <a:avLst/>
@@ -26810,7 +26966,7 @@
         <p:spPr>
           <a:xfrm>
             <a:off x="5294880" y="4909320"/>
-            <a:ext cx="1599120" cy="1599480"/>
+            <a:ext cx="1598760" cy="1599120"/>
           </a:xfrm>
           <a:prstGeom prst="rect">
             <a:avLst/>
@@ -26834,7 +26990,7 @@
         <p:spPr>
           <a:xfrm>
             <a:off x="5457240" y="4355640"/>
-            <a:ext cx="1274400" cy="914040"/>
+            <a:ext cx="1274040" cy="913680"/>
           </a:xfrm>
           <a:prstGeom prst="rect">
             <a:avLst/>
@@ -26887,7 +27043,7 @@
         <p:spPr>
           <a:xfrm>
             <a:off x="2056680" y="-74160"/>
-            <a:ext cx="8223120" cy="1215360"/>
+            <a:ext cx="8222760" cy="1215000"/>
           </a:xfrm>
           <a:prstGeom prst="rect">
             <a:avLst/>
@@ -26980,7 +27136,7 @@
         <p:spPr>
           <a:xfrm>
             <a:off x="11721960" y="6430680"/>
-            <a:ext cx="3822120" cy="426600"/>
+            <a:ext cx="3821760" cy="426240"/>
           </a:xfrm>
           <a:prstGeom prst="rect">
             <a:avLst/>
@@ -27028,13 +27184,13 @@
       <p:sp>
         <p:nvSpPr>
           <p:cNvPr id="398" name=""/>
-          <p:cNvSpPr txBox="1"/>
+          <p:cNvSpPr/>
           <p:nvPr/>
         </p:nvSpPr>
         <p:spPr>
           <a:xfrm>
             <a:off x="685800" y="1371600"/>
-            <a:ext cx="10972800" cy="5029200"/>
+            <a:ext cx="10972440" cy="5028840"/>
           </a:xfrm>
           <a:prstGeom prst="rect">
             <a:avLst/>
@@ -27044,12 +27200,21 @@
             <a:noFill/>
           </a:ln>
         </p:spPr>
+        <p:style>
+          <a:lnRef idx="0"/>
+          <a:fillRef idx="0"/>
+          <a:effectRef idx="0"/>
+          <a:fontRef idx="minor"/>
+        </p:style>
         <p:txBody>
           <a:bodyPr lIns="90000" rIns="90000" tIns="45000" bIns="45000" anchor="t">
             <a:noAutofit/>
           </a:bodyPr>
           <a:p>
             <a:pPr marL="216000" indent="-216000">
+              <a:lnSpc>
+                <a:spcPct val="100000"/>
+              </a:lnSpc>
               <a:buClr>
                 <a:srgbClr val="000000"/>
               </a:buClr>
@@ -27070,11 +27235,27 @@
               <a:solidFill>
                 <a:srgbClr val="000000"/>
               </a:solidFill>
-              <a:latin typeface="Times New Roman"/>
-            </a:endParaRPr>
-          </a:p>
-          <a:p>
-            <a:pPr marL="216000" indent="-216000">
+              <a:latin typeface="Arial"/>
+            </a:endParaRPr>
+          </a:p>
+          <a:p>
+            <a:pPr>
+              <a:lnSpc>
+                <a:spcPct val="100000"/>
+              </a:lnSpc>
+            </a:pPr>
+            <a:endParaRPr b="0" lang="en-US" sz="2600" spc="-1" strike="noStrike">
+              <a:solidFill>
+                <a:srgbClr val="000000"/>
+              </a:solidFill>
+              <a:latin typeface="Arial"/>
+            </a:endParaRPr>
+          </a:p>
+          <a:p>
+            <a:pPr lvl="1" marL="432000" indent="-216000">
+              <a:lnSpc>
+                <a:spcPct val="100000"/>
+              </a:lnSpc>
               <a:buClr>
                 <a:srgbClr val="000000"/>
               </a:buClr>
@@ -27082,15 +27263,89 @@
               <a:buFont typeface="Wingdings" charset="2"/>
               <a:buChar char=""/>
             </a:pPr>
+            <a:r>
+              <a:rPr b="0" lang="en-US" sz="2600" spc="-1" strike="noStrike">
+                <a:solidFill>
+                  <a:srgbClr val="000000"/>
+                </a:solidFill>
+                <a:latin typeface="Times New Roman"/>
+              </a:rPr>
+              <a:t>git status</a:t>
+            </a:r>
             <a:endParaRPr b="0" lang="en-US" sz="2600" spc="-1" strike="noStrike">
               <a:solidFill>
                 <a:srgbClr val="000000"/>
               </a:solidFill>
-              <a:latin typeface="Times New Roman"/>
+              <a:latin typeface="Arial"/>
+            </a:endParaRPr>
+          </a:p>
+          <a:p>
+            <a:pPr>
+              <a:lnSpc>
+                <a:spcPct val="100000"/>
+              </a:lnSpc>
+            </a:pPr>
+            <a:r>
+              <a:rPr b="0" lang="en-US" sz="2600" spc="-1" strike="noStrike">
+                <a:solidFill>
+                  <a:srgbClr val="000000"/>
+                </a:solidFill>
+                <a:latin typeface="Times New Roman"/>
+              </a:rPr>
+              <a:t>  </a:t>
+            </a:r>
+            <a:r>
+              <a:rPr b="0" lang="en-US" sz="2600" spc="-1" strike="noStrike">
+                <a:solidFill>
+                  <a:srgbClr val="000000"/>
+                </a:solidFill>
+                <a:latin typeface="Times New Roman"/>
+              </a:rPr>
+              <a:t>	</a:t>
+            </a:r>
+            <a:r>
+              <a:rPr b="0" lang="en-US" sz="2600" spc="-1" strike="noStrike">
+                <a:solidFill>
+                  <a:srgbClr val="000000"/>
+                </a:solidFill>
+                <a:latin typeface="Times New Roman"/>
+              </a:rPr>
+              <a:t>- show info on</a:t>
+            </a:r>
+            <a:r>
+              <a:rPr b="0" lang="en-US" sz="2600" spc="-1" strike="noStrike">
+                <a:solidFill>
+                  <a:srgbClr val="000000"/>
+                </a:solidFill>
+                <a:latin typeface="Times New Roman"/>
+              </a:rPr>
+              <a:t> file(s)</a:t>
+            </a:r>
+            <a:endParaRPr b="0" lang="en-US" sz="2600" spc="-1" strike="noStrike">
+              <a:solidFill>
+                <a:srgbClr val="000000"/>
+              </a:solidFill>
+              <a:latin typeface="Arial"/>
+            </a:endParaRPr>
+          </a:p>
+          <a:p>
+            <a:pPr>
+              <a:lnSpc>
+                <a:spcPct val="100000"/>
+              </a:lnSpc>
+            </a:pPr>
+            <a:endParaRPr b="0" lang="en-US" sz="2600" spc="-1" strike="noStrike">
+              <a:solidFill>
+                <a:srgbClr val="000000"/>
+              </a:solidFill>
+              <a:latin typeface="Arial"/>
             </a:endParaRPr>
           </a:p>
           <a:p>
             <a:pPr lvl="1" marL="432000" indent="-216000">
+              <a:lnSpc>
+                <a:spcPct val="100000"/>
+              </a:lnSpc>
               <a:buClr>
                 <a:srgbClr val="000000"/>
               </a:buClr>
@@ -27105,17 +27360,73 @@
                 </a:solidFill>
                 <a:latin typeface="Times New Roman"/>
               </a:rPr>
-              <a:t>git status</a:t>
+              <a:t>git fetch</a:t>
             </a:r>
             <a:endParaRPr b="0" lang="en-US" sz="2600" spc="-1" strike="noStrike">
               <a:solidFill>
                 <a:srgbClr val="000000"/>
               </a:solidFill>
-              <a:latin typeface="Times New Roman"/>
+              <a:latin typeface="Arial"/>
+            </a:endParaRPr>
+          </a:p>
+          <a:p>
+            <a:pPr>
+              <a:lnSpc>
+                <a:spcPct val="100000"/>
+              </a:lnSpc>
+            </a:pPr>
+            <a:r>
+              <a:rPr b="0" lang="en-US" sz="2600" spc="-1" strike="noStrike">
+                <a:solidFill>
+                  <a:srgbClr val="000000"/>
+                </a:solidFill>
+                <a:latin typeface="Times New Roman"/>
+              </a:rPr>
+              <a:t>  </a:t>
+            </a:r>
+            <a:r>
+              <a:rPr b="0" lang="en-US" sz="2600" spc="-1" strike="noStrike">
+                <a:solidFill>
+                  <a:srgbClr val="000000"/>
+                </a:solidFill>
+                <a:latin typeface="Times New Roman"/>
+              </a:rPr>
+              <a:t>	</a:t>
+            </a:r>
+            <a:r>
+              <a:rPr b="0" lang="en-US" sz="2600" spc="-1" strike="noStrike">
+                <a:solidFill>
+                  <a:srgbClr val="000000"/>
+                </a:solidFill>
+                <a:latin typeface="Times New Roman"/>
+              </a:rPr>
+              <a:t>- grab new changes from remote repos</a:t>
+            </a:r>
+            <a:endParaRPr b="0" lang="en-US" sz="2600" spc="-1" strike="noStrike">
+              <a:solidFill>
+                <a:srgbClr val="000000"/>
+              </a:solidFill>
+              <a:latin typeface="Arial"/>
+            </a:endParaRPr>
+          </a:p>
+          <a:p>
+            <a:pPr>
+              <a:lnSpc>
+                <a:spcPct val="100000"/>
+              </a:lnSpc>
+            </a:pPr>
+            <a:endParaRPr b="0" lang="en-US" sz="2600" spc="-1" strike="noStrike">
+              <a:solidFill>
+                <a:srgbClr val="000000"/>
+              </a:solidFill>
+              <a:latin typeface="Arial"/>
             </a:endParaRPr>
           </a:p>
           <a:p>
             <a:pPr lvl="1" marL="432000" indent="-216000">
+              <a:lnSpc>
+                <a:spcPct val="100000"/>
+              </a:lnSpc>
               <a:buClr>
                 <a:srgbClr val="000000"/>
               </a:buClr>
@@ -27130,6 +27441,28 @@
                 </a:solidFill>
                 <a:latin typeface="Times New Roman"/>
               </a:rPr>
+              <a:t>git pull</a:t>
+            </a:r>
+            <a:endParaRPr b="0" lang="en-US" sz="2600" spc="-1" strike="noStrike">
+              <a:solidFill>
+                <a:srgbClr val="000000"/>
+              </a:solidFill>
+              <a:latin typeface="Arial"/>
+            </a:endParaRPr>
+          </a:p>
+          <a:p>
+            <a:pPr>
+              <a:lnSpc>
+                <a:spcPct val="100000"/>
+              </a:lnSpc>
+            </a:pPr>
+            <a:r>
+              <a:rPr b="0" lang="en-US" sz="2600" spc="-1" strike="noStrike">
+                <a:solidFill>
+                  <a:srgbClr val="000000"/>
+                </a:solidFill>
+                <a:latin typeface="Times New Roman"/>
+              </a:rPr>
               <a:t>  </a:t>
             </a:r>
             <a:r>
@@ -27139,163 +27472,22 @@
                 </a:solidFill>
                 <a:latin typeface="Times New Roman"/>
               </a:rPr>
-              <a:t>- show info on staged file(s)</a:t>
+              <a:t>	</a:t>
+            </a:r>
+            <a:r>
+              <a:rPr b="0" lang="en-US" sz="2600" spc="-1" strike="noStrike">
+                <a:solidFill>
+                  <a:srgbClr val="000000"/>
+                </a:solidFill>
+                <a:latin typeface="Times New Roman"/>
+              </a:rPr>
+              <a:t>- Actually merge the changes into your local branches</a:t>
             </a:r>
             <a:endParaRPr b="0" lang="en-US" sz="2600" spc="-1" strike="noStrike">
               <a:solidFill>
                 <a:srgbClr val="000000"/>
               </a:solidFill>
-              <a:latin typeface="Times New Roman"/>
-            </a:endParaRPr>
-          </a:p>
-          <a:p>
-            <a:pPr lvl="1" marL="432000" indent="-216000">
-              <a:buClr>
-                <a:srgbClr val="000000"/>
-              </a:buClr>
-              <a:buSzPct val="45000"/>
-              <a:buFont typeface="Wingdings" charset="2"/>
-              <a:buChar char=""/>
-            </a:pPr>
-            <a:endParaRPr b="0" lang="en-US" sz="2600" spc="-1" strike="noStrike">
-              <a:solidFill>
-                <a:srgbClr val="000000"/>
-              </a:solidFill>
-              <a:latin typeface="Times New Roman"/>
-            </a:endParaRPr>
-          </a:p>
-          <a:p>
-            <a:pPr lvl="1" marL="432000" indent="-216000">
-              <a:buClr>
-                <a:srgbClr val="000000"/>
-              </a:buClr>
-              <a:buSzPct val="45000"/>
-              <a:buFont typeface="Wingdings" charset="2"/>
-              <a:buChar char=""/>
-            </a:pPr>
-            <a:r>
-              <a:rPr b="0" lang="en-US" sz="2600" spc="-1" strike="noStrike">
-                <a:solidFill>
-                  <a:srgbClr val="000000"/>
-                </a:solidFill>
-                <a:latin typeface="Times New Roman"/>
-              </a:rPr>
-              <a:t>git fetch</a:t>
-            </a:r>
-            <a:endParaRPr b="0" lang="en-US" sz="2600" spc="-1" strike="noStrike">
-              <a:solidFill>
-                <a:srgbClr val="000000"/>
-              </a:solidFill>
-              <a:latin typeface="Times New Roman"/>
-            </a:endParaRPr>
-          </a:p>
-          <a:p>
-            <a:pPr lvl="1" marL="432000" indent="-216000">
-              <a:buClr>
-                <a:srgbClr val="000000"/>
-              </a:buClr>
-              <a:buSzPct val="45000"/>
-              <a:buFont typeface="Wingdings" charset="2"/>
-              <a:buChar char=""/>
-            </a:pPr>
-            <a:r>
-              <a:rPr b="0" lang="en-US" sz="2600" spc="-1" strike="noStrike">
-                <a:solidFill>
-                  <a:srgbClr val="000000"/>
-                </a:solidFill>
-                <a:latin typeface="Times New Roman"/>
-              </a:rPr>
-              <a:t>  </a:t>
-            </a:r>
-            <a:r>
-              <a:rPr b="0" lang="en-US" sz="2600" spc="-1" strike="noStrike">
-                <a:solidFill>
-                  <a:srgbClr val="000000"/>
-                </a:solidFill>
-                <a:latin typeface="Times New Roman"/>
-              </a:rPr>
-              <a:t>- grab new changes from remote repos</a:t>
-            </a:r>
-            <a:endParaRPr b="0" lang="en-US" sz="2600" spc="-1" strike="noStrike">
-              <a:solidFill>
-                <a:srgbClr val="000000"/>
-              </a:solidFill>
-              <a:latin typeface="Times New Roman"/>
-            </a:endParaRPr>
-          </a:p>
-          <a:p>
-            <a:pPr lvl="1" marL="432000" indent="-216000">
-              <a:buClr>
-                <a:srgbClr val="000000"/>
-              </a:buClr>
-              <a:buSzPct val="45000"/>
-              <a:buFont typeface="Wingdings" charset="2"/>
-              <a:buChar char=""/>
-            </a:pPr>
-            <a:endParaRPr b="0" lang="en-US" sz="2600" spc="-1" strike="noStrike">
-              <a:solidFill>
-                <a:srgbClr val="000000"/>
-              </a:solidFill>
-              <a:latin typeface="Times New Roman"/>
-            </a:endParaRPr>
-          </a:p>
-          <a:p>
-            <a:pPr lvl="1" marL="432000" indent="-216000">
-              <a:buClr>
-                <a:srgbClr val="000000"/>
-              </a:buClr>
-              <a:buSzPct val="45000"/>
-              <a:buFont typeface="Wingdings" charset="2"/>
-              <a:buChar char=""/>
-            </a:pPr>
-            <a:r>
-              <a:rPr b="0" lang="en-US" sz="2600" spc="-1" strike="noStrike">
-                <a:solidFill>
-                  <a:srgbClr val="000000"/>
-                </a:solidFill>
-                <a:latin typeface="Times New Roman"/>
-              </a:rPr>
-              <a:t>git pull</a:t>
-            </a:r>
-            <a:endParaRPr b="0" lang="en-US" sz="2600" spc="-1" strike="noStrike">
-              <a:solidFill>
-                <a:srgbClr val="000000"/>
-              </a:solidFill>
-              <a:latin typeface="Times New Roman"/>
-            </a:endParaRPr>
-          </a:p>
-          <a:p>
-            <a:pPr lvl="1" marL="432000" indent="-216000">
-              <a:buClr>
-                <a:srgbClr val="000000"/>
-              </a:buClr>
-              <a:buSzPct val="45000"/>
-              <a:buFont typeface="Wingdings" charset="2"/>
-              <a:buChar char=""/>
-            </a:pPr>
-            <a:r>
-              <a:rPr b="0" lang="en-US" sz="2600" spc="-1" strike="noStrike">
-                <a:solidFill>
-                  <a:srgbClr val="000000"/>
-                </a:solidFill>
-                <a:latin typeface="Times New Roman"/>
-              </a:rPr>
-              <a:t>  </a:t>
-            </a:r>
-            <a:r>
-              <a:rPr b="0" lang="en-US" sz="2600" spc="-1" strike="noStrike">
-                <a:solidFill>
-                  <a:srgbClr val="000000"/>
-                </a:solidFill>
-                <a:latin typeface="Times New Roman"/>
-              </a:rPr>
-              <a:t>- merge changes into your local branches</a:t>
-            </a:r>
-            <a:endParaRPr b="0" lang="en-US" sz="2600" spc="-1" strike="noStrike">
-              <a:solidFill>
-                <a:srgbClr val="000000"/>
-              </a:solidFill>
-              <a:latin typeface="Times New Roman"/>
+              <a:latin typeface="Arial"/>
             </a:endParaRPr>
           </a:p>
         </p:txBody>
@@ -27352,7 +27544,7 @@
         <p:spPr>
           <a:xfrm>
             <a:off x="10000800" y="3569760"/>
-            <a:ext cx="1370880" cy="456480"/>
+            <a:ext cx="1370520" cy="456120"/>
           </a:xfrm>
           <a:prstGeom prst="roundRect">
             <a:avLst>
@@ -27455,7 +27647,7 @@
         <p:spPr>
           <a:xfrm>
             <a:off x="10003320" y="2859120"/>
-            <a:ext cx="1370880" cy="456480"/>
+            <a:ext cx="1370520" cy="456120"/>
           </a:xfrm>
           <a:prstGeom prst="roundRect">
             <a:avLst>
@@ -27519,7 +27711,7 @@
         <p:spPr>
           <a:xfrm>
             <a:off x="9958320" y="4196160"/>
-            <a:ext cx="1456200" cy="1456200"/>
+            <a:ext cx="1455840" cy="1455840"/>
           </a:xfrm>
           <a:prstGeom prst="rect">
             <a:avLst/>
@@ -27538,7 +27730,7 @@
         <p:spPr>
           <a:xfrm>
             <a:off x="10163880" y="4429800"/>
-            <a:ext cx="1070640" cy="595800"/>
+            <a:ext cx="1070280" cy="595440"/>
           </a:xfrm>
           <a:prstGeom prst="rect">
             <a:avLst/>
@@ -27639,7 +27831,7 @@
         <p:spPr>
           <a:xfrm>
             <a:off x="9829800" y="1695600"/>
-            <a:ext cx="1713240" cy="959040"/>
+            <a:ext cx="1712880" cy="958680"/>
           </a:xfrm>
           <a:prstGeom prst="rect">
             <a:avLst/>
@@ -27692,7 +27884,7 @@
         <p:spPr>
           <a:xfrm>
             <a:off x="2056680" y="-74160"/>
-            <a:ext cx="8223120" cy="1215360"/>
+            <a:ext cx="8222760" cy="1215000"/>
           </a:xfrm>
           <a:prstGeom prst="rect">
             <a:avLst/>
@@ -27791,7 +27983,7 @@
         <p:spPr>
           <a:xfrm>
             <a:off x="11721960" y="6430680"/>
-            <a:ext cx="3822120" cy="426600"/>
+            <a:ext cx="3821760" cy="426240"/>
           </a:xfrm>
           <a:prstGeom prst="rect">
             <a:avLst/>
@@ -27879,7 +28071,7 @@
         <p:spPr>
           <a:xfrm>
             <a:off x="2056680" y="-74160"/>
-            <a:ext cx="8223120" cy="1215360"/>
+            <a:ext cx="8222760" cy="1215000"/>
           </a:xfrm>
           <a:prstGeom prst="rect">
             <a:avLst/>
@@ -27978,7 +28170,7 @@
         <p:spPr>
           <a:xfrm>
             <a:off x="456840" y="1371600"/>
-            <a:ext cx="11196720" cy="5027400"/>
+            <a:ext cx="11196360" cy="5027040"/>
           </a:xfrm>
           <a:prstGeom prst="rect">
             <a:avLst/>
@@ -28162,7 +28354,7 @@
         <p:spPr>
           <a:xfrm>
             <a:off x="2069640" y="20520"/>
-            <a:ext cx="8223120" cy="6293520"/>
+            <a:ext cx="8222760" cy="6293160"/>
           </a:xfrm>
           <a:prstGeom prst="rect">
             <a:avLst/>
@@ -28403,7 +28595,7 @@
         <p:spPr>
           <a:xfrm>
             <a:off x="1982520" y="-74160"/>
-            <a:ext cx="8223120" cy="1215360"/>
+            <a:ext cx="8222760" cy="1215000"/>
           </a:xfrm>
           <a:prstGeom prst="rect">
             <a:avLst/>
@@ -28502,7 +28694,7 @@
         <p:spPr>
           <a:xfrm>
             <a:off x="492840" y="1371600"/>
-            <a:ext cx="11196720" cy="5027400"/>
+            <a:ext cx="11196360" cy="5027040"/>
           </a:xfrm>
           <a:prstGeom prst="rect">
             <a:avLst/>
@@ -28772,7 +28964,7 @@
         <p:spPr>
           <a:xfrm>
             <a:off x="9141480" y="1505880"/>
-            <a:ext cx="2378880" cy="1922400"/>
+            <a:ext cx="2378520" cy="1922040"/>
           </a:xfrm>
           <a:prstGeom prst="rect">
             <a:avLst/>
@@ -28791,7 +28983,7 @@
         <p:spPr>
           <a:xfrm>
             <a:off x="727200" y="5142960"/>
-            <a:ext cx="1599120" cy="685080"/>
+            <a:ext cx="1598760" cy="684720"/>
           </a:xfrm>
           <a:prstGeom prst="roundRect">
             <a:avLst>
@@ -28851,7 +29043,7 @@
         <p:spPr>
           <a:xfrm>
             <a:off x="5298120" y="5142960"/>
-            <a:ext cx="1599120" cy="685080"/>
+            <a:ext cx="1598760" cy="684720"/>
           </a:xfrm>
           <a:prstGeom prst="roundRect">
             <a:avLst>
@@ -28911,7 +29103,7 @@
         <p:spPr>
           <a:xfrm>
             <a:off x="9640080" y="5142960"/>
-            <a:ext cx="1599120" cy="685080"/>
+            <a:ext cx="1598760" cy="684720"/>
           </a:xfrm>
           <a:prstGeom prst="roundRect">
             <a:avLst>
@@ -29057,7 +29249,7 @@
         <p:spPr>
           <a:xfrm>
             <a:off x="11690280" y="6399720"/>
-            <a:ext cx="3822120" cy="426600"/>
+            <a:ext cx="3821760" cy="426240"/>
           </a:xfrm>
           <a:prstGeom prst="rect">
             <a:avLst/>
@@ -29145,7 +29337,7 @@
         <p:spPr>
           <a:xfrm>
             <a:off x="1982520" y="-74160"/>
-            <a:ext cx="8223120" cy="1215360"/>
+            <a:ext cx="8222760" cy="1215000"/>
           </a:xfrm>
           <a:prstGeom prst="rect">
             <a:avLst/>
@@ -29244,7 +29436,7 @@
         <p:spPr>
           <a:xfrm>
             <a:off x="456840" y="1371600"/>
-            <a:ext cx="11196720" cy="5027400"/>
+            <a:ext cx="11196360" cy="5027040"/>
           </a:xfrm>
           <a:prstGeom prst="rect">
             <a:avLst/>
@@ -29366,7 +29558,7 @@
         <p:spPr>
           <a:xfrm>
             <a:off x="7754040" y="2514600"/>
-            <a:ext cx="3608280" cy="3885120"/>
+            <a:ext cx="3607920" cy="3884760"/>
           </a:xfrm>
           <a:prstGeom prst="rect">
             <a:avLst/>
@@ -29394,7 +29586,7 @@
         <p:spPr>
           <a:xfrm>
             <a:off x="875520" y="3587400"/>
-            <a:ext cx="6396480" cy="2811600"/>
+            <a:ext cx="6396120" cy="2811240"/>
           </a:xfrm>
           <a:prstGeom prst="rect">
             <a:avLst/>
@@ -29418,7 +29610,7 @@
         <p:spPr>
           <a:xfrm>
             <a:off x="11721960" y="6399720"/>
-            <a:ext cx="3822120" cy="426600"/>
+            <a:ext cx="3821760" cy="426240"/>
           </a:xfrm>
           <a:prstGeom prst="rect">
             <a:avLst/>
@@ -29506,7 +29698,7 @@
         <p:spPr>
           <a:xfrm>
             <a:off x="1982520" y="-74160"/>
-            <a:ext cx="8223120" cy="1215360"/>
+            <a:ext cx="8222760" cy="1215000"/>
           </a:xfrm>
           <a:prstGeom prst="rect">
             <a:avLst/>
@@ -29605,7 +29797,7 @@
         <p:spPr>
           <a:xfrm>
             <a:off x="456840" y="1371600"/>
-            <a:ext cx="11196720" cy="5027400"/>
+            <a:ext cx="11196360" cy="5027040"/>
           </a:xfrm>
           <a:prstGeom prst="rect">
             <a:avLst/>
@@ -29638,7 +29830,7 @@
               <a:buChar char=""/>
             </a:pPr>
             <a:r>
-              <a:rPr b="0" lang="en-US" sz="2800" spc="-1" strike="noStrike">
+              <a:rPr b="0" lang="en-US" sz="2600" spc="-1" strike="noStrike">
                 <a:solidFill>
                   <a:srgbClr val="000000"/>
                 </a:solidFill>
@@ -29647,7 +29839,7 @@
               </a:rPr>
               <a:t>git is open-source, for personal and large-scale software efforts </a:t>
             </a:r>
-            <a:endParaRPr b="0" lang="en-US" sz="2800" spc="-1" strike="noStrike">
+            <a:endParaRPr b="0" lang="en-US" sz="2600" spc="-1" strike="noStrike">
               <a:solidFill>
                 <a:srgbClr val="000000"/>
               </a:solidFill>
@@ -29667,7 +29859,7 @@
               <a:buChar char=""/>
             </a:pPr>
             <a:r>
-              <a:rPr b="0" lang="en-US" sz="2800" spc="-1" strike="noStrike">
+              <a:rPr b="0" lang="en-US" sz="2600" spc="-1" strike="noStrike">
                 <a:solidFill>
                   <a:srgbClr val="000000"/>
                 </a:solidFill>
@@ -29677,7 +29869,7 @@
               <a:t>Github is owned by microsoft and is </a:t>
             </a:r>
             <a:r>
-              <a:rPr b="1" lang="en-US" sz="2800" spc="-1" strike="noStrike">
+              <a:rPr b="1" lang="en-US" sz="2600" spc="-1" strike="noStrike">
                 <a:solidFill>
                   <a:srgbClr val="000000"/>
                 </a:solidFill>
@@ -29687,7 +29879,7 @@
               <a:t>not</a:t>
             </a:r>
             <a:r>
-              <a:rPr b="0" lang="en-US" sz="2800" spc="-1" strike="noStrike">
+              <a:rPr b="0" lang="en-US" sz="2600" spc="-1" strike="noStrike">
                 <a:solidFill>
                   <a:srgbClr val="000000"/>
                 </a:solidFill>
@@ -29696,63 +29888,81 @@
               </a:rPr>
               <a:t> open source</a:t>
             </a:r>
-            <a:endParaRPr b="0" lang="en-US" sz="2800" spc="-1" strike="noStrike">
-              <a:solidFill>
-                <a:srgbClr val="000000"/>
-              </a:solidFill>
-              <a:latin typeface="Arial"/>
-            </a:endParaRPr>
-          </a:p>
-          <a:p>
-            <a:pPr lvl="1" marL="432000" indent="-216000">
+            <a:endParaRPr b="0" lang="en-US" sz="2600" spc="-1" strike="noStrike">
+              <a:solidFill>
+                <a:srgbClr val="000000"/>
+              </a:solidFill>
+              <a:latin typeface="Arial"/>
+            </a:endParaRPr>
+          </a:p>
+          <a:p>
+            <a:pPr>
               <a:lnSpc>
                 <a:spcPct val="150000"/>
               </a:lnSpc>
-              <a:buClr>
-                <a:srgbClr val="000000"/>
-              </a:buClr>
-              <a:buSzPct val="45000"/>
-              <a:buFont typeface="Wingdings" charset="2"/>
-              <a:buChar char=""/>
-            </a:pPr>
-            <a:r>
-              <a:rPr b="0" lang="en-US" sz="2800" spc="-1" strike="noStrike">
+            </a:pPr>
+            <a:r>
+              <a:rPr b="0" lang="en-US" sz="2600" spc="-1" strike="noStrike">
                 <a:solidFill>
                   <a:srgbClr val="000000"/>
                 </a:solidFill>
                 <a:latin typeface="Times New Roman"/>
                 <a:ea typeface="DejaVu Sans"/>
               </a:rPr>
+              <a:t>	</a:t>
+            </a:r>
+            <a:r>
+              <a:rPr b="0" lang="en-US" sz="2600" spc="-1" strike="noStrike">
+                <a:solidFill>
+                  <a:srgbClr val="000000"/>
+                </a:solidFill>
+                <a:latin typeface="Times New Roman"/>
+                <a:ea typeface="DejaVu Sans"/>
+              </a:rPr>
               <a:t>- Derivatives like Bitbucket, gitlab, etc. support larger groups and repos </a:t>
             </a:r>
-            <a:endParaRPr b="0" lang="en-US" sz="2800" spc="-1" strike="noStrike">
-              <a:solidFill>
-                <a:srgbClr val="000000"/>
-              </a:solidFill>
-              <a:latin typeface="Arial"/>
-            </a:endParaRPr>
-          </a:p>
-          <a:p>
-            <a:pPr lvl="1" marL="432000" indent="-216000">
+            <a:endParaRPr b="0" lang="en-US" sz="2600" spc="-1" strike="noStrike">
+              <a:solidFill>
+                <a:srgbClr val="000000"/>
+              </a:solidFill>
+              <a:latin typeface="Arial"/>
+            </a:endParaRPr>
+          </a:p>
+          <a:p>
+            <a:pPr>
               <a:lnSpc>
                 <a:spcPct val="150000"/>
               </a:lnSpc>
-              <a:buClr>
-                <a:srgbClr val="000000"/>
-              </a:buClr>
-              <a:buSzPct val="45000"/>
-              <a:buFont typeface="Wingdings" charset="2"/>
-              <a:buChar char=""/>
-            </a:pPr>
-            <a:r>
-              <a:rPr b="0" lang="en-US" sz="2800" spc="-1" strike="noStrike">
+            </a:pPr>
+            <a:r>
+              <a:rPr b="0" lang="en-US" sz="2600" spc="-1" strike="noStrike">
                 <a:solidFill>
                   <a:srgbClr val="000000"/>
                 </a:solidFill>
                 <a:latin typeface="Times New Roman"/>
                 <a:ea typeface="DejaVu Sans"/>
               </a:rPr>
-              <a:t>- Pragmatically meaningless – just think free and paid server support </a:t>
+              <a:t>	</a:t>
+            </a:r>
+            <a:r>
+              <a:rPr b="0" lang="en-US" sz="2600" spc="-1" strike="noStrike">
+                <a:solidFill>
+                  <a:srgbClr val="000000"/>
+                </a:solidFill>
+                <a:latin typeface="Times New Roman"/>
+                <a:ea typeface="DejaVu Sans"/>
+              </a:rPr>
+              <a:t>- Pragmatically meaningless – just think free and paid server support</a:t>
+            </a:r>
+            <a:r>
+              <a:rPr b="0" lang="en-US" sz="2800" spc="-1" strike="noStrike">
+                <a:solidFill>
+                  <a:srgbClr val="000000"/>
+                </a:solidFill>
+                <a:latin typeface="Times New Roman"/>
+                <a:ea typeface="DejaVu Sans"/>
+              </a:rPr>
+              <a:t> </a:t>
             </a:r>
             <a:endParaRPr b="0" lang="en-US" sz="2800" spc="-1" strike="noStrike">
               <a:solidFill>
@@ -29776,7 +29986,7 @@
         <p:spPr>
           <a:xfrm>
             <a:off x="5485680" y="5029200"/>
-            <a:ext cx="1599120" cy="1599480"/>
+            <a:ext cx="1598760" cy="1599120"/>
           </a:xfrm>
           <a:prstGeom prst="rect">
             <a:avLst/>
@@ -29799,7 +30009,7 @@
         <p:spPr>
           <a:xfrm>
             <a:off x="2743200" y="4298040"/>
-            <a:ext cx="1713240" cy="959040"/>
+            <a:ext cx="1712880" cy="958680"/>
           </a:xfrm>
           <a:prstGeom prst="rect">
             <a:avLst/>
@@ -29822,7 +30032,7 @@
         <p:spPr>
           <a:xfrm>
             <a:off x="8179560" y="4343400"/>
-            <a:ext cx="1259280" cy="1142280"/>
+            <a:ext cx="1258920" cy="1141920"/>
           </a:xfrm>
           <a:prstGeom prst="rect">
             <a:avLst/>
@@ -29927,7 +30137,7 @@
         <p:spPr>
           <a:xfrm>
             <a:off x="11721960" y="6430680"/>
-            <a:ext cx="3822120" cy="426600"/>
+            <a:ext cx="3821760" cy="426240"/>
           </a:xfrm>
           <a:prstGeom prst="rect">
             <a:avLst/>
@@ -29981,15 +30191,15 @@
         <p:spPr>
           <a:xfrm>
             <a:off x="8060400" y="4186800"/>
-            <a:ext cx="1600200" cy="1464120"/>
+            <a:ext cx="1599840" cy="1463760"/>
           </a:xfrm>
           <a:custGeom>
             <a:avLst/>
             <a:gdLst>
-              <a:gd name="textAreaLeft" fmla="*/ 222120 w 1600200"/>
-              <a:gd name="textAreaRight" fmla="*/ 1267560 w 1600200"/>
-              <a:gd name="textAreaTop" fmla="*/ 225000 h 1464120"/>
-              <a:gd name="textAreaBottom" fmla="*/ 1174680 h 1464120"/>
+              <a:gd name="textAreaLeft" fmla="*/ 222120 w 1599840"/>
+              <a:gd name="textAreaRight" fmla="*/ 1267560 w 1599840"/>
+              <a:gd name="textAreaTop" fmla="*/ 225000 h 1463760"/>
+              <a:gd name="textAreaBottom" fmla="*/ 1174680 h 1463760"/>
             </a:gdLst>
             <a:ahLst/>
             <a:rect l="textAreaLeft" t="textAreaTop" r="textAreaRight" b="textAreaBottom"/>
@@ -30241,11 +30451,17 @@
             <a:noAutofit/>
           </a:bodyPr>
           <a:p>
-            <a:endParaRPr b="0" lang="en-US" sz="1800" spc="-1" strike="noStrike">
-              <a:solidFill>
-                <a:srgbClr val="000000"/>
-              </a:solidFill>
-              <a:latin typeface="Arial"/>
+            <a:pPr>
+              <a:lnSpc>
+                <a:spcPct val="100000"/>
+              </a:lnSpc>
+            </a:pPr>
+            <a:endParaRPr b="0" lang="en-US" sz="1800" spc="-1" strike="noStrike">
+              <a:solidFill>
+                <a:srgbClr val="000000"/>
+              </a:solidFill>
+              <a:latin typeface="Arial"/>
+              <a:ea typeface="DejaVu Sans"/>
             </a:endParaRPr>
           </a:p>
         </p:txBody>
@@ -30259,15 +30475,15 @@
         <p:spPr>
           <a:xfrm>
             <a:off x="2815200" y="4114800"/>
-            <a:ext cx="1589760" cy="1464480"/>
+            <a:ext cx="1589400" cy="1464120"/>
           </a:xfrm>
           <a:custGeom>
             <a:avLst/>
             <a:gdLst>
-              <a:gd name="textAreaLeft" fmla="*/ 220680 w 1589760"/>
-              <a:gd name="textAreaRight" fmla="*/ 1259280 w 1589760"/>
-              <a:gd name="textAreaTop" fmla="*/ 225000 h 1464480"/>
-              <a:gd name="textAreaBottom" fmla="*/ 1175040 h 1464480"/>
+              <a:gd name="textAreaLeft" fmla="*/ 220680 w 1589400"/>
+              <a:gd name="textAreaRight" fmla="*/ 1259280 w 1589400"/>
+              <a:gd name="textAreaTop" fmla="*/ 225000 h 1464120"/>
+              <a:gd name="textAreaBottom" fmla="*/ 1175040 h 1464120"/>
             </a:gdLst>
             <a:ahLst/>
             <a:rect l="textAreaLeft" t="textAreaTop" r="textAreaRight" b="textAreaBottom"/>
@@ -30519,11 +30735,17 @@
             <a:noAutofit/>
           </a:bodyPr>
           <a:p>
-            <a:endParaRPr b="0" lang="en-US" sz="1800" spc="-1" strike="noStrike">
-              <a:solidFill>
-                <a:srgbClr val="000000"/>
-              </a:solidFill>
-              <a:latin typeface="Arial"/>
+            <a:pPr>
+              <a:lnSpc>
+                <a:spcPct val="100000"/>
+              </a:lnSpc>
+            </a:pPr>
+            <a:endParaRPr b="0" lang="en-US" sz="1800" spc="-1" strike="noStrike">
+              <a:solidFill>
+                <a:srgbClr val="000000"/>
+              </a:solidFill>
+              <a:latin typeface="Arial"/>
+              <a:ea typeface="DejaVu Sans"/>
             </a:endParaRPr>
           </a:p>
         </p:txBody>
@@ -30571,7 +30793,7 @@
         <p:spPr>
           <a:xfrm>
             <a:off x="1982520" y="-72720"/>
-            <a:ext cx="8223120" cy="1215360"/>
+            <a:ext cx="8222760" cy="1215000"/>
           </a:xfrm>
           <a:prstGeom prst="rect">
             <a:avLst/>
@@ -30621,7 +30843,7 @@
       </p:sp>
       <p:sp>
         <p:nvSpPr>
-          <p:cNvPr id="239" name="Straight Connector 11"/>
+          <p:cNvPr id="239" name="Straight Connector 3"/>
           <p:cNvSpPr/>
           <p:nvPr/>
         </p:nvSpPr>
@@ -30670,7 +30892,7 @@
         <p:spPr>
           <a:xfrm>
             <a:off x="456840" y="1371600"/>
-            <a:ext cx="11196720" cy="5027400"/>
+            <a:ext cx="11196360" cy="5027040"/>
           </a:xfrm>
           <a:prstGeom prst="rect">
             <a:avLst/>
@@ -30715,7 +30937,7 @@
         <p:spPr>
           <a:xfrm>
             <a:off x="11721960" y="6430680"/>
-            <a:ext cx="3822120" cy="426600"/>
+            <a:ext cx="3821760" cy="426240"/>
           </a:xfrm>
           <a:prstGeom prst="rect">
             <a:avLst/>
@@ -30773,7 +30995,7 @@
         <p:spPr>
           <a:xfrm>
             <a:off x="5237640" y="1828800"/>
-            <a:ext cx="1713240" cy="959040"/>
+            <a:ext cx="1712880" cy="958680"/>
           </a:xfrm>
           <a:prstGeom prst="rect">
             <a:avLst/>
@@ -30796,7 +31018,7 @@
         <p:spPr>
           <a:xfrm>
             <a:off x="2314080" y="3429000"/>
-            <a:ext cx="1456200" cy="1456200"/>
+            <a:ext cx="1455840" cy="1455840"/>
           </a:xfrm>
           <a:prstGeom prst="rect">
             <a:avLst/>
@@ -30819,7 +31041,7 @@
         <p:spPr>
           <a:xfrm>
             <a:off x="8657280" y="3429000"/>
-            <a:ext cx="1464840" cy="1464840"/>
+            <a:ext cx="1464480" cy="1464480"/>
           </a:xfrm>
           <a:prstGeom prst="rect">
             <a:avLst/>
@@ -30880,7 +31102,7 @@
         </p:nvSpPr>
         <p:spPr>
           <a:xfrm>
-            <a:off x="7031520" y="2736000"/>
+            <a:off x="7032600" y="2736000"/>
             <a:ext cx="1476360" cy="1143000"/>
           </a:xfrm>
           <a:prstGeom prst="line">
@@ -31009,8 +31231,8 @@
         </p:nvSpPr>
         <p:spPr>
           <a:xfrm rot="19620000">
-            <a:off x="3648960" y="2926440"/>
-            <a:ext cx="1648080" cy="456480"/>
+            <a:off x="3648600" y="2926440"/>
+            <a:ext cx="1647720" cy="456120"/>
           </a:xfrm>
           <a:prstGeom prst="rect">
             <a:avLst/>
@@ -31063,8 +31285,8 @@
         </p:nvSpPr>
         <p:spPr>
           <a:xfrm rot="19860000">
-            <a:off x="3418200" y="2416320"/>
-            <a:ext cx="1599480" cy="456480"/>
+            <a:off x="3417840" y="2415960"/>
+            <a:ext cx="1599120" cy="456120"/>
           </a:xfrm>
           <a:prstGeom prst="rect">
             <a:avLst/>
@@ -31118,7 +31340,7 @@
         <p:spPr>
           <a:xfrm rot="2220000">
             <a:off x="6932160" y="2949480"/>
-            <a:ext cx="1599480" cy="456480"/>
+            <a:ext cx="1599120" cy="456120"/>
           </a:xfrm>
           <a:prstGeom prst="rect">
             <a:avLst/>
@@ -31172,7 +31394,7 @@
         <p:spPr>
           <a:xfrm rot="2280000">
             <a:off x="7343640" y="2500920"/>
-            <a:ext cx="1599480" cy="456480"/>
+            <a:ext cx="1599120" cy="456120"/>
           </a:xfrm>
           <a:prstGeom prst="rect">
             <a:avLst/>
@@ -31226,7 +31448,7 @@
         <p:spPr>
           <a:xfrm>
             <a:off x="2399400" y="4885920"/>
-            <a:ext cx="1370880" cy="685080"/>
+            <a:ext cx="1370520" cy="684720"/>
           </a:xfrm>
           <a:prstGeom prst="rect">
             <a:avLst/>
@@ -31280,7 +31502,7 @@
         <p:spPr>
           <a:xfrm>
             <a:off x="8393760" y="4884120"/>
-            <a:ext cx="2121120" cy="763560"/>
+            <a:ext cx="2120760" cy="763200"/>
           </a:xfrm>
           <a:prstGeom prst="rect">
             <a:avLst/>
@@ -31333,8 +31555,8 @@
         </p:nvSpPr>
         <p:spPr>
           <a:xfrm>
-            <a:off x="4380120" y="4343400"/>
-            <a:ext cx="3428280" cy="2390040"/>
+            <a:off x="4380120" y="3335400"/>
+            <a:ext cx="3427920" cy="2389680"/>
           </a:xfrm>
           <a:prstGeom prst="rect">
             <a:avLst/>
@@ -31365,7 +31587,7 @@
                 <a:solidFill>
                   <a:srgbClr val="000000"/>
                 </a:solidFill>
-                <a:latin typeface="Arial"/>
+                <a:latin typeface="Times New Roman"/>
                 <a:ea typeface="DejaVu Sans"/>
               </a:rPr>
               <a:t>Branches:</a:t>
@@ -31374,7 +31596,7 @@
               <a:solidFill>
                 <a:srgbClr val="000000"/>
               </a:solidFill>
-              <a:latin typeface="Arial"/>
+              <a:latin typeface="Times New Roman"/>
             </a:endParaRPr>
           </a:p>
           <a:p>
@@ -31388,7 +31610,7 @@
                 <a:solidFill>
                   <a:srgbClr val="000000"/>
                 </a:solidFill>
-                <a:latin typeface="Arial"/>
+                <a:latin typeface="Times New Roman"/>
                 <a:ea typeface="DejaVu Sans"/>
               </a:rPr>
               <a:t>master</a:t>
@@ -31397,7 +31619,7 @@
               <a:solidFill>
                 <a:srgbClr val="000000"/>
               </a:solidFill>
-              <a:latin typeface="Arial"/>
+              <a:latin typeface="Times New Roman"/>
             </a:endParaRPr>
           </a:p>
           <a:p>
@@ -31411,7 +31633,7 @@
                 <a:solidFill>
                   <a:srgbClr val="000000"/>
                 </a:solidFill>
-                <a:latin typeface="Arial"/>
+                <a:latin typeface="Times New Roman"/>
                 <a:ea typeface="DejaVu Sans"/>
               </a:rPr>
               <a:t>personal</a:t>
@@ -31420,7 +31642,7 @@
               <a:solidFill>
                 <a:srgbClr val="000000"/>
               </a:solidFill>
-              <a:latin typeface="Arial"/>
+              <a:latin typeface="Times New Roman"/>
             </a:endParaRPr>
           </a:p>
           <a:p>
@@ -31434,7 +31656,7 @@
                 <a:solidFill>
                   <a:srgbClr val="000000"/>
                 </a:solidFill>
-                <a:latin typeface="Arial"/>
+                <a:latin typeface="Times New Roman"/>
                 <a:ea typeface="DejaVu Sans"/>
               </a:rPr>
               <a:t>collab</a:t>
@@ -31443,7 +31665,7 @@
               <a:solidFill>
                 <a:srgbClr val="000000"/>
               </a:solidFill>
-              <a:latin typeface="Arial"/>
+              <a:latin typeface="Times New Roman"/>
             </a:endParaRPr>
           </a:p>
           <a:p>
@@ -31457,7 +31679,7 @@
                 <a:solidFill>
                   <a:srgbClr val="000000"/>
                 </a:solidFill>
-                <a:latin typeface="Arial"/>
+                <a:latin typeface="Times New Roman"/>
                 <a:ea typeface="DejaVu Sans"/>
               </a:rPr>
               <a:t>dev</a:t>
@@ -31466,7 +31688,7 @@
               <a:solidFill>
                 <a:srgbClr val="000000"/>
               </a:solidFill>
-              <a:latin typeface="Arial"/>
+              <a:latin typeface="Times New Roman"/>
             </a:endParaRPr>
           </a:p>
         </p:txBody>
@@ -31514,7 +31736,7 @@
         <p:spPr>
           <a:xfrm>
             <a:off x="1982520" y="-72720"/>
-            <a:ext cx="8223120" cy="1215360"/>
+            <a:ext cx="8222760" cy="1215000"/>
           </a:xfrm>
           <a:prstGeom prst="rect">
             <a:avLst/>
@@ -31564,7 +31786,7 @@
       </p:sp>
       <p:sp>
         <p:nvSpPr>
-          <p:cNvPr id="257" name="Straight Connector 3"/>
+          <p:cNvPr id="257" name="Straight Connector 25"/>
           <p:cNvSpPr/>
           <p:nvPr/>
         </p:nvSpPr>
@@ -31613,7 +31835,7 @@
         <p:spPr>
           <a:xfrm>
             <a:off x="456840" y="1371600"/>
-            <a:ext cx="11196720" cy="5027400"/>
+            <a:ext cx="11196360" cy="5027040"/>
           </a:xfrm>
           <a:prstGeom prst="rect">
             <a:avLst/>
@@ -31634,11 +31856,6 @@
             <a:noAutofit/>
           </a:bodyPr>
           <a:p>
-            <a:pPr>
-              <a:lnSpc>
-                <a:spcPct val="100000"/>
-              </a:lnSpc>
-            </a:pPr>
             <a:endParaRPr b="0" lang="en-US" sz="1800" spc="-1" strike="noStrike">
               <a:solidFill>
                 <a:srgbClr val="000000"/>
@@ -31658,7 +31875,7 @@
         <p:spPr>
           <a:xfrm>
             <a:off x="11721960" y="6430680"/>
-            <a:ext cx="3822120" cy="426600"/>
+            <a:ext cx="3821760" cy="426240"/>
           </a:xfrm>
           <a:prstGeom prst="rect">
             <a:avLst/>
@@ -31716,7 +31933,7 @@
         <p:spPr>
           <a:xfrm>
             <a:off x="5237640" y="1828800"/>
-            <a:ext cx="1713240" cy="959040"/>
+            <a:ext cx="1712880" cy="958680"/>
           </a:xfrm>
           <a:prstGeom prst="rect">
             <a:avLst/>
@@ -31739,7 +31956,7 @@
         <p:spPr>
           <a:xfrm>
             <a:off x="2314080" y="3429000"/>
-            <a:ext cx="1456200" cy="1456200"/>
+            <a:ext cx="1455840" cy="1455840"/>
           </a:xfrm>
           <a:prstGeom prst="rect">
             <a:avLst/>
@@ -31762,7 +31979,7 @@
         <p:spPr>
           <a:xfrm>
             <a:off x="8657280" y="3429000"/>
-            <a:ext cx="1464840" cy="1464840"/>
+            <a:ext cx="1464480" cy="1464480"/>
           </a:xfrm>
           <a:prstGeom prst="rect">
             <a:avLst/>
@@ -31952,8 +32169,8 @@
         </p:nvSpPr>
         <p:spPr>
           <a:xfrm rot="19620000">
-            <a:off x="3648960" y="2926440"/>
-            <a:ext cx="1648080" cy="456480"/>
+            <a:off x="3648600" y="2926440"/>
+            <a:ext cx="1647720" cy="456120"/>
           </a:xfrm>
           <a:prstGeom prst="rect">
             <a:avLst/>
@@ -32006,8 +32223,8 @@
         </p:nvSpPr>
         <p:spPr>
           <a:xfrm rot="19860000">
-            <a:off x="3418200" y="2416320"/>
-            <a:ext cx="1599480" cy="456480"/>
+            <a:off x="3417840" y="2415960"/>
+            <a:ext cx="1599120" cy="456120"/>
           </a:xfrm>
           <a:prstGeom prst="rect">
             <a:avLst/>
@@ -32061,7 +32278,7 @@
         <p:spPr>
           <a:xfrm rot="2220000">
             <a:off x="6932160" y="2949480"/>
-            <a:ext cx="1599480" cy="456480"/>
+            <a:ext cx="1599120" cy="456120"/>
           </a:xfrm>
           <a:prstGeom prst="rect">
             <a:avLst/>
@@ -32115,7 +32332,7 @@
         <p:spPr>
           <a:xfrm rot="2280000">
             <a:off x="7343640" y="2500920"/>
-            <a:ext cx="1599480" cy="456480"/>
+            <a:ext cx="1599120" cy="456120"/>
           </a:xfrm>
           <a:prstGeom prst="rect">
             <a:avLst/>
@@ -32169,7 +32386,7 @@
         <p:spPr>
           <a:xfrm>
             <a:off x="2399400" y="4885920"/>
-            <a:ext cx="1370880" cy="685080"/>
+            <a:ext cx="1370520" cy="684720"/>
           </a:xfrm>
           <a:prstGeom prst="rect">
             <a:avLst/>
@@ -32223,7 +32440,7 @@
         <p:spPr>
           <a:xfrm>
             <a:off x="8393760" y="4884120"/>
-            <a:ext cx="2121120" cy="763560"/>
+            <a:ext cx="2120760" cy="763200"/>
           </a:xfrm>
           <a:prstGeom prst="rect">
             <a:avLst/>
@@ -32276,8 +32493,8 @@
         </p:nvSpPr>
         <p:spPr>
           <a:xfrm>
-            <a:off x="4380120" y="4343400"/>
-            <a:ext cx="3428280" cy="2390040"/>
+            <a:off x="4380120" y="3335400"/>
+            <a:ext cx="3427920" cy="2389680"/>
           </a:xfrm>
           <a:prstGeom prst="rect">
             <a:avLst/>
@@ -32308,7 +32525,7 @@
                 <a:solidFill>
                   <a:srgbClr val="000000"/>
                 </a:solidFill>
-                <a:latin typeface="Arial"/>
+                <a:latin typeface="Times New Roman"/>
                 <a:ea typeface="DejaVu Sans"/>
               </a:rPr>
               <a:t>Branches:</a:t>
@@ -32317,7 +32534,7 @@
               <a:solidFill>
                 <a:srgbClr val="000000"/>
               </a:solidFill>
-              <a:latin typeface="Arial"/>
+              <a:latin typeface="Times New Roman"/>
             </a:endParaRPr>
           </a:p>
           <a:p>
@@ -32331,7 +32548,7 @@
                 <a:solidFill>
                   <a:srgbClr val="000000"/>
                 </a:solidFill>
-                <a:latin typeface="Arial"/>
+                <a:latin typeface="Times New Roman"/>
                 <a:ea typeface="DejaVu Sans"/>
               </a:rPr>
               <a:t>master</a:t>
@@ -32340,7 +32557,7 @@
               <a:solidFill>
                 <a:srgbClr val="000000"/>
               </a:solidFill>
-              <a:latin typeface="Arial"/>
+              <a:latin typeface="Times New Roman"/>
             </a:endParaRPr>
           </a:p>
           <a:p>
@@ -32354,7 +32571,7 @@
                 <a:solidFill>
                   <a:srgbClr val="000000"/>
                 </a:solidFill>
-                <a:latin typeface="Arial"/>
+                <a:latin typeface="Times New Roman"/>
                 <a:ea typeface="DejaVu Sans"/>
               </a:rPr>
               <a:t>personal</a:t>
@@ -32363,7 +32580,7 @@
               <a:solidFill>
                 <a:srgbClr val="000000"/>
               </a:solidFill>
-              <a:latin typeface="Arial"/>
+              <a:latin typeface="Times New Roman"/>
             </a:endParaRPr>
           </a:p>
           <a:p>
@@ -32377,7 +32594,7 @@
                 <a:solidFill>
                   <a:srgbClr val="000000"/>
                 </a:solidFill>
-                <a:latin typeface="Arial"/>
+                <a:latin typeface="Times New Roman"/>
                 <a:ea typeface="DejaVu Sans"/>
               </a:rPr>
               <a:t>collab</a:t>
@@ -32386,7 +32603,7 @@
               <a:solidFill>
                 <a:srgbClr val="000000"/>
               </a:solidFill>
-              <a:latin typeface="Arial"/>
+              <a:latin typeface="Times New Roman"/>
             </a:endParaRPr>
           </a:p>
           <a:p>
@@ -32400,7 +32617,7 @@
                 <a:solidFill>
                   <a:srgbClr val="000000"/>
                 </a:solidFill>
-                <a:latin typeface="Arial"/>
+                <a:latin typeface="Times New Roman"/>
                 <a:ea typeface="DejaVu Sans"/>
               </a:rPr>
               <a:t>dev</a:t>
@@ -32409,7 +32626,7 @@
               <a:solidFill>
                 <a:srgbClr val="000000"/>
               </a:solidFill>
-              <a:latin typeface="Arial"/>
+              <a:latin typeface="Times New Roman"/>
             </a:endParaRPr>
           </a:p>
         </p:txBody>
@@ -32422,7 +32639,7 @@
         </p:nvSpPr>
         <p:spPr>
           <a:xfrm>
-            <a:off x="2514600" y="2286000"/>
+            <a:off x="2442600" y="2286000"/>
             <a:ext cx="1143000" cy="228600"/>
           </a:xfrm>
           <a:prstGeom prst="line">
@@ -32465,17 +32682,18 @@
         </p:nvSpPr>
         <p:spPr>
           <a:xfrm>
-            <a:off x="3523320" y="1983960"/>
-            <a:ext cx="1962360" cy="1962360"/>
+            <a:off x="3487320" y="1947960"/>
+            <a:ext cx="1962000" cy="1962000"/>
           </a:xfrm>
           <a:prstGeom prst="ellipse">
             <a:avLst/>
           </a:prstGeom>
           <a:noFill/>
-          <a:ln w="0">
+          <a:ln w="19080">
             <a:solidFill>
               <a:srgbClr val="f10d0c"/>
             </a:solidFill>
+            <a:round/>
           </a:ln>
         </p:spPr>
         <p:style>
@@ -32485,15 +32703,10 @@
           <a:fontRef idx="minor"/>
         </p:style>
         <p:txBody>
-          <a:bodyPr lIns="90000" rIns="90000" tIns="45000" bIns="45000" anchor="ctr">
+          <a:bodyPr lIns="99360" rIns="99360" tIns="54360" bIns="54360" anchor="ctr">
             <a:noAutofit/>
           </a:bodyPr>
           <a:p>
-            <a:pPr>
-              <a:lnSpc>
-                <a:spcPct val="100000"/>
-              </a:lnSpc>
-            </a:pPr>
             <a:endParaRPr b="0" lang="en-US" sz="1800" spc="-1" strike="noStrike">
               <a:solidFill>
                 <a:srgbClr val="000000"/>
@@ -32513,7 +32726,7 @@
         <p:spPr>
           <a:xfrm>
             <a:off x="914400" y="1828800"/>
-            <a:ext cx="1599480" cy="685080"/>
+            <a:ext cx="1599120" cy="684720"/>
           </a:xfrm>
           <a:prstGeom prst="rect">
             <a:avLst/>
@@ -32601,7 +32814,7 @@
         <p:spPr>
           <a:xfrm>
             <a:off x="2056680" y="-74160"/>
-            <a:ext cx="8223120" cy="1215360"/>
+            <a:ext cx="8222760" cy="1215000"/>
           </a:xfrm>
           <a:prstGeom prst="rect">
             <a:avLst/>
@@ -32700,7 +32913,7 @@
         <p:spPr>
           <a:xfrm>
             <a:off x="11721960" y="6430680"/>
-            <a:ext cx="3822120" cy="426600"/>
+            <a:ext cx="3821760" cy="426240"/>
           </a:xfrm>
           <a:prstGeom prst="rect">
             <a:avLst/>
@@ -32758,7 +32971,7 @@
         <p:spPr>
           <a:xfrm>
             <a:off x="5237640" y="1326240"/>
-            <a:ext cx="1713240" cy="959040"/>
+            <a:ext cx="1712880" cy="958680"/>
           </a:xfrm>
           <a:prstGeom prst="rect">
             <a:avLst/>
@@ -32820,7 +33033,7 @@
         <p:spPr>
           <a:xfrm>
             <a:off x="5408640" y="3236400"/>
-            <a:ext cx="1370880" cy="456480"/>
+            <a:ext cx="1370520" cy="456120"/>
           </a:xfrm>
           <a:prstGeom prst="roundRect">
             <a:avLst>
@@ -32923,7 +33136,7 @@
         <p:spPr>
           <a:xfrm>
             <a:off x="5411160" y="2525760"/>
-            <a:ext cx="1370880" cy="456480"/>
+            <a:ext cx="1370520" cy="456120"/>
           </a:xfrm>
           <a:prstGeom prst="roundRect">
             <a:avLst>
@@ -33026,7 +33239,7 @@
         <p:spPr>
           <a:xfrm>
             <a:off x="5409000" y="3956760"/>
-            <a:ext cx="1370880" cy="456480"/>
+            <a:ext cx="1370520" cy="456120"/>
           </a:xfrm>
           <a:prstGeom prst="roundRect">
             <a:avLst>
@@ -33133,7 +33346,7 @@
         <p:spPr>
           <a:xfrm>
             <a:off x="5366160" y="4726800"/>
-            <a:ext cx="1456200" cy="1456200"/>
+            <a:ext cx="1455840" cy="1455840"/>
           </a:xfrm>
           <a:prstGeom prst="rect">
             <a:avLst/>
@@ -33152,7 +33365,7 @@
         <p:spPr>
           <a:xfrm>
             <a:off x="5751720" y="4924440"/>
-            <a:ext cx="685080" cy="595800"/>
+            <a:ext cx="684720" cy="595440"/>
           </a:xfrm>
           <a:prstGeom prst="rect">
             <a:avLst/>
@@ -33240,7 +33453,7 @@
         <p:spPr>
           <a:xfrm>
             <a:off x="2056680" y="-74160"/>
-            <a:ext cx="8223120" cy="1215360"/>
+            <a:ext cx="8222760" cy="1215000"/>
           </a:xfrm>
           <a:prstGeom prst="rect">
             <a:avLst/>
@@ -33339,7 +33552,7 @@
         <p:spPr>
           <a:xfrm>
             <a:off x="11721960" y="6430680"/>
-            <a:ext cx="3822120" cy="426600"/>
+            <a:ext cx="3821760" cy="426240"/>
           </a:xfrm>
           <a:prstGeom prst="rect">
             <a:avLst/>
@@ -33397,7 +33610,7 @@
         <p:spPr>
           <a:xfrm>
             <a:off x="5237640" y="1326240"/>
-            <a:ext cx="1713240" cy="959040"/>
+            <a:ext cx="1712880" cy="958680"/>
           </a:xfrm>
           <a:prstGeom prst="rect">
             <a:avLst/>
@@ -33459,7 +33672,7 @@
         <p:spPr>
           <a:xfrm>
             <a:off x="5408640" y="3236400"/>
-            <a:ext cx="1370880" cy="456480"/>
+            <a:ext cx="1370520" cy="456120"/>
           </a:xfrm>
           <a:prstGeom prst="roundRect">
             <a:avLst>
@@ -33562,7 +33775,7 @@
         <p:spPr>
           <a:xfrm>
             <a:off x="5411160" y="2525760"/>
-            <a:ext cx="1370880" cy="456480"/>
+            <a:ext cx="1370520" cy="456120"/>
           </a:xfrm>
           <a:prstGeom prst="roundRect">
             <a:avLst>
@@ -33665,7 +33878,7 @@
         <p:spPr>
           <a:xfrm>
             <a:off x="5409000" y="3956760"/>
-            <a:ext cx="1370880" cy="456480"/>
+            <a:ext cx="1370520" cy="456120"/>
           </a:xfrm>
           <a:prstGeom prst="roundRect">
             <a:avLst>
@@ -33772,7 +33985,7 @@
         <p:spPr>
           <a:xfrm>
             <a:off x="5366160" y="4726800"/>
-            <a:ext cx="1456200" cy="1456200"/>
+            <a:ext cx="1455840" cy="1455840"/>
           </a:xfrm>
           <a:prstGeom prst="rect">
             <a:avLst/>
@@ -33791,7 +34004,7 @@
         <p:spPr>
           <a:xfrm>
             <a:off x="5751720" y="4924440"/>
-            <a:ext cx="685080" cy="595800"/>
+            <a:ext cx="684720" cy="595440"/>
           </a:xfrm>
           <a:prstGeom prst="rect">
             <a:avLst/>
@@ -33845,7 +34058,7 @@
         <p:spPr>
           <a:xfrm>
             <a:off x="6400800" y="228600"/>
-            <a:ext cx="2285280" cy="913680"/>
+            <a:ext cx="2284920" cy="913320"/>
           </a:xfrm>
           <a:prstGeom prst="wedgeEllipseCallout">
             <a:avLst>
@@ -33892,7 +34105,7 @@
               <a:solidFill>
                 <a:srgbClr val="000000"/>
               </a:solidFill>
-              <a:latin typeface="Times New Roman"/>
+              <a:latin typeface="Arial"/>
             </a:endParaRPr>
           </a:p>
         </p:txBody>

--- a/S24/cs494/notes/github-intro.pptx
+++ b/S24/cs494/notes/github-intro.pptx
@@ -386,7 +386,7 @@
             <a:pPr indent="0" algn="r">
               <a:buNone/>
             </a:pPr>
-            <a:fld id="{C5C1855B-7236-4C44-B793-D5153E75D194}" type="slidenum">
+            <a:fld id="{1A8246C4-88DC-4A4A-94DF-8F9BDA08F432}" type="slidenum">
               <a:rPr b="0" lang="en-US" sz="1400" spc="-1" strike="noStrike">
                 <a:solidFill>
                   <a:srgbClr val="000000"/>
@@ -440,7 +440,7 @@
         <p:spPr>
           <a:xfrm>
             <a:off x="685800" y="1143000"/>
-            <a:ext cx="5481720" cy="3081600"/>
+            <a:ext cx="5481000" cy="3080880"/>
           </a:xfrm>
           <a:prstGeom prst="rect">
             <a:avLst/>
@@ -463,7 +463,7 @@
         <p:spPr>
           <a:xfrm>
             <a:off x="685800" y="4400640"/>
-            <a:ext cx="5481720" cy="3595680"/>
+            <a:ext cx="5481000" cy="3594960"/>
           </a:xfrm>
           <a:prstGeom prst="rect">
             <a:avLst/>
@@ -503,7 +503,7 @@
         <p:spPr>
           <a:xfrm>
             <a:off x="3884760" y="8685360"/>
-            <a:ext cx="2967120" cy="453960"/>
+            <a:ext cx="2966400" cy="453240"/>
           </a:xfrm>
           <a:prstGeom prst="rect">
             <a:avLst/>
@@ -544,7 +544,7 @@
                 <a:tab algn="l" pos="0"/>
               </a:tabLst>
             </a:pPr>
-            <a:fld id="{3D300B58-78A8-4FA9-91F6-A2DBCB4F35CC}" type="slidenum">
+            <a:fld id="{98E340E6-9C38-48D0-870D-74157D17DE2C}" type="slidenum">
               <a:rPr b="0" lang="en-US" sz="1200" spc="-1" strike="noStrike">
                 <a:solidFill>
                   <a:srgbClr val="000000"/>
@@ -597,7 +597,7 @@
         <p:spPr>
           <a:xfrm>
             <a:off x="685800" y="1143000"/>
-            <a:ext cx="5481720" cy="3081600"/>
+            <a:ext cx="5481000" cy="3080880"/>
           </a:xfrm>
           <a:prstGeom prst="rect">
             <a:avLst/>
@@ -620,7 +620,7 @@
         <p:spPr>
           <a:xfrm>
             <a:off x="685800" y="4400640"/>
-            <a:ext cx="5481720" cy="3595680"/>
+            <a:ext cx="5481000" cy="3594960"/>
           </a:xfrm>
           <a:prstGeom prst="rect">
             <a:avLst/>
@@ -660,7 +660,7 @@
         <p:spPr>
           <a:xfrm>
             <a:off x="3884760" y="8685360"/>
-            <a:ext cx="2967120" cy="453960"/>
+            <a:ext cx="2966400" cy="453240"/>
           </a:xfrm>
           <a:prstGeom prst="rect">
             <a:avLst/>
@@ -701,7 +701,7 @@
                 <a:tab algn="l" pos="0"/>
               </a:tabLst>
             </a:pPr>
-            <a:fld id="{533B75DE-03AF-494A-BE96-4F55B40511A4}" type="slidenum">
+            <a:fld id="{02743275-5A2D-4DA3-B99A-06719FD6F723}" type="slidenum">
               <a:rPr b="0" lang="en-US" sz="1200" spc="-1" strike="noStrike">
                 <a:solidFill>
                   <a:srgbClr val="000000"/>
@@ -754,7 +754,7 @@
         <p:spPr>
           <a:xfrm>
             <a:off x="685800" y="1143000"/>
-            <a:ext cx="5481720" cy="3081600"/>
+            <a:ext cx="5481000" cy="3080880"/>
           </a:xfrm>
           <a:prstGeom prst="rect">
             <a:avLst/>
@@ -777,7 +777,7 @@
         <p:spPr>
           <a:xfrm>
             <a:off x="685800" y="4400640"/>
-            <a:ext cx="5481720" cy="3595680"/>
+            <a:ext cx="5481000" cy="3594960"/>
           </a:xfrm>
           <a:prstGeom prst="rect">
             <a:avLst/>
@@ -817,7 +817,7 @@
         <p:spPr>
           <a:xfrm>
             <a:off x="3884760" y="8685360"/>
-            <a:ext cx="2967120" cy="453960"/>
+            <a:ext cx="2966400" cy="453240"/>
           </a:xfrm>
           <a:prstGeom prst="rect">
             <a:avLst/>
@@ -858,7 +858,7 @@
                 <a:tab algn="l" pos="0"/>
               </a:tabLst>
             </a:pPr>
-            <a:fld id="{D0B4828D-C64F-4FFF-BDED-5F350022683F}" type="slidenum">
+            <a:fld id="{C04BBA20-D4AE-4F35-A34B-86123696C466}" type="slidenum">
               <a:rPr b="0" lang="en-US" sz="1200" spc="-1" strike="noStrike">
                 <a:solidFill>
                   <a:srgbClr val="000000"/>
@@ -911,7 +911,7 @@
         <p:spPr>
           <a:xfrm>
             <a:off x="685800" y="1143000"/>
-            <a:ext cx="5481720" cy="3081600"/>
+            <a:ext cx="5481000" cy="3080880"/>
           </a:xfrm>
           <a:prstGeom prst="rect">
             <a:avLst/>
@@ -934,7 +934,7 @@
         <p:spPr>
           <a:xfrm>
             <a:off x="685800" y="4400640"/>
-            <a:ext cx="5481720" cy="3595680"/>
+            <a:ext cx="5481000" cy="3594960"/>
           </a:xfrm>
           <a:prstGeom prst="rect">
             <a:avLst/>
@@ -974,7 +974,7 @@
         <p:spPr>
           <a:xfrm>
             <a:off x="3884760" y="8685360"/>
-            <a:ext cx="2967120" cy="453960"/>
+            <a:ext cx="2966400" cy="453240"/>
           </a:xfrm>
           <a:prstGeom prst="rect">
             <a:avLst/>
@@ -1015,7 +1015,7 @@
                 <a:tab algn="l" pos="0"/>
               </a:tabLst>
             </a:pPr>
-            <a:fld id="{98E67AB0-898E-44D1-AB51-CB0A85B175D9}" type="slidenum">
+            <a:fld id="{D955FC7D-61F0-499D-89CC-AEF380A718E3}" type="slidenum">
               <a:rPr b="0" lang="en-US" sz="1200" spc="-1" strike="noStrike">
                 <a:solidFill>
                   <a:srgbClr val="000000"/>
@@ -1068,7 +1068,7 @@
         <p:spPr>
           <a:xfrm>
             <a:off x="685800" y="1143000"/>
-            <a:ext cx="5481720" cy="3081600"/>
+            <a:ext cx="5481000" cy="3080880"/>
           </a:xfrm>
           <a:prstGeom prst="rect">
             <a:avLst/>
@@ -1091,7 +1091,7 @@
         <p:spPr>
           <a:xfrm>
             <a:off x="685800" y="4400640"/>
-            <a:ext cx="5481720" cy="3595680"/>
+            <a:ext cx="5481000" cy="3594960"/>
           </a:xfrm>
           <a:prstGeom prst="rect">
             <a:avLst/>
@@ -1131,7 +1131,7 @@
         <p:spPr>
           <a:xfrm>
             <a:off x="3884760" y="8685360"/>
-            <a:ext cx="2967120" cy="453960"/>
+            <a:ext cx="2966400" cy="453240"/>
           </a:xfrm>
           <a:prstGeom prst="rect">
             <a:avLst/>
@@ -1172,7 +1172,7 @@
                 <a:tab algn="l" pos="0"/>
               </a:tabLst>
             </a:pPr>
-            <a:fld id="{32CFA7E6-2C1B-4D29-A886-DA62CE275DAF}" type="slidenum">
+            <a:fld id="{A93E1B15-6BDF-4708-AFE8-493CE0BB729E}" type="slidenum">
               <a:rPr b="0" lang="en-US" sz="1200" spc="-1" strike="noStrike">
                 <a:solidFill>
                   <a:srgbClr val="000000"/>
@@ -1225,7 +1225,7 @@
         <p:spPr>
           <a:xfrm>
             <a:off x="685800" y="1143000"/>
-            <a:ext cx="5481720" cy="3081600"/>
+            <a:ext cx="5481000" cy="3080880"/>
           </a:xfrm>
           <a:prstGeom prst="rect">
             <a:avLst/>
@@ -1248,7 +1248,7 @@
         <p:spPr>
           <a:xfrm>
             <a:off x="685800" y="4400640"/>
-            <a:ext cx="5481720" cy="3595680"/>
+            <a:ext cx="5481000" cy="3594960"/>
           </a:xfrm>
           <a:prstGeom prst="rect">
             <a:avLst/>
@@ -1288,7 +1288,7 @@
         <p:spPr>
           <a:xfrm>
             <a:off x="3884760" y="8685360"/>
-            <a:ext cx="2967120" cy="453960"/>
+            <a:ext cx="2966400" cy="453240"/>
           </a:xfrm>
           <a:prstGeom prst="rect">
             <a:avLst/>
@@ -1329,7 +1329,7 @@
                 <a:tab algn="l" pos="0"/>
               </a:tabLst>
             </a:pPr>
-            <a:fld id="{0BB0AB88-D1C4-44C5-A7DE-E1E51E170828}" type="slidenum">
+            <a:fld id="{9377FD7E-1A1E-4F44-9120-3AD235292165}" type="slidenum">
               <a:rPr b="0" lang="en-US" sz="1200" spc="-1" strike="noStrike">
                 <a:solidFill>
                   <a:srgbClr val="000000"/>
@@ -1382,7 +1382,7 @@
         <p:spPr>
           <a:xfrm>
             <a:off x="685800" y="1143000"/>
-            <a:ext cx="5481720" cy="3081600"/>
+            <a:ext cx="5481000" cy="3080880"/>
           </a:xfrm>
           <a:prstGeom prst="rect">
             <a:avLst/>
@@ -1405,7 +1405,7 @@
         <p:spPr>
           <a:xfrm>
             <a:off x="685800" y="4400640"/>
-            <a:ext cx="5481720" cy="3595680"/>
+            <a:ext cx="5481000" cy="3594960"/>
           </a:xfrm>
           <a:prstGeom prst="rect">
             <a:avLst/>
@@ -1445,7 +1445,7 @@
         <p:spPr>
           <a:xfrm>
             <a:off x="3884760" y="8685360"/>
-            <a:ext cx="2967120" cy="453960"/>
+            <a:ext cx="2966400" cy="453240"/>
           </a:xfrm>
           <a:prstGeom prst="rect">
             <a:avLst/>
@@ -1486,7 +1486,7 @@
                 <a:tab algn="l" pos="0"/>
               </a:tabLst>
             </a:pPr>
-            <a:fld id="{49C3F482-1A2A-455F-9F43-46ED2635F5F3}" type="slidenum">
+            <a:fld id="{44C7DEAA-C7AA-4E29-881D-F59B9047C0A6}" type="slidenum">
               <a:rPr b="0" lang="en-US" sz="1200" spc="-1" strike="noStrike">
                 <a:solidFill>
                   <a:srgbClr val="000000"/>
@@ -1539,7 +1539,7 @@
         <p:spPr>
           <a:xfrm>
             <a:off x="685800" y="1143000"/>
-            <a:ext cx="5481720" cy="3081600"/>
+            <a:ext cx="5481000" cy="3080880"/>
           </a:xfrm>
           <a:prstGeom prst="rect">
             <a:avLst/>
@@ -1562,7 +1562,7 @@
         <p:spPr>
           <a:xfrm>
             <a:off x="685800" y="4400640"/>
-            <a:ext cx="5481720" cy="3595680"/>
+            <a:ext cx="5481000" cy="3594960"/>
           </a:xfrm>
           <a:prstGeom prst="rect">
             <a:avLst/>
@@ -1602,7 +1602,7 @@
         <p:spPr>
           <a:xfrm>
             <a:off x="3884760" y="8685360"/>
-            <a:ext cx="2967120" cy="453960"/>
+            <a:ext cx="2966400" cy="453240"/>
           </a:xfrm>
           <a:prstGeom prst="rect">
             <a:avLst/>
@@ -1643,7 +1643,7 @@
                 <a:tab algn="l" pos="0"/>
               </a:tabLst>
             </a:pPr>
-            <a:fld id="{DD1E2DB4-B163-4D59-9C6A-CEEF29CFD5B1}" type="slidenum">
+            <a:fld id="{7681F4CE-2112-4F5C-967D-0D9E07E3141E}" type="slidenum">
               <a:rPr b="0" lang="en-US" sz="1200" spc="-1" strike="noStrike">
                 <a:solidFill>
                   <a:srgbClr val="000000"/>
@@ -1696,7 +1696,7 @@
         <p:spPr>
           <a:xfrm>
             <a:off x="685800" y="1143000"/>
-            <a:ext cx="5481720" cy="3081600"/>
+            <a:ext cx="5481000" cy="3080880"/>
           </a:xfrm>
           <a:prstGeom prst="rect">
             <a:avLst/>
@@ -1719,7 +1719,7 @@
         <p:spPr>
           <a:xfrm>
             <a:off x="685800" y="4400640"/>
-            <a:ext cx="5481720" cy="3595680"/>
+            <a:ext cx="5481000" cy="3594960"/>
           </a:xfrm>
           <a:prstGeom prst="rect">
             <a:avLst/>
@@ -1759,7 +1759,7 @@
         <p:spPr>
           <a:xfrm>
             <a:off x="3884760" y="8685360"/>
-            <a:ext cx="2967120" cy="453960"/>
+            <a:ext cx="2966400" cy="453240"/>
           </a:xfrm>
           <a:prstGeom prst="rect">
             <a:avLst/>
@@ -1800,7 +1800,7 @@
                 <a:tab algn="l" pos="0"/>
               </a:tabLst>
             </a:pPr>
-            <a:fld id="{17B8B8C5-6D99-4E2A-A294-1C107A26842B}" type="slidenum">
+            <a:fld id="{B06E3EBA-A021-4B73-8EA0-0DC706F394AF}" type="slidenum">
               <a:rPr b="0" lang="en-US" sz="1200" spc="-1" strike="noStrike">
                 <a:solidFill>
                   <a:srgbClr val="000000"/>
@@ -1853,7 +1853,7 @@
         <p:spPr>
           <a:xfrm>
             <a:off x="685800" y="1143000"/>
-            <a:ext cx="5481720" cy="3081600"/>
+            <a:ext cx="5481000" cy="3080880"/>
           </a:xfrm>
           <a:prstGeom prst="rect">
             <a:avLst/>
@@ -1876,7 +1876,7 @@
         <p:spPr>
           <a:xfrm>
             <a:off x="685800" y="4400640"/>
-            <a:ext cx="5481720" cy="3595680"/>
+            <a:ext cx="5481000" cy="3594960"/>
           </a:xfrm>
           <a:prstGeom prst="rect">
             <a:avLst/>
@@ -1916,7 +1916,7 @@
         <p:spPr>
           <a:xfrm>
             <a:off x="3884760" y="8685360"/>
-            <a:ext cx="2967120" cy="453960"/>
+            <a:ext cx="2966400" cy="453240"/>
           </a:xfrm>
           <a:prstGeom prst="rect">
             <a:avLst/>
@@ -1957,7 +1957,7 @@
                 <a:tab algn="l" pos="0"/>
               </a:tabLst>
             </a:pPr>
-            <a:fld id="{AAACE051-1810-4295-BCE1-CFD875C1C0C8}" type="slidenum">
+            <a:fld id="{18DF51EC-30EF-4CD0-B4CA-5397E94A9CA4}" type="slidenum">
               <a:rPr b="0" lang="en-US" sz="1200" spc="-1" strike="noStrike">
                 <a:solidFill>
                   <a:srgbClr val="000000"/>
@@ -2010,7 +2010,7 @@
         <p:spPr>
           <a:xfrm>
             <a:off x="685800" y="1143000"/>
-            <a:ext cx="5481720" cy="3081600"/>
+            <a:ext cx="5481000" cy="3080880"/>
           </a:xfrm>
           <a:prstGeom prst="rect">
             <a:avLst/>
@@ -2033,7 +2033,7 @@
         <p:spPr>
           <a:xfrm>
             <a:off x="685800" y="4400640"/>
-            <a:ext cx="5481720" cy="3595680"/>
+            <a:ext cx="5481000" cy="3594960"/>
           </a:xfrm>
           <a:prstGeom prst="rect">
             <a:avLst/>
@@ -2073,7 +2073,7 @@
         <p:spPr>
           <a:xfrm>
             <a:off x="3884760" y="8685360"/>
-            <a:ext cx="2967120" cy="453960"/>
+            <a:ext cx="2966400" cy="453240"/>
           </a:xfrm>
           <a:prstGeom prst="rect">
             <a:avLst/>
@@ -2114,7 +2114,7 @@
                 <a:tab algn="l" pos="0"/>
               </a:tabLst>
             </a:pPr>
-            <a:fld id="{5965A8FF-2A68-4F3A-977C-9491EA523CA9}" type="slidenum">
+            <a:fld id="{A736049D-D2C6-44F3-BD3A-E7DA8722DF49}" type="slidenum">
               <a:rPr b="0" lang="en-US" sz="1200" spc="-1" strike="noStrike">
                 <a:solidFill>
                   <a:srgbClr val="000000"/>
@@ -2167,7 +2167,7 @@
         <p:spPr>
           <a:xfrm>
             <a:off x="685800" y="1143000"/>
-            <a:ext cx="5481720" cy="3081600"/>
+            <a:ext cx="5481000" cy="3080880"/>
           </a:xfrm>
           <a:prstGeom prst="rect">
             <a:avLst/>
@@ -2190,7 +2190,7 @@
         <p:spPr>
           <a:xfrm>
             <a:off x="685800" y="4400640"/>
-            <a:ext cx="5481720" cy="3595680"/>
+            <a:ext cx="5481000" cy="3594960"/>
           </a:xfrm>
           <a:prstGeom prst="rect">
             <a:avLst/>
@@ -2230,7 +2230,7 @@
         <p:spPr>
           <a:xfrm>
             <a:off x="3884760" y="8685360"/>
-            <a:ext cx="2967120" cy="453960"/>
+            <a:ext cx="2966400" cy="453240"/>
           </a:xfrm>
           <a:prstGeom prst="rect">
             <a:avLst/>
@@ -2271,7 +2271,7 @@
                 <a:tab algn="l" pos="0"/>
               </a:tabLst>
             </a:pPr>
-            <a:fld id="{5AFA1678-B61F-400F-8047-A3EAACA753E3}" type="slidenum">
+            <a:fld id="{86966646-CFF6-4792-B00F-D192FA9CBE81}" type="slidenum">
               <a:rPr b="0" lang="en-US" sz="1200" spc="-1" strike="noStrike">
                 <a:solidFill>
                   <a:srgbClr val="000000"/>
@@ -2324,7 +2324,7 @@
         <p:spPr>
           <a:xfrm>
             <a:off x="685800" y="1143000"/>
-            <a:ext cx="5481720" cy="3081600"/>
+            <a:ext cx="5481000" cy="3080880"/>
           </a:xfrm>
           <a:prstGeom prst="rect">
             <a:avLst/>
@@ -2347,7 +2347,7 @@
         <p:spPr>
           <a:xfrm>
             <a:off x="685800" y="4400640"/>
-            <a:ext cx="5481720" cy="3595680"/>
+            <a:ext cx="5481000" cy="3594960"/>
           </a:xfrm>
           <a:prstGeom prst="rect">
             <a:avLst/>
@@ -2387,7 +2387,7 @@
         <p:spPr>
           <a:xfrm>
             <a:off x="3884760" y="8685360"/>
-            <a:ext cx="2967120" cy="453960"/>
+            <a:ext cx="2966400" cy="453240"/>
           </a:xfrm>
           <a:prstGeom prst="rect">
             <a:avLst/>
@@ -2428,7 +2428,7 @@
                 <a:tab algn="l" pos="0"/>
               </a:tabLst>
             </a:pPr>
-            <a:fld id="{A0258FDE-0905-4603-A01C-49015024FF5F}" type="slidenum">
+            <a:fld id="{30D8BCC5-BB24-48CE-AE20-E3CFD86FB227}" type="slidenum">
               <a:rPr b="0" lang="en-US" sz="1200" spc="-1" strike="noStrike">
                 <a:solidFill>
                   <a:srgbClr val="000000"/>
@@ -2481,7 +2481,7 @@
         <p:spPr>
           <a:xfrm>
             <a:off x="685800" y="1143000"/>
-            <a:ext cx="5481720" cy="3081600"/>
+            <a:ext cx="5481000" cy="3080880"/>
           </a:xfrm>
           <a:prstGeom prst="rect">
             <a:avLst/>
@@ -2504,7 +2504,7 @@
         <p:spPr>
           <a:xfrm>
             <a:off x="685800" y="4400640"/>
-            <a:ext cx="5481720" cy="3595680"/>
+            <a:ext cx="5481000" cy="3594960"/>
           </a:xfrm>
           <a:prstGeom prst="rect">
             <a:avLst/>
@@ -2544,7 +2544,7 @@
         <p:spPr>
           <a:xfrm>
             <a:off x="3884760" y="8685360"/>
-            <a:ext cx="2967120" cy="453960"/>
+            <a:ext cx="2966400" cy="453240"/>
           </a:xfrm>
           <a:prstGeom prst="rect">
             <a:avLst/>
@@ -2585,7 +2585,7 @@
                 <a:tab algn="l" pos="0"/>
               </a:tabLst>
             </a:pPr>
-            <a:fld id="{E5B7C97D-4911-4447-93B7-7F910DBCD316}" type="slidenum">
+            <a:fld id="{955D912D-6E1E-4DD2-94EC-9E29ED3D5E0A}" type="slidenum">
               <a:rPr b="0" lang="en-US" sz="1200" spc="-1" strike="noStrike">
                 <a:solidFill>
                   <a:srgbClr val="000000"/>
@@ -2638,7 +2638,7 @@
         <p:spPr>
           <a:xfrm>
             <a:off x="685800" y="1143000"/>
-            <a:ext cx="5481720" cy="3081600"/>
+            <a:ext cx="5481000" cy="3080880"/>
           </a:xfrm>
           <a:prstGeom prst="rect">
             <a:avLst/>
@@ -2661,7 +2661,7 @@
         <p:spPr>
           <a:xfrm>
             <a:off x="685800" y="4400640"/>
-            <a:ext cx="5481720" cy="3595680"/>
+            <a:ext cx="5481000" cy="3594960"/>
           </a:xfrm>
           <a:prstGeom prst="rect">
             <a:avLst/>
@@ -2701,7 +2701,7 @@
         <p:spPr>
           <a:xfrm>
             <a:off x="3884760" y="8685360"/>
-            <a:ext cx="2967120" cy="453960"/>
+            <a:ext cx="2966400" cy="453240"/>
           </a:xfrm>
           <a:prstGeom prst="rect">
             <a:avLst/>
@@ -2742,7 +2742,7 @@
                 <a:tab algn="l" pos="0"/>
               </a:tabLst>
             </a:pPr>
-            <a:fld id="{20D86504-D2E4-4ED2-AB25-059BC1EA0B8C}" type="slidenum">
+            <a:fld id="{8E40B7BF-920E-42AD-86FA-0D334058BCC2}" type="slidenum">
               <a:rPr b="0" lang="en-US" sz="1200" spc="-1" strike="noStrike">
                 <a:solidFill>
                   <a:srgbClr val="000000"/>
@@ -2795,7 +2795,7 @@
         <p:spPr>
           <a:xfrm>
             <a:off x="685800" y="1143000"/>
-            <a:ext cx="5481720" cy="3081600"/>
+            <a:ext cx="5481000" cy="3080880"/>
           </a:xfrm>
           <a:prstGeom prst="rect">
             <a:avLst/>
@@ -2818,7 +2818,7 @@
         <p:spPr>
           <a:xfrm>
             <a:off x="685800" y="4400640"/>
-            <a:ext cx="5481720" cy="3595680"/>
+            <a:ext cx="5481000" cy="3594960"/>
           </a:xfrm>
           <a:prstGeom prst="rect">
             <a:avLst/>
@@ -2858,7 +2858,7 @@
         <p:spPr>
           <a:xfrm>
             <a:off x="3884760" y="8685360"/>
-            <a:ext cx="2967120" cy="453960"/>
+            <a:ext cx="2966400" cy="453240"/>
           </a:xfrm>
           <a:prstGeom prst="rect">
             <a:avLst/>
@@ -2899,7 +2899,7 @@
                 <a:tab algn="l" pos="0"/>
               </a:tabLst>
             </a:pPr>
-            <a:fld id="{04FB3598-7614-4A6B-9FDA-9DEC84AA9183}" type="slidenum">
+            <a:fld id="{DA0055C8-C568-4526-BA5C-CACDF237E6B2}" type="slidenum">
               <a:rPr b="0" lang="en-US" sz="1200" spc="-1" strike="noStrike">
                 <a:solidFill>
                   <a:srgbClr val="000000"/>
@@ -2952,7 +2952,7 @@
         <p:spPr>
           <a:xfrm>
             <a:off x="685800" y="1143000"/>
-            <a:ext cx="5481720" cy="3081600"/>
+            <a:ext cx="5481000" cy="3080880"/>
           </a:xfrm>
           <a:prstGeom prst="rect">
             <a:avLst/>
@@ -2975,7 +2975,7 @@
         <p:spPr>
           <a:xfrm>
             <a:off x="685800" y="4400640"/>
-            <a:ext cx="5481720" cy="3595680"/>
+            <a:ext cx="5481000" cy="3594960"/>
           </a:xfrm>
           <a:prstGeom prst="rect">
             <a:avLst/>
@@ -3015,7 +3015,7 @@
         <p:spPr>
           <a:xfrm>
             <a:off x="3884760" y="8685360"/>
-            <a:ext cx="2967120" cy="453960"/>
+            <a:ext cx="2966400" cy="453240"/>
           </a:xfrm>
           <a:prstGeom prst="rect">
             <a:avLst/>
@@ -3056,7 +3056,7 @@
                 <a:tab algn="l" pos="0"/>
               </a:tabLst>
             </a:pPr>
-            <a:fld id="{D6A65270-AFEC-410C-A734-270BADB99712}" type="slidenum">
+            <a:fld id="{A786D4EF-D5E7-49DD-AD26-91CC141EDE64}" type="slidenum">
               <a:rPr b="0" lang="en-US" sz="1200" spc="-1" strike="noStrike">
                 <a:solidFill>
                   <a:srgbClr val="000000"/>
@@ -3109,7 +3109,7 @@
         <p:spPr>
           <a:xfrm>
             <a:off x="685800" y="1143000"/>
-            <a:ext cx="5481720" cy="3081600"/>
+            <a:ext cx="5481000" cy="3080880"/>
           </a:xfrm>
           <a:prstGeom prst="rect">
             <a:avLst/>
@@ -3132,7 +3132,7 @@
         <p:spPr>
           <a:xfrm>
             <a:off x="685800" y="4400640"/>
-            <a:ext cx="5481720" cy="3595680"/>
+            <a:ext cx="5481000" cy="3594960"/>
           </a:xfrm>
           <a:prstGeom prst="rect">
             <a:avLst/>
@@ -3172,7 +3172,7 @@
         <p:spPr>
           <a:xfrm>
             <a:off x="3884760" y="8685360"/>
-            <a:ext cx="2967120" cy="453960"/>
+            <a:ext cx="2966400" cy="453240"/>
           </a:xfrm>
           <a:prstGeom prst="rect">
             <a:avLst/>
@@ -3213,7 +3213,7 @@
                 <a:tab algn="l" pos="0"/>
               </a:tabLst>
             </a:pPr>
-            <a:fld id="{BFD77D7D-74B8-4384-A17D-17194BDC4149}" type="slidenum">
+            <a:fld id="{F9AC9E1D-95EC-401D-AB68-4AE8B9AEEF48}" type="slidenum">
               <a:rPr b="0" lang="en-US" sz="1200" spc="-1" strike="noStrike">
                 <a:solidFill>
                   <a:srgbClr val="000000"/>
@@ -3266,7 +3266,7 @@
         <p:spPr>
           <a:xfrm>
             <a:off x="685800" y="1143000"/>
-            <a:ext cx="5481720" cy="3081600"/>
+            <a:ext cx="5481000" cy="3080880"/>
           </a:xfrm>
           <a:prstGeom prst="rect">
             <a:avLst/>
@@ -3289,7 +3289,7 @@
         <p:spPr>
           <a:xfrm>
             <a:off x="685800" y="4400640"/>
-            <a:ext cx="5481720" cy="3595680"/>
+            <a:ext cx="5481000" cy="3594960"/>
           </a:xfrm>
           <a:prstGeom prst="rect">
             <a:avLst/>
@@ -3329,7 +3329,7 @@
         <p:spPr>
           <a:xfrm>
             <a:off x="3884760" y="8685360"/>
-            <a:ext cx="2967120" cy="453960"/>
+            <a:ext cx="2966400" cy="453240"/>
           </a:xfrm>
           <a:prstGeom prst="rect">
             <a:avLst/>
@@ -3370,7 +3370,7 @@
                 <a:tab algn="l" pos="0"/>
               </a:tabLst>
             </a:pPr>
-            <a:fld id="{D78E24BC-1254-4A81-BC60-92983826AA4C}" type="slidenum">
+            <a:fld id="{5D68DFC2-4736-435B-9B80-FFAB045B7F40}" type="slidenum">
               <a:rPr b="0" lang="en-US" sz="1200" spc="-1" strike="noStrike">
                 <a:solidFill>
                   <a:srgbClr val="000000"/>
@@ -3423,7 +3423,7 @@
         <p:spPr>
           <a:xfrm>
             <a:off x="685800" y="1143000"/>
-            <a:ext cx="5481720" cy="3081600"/>
+            <a:ext cx="5481000" cy="3080880"/>
           </a:xfrm>
           <a:prstGeom prst="rect">
             <a:avLst/>
@@ -3446,7 +3446,7 @@
         <p:spPr>
           <a:xfrm>
             <a:off x="685800" y="4400640"/>
-            <a:ext cx="5481720" cy="3595680"/>
+            <a:ext cx="5481000" cy="3594960"/>
           </a:xfrm>
           <a:prstGeom prst="rect">
             <a:avLst/>
@@ -3486,7 +3486,7 @@
         <p:spPr>
           <a:xfrm>
             <a:off x="3884760" y="8685360"/>
-            <a:ext cx="2967120" cy="453960"/>
+            <a:ext cx="2966400" cy="453240"/>
           </a:xfrm>
           <a:prstGeom prst="rect">
             <a:avLst/>
@@ -3527,7 +3527,7 @@
                 <a:tab algn="l" pos="0"/>
               </a:tabLst>
             </a:pPr>
-            <a:fld id="{BFEAAA68-8477-4F92-B1D9-A84C92764021}" type="slidenum">
+            <a:fld id="{6C3BD777-7C21-4F93-B702-9339CA1FB60B}" type="slidenum">
               <a:rPr b="0" lang="en-US" sz="1200" spc="-1" strike="noStrike">
                 <a:solidFill>
                   <a:srgbClr val="000000"/>
@@ -3580,7 +3580,7 @@
         <p:spPr>
           <a:xfrm>
             <a:off x="685800" y="1143000"/>
-            <a:ext cx="5481720" cy="3081600"/>
+            <a:ext cx="5481000" cy="3080880"/>
           </a:xfrm>
           <a:prstGeom prst="rect">
             <a:avLst/>
@@ -3603,7 +3603,7 @@
         <p:spPr>
           <a:xfrm>
             <a:off x="685800" y="4400640"/>
-            <a:ext cx="5481720" cy="3595680"/>
+            <a:ext cx="5481000" cy="3594960"/>
           </a:xfrm>
           <a:prstGeom prst="rect">
             <a:avLst/>
@@ -3643,7 +3643,7 @@
         <p:spPr>
           <a:xfrm>
             <a:off x="3884760" y="8685360"/>
-            <a:ext cx="2967120" cy="453960"/>
+            <a:ext cx="2966400" cy="453240"/>
           </a:xfrm>
           <a:prstGeom prst="rect">
             <a:avLst/>
@@ -3684,7 +3684,7 @@
                 <a:tab algn="l" pos="0"/>
               </a:tabLst>
             </a:pPr>
-            <a:fld id="{025FBC0A-D62B-41A9-96B1-161E67E2B5F3}" type="slidenum">
+            <a:fld id="{04650301-98EC-47A6-8282-3218CB15DE98}" type="slidenum">
               <a:rPr b="0" lang="en-US" sz="1200" spc="-1" strike="noStrike">
                 <a:solidFill>
                   <a:srgbClr val="000000"/>
@@ -3737,7 +3737,7 @@
         <p:spPr>
           <a:xfrm>
             <a:off x="685800" y="1143000"/>
-            <a:ext cx="5481720" cy="3081600"/>
+            <a:ext cx="5481000" cy="3080880"/>
           </a:xfrm>
           <a:prstGeom prst="rect">
             <a:avLst/>
@@ -3760,7 +3760,7 @@
         <p:spPr>
           <a:xfrm>
             <a:off x="685800" y="4400640"/>
-            <a:ext cx="5481720" cy="3595680"/>
+            <a:ext cx="5481000" cy="3594960"/>
           </a:xfrm>
           <a:prstGeom prst="rect">
             <a:avLst/>
@@ -3800,7 +3800,7 @@
         <p:spPr>
           <a:xfrm>
             <a:off x="3884760" y="8685360"/>
-            <a:ext cx="2967120" cy="453960"/>
+            <a:ext cx="2966400" cy="453240"/>
           </a:xfrm>
           <a:prstGeom prst="rect">
             <a:avLst/>
@@ -3841,7 +3841,7 @@
                 <a:tab algn="l" pos="0"/>
               </a:tabLst>
             </a:pPr>
-            <a:fld id="{F18B6167-53EB-48D6-ADB0-966163289B13}" type="slidenum">
+            <a:fld id="{A7B4936B-EBFB-4057-997B-715B50AA9469}" type="slidenum">
               <a:rPr b="0" lang="en-US" sz="1200" spc="-1" strike="noStrike">
                 <a:solidFill>
                   <a:srgbClr val="000000"/>
@@ -3894,7 +3894,7 @@
         <p:spPr>
           <a:xfrm>
             <a:off x="685800" y="1143000"/>
-            <a:ext cx="5481720" cy="3081600"/>
+            <a:ext cx="5481000" cy="3080880"/>
           </a:xfrm>
           <a:prstGeom prst="rect">
             <a:avLst/>
@@ -3917,7 +3917,7 @@
         <p:spPr>
           <a:xfrm>
             <a:off x="685800" y="4400640"/>
-            <a:ext cx="5481720" cy="3595680"/>
+            <a:ext cx="5481000" cy="3594960"/>
           </a:xfrm>
           <a:prstGeom prst="rect">
             <a:avLst/>
@@ -3957,7 +3957,7 @@
         <p:spPr>
           <a:xfrm>
             <a:off x="3884760" y="8685360"/>
-            <a:ext cx="2967120" cy="453960"/>
+            <a:ext cx="2966400" cy="453240"/>
           </a:xfrm>
           <a:prstGeom prst="rect">
             <a:avLst/>
@@ -3998,7 +3998,7 @@
                 <a:tab algn="l" pos="0"/>
               </a:tabLst>
             </a:pPr>
-            <a:fld id="{6D2B3F9F-5230-4639-ACAA-B947E23779A7}" type="slidenum">
+            <a:fld id="{E67A8AE9-9929-4EAB-ACAE-5F2264DE1F6A}" type="slidenum">
               <a:rPr b="0" lang="en-US" sz="1200" spc="-1" strike="noStrike">
                 <a:solidFill>
                   <a:srgbClr val="000000"/>
@@ -6984,7 +6984,7 @@
         <p:spPr>
           <a:xfrm>
             <a:off x="-1623960" y="0"/>
-            <a:ext cx="13819320" cy="6863760"/>
+            <a:ext cx="13818600" cy="6863040"/>
           </a:xfrm>
           <a:prstGeom prst="rect">
             <a:avLst/>
@@ -7003,7 +7003,7 @@
         <p:spPr>
           <a:xfrm>
             <a:off x="6084000" y="0"/>
-            <a:ext cx="5585400" cy="6853320"/>
+            <a:ext cx="5584680" cy="6852600"/>
           </a:xfrm>
           <a:prstGeom prst="rect">
             <a:avLst/>
@@ -7061,7 +7061,7 @@
         <p:spPr>
           <a:xfrm>
             <a:off x="7368480" y="4313880"/>
-            <a:ext cx="3182760" cy="1585080"/>
+            <a:ext cx="3182040" cy="1584360"/>
           </a:xfrm>
           <a:prstGeom prst="rect">
             <a:avLst/>
@@ -7841,7 +7841,7 @@
         <p:spPr>
           <a:xfrm>
             <a:off x="-1623960" y="0"/>
-            <a:ext cx="13819320" cy="6863760"/>
+            <a:ext cx="13818600" cy="6863040"/>
           </a:xfrm>
           <a:prstGeom prst="rect">
             <a:avLst/>
@@ -7860,7 +7860,7 @@
         <p:spPr>
           <a:xfrm>
             <a:off x="6084000" y="0"/>
-            <a:ext cx="5585400" cy="6853320"/>
+            <a:ext cx="5584680" cy="6852600"/>
           </a:xfrm>
           <a:prstGeom prst="rect">
             <a:avLst/>
@@ -7918,7 +7918,7 @@
         <p:spPr>
           <a:xfrm>
             <a:off x="7368480" y="4313880"/>
-            <a:ext cx="3182760" cy="1585080"/>
+            <a:ext cx="3182040" cy="1584360"/>
           </a:xfrm>
           <a:prstGeom prst="rect">
             <a:avLst/>
@@ -8473,7 +8473,7 @@
         <p:spPr>
           <a:xfrm>
             <a:off x="-1623960" y="0"/>
-            <a:ext cx="13819320" cy="6863760"/>
+            <a:ext cx="13818600" cy="6863040"/>
           </a:xfrm>
           <a:prstGeom prst="rect">
             <a:avLst/>
@@ -8492,7 +8492,7 @@
         <p:spPr>
           <a:xfrm>
             <a:off x="6084000" y="0"/>
-            <a:ext cx="5585400" cy="6853320"/>
+            <a:ext cx="5584680" cy="6852600"/>
           </a:xfrm>
           <a:prstGeom prst="rect">
             <a:avLst/>
@@ -8550,7 +8550,7 @@
         <p:spPr>
           <a:xfrm>
             <a:off x="7368480" y="4313880"/>
-            <a:ext cx="3182760" cy="1585080"/>
+            <a:ext cx="3182040" cy="1584360"/>
           </a:xfrm>
           <a:prstGeom prst="rect">
             <a:avLst/>
@@ -8655,7 +8655,7 @@
         <p:spPr>
           <a:xfrm>
             <a:off x="-1623960" y="0"/>
-            <a:ext cx="13819320" cy="6863760"/>
+            <a:ext cx="13818600" cy="6863040"/>
           </a:xfrm>
           <a:prstGeom prst="rect">
             <a:avLst/>
@@ -8674,7 +8674,7 @@
         <p:spPr>
           <a:xfrm>
             <a:off x="6084000" y="0"/>
-            <a:ext cx="5585400" cy="6853320"/>
+            <a:ext cx="5584680" cy="6852600"/>
           </a:xfrm>
           <a:prstGeom prst="rect">
             <a:avLst/>
@@ -8732,7 +8732,7 @@
         <p:spPr>
           <a:xfrm>
             <a:off x="7368480" y="4313880"/>
-            <a:ext cx="3182760" cy="1585080"/>
+            <a:ext cx="3182040" cy="1584360"/>
           </a:xfrm>
           <a:prstGeom prst="rect">
             <a:avLst/>
@@ -8788,7 +8788,7 @@
         <p:spPr>
           <a:xfrm>
             <a:off x="-1623960" y="0"/>
-            <a:ext cx="13819320" cy="6863760"/>
+            <a:ext cx="13818600" cy="6863040"/>
           </a:xfrm>
           <a:prstGeom prst="rect">
             <a:avLst/>
@@ -8807,7 +8807,7 @@
         <p:spPr>
           <a:xfrm>
             <a:off x="6084000" y="0"/>
-            <a:ext cx="5585400" cy="6853320"/>
+            <a:ext cx="5584680" cy="6852600"/>
           </a:xfrm>
           <a:prstGeom prst="rect">
             <a:avLst/>
@@ -8865,7 +8865,7 @@
         <p:spPr>
           <a:xfrm>
             <a:off x="7368480" y="4313880"/>
-            <a:ext cx="3182760" cy="1585080"/>
+            <a:ext cx="3182040" cy="1584360"/>
           </a:xfrm>
           <a:prstGeom prst="rect">
             <a:avLst/>
@@ -9645,7 +9645,7 @@
         <p:spPr>
           <a:xfrm>
             <a:off x="-1623960" y="0"/>
-            <a:ext cx="13819320" cy="6863760"/>
+            <a:ext cx="13818600" cy="6863040"/>
           </a:xfrm>
           <a:prstGeom prst="rect">
             <a:avLst/>
@@ -9664,7 +9664,7 @@
         <p:spPr>
           <a:xfrm>
             <a:off x="6084000" y="0"/>
-            <a:ext cx="5585400" cy="6853320"/>
+            <a:ext cx="5584680" cy="6852600"/>
           </a:xfrm>
           <a:prstGeom prst="rect">
             <a:avLst/>
@@ -9722,7 +9722,7 @@
         <p:spPr>
           <a:xfrm>
             <a:off x="7368480" y="4313880"/>
-            <a:ext cx="3182760" cy="1585080"/>
+            <a:ext cx="3182040" cy="1584360"/>
           </a:xfrm>
           <a:prstGeom prst="rect">
             <a:avLst/>
@@ -10502,7 +10502,7 @@
         <p:spPr>
           <a:xfrm>
             <a:off x="-1623960" y="0"/>
-            <a:ext cx="13819320" cy="6863760"/>
+            <a:ext cx="13818600" cy="6863040"/>
           </a:xfrm>
           <a:prstGeom prst="rect">
             <a:avLst/>
@@ -10521,7 +10521,7 @@
         <p:spPr>
           <a:xfrm>
             <a:off x="6084000" y="0"/>
-            <a:ext cx="5585400" cy="6853320"/>
+            <a:ext cx="5584680" cy="6852600"/>
           </a:xfrm>
           <a:prstGeom prst="rect">
             <a:avLst/>
@@ -10579,7 +10579,7 @@
         <p:spPr>
           <a:xfrm>
             <a:off x="7368480" y="4313880"/>
-            <a:ext cx="3182760" cy="1585080"/>
+            <a:ext cx="3182040" cy="1584360"/>
           </a:xfrm>
           <a:prstGeom prst="rect">
             <a:avLst/>
@@ -11359,7 +11359,7 @@
         <p:spPr>
           <a:xfrm>
             <a:off x="-1623960" y="0"/>
-            <a:ext cx="13819320" cy="6863760"/>
+            <a:ext cx="13818600" cy="6863040"/>
           </a:xfrm>
           <a:prstGeom prst="rect">
             <a:avLst/>
@@ -11378,7 +11378,7 @@
         <p:spPr>
           <a:xfrm>
             <a:off x="6084000" y="0"/>
-            <a:ext cx="5585400" cy="6853320"/>
+            <a:ext cx="5584680" cy="6852600"/>
           </a:xfrm>
           <a:prstGeom prst="rect">
             <a:avLst/>
@@ -11436,7 +11436,7 @@
         <p:spPr>
           <a:xfrm>
             <a:off x="7368480" y="4313880"/>
-            <a:ext cx="3182760" cy="1585080"/>
+            <a:ext cx="3182040" cy="1584360"/>
           </a:xfrm>
           <a:prstGeom prst="rect">
             <a:avLst/>
@@ -11991,7 +11991,7 @@
         <p:spPr>
           <a:xfrm>
             <a:off x="-1623960" y="0"/>
-            <a:ext cx="13819320" cy="6863760"/>
+            <a:ext cx="13818600" cy="6863040"/>
           </a:xfrm>
           <a:prstGeom prst="rect">
             <a:avLst/>
@@ -12010,7 +12010,7 @@
         <p:spPr>
           <a:xfrm>
             <a:off x="6084000" y="0"/>
-            <a:ext cx="5585400" cy="6853320"/>
+            <a:ext cx="5584680" cy="6852600"/>
           </a:xfrm>
           <a:prstGeom prst="rect">
             <a:avLst/>
@@ -12068,7 +12068,7 @@
         <p:spPr>
           <a:xfrm>
             <a:off x="7368480" y="4313880"/>
-            <a:ext cx="3182760" cy="1585080"/>
+            <a:ext cx="3182040" cy="1584360"/>
           </a:xfrm>
           <a:prstGeom prst="rect">
             <a:avLst/>
@@ -13073,7 +13073,7 @@
         <p:spPr>
           <a:xfrm>
             <a:off x="-1623960" y="0"/>
-            <a:ext cx="13819320" cy="6863760"/>
+            <a:ext cx="13818600" cy="6863040"/>
           </a:xfrm>
           <a:prstGeom prst="rect">
             <a:avLst/>
@@ -13092,7 +13092,7 @@
         <p:spPr>
           <a:xfrm>
             <a:off x="6084000" y="0"/>
-            <a:ext cx="5585400" cy="6853320"/>
+            <a:ext cx="5584680" cy="6852600"/>
           </a:xfrm>
           <a:prstGeom prst="rect">
             <a:avLst/>
@@ -13150,7 +13150,7 @@
         <p:spPr>
           <a:xfrm>
             <a:off x="7368480" y="4313880"/>
-            <a:ext cx="3182760" cy="1585080"/>
+            <a:ext cx="3182040" cy="1584360"/>
           </a:xfrm>
           <a:prstGeom prst="rect">
             <a:avLst/>
@@ -13206,7 +13206,7 @@
         <p:spPr>
           <a:xfrm>
             <a:off x="-1623960" y="0"/>
-            <a:ext cx="13819320" cy="6863760"/>
+            <a:ext cx="13818600" cy="6863040"/>
           </a:xfrm>
           <a:prstGeom prst="rect">
             <a:avLst/>
@@ -13225,7 +13225,7 @@
         <p:spPr>
           <a:xfrm>
             <a:off x="6084000" y="0"/>
-            <a:ext cx="5585400" cy="6853320"/>
+            <a:ext cx="5584680" cy="6852600"/>
           </a:xfrm>
           <a:prstGeom prst="rect">
             <a:avLst/>
@@ -13283,7 +13283,7 @@
         <p:spPr>
           <a:xfrm>
             <a:off x="7368480" y="4313880"/>
-            <a:ext cx="3182760" cy="1585080"/>
+            <a:ext cx="3182040" cy="1584360"/>
           </a:xfrm>
           <a:prstGeom prst="rect">
             <a:avLst/>
@@ -13613,7 +13613,7 @@
         <p:spPr>
           <a:xfrm>
             <a:off x="-1623960" y="0"/>
-            <a:ext cx="13819320" cy="6863760"/>
+            <a:ext cx="13818600" cy="6863040"/>
           </a:xfrm>
           <a:prstGeom prst="rect">
             <a:avLst/>
@@ -13632,7 +13632,7 @@
         <p:spPr>
           <a:xfrm>
             <a:off x="6084000" y="0"/>
-            <a:ext cx="5585400" cy="6853320"/>
+            <a:ext cx="5584680" cy="6852600"/>
           </a:xfrm>
           <a:prstGeom prst="rect">
             <a:avLst/>
@@ -13690,7 +13690,7 @@
         <p:spPr>
           <a:xfrm>
             <a:off x="7368480" y="4313880"/>
-            <a:ext cx="3182760" cy="1585080"/>
+            <a:ext cx="3182040" cy="1584360"/>
           </a:xfrm>
           <a:prstGeom prst="rect">
             <a:avLst/>
@@ -14470,7 +14470,7 @@
         <p:spPr>
           <a:xfrm>
             <a:off x="-1623960" y="0"/>
-            <a:ext cx="13819320" cy="6863760"/>
+            <a:ext cx="13818600" cy="6863040"/>
           </a:xfrm>
           <a:prstGeom prst="rect">
             <a:avLst/>
@@ -14489,7 +14489,7 @@
         <p:spPr>
           <a:xfrm>
             <a:off x="6084000" y="0"/>
-            <a:ext cx="5585400" cy="6853320"/>
+            <a:ext cx="5584680" cy="6852600"/>
           </a:xfrm>
           <a:prstGeom prst="rect">
             <a:avLst/>
@@ -14547,7 +14547,7 @@
         <p:spPr>
           <a:xfrm>
             <a:off x="7368480" y="4313880"/>
-            <a:ext cx="3182760" cy="1585080"/>
+            <a:ext cx="3182040" cy="1584360"/>
           </a:xfrm>
           <a:prstGeom prst="rect">
             <a:avLst/>
@@ -14877,7 +14877,7 @@
         <p:spPr>
           <a:xfrm>
             <a:off x="-1623960" y="0"/>
-            <a:ext cx="13819320" cy="6863760"/>
+            <a:ext cx="13818600" cy="6863040"/>
           </a:xfrm>
           <a:prstGeom prst="rect">
             <a:avLst/>
@@ -14896,7 +14896,7 @@
         <p:spPr>
           <a:xfrm>
             <a:off x="6084000" y="0"/>
-            <a:ext cx="5585400" cy="6853320"/>
+            <a:ext cx="5584680" cy="6852600"/>
           </a:xfrm>
           <a:prstGeom prst="rect">
             <a:avLst/>
@@ -14954,7 +14954,7 @@
         <p:spPr>
           <a:xfrm>
             <a:off x="7368480" y="4313880"/>
-            <a:ext cx="3182760" cy="1585080"/>
+            <a:ext cx="3182040" cy="1584360"/>
           </a:xfrm>
           <a:prstGeom prst="rect">
             <a:avLst/>
@@ -15284,7 +15284,7 @@
         <p:spPr>
           <a:xfrm>
             <a:off x="-1623960" y="0"/>
-            <a:ext cx="13819320" cy="6863760"/>
+            <a:ext cx="13818600" cy="6863040"/>
           </a:xfrm>
           <a:prstGeom prst="rect">
             <a:avLst/>
@@ -15303,7 +15303,7 @@
         <p:spPr>
           <a:xfrm>
             <a:off x="6084000" y="0"/>
-            <a:ext cx="5585400" cy="6853320"/>
+            <a:ext cx="5584680" cy="6852600"/>
           </a:xfrm>
           <a:prstGeom prst="rect">
             <a:avLst/>
@@ -15361,7 +15361,7 @@
         <p:spPr>
           <a:xfrm>
             <a:off x="7368480" y="4313880"/>
-            <a:ext cx="3182760" cy="1585080"/>
+            <a:ext cx="3182040" cy="1584360"/>
           </a:xfrm>
           <a:prstGeom prst="rect">
             <a:avLst/>
@@ -15916,7 +15916,7 @@
         <p:spPr>
           <a:xfrm>
             <a:off x="-1623960" y="0"/>
-            <a:ext cx="13819320" cy="6863760"/>
+            <a:ext cx="13818600" cy="6863040"/>
           </a:xfrm>
           <a:prstGeom prst="rect">
             <a:avLst/>
@@ -15935,7 +15935,7 @@
         <p:spPr>
           <a:xfrm>
             <a:off x="6084000" y="0"/>
-            <a:ext cx="5585400" cy="6853320"/>
+            <a:ext cx="5584680" cy="6852600"/>
           </a:xfrm>
           <a:prstGeom prst="rect">
             <a:avLst/>
@@ -15993,7 +15993,7 @@
         <p:spPr>
           <a:xfrm>
             <a:off x="7368480" y="4313880"/>
-            <a:ext cx="3182760" cy="1585080"/>
+            <a:ext cx="3182040" cy="1584360"/>
           </a:xfrm>
           <a:prstGeom prst="rect">
             <a:avLst/>
@@ -16098,7 +16098,7 @@
         <p:spPr>
           <a:xfrm>
             <a:off x="-1623960" y="0"/>
-            <a:ext cx="13819320" cy="6863760"/>
+            <a:ext cx="13818600" cy="6863040"/>
           </a:xfrm>
           <a:prstGeom prst="rect">
             <a:avLst/>
@@ -16117,7 +16117,7 @@
         <p:spPr>
           <a:xfrm>
             <a:off x="6084000" y="0"/>
-            <a:ext cx="5585400" cy="6853320"/>
+            <a:ext cx="5584680" cy="6852600"/>
           </a:xfrm>
           <a:prstGeom prst="rect">
             <a:avLst/>
@@ -16175,7 +16175,7 @@
         <p:spPr>
           <a:xfrm>
             <a:off x="7368480" y="4313880"/>
-            <a:ext cx="3182760" cy="1585080"/>
+            <a:ext cx="3182040" cy="1584360"/>
           </a:xfrm>
           <a:prstGeom prst="rect">
             <a:avLst/>
@@ -16231,7 +16231,7 @@
         <p:spPr>
           <a:xfrm>
             <a:off x="-1623960" y="0"/>
-            <a:ext cx="13819320" cy="6863760"/>
+            <a:ext cx="13818600" cy="6863040"/>
           </a:xfrm>
           <a:prstGeom prst="rect">
             <a:avLst/>
@@ -16250,7 +16250,7 @@
         <p:spPr>
           <a:xfrm>
             <a:off x="6084000" y="0"/>
-            <a:ext cx="5585400" cy="6853320"/>
+            <a:ext cx="5584680" cy="6852600"/>
           </a:xfrm>
           <a:prstGeom prst="rect">
             <a:avLst/>
@@ -16308,7 +16308,7 @@
         <p:spPr>
           <a:xfrm>
             <a:off x="7368480" y="4313880"/>
-            <a:ext cx="3182760" cy="1585080"/>
+            <a:ext cx="3182040" cy="1584360"/>
           </a:xfrm>
           <a:prstGeom prst="rect">
             <a:avLst/>
@@ -16945,7 +16945,7 @@
         <p:spPr>
           <a:xfrm>
             <a:off x="-1623960" y="0"/>
-            <a:ext cx="13819320" cy="6863760"/>
+            <a:ext cx="13818600" cy="6863040"/>
           </a:xfrm>
           <a:prstGeom prst="rect">
             <a:avLst/>
@@ -16964,7 +16964,7 @@
         <p:spPr>
           <a:xfrm>
             <a:off x="6084000" y="0"/>
-            <a:ext cx="5585400" cy="6853320"/>
+            <a:ext cx="5584680" cy="6852600"/>
           </a:xfrm>
           <a:prstGeom prst="rect">
             <a:avLst/>
@@ -17022,7 +17022,7 @@
         <p:spPr>
           <a:xfrm>
             <a:off x="7368480" y="4313880"/>
-            <a:ext cx="3182760" cy="1585080"/>
+            <a:ext cx="3182040" cy="1584360"/>
           </a:xfrm>
           <a:prstGeom prst="rect">
             <a:avLst/>
@@ -17802,7 +17802,7 @@
         <p:spPr>
           <a:xfrm>
             <a:off x="-1623960" y="0"/>
-            <a:ext cx="13819320" cy="6863760"/>
+            <a:ext cx="13818600" cy="6863040"/>
           </a:xfrm>
           <a:prstGeom prst="rect">
             <a:avLst/>
@@ -17821,7 +17821,7 @@
         <p:spPr>
           <a:xfrm>
             <a:off x="6084000" y="0"/>
-            <a:ext cx="5585400" cy="6853320"/>
+            <a:ext cx="5584680" cy="6852600"/>
           </a:xfrm>
           <a:prstGeom prst="rect">
             <a:avLst/>
@@ -17879,7 +17879,7 @@
         <p:spPr>
           <a:xfrm>
             <a:off x="7368480" y="4313880"/>
-            <a:ext cx="3182760" cy="1585080"/>
+            <a:ext cx="3182040" cy="1584360"/>
           </a:xfrm>
           <a:prstGeom prst="rect">
             <a:avLst/>
@@ -18434,7 +18434,7 @@
         <p:spPr>
           <a:xfrm>
             <a:off x="-1623960" y="0"/>
-            <a:ext cx="13819320" cy="6863760"/>
+            <a:ext cx="13818600" cy="6863040"/>
           </a:xfrm>
           <a:prstGeom prst="rect">
             <a:avLst/>
@@ -18453,7 +18453,7 @@
         <p:spPr>
           <a:xfrm>
             <a:off x="6084000" y="0"/>
-            <a:ext cx="5585400" cy="6853320"/>
+            <a:ext cx="5584680" cy="6852600"/>
           </a:xfrm>
           <a:prstGeom prst="rect">
             <a:avLst/>
@@ -18511,7 +18511,7 @@
         <p:spPr>
           <a:xfrm>
             <a:off x="7368480" y="4313880"/>
-            <a:ext cx="3182760" cy="1585080"/>
+            <a:ext cx="3182040" cy="1584360"/>
           </a:xfrm>
           <a:prstGeom prst="rect">
             <a:avLst/>
@@ -19516,7 +19516,7 @@
         <p:spPr>
           <a:xfrm>
             <a:off x="-1623960" y="0"/>
-            <a:ext cx="13819320" cy="6863760"/>
+            <a:ext cx="13818600" cy="6863040"/>
           </a:xfrm>
           <a:prstGeom prst="rect">
             <a:avLst/>
@@ -19535,7 +19535,7 @@
         <p:spPr>
           <a:xfrm>
             <a:off x="6084000" y="0"/>
-            <a:ext cx="5585400" cy="6853320"/>
+            <a:ext cx="5584680" cy="6852600"/>
           </a:xfrm>
           <a:prstGeom prst="rect">
             <a:avLst/>
@@ -19593,7 +19593,7 @@
         <p:spPr>
           <a:xfrm>
             <a:off x="7368480" y="4313880"/>
-            <a:ext cx="3182760" cy="1585080"/>
+            <a:ext cx="3182040" cy="1584360"/>
           </a:xfrm>
           <a:prstGeom prst="rect">
             <a:avLst/>
@@ -19649,7 +19649,7 @@
         <p:spPr>
           <a:xfrm>
             <a:off x="-1623960" y="0"/>
-            <a:ext cx="13819320" cy="6863760"/>
+            <a:ext cx="13818600" cy="6863040"/>
           </a:xfrm>
           <a:prstGeom prst="rect">
             <a:avLst/>
@@ -19668,7 +19668,7 @@
         <p:spPr>
           <a:xfrm>
             <a:off x="6084000" y="0"/>
-            <a:ext cx="5585400" cy="6853320"/>
+            <a:ext cx="5584680" cy="6852600"/>
           </a:xfrm>
           <a:prstGeom prst="rect">
             <a:avLst/>
@@ -19726,7 +19726,7 @@
         <p:spPr>
           <a:xfrm>
             <a:off x="7368480" y="4313880"/>
-            <a:ext cx="3182760" cy="1585080"/>
+            <a:ext cx="3182040" cy="1584360"/>
           </a:xfrm>
           <a:prstGeom prst="rect">
             <a:avLst/>
@@ -20056,7 +20056,7 @@
         <p:spPr>
           <a:xfrm>
             <a:off x="-1623960" y="0"/>
-            <a:ext cx="13819320" cy="6863760"/>
+            <a:ext cx="13818600" cy="6863040"/>
           </a:xfrm>
           <a:prstGeom prst="rect">
             <a:avLst/>
@@ -20075,7 +20075,7 @@
         <p:spPr>
           <a:xfrm>
             <a:off x="6084000" y="0"/>
-            <a:ext cx="5585400" cy="6853320"/>
+            <a:ext cx="5584680" cy="6852600"/>
           </a:xfrm>
           <a:prstGeom prst="rect">
             <a:avLst/>
@@ -20133,7 +20133,7 @@
         <p:spPr>
           <a:xfrm>
             <a:off x="7368480" y="4313880"/>
-            <a:ext cx="3182760" cy="1585080"/>
+            <a:ext cx="3182040" cy="1584360"/>
           </a:xfrm>
           <a:prstGeom prst="rect">
             <a:avLst/>
@@ -20463,7 +20463,7 @@
         <p:spPr>
           <a:xfrm>
             <a:off x="-1623960" y="0"/>
-            <a:ext cx="13819320" cy="6863760"/>
+            <a:ext cx="13818600" cy="6863040"/>
           </a:xfrm>
           <a:prstGeom prst="rect">
             <a:avLst/>
@@ -20482,7 +20482,7 @@
         <p:spPr>
           <a:xfrm>
             <a:off x="6084000" y="0"/>
-            <a:ext cx="5585400" cy="6853320"/>
+            <a:ext cx="5584680" cy="6852600"/>
           </a:xfrm>
           <a:prstGeom prst="rect">
             <a:avLst/>
@@ -20540,7 +20540,7 @@
         <p:spPr>
           <a:xfrm>
             <a:off x="7368480" y="4313880"/>
-            <a:ext cx="3182760" cy="1585080"/>
+            <a:ext cx="3182040" cy="1584360"/>
           </a:xfrm>
           <a:prstGeom prst="rect">
             <a:avLst/>
@@ -20870,7 +20870,7 @@
         <p:spPr>
           <a:xfrm>
             <a:off x="1982520" y="20520"/>
-            <a:ext cx="8222760" cy="6293160"/>
+            <a:ext cx="8222040" cy="6292440"/>
           </a:xfrm>
           <a:prstGeom prst="rect">
             <a:avLst/>
@@ -21111,7 +21111,7 @@
         <p:spPr>
           <a:xfrm>
             <a:off x="2056680" y="-74160"/>
-            <a:ext cx="8222760" cy="1215000"/>
+            <a:ext cx="8222040" cy="1214280"/>
           </a:xfrm>
           <a:prstGeom prst="rect">
             <a:avLst/>
@@ -21210,7 +21210,7 @@
         <p:spPr>
           <a:xfrm>
             <a:off x="11721960" y="6430680"/>
-            <a:ext cx="3821760" cy="426240"/>
+            <a:ext cx="3821040" cy="425520"/>
           </a:xfrm>
           <a:prstGeom prst="rect">
             <a:avLst/>
@@ -21268,7 +21268,7 @@
         <p:spPr>
           <a:xfrm>
             <a:off x="5237640" y="1326240"/>
-            <a:ext cx="1712880" cy="958680"/>
+            <a:ext cx="1712160" cy="957960"/>
           </a:xfrm>
           <a:prstGeom prst="rect">
             <a:avLst/>
@@ -21330,7 +21330,7 @@
         <p:spPr>
           <a:xfrm>
             <a:off x="5408640" y="3236400"/>
-            <a:ext cx="1370520" cy="456120"/>
+            <a:ext cx="1369800" cy="455400"/>
           </a:xfrm>
           <a:prstGeom prst="roundRect">
             <a:avLst>
@@ -21433,7 +21433,7 @@
         <p:spPr>
           <a:xfrm>
             <a:off x="5411160" y="2525760"/>
-            <a:ext cx="1370520" cy="456120"/>
+            <a:ext cx="1369800" cy="455400"/>
           </a:xfrm>
           <a:prstGeom prst="roundRect">
             <a:avLst>
@@ -21536,7 +21536,7 @@
         <p:spPr>
           <a:xfrm>
             <a:off x="5409000" y="3956760"/>
-            <a:ext cx="1370520" cy="456120"/>
+            <a:ext cx="1369800" cy="455400"/>
           </a:xfrm>
           <a:prstGeom prst="roundRect">
             <a:avLst>
@@ -21643,7 +21643,7 @@
         <p:spPr>
           <a:xfrm>
             <a:off x="5366160" y="4726800"/>
-            <a:ext cx="1455840" cy="1455840"/>
+            <a:ext cx="1455120" cy="1455120"/>
           </a:xfrm>
           <a:prstGeom prst="rect">
             <a:avLst/>
@@ -21662,7 +21662,7 @@
         <p:spPr>
           <a:xfrm>
             <a:off x="5535720" y="4996440"/>
-            <a:ext cx="1105920" cy="595440"/>
+            <a:ext cx="1105200" cy="594720"/>
           </a:xfrm>
           <a:prstGeom prst="rect">
             <a:avLst/>
@@ -21716,7 +21716,7 @@
         <p:spPr>
           <a:xfrm>
             <a:off x="6400800" y="228600"/>
-            <a:ext cx="2284920" cy="913320"/>
+            <a:ext cx="2284200" cy="912600"/>
           </a:xfrm>
           <a:prstGeom prst="wedgeEllipseCallout">
             <a:avLst>
@@ -21776,8 +21776,8 @@
         </p:nvSpPr>
         <p:spPr>
           <a:xfrm flipH="1">
-            <a:off x="2285640" y="4114800"/>
-            <a:ext cx="3122640" cy="983880"/>
+            <a:off x="2284920" y="4114800"/>
+            <a:ext cx="3121920" cy="983160"/>
           </a:xfrm>
           <a:prstGeom prst="wedgeEllipseCallout">
             <a:avLst>
@@ -21857,8 +21857,8 @@
         </p:nvSpPr>
         <p:spPr>
           <a:xfrm rot="5400000">
-            <a:off x="5143680" y="1942920"/>
-            <a:ext cx="3657240" cy="2971440"/>
+            <a:off x="5144400" y="1942920"/>
+            <a:ext cx="3656520" cy="2970720"/>
           </a:xfrm>
           <a:prstGeom prst="circularArrow">
             <a:avLst>
@@ -21880,7 +21880,7 @@
             </a:gsLst>
             <a:lin ang="9000000"/>
           </a:gradFill>
-          <a:ln w="12600">
+          <a:ln w="10080">
             <a:noFill/>
           </a:ln>
         </p:spPr>
@@ -21953,7 +21953,7 @@
         <p:spPr>
           <a:xfrm>
             <a:off x="2056680" y="-74160"/>
-            <a:ext cx="8222760" cy="1215000"/>
+            <a:ext cx="8222040" cy="1214280"/>
           </a:xfrm>
           <a:prstGeom prst="rect">
             <a:avLst/>
@@ -22043,7 +22043,7 @@
         <p:spPr>
           <a:xfrm>
             <a:off x="11721960" y="6430680"/>
-            <a:ext cx="3821760" cy="426240"/>
+            <a:ext cx="3821040" cy="425520"/>
           </a:xfrm>
           <a:prstGeom prst="rect">
             <a:avLst/>
@@ -22097,7 +22097,7 @@
         <p:spPr>
           <a:xfrm>
             <a:off x="569160" y="1371600"/>
-            <a:ext cx="11050200" cy="5257440"/>
+            <a:ext cx="11049480" cy="5256720"/>
           </a:xfrm>
           <a:prstGeom prst="rect">
             <a:avLst/>
@@ -22129,6 +22129,7 @@
                   <a:srgbClr val="000000"/>
                 </a:solidFill>
                 <a:latin typeface="Times New Roman"/>
+                <a:ea typeface="DejaVu Sans"/>
               </a:rPr>
               <a:t>“</a:t>
             </a:r>
@@ -22138,6 +22139,7 @@
                   <a:srgbClr val="000000"/>
                 </a:solidFill>
                 <a:latin typeface="Times New Roman"/>
+                <a:ea typeface="DejaVu Sans"/>
               </a:rPr>
               <a:t>This is starting to get convoluted.”</a:t>
             </a:r>
@@ -22232,7 +22234,7 @@
         <p:spPr>
           <a:xfrm>
             <a:off x="2056680" y="-74160"/>
-            <a:ext cx="8222760" cy="1215000"/>
+            <a:ext cx="8222040" cy="1214280"/>
           </a:xfrm>
           <a:prstGeom prst="rect">
             <a:avLst/>
@@ -22322,7 +22324,7 @@
         <p:spPr>
           <a:xfrm>
             <a:off x="11721960" y="6430680"/>
-            <a:ext cx="3821760" cy="426240"/>
+            <a:ext cx="3821040" cy="425520"/>
           </a:xfrm>
           <a:prstGeom prst="rect">
             <a:avLst/>
@@ -22376,7 +22378,7 @@
         <p:spPr>
           <a:xfrm>
             <a:off x="569160" y="1371600"/>
-            <a:ext cx="11050200" cy="5257440"/>
+            <a:ext cx="11049480" cy="5256720"/>
           </a:xfrm>
           <a:prstGeom prst="rect">
             <a:avLst/>
@@ -22408,6 +22410,7 @@
                   <a:srgbClr val="000000"/>
                 </a:solidFill>
                 <a:latin typeface="Times New Roman"/>
+                <a:ea typeface="DejaVu Sans"/>
               </a:rPr>
               <a:t>“</a:t>
             </a:r>
@@ -22417,6 +22420,7 @@
                   <a:srgbClr val="000000"/>
                 </a:solidFill>
                 <a:latin typeface="Times New Roman"/>
+                <a:ea typeface="DejaVu Sans"/>
               </a:rPr>
               <a:t>This is starting to get convoluted.”</a:t>
             </a:r>
@@ -22478,6 +22482,7 @@
                   <a:srgbClr val="000000"/>
                 </a:solidFill>
                 <a:latin typeface="Times New Roman"/>
+                <a:ea typeface="DejaVu Sans"/>
               </a:rPr>
               <a:t>“</a:t>
             </a:r>
@@ -22487,6 +22492,7 @@
                   <a:srgbClr val="000000"/>
                 </a:solidFill>
                 <a:latin typeface="Times New Roman"/>
+                <a:ea typeface="DejaVu Sans"/>
               </a:rPr>
               <a:t>Didn’t you say this was all through the ‘terminal’” ?</a:t>
             </a:r>
@@ -22581,7 +22587,7 @@
         <p:spPr>
           <a:xfrm>
             <a:off x="2056680" y="-74160"/>
-            <a:ext cx="8222760" cy="1215000"/>
+            <a:ext cx="8222040" cy="1214280"/>
           </a:xfrm>
           <a:prstGeom prst="rect">
             <a:avLst/>
@@ -22671,7 +22677,7 @@
         <p:spPr>
           <a:xfrm>
             <a:off x="11721960" y="6430680"/>
-            <a:ext cx="3821760" cy="426240"/>
+            <a:ext cx="3821040" cy="425520"/>
           </a:xfrm>
           <a:prstGeom prst="rect">
             <a:avLst/>
@@ -22725,7 +22731,7 @@
         <p:spPr>
           <a:xfrm>
             <a:off x="569160" y="1371600"/>
-            <a:ext cx="11050200" cy="5257440"/>
+            <a:ext cx="11049480" cy="5256720"/>
           </a:xfrm>
           <a:prstGeom prst="rect">
             <a:avLst/>
@@ -22757,6 +22763,7 @@
                   <a:srgbClr val="000000"/>
                 </a:solidFill>
                 <a:latin typeface="Times New Roman"/>
+                <a:ea typeface="DejaVu Sans"/>
               </a:rPr>
               <a:t>“</a:t>
             </a:r>
@@ -22766,6 +22773,7 @@
                   <a:srgbClr val="000000"/>
                 </a:solidFill>
                 <a:latin typeface="Times New Roman"/>
+                <a:ea typeface="DejaVu Sans"/>
               </a:rPr>
               <a:t>This is starting to get convoluted.”</a:t>
             </a:r>
@@ -22827,6 +22835,7 @@
                   <a:srgbClr val="000000"/>
                 </a:solidFill>
                 <a:latin typeface="Times New Roman"/>
+                <a:ea typeface="DejaVu Sans"/>
               </a:rPr>
               <a:t>“</a:t>
             </a:r>
@@ -22836,6 +22845,7 @@
                   <a:srgbClr val="000000"/>
                 </a:solidFill>
                 <a:latin typeface="Times New Roman"/>
+                <a:ea typeface="DejaVu Sans"/>
               </a:rPr>
               <a:t>Didn’t you say this was all through the ‘terminal’” ?</a:t>
             </a:r>
@@ -22884,6 +22894,7 @@
                   <a:srgbClr val="000000"/>
                 </a:solidFill>
                 <a:latin typeface="Times New Roman"/>
+                <a:ea typeface="DejaVu Sans"/>
               </a:rPr>
               <a:t>“</a:t>
             </a:r>
@@ -22893,6 +22904,7 @@
                   <a:srgbClr val="000000"/>
                 </a:solidFill>
                 <a:latin typeface="Times New Roman"/>
+                <a:ea typeface="DejaVu Sans"/>
               </a:rPr>
               <a:t>Hate to break it to you man, I run Windows.”</a:t>
             </a:r>
@@ -22915,6 +22927,7 @@
                   <a:srgbClr val="000000"/>
                 </a:solidFill>
                 <a:latin typeface="Times New Roman"/>
+                <a:ea typeface="DejaVu Sans"/>
               </a:rPr>
               <a:t>-you</a:t>
             </a:r>
@@ -22970,7 +22983,7 @@
         <p:spPr>
           <a:xfrm>
             <a:off x="2056680" y="-74160"/>
-            <a:ext cx="8222760" cy="1215000"/>
+            <a:ext cx="8222040" cy="1214280"/>
           </a:xfrm>
           <a:prstGeom prst="rect">
             <a:avLst/>
@@ -23069,7 +23082,7 @@
         <p:spPr>
           <a:xfrm>
             <a:off x="11721960" y="6430680"/>
-            <a:ext cx="3821760" cy="426240"/>
+            <a:ext cx="3821040" cy="425520"/>
           </a:xfrm>
           <a:prstGeom prst="rect">
             <a:avLst/>
@@ -23123,7 +23136,7 @@
         <p:spPr>
           <a:xfrm>
             <a:off x="569160" y="1371600"/>
-            <a:ext cx="11050200" cy="5257440"/>
+            <a:ext cx="11049480" cy="5256720"/>
           </a:xfrm>
           <a:prstGeom prst="rect">
             <a:avLst/>
@@ -23155,6 +23168,7 @@
                   <a:srgbClr val="000000"/>
                 </a:solidFill>
                 <a:latin typeface="Times New Roman"/>
+                <a:ea typeface="DejaVu Sans"/>
               </a:rPr>
               <a:t>“</a:t>
             </a:r>
@@ -23164,6 +23178,7 @@
                   <a:srgbClr val="000000"/>
                 </a:solidFill>
                 <a:latin typeface="Times New Roman"/>
+                <a:ea typeface="DejaVu Sans"/>
               </a:rPr>
               <a:t>This is starting to get convoluted.”</a:t>
             </a:r>
@@ -23225,6 +23240,7 @@
                   <a:srgbClr val="000000"/>
                 </a:solidFill>
                 <a:latin typeface="Times New Roman"/>
+                <a:ea typeface="DejaVu Sans"/>
               </a:rPr>
               <a:t>“</a:t>
             </a:r>
@@ -23234,6 +23250,7 @@
                   <a:srgbClr val="000000"/>
                 </a:solidFill>
                 <a:latin typeface="Times New Roman"/>
+                <a:ea typeface="DejaVu Sans"/>
               </a:rPr>
               <a:t>Didn’t you say this was all through the ‘terminal’” ?</a:t>
             </a:r>
@@ -23282,6 +23299,7 @@
                   <a:srgbClr val="000000"/>
                 </a:solidFill>
                 <a:latin typeface="Times New Roman"/>
+                <a:ea typeface="DejaVu Sans"/>
               </a:rPr>
               <a:t>“</a:t>
             </a:r>
@@ -23291,6 +23309,7 @@
                   <a:srgbClr val="000000"/>
                 </a:solidFill>
                 <a:latin typeface="Times New Roman"/>
+                <a:ea typeface="DejaVu Sans"/>
               </a:rPr>
               <a:t>Hate to break it to you man, I run Windows.”</a:t>
             </a:r>
@@ -23313,6 +23332,7 @@
                   <a:srgbClr val="000000"/>
                 </a:solidFill>
                 <a:latin typeface="Times New Roman"/>
+                <a:ea typeface="DejaVu Sans"/>
               </a:rPr>
               <a:t>-you</a:t>
             </a:r>
@@ -23368,7 +23388,7 @@
         <p:spPr>
           <a:xfrm>
             <a:off x="2056680" y="-74160"/>
-            <a:ext cx="8222760" cy="1215000"/>
+            <a:ext cx="8222040" cy="1214280"/>
           </a:xfrm>
           <a:prstGeom prst="rect">
             <a:avLst/>
@@ -23467,7 +23487,7 @@
         <p:spPr>
           <a:xfrm>
             <a:off x="11721960" y="6430680"/>
-            <a:ext cx="3821760" cy="426240"/>
+            <a:ext cx="3821040" cy="425520"/>
           </a:xfrm>
           <a:prstGeom prst="rect">
             <a:avLst/>
@@ -23564,7 +23584,7 @@
         <p:spPr>
           <a:xfrm>
             <a:off x="5371920" y="2673720"/>
-            <a:ext cx="1370520" cy="456120"/>
+            <a:ext cx="1369800" cy="455400"/>
           </a:xfrm>
           <a:prstGeom prst="roundRect">
             <a:avLst>
@@ -23667,7 +23687,7 @@
         <p:spPr>
           <a:xfrm>
             <a:off x="5374440" y="1963080"/>
-            <a:ext cx="1370520" cy="456120"/>
+            <a:ext cx="1369800" cy="455400"/>
           </a:xfrm>
           <a:prstGeom prst="roundRect">
             <a:avLst>
@@ -23770,7 +23790,7 @@
         <p:spPr>
           <a:xfrm>
             <a:off x="5372280" y="3394080"/>
-            <a:ext cx="1370520" cy="456120"/>
+            <a:ext cx="1369800" cy="455400"/>
           </a:xfrm>
           <a:prstGeom prst="roundRect">
             <a:avLst>
@@ -23877,7 +23897,7 @@
         <p:spPr>
           <a:xfrm>
             <a:off x="5329440" y="4164120"/>
-            <a:ext cx="1455840" cy="1455840"/>
+            <a:ext cx="1455120" cy="1455120"/>
           </a:xfrm>
           <a:prstGeom prst="rect">
             <a:avLst/>
@@ -23896,7 +23916,7 @@
         <p:spPr>
           <a:xfrm>
             <a:off x="5715000" y="4361760"/>
-            <a:ext cx="684720" cy="595440"/>
+            <a:ext cx="684000" cy="594720"/>
           </a:xfrm>
           <a:prstGeom prst="rect">
             <a:avLst/>
@@ -23954,7 +23974,7 @@
         <p:spPr>
           <a:xfrm>
             <a:off x="2057400" y="1723320"/>
-            <a:ext cx="7999920" cy="4219200"/>
+            <a:ext cx="7999200" cy="4218480"/>
           </a:xfrm>
           <a:prstGeom prst="rect">
             <a:avLst/>
@@ -23973,7 +23993,7 @@
         <p:spPr>
           <a:xfrm>
             <a:off x="4800600" y="2409120"/>
-            <a:ext cx="2513520" cy="684720"/>
+            <a:ext cx="2512800" cy="684000"/>
           </a:xfrm>
           <a:prstGeom prst="rect">
             <a:avLst/>
@@ -24061,7 +24081,7 @@
         <p:spPr>
           <a:xfrm>
             <a:off x="2056680" y="-74160"/>
-            <a:ext cx="8222760" cy="1215000"/>
+            <a:ext cx="8222040" cy="1214280"/>
           </a:xfrm>
           <a:prstGeom prst="rect">
             <a:avLst/>
@@ -24160,7 +24180,7 @@
         <p:spPr>
           <a:xfrm>
             <a:off x="11721960" y="6430680"/>
-            <a:ext cx="3821760" cy="426240"/>
+            <a:ext cx="3821040" cy="425520"/>
           </a:xfrm>
           <a:prstGeom prst="rect">
             <a:avLst/>
@@ -24257,7 +24277,7 @@
         <p:spPr>
           <a:xfrm>
             <a:off x="5371920" y="2673720"/>
-            <a:ext cx="1370520" cy="456120"/>
+            <a:ext cx="1369800" cy="455400"/>
           </a:xfrm>
           <a:prstGeom prst="roundRect">
             <a:avLst>
@@ -24360,7 +24380,7 @@
         <p:spPr>
           <a:xfrm>
             <a:off x="5374440" y="1963080"/>
-            <a:ext cx="1370520" cy="456120"/>
+            <a:ext cx="1369800" cy="455400"/>
           </a:xfrm>
           <a:prstGeom prst="roundRect">
             <a:avLst>
@@ -24463,7 +24483,7 @@
         <p:spPr>
           <a:xfrm>
             <a:off x="5372280" y="3394080"/>
-            <a:ext cx="1370520" cy="456120"/>
+            <a:ext cx="1369800" cy="455400"/>
           </a:xfrm>
           <a:prstGeom prst="roundRect">
             <a:avLst>
@@ -24570,7 +24590,7 @@
         <p:spPr>
           <a:xfrm>
             <a:off x="5329440" y="4164120"/>
-            <a:ext cx="1455840" cy="1455840"/>
+            <a:ext cx="1455120" cy="1455120"/>
           </a:xfrm>
           <a:prstGeom prst="rect">
             <a:avLst/>
@@ -24589,7 +24609,7 @@
         <p:spPr>
           <a:xfrm>
             <a:off x="5715000" y="4361760"/>
-            <a:ext cx="684720" cy="595440"/>
+            <a:ext cx="684000" cy="594720"/>
           </a:xfrm>
           <a:prstGeom prst="rect">
             <a:avLst/>
@@ -24647,7 +24667,7 @@
         <p:spPr>
           <a:xfrm>
             <a:off x="2057400" y="1723320"/>
-            <a:ext cx="7999920" cy="4219200"/>
+            <a:ext cx="7999200" cy="4218480"/>
           </a:xfrm>
           <a:prstGeom prst="rect">
             <a:avLst/>
@@ -24666,7 +24686,7 @@
         <p:spPr>
           <a:xfrm>
             <a:off x="4800600" y="2409120"/>
-            <a:ext cx="2513520" cy="684720"/>
+            <a:ext cx="2512800" cy="684000"/>
           </a:xfrm>
           <a:prstGeom prst="rect">
             <a:avLst/>
@@ -24720,7 +24740,7 @@
         <p:spPr>
           <a:xfrm>
             <a:off x="3200400" y="1600200"/>
-            <a:ext cx="5894640" cy="4437000"/>
+            <a:ext cx="5893920" cy="4436280"/>
           </a:xfrm>
           <a:prstGeom prst="rect">
             <a:avLst/>
@@ -24812,7 +24832,7 @@
         <p:spPr>
           <a:xfrm>
             <a:off x="2056680" y="-74160"/>
-            <a:ext cx="8222760" cy="1215000"/>
+            <a:ext cx="8222040" cy="1214280"/>
           </a:xfrm>
           <a:prstGeom prst="rect">
             <a:avLst/>
@@ -24843,7 +24863,7 @@
                 </a:solidFill>
                 <a:latin typeface="Times New Roman"/>
               </a:rPr>
-              <a:t>git Is Here To Help</a:t>
+              <a:t>git is Here to Help</a:t>
             </a:r>
             <a:endParaRPr b="0" lang="en-US" sz="3200" spc="-1" strike="noStrike">
               <a:solidFill>
@@ -24905,7 +24925,7 @@
         <p:spPr>
           <a:xfrm>
             <a:off x="11721960" y="6430680"/>
-            <a:ext cx="3821760" cy="426240"/>
+            <a:ext cx="3821040" cy="425520"/>
           </a:xfrm>
           <a:prstGeom prst="rect">
             <a:avLst/>
@@ -25002,7 +25022,7 @@
         <p:spPr>
           <a:xfrm>
             <a:off x="5371920" y="2673720"/>
-            <a:ext cx="1370520" cy="456120"/>
+            <a:ext cx="1369800" cy="455400"/>
           </a:xfrm>
           <a:prstGeom prst="roundRect">
             <a:avLst>
@@ -25105,7 +25125,7 @@
         <p:spPr>
           <a:xfrm>
             <a:off x="5374440" y="1963080"/>
-            <a:ext cx="1370520" cy="456120"/>
+            <a:ext cx="1369800" cy="455400"/>
           </a:xfrm>
           <a:prstGeom prst="roundRect">
             <a:avLst>
@@ -25208,7 +25228,7 @@
         <p:spPr>
           <a:xfrm>
             <a:off x="5372280" y="3394080"/>
-            <a:ext cx="1370520" cy="456120"/>
+            <a:ext cx="1369800" cy="455400"/>
           </a:xfrm>
           <a:prstGeom prst="roundRect">
             <a:avLst>
@@ -25315,7 +25335,7 @@
         <p:spPr>
           <a:xfrm>
             <a:off x="5329440" y="4164120"/>
-            <a:ext cx="1455840" cy="1455840"/>
+            <a:ext cx="1455120" cy="1455120"/>
           </a:xfrm>
           <a:prstGeom prst="rect">
             <a:avLst/>
@@ -25334,7 +25354,7 @@
         <p:spPr>
           <a:xfrm>
             <a:off x="5715000" y="4361760"/>
-            <a:ext cx="684720" cy="595440"/>
+            <a:ext cx="684000" cy="594720"/>
           </a:xfrm>
           <a:prstGeom prst="rect">
             <a:avLst/>
@@ -25392,7 +25412,7 @@
         <p:spPr>
           <a:xfrm>
             <a:off x="2057400" y="1723320"/>
-            <a:ext cx="7999920" cy="4219200"/>
+            <a:ext cx="7999200" cy="4218480"/>
           </a:xfrm>
           <a:prstGeom prst="rect">
             <a:avLst/>
@@ -25411,7 +25431,7 @@
         <p:spPr>
           <a:xfrm>
             <a:off x="4800600" y="2409120"/>
-            <a:ext cx="2513520" cy="684720"/>
+            <a:ext cx="2512800" cy="684000"/>
           </a:xfrm>
           <a:prstGeom prst="rect">
             <a:avLst/>
@@ -25465,7 +25485,7 @@
         <p:spPr>
           <a:xfrm>
             <a:off x="3146760" y="1600200"/>
-            <a:ext cx="5894640" cy="4437000"/>
+            <a:ext cx="5893920" cy="4436280"/>
           </a:xfrm>
           <a:prstGeom prst="rect">
             <a:avLst/>
@@ -25527,7 +25547,7 @@
         <p:spPr>
           <a:xfrm>
             <a:off x="2894040" y="1779120"/>
-            <a:ext cx="6399720" cy="4258080"/>
+            <a:ext cx="6399000" cy="4257360"/>
           </a:xfrm>
           <a:prstGeom prst="rect">
             <a:avLst/>
@@ -25546,7 +25566,7 @@
         <p:spPr>
           <a:xfrm>
             <a:off x="5372280" y="3657600"/>
-            <a:ext cx="1141920" cy="398520"/>
+            <a:ext cx="1141200" cy="397800"/>
           </a:xfrm>
           <a:prstGeom prst="rect">
             <a:avLst/>
@@ -25634,7 +25654,7 @@
         <p:spPr>
           <a:xfrm>
             <a:off x="2056680" y="-74160"/>
-            <a:ext cx="8222760" cy="1215000"/>
+            <a:ext cx="8222040" cy="1214280"/>
           </a:xfrm>
           <a:prstGeom prst="rect">
             <a:avLst/>
@@ -25665,7 +25685,7 @@
                 </a:solidFill>
                 <a:latin typeface="Times New Roman"/>
               </a:rPr>
-              <a:t>git Is Here To Help</a:t>
+              <a:t>git is Here to Help</a:t>
             </a:r>
             <a:endParaRPr b="0" lang="en-US" sz="3200" spc="-1" strike="noStrike">
               <a:solidFill>
@@ -25727,7 +25747,7 @@
         <p:spPr>
           <a:xfrm>
             <a:off x="11721960" y="6430680"/>
-            <a:ext cx="3821760" cy="426240"/>
+            <a:ext cx="3821040" cy="425520"/>
           </a:xfrm>
           <a:prstGeom prst="rect">
             <a:avLst/>
@@ -25781,7 +25801,7 @@
         <p:spPr>
           <a:xfrm>
             <a:off x="685800" y="1371600"/>
-            <a:ext cx="10972440" cy="5028840"/>
+            <a:ext cx="10971720" cy="5028120"/>
           </a:xfrm>
           <a:prstGeom prst="rect">
             <a:avLst/>
@@ -25819,6 +25839,7 @@
                   <a:srgbClr val="000000"/>
                 </a:solidFill>
                 <a:latin typeface="Times New Roman"/>
+                <a:ea typeface="DejaVu Sans"/>
               </a:rPr>
               <a:t>git is navigated through commands and can be split into stages</a:t>
             </a:r>
@@ -25860,6 +25881,7 @@
                   <a:srgbClr val="000000"/>
                 </a:solidFill>
                 <a:latin typeface="Times New Roman"/>
+                <a:ea typeface="DejaVu Sans"/>
               </a:rPr>
               <a:t>git status</a:t>
             </a:r>
@@ -25882,6 +25904,7 @@
                   <a:srgbClr val="000000"/>
                 </a:solidFill>
                 <a:latin typeface="Times New Roman"/>
+                <a:ea typeface="DejaVu Sans"/>
               </a:rPr>
               <a:t>  </a:t>
             </a:r>
@@ -25891,6 +25914,7 @@
                   <a:srgbClr val="000000"/>
                 </a:solidFill>
                 <a:latin typeface="Times New Roman"/>
+                <a:ea typeface="DejaVu Sans"/>
               </a:rPr>
               <a:t>	</a:t>
             </a:r>
@@ -25900,6 +25924,7 @@
                   <a:srgbClr val="000000"/>
                 </a:solidFill>
                 <a:latin typeface="Times New Roman"/>
+                <a:ea typeface="DejaVu Sans"/>
               </a:rPr>
               <a:t>- show info on file(s)</a:t>
             </a:r>
@@ -25925,7 +25950,7 @@
         <p:spPr>
           <a:xfrm>
             <a:off x="9829800" y="1695600"/>
-            <a:ext cx="1712880" cy="958680"/>
+            <a:ext cx="1712160" cy="957960"/>
           </a:xfrm>
           <a:prstGeom prst="rect">
             <a:avLst/>
@@ -25978,7 +26003,7 @@
         <p:spPr>
           <a:xfrm>
             <a:off x="2056680" y="-74160"/>
-            <a:ext cx="8222760" cy="1215000"/>
+            <a:ext cx="8222040" cy="1214280"/>
           </a:xfrm>
           <a:prstGeom prst="rect">
             <a:avLst/>
@@ -26009,7 +26034,7 @@
                 </a:solidFill>
                 <a:latin typeface="Times New Roman"/>
               </a:rPr>
-              <a:t>git Is Here To Help</a:t>
+              <a:t>git is Here to Help</a:t>
             </a:r>
             <a:endParaRPr b="0" lang="en-US" sz="3200" spc="-1" strike="noStrike">
               <a:solidFill>
@@ -26071,7 +26096,7 @@
         <p:spPr>
           <a:xfrm>
             <a:off x="11721960" y="6430680"/>
-            <a:ext cx="3821760" cy="426240"/>
+            <a:ext cx="3821040" cy="425520"/>
           </a:xfrm>
           <a:prstGeom prst="rect">
             <a:avLst/>
@@ -26125,7 +26150,7 @@
         <p:spPr>
           <a:xfrm>
             <a:off x="685800" y="1371600"/>
-            <a:ext cx="10972440" cy="5028840"/>
+            <a:ext cx="10971720" cy="5028120"/>
           </a:xfrm>
           <a:prstGeom prst="rect">
             <a:avLst/>
@@ -26163,6 +26188,7 @@
                   <a:srgbClr val="000000"/>
                 </a:solidFill>
                 <a:latin typeface="Times New Roman"/>
+                <a:ea typeface="DejaVu Sans"/>
               </a:rPr>
               <a:t>git is navigated through commands and can be split into stages</a:t>
             </a:r>
@@ -26204,6 +26230,7 @@
                   <a:srgbClr val="000000"/>
                 </a:solidFill>
                 <a:latin typeface="Times New Roman"/>
+                <a:ea typeface="DejaVu Sans"/>
               </a:rPr>
               <a:t>git status</a:t>
             </a:r>
@@ -26226,6 +26253,7 @@
                   <a:srgbClr val="000000"/>
                 </a:solidFill>
                 <a:latin typeface="Times New Roman"/>
+                <a:ea typeface="DejaVu Sans"/>
               </a:rPr>
               <a:t> </a:t>
             </a:r>
@@ -26235,6 +26263,7 @@
                   <a:srgbClr val="000000"/>
                 </a:solidFill>
                 <a:latin typeface="Times New Roman"/>
+                <a:ea typeface="DejaVu Sans"/>
               </a:rPr>
               <a:t>	</a:t>
             </a:r>
@@ -26244,6 +26273,7 @@
                   <a:srgbClr val="000000"/>
                 </a:solidFill>
                 <a:latin typeface="Times New Roman"/>
+                <a:ea typeface="DejaVu Sans"/>
               </a:rPr>
               <a:t>- show info on file(s)</a:t>
             </a:r>
@@ -26285,6 +26315,7 @@
                   <a:srgbClr val="000000"/>
                 </a:solidFill>
                 <a:latin typeface="Times New Roman"/>
+                <a:ea typeface="DejaVu Sans"/>
               </a:rPr>
               <a:t>git fetch</a:t>
             </a:r>
@@ -26307,6 +26338,7 @@
                   <a:srgbClr val="000000"/>
                 </a:solidFill>
                 <a:latin typeface="Times New Roman"/>
+                <a:ea typeface="DejaVu Sans"/>
               </a:rPr>
               <a:t>  </a:t>
             </a:r>
@@ -26316,6 +26348,7 @@
                   <a:srgbClr val="000000"/>
                 </a:solidFill>
                 <a:latin typeface="Times New Roman"/>
+                <a:ea typeface="DejaVu Sans"/>
               </a:rPr>
               <a:t>	</a:t>
             </a:r>
@@ -26325,6 +26358,7 @@
                   <a:srgbClr val="000000"/>
                 </a:solidFill>
                 <a:latin typeface="Times New Roman"/>
+                <a:ea typeface="DejaVu Sans"/>
               </a:rPr>
               <a:t>- grab new changes from remote repos</a:t>
             </a:r>
@@ -26389,7 +26423,7 @@
         <p:spPr>
           <a:xfrm>
             <a:off x="10003320" y="2859120"/>
-            <a:ext cx="1370520" cy="456120"/>
+            <a:ext cx="1369800" cy="455400"/>
           </a:xfrm>
           <a:prstGeom prst="roundRect">
             <a:avLst>
@@ -26496,7 +26530,7 @@
         <p:spPr>
           <a:xfrm>
             <a:off x="9829800" y="1695600"/>
-            <a:ext cx="1712880" cy="958680"/>
+            <a:ext cx="1712160" cy="957960"/>
           </a:xfrm>
           <a:prstGeom prst="rect">
             <a:avLst/>
@@ -26549,7 +26583,7 @@
         <p:spPr>
           <a:xfrm>
             <a:off x="1982520" y="228600"/>
-            <a:ext cx="8222760" cy="1232280"/>
+            <a:ext cx="8222040" cy="1231560"/>
           </a:xfrm>
           <a:prstGeom prst="rect">
             <a:avLst/>
@@ -26604,7 +26638,7 @@
         <p:spPr>
           <a:xfrm>
             <a:off x="457200" y="808560"/>
-            <a:ext cx="11188800" cy="4661280"/>
+            <a:ext cx="11188080" cy="4660560"/>
           </a:xfrm>
           <a:prstGeom prst="rect">
             <a:avLst/>
@@ -26842,7 +26876,7 @@
         <p:spPr>
           <a:xfrm>
             <a:off x="336240" y="1339920"/>
-            <a:ext cx="11316960" cy="1827360"/>
+            <a:ext cx="11316240" cy="1826640"/>
           </a:xfrm>
           <a:prstGeom prst="roundRect">
             <a:avLst>
@@ -26908,7 +26942,7 @@
         <p:spPr>
           <a:xfrm>
             <a:off x="11658600" y="6400800"/>
-            <a:ext cx="3821760" cy="426240"/>
+            <a:ext cx="3821040" cy="425520"/>
           </a:xfrm>
           <a:prstGeom prst="rect">
             <a:avLst/>
@@ -26966,7 +27000,7 @@
         <p:spPr>
           <a:xfrm>
             <a:off x="5294880" y="4909320"/>
-            <a:ext cx="1598760" cy="1599120"/>
+            <a:ext cx="1598040" cy="1598400"/>
           </a:xfrm>
           <a:prstGeom prst="rect">
             <a:avLst/>
@@ -26990,7 +27024,7 @@
         <p:spPr>
           <a:xfrm>
             <a:off x="5457240" y="4355640"/>
-            <a:ext cx="1274040" cy="913680"/>
+            <a:ext cx="1273320" cy="912960"/>
           </a:xfrm>
           <a:prstGeom prst="rect">
             <a:avLst/>
@@ -27043,7 +27077,7 @@
         <p:spPr>
           <a:xfrm>
             <a:off x="2056680" y="-74160"/>
-            <a:ext cx="8222760" cy="1215000"/>
+            <a:ext cx="8222040" cy="1214280"/>
           </a:xfrm>
           <a:prstGeom prst="rect">
             <a:avLst/>
@@ -27074,7 +27108,7 @@
                 </a:solidFill>
                 <a:latin typeface="Times New Roman"/>
               </a:rPr>
-              <a:t>git Is Here To Help</a:t>
+              <a:t>git is Here to Help</a:t>
             </a:r>
             <a:endParaRPr b="0" lang="en-US" sz="3200" spc="-1" strike="noStrike">
               <a:solidFill>
@@ -27136,7 +27170,7 @@
         <p:spPr>
           <a:xfrm>
             <a:off x="11721960" y="6430680"/>
-            <a:ext cx="3821760" cy="426240"/>
+            <a:ext cx="3821040" cy="425520"/>
           </a:xfrm>
           <a:prstGeom prst="rect">
             <a:avLst/>
@@ -27190,7 +27224,7 @@
         <p:spPr>
           <a:xfrm>
             <a:off x="685800" y="1371600"/>
-            <a:ext cx="10972440" cy="5028840"/>
+            <a:ext cx="10971720" cy="5028120"/>
           </a:xfrm>
           <a:prstGeom prst="rect">
             <a:avLst/>
@@ -27228,6 +27262,7 @@
                   <a:srgbClr val="000000"/>
                 </a:solidFill>
                 <a:latin typeface="Times New Roman"/>
+                <a:ea typeface="DejaVu Sans"/>
               </a:rPr>
               <a:t>git is navigated through commands and can be split into stages</a:t>
             </a:r>
@@ -27269,6 +27304,7 @@
                   <a:srgbClr val="000000"/>
                 </a:solidFill>
                 <a:latin typeface="Times New Roman"/>
+                <a:ea typeface="DejaVu Sans"/>
               </a:rPr>
               <a:t>git status</a:t>
             </a:r>
@@ -27291,6 +27327,7 @@
                   <a:srgbClr val="000000"/>
                 </a:solidFill>
                 <a:latin typeface="Times New Roman"/>
+                <a:ea typeface="DejaVu Sans"/>
               </a:rPr>
               <a:t>  </a:t>
             </a:r>
@@ -27300,6 +27337,7 @@
                   <a:srgbClr val="000000"/>
                 </a:solidFill>
                 <a:latin typeface="Times New Roman"/>
+                <a:ea typeface="DejaVu Sans"/>
               </a:rPr>
               <a:t>	</a:t>
             </a:r>
@@ -27309,17 +27347,9 @@
                   <a:srgbClr val="000000"/>
                 </a:solidFill>
                 <a:latin typeface="Times New Roman"/>
-              </a:rPr>
-              <a:t>- show info on</a:t>
-            </a:r>
-            <a:r>
-              <a:rPr b="0" lang="en-US" sz="2600" spc="-1" strike="noStrike">
-                <a:solidFill>
-                  <a:srgbClr val="000000"/>
-                </a:solidFill>
-                <a:latin typeface="Times New Roman"/>
-              </a:rPr>
-              <a:t> file(s)</a:t>
+                <a:ea typeface="DejaVu Sans"/>
+              </a:rPr>
+              <a:t>- show info on file(s)</a:t>
             </a:r>
             <a:endParaRPr b="0" lang="en-US" sz="2600" spc="-1" strike="noStrike">
               <a:solidFill>
@@ -27359,6 +27389,7 @@
                   <a:srgbClr val="000000"/>
                 </a:solidFill>
                 <a:latin typeface="Times New Roman"/>
+                <a:ea typeface="DejaVu Sans"/>
               </a:rPr>
               <a:t>git fetch</a:t>
             </a:r>
@@ -27381,6 +27412,7 @@
                   <a:srgbClr val="000000"/>
                 </a:solidFill>
                 <a:latin typeface="Times New Roman"/>
+                <a:ea typeface="DejaVu Sans"/>
               </a:rPr>
               <a:t>  </a:t>
             </a:r>
@@ -27390,6 +27422,7 @@
                   <a:srgbClr val="000000"/>
                 </a:solidFill>
                 <a:latin typeface="Times New Roman"/>
+                <a:ea typeface="DejaVu Sans"/>
               </a:rPr>
               <a:t>	</a:t>
             </a:r>
@@ -27399,6 +27432,7 @@
                   <a:srgbClr val="000000"/>
                 </a:solidFill>
                 <a:latin typeface="Times New Roman"/>
+                <a:ea typeface="DejaVu Sans"/>
               </a:rPr>
               <a:t>- grab new changes from remote repos</a:t>
             </a:r>
@@ -27440,6 +27474,7 @@
                   <a:srgbClr val="000000"/>
                 </a:solidFill>
                 <a:latin typeface="Times New Roman"/>
+                <a:ea typeface="DejaVu Sans"/>
               </a:rPr>
               <a:t>git pull</a:t>
             </a:r>
@@ -27462,6 +27497,7 @@
                   <a:srgbClr val="000000"/>
                 </a:solidFill>
                 <a:latin typeface="Times New Roman"/>
+                <a:ea typeface="DejaVu Sans"/>
               </a:rPr>
               <a:t>  </a:t>
             </a:r>
@@ -27471,6 +27507,7 @@
                   <a:srgbClr val="000000"/>
                 </a:solidFill>
                 <a:latin typeface="Times New Roman"/>
+                <a:ea typeface="DejaVu Sans"/>
               </a:rPr>
               <a:t>	</a:t>
             </a:r>
@@ -27480,6 +27517,7 @@
                   <a:srgbClr val="000000"/>
                 </a:solidFill>
                 <a:latin typeface="Times New Roman"/>
+                <a:ea typeface="DejaVu Sans"/>
               </a:rPr>
               <a:t>- Actually merge the changes into your local branches</a:t>
             </a:r>
@@ -27544,7 +27582,7 @@
         <p:spPr>
           <a:xfrm>
             <a:off x="10000800" y="3569760"/>
-            <a:ext cx="1370520" cy="456120"/>
+            <a:ext cx="1369800" cy="455400"/>
           </a:xfrm>
           <a:prstGeom prst="roundRect">
             <a:avLst>
@@ -27647,7 +27685,7 @@
         <p:spPr>
           <a:xfrm>
             <a:off x="10003320" y="2859120"/>
-            <a:ext cx="1370520" cy="456120"/>
+            <a:ext cx="1369800" cy="455400"/>
           </a:xfrm>
           <a:prstGeom prst="roundRect">
             <a:avLst>
@@ -27711,7 +27749,7 @@
         <p:spPr>
           <a:xfrm>
             <a:off x="9958320" y="4196160"/>
-            <a:ext cx="1455840" cy="1455840"/>
+            <a:ext cx="1455120" cy="1455120"/>
           </a:xfrm>
           <a:prstGeom prst="rect">
             <a:avLst/>
@@ -27730,7 +27768,7 @@
         <p:spPr>
           <a:xfrm>
             <a:off x="10163880" y="4429800"/>
-            <a:ext cx="1070280" cy="595440"/>
+            <a:ext cx="1069560" cy="594720"/>
           </a:xfrm>
           <a:prstGeom prst="rect">
             <a:avLst/>
@@ -27831,7 +27869,7 @@
         <p:spPr>
           <a:xfrm>
             <a:off x="9829800" y="1695600"/>
-            <a:ext cx="1712880" cy="958680"/>
+            <a:ext cx="1712160" cy="957960"/>
           </a:xfrm>
           <a:prstGeom prst="rect">
             <a:avLst/>
@@ -27884,7 +27922,7 @@
         <p:spPr>
           <a:xfrm>
             <a:off x="2056680" y="-74160"/>
-            <a:ext cx="8222760" cy="1215000"/>
+            <a:ext cx="8222040" cy="1214280"/>
           </a:xfrm>
           <a:prstGeom prst="rect">
             <a:avLst/>
@@ -27983,7 +28021,7 @@
         <p:spPr>
           <a:xfrm>
             <a:off x="11721960" y="6430680"/>
-            <a:ext cx="3821760" cy="426240"/>
+            <a:ext cx="3821040" cy="425520"/>
           </a:xfrm>
           <a:prstGeom prst="rect">
             <a:avLst/>
@@ -28071,7 +28109,7 @@
         <p:spPr>
           <a:xfrm>
             <a:off x="2056680" y="-74160"/>
-            <a:ext cx="8222760" cy="1215000"/>
+            <a:ext cx="8222040" cy="1214280"/>
           </a:xfrm>
           <a:prstGeom prst="rect">
             <a:avLst/>
@@ -28170,7 +28208,7 @@
         <p:spPr>
           <a:xfrm>
             <a:off x="456840" y="1371600"/>
-            <a:ext cx="11196360" cy="5027040"/>
+            <a:ext cx="11195640" cy="5026320"/>
           </a:xfrm>
           <a:prstGeom prst="rect">
             <a:avLst/>
@@ -28220,6 +28258,31 @@
             </a:endParaRPr>
           </a:p>
           <a:p>
+            <a:pPr>
+              <a:lnSpc>
+                <a:spcPct val="150000"/>
+              </a:lnSpc>
+            </a:pPr>
+            <a:r>
+              <a:rPr b="0" lang="en-US" sz="1800" spc="-1" strike="noStrike" u="sng">
+                <a:solidFill>
+                  <a:srgbClr val="0000ee"/>
+                </a:solidFill>
+                <a:uFillTx/>
+                <a:latin typeface="Times New Roman"/>
+                <a:ea typeface="DejaVu Sans"/>
+                <a:hlinkClick r:id="rId1"/>
+              </a:rPr>
+              <a:t>https://github.com/wbuz24/undergrad-repo/blob/master/github-intro.pdf</a:t>
+            </a:r>
+            <a:endParaRPr b="0" lang="en-US" sz="1800" spc="-1" strike="noStrike">
+              <a:solidFill>
+                <a:srgbClr val="000000"/>
+              </a:solidFill>
+              <a:latin typeface="Arial"/>
+            </a:endParaRPr>
+          </a:p>
+          <a:p>
             <a:pPr marL="216000" indent="-216000">
               <a:lnSpc>
                 <a:spcPct val="150000"/>
@@ -28232,64 +28295,27 @@
               <a:buChar char=""/>
             </a:pPr>
             <a:r>
-              <a:rPr b="0" lang="en-US" sz="1800" spc="-1" strike="noStrike" u="sng">
-                <a:solidFill>
-                  <a:srgbClr val="0000ee"/>
-                </a:solidFill>
-                <a:uFillTx/>
+              <a:rPr b="0" lang="en-US" sz="1800" spc="-1" strike="noStrike">
+                <a:solidFill>
+                  <a:srgbClr val="000000"/>
+                </a:solidFill>
                 <a:latin typeface="Times New Roman"/>
                 <a:ea typeface="DejaVu Sans"/>
-                <a:hlinkClick r:id="rId1"/>
-              </a:rPr>
-              <a:t>https://github.com/wbuz24/undergrad-repo/blob/master/github-intro.pdf</a:t>
-            </a:r>
-            <a:endParaRPr b="0" lang="en-US" sz="1800" spc="-1" strike="noStrike">
-              <a:solidFill>
-                <a:srgbClr val="000000"/>
-              </a:solidFill>
-              <a:latin typeface="Arial"/>
-            </a:endParaRPr>
-          </a:p>
-          <a:p>
-            <a:pPr marL="216000" indent="-216000">
+              </a:rPr>
+              <a:t>Github docs</a:t>
+            </a:r>
+            <a:endParaRPr b="0" lang="en-US" sz="1800" spc="-1" strike="noStrike">
+              <a:solidFill>
+                <a:srgbClr val="000000"/>
+              </a:solidFill>
+              <a:latin typeface="Arial"/>
+            </a:endParaRPr>
+          </a:p>
+          <a:p>
+            <a:pPr>
               <a:lnSpc>
                 <a:spcPct val="150000"/>
               </a:lnSpc>
-              <a:buClr>
-                <a:srgbClr val="000000"/>
-              </a:buClr>
-              <a:buSzPct val="45000"/>
-              <a:buFont typeface="Wingdings" charset="2"/>
-              <a:buChar char=""/>
-            </a:pPr>
-            <a:r>
-              <a:rPr b="0" lang="en-US" sz="1800" spc="-1" strike="noStrike">
-                <a:solidFill>
-                  <a:srgbClr val="000000"/>
-                </a:solidFill>
-                <a:latin typeface="Times New Roman"/>
-                <a:ea typeface="DejaVu Sans"/>
-              </a:rPr>
-              <a:t>Github docs</a:t>
-            </a:r>
-            <a:endParaRPr b="0" lang="en-US" sz="1800" spc="-1" strike="noStrike">
-              <a:solidFill>
-                <a:srgbClr val="000000"/>
-              </a:solidFill>
-              <a:latin typeface="Arial"/>
-            </a:endParaRPr>
-          </a:p>
-          <a:p>
-            <a:pPr marL="216000" indent="-216000">
-              <a:lnSpc>
-                <a:spcPct val="150000"/>
-              </a:lnSpc>
-              <a:buClr>
-                <a:srgbClr val="000000"/>
-              </a:buClr>
-              <a:buSzPct val="45000"/>
-              <a:buFont typeface="Wingdings" charset="2"/>
-              <a:buChar char=""/>
             </a:pPr>
             <a:r>
               <a:rPr b="0" lang="en-US" sz="1800" spc="-1" strike="noStrike" u="sng">
@@ -28354,7 +28380,7 @@
         <p:spPr>
           <a:xfrm>
             <a:off x="2069640" y="20520"/>
-            <a:ext cx="8222760" cy="6293160"/>
+            <a:ext cx="8222040" cy="6292440"/>
           </a:xfrm>
           <a:prstGeom prst="rect">
             <a:avLst/>
@@ -28595,7 +28621,7 @@
         <p:spPr>
           <a:xfrm>
             <a:off x="1982520" y="-74160"/>
-            <a:ext cx="8222760" cy="1215000"/>
+            <a:ext cx="8222040" cy="1214280"/>
           </a:xfrm>
           <a:prstGeom prst="rect">
             <a:avLst/>
@@ -28694,7 +28720,7 @@
         <p:spPr>
           <a:xfrm>
             <a:off x="492840" y="1371600"/>
-            <a:ext cx="11196360" cy="5027040"/>
+            <a:ext cx="11195640" cy="5026320"/>
           </a:xfrm>
           <a:prstGeom prst="rect">
             <a:avLst/>
@@ -28754,17 +28780,21 @@
             </a:endParaRPr>
           </a:p>
           <a:p>
-            <a:pPr lvl="1" marL="432000" indent="-216000">
+            <a:pPr>
               <a:lnSpc>
                 <a:spcPct val="150000"/>
               </a:lnSpc>
-              <a:buClr>
-                <a:srgbClr val="000000"/>
-              </a:buClr>
-              <a:buSzPct val="45000"/>
-              <a:buFont typeface="Wingdings" charset="2"/>
-              <a:buChar char=""/>
-            </a:pPr>
+            </a:pPr>
+            <a:r>
+              <a:rPr b="0" lang="en-US" sz="2600" spc="-1" strike="noStrike">
+                <a:solidFill>
+                  <a:srgbClr val="000000"/>
+                </a:solidFill>
+                <a:latin typeface="Times New Roman"/>
+                <a:ea typeface="DejaVu Sans"/>
+              </a:rPr>
+              <a:t>	</a:t>
+            </a:r>
             <a:r>
               <a:rPr b="0" lang="en-US" sz="2600" spc="-1" strike="noStrike">
                 <a:solidFill>
@@ -28822,16 +28852,10 @@
             </a:endParaRPr>
           </a:p>
           <a:p>
-            <a:pPr lvl="1" marL="432000" indent="-216000">
+            <a:pPr>
               <a:lnSpc>
                 <a:spcPct val="150000"/>
               </a:lnSpc>
-              <a:buClr>
-                <a:srgbClr val="000000"/>
-              </a:buClr>
-              <a:buSzPct val="45000"/>
-              <a:buFont typeface="Wingdings" charset="2"/>
-              <a:buChar char=""/>
             </a:pPr>
             <a:r>
               <a:rPr b="0" lang="en-US" sz="2600" spc="-1" strike="noStrike">
@@ -28841,46 +28865,56 @@
                 <a:latin typeface="Times New Roman"/>
                 <a:ea typeface="DejaVu Sans"/>
               </a:rPr>
-              <a:t>- </a:t>
-            </a:r>
-            <a:r>
-              <a:rPr b="1" lang="en-US" sz="2600" spc="-1" strike="noStrike">
+              <a:t>	</a:t>
+            </a:r>
+            <a:r>
+              <a:rPr b="0" lang="en-US" sz="2600" spc="-1" strike="noStrike">
                 <a:solidFill>
                   <a:srgbClr val="000000"/>
                 </a:solidFill>
                 <a:latin typeface="Times New Roman"/>
                 <a:ea typeface="DejaVu Sans"/>
               </a:rPr>
-              <a:t>Clone</a:t>
-            </a:r>
-            <a:r>
-              <a:rPr b="0" lang="en-US" sz="2600" spc="-1" strike="noStrike">
+              <a:t>- </a:t>
+            </a:r>
+            <a:r>
+              <a:rPr b="1" lang="en-US" sz="2600" spc="-1" strike="noStrike">
                 <a:solidFill>
                   <a:srgbClr val="000000"/>
                 </a:solidFill>
                 <a:latin typeface="Times New Roman"/>
                 <a:ea typeface="DejaVu Sans"/>
               </a:rPr>
-              <a:t> and edit file(s) in </a:t>
-            </a:r>
-            <a:r>
-              <a:rPr b="1" lang="en-US" sz="2600" spc="-1" strike="noStrike">
+              <a:t>Clone</a:t>
+            </a:r>
+            <a:r>
+              <a:rPr b="0" lang="en-US" sz="2600" spc="-1" strike="noStrike">
                 <a:solidFill>
                   <a:srgbClr val="000000"/>
                 </a:solidFill>
                 <a:latin typeface="Times New Roman"/>
                 <a:ea typeface="DejaVu Sans"/>
               </a:rPr>
-              <a:t>repositories</a:t>
-            </a:r>
-            <a:r>
-              <a:rPr b="0" lang="en-US" sz="2600" spc="-1" strike="noStrike">
+              <a:t> and edit file(s) in </a:t>
+            </a:r>
+            <a:r>
+              <a:rPr b="1" lang="en-US" sz="2600" spc="-1" strike="noStrike">
                 <a:solidFill>
                   <a:srgbClr val="000000"/>
                 </a:solidFill>
                 <a:latin typeface="Times New Roman"/>
                 <a:ea typeface="DejaVu Sans"/>
               </a:rPr>
+              <a:t>repositories</a:t>
+            </a:r>
+            <a:r>
+              <a:rPr b="0" lang="en-US" sz="2600" spc="-1" strike="noStrike">
+                <a:solidFill>
+                  <a:srgbClr val="000000"/>
+                </a:solidFill>
+                <a:latin typeface="Times New Roman"/>
+                <a:ea typeface="DejaVu Sans"/>
+              </a:rPr>
               <a:t> with histories of each commit</a:t>
             </a:r>
             <a:endParaRPr b="0" lang="en-US" sz="2600" spc="-1" strike="noStrike">
@@ -28891,17 +28925,21 @@
             </a:endParaRPr>
           </a:p>
           <a:p>
-            <a:pPr lvl="1" marL="432000" indent="-216000">
+            <a:pPr>
               <a:lnSpc>
                 <a:spcPct val="150000"/>
               </a:lnSpc>
-              <a:buClr>
-                <a:srgbClr val="000000"/>
-              </a:buClr>
-              <a:buSzPct val="45000"/>
-              <a:buFont typeface="Wingdings" charset="2"/>
-              <a:buChar char=""/>
-            </a:pPr>
+            </a:pPr>
+            <a:r>
+              <a:rPr b="0" lang="en-US" sz="2600" spc="-1" strike="noStrike">
+                <a:solidFill>
+                  <a:srgbClr val="000000"/>
+                </a:solidFill>
+                <a:latin typeface="Times New Roman"/>
+                <a:ea typeface="DejaVu Sans"/>
+              </a:rPr>
+              <a:t>	</a:t>
+            </a:r>
             <a:r>
               <a:rPr b="0" lang="en-US" sz="2600" spc="-1" strike="noStrike">
                 <a:solidFill>
@@ -28964,7 +29002,7 @@
         <p:spPr>
           <a:xfrm>
             <a:off x="9141480" y="1505880"/>
-            <a:ext cx="2378520" cy="1922040"/>
+            <a:ext cx="2377800" cy="1921320"/>
           </a:xfrm>
           <a:prstGeom prst="rect">
             <a:avLst/>
@@ -28983,7 +29021,7 @@
         <p:spPr>
           <a:xfrm>
             <a:off x="727200" y="5142960"/>
-            <a:ext cx="1598760" cy="684720"/>
+            <a:ext cx="1598040" cy="684000"/>
           </a:xfrm>
           <a:prstGeom prst="roundRect">
             <a:avLst>
@@ -29043,7 +29081,7 @@
         <p:spPr>
           <a:xfrm>
             <a:off x="5298120" y="5142960"/>
-            <a:ext cx="1598760" cy="684720"/>
+            <a:ext cx="1598040" cy="684000"/>
           </a:xfrm>
           <a:prstGeom prst="roundRect">
             <a:avLst>
@@ -29103,7 +29141,7 @@
         <p:spPr>
           <a:xfrm>
             <a:off x="9640080" y="5142960"/>
-            <a:ext cx="1598760" cy="684720"/>
+            <a:ext cx="1598040" cy="684000"/>
           </a:xfrm>
           <a:prstGeom prst="roundRect">
             <a:avLst>
@@ -29249,7 +29287,7 @@
         <p:spPr>
           <a:xfrm>
             <a:off x="11690280" y="6399720"/>
-            <a:ext cx="3821760" cy="426240"/>
+            <a:ext cx="3821040" cy="425520"/>
           </a:xfrm>
           <a:prstGeom prst="rect">
             <a:avLst/>
@@ -29337,7 +29375,7 @@
         <p:spPr>
           <a:xfrm>
             <a:off x="1982520" y="-74160"/>
-            <a:ext cx="8222760" cy="1215000"/>
+            <a:ext cx="8222040" cy="1214280"/>
           </a:xfrm>
           <a:prstGeom prst="rect">
             <a:avLst/>
@@ -29436,7 +29474,7 @@
         <p:spPr>
           <a:xfrm>
             <a:off x="456840" y="1371600"/>
-            <a:ext cx="11196360" cy="5027040"/>
+            <a:ext cx="11195640" cy="5026320"/>
           </a:xfrm>
           <a:prstGeom prst="rect">
             <a:avLst/>
@@ -29486,16 +29524,10 @@
             </a:endParaRPr>
           </a:p>
           <a:p>
-            <a:pPr lvl="1" marL="432000" indent="-216000">
+            <a:pPr>
               <a:lnSpc>
                 <a:spcPct val="150000"/>
               </a:lnSpc>
-              <a:buClr>
-                <a:srgbClr val="000000"/>
-              </a:buClr>
-              <a:buSzPct val="45000"/>
-              <a:buFont typeface="Wingdings" charset="2"/>
-              <a:buChar char=""/>
             </a:pPr>
             <a:r>
               <a:rPr b="0" lang="en-US" sz="2800" spc="-1" strike="noStrike">
@@ -29505,6 +29537,16 @@
                 <a:latin typeface="Times New Roman"/>
                 <a:ea typeface="DejaVu Sans"/>
               </a:rPr>
+              <a:t>	</a:t>
+            </a:r>
+            <a:r>
+              <a:rPr b="0" lang="en-US" sz="2800" spc="-1" strike="noStrike">
+                <a:solidFill>
+                  <a:srgbClr val="000000"/>
+                </a:solidFill>
+                <a:latin typeface="Times New Roman"/>
+                <a:ea typeface="DejaVu Sans"/>
+              </a:rPr>
               <a:t>- To your great delight, git will help you with</a:t>
             </a:r>
             <a:endParaRPr b="0" lang="en-US" sz="2800" spc="-1" strike="noStrike">
@@ -29515,17 +29557,31 @@
             </a:endParaRPr>
           </a:p>
           <a:p>
-            <a:pPr lvl="1" marL="432000" indent="-216000">
+            <a:pPr>
               <a:lnSpc>
                 <a:spcPct val="150000"/>
               </a:lnSpc>
-              <a:buClr>
-                <a:srgbClr val="000000"/>
-              </a:buClr>
-              <a:buSzPct val="45000"/>
-              <a:buFont typeface="Wingdings" charset="2"/>
-              <a:buChar char=""/>
-            </a:pPr>
+            </a:pPr>
+            <a:r>
+              <a:rPr b="0" lang="en-US" sz="2800" spc="-1" strike="noStrike">
+                <a:solidFill>
+                  <a:srgbClr val="000000"/>
+                </a:solidFill>
+                <a:latin typeface="Times New Roman"/>
+                <a:ea typeface="DejaVu Sans"/>
+              </a:rPr>
+              <a:t>	</a:t>
+            </a:r>
+            <a:r>
+              <a:rPr b="0" lang="en-US" sz="2800" spc="-1" strike="noStrike">
+                <a:solidFill>
+                  <a:srgbClr val="000000"/>
+                </a:solidFill>
+                <a:latin typeface="Times New Roman"/>
+                <a:ea typeface="DejaVu Sans"/>
+              </a:rPr>
+              <a:t>   </a:t>
+            </a:r>
             <a:r>
               <a:rPr b="0" lang="en-US" sz="2800" spc="-1" strike="noStrike">
                 <a:solidFill>
@@ -29557,8 +29613,8 @@
         </p:blipFill>
         <p:spPr>
           <a:xfrm>
-            <a:off x="7754040" y="2514600"/>
-            <a:ext cx="3607920" cy="3884760"/>
+            <a:off x="8186040" y="2514600"/>
+            <a:ext cx="3607200" cy="3884040"/>
           </a:xfrm>
           <a:prstGeom prst="rect">
             <a:avLst/>
@@ -29585,8 +29641,8 @@
         </p:blipFill>
         <p:spPr>
           <a:xfrm>
-            <a:off x="875520" y="3587400"/>
-            <a:ext cx="6396120" cy="2811240"/>
+            <a:off x="1055520" y="3587400"/>
+            <a:ext cx="6395400" cy="2810520"/>
           </a:xfrm>
           <a:prstGeom prst="rect">
             <a:avLst/>
@@ -29610,7 +29666,7 @@
         <p:spPr>
           <a:xfrm>
             <a:off x="11721960" y="6399720"/>
-            <a:ext cx="3821760" cy="426240"/>
+            <a:ext cx="3821040" cy="425520"/>
           </a:xfrm>
           <a:prstGeom prst="rect">
             <a:avLst/>
@@ -29698,7 +29754,7 @@
         <p:spPr>
           <a:xfrm>
             <a:off x="1982520" y="-74160"/>
-            <a:ext cx="8222760" cy="1215000"/>
+            <a:ext cx="8222040" cy="1214280"/>
           </a:xfrm>
           <a:prstGeom prst="rect">
             <a:avLst/>
@@ -29797,7 +29853,7 @@
         <p:spPr>
           <a:xfrm>
             <a:off x="456840" y="1371600"/>
-            <a:ext cx="11196360" cy="5027040"/>
+            <a:ext cx="11195640" cy="5026320"/>
           </a:xfrm>
           <a:prstGeom prst="rect">
             <a:avLst/>
@@ -29986,7 +30042,7 @@
         <p:spPr>
           <a:xfrm>
             <a:off x="5485680" y="5029200"/>
-            <a:ext cx="1598760" cy="1599120"/>
+            <a:ext cx="1598040" cy="1598400"/>
           </a:xfrm>
           <a:prstGeom prst="rect">
             <a:avLst/>
@@ -30009,7 +30065,7 @@
         <p:spPr>
           <a:xfrm>
             <a:off x="2743200" y="4298040"/>
-            <a:ext cx="1712880" cy="958680"/>
+            <a:ext cx="1712160" cy="957960"/>
           </a:xfrm>
           <a:prstGeom prst="rect">
             <a:avLst/>
@@ -30032,7 +30088,7 @@
         <p:spPr>
           <a:xfrm>
             <a:off x="8179560" y="4343400"/>
-            <a:ext cx="1258920" cy="1141920"/>
+            <a:ext cx="1258200" cy="1141200"/>
           </a:xfrm>
           <a:prstGeom prst="rect">
             <a:avLst/>
@@ -30137,7 +30193,7 @@
         <p:spPr>
           <a:xfrm>
             <a:off x="11721960" y="6430680"/>
-            <a:ext cx="3821760" cy="426240"/>
+            <a:ext cx="3821040" cy="425520"/>
           </a:xfrm>
           <a:prstGeom prst="rect">
             <a:avLst/>
@@ -30191,15 +30247,15 @@
         <p:spPr>
           <a:xfrm>
             <a:off x="8060400" y="4186800"/>
-            <a:ext cx="1599840" cy="1463760"/>
+            <a:ext cx="1599120" cy="1463040"/>
           </a:xfrm>
           <a:custGeom>
             <a:avLst/>
             <a:gdLst>
-              <a:gd name="textAreaLeft" fmla="*/ 222120 w 1599840"/>
-              <a:gd name="textAreaRight" fmla="*/ 1267560 w 1599840"/>
-              <a:gd name="textAreaTop" fmla="*/ 225000 h 1463760"/>
-              <a:gd name="textAreaBottom" fmla="*/ 1174680 h 1463760"/>
+              <a:gd name="textAreaLeft" fmla="*/ 222120 w 1599120"/>
+              <a:gd name="textAreaRight" fmla="*/ 1267560 w 1599120"/>
+              <a:gd name="textAreaTop" fmla="*/ 225000 h 1463040"/>
+              <a:gd name="textAreaBottom" fmla="*/ 1174680 h 1463040"/>
             </a:gdLst>
             <a:ahLst/>
             <a:rect l="textAreaLeft" t="textAreaTop" r="textAreaRight" b="textAreaBottom"/>
@@ -30475,15 +30531,15 @@
         <p:spPr>
           <a:xfrm>
             <a:off x="2815200" y="4114800"/>
-            <a:ext cx="1589400" cy="1464120"/>
+            <a:ext cx="1588680" cy="1463400"/>
           </a:xfrm>
           <a:custGeom>
             <a:avLst/>
             <a:gdLst>
-              <a:gd name="textAreaLeft" fmla="*/ 220680 w 1589400"/>
-              <a:gd name="textAreaRight" fmla="*/ 1259280 w 1589400"/>
-              <a:gd name="textAreaTop" fmla="*/ 225000 h 1464120"/>
-              <a:gd name="textAreaBottom" fmla="*/ 1175040 h 1464120"/>
+              <a:gd name="textAreaLeft" fmla="*/ 220680 w 1588680"/>
+              <a:gd name="textAreaRight" fmla="*/ 1259280 w 1588680"/>
+              <a:gd name="textAreaTop" fmla="*/ 225000 h 1463400"/>
+              <a:gd name="textAreaBottom" fmla="*/ 1175040 h 1463400"/>
             </a:gdLst>
             <a:ahLst/>
             <a:rect l="textAreaLeft" t="textAreaTop" r="textAreaRight" b="textAreaBottom"/>
@@ -30793,7 +30849,7 @@
         <p:spPr>
           <a:xfrm>
             <a:off x="1982520" y="-72720"/>
-            <a:ext cx="8222760" cy="1215000"/>
+            <a:ext cx="8222040" cy="1214280"/>
           </a:xfrm>
           <a:prstGeom prst="rect">
             <a:avLst/>
@@ -30892,7 +30948,7 @@
         <p:spPr>
           <a:xfrm>
             <a:off x="456840" y="1371600"/>
-            <a:ext cx="11196360" cy="5027040"/>
+            <a:ext cx="11195640" cy="5026320"/>
           </a:xfrm>
           <a:prstGeom prst="rect">
             <a:avLst/>
@@ -30937,7 +30993,7 @@
         <p:spPr>
           <a:xfrm>
             <a:off x="11721960" y="6430680"/>
-            <a:ext cx="3821760" cy="426240"/>
+            <a:ext cx="3821040" cy="425520"/>
           </a:xfrm>
           <a:prstGeom prst="rect">
             <a:avLst/>
@@ -30995,7 +31051,7 @@
         <p:spPr>
           <a:xfrm>
             <a:off x="5237640" y="1828800"/>
-            <a:ext cx="1712880" cy="958680"/>
+            <a:ext cx="1712160" cy="957960"/>
           </a:xfrm>
           <a:prstGeom prst="rect">
             <a:avLst/>
@@ -31018,7 +31074,7 @@
         <p:spPr>
           <a:xfrm>
             <a:off x="2314080" y="3429000"/>
-            <a:ext cx="1455840" cy="1455840"/>
+            <a:ext cx="1455120" cy="1455120"/>
           </a:xfrm>
           <a:prstGeom prst="rect">
             <a:avLst/>
@@ -31041,7 +31097,7 @@
         <p:spPr>
           <a:xfrm>
             <a:off x="8657280" y="3429000"/>
-            <a:ext cx="1464480" cy="1464480"/>
+            <a:ext cx="1463760" cy="1463760"/>
           </a:xfrm>
           <a:prstGeom prst="rect">
             <a:avLst/>
@@ -31231,8 +31287,8 @@
         </p:nvSpPr>
         <p:spPr>
           <a:xfrm rot="19620000">
-            <a:off x="3648600" y="2926440"/>
-            <a:ext cx="1647720" cy="456120"/>
+            <a:off x="3647880" y="2926440"/>
+            <a:ext cx="1647000" cy="455400"/>
           </a:xfrm>
           <a:prstGeom prst="rect">
             <a:avLst/>
@@ -31285,8 +31341,8 @@
         </p:nvSpPr>
         <p:spPr>
           <a:xfrm rot="19860000">
-            <a:off x="3417840" y="2415960"/>
-            <a:ext cx="1599120" cy="456120"/>
+            <a:off x="3417480" y="2415960"/>
+            <a:ext cx="1598400" cy="455400"/>
           </a:xfrm>
           <a:prstGeom prst="rect">
             <a:avLst/>
@@ -31339,8 +31395,8 @@
         </p:nvSpPr>
         <p:spPr>
           <a:xfrm rot="2220000">
-            <a:off x="6932160" y="2949480"/>
-            <a:ext cx="1599120" cy="456120"/>
+            <a:off x="6931800" y="2948760"/>
+            <a:ext cx="1598400" cy="455400"/>
           </a:xfrm>
           <a:prstGeom prst="rect">
             <a:avLst/>
@@ -31393,8 +31449,8 @@
         </p:nvSpPr>
         <p:spPr>
           <a:xfrm rot="2280000">
-            <a:off x="7343640" y="2500920"/>
-            <a:ext cx="1599120" cy="456120"/>
+            <a:off x="7343280" y="2500200"/>
+            <a:ext cx="1598400" cy="455400"/>
           </a:xfrm>
           <a:prstGeom prst="rect">
             <a:avLst/>
@@ -31448,7 +31504,7 @@
         <p:spPr>
           <a:xfrm>
             <a:off x="2399400" y="4885920"/>
-            <a:ext cx="1370520" cy="684720"/>
+            <a:ext cx="1369800" cy="684000"/>
           </a:xfrm>
           <a:prstGeom prst="rect">
             <a:avLst/>
@@ -31502,7 +31558,7 @@
         <p:spPr>
           <a:xfrm>
             <a:off x="8393760" y="4884120"/>
-            <a:ext cx="2120760" cy="763200"/>
+            <a:ext cx="2120040" cy="762480"/>
           </a:xfrm>
           <a:prstGeom prst="rect">
             <a:avLst/>
@@ -31556,7 +31612,7 @@
         <p:spPr>
           <a:xfrm>
             <a:off x="4380120" y="3335400"/>
-            <a:ext cx="3427920" cy="2389680"/>
+            <a:ext cx="3427200" cy="2388960"/>
           </a:xfrm>
           <a:prstGeom prst="rect">
             <a:avLst/>
@@ -31596,7 +31652,7 @@
               <a:solidFill>
                 <a:srgbClr val="000000"/>
               </a:solidFill>
-              <a:latin typeface="Times New Roman"/>
+              <a:latin typeface="Arial"/>
             </a:endParaRPr>
           </a:p>
           <a:p>
@@ -31619,7 +31675,7 @@
               <a:solidFill>
                 <a:srgbClr val="000000"/>
               </a:solidFill>
-              <a:latin typeface="Times New Roman"/>
+              <a:latin typeface="Arial"/>
             </a:endParaRPr>
           </a:p>
           <a:p>
@@ -31642,7 +31698,7 @@
               <a:solidFill>
                 <a:srgbClr val="000000"/>
               </a:solidFill>
-              <a:latin typeface="Times New Roman"/>
+              <a:latin typeface="Arial"/>
             </a:endParaRPr>
           </a:p>
           <a:p>
@@ -31665,7 +31721,7 @@
               <a:solidFill>
                 <a:srgbClr val="000000"/>
               </a:solidFill>
-              <a:latin typeface="Times New Roman"/>
+              <a:latin typeface="Arial"/>
             </a:endParaRPr>
           </a:p>
           <a:p>
@@ -31688,7 +31744,7 @@
               <a:solidFill>
                 <a:srgbClr val="000000"/>
               </a:solidFill>
-              <a:latin typeface="Times New Roman"/>
+              <a:latin typeface="Arial"/>
             </a:endParaRPr>
           </a:p>
         </p:txBody>
@@ -31736,7 +31792,7 @@
         <p:spPr>
           <a:xfrm>
             <a:off x="1982520" y="-72720"/>
-            <a:ext cx="8222760" cy="1215000"/>
+            <a:ext cx="8222040" cy="1214280"/>
           </a:xfrm>
           <a:prstGeom prst="rect">
             <a:avLst/>
@@ -31835,7 +31891,7 @@
         <p:spPr>
           <a:xfrm>
             <a:off x="456840" y="1371600"/>
-            <a:ext cx="11196360" cy="5027040"/>
+            <a:ext cx="11195640" cy="5026320"/>
           </a:xfrm>
           <a:prstGeom prst="rect">
             <a:avLst/>
@@ -31856,6 +31912,11 @@
             <a:noAutofit/>
           </a:bodyPr>
           <a:p>
+            <a:pPr>
+              <a:lnSpc>
+                <a:spcPct val="100000"/>
+              </a:lnSpc>
+            </a:pPr>
             <a:endParaRPr b="0" lang="en-US" sz="1800" spc="-1" strike="noStrike">
               <a:solidFill>
                 <a:srgbClr val="000000"/>
@@ -31875,7 +31936,7 @@
         <p:spPr>
           <a:xfrm>
             <a:off x="11721960" y="6430680"/>
-            <a:ext cx="3821760" cy="426240"/>
+            <a:ext cx="3821040" cy="425520"/>
           </a:xfrm>
           <a:prstGeom prst="rect">
             <a:avLst/>
@@ -31933,7 +31994,7 @@
         <p:spPr>
           <a:xfrm>
             <a:off x="5237640" y="1828800"/>
-            <a:ext cx="1712880" cy="958680"/>
+            <a:ext cx="1712160" cy="957960"/>
           </a:xfrm>
           <a:prstGeom prst="rect">
             <a:avLst/>
@@ -31956,7 +32017,7 @@
         <p:spPr>
           <a:xfrm>
             <a:off x="2314080" y="3429000"/>
-            <a:ext cx="1455840" cy="1455840"/>
+            <a:ext cx="1455120" cy="1455120"/>
           </a:xfrm>
           <a:prstGeom prst="rect">
             <a:avLst/>
@@ -31979,7 +32040,7 @@
         <p:spPr>
           <a:xfrm>
             <a:off x="8657280" y="3429000"/>
-            <a:ext cx="1464480" cy="1464480"/>
+            <a:ext cx="1463760" cy="1463760"/>
           </a:xfrm>
           <a:prstGeom prst="rect">
             <a:avLst/>
@@ -32169,8 +32230,8 @@
         </p:nvSpPr>
         <p:spPr>
           <a:xfrm rot="19620000">
-            <a:off x="3648600" y="2926440"/>
-            <a:ext cx="1647720" cy="456120"/>
+            <a:off x="3647880" y="2926440"/>
+            <a:ext cx="1647000" cy="455400"/>
           </a:xfrm>
           <a:prstGeom prst="rect">
             <a:avLst/>
@@ -32223,8 +32284,8 @@
         </p:nvSpPr>
         <p:spPr>
           <a:xfrm rot="19860000">
-            <a:off x="3417840" y="2415960"/>
-            <a:ext cx="1599120" cy="456120"/>
+            <a:off x="3417480" y="2415960"/>
+            <a:ext cx="1598400" cy="455400"/>
           </a:xfrm>
           <a:prstGeom prst="rect">
             <a:avLst/>
@@ -32277,8 +32338,8 @@
         </p:nvSpPr>
         <p:spPr>
           <a:xfrm rot="2220000">
-            <a:off x="6932160" y="2949480"/>
-            <a:ext cx="1599120" cy="456120"/>
+            <a:off x="6931800" y="2948760"/>
+            <a:ext cx="1598400" cy="455400"/>
           </a:xfrm>
           <a:prstGeom prst="rect">
             <a:avLst/>
@@ -32331,8 +32392,8 @@
         </p:nvSpPr>
         <p:spPr>
           <a:xfrm rot="2280000">
-            <a:off x="7343640" y="2500920"/>
-            <a:ext cx="1599120" cy="456120"/>
+            <a:off x="7343280" y="2500200"/>
+            <a:ext cx="1598400" cy="455400"/>
           </a:xfrm>
           <a:prstGeom prst="rect">
             <a:avLst/>
@@ -32386,7 +32447,7 @@
         <p:spPr>
           <a:xfrm>
             <a:off x="2399400" y="4885920"/>
-            <a:ext cx="1370520" cy="684720"/>
+            <a:ext cx="1369800" cy="684000"/>
           </a:xfrm>
           <a:prstGeom prst="rect">
             <a:avLst/>
@@ -32440,7 +32501,7 @@
         <p:spPr>
           <a:xfrm>
             <a:off x="8393760" y="4884120"/>
-            <a:ext cx="2120760" cy="763200"/>
+            <a:ext cx="2120040" cy="762480"/>
           </a:xfrm>
           <a:prstGeom prst="rect">
             <a:avLst/>
@@ -32494,7 +32555,7 @@
         <p:spPr>
           <a:xfrm>
             <a:off x="4380120" y="3335400"/>
-            <a:ext cx="3427920" cy="2389680"/>
+            <a:ext cx="3427200" cy="2388960"/>
           </a:xfrm>
           <a:prstGeom prst="rect">
             <a:avLst/>
@@ -32534,7 +32595,7 @@
               <a:solidFill>
                 <a:srgbClr val="000000"/>
               </a:solidFill>
-              <a:latin typeface="Times New Roman"/>
+              <a:latin typeface="Arial"/>
             </a:endParaRPr>
           </a:p>
           <a:p>
@@ -32557,7 +32618,7 @@
               <a:solidFill>
                 <a:srgbClr val="000000"/>
               </a:solidFill>
-              <a:latin typeface="Times New Roman"/>
+              <a:latin typeface="Arial"/>
             </a:endParaRPr>
           </a:p>
           <a:p>
@@ -32580,7 +32641,7 @@
               <a:solidFill>
                 <a:srgbClr val="000000"/>
               </a:solidFill>
-              <a:latin typeface="Times New Roman"/>
+              <a:latin typeface="Arial"/>
             </a:endParaRPr>
           </a:p>
           <a:p>
@@ -32603,7 +32664,7 @@
               <a:solidFill>
                 <a:srgbClr val="000000"/>
               </a:solidFill>
-              <a:latin typeface="Times New Roman"/>
+              <a:latin typeface="Arial"/>
             </a:endParaRPr>
           </a:p>
           <a:p>
@@ -32626,7 +32687,7 @@
               <a:solidFill>
                 <a:srgbClr val="000000"/>
               </a:solidFill>
-              <a:latin typeface="Times New Roman"/>
+              <a:latin typeface="Arial"/>
             </a:endParaRPr>
           </a:p>
         </p:txBody>
@@ -32683,7 +32744,7 @@
         <p:spPr>
           <a:xfrm>
             <a:off x="3487320" y="1947960"/>
-            <a:ext cx="1962000" cy="1962000"/>
+            <a:ext cx="1961280" cy="1961280"/>
           </a:xfrm>
           <a:prstGeom prst="ellipse">
             <a:avLst/>
@@ -32707,6 +32768,11 @@
             <a:noAutofit/>
           </a:bodyPr>
           <a:p>
+            <a:pPr>
+              <a:lnSpc>
+                <a:spcPct val="100000"/>
+              </a:lnSpc>
+            </a:pPr>
             <a:endParaRPr b="0" lang="en-US" sz="1800" spc="-1" strike="noStrike">
               <a:solidFill>
                 <a:srgbClr val="000000"/>
@@ -32726,7 +32792,7 @@
         <p:spPr>
           <a:xfrm>
             <a:off x="914400" y="1828800"/>
-            <a:ext cx="1599120" cy="684720"/>
+            <a:ext cx="1598400" cy="684000"/>
           </a:xfrm>
           <a:prstGeom prst="rect">
             <a:avLst/>
@@ -32814,7 +32880,7 @@
         <p:spPr>
           <a:xfrm>
             <a:off x="2056680" y="-74160"/>
-            <a:ext cx="8222760" cy="1215000"/>
+            <a:ext cx="8222040" cy="1214280"/>
           </a:xfrm>
           <a:prstGeom prst="rect">
             <a:avLst/>
@@ -32913,7 +32979,7 @@
         <p:spPr>
           <a:xfrm>
             <a:off x="11721960" y="6430680"/>
-            <a:ext cx="3821760" cy="426240"/>
+            <a:ext cx="3821040" cy="425520"/>
           </a:xfrm>
           <a:prstGeom prst="rect">
             <a:avLst/>
@@ -32971,7 +33037,7 @@
         <p:spPr>
           <a:xfrm>
             <a:off x="5237640" y="1326240"/>
-            <a:ext cx="1712880" cy="958680"/>
+            <a:ext cx="1712160" cy="957960"/>
           </a:xfrm>
           <a:prstGeom prst="rect">
             <a:avLst/>
@@ -33033,7 +33099,7 @@
         <p:spPr>
           <a:xfrm>
             <a:off x="5408640" y="3236400"/>
-            <a:ext cx="1370520" cy="456120"/>
+            <a:ext cx="1369800" cy="455400"/>
           </a:xfrm>
           <a:prstGeom prst="roundRect">
             <a:avLst>
@@ -33136,7 +33202,7 @@
         <p:spPr>
           <a:xfrm>
             <a:off x="5411160" y="2525760"/>
-            <a:ext cx="1370520" cy="456120"/>
+            <a:ext cx="1369800" cy="455400"/>
           </a:xfrm>
           <a:prstGeom prst="roundRect">
             <a:avLst>
@@ -33239,7 +33305,7 @@
         <p:spPr>
           <a:xfrm>
             <a:off x="5409000" y="3956760"/>
-            <a:ext cx="1370520" cy="456120"/>
+            <a:ext cx="1369800" cy="455400"/>
           </a:xfrm>
           <a:prstGeom prst="roundRect">
             <a:avLst>
@@ -33346,7 +33412,7 @@
         <p:spPr>
           <a:xfrm>
             <a:off x="5366160" y="4726800"/>
-            <a:ext cx="1455840" cy="1455840"/>
+            <a:ext cx="1455120" cy="1455120"/>
           </a:xfrm>
           <a:prstGeom prst="rect">
             <a:avLst/>
@@ -33365,7 +33431,7 @@
         <p:spPr>
           <a:xfrm>
             <a:off x="5751720" y="4924440"/>
-            <a:ext cx="684720" cy="595440"/>
+            <a:ext cx="684000" cy="594720"/>
           </a:xfrm>
           <a:prstGeom prst="rect">
             <a:avLst/>
@@ -33453,7 +33519,7 @@
         <p:spPr>
           <a:xfrm>
             <a:off x="2056680" y="-74160"/>
-            <a:ext cx="8222760" cy="1215000"/>
+            <a:ext cx="8222040" cy="1214280"/>
           </a:xfrm>
           <a:prstGeom prst="rect">
             <a:avLst/>
@@ -33552,7 +33618,7 @@
         <p:spPr>
           <a:xfrm>
             <a:off x="11721960" y="6430680"/>
-            <a:ext cx="3821760" cy="426240"/>
+            <a:ext cx="3821040" cy="425520"/>
           </a:xfrm>
           <a:prstGeom prst="rect">
             <a:avLst/>
@@ -33610,7 +33676,7 @@
         <p:spPr>
           <a:xfrm>
             <a:off x="5237640" y="1326240"/>
-            <a:ext cx="1712880" cy="958680"/>
+            <a:ext cx="1712160" cy="957960"/>
           </a:xfrm>
           <a:prstGeom prst="rect">
             <a:avLst/>
@@ -33672,7 +33738,7 @@
         <p:spPr>
           <a:xfrm>
             <a:off x="5408640" y="3236400"/>
-            <a:ext cx="1370520" cy="456120"/>
+            <a:ext cx="1369800" cy="455400"/>
           </a:xfrm>
           <a:prstGeom prst="roundRect">
             <a:avLst>
@@ -33775,7 +33841,7 @@
         <p:spPr>
           <a:xfrm>
             <a:off x="5411160" y="2525760"/>
-            <a:ext cx="1370520" cy="456120"/>
+            <a:ext cx="1369800" cy="455400"/>
           </a:xfrm>
           <a:prstGeom prst="roundRect">
             <a:avLst>
@@ -33878,7 +33944,7 @@
         <p:spPr>
           <a:xfrm>
             <a:off x="5409000" y="3956760"/>
-            <a:ext cx="1370520" cy="456120"/>
+            <a:ext cx="1369800" cy="455400"/>
           </a:xfrm>
           <a:prstGeom prst="roundRect">
             <a:avLst>
@@ -33985,7 +34051,7 @@
         <p:spPr>
           <a:xfrm>
             <a:off x="5366160" y="4726800"/>
-            <a:ext cx="1455840" cy="1455840"/>
+            <a:ext cx="1455120" cy="1455120"/>
           </a:xfrm>
           <a:prstGeom prst="rect">
             <a:avLst/>
@@ -34004,7 +34070,7 @@
         <p:spPr>
           <a:xfrm>
             <a:off x="5751720" y="4924440"/>
-            <a:ext cx="684720" cy="595440"/>
+            <a:ext cx="684000" cy="594720"/>
           </a:xfrm>
           <a:prstGeom prst="rect">
             <a:avLst/>
@@ -34058,7 +34124,7 @@
         <p:spPr>
           <a:xfrm>
             <a:off x="6400800" y="228600"/>
-            <a:ext cx="2284920" cy="913320"/>
+            <a:ext cx="2284200" cy="912600"/>
           </a:xfrm>
           <a:prstGeom prst="wedgeEllipseCallout">
             <a:avLst>

--- a/S24/cs494/notes/github-intro.pptx
+++ b/S24/cs494/notes/github-intro.pptx
@@ -404,7 +404,7 @@
             <a:pPr indent="0" algn="r">
               <a:buNone/>
             </a:pPr>
-            <a:fld id="{FDDCF386-EB81-42BF-B144-CF618D84F88A}" type="slidenum">
+            <a:fld id="{A19A4A04-640C-4845-A598-88FD01EE8D88}" type="slidenum">
               <a:rPr b="0" lang="en-US" sz="1400" spc="-1" strike="noStrike">
                 <a:solidFill>
                   <a:srgbClr val="000000"/>
@@ -458,7 +458,7 @@
         <p:spPr>
           <a:xfrm>
             <a:off x="685800" y="1143000"/>
-            <a:ext cx="5480280" cy="3080160"/>
+            <a:ext cx="5479920" cy="3079800"/>
           </a:xfrm>
           <a:prstGeom prst="rect">
             <a:avLst/>
@@ -481,7 +481,7 @@
         <p:spPr>
           <a:xfrm>
             <a:off x="685800" y="4400640"/>
-            <a:ext cx="5480280" cy="3594240"/>
+            <a:ext cx="5479920" cy="3593880"/>
           </a:xfrm>
           <a:prstGeom prst="rect">
             <a:avLst/>
@@ -521,7 +521,7 @@
         <p:spPr>
           <a:xfrm>
             <a:off x="3884760" y="8685360"/>
-            <a:ext cx="2965680" cy="452520"/>
+            <a:ext cx="2965320" cy="452160"/>
           </a:xfrm>
           <a:prstGeom prst="rect">
             <a:avLst/>
@@ -562,7 +562,7 @@
                 <a:tab algn="l" pos="0"/>
               </a:tabLst>
             </a:pPr>
-            <a:fld id="{0F0DACC9-24D4-4628-9D07-4E6B5C55FD57}" type="slidenum">
+            <a:fld id="{72298332-A040-435E-8286-30B7E47ED5CF}" type="slidenum">
               <a:rPr b="0" lang="en-US" sz="1200" spc="-1" strike="noStrike">
                 <a:solidFill>
                   <a:srgbClr val="000000"/>
@@ -615,7 +615,7 @@
         <p:spPr>
           <a:xfrm>
             <a:off x="685800" y="1143000"/>
-            <a:ext cx="5480280" cy="3080160"/>
+            <a:ext cx="5479920" cy="3079800"/>
           </a:xfrm>
           <a:prstGeom prst="rect">
             <a:avLst/>
@@ -638,7 +638,7 @@
         <p:spPr>
           <a:xfrm>
             <a:off x="685800" y="4400640"/>
-            <a:ext cx="5480280" cy="3594240"/>
+            <a:ext cx="5479920" cy="3593880"/>
           </a:xfrm>
           <a:prstGeom prst="rect">
             <a:avLst/>
@@ -678,7 +678,7 @@
         <p:spPr>
           <a:xfrm>
             <a:off x="3884760" y="8685360"/>
-            <a:ext cx="2965680" cy="452520"/>
+            <a:ext cx="2965320" cy="452160"/>
           </a:xfrm>
           <a:prstGeom prst="rect">
             <a:avLst/>
@@ -719,7 +719,7 @@
                 <a:tab algn="l" pos="0"/>
               </a:tabLst>
             </a:pPr>
-            <a:fld id="{5287A836-3C24-4769-91FF-B58BC5002D2D}" type="slidenum">
+            <a:fld id="{B909B03A-28F2-4EB4-8B09-7C77F29C7B55}" type="slidenum">
               <a:rPr b="0" lang="en-US" sz="1200" spc="-1" strike="noStrike">
                 <a:solidFill>
                   <a:srgbClr val="000000"/>
@@ -772,7 +772,7 @@
         <p:spPr>
           <a:xfrm>
             <a:off x="685800" y="1143000"/>
-            <a:ext cx="5480280" cy="3080160"/>
+            <a:ext cx="5479920" cy="3079800"/>
           </a:xfrm>
           <a:prstGeom prst="rect">
             <a:avLst/>
@@ -795,7 +795,7 @@
         <p:spPr>
           <a:xfrm>
             <a:off x="685800" y="4400640"/>
-            <a:ext cx="5480280" cy="3594240"/>
+            <a:ext cx="5479920" cy="3593880"/>
           </a:xfrm>
           <a:prstGeom prst="rect">
             <a:avLst/>
@@ -835,7 +835,7 @@
         <p:spPr>
           <a:xfrm>
             <a:off x="3884760" y="8685360"/>
-            <a:ext cx="2965680" cy="452520"/>
+            <a:ext cx="2965320" cy="452160"/>
           </a:xfrm>
           <a:prstGeom prst="rect">
             <a:avLst/>
@@ -876,7 +876,7 @@
                 <a:tab algn="l" pos="0"/>
               </a:tabLst>
             </a:pPr>
-            <a:fld id="{8E8DD29C-9ED3-44C2-826D-39FEB574B597}" type="slidenum">
+            <a:fld id="{4ABBAC28-DC07-4269-B546-B9FFF857A06D}" type="slidenum">
               <a:rPr b="0" lang="en-US" sz="1200" spc="-1" strike="noStrike">
                 <a:solidFill>
                   <a:srgbClr val="000000"/>
@@ -929,7 +929,7 @@
         <p:spPr>
           <a:xfrm>
             <a:off x="685800" y="1143000"/>
-            <a:ext cx="5480280" cy="3080160"/>
+            <a:ext cx="5479920" cy="3079800"/>
           </a:xfrm>
           <a:prstGeom prst="rect">
             <a:avLst/>
@@ -952,7 +952,7 @@
         <p:spPr>
           <a:xfrm>
             <a:off x="685800" y="4400640"/>
-            <a:ext cx="5480280" cy="3594240"/>
+            <a:ext cx="5479920" cy="3593880"/>
           </a:xfrm>
           <a:prstGeom prst="rect">
             <a:avLst/>
@@ -992,7 +992,7 @@
         <p:spPr>
           <a:xfrm>
             <a:off x="3884760" y="8685360"/>
-            <a:ext cx="2965680" cy="452520"/>
+            <a:ext cx="2965320" cy="452160"/>
           </a:xfrm>
           <a:prstGeom prst="rect">
             <a:avLst/>
@@ -1033,7 +1033,7 @@
                 <a:tab algn="l" pos="0"/>
               </a:tabLst>
             </a:pPr>
-            <a:fld id="{582AB5C3-4C2C-42C2-95A9-4F4D384D6FFC}" type="slidenum">
+            <a:fld id="{B4AAEB41-66E6-434A-948E-890111DE3385}" type="slidenum">
               <a:rPr b="0" lang="en-US" sz="1200" spc="-1" strike="noStrike">
                 <a:solidFill>
                   <a:srgbClr val="000000"/>
@@ -1086,7 +1086,7 @@
         <p:spPr>
           <a:xfrm>
             <a:off x="685800" y="1143000"/>
-            <a:ext cx="5480280" cy="3080160"/>
+            <a:ext cx="5479920" cy="3079800"/>
           </a:xfrm>
           <a:prstGeom prst="rect">
             <a:avLst/>
@@ -1109,7 +1109,7 @@
         <p:spPr>
           <a:xfrm>
             <a:off x="685800" y="4400640"/>
-            <a:ext cx="5480280" cy="3594240"/>
+            <a:ext cx="5479920" cy="3593880"/>
           </a:xfrm>
           <a:prstGeom prst="rect">
             <a:avLst/>
@@ -1149,7 +1149,7 @@
         <p:spPr>
           <a:xfrm>
             <a:off x="3884760" y="8685360"/>
-            <a:ext cx="2965680" cy="452520"/>
+            <a:ext cx="2965320" cy="452160"/>
           </a:xfrm>
           <a:prstGeom prst="rect">
             <a:avLst/>
@@ -1190,7 +1190,7 @@
                 <a:tab algn="l" pos="0"/>
               </a:tabLst>
             </a:pPr>
-            <a:fld id="{BB21C291-13DF-49A8-9B47-F3755A7D5945}" type="slidenum">
+            <a:fld id="{18ECC25C-D636-4FD2-8105-970A7343EB6B}" type="slidenum">
               <a:rPr b="0" lang="en-US" sz="1200" spc="-1" strike="noStrike">
                 <a:solidFill>
                   <a:srgbClr val="000000"/>
@@ -1243,7 +1243,7 @@
         <p:spPr>
           <a:xfrm>
             <a:off x="685800" y="1143000"/>
-            <a:ext cx="5480280" cy="3080160"/>
+            <a:ext cx="5479920" cy="3079800"/>
           </a:xfrm>
           <a:prstGeom prst="rect">
             <a:avLst/>
@@ -1266,7 +1266,7 @@
         <p:spPr>
           <a:xfrm>
             <a:off x="685800" y="4400640"/>
-            <a:ext cx="5480280" cy="3594240"/>
+            <a:ext cx="5479920" cy="3593880"/>
           </a:xfrm>
           <a:prstGeom prst="rect">
             <a:avLst/>
@@ -1306,7 +1306,7 @@
         <p:spPr>
           <a:xfrm>
             <a:off x="3884760" y="8685360"/>
-            <a:ext cx="2965680" cy="452520"/>
+            <a:ext cx="2965320" cy="452160"/>
           </a:xfrm>
           <a:prstGeom prst="rect">
             <a:avLst/>
@@ -1347,7 +1347,7 @@
                 <a:tab algn="l" pos="0"/>
               </a:tabLst>
             </a:pPr>
-            <a:fld id="{3055AFF5-1C1E-4A22-8084-E348FC50C749}" type="slidenum">
+            <a:fld id="{49D47742-0AD2-43A4-8E5B-DD19D0EC0C5D}" type="slidenum">
               <a:rPr b="0" lang="en-US" sz="1200" spc="-1" strike="noStrike">
                 <a:solidFill>
                   <a:srgbClr val="000000"/>
@@ -1400,7 +1400,7 @@
         <p:spPr>
           <a:xfrm>
             <a:off x="685800" y="1143000"/>
-            <a:ext cx="5480280" cy="3080160"/>
+            <a:ext cx="5479920" cy="3079800"/>
           </a:xfrm>
           <a:prstGeom prst="rect">
             <a:avLst/>
@@ -1423,7 +1423,7 @@
         <p:spPr>
           <a:xfrm>
             <a:off x="685800" y="4400640"/>
-            <a:ext cx="5480280" cy="3594240"/>
+            <a:ext cx="5479920" cy="3593880"/>
           </a:xfrm>
           <a:prstGeom prst="rect">
             <a:avLst/>
@@ -1463,7 +1463,7 @@
         <p:spPr>
           <a:xfrm>
             <a:off x="3884760" y="8685360"/>
-            <a:ext cx="2965680" cy="452520"/>
+            <a:ext cx="2965320" cy="452160"/>
           </a:xfrm>
           <a:prstGeom prst="rect">
             <a:avLst/>
@@ -1504,7 +1504,7 @@
                 <a:tab algn="l" pos="0"/>
               </a:tabLst>
             </a:pPr>
-            <a:fld id="{BC895753-0EA6-479F-A207-2210E511C6C5}" type="slidenum">
+            <a:fld id="{5A3F5146-29C6-4319-BEAF-874C3122335C}" type="slidenum">
               <a:rPr b="0" lang="en-US" sz="1200" spc="-1" strike="noStrike">
                 <a:solidFill>
                   <a:srgbClr val="000000"/>
@@ -1557,7 +1557,7 @@
         <p:spPr>
           <a:xfrm>
             <a:off x="685800" y="1143000"/>
-            <a:ext cx="5480280" cy="3080160"/>
+            <a:ext cx="5479920" cy="3079800"/>
           </a:xfrm>
           <a:prstGeom prst="rect">
             <a:avLst/>
@@ -1580,7 +1580,7 @@
         <p:spPr>
           <a:xfrm>
             <a:off x="685800" y="4400640"/>
-            <a:ext cx="5480280" cy="3594240"/>
+            <a:ext cx="5479920" cy="3593880"/>
           </a:xfrm>
           <a:prstGeom prst="rect">
             <a:avLst/>
@@ -1620,7 +1620,7 @@
         <p:spPr>
           <a:xfrm>
             <a:off x="3884760" y="8685360"/>
-            <a:ext cx="2965680" cy="452520"/>
+            <a:ext cx="2965320" cy="452160"/>
           </a:xfrm>
           <a:prstGeom prst="rect">
             <a:avLst/>
@@ -1661,7 +1661,7 @@
                 <a:tab algn="l" pos="0"/>
               </a:tabLst>
             </a:pPr>
-            <a:fld id="{8E8F5FB5-617A-4362-8C7D-82142F69ED3B}" type="slidenum">
+            <a:fld id="{E721F246-07BF-4560-A82A-7C0AFDD81DD3}" type="slidenum">
               <a:rPr b="0" lang="en-US" sz="1200" spc="-1" strike="noStrike">
                 <a:solidFill>
                   <a:srgbClr val="000000"/>
@@ -1714,7 +1714,7 @@
         <p:spPr>
           <a:xfrm>
             <a:off x="685800" y="1143000"/>
-            <a:ext cx="5480280" cy="3080160"/>
+            <a:ext cx="5479920" cy="3079800"/>
           </a:xfrm>
           <a:prstGeom prst="rect">
             <a:avLst/>
@@ -1737,7 +1737,7 @@
         <p:spPr>
           <a:xfrm>
             <a:off x="685800" y="4400640"/>
-            <a:ext cx="5480280" cy="3594240"/>
+            <a:ext cx="5479920" cy="3593880"/>
           </a:xfrm>
           <a:prstGeom prst="rect">
             <a:avLst/>
@@ -1777,7 +1777,7 @@
         <p:spPr>
           <a:xfrm>
             <a:off x="3884760" y="8685360"/>
-            <a:ext cx="2965680" cy="452520"/>
+            <a:ext cx="2965320" cy="452160"/>
           </a:xfrm>
           <a:prstGeom prst="rect">
             <a:avLst/>
@@ -1818,7 +1818,7 @@
                 <a:tab algn="l" pos="0"/>
               </a:tabLst>
             </a:pPr>
-            <a:fld id="{D7D86B92-76BE-4635-85BB-45842BD03EF6}" type="slidenum">
+            <a:fld id="{804AFC24-E923-4C87-8653-822E1C067E33}" type="slidenum">
               <a:rPr b="0" lang="en-US" sz="1200" spc="-1" strike="noStrike">
                 <a:solidFill>
                   <a:srgbClr val="000000"/>
@@ -1871,7 +1871,7 @@
         <p:spPr>
           <a:xfrm>
             <a:off x="685800" y="1143000"/>
-            <a:ext cx="5480280" cy="3080160"/>
+            <a:ext cx="5479920" cy="3079800"/>
           </a:xfrm>
           <a:prstGeom prst="rect">
             <a:avLst/>
@@ -1894,7 +1894,7 @@
         <p:spPr>
           <a:xfrm>
             <a:off x="685800" y="4400640"/>
-            <a:ext cx="5480280" cy="3594240"/>
+            <a:ext cx="5479920" cy="3593880"/>
           </a:xfrm>
           <a:prstGeom prst="rect">
             <a:avLst/>
@@ -1934,7 +1934,7 @@
         <p:spPr>
           <a:xfrm>
             <a:off x="3884760" y="8685360"/>
-            <a:ext cx="2965680" cy="452520"/>
+            <a:ext cx="2965320" cy="452160"/>
           </a:xfrm>
           <a:prstGeom prst="rect">
             <a:avLst/>
@@ -1975,7 +1975,7 @@
                 <a:tab algn="l" pos="0"/>
               </a:tabLst>
             </a:pPr>
-            <a:fld id="{E92DC232-94CE-49E0-9C1F-016466420557}" type="slidenum">
+            <a:fld id="{D24F882E-3EE7-4453-AA94-06EF1B5C7DC6}" type="slidenum">
               <a:rPr b="0" lang="en-US" sz="1200" spc="-1" strike="noStrike">
                 <a:solidFill>
                   <a:srgbClr val="000000"/>
@@ -2028,7 +2028,7 @@
         <p:spPr>
           <a:xfrm>
             <a:off x="685800" y="1143000"/>
-            <a:ext cx="5480280" cy="3080160"/>
+            <a:ext cx="5479920" cy="3079800"/>
           </a:xfrm>
           <a:prstGeom prst="rect">
             <a:avLst/>
@@ -2051,7 +2051,7 @@
         <p:spPr>
           <a:xfrm>
             <a:off x="685800" y="4400640"/>
-            <a:ext cx="5480280" cy="3594240"/>
+            <a:ext cx="5479920" cy="3593880"/>
           </a:xfrm>
           <a:prstGeom prst="rect">
             <a:avLst/>
@@ -2091,7 +2091,7 @@
         <p:spPr>
           <a:xfrm>
             <a:off x="3884760" y="8685360"/>
-            <a:ext cx="2965680" cy="452520"/>
+            <a:ext cx="2965320" cy="452160"/>
           </a:xfrm>
           <a:prstGeom prst="rect">
             <a:avLst/>
@@ -2132,7 +2132,7 @@
                 <a:tab algn="l" pos="0"/>
               </a:tabLst>
             </a:pPr>
-            <a:fld id="{1D08D064-7B98-424B-B44A-3AD6558AC08A}" type="slidenum">
+            <a:fld id="{5CA2484A-24C5-44A9-86A7-587D74532AA5}" type="slidenum">
               <a:rPr b="0" lang="en-US" sz="1200" spc="-1" strike="noStrike">
                 <a:solidFill>
                   <a:srgbClr val="000000"/>
@@ -2185,7 +2185,7 @@
         <p:spPr>
           <a:xfrm>
             <a:off x="685800" y="1143000"/>
-            <a:ext cx="5480280" cy="3080160"/>
+            <a:ext cx="5479920" cy="3079800"/>
           </a:xfrm>
           <a:prstGeom prst="rect">
             <a:avLst/>
@@ -2208,7 +2208,7 @@
         <p:spPr>
           <a:xfrm>
             <a:off x="685800" y="4400640"/>
-            <a:ext cx="5480280" cy="3594240"/>
+            <a:ext cx="5479920" cy="3593880"/>
           </a:xfrm>
           <a:prstGeom prst="rect">
             <a:avLst/>
@@ -2248,7 +2248,7 @@
         <p:spPr>
           <a:xfrm>
             <a:off x="3884760" y="8685360"/>
-            <a:ext cx="2965680" cy="452520"/>
+            <a:ext cx="2965320" cy="452160"/>
           </a:xfrm>
           <a:prstGeom prst="rect">
             <a:avLst/>
@@ -2289,7 +2289,7 @@
                 <a:tab algn="l" pos="0"/>
               </a:tabLst>
             </a:pPr>
-            <a:fld id="{124BDD44-D63D-4906-8A97-3F45A257B7F7}" type="slidenum">
+            <a:fld id="{AC54A4F5-66DB-4BE6-893C-94B98AB8675B}" type="slidenum">
               <a:rPr b="0" lang="en-US" sz="1200" spc="-1" strike="noStrike">
                 <a:solidFill>
                   <a:srgbClr val="000000"/>
@@ -2342,7 +2342,7 @@
         <p:spPr>
           <a:xfrm>
             <a:off x="685800" y="1143000"/>
-            <a:ext cx="5480280" cy="3080160"/>
+            <a:ext cx="5479920" cy="3079800"/>
           </a:xfrm>
           <a:prstGeom prst="rect">
             <a:avLst/>
@@ -2365,7 +2365,7 @@
         <p:spPr>
           <a:xfrm>
             <a:off x="685800" y="4400640"/>
-            <a:ext cx="5480280" cy="3594240"/>
+            <a:ext cx="5479920" cy="3593880"/>
           </a:xfrm>
           <a:prstGeom prst="rect">
             <a:avLst/>
@@ -2405,7 +2405,7 @@
         <p:spPr>
           <a:xfrm>
             <a:off x="3884760" y="8685360"/>
-            <a:ext cx="2965680" cy="452520"/>
+            <a:ext cx="2965320" cy="452160"/>
           </a:xfrm>
           <a:prstGeom prst="rect">
             <a:avLst/>
@@ -2446,7 +2446,7 @@
                 <a:tab algn="l" pos="0"/>
               </a:tabLst>
             </a:pPr>
-            <a:fld id="{BB688FC6-AF68-4610-99B2-BD3B77B9484A}" type="slidenum">
+            <a:fld id="{6936831C-9A04-4FD8-BC17-8127F0265069}" type="slidenum">
               <a:rPr b="0" lang="en-US" sz="1200" spc="-1" strike="noStrike">
                 <a:solidFill>
                   <a:srgbClr val="000000"/>
@@ -2499,7 +2499,7 @@
         <p:spPr>
           <a:xfrm>
             <a:off x="685800" y="1143000"/>
-            <a:ext cx="5480280" cy="3080160"/>
+            <a:ext cx="5479920" cy="3079800"/>
           </a:xfrm>
           <a:prstGeom prst="rect">
             <a:avLst/>
@@ -2522,7 +2522,7 @@
         <p:spPr>
           <a:xfrm>
             <a:off x="685800" y="4400640"/>
-            <a:ext cx="5480280" cy="3594240"/>
+            <a:ext cx="5479920" cy="3593880"/>
           </a:xfrm>
           <a:prstGeom prst="rect">
             <a:avLst/>
@@ -2562,7 +2562,7 @@
         <p:spPr>
           <a:xfrm>
             <a:off x="3884760" y="8685360"/>
-            <a:ext cx="2965680" cy="452520"/>
+            <a:ext cx="2965320" cy="452160"/>
           </a:xfrm>
           <a:prstGeom prst="rect">
             <a:avLst/>
@@ -2603,7 +2603,7 @@
                 <a:tab algn="l" pos="0"/>
               </a:tabLst>
             </a:pPr>
-            <a:fld id="{A23D4B8F-97D8-4BF0-A021-9ED183391B38}" type="slidenum">
+            <a:fld id="{6CC3CFF7-4769-472F-9772-F05524BDFA86}" type="slidenum">
               <a:rPr b="0" lang="en-US" sz="1200" spc="-1" strike="noStrike">
                 <a:solidFill>
                   <a:srgbClr val="000000"/>
@@ -2656,7 +2656,7 @@
         <p:spPr>
           <a:xfrm>
             <a:off x="685800" y="1143000"/>
-            <a:ext cx="5480280" cy="3080160"/>
+            <a:ext cx="5479920" cy="3079800"/>
           </a:xfrm>
           <a:prstGeom prst="rect">
             <a:avLst/>
@@ -2679,7 +2679,7 @@
         <p:spPr>
           <a:xfrm>
             <a:off x="685800" y="4400640"/>
-            <a:ext cx="5480280" cy="3594240"/>
+            <a:ext cx="5479920" cy="3593880"/>
           </a:xfrm>
           <a:prstGeom prst="rect">
             <a:avLst/>
@@ -2719,7 +2719,7 @@
         <p:spPr>
           <a:xfrm>
             <a:off x="3884760" y="8685360"/>
-            <a:ext cx="2965680" cy="452520"/>
+            <a:ext cx="2965320" cy="452160"/>
           </a:xfrm>
           <a:prstGeom prst="rect">
             <a:avLst/>
@@ -2760,7 +2760,7 @@
                 <a:tab algn="l" pos="0"/>
               </a:tabLst>
             </a:pPr>
-            <a:fld id="{D52C9B51-0CB5-4E3F-8D37-09455DDEE501}" type="slidenum">
+            <a:fld id="{DB11339A-DC7C-445A-99BB-A556B2D8306E}" type="slidenum">
               <a:rPr b="0" lang="en-US" sz="1200" spc="-1" strike="noStrike">
                 <a:solidFill>
                   <a:srgbClr val="000000"/>
@@ -2813,7 +2813,7 @@
         <p:spPr>
           <a:xfrm>
             <a:off x="685800" y="1143000"/>
-            <a:ext cx="5480280" cy="3080160"/>
+            <a:ext cx="5479920" cy="3079800"/>
           </a:xfrm>
           <a:prstGeom prst="rect">
             <a:avLst/>
@@ -2836,7 +2836,7 @@
         <p:spPr>
           <a:xfrm>
             <a:off x="685800" y="4400640"/>
-            <a:ext cx="5480280" cy="3594240"/>
+            <a:ext cx="5479920" cy="3593880"/>
           </a:xfrm>
           <a:prstGeom prst="rect">
             <a:avLst/>
@@ -2876,7 +2876,7 @@
         <p:spPr>
           <a:xfrm>
             <a:off x="3884760" y="8685360"/>
-            <a:ext cx="2965680" cy="452520"/>
+            <a:ext cx="2965320" cy="452160"/>
           </a:xfrm>
           <a:prstGeom prst="rect">
             <a:avLst/>
@@ -2917,7 +2917,7 @@
                 <a:tab algn="l" pos="0"/>
               </a:tabLst>
             </a:pPr>
-            <a:fld id="{DE34ED0C-6BB6-400D-A4EF-20871A70CFBC}" type="slidenum">
+            <a:fld id="{DB61053C-2B9D-4671-B8F9-02E6DD5A53C1}" type="slidenum">
               <a:rPr b="0" lang="en-US" sz="1200" spc="-1" strike="noStrike">
                 <a:solidFill>
                   <a:srgbClr val="000000"/>
@@ -2970,7 +2970,7 @@
         <p:spPr>
           <a:xfrm>
             <a:off x="685800" y="1143000"/>
-            <a:ext cx="5480280" cy="3080160"/>
+            <a:ext cx="5479920" cy="3079800"/>
           </a:xfrm>
           <a:prstGeom prst="rect">
             <a:avLst/>
@@ -2993,7 +2993,7 @@
         <p:spPr>
           <a:xfrm>
             <a:off x="685800" y="4400640"/>
-            <a:ext cx="5480280" cy="3594240"/>
+            <a:ext cx="5479920" cy="3593880"/>
           </a:xfrm>
           <a:prstGeom prst="rect">
             <a:avLst/>
@@ -3033,7 +3033,7 @@
         <p:spPr>
           <a:xfrm>
             <a:off x="3884760" y="8685360"/>
-            <a:ext cx="2965680" cy="452520"/>
+            <a:ext cx="2965320" cy="452160"/>
           </a:xfrm>
           <a:prstGeom prst="rect">
             <a:avLst/>
@@ -3074,7 +3074,7 @@
                 <a:tab algn="l" pos="0"/>
               </a:tabLst>
             </a:pPr>
-            <a:fld id="{0BF59368-F9C1-4AED-9214-F80376084F0D}" type="slidenum">
+            <a:fld id="{65BEB852-4663-4991-8DE2-6B28A3D9BEA9}" type="slidenum">
               <a:rPr b="0" lang="en-US" sz="1200" spc="-1" strike="noStrike">
                 <a:solidFill>
                   <a:srgbClr val="000000"/>
@@ -3127,7 +3127,7 @@
         <p:spPr>
           <a:xfrm>
             <a:off x="685800" y="1143000"/>
-            <a:ext cx="5480280" cy="3080160"/>
+            <a:ext cx="5479920" cy="3079800"/>
           </a:xfrm>
           <a:prstGeom prst="rect">
             <a:avLst/>
@@ -3150,7 +3150,7 @@
         <p:spPr>
           <a:xfrm>
             <a:off x="685800" y="4400640"/>
-            <a:ext cx="5480280" cy="3594240"/>
+            <a:ext cx="5479920" cy="3593880"/>
           </a:xfrm>
           <a:prstGeom prst="rect">
             <a:avLst/>
@@ -3190,7 +3190,7 @@
         <p:spPr>
           <a:xfrm>
             <a:off x="3884760" y="8685360"/>
-            <a:ext cx="2965680" cy="452520"/>
+            <a:ext cx="2965320" cy="452160"/>
           </a:xfrm>
           <a:prstGeom prst="rect">
             <a:avLst/>
@@ -3231,7 +3231,7 @@
                 <a:tab algn="l" pos="0"/>
               </a:tabLst>
             </a:pPr>
-            <a:fld id="{235A61CA-30AA-42F4-A45C-377AF7175EA0}" type="slidenum">
+            <a:fld id="{A0AD478F-66AA-4A9A-A138-ABFA387A3581}" type="slidenum">
               <a:rPr b="0" lang="en-US" sz="1200" spc="-1" strike="noStrike">
                 <a:solidFill>
                   <a:srgbClr val="000000"/>
@@ -3284,7 +3284,7 @@
         <p:spPr>
           <a:xfrm>
             <a:off x="685800" y="1143000"/>
-            <a:ext cx="5480280" cy="3080160"/>
+            <a:ext cx="5479920" cy="3079800"/>
           </a:xfrm>
           <a:prstGeom prst="rect">
             <a:avLst/>
@@ -3307,7 +3307,7 @@
         <p:spPr>
           <a:xfrm>
             <a:off x="685800" y="4400640"/>
-            <a:ext cx="5480280" cy="3594240"/>
+            <a:ext cx="5479920" cy="3593880"/>
           </a:xfrm>
           <a:prstGeom prst="rect">
             <a:avLst/>
@@ -3347,7 +3347,7 @@
         <p:spPr>
           <a:xfrm>
             <a:off x="3884760" y="8685360"/>
-            <a:ext cx="2965680" cy="452520"/>
+            <a:ext cx="2965320" cy="452160"/>
           </a:xfrm>
           <a:prstGeom prst="rect">
             <a:avLst/>
@@ -3388,7 +3388,7 @@
                 <a:tab algn="l" pos="0"/>
               </a:tabLst>
             </a:pPr>
-            <a:fld id="{191166FC-208C-44DC-8365-7C4DDAE0CC6E}" type="slidenum">
+            <a:fld id="{215D33F1-02CB-40EF-9AB8-1F24B47BBA04}" type="slidenum">
               <a:rPr b="0" lang="en-US" sz="1200" spc="-1" strike="noStrike">
                 <a:solidFill>
                   <a:srgbClr val="000000"/>
@@ -3441,7 +3441,7 @@
         <p:spPr>
           <a:xfrm>
             <a:off x="685800" y="1143000"/>
-            <a:ext cx="5480280" cy="3080160"/>
+            <a:ext cx="5479920" cy="3079800"/>
           </a:xfrm>
           <a:prstGeom prst="rect">
             <a:avLst/>
@@ -3464,7 +3464,7 @@
         <p:spPr>
           <a:xfrm>
             <a:off x="685800" y="4400640"/>
-            <a:ext cx="5480280" cy="3594240"/>
+            <a:ext cx="5479920" cy="3593880"/>
           </a:xfrm>
           <a:prstGeom prst="rect">
             <a:avLst/>
@@ -3504,7 +3504,7 @@
         <p:spPr>
           <a:xfrm>
             <a:off x="3884760" y="8685360"/>
-            <a:ext cx="2965680" cy="452520"/>
+            <a:ext cx="2965320" cy="452160"/>
           </a:xfrm>
           <a:prstGeom prst="rect">
             <a:avLst/>
@@ -3545,7 +3545,7 @@
                 <a:tab algn="l" pos="0"/>
               </a:tabLst>
             </a:pPr>
-            <a:fld id="{046263F1-709A-4C43-8818-719B8C00603A}" type="slidenum">
+            <a:fld id="{1630F6A8-5237-4AA8-80F1-37161BF7128F}" type="slidenum">
               <a:rPr b="0" lang="en-US" sz="1200" spc="-1" strike="noStrike">
                 <a:solidFill>
                   <a:srgbClr val="000000"/>
@@ -3598,7 +3598,7 @@
         <p:spPr>
           <a:xfrm>
             <a:off x="685800" y="1143000"/>
-            <a:ext cx="5480280" cy="3080160"/>
+            <a:ext cx="5479920" cy="3079800"/>
           </a:xfrm>
           <a:prstGeom prst="rect">
             <a:avLst/>
@@ -3621,7 +3621,7 @@
         <p:spPr>
           <a:xfrm>
             <a:off x="685800" y="4400640"/>
-            <a:ext cx="5480280" cy="3594240"/>
+            <a:ext cx="5479920" cy="3593880"/>
           </a:xfrm>
           <a:prstGeom prst="rect">
             <a:avLst/>
@@ -3661,7 +3661,7 @@
         <p:spPr>
           <a:xfrm>
             <a:off x="3884760" y="8685360"/>
-            <a:ext cx="2965680" cy="452520"/>
+            <a:ext cx="2965320" cy="452160"/>
           </a:xfrm>
           <a:prstGeom prst="rect">
             <a:avLst/>
@@ -3702,7 +3702,7 @@
                 <a:tab algn="l" pos="0"/>
               </a:tabLst>
             </a:pPr>
-            <a:fld id="{44F69AF8-AFF0-4472-A324-190F669BF0F1}" type="slidenum">
+            <a:fld id="{FE1BE73D-018B-492A-8F12-34573701B04C}" type="slidenum">
               <a:rPr b="0" lang="en-US" sz="1200" spc="-1" strike="noStrike">
                 <a:solidFill>
                   <a:srgbClr val="000000"/>
@@ -3755,7 +3755,7 @@
         <p:spPr>
           <a:xfrm>
             <a:off x="685800" y="1143000"/>
-            <a:ext cx="5480280" cy="3080160"/>
+            <a:ext cx="5479920" cy="3079800"/>
           </a:xfrm>
           <a:prstGeom prst="rect">
             <a:avLst/>
@@ -3778,7 +3778,7 @@
         <p:spPr>
           <a:xfrm>
             <a:off x="685800" y="4400640"/>
-            <a:ext cx="5480280" cy="3594240"/>
+            <a:ext cx="5479920" cy="3593880"/>
           </a:xfrm>
           <a:prstGeom prst="rect">
             <a:avLst/>
@@ -3818,7 +3818,7 @@
         <p:spPr>
           <a:xfrm>
             <a:off x="3884760" y="8685360"/>
-            <a:ext cx="2965680" cy="452520"/>
+            <a:ext cx="2965320" cy="452160"/>
           </a:xfrm>
           <a:prstGeom prst="rect">
             <a:avLst/>
@@ -3859,7 +3859,7 @@
                 <a:tab algn="l" pos="0"/>
               </a:tabLst>
             </a:pPr>
-            <a:fld id="{4AA414C8-79F0-4761-ABB4-6E1FDC4DB67A}" type="slidenum">
+            <a:fld id="{53CBCE6C-4641-4A1B-B221-56C9BDF45209}" type="slidenum">
               <a:rPr b="0" lang="en-US" sz="1200" spc="-1" strike="noStrike">
                 <a:solidFill>
                   <a:srgbClr val="000000"/>
@@ -3912,7 +3912,7 @@
         <p:spPr>
           <a:xfrm>
             <a:off x="685800" y="1143000"/>
-            <a:ext cx="5480280" cy="3080160"/>
+            <a:ext cx="5479920" cy="3079800"/>
           </a:xfrm>
           <a:prstGeom prst="rect">
             <a:avLst/>
@@ -3935,7 +3935,7 @@
         <p:spPr>
           <a:xfrm>
             <a:off x="685800" y="4400640"/>
-            <a:ext cx="5480280" cy="3594240"/>
+            <a:ext cx="5479920" cy="3593880"/>
           </a:xfrm>
           <a:prstGeom prst="rect">
             <a:avLst/>
@@ -3975,7 +3975,7 @@
         <p:spPr>
           <a:xfrm>
             <a:off x="3884760" y="8685360"/>
-            <a:ext cx="2965680" cy="452520"/>
+            <a:ext cx="2965320" cy="452160"/>
           </a:xfrm>
           <a:prstGeom prst="rect">
             <a:avLst/>
@@ -4016,7 +4016,7 @@
                 <a:tab algn="l" pos="0"/>
               </a:tabLst>
             </a:pPr>
-            <a:fld id="{F2A20361-062D-4FBB-B946-FA7334C3A87C}" type="slidenum">
+            <a:fld id="{07D84DE2-D916-40DB-8CC5-8E1AD6AFFA4B}" type="slidenum">
               <a:rPr b="0" lang="en-US" sz="1200" spc="-1" strike="noStrike">
                 <a:solidFill>
                   <a:srgbClr val="000000"/>
@@ -4069,7 +4069,7 @@
         <p:spPr>
           <a:xfrm>
             <a:off x="685800" y="1143000"/>
-            <a:ext cx="5480280" cy="3080160"/>
+            <a:ext cx="5479920" cy="3079800"/>
           </a:xfrm>
           <a:prstGeom prst="rect">
             <a:avLst/>
@@ -4092,7 +4092,7 @@
         <p:spPr>
           <a:xfrm>
             <a:off x="685800" y="4400640"/>
-            <a:ext cx="5480280" cy="3594240"/>
+            <a:ext cx="5479920" cy="3593880"/>
           </a:xfrm>
           <a:prstGeom prst="rect">
             <a:avLst/>
@@ -4132,7 +4132,7 @@
         <p:spPr>
           <a:xfrm>
             <a:off x="3884760" y="8685360"/>
-            <a:ext cx="2965680" cy="452520"/>
+            <a:ext cx="2965320" cy="452160"/>
           </a:xfrm>
           <a:prstGeom prst="rect">
             <a:avLst/>
@@ -4173,7 +4173,7 @@
                 <a:tab algn="l" pos="0"/>
               </a:tabLst>
             </a:pPr>
-            <a:fld id="{54F326A5-CF23-45E9-A755-3FFE010F1114}" type="slidenum">
+            <a:fld id="{0D0B7E2F-A398-4C73-AA68-7080F74836E9}" type="slidenum">
               <a:rPr b="0" lang="en-US" sz="1200" spc="-1" strike="noStrike">
                 <a:solidFill>
                   <a:srgbClr val="000000"/>
@@ -4226,7 +4226,7 @@
         <p:spPr>
           <a:xfrm>
             <a:off x="685800" y="1143000"/>
-            <a:ext cx="5480280" cy="3080160"/>
+            <a:ext cx="5479920" cy="3079800"/>
           </a:xfrm>
           <a:prstGeom prst="rect">
             <a:avLst/>
@@ -4249,7 +4249,7 @@
         <p:spPr>
           <a:xfrm>
             <a:off x="685800" y="4400640"/>
-            <a:ext cx="5480280" cy="3594240"/>
+            <a:ext cx="5479920" cy="3593880"/>
           </a:xfrm>
           <a:prstGeom prst="rect">
             <a:avLst/>
@@ -4289,7 +4289,7 @@
         <p:spPr>
           <a:xfrm>
             <a:off x="3884760" y="8685360"/>
-            <a:ext cx="2965680" cy="452520"/>
+            <a:ext cx="2965320" cy="452160"/>
           </a:xfrm>
           <a:prstGeom prst="rect">
             <a:avLst/>
@@ -4330,7 +4330,7 @@
                 <a:tab algn="l" pos="0"/>
               </a:tabLst>
             </a:pPr>
-            <a:fld id="{CA642DCE-5CC4-4F03-A79D-3601B9D9D5F8}" type="slidenum">
+            <a:fld id="{E78388DE-35D3-4353-9161-2DC8EFD2655A}" type="slidenum">
               <a:rPr b="0" lang="en-US" sz="1200" spc="-1" strike="noStrike">
                 <a:solidFill>
                   <a:srgbClr val="000000"/>
@@ -4383,7 +4383,7 @@
         <p:spPr>
           <a:xfrm>
             <a:off x="685800" y="1143000"/>
-            <a:ext cx="5480280" cy="3080160"/>
+            <a:ext cx="5479920" cy="3079800"/>
           </a:xfrm>
           <a:prstGeom prst="rect">
             <a:avLst/>
@@ -4406,7 +4406,7 @@
         <p:spPr>
           <a:xfrm>
             <a:off x="685800" y="4400640"/>
-            <a:ext cx="5480280" cy="3594240"/>
+            <a:ext cx="5479920" cy="3593880"/>
           </a:xfrm>
           <a:prstGeom prst="rect">
             <a:avLst/>
@@ -4446,7 +4446,7 @@
         <p:spPr>
           <a:xfrm>
             <a:off x="3884760" y="8685360"/>
-            <a:ext cx="2965680" cy="452520"/>
+            <a:ext cx="2965320" cy="452160"/>
           </a:xfrm>
           <a:prstGeom prst="rect">
             <a:avLst/>
@@ -4487,7 +4487,7 @@
                 <a:tab algn="l" pos="0"/>
               </a:tabLst>
             </a:pPr>
-            <a:fld id="{BFF02C6C-9292-494C-A15B-03D80FEF1FA6}" type="slidenum">
+            <a:fld id="{4AD06323-6463-4A23-BB8B-0E179A2176DA}" type="slidenum">
               <a:rPr b="0" lang="en-US" sz="1200" spc="-1" strike="noStrike">
                 <a:solidFill>
                   <a:srgbClr val="000000"/>
@@ -4540,7 +4540,7 @@
         <p:spPr>
           <a:xfrm>
             <a:off x="685800" y="1143000"/>
-            <a:ext cx="5480280" cy="3080160"/>
+            <a:ext cx="5479920" cy="3079800"/>
           </a:xfrm>
           <a:prstGeom prst="rect">
             <a:avLst/>
@@ -4563,7 +4563,7 @@
         <p:spPr>
           <a:xfrm>
             <a:off x="685800" y="4400640"/>
-            <a:ext cx="5480280" cy="3594240"/>
+            <a:ext cx="5479920" cy="3593880"/>
           </a:xfrm>
           <a:prstGeom prst="rect">
             <a:avLst/>
@@ -4603,7 +4603,7 @@
         <p:spPr>
           <a:xfrm>
             <a:off x="3884760" y="8685360"/>
-            <a:ext cx="2965680" cy="452520"/>
+            <a:ext cx="2965320" cy="452160"/>
           </a:xfrm>
           <a:prstGeom prst="rect">
             <a:avLst/>
@@ -4644,7 +4644,7 @@
                 <a:tab algn="l" pos="0"/>
               </a:tabLst>
             </a:pPr>
-            <a:fld id="{01A5F914-1260-4853-96E6-4CF40F8D91B4}" type="slidenum">
+            <a:fld id="{A33E4534-3649-4786-A128-F5F64EB3DF2A}" type="slidenum">
               <a:rPr b="0" lang="en-US" sz="1200" spc="-1" strike="noStrike">
                 <a:solidFill>
                   <a:srgbClr val="000000"/>
@@ -4697,7 +4697,7 @@
         <p:spPr>
           <a:xfrm>
             <a:off x="685800" y="1143000"/>
-            <a:ext cx="5480280" cy="3080160"/>
+            <a:ext cx="5479920" cy="3079800"/>
           </a:xfrm>
           <a:prstGeom prst="rect">
             <a:avLst/>
@@ -4720,7 +4720,7 @@
         <p:spPr>
           <a:xfrm>
             <a:off x="685800" y="4400640"/>
-            <a:ext cx="5480280" cy="3594240"/>
+            <a:ext cx="5479920" cy="3593880"/>
           </a:xfrm>
           <a:prstGeom prst="rect">
             <a:avLst/>
@@ -4760,7 +4760,7 @@
         <p:spPr>
           <a:xfrm>
             <a:off x="3884760" y="8685360"/>
-            <a:ext cx="2965680" cy="452520"/>
+            <a:ext cx="2965320" cy="452160"/>
           </a:xfrm>
           <a:prstGeom prst="rect">
             <a:avLst/>
@@ -4801,7 +4801,7 @@
                 <a:tab algn="l" pos="0"/>
               </a:tabLst>
             </a:pPr>
-            <a:fld id="{5338E450-7B87-410C-9346-55D2FF94E3A1}" type="slidenum">
+            <a:fld id="{B6FCD736-3EEF-409F-B37B-0330D4376B34}" type="slidenum">
               <a:rPr b="0" lang="en-US" sz="1200" spc="-1" strike="noStrike">
                 <a:solidFill>
                   <a:srgbClr val="000000"/>
@@ -4854,7 +4854,7 @@
         <p:spPr>
           <a:xfrm>
             <a:off x="685800" y="1143000"/>
-            <a:ext cx="5480280" cy="3080160"/>
+            <a:ext cx="5479920" cy="3079800"/>
           </a:xfrm>
           <a:prstGeom prst="rect">
             <a:avLst/>
@@ -4877,7 +4877,7 @@
         <p:spPr>
           <a:xfrm>
             <a:off x="685800" y="4400640"/>
-            <a:ext cx="5480280" cy="3594240"/>
+            <a:ext cx="5479920" cy="3593880"/>
           </a:xfrm>
           <a:prstGeom prst="rect">
             <a:avLst/>
@@ -4917,7 +4917,7 @@
         <p:spPr>
           <a:xfrm>
             <a:off x="3884760" y="8685360"/>
-            <a:ext cx="2965680" cy="452520"/>
+            <a:ext cx="2965320" cy="452160"/>
           </a:xfrm>
           <a:prstGeom prst="rect">
             <a:avLst/>
@@ -4958,7 +4958,7 @@
                 <a:tab algn="l" pos="0"/>
               </a:tabLst>
             </a:pPr>
-            <a:fld id="{351721B1-1316-4E5A-974A-ED479DCDDA94}" type="slidenum">
+            <a:fld id="{1B258A35-7268-41E3-9353-796D198E2D40}" type="slidenum">
               <a:rPr b="0" lang="en-US" sz="1200" spc="-1" strike="noStrike">
                 <a:solidFill>
                   <a:srgbClr val="000000"/>
@@ -5011,7 +5011,7 @@
         <p:spPr>
           <a:xfrm>
             <a:off x="685800" y="1143000"/>
-            <a:ext cx="5480280" cy="3080160"/>
+            <a:ext cx="5479920" cy="3079800"/>
           </a:xfrm>
           <a:prstGeom prst="rect">
             <a:avLst/>
@@ -5034,7 +5034,7 @@
         <p:spPr>
           <a:xfrm>
             <a:off x="685800" y="4400640"/>
-            <a:ext cx="5480280" cy="3594240"/>
+            <a:ext cx="5479920" cy="3593880"/>
           </a:xfrm>
           <a:prstGeom prst="rect">
             <a:avLst/>
@@ -5074,7 +5074,7 @@
         <p:spPr>
           <a:xfrm>
             <a:off x="3884760" y="8685360"/>
-            <a:ext cx="2965680" cy="452520"/>
+            <a:ext cx="2965320" cy="452160"/>
           </a:xfrm>
           <a:prstGeom prst="rect">
             <a:avLst/>
@@ -5115,7 +5115,7 @@
                 <a:tab algn="l" pos="0"/>
               </a:tabLst>
             </a:pPr>
-            <a:fld id="{D304BC82-D9A6-451E-AF92-5C292BD4C3A4}" type="slidenum">
+            <a:fld id="{1F1AEBC7-910D-40B9-B1BF-641D4092070D}" type="slidenum">
               <a:rPr b="0" lang="en-US" sz="1200" spc="-1" strike="noStrike">
                 <a:solidFill>
                   <a:srgbClr val="000000"/>
@@ -5168,7 +5168,7 @@
         <p:spPr>
           <a:xfrm>
             <a:off x="685800" y="1143000"/>
-            <a:ext cx="5480280" cy="3080160"/>
+            <a:ext cx="5479920" cy="3079800"/>
           </a:xfrm>
           <a:prstGeom prst="rect">
             <a:avLst/>
@@ -5191,7 +5191,7 @@
         <p:spPr>
           <a:xfrm>
             <a:off x="685800" y="4400640"/>
-            <a:ext cx="5480280" cy="3594240"/>
+            <a:ext cx="5479920" cy="3593880"/>
           </a:xfrm>
           <a:prstGeom prst="rect">
             <a:avLst/>
@@ -5231,7 +5231,7 @@
         <p:spPr>
           <a:xfrm>
             <a:off x="3884760" y="8685360"/>
-            <a:ext cx="2965680" cy="452520"/>
+            <a:ext cx="2965320" cy="452160"/>
           </a:xfrm>
           <a:prstGeom prst="rect">
             <a:avLst/>
@@ -5272,7 +5272,7 @@
                 <a:tab algn="l" pos="0"/>
               </a:tabLst>
             </a:pPr>
-            <a:fld id="{5EE33D1E-8E55-438C-B203-1EE55A0BB587}" type="slidenum">
+            <a:fld id="{E9636EAB-04C1-4AEC-8E84-A80F333B4987}" type="slidenum">
               <a:rPr b="0" lang="en-US" sz="1200" spc="-1" strike="noStrike">
                 <a:solidFill>
                   <a:srgbClr val="000000"/>
@@ -5325,7 +5325,7 @@
         <p:spPr>
           <a:xfrm>
             <a:off x="685800" y="1143000"/>
-            <a:ext cx="5480280" cy="3080160"/>
+            <a:ext cx="5479920" cy="3079800"/>
           </a:xfrm>
           <a:prstGeom prst="rect">
             <a:avLst/>
@@ -5348,7 +5348,7 @@
         <p:spPr>
           <a:xfrm>
             <a:off x="685800" y="4400640"/>
-            <a:ext cx="5480280" cy="3594240"/>
+            <a:ext cx="5479920" cy="3593880"/>
           </a:xfrm>
           <a:prstGeom prst="rect">
             <a:avLst/>
@@ -5388,7 +5388,7 @@
         <p:spPr>
           <a:xfrm>
             <a:off x="3884760" y="8685360"/>
-            <a:ext cx="2965680" cy="452520"/>
+            <a:ext cx="2965320" cy="452160"/>
           </a:xfrm>
           <a:prstGeom prst="rect">
             <a:avLst/>
@@ -5429,7 +5429,7 @@
                 <a:tab algn="l" pos="0"/>
               </a:tabLst>
             </a:pPr>
-            <a:fld id="{4625B6C7-F09B-44C8-9225-D8C3FC711498}" type="slidenum">
+            <a:fld id="{DDBFC2AC-DD84-4EC4-BD40-C697941241A0}" type="slidenum">
               <a:rPr b="0" lang="en-US" sz="1200" spc="-1" strike="noStrike">
                 <a:solidFill>
                   <a:srgbClr val="000000"/>
@@ -5482,7 +5482,7 @@
         <p:spPr>
           <a:xfrm>
             <a:off x="685800" y="1143000"/>
-            <a:ext cx="5480280" cy="3080160"/>
+            <a:ext cx="5479920" cy="3079800"/>
           </a:xfrm>
           <a:prstGeom prst="rect">
             <a:avLst/>
@@ -5505,7 +5505,7 @@
         <p:spPr>
           <a:xfrm>
             <a:off x="685800" y="4400640"/>
-            <a:ext cx="5480280" cy="3594240"/>
+            <a:ext cx="5479920" cy="3593880"/>
           </a:xfrm>
           <a:prstGeom prst="rect">
             <a:avLst/>
@@ -5545,7 +5545,7 @@
         <p:spPr>
           <a:xfrm>
             <a:off x="3884760" y="8685360"/>
-            <a:ext cx="2965680" cy="452520"/>
+            <a:ext cx="2965320" cy="452160"/>
           </a:xfrm>
           <a:prstGeom prst="rect">
             <a:avLst/>
@@ -5586,7 +5586,7 @@
                 <a:tab algn="l" pos="0"/>
               </a:tabLst>
             </a:pPr>
-            <a:fld id="{5D51138D-FD7D-4993-A844-69B7FA34CA78}" type="slidenum">
+            <a:fld id="{46CF2F43-9779-4941-BA31-E23E181B9413}" type="slidenum">
               <a:rPr b="0" lang="en-US" sz="1200" spc="-1" strike="noStrike">
                 <a:solidFill>
                   <a:srgbClr val="000000"/>
@@ -5639,7 +5639,7 @@
         <p:spPr>
           <a:xfrm>
             <a:off x="685800" y="1143000"/>
-            <a:ext cx="5480280" cy="3080160"/>
+            <a:ext cx="5479920" cy="3079800"/>
           </a:xfrm>
           <a:prstGeom prst="rect">
             <a:avLst/>
@@ -5662,7 +5662,7 @@
         <p:spPr>
           <a:xfrm>
             <a:off x="685800" y="4400640"/>
-            <a:ext cx="5480280" cy="3594240"/>
+            <a:ext cx="5479920" cy="3593880"/>
           </a:xfrm>
           <a:prstGeom prst="rect">
             <a:avLst/>
@@ -5702,7 +5702,7 @@
         <p:spPr>
           <a:xfrm>
             <a:off x="3884760" y="8685360"/>
-            <a:ext cx="2965680" cy="452520"/>
+            <a:ext cx="2965320" cy="452160"/>
           </a:xfrm>
           <a:prstGeom prst="rect">
             <a:avLst/>
@@ -5743,7 +5743,7 @@
                 <a:tab algn="l" pos="0"/>
               </a:tabLst>
             </a:pPr>
-            <a:fld id="{D3E7B52F-8C14-4891-A1FA-7F57ECDEC502}" type="slidenum">
+            <a:fld id="{1946A4FB-7013-4327-9388-98D7859D3B42}" type="slidenum">
               <a:rPr b="0" lang="en-US" sz="1200" spc="-1" strike="noStrike">
                 <a:solidFill>
                   <a:srgbClr val="000000"/>
@@ -5796,7 +5796,7 @@
         <p:spPr>
           <a:xfrm>
             <a:off x="685800" y="1143000"/>
-            <a:ext cx="5480280" cy="3080160"/>
+            <a:ext cx="5479920" cy="3079800"/>
           </a:xfrm>
           <a:prstGeom prst="rect">
             <a:avLst/>
@@ -5819,7 +5819,7 @@
         <p:spPr>
           <a:xfrm>
             <a:off x="685800" y="4400640"/>
-            <a:ext cx="5480280" cy="3594240"/>
+            <a:ext cx="5479920" cy="3593880"/>
           </a:xfrm>
           <a:prstGeom prst="rect">
             <a:avLst/>
@@ -5859,7 +5859,7 @@
         <p:spPr>
           <a:xfrm>
             <a:off x="3884760" y="8685360"/>
-            <a:ext cx="2965680" cy="452520"/>
+            <a:ext cx="2965320" cy="452160"/>
           </a:xfrm>
           <a:prstGeom prst="rect">
             <a:avLst/>
@@ -5900,7 +5900,7 @@
                 <a:tab algn="l" pos="0"/>
               </a:tabLst>
             </a:pPr>
-            <a:fld id="{B1B6F77C-FB54-4271-BCE2-86BCFA96E47E}" type="slidenum">
+            <a:fld id="{5DDCFB5D-6EB2-48A0-A8B4-0BA351F0EE70}" type="slidenum">
               <a:rPr b="0" lang="en-US" sz="1200" spc="-1" strike="noStrike">
                 <a:solidFill>
                   <a:srgbClr val="000000"/>
@@ -5953,7 +5953,7 @@
         <p:spPr>
           <a:xfrm>
             <a:off x="685800" y="1143000"/>
-            <a:ext cx="5480280" cy="3080160"/>
+            <a:ext cx="5479920" cy="3079800"/>
           </a:xfrm>
           <a:prstGeom prst="rect">
             <a:avLst/>
@@ -5976,7 +5976,7 @@
         <p:spPr>
           <a:xfrm>
             <a:off x="685800" y="4400640"/>
-            <a:ext cx="5480280" cy="3594240"/>
+            <a:ext cx="5479920" cy="3593880"/>
           </a:xfrm>
           <a:prstGeom prst="rect">
             <a:avLst/>
@@ -6016,7 +6016,7 @@
         <p:spPr>
           <a:xfrm>
             <a:off x="3884760" y="8685360"/>
-            <a:ext cx="2965680" cy="452520"/>
+            <a:ext cx="2965320" cy="452160"/>
           </a:xfrm>
           <a:prstGeom prst="rect">
             <a:avLst/>
@@ -6057,7 +6057,7 @@
                 <a:tab algn="l" pos="0"/>
               </a:tabLst>
             </a:pPr>
-            <a:fld id="{E3CBA553-4F7D-4ECF-8F00-AB6021A43F9E}" type="slidenum">
+            <a:fld id="{46FAD9BE-A3A2-4989-84EE-B2920E2CFD93}" type="slidenum">
               <a:rPr b="0" lang="en-US" sz="1200" spc="-1" strike="noStrike">
                 <a:solidFill>
                   <a:srgbClr val="000000"/>
@@ -6110,7 +6110,7 @@
         <p:spPr>
           <a:xfrm>
             <a:off x="685800" y="1143000"/>
-            <a:ext cx="5480280" cy="3080160"/>
+            <a:ext cx="5479920" cy="3079800"/>
           </a:xfrm>
           <a:prstGeom prst="rect">
             <a:avLst/>
@@ -6133,7 +6133,7 @@
         <p:spPr>
           <a:xfrm>
             <a:off x="685800" y="4400640"/>
-            <a:ext cx="5480280" cy="3594240"/>
+            <a:ext cx="5479920" cy="3593880"/>
           </a:xfrm>
           <a:prstGeom prst="rect">
             <a:avLst/>
@@ -6173,7 +6173,7 @@
         <p:spPr>
           <a:xfrm>
             <a:off x="3884760" y="8685360"/>
-            <a:ext cx="2965680" cy="452520"/>
+            <a:ext cx="2965320" cy="452160"/>
           </a:xfrm>
           <a:prstGeom prst="rect">
             <a:avLst/>
@@ -6214,7 +6214,7 @@
                 <a:tab algn="l" pos="0"/>
               </a:tabLst>
             </a:pPr>
-            <a:fld id="{7A42E375-BEAA-49C6-B147-861A4F1C410B}" type="slidenum">
+            <a:fld id="{1DDF071F-D355-4BFE-B23B-31B7A0F0D536}" type="slidenum">
               <a:rPr b="0" lang="en-US" sz="1200" spc="-1" strike="noStrike">
                 <a:solidFill>
                   <a:srgbClr val="000000"/>
@@ -6267,7 +6267,7 @@
         <p:spPr>
           <a:xfrm>
             <a:off x="685800" y="1143000"/>
-            <a:ext cx="5480280" cy="3080160"/>
+            <a:ext cx="5479920" cy="3079800"/>
           </a:xfrm>
           <a:prstGeom prst="rect">
             <a:avLst/>
@@ -6290,7 +6290,7 @@
         <p:spPr>
           <a:xfrm>
             <a:off x="685800" y="4400640"/>
-            <a:ext cx="5480280" cy="3594240"/>
+            <a:ext cx="5479920" cy="3593880"/>
           </a:xfrm>
           <a:prstGeom prst="rect">
             <a:avLst/>
@@ -6330,7 +6330,7 @@
         <p:spPr>
           <a:xfrm>
             <a:off x="3884760" y="8685360"/>
-            <a:ext cx="2965680" cy="452520"/>
+            <a:ext cx="2965320" cy="452160"/>
           </a:xfrm>
           <a:prstGeom prst="rect">
             <a:avLst/>
@@ -6371,7 +6371,7 @@
                 <a:tab algn="l" pos="0"/>
               </a:tabLst>
             </a:pPr>
-            <a:fld id="{66AE2B75-447A-4B52-8461-B9570A72B475}" type="slidenum">
+            <a:fld id="{C4532F7F-B716-4450-B333-D41DA83329CE}" type="slidenum">
               <a:rPr b="0" lang="en-US" sz="1200" spc="-1" strike="noStrike">
                 <a:solidFill>
                   <a:srgbClr val="000000"/>
@@ -6424,7 +6424,7 @@
         <p:spPr>
           <a:xfrm>
             <a:off x="685800" y="1143000"/>
-            <a:ext cx="5480280" cy="3080160"/>
+            <a:ext cx="5479920" cy="3079800"/>
           </a:xfrm>
           <a:prstGeom prst="rect">
             <a:avLst/>
@@ -6447,7 +6447,7 @@
         <p:spPr>
           <a:xfrm>
             <a:off x="685800" y="4400640"/>
-            <a:ext cx="5480280" cy="3594240"/>
+            <a:ext cx="5479920" cy="3593880"/>
           </a:xfrm>
           <a:prstGeom prst="rect">
             <a:avLst/>
@@ -6487,7 +6487,7 @@
         <p:spPr>
           <a:xfrm>
             <a:off x="3884760" y="8685360"/>
-            <a:ext cx="2965680" cy="452520"/>
+            <a:ext cx="2965320" cy="452160"/>
           </a:xfrm>
           <a:prstGeom prst="rect">
             <a:avLst/>
@@ -6528,7 +6528,7 @@
                 <a:tab algn="l" pos="0"/>
               </a:tabLst>
             </a:pPr>
-            <a:fld id="{C0379720-5BA5-4C6F-90F6-13D23F318574}" type="slidenum">
+            <a:fld id="{43B0933F-8F14-45BA-9F36-E00F69666ADE}" type="slidenum">
               <a:rPr b="0" lang="en-US" sz="1200" spc="-1" strike="noStrike">
                 <a:solidFill>
                   <a:srgbClr val="000000"/>
@@ -6581,7 +6581,7 @@
         <p:spPr>
           <a:xfrm>
             <a:off x="685800" y="1143000"/>
-            <a:ext cx="5480280" cy="3080160"/>
+            <a:ext cx="5479920" cy="3079800"/>
           </a:xfrm>
           <a:prstGeom prst="rect">
             <a:avLst/>
@@ -6604,7 +6604,7 @@
         <p:spPr>
           <a:xfrm>
             <a:off x="685800" y="4400640"/>
-            <a:ext cx="5480280" cy="3594240"/>
+            <a:ext cx="5479920" cy="3593880"/>
           </a:xfrm>
           <a:prstGeom prst="rect">
             <a:avLst/>
@@ -6644,7 +6644,7 @@
         <p:spPr>
           <a:xfrm>
             <a:off x="3884760" y="8685360"/>
-            <a:ext cx="2965680" cy="452520"/>
+            <a:ext cx="2965320" cy="452160"/>
           </a:xfrm>
           <a:prstGeom prst="rect">
             <a:avLst/>
@@ -6685,7 +6685,7 @@
                 <a:tab algn="l" pos="0"/>
               </a:tabLst>
             </a:pPr>
-            <a:fld id="{23D327AD-1495-4EB0-86CB-CC68B9549D32}" type="slidenum">
+            <a:fld id="{08D1C2B9-2551-4D78-9C24-58058F0B0270}" type="slidenum">
               <a:rPr b="0" lang="en-US" sz="1200" spc="-1" strike="noStrike">
                 <a:solidFill>
                   <a:srgbClr val="000000"/>
@@ -6738,7 +6738,7 @@
         <p:spPr>
           <a:xfrm>
             <a:off x="685800" y="1143000"/>
-            <a:ext cx="5480280" cy="3080160"/>
+            <a:ext cx="5479920" cy="3079800"/>
           </a:xfrm>
           <a:prstGeom prst="rect">
             <a:avLst/>
@@ -6761,7 +6761,7 @@
         <p:spPr>
           <a:xfrm>
             <a:off x="685800" y="4400640"/>
-            <a:ext cx="5480280" cy="3594240"/>
+            <a:ext cx="5479920" cy="3593880"/>
           </a:xfrm>
           <a:prstGeom prst="rect">
             <a:avLst/>
@@ -6801,7 +6801,7 @@
         <p:spPr>
           <a:xfrm>
             <a:off x="3884760" y="8685360"/>
-            <a:ext cx="2965680" cy="452520"/>
+            <a:ext cx="2965320" cy="452160"/>
           </a:xfrm>
           <a:prstGeom prst="rect">
             <a:avLst/>
@@ -6842,7 +6842,7 @@
                 <a:tab algn="l" pos="0"/>
               </a:tabLst>
             </a:pPr>
-            <a:fld id="{B721D095-0FAE-46A8-BEEA-B8893E98AB99}" type="slidenum">
+            <a:fld id="{94EE298E-B719-47DB-9F75-46A15BD65E07}" type="slidenum">
               <a:rPr b="0" lang="en-US" sz="1200" spc="-1" strike="noStrike">
                 <a:solidFill>
                   <a:srgbClr val="000000"/>
@@ -9828,7 +9828,7 @@
         <p:spPr>
           <a:xfrm>
             <a:off x="-1623960" y="0"/>
-            <a:ext cx="13817880" cy="6862320"/>
+            <a:ext cx="13817520" cy="6861960"/>
           </a:xfrm>
           <a:prstGeom prst="rect">
             <a:avLst/>
@@ -9847,7 +9847,7 @@
         <p:spPr>
           <a:xfrm>
             <a:off x="6084000" y="0"/>
-            <a:ext cx="5583960" cy="6851880"/>
+            <a:ext cx="5583600" cy="6851520"/>
           </a:xfrm>
           <a:prstGeom prst="rect">
             <a:avLst/>
@@ -9905,7 +9905,7 @@
         <p:spPr>
           <a:xfrm>
             <a:off x="7368480" y="4313880"/>
-            <a:ext cx="3181320" cy="1583640"/>
+            <a:ext cx="3180960" cy="1583280"/>
           </a:xfrm>
           <a:prstGeom prst="rect">
             <a:avLst/>
@@ -10685,7 +10685,7 @@
         <p:spPr>
           <a:xfrm>
             <a:off x="-1623960" y="0"/>
-            <a:ext cx="13817880" cy="6862320"/>
+            <a:ext cx="13817520" cy="6861960"/>
           </a:xfrm>
           <a:prstGeom prst="rect">
             <a:avLst/>
@@ -10704,7 +10704,7 @@
         <p:spPr>
           <a:xfrm>
             <a:off x="6084000" y="0"/>
-            <a:ext cx="5583960" cy="6851880"/>
+            <a:ext cx="5583600" cy="6851520"/>
           </a:xfrm>
           <a:prstGeom prst="rect">
             <a:avLst/>
@@ -10762,7 +10762,7 @@
         <p:spPr>
           <a:xfrm>
             <a:off x="7368480" y="4313880"/>
-            <a:ext cx="3181320" cy="1583640"/>
+            <a:ext cx="3180960" cy="1583280"/>
           </a:xfrm>
           <a:prstGeom prst="rect">
             <a:avLst/>
@@ -11317,7 +11317,7 @@
         <p:spPr>
           <a:xfrm>
             <a:off x="-1623960" y="0"/>
-            <a:ext cx="13817880" cy="6862320"/>
+            <a:ext cx="13817520" cy="6861960"/>
           </a:xfrm>
           <a:prstGeom prst="rect">
             <a:avLst/>
@@ -11336,7 +11336,7 @@
         <p:spPr>
           <a:xfrm>
             <a:off x="6084000" y="0"/>
-            <a:ext cx="5583960" cy="6851880"/>
+            <a:ext cx="5583600" cy="6851520"/>
           </a:xfrm>
           <a:prstGeom prst="rect">
             <a:avLst/>
@@ -11394,7 +11394,7 @@
         <p:spPr>
           <a:xfrm>
             <a:off x="7368480" y="4313880"/>
-            <a:ext cx="3181320" cy="1583640"/>
+            <a:ext cx="3180960" cy="1583280"/>
           </a:xfrm>
           <a:prstGeom prst="rect">
             <a:avLst/>
@@ -11499,7 +11499,7 @@
         <p:spPr>
           <a:xfrm>
             <a:off x="-1623960" y="0"/>
-            <a:ext cx="13817880" cy="6862320"/>
+            <a:ext cx="13817520" cy="6861960"/>
           </a:xfrm>
           <a:prstGeom prst="rect">
             <a:avLst/>
@@ -11518,7 +11518,7 @@
         <p:spPr>
           <a:xfrm>
             <a:off x="6084000" y="0"/>
-            <a:ext cx="5583960" cy="6851880"/>
+            <a:ext cx="5583600" cy="6851520"/>
           </a:xfrm>
           <a:prstGeom prst="rect">
             <a:avLst/>
@@ -11576,7 +11576,7 @@
         <p:spPr>
           <a:xfrm>
             <a:off x="7368480" y="4313880"/>
-            <a:ext cx="3181320" cy="1583640"/>
+            <a:ext cx="3180960" cy="1583280"/>
           </a:xfrm>
           <a:prstGeom prst="rect">
             <a:avLst/>
@@ -11632,7 +11632,7 @@
         <p:spPr>
           <a:xfrm>
             <a:off x="-1623960" y="0"/>
-            <a:ext cx="13817880" cy="6862320"/>
+            <a:ext cx="13817520" cy="6861960"/>
           </a:xfrm>
           <a:prstGeom prst="rect">
             <a:avLst/>
@@ -11651,7 +11651,7 @@
         <p:spPr>
           <a:xfrm>
             <a:off x="6084000" y="0"/>
-            <a:ext cx="5583960" cy="6851880"/>
+            <a:ext cx="5583600" cy="6851520"/>
           </a:xfrm>
           <a:prstGeom prst="rect">
             <a:avLst/>
@@ -11709,7 +11709,7 @@
         <p:spPr>
           <a:xfrm>
             <a:off x="7368480" y="4313880"/>
-            <a:ext cx="3181320" cy="1583640"/>
+            <a:ext cx="3180960" cy="1583280"/>
           </a:xfrm>
           <a:prstGeom prst="rect">
             <a:avLst/>
@@ -12489,7 +12489,7 @@
         <p:spPr>
           <a:xfrm>
             <a:off x="-1623960" y="0"/>
-            <a:ext cx="13817880" cy="6862320"/>
+            <a:ext cx="13817520" cy="6861960"/>
           </a:xfrm>
           <a:prstGeom prst="rect">
             <a:avLst/>
@@ -12508,7 +12508,7 @@
         <p:spPr>
           <a:xfrm>
             <a:off x="6084000" y="0"/>
-            <a:ext cx="5583960" cy="6851880"/>
+            <a:ext cx="5583600" cy="6851520"/>
           </a:xfrm>
           <a:prstGeom prst="rect">
             <a:avLst/>
@@ -12566,7 +12566,7 @@
         <p:spPr>
           <a:xfrm>
             <a:off x="7368480" y="4313880"/>
-            <a:ext cx="3181320" cy="1583640"/>
+            <a:ext cx="3180960" cy="1583280"/>
           </a:xfrm>
           <a:prstGeom prst="rect">
             <a:avLst/>
@@ -13346,7 +13346,7 @@
         <p:spPr>
           <a:xfrm>
             <a:off x="-1623960" y="0"/>
-            <a:ext cx="13817880" cy="6862320"/>
+            <a:ext cx="13817520" cy="6861960"/>
           </a:xfrm>
           <a:prstGeom prst="rect">
             <a:avLst/>
@@ -13365,7 +13365,7 @@
         <p:spPr>
           <a:xfrm>
             <a:off x="6084000" y="0"/>
-            <a:ext cx="5583960" cy="6851880"/>
+            <a:ext cx="5583600" cy="6851520"/>
           </a:xfrm>
           <a:prstGeom prst="rect">
             <a:avLst/>
@@ -13423,7 +13423,7 @@
         <p:spPr>
           <a:xfrm>
             <a:off x="7368480" y="4313880"/>
-            <a:ext cx="3181320" cy="1583640"/>
+            <a:ext cx="3180960" cy="1583280"/>
           </a:xfrm>
           <a:prstGeom prst="rect">
             <a:avLst/>
@@ -14203,7 +14203,7 @@
         <p:spPr>
           <a:xfrm>
             <a:off x="-1623960" y="0"/>
-            <a:ext cx="13817880" cy="6862320"/>
+            <a:ext cx="13817520" cy="6861960"/>
           </a:xfrm>
           <a:prstGeom prst="rect">
             <a:avLst/>
@@ -14222,7 +14222,7 @@
         <p:spPr>
           <a:xfrm>
             <a:off x="6084000" y="0"/>
-            <a:ext cx="5583960" cy="6851880"/>
+            <a:ext cx="5583600" cy="6851520"/>
           </a:xfrm>
           <a:prstGeom prst="rect">
             <a:avLst/>
@@ -14280,7 +14280,7 @@
         <p:spPr>
           <a:xfrm>
             <a:off x="7368480" y="4313880"/>
-            <a:ext cx="3181320" cy="1583640"/>
+            <a:ext cx="3180960" cy="1583280"/>
           </a:xfrm>
           <a:prstGeom prst="rect">
             <a:avLst/>
@@ -14835,7 +14835,7 @@
         <p:spPr>
           <a:xfrm>
             <a:off x="-1623960" y="0"/>
-            <a:ext cx="13817880" cy="6862320"/>
+            <a:ext cx="13817520" cy="6861960"/>
           </a:xfrm>
           <a:prstGeom prst="rect">
             <a:avLst/>
@@ -14854,7 +14854,7 @@
         <p:spPr>
           <a:xfrm>
             <a:off x="6084000" y="0"/>
-            <a:ext cx="5583960" cy="6851880"/>
+            <a:ext cx="5583600" cy="6851520"/>
           </a:xfrm>
           <a:prstGeom prst="rect">
             <a:avLst/>
@@ -14912,7 +14912,7 @@
         <p:spPr>
           <a:xfrm>
             <a:off x="7368480" y="4313880"/>
-            <a:ext cx="3181320" cy="1583640"/>
+            <a:ext cx="3180960" cy="1583280"/>
           </a:xfrm>
           <a:prstGeom prst="rect">
             <a:avLst/>
@@ -15917,7 +15917,7 @@
         <p:spPr>
           <a:xfrm>
             <a:off x="-1623960" y="0"/>
-            <a:ext cx="13817880" cy="6862320"/>
+            <a:ext cx="13817520" cy="6861960"/>
           </a:xfrm>
           <a:prstGeom prst="rect">
             <a:avLst/>
@@ -15936,7 +15936,7 @@
         <p:spPr>
           <a:xfrm>
             <a:off x="6084000" y="0"/>
-            <a:ext cx="5583960" cy="6851880"/>
+            <a:ext cx="5583600" cy="6851520"/>
           </a:xfrm>
           <a:prstGeom prst="rect">
             <a:avLst/>
@@ -15994,7 +15994,7 @@
         <p:spPr>
           <a:xfrm>
             <a:off x="7368480" y="4313880"/>
-            <a:ext cx="3181320" cy="1583640"/>
+            <a:ext cx="3180960" cy="1583280"/>
           </a:xfrm>
           <a:prstGeom prst="rect">
             <a:avLst/>
@@ -16050,7 +16050,7 @@
         <p:spPr>
           <a:xfrm>
             <a:off x="-1623960" y="0"/>
-            <a:ext cx="13817880" cy="6862320"/>
+            <a:ext cx="13817520" cy="6861960"/>
           </a:xfrm>
           <a:prstGeom prst="rect">
             <a:avLst/>
@@ -16069,7 +16069,7 @@
         <p:spPr>
           <a:xfrm>
             <a:off x="6084000" y="0"/>
-            <a:ext cx="5583960" cy="6851880"/>
+            <a:ext cx="5583600" cy="6851520"/>
           </a:xfrm>
           <a:prstGeom prst="rect">
             <a:avLst/>
@@ -16127,7 +16127,7 @@
         <p:spPr>
           <a:xfrm>
             <a:off x="7368480" y="4313880"/>
-            <a:ext cx="3181320" cy="1583640"/>
+            <a:ext cx="3180960" cy="1583280"/>
           </a:xfrm>
           <a:prstGeom prst="rect">
             <a:avLst/>
@@ -16457,7 +16457,7 @@
         <p:spPr>
           <a:xfrm>
             <a:off x="-1623960" y="0"/>
-            <a:ext cx="13817880" cy="6862320"/>
+            <a:ext cx="13817520" cy="6861960"/>
           </a:xfrm>
           <a:prstGeom prst="rect">
             <a:avLst/>
@@ -16476,7 +16476,7 @@
         <p:spPr>
           <a:xfrm>
             <a:off x="6084000" y="0"/>
-            <a:ext cx="5583960" cy="6851880"/>
+            <a:ext cx="5583600" cy="6851520"/>
           </a:xfrm>
           <a:prstGeom prst="rect">
             <a:avLst/>
@@ -16534,7 +16534,7 @@
         <p:spPr>
           <a:xfrm>
             <a:off x="7368480" y="4313880"/>
-            <a:ext cx="3181320" cy="1583640"/>
+            <a:ext cx="3180960" cy="1583280"/>
           </a:xfrm>
           <a:prstGeom prst="rect">
             <a:avLst/>
@@ -17314,7 +17314,7 @@
         <p:spPr>
           <a:xfrm>
             <a:off x="-1623960" y="0"/>
-            <a:ext cx="13817880" cy="6862320"/>
+            <a:ext cx="13817520" cy="6861960"/>
           </a:xfrm>
           <a:prstGeom prst="rect">
             <a:avLst/>
@@ -17333,7 +17333,7 @@
         <p:spPr>
           <a:xfrm>
             <a:off x="6084000" y="0"/>
-            <a:ext cx="5583960" cy="6851880"/>
+            <a:ext cx="5583600" cy="6851520"/>
           </a:xfrm>
           <a:prstGeom prst="rect">
             <a:avLst/>
@@ -17391,7 +17391,7 @@
         <p:spPr>
           <a:xfrm>
             <a:off x="7368480" y="4313880"/>
-            <a:ext cx="3181320" cy="1583640"/>
+            <a:ext cx="3180960" cy="1583280"/>
           </a:xfrm>
           <a:prstGeom prst="rect">
             <a:avLst/>
@@ -17721,7 +17721,7 @@
         <p:spPr>
           <a:xfrm>
             <a:off x="-1623960" y="0"/>
-            <a:ext cx="13817880" cy="6862320"/>
+            <a:ext cx="13817520" cy="6861960"/>
           </a:xfrm>
           <a:prstGeom prst="rect">
             <a:avLst/>
@@ -17740,7 +17740,7 @@
         <p:spPr>
           <a:xfrm>
             <a:off x="6084000" y="0"/>
-            <a:ext cx="5583960" cy="6851880"/>
+            <a:ext cx="5583600" cy="6851520"/>
           </a:xfrm>
           <a:prstGeom prst="rect">
             <a:avLst/>
@@ -17798,7 +17798,7 @@
         <p:spPr>
           <a:xfrm>
             <a:off x="7368480" y="4313880"/>
-            <a:ext cx="3181320" cy="1583640"/>
+            <a:ext cx="3180960" cy="1583280"/>
           </a:xfrm>
           <a:prstGeom prst="rect">
             <a:avLst/>
@@ -18128,7 +18128,7 @@
         <p:spPr>
           <a:xfrm>
             <a:off x="-1623960" y="0"/>
-            <a:ext cx="13817880" cy="6862320"/>
+            <a:ext cx="13817520" cy="6861960"/>
           </a:xfrm>
           <a:prstGeom prst="rect">
             <a:avLst/>
@@ -18147,7 +18147,7 @@
         <p:spPr>
           <a:xfrm>
             <a:off x="6084000" y="0"/>
-            <a:ext cx="5583960" cy="6851880"/>
+            <a:ext cx="5583600" cy="6851520"/>
           </a:xfrm>
           <a:prstGeom prst="rect">
             <a:avLst/>
@@ -18205,7 +18205,7 @@
         <p:spPr>
           <a:xfrm>
             <a:off x="7368480" y="4313880"/>
-            <a:ext cx="3181320" cy="1583640"/>
+            <a:ext cx="3180960" cy="1583280"/>
           </a:xfrm>
           <a:prstGeom prst="rect">
             <a:avLst/>
@@ -18760,7 +18760,7 @@
         <p:spPr>
           <a:xfrm>
             <a:off x="-1623960" y="0"/>
-            <a:ext cx="13817880" cy="6862320"/>
+            <a:ext cx="13817520" cy="6861960"/>
           </a:xfrm>
           <a:prstGeom prst="rect">
             <a:avLst/>
@@ -18779,7 +18779,7 @@
         <p:spPr>
           <a:xfrm>
             <a:off x="6084000" y="0"/>
-            <a:ext cx="5583960" cy="6851880"/>
+            <a:ext cx="5583600" cy="6851520"/>
           </a:xfrm>
           <a:prstGeom prst="rect">
             <a:avLst/>
@@ -18837,7 +18837,7 @@
         <p:spPr>
           <a:xfrm>
             <a:off x="7368480" y="4313880"/>
-            <a:ext cx="3181320" cy="1583640"/>
+            <a:ext cx="3180960" cy="1583280"/>
           </a:xfrm>
           <a:prstGeom prst="rect">
             <a:avLst/>
@@ -18942,7 +18942,7 @@
         <p:spPr>
           <a:xfrm>
             <a:off x="-1623960" y="0"/>
-            <a:ext cx="13817880" cy="6862320"/>
+            <a:ext cx="13817520" cy="6861960"/>
           </a:xfrm>
           <a:prstGeom prst="rect">
             <a:avLst/>
@@ -18961,7 +18961,7 @@
         <p:spPr>
           <a:xfrm>
             <a:off x="6084000" y="0"/>
-            <a:ext cx="5583960" cy="6851880"/>
+            <a:ext cx="5583600" cy="6851520"/>
           </a:xfrm>
           <a:prstGeom prst="rect">
             <a:avLst/>
@@ -19019,7 +19019,7 @@
         <p:spPr>
           <a:xfrm>
             <a:off x="7368480" y="4313880"/>
-            <a:ext cx="3181320" cy="1583640"/>
+            <a:ext cx="3180960" cy="1583280"/>
           </a:xfrm>
           <a:prstGeom prst="rect">
             <a:avLst/>
@@ -19075,7 +19075,7 @@
         <p:spPr>
           <a:xfrm>
             <a:off x="-1623960" y="0"/>
-            <a:ext cx="13817880" cy="6862320"/>
+            <a:ext cx="13817520" cy="6861960"/>
           </a:xfrm>
           <a:prstGeom prst="rect">
             <a:avLst/>
@@ -19094,7 +19094,7 @@
         <p:spPr>
           <a:xfrm>
             <a:off x="6084000" y="0"/>
-            <a:ext cx="5583960" cy="6851880"/>
+            <a:ext cx="5583600" cy="6851520"/>
           </a:xfrm>
           <a:prstGeom prst="rect">
             <a:avLst/>
@@ -19152,7 +19152,7 @@
         <p:spPr>
           <a:xfrm>
             <a:off x="7368480" y="4313880"/>
-            <a:ext cx="3181320" cy="1583640"/>
+            <a:ext cx="3180960" cy="1583280"/>
           </a:xfrm>
           <a:prstGeom prst="rect">
             <a:avLst/>
@@ -19789,7 +19789,7 @@
         <p:spPr>
           <a:xfrm>
             <a:off x="-1623960" y="0"/>
-            <a:ext cx="13817880" cy="6862320"/>
+            <a:ext cx="13817520" cy="6861960"/>
           </a:xfrm>
           <a:prstGeom prst="rect">
             <a:avLst/>
@@ -19808,7 +19808,7 @@
         <p:spPr>
           <a:xfrm>
             <a:off x="6084000" y="0"/>
-            <a:ext cx="5583960" cy="6851880"/>
+            <a:ext cx="5583600" cy="6851520"/>
           </a:xfrm>
           <a:prstGeom prst="rect">
             <a:avLst/>
@@ -19866,7 +19866,7 @@
         <p:spPr>
           <a:xfrm>
             <a:off x="7368480" y="4313880"/>
-            <a:ext cx="3181320" cy="1583640"/>
+            <a:ext cx="3180960" cy="1583280"/>
           </a:xfrm>
           <a:prstGeom prst="rect">
             <a:avLst/>
@@ -20646,7 +20646,7 @@
         <p:spPr>
           <a:xfrm>
             <a:off x="-1623960" y="0"/>
-            <a:ext cx="13817880" cy="6862320"/>
+            <a:ext cx="13817520" cy="6861960"/>
           </a:xfrm>
           <a:prstGeom prst="rect">
             <a:avLst/>
@@ -20665,7 +20665,7 @@
         <p:spPr>
           <a:xfrm>
             <a:off x="6084000" y="0"/>
-            <a:ext cx="5583960" cy="6851880"/>
+            <a:ext cx="5583600" cy="6851520"/>
           </a:xfrm>
           <a:prstGeom prst="rect">
             <a:avLst/>
@@ -20723,7 +20723,7 @@
         <p:spPr>
           <a:xfrm>
             <a:off x="7368480" y="4313880"/>
-            <a:ext cx="3181320" cy="1583640"/>
+            <a:ext cx="3180960" cy="1583280"/>
           </a:xfrm>
           <a:prstGeom prst="rect">
             <a:avLst/>
@@ -21278,7 +21278,7 @@
         <p:spPr>
           <a:xfrm>
             <a:off x="-1623960" y="0"/>
-            <a:ext cx="13817880" cy="6862320"/>
+            <a:ext cx="13817520" cy="6861960"/>
           </a:xfrm>
           <a:prstGeom prst="rect">
             <a:avLst/>
@@ -21297,7 +21297,7 @@
         <p:spPr>
           <a:xfrm>
             <a:off x="6084000" y="0"/>
-            <a:ext cx="5583960" cy="6851880"/>
+            <a:ext cx="5583600" cy="6851520"/>
           </a:xfrm>
           <a:prstGeom prst="rect">
             <a:avLst/>
@@ -21355,7 +21355,7 @@
         <p:spPr>
           <a:xfrm>
             <a:off x="7368480" y="4313880"/>
-            <a:ext cx="3181320" cy="1583640"/>
+            <a:ext cx="3180960" cy="1583280"/>
           </a:xfrm>
           <a:prstGeom prst="rect">
             <a:avLst/>
@@ -22360,7 +22360,7 @@
         <p:spPr>
           <a:xfrm>
             <a:off x="-1623960" y="0"/>
-            <a:ext cx="13817880" cy="6862320"/>
+            <a:ext cx="13817520" cy="6861960"/>
           </a:xfrm>
           <a:prstGeom prst="rect">
             <a:avLst/>
@@ -22379,7 +22379,7 @@
         <p:spPr>
           <a:xfrm>
             <a:off x="6084000" y="0"/>
-            <a:ext cx="5583960" cy="6851880"/>
+            <a:ext cx="5583600" cy="6851520"/>
           </a:xfrm>
           <a:prstGeom prst="rect">
             <a:avLst/>
@@ -22437,7 +22437,7 @@
         <p:spPr>
           <a:xfrm>
             <a:off x="7368480" y="4313880"/>
-            <a:ext cx="3181320" cy="1583640"/>
+            <a:ext cx="3180960" cy="1583280"/>
           </a:xfrm>
           <a:prstGeom prst="rect">
             <a:avLst/>
@@ -22493,7 +22493,7 @@
         <p:spPr>
           <a:xfrm>
             <a:off x="-1623960" y="0"/>
-            <a:ext cx="13817880" cy="6862320"/>
+            <a:ext cx="13817520" cy="6861960"/>
           </a:xfrm>
           <a:prstGeom prst="rect">
             <a:avLst/>
@@ -22512,7 +22512,7 @@
         <p:spPr>
           <a:xfrm>
             <a:off x="6084000" y="0"/>
-            <a:ext cx="5583960" cy="6851880"/>
+            <a:ext cx="5583600" cy="6851520"/>
           </a:xfrm>
           <a:prstGeom prst="rect">
             <a:avLst/>
@@ -22570,7 +22570,7 @@
         <p:spPr>
           <a:xfrm>
             <a:off x="7368480" y="4313880"/>
-            <a:ext cx="3181320" cy="1583640"/>
+            <a:ext cx="3180960" cy="1583280"/>
           </a:xfrm>
           <a:prstGeom prst="rect">
             <a:avLst/>
@@ -22900,7 +22900,7 @@
         <p:spPr>
           <a:xfrm>
             <a:off x="-1623960" y="0"/>
-            <a:ext cx="13817880" cy="6862320"/>
+            <a:ext cx="13817520" cy="6861960"/>
           </a:xfrm>
           <a:prstGeom prst="rect">
             <a:avLst/>
@@ -22919,7 +22919,7 @@
         <p:spPr>
           <a:xfrm>
             <a:off x="6084000" y="0"/>
-            <a:ext cx="5583960" cy="6851880"/>
+            <a:ext cx="5583600" cy="6851520"/>
           </a:xfrm>
           <a:prstGeom prst="rect">
             <a:avLst/>
@@ -22977,7 +22977,7 @@
         <p:spPr>
           <a:xfrm>
             <a:off x="7368480" y="4313880"/>
-            <a:ext cx="3181320" cy="1583640"/>
+            <a:ext cx="3180960" cy="1583280"/>
           </a:xfrm>
           <a:prstGeom prst="rect">
             <a:avLst/>
@@ -23307,7 +23307,7 @@
         <p:spPr>
           <a:xfrm>
             <a:off x="-1623960" y="0"/>
-            <a:ext cx="13817880" cy="6862320"/>
+            <a:ext cx="13817520" cy="6861960"/>
           </a:xfrm>
           <a:prstGeom prst="rect">
             <a:avLst/>
@@ -23326,7 +23326,7 @@
         <p:spPr>
           <a:xfrm>
             <a:off x="6084000" y="0"/>
-            <a:ext cx="5583960" cy="6851880"/>
+            <a:ext cx="5583600" cy="6851520"/>
           </a:xfrm>
           <a:prstGeom prst="rect">
             <a:avLst/>
@@ -23384,7 +23384,7 @@
         <p:spPr>
           <a:xfrm>
             <a:off x="7368480" y="4313880"/>
-            <a:ext cx="3181320" cy="1583640"/>
+            <a:ext cx="3180960" cy="1583280"/>
           </a:xfrm>
           <a:prstGeom prst="rect">
             <a:avLst/>
@@ -23714,7 +23714,7 @@
         <p:spPr>
           <a:xfrm>
             <a:off x="1982520" y="20520"/>
-            <a:ext cx="8221320" cy="6291720"/>
+            <a:ext cx="8220960" cy="6291360"/>
           </a:xfrm>
           <a:prstGeom prst="rect">
             <a:avLst/>
@@ -23955,7 +23955,7 @@
         <p:spPr>
           <a:xfrm>
             <a:off x="2056680" y="-74160"/>
-            <a:ext cx="8221320" cy="1213560"/>
+            <a:ext cx="8220960" cy="1213200"/>
           </a:xfrm>
           <a:prstGeom prst="rect">
             <a:avLst/>
@@ -24054,7 +24054,7 @@
         <p:spPr>
           <a:xfrm>
             <a:off x="11721960" y="6430680"/>
-            <a:ext cx="3820320" cy="424800"/>
+            <a:ext cx="3819960" cy="424440"/>
           </a:xfrm>
           <a:prstGeom prst="rect">
             <a:avLst/>
@@ -24112,7 +24112,7 @@
         <p:spPr>
           <a:xfrm>
             <a:off x="5237640" y="1326240"/>
-            <a:ext cx="1711440" cy="957240"/>
+            <a:ext cx="1711080" cy="956880"/>
           </a:xfrm>
           <a:prstGeom prst="rect">
             <a:avLst/>
@@ -24174,7 +24174,7 @@
         <p:spPr>
           <a:xfrm>
             <a:off x="5408640" y="3236400"/>
-            <a:ext cx="1369080" cy="454680"/>
+            <a:ext cx="1368720" cy="454320"/>
           </a:xfrm>
           <a:prstGeom prst="roundRect">
             <a:avLst>
@@ -24277,7 +24277,7 @@
         <p:spPr>
           <a:xfrm>
             <a:off x="5411160" y="2525760"/>
-            <a:ext cx="1369080" cy="454680"/>
+            <a:ext cx="1368720" cy="454320"/>
           </a:xfrm>
           <a:prstGeom prst="roundRect">
             <a:avLst>
@@ -24380,7 +24380,7 @@
         <p:spPr>
           <a:xfrm>
             <a:off x="5409000" y="3956760"/>
-            <a:ext cx="1369080" cy="454680"/>
+            <a:ext cx="1368720" cy="454320"/>
           </a:xfrm>
           <a:prstGeom prst="roundRect">
             <a:avLst>
@@ -24487,7 +24487,7 @@
         <p:spPr>
           <a:xfrm>
             <a:off x="5366160" y="4726800"/>
-            <a:ext cx="1454400" cy="1454400"/>
+            <a:ext cx="1454040" cy="1454040"/>
           </a:xfrm>
           <a:prstGeom prst="rect">
             <a:avLst/>
@@ -24506,7 +24506,7 @@
         <p:spPr>
           <a:xfrm>
             <a:off x="5751720" y="4924440"/>
-            <a:ext cx="683280" cy="594000"/>
+            <a:ext cx="682920" cy="593640"/>
           </a:xfrm>
           <a:prstGeom prst="rect">
             <a:avLst/>
@@ -24680,7 +24680,7 @@
         <p:spPr>
           <a:xfrm>
             <a:off x="2056680" y="-74160"/>
-            <a:ext cx="8221320" cy="1213560"/>
+            <a:ext cx="8220960" cy="1213200"/>
           </a:xfrm>
           <a:prstGeom prst="rect">
             <a:avLst/>
@@ -24779,7 +24779,7 @@
         <p:spPr>
           <a:xfrm>
             <a:off x="11721960" y="6430680"/>
-            <a:ext cx="3820320" cy="424800"/>
+            <a:ext cx="3819960" cy="424440"/>
           </a:xfrm>
           <a:prstGeom prst="rect">
             <a:avLst/>
@@ -24837,7 +24837,7 @@
         <p:spPr>
           <a:xfrm>
             <a:off x="5237640" y="1326240"/>
-            <a:ext cx="1711440" cy="957240"/>
+            <a:ext cx="1711080" cy="956880"/>
           </a:xfrm>
           <a:prstGeom prst="rect">
             <a:avLst/>
@@ -24899,7 +24899,7 @@
         <p:spPr>
           <a:xfrm>
             <a:off x="5408640" y="3236400"/>
-            <a:ext cx="1369080" cy="454680"/>
+            <a:ext cx="1368720" cy="454320"/>
           </a:xfrm>
           <a:prstGeom prst="roundRect">
             <a:avLst>
@@ -25002,7 +25002,7 @@
         <p:spPr>
           <a:xfrm>
             <a:off x="5411160" y="2525760"/>
-            <a:ext cx="1369080" cy="454680"/>
+            <a:ext cx="1368720" cy="454320"/>
           </a:xfrm>
           <a:prstGeom prst="roundRect">
             <a:avLst>
@@ -25105,7 +25105,7 @@
         <p:spPr>
           <a:xfrm>
             <a:off x="5409000" y="3956760"/>
-            <a:ext cx="1369080" cy="454680"/>
+            <a:ext cx="1368720" cy="454320"/>
           </a:xfrm>
           <a:prstGeom prst="roundRect">
             <a:avLst>
@@ -25212,7 +25212,7 @@
         <p:spPr>
           <a:xfrm>
             <a:off x="5366160" y="4726800"/>
-            <a:ext cx="1454400" cy="1454400"/>
+            <a:ext cx="1454040" cy="1454040"/>
           </a:xfrm>
           <a:prstGeom prst="rect">
             <a:avLst/>
@@ -25231,7 +25231,7 @@
         <p:spPr>
           <a:xfrm>
             <a:off x="5751720" y="4924440"/>
-            <a:ext cx="683280" cy="594000"/>
+            <a:ext cx="682920" cy="593640"/>
           </a:xfrm>
           <a:prstGeom prst="rect">
             <a:avLst/>
@@ -25405,7 +25405,7 @@
         <p:spPr>
           <a:xfrm>
             <a:off x="2056680" y="-74160"/>
-            <a:ext cx="8221320" cy="1213560"/>
+            <a:ext cx="8220960" cy="1213200"/>
           </a:xfrm>
           <a:prstGeom prst="rect">
             <a:avLst/>
@@ -25504,7 +25504,7 @@
         <p:spPr>
           <a:xfrm>
             <a:off x="11721960" y="6430680"/>
-            <a:ext cx="3820320" cy="424800"/>
+            <a:ext cx="3819960" cy="424440"/>
           </a:xfrm>
           <a:prstGeom prst="rect">
             <a:avLst/>
@@ -25562,7 +25562,7 @@
         <p:spPr>
           <a:xfrm>
             <a:off x="5237640" y="1326240"/>
-            <a:ext cx="1711440" cy="957240"/>
+            <a:ext cx="1711080" cy="956880"/>
           </a:xfrm>
           <a:prstGeom prst="rect">
             <a:avLst/>
@@ -25624,7 +25624,7 @@
         <p:spPr>
           <a:xfrm>
             <a:off x="5408640" y="3236400"/>
-            <a:ext cx="1369080" cy="454680"/>
+            <a:ext cx="1368720" cy="454320"/>
           </a:xfrm>
           <a:prstGeom prst="roundRect">
             <a:avLst>
@@ -25727,7 +25727,7 @@
         <p:spPr>
           <a:xfrm>
             <a:off x="5411160" y="2525760"/>
-            <a:ext cx="1369080" cy="454680"/>
+            <a:ext cx="1368720" cy="454320"/>
           </a:xfrm>
           <a:prstGeom prst="roundRect">
             <a:avLst>
@@ -25830,7 +25830,7 @@
         <p:spPr>
           <a:xfrm>
             <a:off x="5409000" y="3956760"/>
-            <a:ext cx="1369080" cy="454680"/>
+            <a:ext cx="1368720" cy="454320"/>
           </a:xfrm>
           <a:prstGeom prst="roundRect">
             <a:avLst>
@@ -25937,7 +25937,7 @@
         <p:spPr>
           <a:xfrm>
             <a:off x="5366160" y="4726800"/>
-            <a:ext cx="1454400" cy="1454400"/>
+            <a:ext cx="1454040" cy="1454040"/>
           </a:xfrm>
           <a:prstGeom prst="rect">
             <a:avLst/>
@@ -25956,7 +25956,7 @@
         <p:spPr>
           <a:xfrm>
             <a:off x="5751720" y="4924440"/>
-            <a:ext cx="683280" cy="594000"/>
+            <a:ext cx="682920" cy="593640"/>
           </a:xfrm>
           <a:prstGeom prst="rect">
             <a:avLst/>
@@ -26130,7 +26130,7 @@
         <p:spPr>
           <a:xfrm>
             <a:off x="2056680" y="-74160"/>
-            <a:ext cx="8221320" cy="1213560"/>
+            <a:ext cx="8220960" cy="1213200"/>
           </a:xfrm>
           <a:prstGeom prst="rect">
             <a:avLst/>
@@ -26229,7 +26229,7 @@
         <p:spPr>
           <a:xfrm>
             <a:off x="11721960" y="6430680"/>
-            <a:ext cx="3820320" cy="424800"/>
+            <a:ext cx="3819960" cy="424440"/>
           </a:xfrm>
           <a:prstGeom prst="rect">
             <a:avLst/>
@@ -26287,7 +26287,7 @@
         <p:spPr>
           <a:xfrm>
             <a:off x="5237640" y="1326240"/>
-            <a:ext cx="1711440" cy="957240"/>
+            <a:ext cx="1711080" cy="956880"/>
           </a:xfrm>
           <a:prstGeom prst="rect">
             <a:avLst/>
@@ -26349,7 +26349,7 @@
         <p:spPr>
           <a:xfrm>
             <a:off x="5408640" y="3236400"/>
-            <a:ext cx="1369080" cy="454680"/>
+            <a:ext cx="1368720" cy="454320"/>
           </a:xfrm>
           <a:prstGeom prst="roundRect">
             <a:avLst>
@@ -26452,7 +26452,7 @@
         <p:spPr>
           <a:xfrm>
             <a:off x="5411160" y="2525760"/>
-            <a:ext cx="1369080" cy="454680"/>
+            <a:ext cx="1368720" cy="454320"/>
           </a:xfrm>
           <a:prstGeom prst="roundRect">
             <a:avLst>
@@ -26555,7 +26555,7 @@
         <p:spPr>
           <a:xfrm>
             <a:off x="5409000" y="3956760"/>
-            <a:ext cx="1369080" cy="454680"/>
+            <a:ext cx="1368720" cy="454320"/>
           </a:xfrm>
           <a:prstGeom prst="roundRect">
             <a:avLst>
@@ -26662,7 +26662,7 @@
         <p:spPr>
           <a:xfrm>
             <a:off x="5366160" y="4726800"/>
-            <a:ext cx="1454400" cy="1454400"/>
+            <a:ext cx="1454040" cy="1454040"/>
           </a:xfrm>
           <a:prstGeom prst="rect">
             <a:avLst/>
@@ -26681,7 +26681,7 @@
         <p:spPr>
           <a:xfrm>
             <a:off x="5751720" y="4924440"/>
-            <a:ext cx="683280" cy="594000"/>
+            <a:ext cx="682920" cy="593640"/>
           </a:xfrm>
           <a:prstGeom prst="rect">
             <a:avLst/>
@@ -26735,7 +26735,7 @@
         <p:spPr>
           <a:xfrm>
             <a:off x="6400800" y="228600"/>
-            <a:ext cx="2283480" cy="911880"/>
+            <a:ext cx="2283120" cy="911520"/>
           </a:xfrm>
           <a:prstGeom prst="wedgeEllipseCallout">
             <a:avLst>
@@ -26916,7 +26916,7 @@
         <p:spPr>
           <a:xfrm>
             <a:off x="2056680" y="-74160"/>
-            <a:ext cx="8221320" cy="1213560"/>
+            <a:ext cx="8220960" cy="1213200"/>
           </a:xfrm>
           <a:prstGeom prst="rect">
             <a:avLst/>
@@ -27015,7 +27015,7 @@
         <p:spPr>
           <a:xfrm>
             <a:off x="11721960" y="6430680"/>
-            <a:ext cx="3820320" cy="424800"/>
+            <a:ext cx="3819960" cy="424440"/>
           </a:xfrm>
           <a:prstGeom prst="rect">
             <a:avLst/>
@@ -27073,7 +27073,7 @@
         <p:spPr>
           <a:xfrm>
             <a:off x="5237640" y="1326240"/>
-            <a:ext cx="1711440" cy="957240"/>
+            <a:ext cx="1711080" cy="956880"/>
           </a:xfrm>
           <a:prstGeom prst="rect">
             <a:avLst/>
@@ -27135,7 +27135,7 @@
         <p:spPr>
           <a:xfrm>
             <a:off x="5408640" y="3236400"/>
-            <a:ext cx="1369080" cy="454680"/>
+            <a:ext cx="1368720" cy="454320"/>
           </a:xfrm>
           <a:prstGeom prst="roundRect">
             <a:avLst>
@@ -27238,7 +27238,7 @@
         <p:spPr>
           <a:xfrm>
             <a:off x="5411160" y="2525760"/>
-            <a:ext cx="1369080" cy="454680"/>
+            <a:ext cx="1368720" cy="454320"/>
           </a:xfrm>
           <a:prstGeom prst="roundRect">
             <a:avLst>
@@ -27341,7 +27341,7 @@
         <p:spPr>
           <a:xfrm>
             <a:off x="5409000" y="3956760"/>
-            <a:ext cx="1369080" cy="454680"/>
+            <a:ext cx="1368720" cy="454320"/>
           </a:xfrm>
           <a:prstGeom prst="roundRect">
             <a:avLst>
@@ -27448,7 +27448,7 @@
         <p:spPr>
           <a:xfrm>
             <a:off x="5366160" y="4726800"/>
-            <a:ext cx="1454400" cy="1454400"/>
+            <a:ext cx="1454040" cy="1454040"/>
           </a:xfrm>
           <a:prstGeom prst="rect">
             <a:avLst/>
@@ -27467,7 +27467,7 @@
         <p:spPr>
           <a:xfrm>
             <a:off x="5535720" y="4996440"/>
-            <a:ext cx="1104480" cy="594000"/>
+            <a:ext cx="1104120" cy="593640"/>
           </a:xfrm>
           <a:prstGeom prst="rect">
             <a:avLst/>
@@ -27512,7 +27512,7 @@
         <p:spPr>
           <a:xfrm>
             <a:off x="6400800" y="228600"/>
-            <a:ext cx="2283480" cy="911880"/>
+            <a:ext cx="2283120" cy="911520"/>
           </a:xfrm>
           <a:prstGeom prst="wedgeEllipseCallout">
             <a:avLst>
@@ -27572,8 +27572,8 @@
         </p:nvSpPr>
         <p:spPr>
           <a:xfrm flipH="1">
-            <a:off x="2284200" y="4114800"/>
-            <a:ext cx="3121200" cy="982440"/>
+            <a:off x="2283480" y="4114800"/>
+            <a:ext cx="3120840" cy="982080"/>
           </a:xfrm>
           <a:prstGeom prst="wedgeEllipseCallout">
             <a:avLst>
@@ -27654,7 +27654,7 @@
         <p:spPr>
           <a:xfrm>
             <a:off x="5751720" y="4924440"/>
-            <a:ext cx="683280" cy="594000"/>
+            <a:ext cx="682920" cy="593640"/>
           </a:xfrm>
           <a:prstGeom prst="rect">
             <a:avLst/>
@@ -27828,7 +27828,7 @@
         <p:spPr>
           <a:xfrm>
             <a:off x="2056680" y="-74160"/>
-            <a:ext cx="8221320" cy="1213560"/>
+            <a:ext cx="8220960" cy="1213200"/>
           </a:xfrm>
           <a:prstGeom prst="rect">
             <a:avLst/>
@@ -27927,7 +27927,7 @@
         <p:spPr>
           <a:xfrm>
             <a:off x="11721960" y="6430680"/>
-            <a:ext cx="3820320" cy="424800"/>
+            <a:ext cx="3819960" cy="424440"/>
           </a:xfrm>
           <a:prstGeom prst="rect">
             <a:avLst/>
@@ -28067,7 +28067,7 @@
         <p:spPr>
           <a:xfrm>
             <a:off x="5411160" y="2777760"/>
-            <a:ext cx="1369080" cy="454680"/>
+            <a:ext cx="1368720" cy="454320"/>
           </a:xfrm>
           <a:prstGeom prst="roundRect">
             <a:avLst>
@@ -28174,7 +28174,7 @@
         <p:spPr>
           <a:xfrm>
             <a:off x="5366160" y="4726800"/>
-            <a:ext cx="1454400" cy="1454400"/>
+            <a:ext cx="1454040" cy="1454040"/>
           </a:xfrm>
           <a:prstGeom prst="rect">
             <a:avLst/>
@@ -28193,7 +28193,7 @@
         <p:spPr>
           <a:xfrm>
             <a:off x="5751720" y="4924440"/>
-            <a:ext cx="683280" cy="594000"/>
+            <a:ext cx="682920" cy="593640"/>
           </a:xfrm>
           <a:prstGeom prst="rect">
             <a:avLst/>
@@ -28251,7 +28251,7 @@
         <p:spPr>
           <a:xfrm>
             <a:off x="5237640" y="1326240"/>
-            <a:ext cx="1711440" cy="957240"/>
+            <a:ext cx="1711080" cy="956880"/>
           </a:xfrm>
           <a:prstGeom prst="rect">
             <a:avLst/>
@@ -28270,7 +28270,7 @@
         <p:spPr>
           <a:xfrm>
             <a:off x="5408640" y="3848400"/>
-            <a:ext cx="1369080" cy="454680"/>
+            <a:ext cx="1368720" cy="454320"/>
           </a:xfrm>
           <a:prstGeom prst="roundRect">
             <a:avLst>
@@ -28450,7 +28450,7 @@
         <p:spPr>
           <a:xfrm>
             <a:off x="2056680" y="-74160"/>
-            <a:ext cx="8221320" cy="1213560"/>
+            <a:ext cx="8220960" cy="1213200"/>
           </a:xfrm>
           <a:prstGeom prst="rect">
             <a:avLst/>
@@ -28549,7 +28549,7 @@
         <p:spPr>
           <a:xfrm>
             <a:off x="11721960" y="6430680"/>
-            <a:ext cx="3820320" cy="424800"/>
+            <a:ext cx="3819960" cy="424440"/>
           </a:xfrm>
           <a:prstGeom prst="rect">
             <a:avLst/>
@@ -28689,7 +28689,7 @@
         <p:spPr>
           <a:xfrm>
             <a:off x="5411160" y="2777760"/>
-            <a:ext cx="1369080" cy="454680"/>
+            <a:ext cx="1368720" cy="454320"/>
           </a:xfrm>
           <a:prstGeom prst="roundRect">
             <a:avLst>
@@ -28796,7 +28796,7 @@
         <p:spPr>
           <a:xfrm>
             <a:off x="5366160" y="4726800"/>
-            <a:ext cx="1454400" cy="1454400"/>
+            <a:ext cx="1454040" cy="1454040"/>
           </a:xfrm>
           <a:prstGeom prst="rect">
             <a:avLst/>
@@ -28815,7 +28815,7 @@
         <p:spPr>
           <a:xfrm>
             <a:off x="5751720" y="4924440"/>
-            <a:ext cx="683280" cy="594000"/>
+            <a:ext cx="682920" cy="593640"/>
           </a:xfrm>
           <a:prstGeom prst="rect">
             <a:avLst/>
@@ -28959,7 +28959,7 @@
         <p:spPr>
           <a:xfrm>
             <a:off x="5237640" y="1326240"/>
-            <a:ext cx="1711440" cy="957240"/>
+            <a:ext cx="1711080" cy="956880"/>
           </a:xfrm>
           <a:prstGeom prst="rect">
             <a:avLst/>
@@ -28978,7 +28978,7 @@
         <p:spPr>
           <a:xfrm>
             <a:off x="5408640" y="3848400"/>
-            <a:ext cx="1369080" cy="454680"/>
+            <a:ext cx="1368720" cy="454320"/>
           </a:xfrm>
           <a:prstGeom prst="roundRect">
             <a:avLst>
@@ -29072,7 +29072,7 @@
         <p:spPr>
           <a:xfrm>
             <a:off x="2056680" y="-74160"/>
-            <a:ext cx="8221320" cy="1213560"/>
+            <a:ext cx="8220960" cy="1213200"/>
           </a:xfrm>
           <a:prstGeom prst="rect">
             <a:avLst/>
@@ -29171,7 +29171,7 @@
         <p:spPr>
           <a:xfrm>
             <a:off x="11721960" y="6430680"/>
-            <a:ext cx="3820320" cy="424800"/>
+            <a:ext cx="3819960" cy="424440"/>
           </a:xfrm>
           <a:prstGeom prst="rect">
             <a:avLst/>
@@ -29311,7 +29311,7 @@
         <p:spPr>
           <a:xfrm>
             <a:off x="5411160" y="2777760"/>
-            <a:ext cx="1369080" cy="454680"/>
+            <a:ext cx="1368720" cy="454320"/>
           </a:xfrm>
           <a:prstGeom prst="roundRect">
             <a:avLst>
@@ -29418,7 +29418,7 @@
         <p:spPr>
           <a:xfrm>
             <a:off x="5366160" y="4726800"/>
-            <a:ext cx="1454400" cy="1454400"/>
+            <a:ext cx="1454040" cy="1454040"/>
           </a:xfrm>
           <a:prstGeom prst="rect">
             <a:avLst/>
@@ -29437,7 +29437,7 @@
         <p:spPr>
           <a:xfrm>
             <a:off x="5751720" y="4924440"/>
-            <a:ext cx="683280" cy="594000"/>
+            <a:ext cx="682920" cy="593640"/>
           </a:xfrm>
           <a:prstGeom prst="rect">
             <a:avLst/>
@@ -29581,7 +29581,7 @@
         <p:spPr>
           <a:xfrm>
             <a:off x="5237640" y="1326240"/>
-            <a:ext cx="1711440" cy="957240"/>
+            <a:ext cx="1711080" cy="956880"/>
           </a:xfrm>
           <a:prstGeom prst="rect">
             <a:avLst/>
@@ -29600,7 +29600,7 @@
         <p:spPr>
           <a:xfrm>
             <a:off x="5408640" y="3848400"/>
-            <a:ext cx="1369080" cy="454680"/>
+            <a:ext cx="1368720" cy="454320"/>
           </a:xfrm>
           <a:prstGeom prst="roundRect">
             <a:avLst>
@@ -29694,7 +29694,7 @@
         <p:spPr>
           <a:xfrm>
             <a:off x="2056680" y="-74160"/>
-            <a:ext cx="8221320" cy="1213560"/>
+            <a:ext cx="8220960" cy="1213200"/>
           </a:xfrm>
           <a:prstGeom prst="rect">
             <a:avLst/>
@@ -29793,7 +29793,7 @@
         <p:spPr>
           <a:xfrm>
             <a:off x="11721960" y="6430680"/>
-            <a:ext cx="3820320" cy="424800"/>
+            <a:ext cx="3819960" cy="424440"/>
           </a:xfrm>
           <a:prstGeom prst="rect">
             <a:avLst/>
@@ -29933,7 +29933,7 @@
         <p:spPr>
           <a:xfrm>
             <a:off x="5411160" y="2777760"/>
-            <a:ext cx="1369080" cy="454680"/>
+            <a:ext cx="1368720" cy="454320"/>
           </a:xfrm>
           <a:prstGeom prst="roundRect">
             <a:avLst>
@@ -30040,7 +30040,7 @@
         <p:spPr>
           <a:xfrm>
             <a:off x="5366160" y="4726800"/>
-            <a:ext cx="1454400" cy="1454400"/>
+            <a:ext cx="1454040" cy="1454040"/>
           </a:xfrm>
           <a:prstGeom prst="rect">
             <a:avLst/>
@@ -30059,7 +30059,7 @@
         <p:spPr>
           <a:xfrm>
             <a:off x="5571720" y="5032440"/>
-            <a:ext cx="1068840" cy="594000"/>
+            <a:ext cx="1068480" cy="593640"/>
           </a:xfrm>
           <a:prstGeom prst="rect">
             <a:avLst/>
@@ -30203,7 +30203,7 @@
         <p:spPr>
           <a:xfrm>
             <a:off x="5237640" y="1326240"/>
-            <a:ext cx="1711440" cy="957240"/>
+            <a:ext cx="1711080" cy="956880"/>
           </a:xfrm>
           <a:prstGeom prst="rect">
             <a:avLst/>
@@ -30222,7 +30222,7 @@
         <p:spPr>
           <a:xfrm>
             <a:off x="5408640" y="3848400"/>
-            <a:ext cx="1369080" cy="454680"/>
+            <a:ext cx="1368720" cy="454320"/>
           </a:xfrm>
           <a:prstGeom prst="roundRect">
             <a:avLst>
@@ -30316,7 +30316,7 @@
         <p:spPr>
           <a:xfrm>
             <a:off x="2056680" y="-74160"/>
-            <a:ext cx="8221320" cy="1213560"/>
+            <a:ext cx="8220960" cy="1213200"/>
           </a:xfrm>
           <a:prstGeom prst="rect">
             <a:avLst/>
@@ -30406,7 +30406,7 @@
         <p:spPr>
           <a:xfrm>
             <a:off x="11721960" y="6430680"/>
-            <a:ext cx="3820320" cy="424800"/>
+            <a:ext cx="3819960" cy="424440"/>
           </a:xfrm>
           <a:prstGeom prst="rect">
             <a:avLst/>
@@ -30460,7 +30460,7 @@
         <p:spPr>
           <a:xfrm>
             <a:off x="569160" y="1371600"/>
-            <a:ext cx="11048760" cy="5256000"/>
+            <a:ext cx="11048400" cy="5255640"/>
           </a:xfrm>
           <a:prstGeom prst="rect">
             <a:avLst/>
@@ -30597,7 +30597,7 @@
         <p:spPr>
           <a:xfrm>
             <a:off x="1982520" y="228600"/>
-            <a:ext cx="8221320" cy="1230840"/>
+            <a:ext cx="8220960" cy="1230480"/>
           </a:xfrm>
           <a:prstGeom prst="rect">
             <a:avLst/>
@@ -30652,7 +30652,7 @@
         <p:spPr>
           <a:xfrm>
             <a:off x="457200" y="808560"/>
-            <a:ext cx="11187360" cy="4659840"/>
+            <a:ext cx="11187000" cy="4659480"/>
           </a:xfrm>
           <a:prstGeom prst="rect">
             <a:avLst/>
@@ -30890,7 +30890,7 @@
         <p:spPr>
           <a:xfrm>
             <a:off x="336240" y="1339920"/>
-            <a:ext cx="11315520" cy="1825920"/>
+            <a:ext cx="11315160" cy="1825560"/>
           </a:xfrm>
           <a:prstGeom prst="roundRect">
             <a:avLst>
@@ -30956,7 +30956,7 @@
         <p:spPr>
           <a:xfrm>
             <a:off x="11658600" y="6400800"/>
-            <a:ext cx="3820320" cy="424800"/>
+            <a:ext cx="3819960" cy="424440"/>
           </a:xfrm>
           <a:prstGeom prst="rect">
             <a:avLst/>
@@ -31014,7 +31014,7 @@
         <p:spPr>
           <a:xfrm>
             <a:off x="5294880" y="4909320"/>
-            <a:ext cx="1597320" cy="1597680"/>
+            <a:ext cx="1596960" cy="1597320"/>
           </a:xfrm>
           <a:prstGeom prst="rect">
             <a:avLst/>
@@ -31038,7 +31038,7 @@
         <p:spPr>
           <a:xfrm>
             <a:off x="5457240" y="4355640"/>
-            <a:ext cx="1272600" cy="912240"/>
+            <a:ext cx="1272240" cy="911880"/>
           </a:xfrm>
           <a:prstGeom prst="rect">
             <a:avLst/>
@@ -31091,7 +31091,7 @@
         <p:spPr>
           <a:xfrm>
             <a:off x="2056680" y="-74160"/>
-            <a:ext cx="8221320" cy="1213560"/>
+            <a:ext cx="8220960" cy="1213200"/>
           </a:xfrm>
           <a:prstGeom prst="rect">
             <a:avLst/>
@@ -31181,7 +31181,7 @@
         <p:spPr>
           <a:xfrm>
             <a:off x="11721960" y="6430680"/>
-            <a:ext cx="3820320" cy="424800"/>
+            <a:ext cx="3819960" cy="424440"/>
           </a:xfrm>
           <a:prstGeom prst="rect">
             <a:avLst/>
@@ -31235,7 +31235,7 @@
         <p:spPr>
           <a:xfrm>
             <a:off x="569160" y="1371600"/>
-            <a:ext cx="11048760" cy="5256000"/>
+            <a:ext cx="11048400" cy="5255640"/>
           </a:xfrm>
           <a:prstGeom prst="rect">
             <a:avLst/>
@@ -31444,7 +31444,7 @@
         <p:spPr>
           <a:xfrm>
             <a:off x="2056680" y="-74160"/>
-            <a:ext cx="8221320" cy="1213560"/>
+            <a:ext cx="8220960" cy="1213200"/>
           </a:xfrm>
           <a:prstGeom prst="rect">
             <a:avLst/>
@@ -31534,7 +31534,7 @@
         <p:spPr>
           <a:xfrm>
             <a:off x="11721960" y="6430680"/>
-            <a:ext cx="3820320" cy="424800"/>
+            <a:ext cx="3819960" cy="424440"/>
           </a:xfrm>
           <a:prstGeom prst="rect">
             <a:avLst/>
@@ -31588,7 +31588,7 @@
         <p:spPr>
           <a:xfrm>
             <a:off x="569160" y="1371600"/>
-            <a:ext cx="11048760" cy="5256000"/>
+            <a:ext cx="11048400" cy="5255640"/>
           </a:xfrm>
           <a:prstGeom prst="rect">
             <a:avLst/>
@@ -31840,7 +31840,7 @@
         <p:spPr>
           <a:xfrm>
             <a:off x="2056680" y="-74160"/>
-            <a:ext cx="8221320" cy="1213560"/>
+            <a:ext cx="8220960" cy="1213200"/>
           </a:xfrm>
           <a:prstGeom prst="rect">
             <a:avLst/>
@@ -31939,7 +31939,7 @@
         <p:spPr>
           <a:xfrm>
             <a:off x="11721960" y="6430680"/>
-            <a:ext cx="3820320" cy="424800"/>
+            <a:ext cx="3819960" cy="424440"/>
           </a:xfrm>
           <a:prstGeom prst="rect">
             <a:avLst/>
@@ -31993,7 +31993,7 @@
         <p:spPr>
           <a:xfrm>
             <a:off x="569160" y="1371600"/>
-            <a:ext cx="11048760" cy="5256000"/>
+            <a:ext cx="11048400" cy="5255640"/>
           </a:xfrm>
           <a:prstGeom prst="rect">
             <a:avLst/>
@@ -32245,7 +32245,7 @@
         <p:spPr>
           <a:xfrm>
             <a:off x="2056680" y="-74160"/>
-            <a:ext cx="8221320" cy="1213560"/>
+            <a:ext cx="8220960" cy="1213200"/>
           </a:xfrm>
           <a:prstGeom prst="rect">
             <a:avLst/>
@@ -32344,7 +32344,7 @@
         <p:spPr>
           <a:xfrm>
             <a:off x="11721960" y="6430680"/>
-            <a:ext cx="3820320" cy="424800"/>
+            <a:ext cx="3819960" cy="424440"/>
           </a:xfrm>
           <a:prstGeom prst="rect">
             <a:avLst/>
@@ -32441,7 +32441,7 @@
         <p:spPr>
           <a:xfrm>
             <a:off x="5371920" y="2673720"/>
-            <a:ext cx="1369080" cy="454680"/>
+            <a:ext cx="1368720" cy="454320"/>
           </a:xfrm>
           <a:prstGeom prst="roundRect">
             <a:avLst>
@@ -32544,7 +32544,7 @@
         <p:spPr>
           <a:xfrm>
             <a:off x="5374440" y="1963080"/>
-            <a:ext cx="1369080" cy="454680"/>
+            <a:ext cx="1368720" cy="454320"/>
           </a:xfrm>
           <a:prstGeom prst="roundRect">
             <a:avLst>
@@ -32647,7 +32647,7 @@
         <p:spPr>
           <a:xfrm>
             <a:off x="5372280" y="3394080"/>
-            <a:ext cx="1369080" cy="454680"/>
+            <a:ext cx="1368720" cy="454320"/>
           </a:xfrm>
           <a:prstGeom prst="roundRect">
             <a:avLst>
@@ -32754,7 +32754,7 @@
         <p:spPr>
           <a:xfrm>
             <a:off x="5329440" y="4164120"/>
-            <a:ext cx="1454400" cy="1454400"/>
+            <a:ext cx="1454040" cy="1454040"/>
           </a:xfrm>
           <a:prstGeom prst="rect">
             <a:avLst/>
@@ -32773,7 +32773,7 @@
         <p:spPr>
           <a:xfrm>
             <a:off x="5715000" y="4361760"/>
-            <a:ext cx="683280" cy="594000"/>
+            <a:ext cx="682920" cy="593640"/>
           </a:xfrm>
           <a:prstGeom prst="rect">
             <a:avLst/>
@@ -32831,7 +32831,7 @@
         <p:spPr>
           <a:xfrm>
             <a:off x="2057400" y="1723320"/>
-            <a:ext cx="7998480" cy="4217760"/>
+            <a:ext cx="7998120" cy="4217400"/>
           </a:xfrm>
           <a:prstGeom prst="rect">
             <a:avLst/>
@@ -32850,7 +32850,7 @@
         <p:spPr>
           <a:xfrm>
             <a:off x="4800600" y="2409120"/>
-            <a:ext cx="2512080" cy="683280"/>
+            <a:ext cx="2511720" cy="682920"/>
           </a:xfrm>
           <a:prstGeom prst="rect">
             <a:avLst/>
@@ -32938,7 +32938,7 @@
         <p:spPr>
           <a:xfrm>
             <a:off x="2056680" y="-74160"/>
-            <a:ext cx="8221320" cy="1213560"/>
+            <a:ext cx="8220960" cy="1213200"/>
           </a:xfrm>
           <a:prstGeom prst="rect">
             <a:avLst/>
@@ -33037,7 +33037,7 @@
         <p:spPr>
           <a:xfrm>
             <a:off x="11721960" y="6430680"/>
-            <a:ext cx="3820320" cy="424800"/>
+            <a:ext cx="3819960" cy="424440"/>
           </a:xfrm>
           <a:prstGeom prst="rect">
             <a:avLst/>
@@ -33134,7 +33134,7 @@
         <p:spPr>
           <a:xfrm>
             <a:off x="5371920" y="2673720"/>
-            <a:ext cx="1369080" cy="454680"/>
+            <a:ext cx="1368720" cy="454320"/>
           </a:xfrm>
           <a:prstGeom prst="roundRect">
             <a:avLst>
@@ -33237,7 +33237,7 @@
         <p:spPr>
           <a:xfrm>
             <a:off x="5374440" y="1963080"/>
-            <a:ext cx="1369080" cy="454680"/>
+            <a:ext cx="1368720" cy="454320"/>
           </a:xfrm>
           <a:prstGeom prst="roundRect">
             <a:avLst>
@@ -33340,7 +33340,7 @@
         <p:spPr>
           <a:xfrm>
             <a:off x="5372280" y="3394080"/>
-            <a:ext cx="1369080" cy="454680"/>
+            <a:ext cx="1368720" cy="454320"/>
           </a:xfrm>
           <a:prstGeom prst="roundRect">
             <a:avLst>
@@ -33447,7 +33447,7 @@
         <p:spPr>
           <a:xfrm>
             <a:off x="5329440" y="4164120"/>
-            <a:ext cx="1454400" cy="1454400"/>
+            <a:ext cx="1454040" cy="1454040"/>
           </a:xfrm>
           <a:prstGeom prst="rect">
             <a:avLst/>
@@ -33466,7 +33466,7 @@
         <p:spPr>
           <a:xfrm>
             <a:off x="5715000" y="4361760"/>
-            <a:ext cx="683280" cy="594000"/>
+            <a:ext cx="682920" cy="593640"/>
           </a:xfrm>
           <a:prstGeom prst="rect">
             <a:avLst/>
@@ -33524,7 +33524,7 @@
         <p:spPr>
           <a:xfrm>
             <a:off x="2057400" y="1723320"/>
-            <a:ext cx="7998480" cy="4217760"/>
+            <a:ext cx="7998120" cy="4217400"/>
           </a:xfrm>
           <a:prstGeom prst="rect">
             <a:avLst/>
@@ -33543,7 +33543,7 @@
         <p:spPr>
           <a:xfrm>
             <a:off x="4800600" y="2409120"/>
-            <a:ext cx="2512080" cy="683280"/>
+            <a:ext cx="2511720" cy="682920"/>
           </a:xfrm>
           <a:prstGeom prst="rect">
             <a:avLst/>
@@ -33597,7 +33597,7 @@
         <p:spPr>
           <a:xfrm>
             <a:off x="3200400" y="1600200"/>
-            <a:ext cx="5893200" cy="4435560"/>
+            <a:ext cx="5892840" cy="4435200"/>
           </a:xfrm>
           <a:prstGeom prst="rect">
             <a:avLst/>
@@ -33689,7 +33689,7 @@
         <p:spPr>
           <a:xfrm>
             <a:off x="2056680" y="-74160"/>
-            <a:ext cx="8221320" cy="1213560"/>
+            <a:ext cx="8220960" cy="1213200"/>
           </a:xfrm>
           <a:prstGeom prst="rect">
             <a:avLst/>
@@ -33782,7 +33782,7 @@
         <p:spPr>
           <a:xfrm>
             <a:off x="11721960" y="6430680"/>
-            <a:ext cx="3820320" cy="424800"/>
+            <a:ext cx="3819960" cy="424440"/>
           </a:xfrm>
           <a:prstGeom prst="rect">
             <a:avLst/>
@@ -33879,7 +33879,7 @@
         <p:spPr>
           <a:xfrm>
             <a:off x="5371920" y="2673720"/>
-            <a:ext cx="1369080" cy="454680"/>
+            <a:ext cx="1368720" cy="454320"/>
           </a:xfrm>
           <a:prstGeom prst="roundRect">
             <a:avLst>
@@ -33982,7 +33982,7 @@
         <p:spPr>
           <a:xfrm>
             <a:off x="5374440" y="1963080"/>
-            <a:ext cx="1369080" cy="454680"/>
+            <a:ext cx="1368720" cy="454320"/>
           </a:xfrm>
           <a:prstGeom prst="roundRect">
             <a:avLst>
@@ -34085,7 +34085,7 @@
         <p:spPr>
           <a:xfrm>
             <a:off x="5372280" y="3394080"/>
-            <a:ext cx="1369080" cy="454680"/>
+            <a:ext cx="1368720" cy="454320"/>
           </a:xfrm>
           <a:prstGeom prst="roundRect">
             <a:avLst>
@@ -34192,7 +34192,7 @@
         <p:spPr>
           <a:xfrm>
             <a:off x="5329440" y="4164120"/>
-            <a:ext cx="1454400" cy="1454400"/>
+            <a:ext cx="1454040" cy="1454040"/>
           </a:xfrm>
           <a:prstGeom prst="rect">
             <a:avLst/>
@@ -34211,7 +34211,7 @@
         <p:spPr>
           <a:xfrm>
             <a:off x="5715000" y="4361760"/>
-            <a:ext cx="683280" cy="594000"/>
+            <a:ext cx="682920" cy="593640"/>
           </a:xfrm>
           <a:prstGeom prst="rect">
             <a:avLst/>
@@ -34269,7 +34269,7 @@
         <p:spPr>
           <a:xfrm>
             <a:off x="2057400" y="1723320"/>
-            <a:ext cx="7998480" cy="4217760"/>
+            <a:ext cx="7998120" cy="4217400"/>
           </a:xfrm>
           <a:prstGeom prst="rect">
             <a:avLst/>
@@ -34288,7 +34288,7 @@
         <p:spPr>
           <a:xfrm>
             <a:off x="4800600" y="2409120"/>
-            <a:ext cx="2512080" cy="683280"/>
+            <a:ext cx="2511720" cy="682920"/>
           </a:xfrm>
           <a:prstGeom prst="rect">
             <a:avLst/>
@@ -34342,7 +34342,7 @@
         <p:spPr>
           <a:xfrm>
             <a:off x="3146760" y="1600200"/>
-            <a:ext cx="5893200" cy="4435560"/>
+            <a:ext cx="5892840" cy="4435200"/>
           </a:xfrm>
           <a:prstGeom prst="rect">
             <a:avLst/>
@@ -34404,7 +34404,7 @@
         <p:spPr>
           <a:xfrm>
             <a:off x="2894040" y="1779120"/>
-            <a:ext cx="6398280" cy="4256640"/>
+            <a:ext cx="6397920" cy="4256280"/>
           </a:xfrm>
           <a:prstGeom prst="rect">
             <a:avLst/>
@@ -34423,7 +34423,7 @@
         <p:spPr>
           <a:xfrm>
             <a:off x="5372280" y="3657600"/>
-            <a:ext cx="1140480" cy="397080"/>
+            <a:ext cx="1140120" cy="396720"/>
           </a:xfrm>
           <a:prstGeom prst="rect">
             <a:avLst/>
@@ -34511,7 +34511,7 @@
         <p:spPr>
           <a:xfrm>
             <a:off x="2056680" y="-74160"/>
-            <a:ext cx="8221320" cy="1213560"/>
+            <a:ext cx="8220960" cy="1213200"/>
           </a:xfrm>
           <a:prstGeom prst="rect">
             <a:avLst/>
@@ -34604,7 +34604,7 @@
         <p:spPr>
           <a:xfrm>
             <a:off x="11721960" y="6430680"/>
-            <a:ext cx="3820320" cy="424800"/>
+            <a:ext cx="3819960" cy="424440"/>
           </a:xfrm>
           <a:prstGeom prst="rect">
             <a:avLst/>
@@ -34658,7 +34658,7 @@
         <p:spPr>
           <a:xfrm>
             <a:off x="685800" y="1371600"/>
-            <a:ext cx="10971000" cy="5027400"/>
+            <a:ext cx="10970640" cy="5027040"/>
           </a:xfrm>
           <a:prstGeom prst="rect">
             <a:avLst/>
@@ -34807,7 +34807,7 @@
         <p:spPr>
           <a:xfrm>
             <a:off x="9829800" y="1695600"/>
-            <a:ext cx="1711440" cy="957240"/>
+            <a:ext cx="1711080" cy="956880"/>
           </a:xfrm>
           <a:prstGeom prst="rect">
             <a:avLst/>
@@ -34860,7 +34860,7 @@
         <p:spPr>
           <a:xfrm>
             <a:off x="2056680" y="-74160"/>
-            <a:ext cx="8221320" cy="1213560"/>
+            <a:ext cx="8220960" cy="1213200"/>
           </a:xfrm>
           <a:prstGeom prst="rect">
             <a:avLst/>
@@ -34953,7 +34953,7 @@
         <p:spPr>
           <a:xfrm>
             <a:off x="11721960" y="6430680"/>
-            <a:ext cx="3820320" cy="424800"/>
+            <a:ext cx="3819960" cy="424440"/>
           </a:xfrm>
           <a:prstGeom prst="rect">
             <a:avLst/>
@@ -35007,7 +35007,7 @@
         <p:spPr>
           <a:xfrm>
             <a:off x="685800" y="1371600"/>
-            <a:ext cx="10971000" cy="5027400"/>
+            <a:ext cx="10970640" cy="5027040"/>
           </a:xfrm>
           <a:prstGeom prst="rect">
             <a:avLst/>
@@ -35280,7 +35280,7 @@
         <p:spPr>
           <a:xfrm>
             <a:off x="10003320" y="2859120"/>
-            <a:ext cx="1369080" cy="454680"/>
+            <a:ext cx="1368720" cy="454320"/>
           </a:xfrm>
           <a:prstGeom prst="roundRect">
             <a:avLst>
@@ -35387,7 +35387,7 @@
         <p:spPr>
           <a:xfrm>
             <a:off x="9829800" y="1695600"/>
-            <a:ext cx="1711440" cy="957240"/>
+            <a:ext cx="1711080" cy="956880"/>
           </a:xfrm>
           <a:prstGeom prst="rect">
             <a:avLst/>
@@ -35440,7 +35440,7 @@
         <p:spPr>
           <a:xfrm>
             <a:off x="2056680" y="-74160"/>
-            <a:ext cx="8221320" cy="1213560"/>
+            <a:ext cx="8220960" cy="1213200"/>
           </a:xfrm>
           <a:prstGeom prst="rect">
             <a:avLst/>
@@ -35533,7 +35533,7 @@
         <p:spPr>
           <a:xfrm>
             <a:off x="11721960" y="6430680"/>
-            <a:ext cx="3820320" cy="424800"/>
+            <a:ext cx="3819960" cy="424440"/>
           </a:xfrm>
           <a:prstGeom prst="rect">
             <a:avLst/>
@@ -35587,7 +35587,7 @@
         <p:spPr>
           <a:xfrm>
             <a:off x="685800" y="1371600"/>
-            <a:ext cx="10971000" cy="5027400"/>
+            <a:ext cx="10970640" cy="5027040"/>
           </a:xfrm>
           <a:prstGeom prst="rect">
             <a:avLst/>
@@ -35945,7 +35945,7 @@
         <p:spPr>
           <a:xfrm>
             <a:off x="10000800" y="3569760"/>
-            <a:ext cx="1369080" cy="454680"/>
+            <a:ext cx="1368720" cy="454320"/>
           </a:xfrm>
           <a:prstGeom prst="roundRect">
             <a:avLst>
@@ -36048,7 +36048,7 @@
         <p:spPr>
           <a:xfrm>
             <a:off x="10003320" y="2859120"/>
-            <a:ext cx="1369080" cy="454680"/>
+            <a:ext cx="1368720" cy="454320"/>
           </a:xfrm>
           <a:prstGeom prst="roundRect">
             <a:avLst>
@@ -36112,7 +36112,7 @@
         <p:spPr>
           <a:xfrm>
             <a:off x="9958320" y="4196160"/>
-            <a:ext cx="1454400" cy="1454400"/>
+            <a:ext cx="1454040" cy="1454040"/>
           </a:xfrm>
           <a:prstGeom prst="rect">
             <a:avLst/>
@@ -36131,7 +36131,7 @@
         <p:spPr>
           <a:xfrm>
             <a:off x="10163880" y="4429800"/>
-            <a:ext cx="1068840" cy="594000"/>
+            <a:ext cx="1068480" cy="593640"/>
           </a:xfrm>
           <a:prstGeom prst="rect">
             <a:avLst/>
@@ -36232,7 +36232,7 @@
         <p:spPr>
           <a:xfrm>
             <a:off x="9829800" y="1695600"/>
-            <a:ext cx="1711440" cy="957240"/>
+            <a:ext cx="1711080" cy="956880"/>
           </a:xfrm>
           <a:prstGeom prst="rect">
             <a:avLst/>
@@ -36285,7 +36285,7 @@
         <p:spPr>
           <a:xfrm>
             <a:off x="2056680" y="-74160"/>
-            <a:ext cx="8221320" cy="1213560"/>
+            <a:ext cx="8220960" cy="1213200"/>
           </a:xfrm>
           <a:prstGeom prst="rect">
             <a:avLst/>
@@ -36378,7 +36378,7 @@
         <p:spPr>
           <a:xfrm>
             <a:off x="11721960" y="6430680"/>
-            <a:ext cx="3820320" cy="424800"/>
+            <a:ext cx="3819960" cy="424440"/>
           </a:xfrm>
           <a:prstGeom prst="rect">
             <a:avLst/>
@@ -36432,7 +36432,7 @@
         <p:spPr>
           <a:xfrm>
             <a:off x="685800" y="1371600"/>
-            <a:ext cx="10971000" cy="5027400"/>
+            <a:ext cx="10970640" cy="5027040"/>
           </a:xfrm>
           <a:prstGeom prst="rect">
             <a:avLst/>
@@ -36581,7 +36581,7 @@
         <p:spPr>
           <a:xfrm>
             <a:off x="9829800" y="1695600"/>
-            <a:ext cx="1711440" cy="957240"/>
+            <a:ext cx="1711080" cy="956880"/>
           </a:xfrm>
           <a:prstGeom prst="rect">
             <a:avLst/>
@@ -36600,7 +36600,7 @@
         <p:spPr>
           <a:xfrm>
             <a:off x="9940680" y="3773160"/>
-            <a:ext cx="1469880" cy="296280"/>
+            <a:ext cx="1469520" cy="295920"/>
           </a:xfrm>
           <a:prstGeom prst="roundRect">
             <a:avLst>
@@ -36707,7 +36707,7 @@
         <p:spPr>
           <a:xfrm>
             <a:off x="9958320" y="4196160"/>
-            <a:ext cx="1454400" cy="1454400"/>
+            <a:ext cx="1454040" cy="1454040"/>
           </a:xfrm>
           <a:prstGeom prst="rect">
             <a:avLst/>
@@ -36726,7 +36726,7 @@
         <p:spPr>
           <a:xfrm>
             <a:off x="10306800" y="4386960"/>
-            <a:ext cx="730440" cy="531000"/>
+            <a:ext cx="730080" cy="530640"/>
           </a:xfrm>
           <a:prstGeom prst="rect">
             <a:avLst/>
@@ -36814,7 +36814,7 @@
         <p:spPr>
           <a:xfrm>
             <a:off x="1982520" y="-74160"/>
-            <a:ext cx="8221320" cy="1213560"/>
+            <a:ext cx="8220960" cy="1213200"/>
           </a:xfrm>
           <a:prstGeom prst="rect">
             <a:avLst/>
@@ -36913,7 +36913,7 @@
         <p:spPr>
           <a:xfrm>
             <a:off x="492840" y="1371600"/>
-            <a:ext cx="11194920" cy="5025600"/>
+            <a:ext cx="11194560" cy="5025240"/>
           </a:xfrm>
           <a:prstGeom prst="rect">
             <a:avLst/>
@@ -37195,7 +37195,7 @@
         <p:spPr>
           <a:xfrm>
             <a:off x="9141480" y="1505880"/>
-            <a:ext cx="2377080" cy="1920600"/>
+            <a:ext cx="2376720" cy="1920240"/>
           </a:xfrm>
           <a:prstGeom prst="rect">
             <a:avLst/>
@@ -37214,7 +37214,7 @@
         <p:spPr>
           <a:xfrm>
             <a:off x="727200" y="5142960"/>
-            <a:ext cx="1597320" cy="683280"/>
+            <a:ext cx="1596960" cy="682920"/>
           </a:xfrm>
           <a:prstGeom prst="roundRect">
             <a:avLst>
@@ -37274,7 +37274,7 @@
         <p:spPr>
           <a:xfrm>
             <a:off x="5298120" y="5142960"/>
-            <a:ext cx="1597320" cy="683280"/>
+            <a:ext cx="1596960" cy="682920"/>
           </a:xfrm>
           <a:prstGeom prst="roundRect">
             <a:avLst>
@@ -37334,7 +37334,7 @@
         <p:spPr>
           <a:xfrm>
             <a:off x="9640080" y="5142960"/>
-            <a:ext cx="1597320" cy="683280"/>
+            <a:ext cx="1596960" cy="682920"/>
           </a:xfrm>
           <a:prstGeom prst="roundRect">
             <a:avLst>
@@ -37480,7 +37480,7 @@
         <p:spPr>
           <a:xfrm>
             <a:off x="11690280" y="6399720"/>
-            <a:ext cx="3820320" cy="424800"/>
+            <a:ext cx="3819960" cy="424440"/>
           </a:xfrm>
           <a:prstGeom prst="rect">
             <a:avLst/>
@@ -37568,7 +37568,7 @@
         <p:spPr>
           <a:xfrm>
             <a:off x="2056680" y="-74160"/>
-            <a:ext cx="8221320" cy="1213560"/>
+            <a:ext cx="8220960" cy="1213200"/>
           </a:xfrm>
           <a:prstGeom prst="rect">
             <a:avLst/>
@@ -37661,7 +37661,7 @@
         <p:spPr>
           <a:xfrm>
             <a:off x="11721960" y="6430680"/>
-            <a:ext cx="3820320" cy="424800"/>
+            <a:ext cx="3819960" cy="424440"/>
           </a:xfrm>
           <a:prstGeom prst="rect">
             <a:avLst/>
@@ -37715,7 +37715,7 @@
         <p:spPr>
           <a:xfrm>
             <a:off x="685800" y="1371600"/>
-            <a:ext cx="10971000" cy="5027400"/>
+            <a:ext cx="10970640" cy="5027040"/>
           </a:xfrm>
           <a:prstGeom prst="rect">
             <a:avLst/>
@@ -37949,7 +37949,7 @@
         <p:spPr>
           <a:xfrm>
             <a:off x="9829800" y="1695600"/>
-            <a:ext cx="1711440" cy="957240"/>
+            <a:ext cx="1711080" cy="956880"/>
           </a:xfrm>
           <a:prstGeom prst="rect">
             <a:avLst/>
@@ -37968,7 +37968,7 @@
         <p:spPr>
           <a:xfrm>
             <a:off x="9940680" y="3267720"/>
-            <a:ext cx="1469880" cy="296280"/>
+            <a:ext cx="1469520" cy="295920"/>
           </a:xfrm>
           <a:prstGeom prst="roundRect">
             <a:avLst>
@@ -38071,7 +38071,7 @@
         <p:spPr>
           <a:xfrm>
             <a:off x="9940680" y="3773160"/>
-            <a:ext cx="1469880" cy="296280"/>
+            <a:ext cx="1469520" cy="295920"/>
           </a:xfrm>
           <a:prstGeom prst="roundRect">
             <a:avLst>
@@ -38178,7 +38178,7 @@
         <p:spPr>
           <a:xfrm>
             <a:off x="9958320" y="4196160"/>
-            <a:ext cx="1454400" cy="1454400"/>
+            <a:ext cx="1454040" cy="1454040"/>
           </a:xfrm>
           <a:prstGeom prst="rect">
             <a:avLst/>
@@ -38197,7 +38197,7 @@
         <p:spPr>
           <a:xfrm>
             <a:off x="10306800" y="4386960"/>
-            <a:ext cx="730440" cy="531000"/>
+            <a:ext cx="730080" cy="530640"/>
           </a:xfrm>
           <a:prstGeom prst="rect">
             <a:avLst/>
@@ -38285,7 +38285,7 @@
         <p:spPr>
           <a:xfrm>
             <a:off x="2056680" y="-74160"/>
-            <a:ext cx="8221320" cy="1213560"/>
+            <a:ext cx="8220960" cy="1213200"/>
           </a:xfrm>
           <a:prstGeom prst="rect">
             <a:avLst/>
@@ -38378,7 +38378,7 @@
         <p:spPr>
           <a:xfrm>
             <a:off x="11721960" y="6430680"/>
-            <a:ext cx="3820320" cy="424800"/>
+            <a:ext cx="3819960" cy="424440"/>
           </a:xfrm>
           <a:prstGeom prst="rect">
             <a:avLst/>
@@ -38432,7 +38432,7 @@
         <p:spPr>
           <a:xfrm>
             <a:off x="685800" y="1371600"/>
-            <a:ext cx="10971000" cy="5027400"/>
+            <a:ext cx="10970640" cy="5027040"/>
           </a:xfrm>
           <a:prstGeom prst="rect">
             <a:avLst/>
@@ -38751,7 +38751,7 @@
         <p:spPr>
           <a:xfrm>
             <a:off x="9829800" y="1695600"/>
-            <a:ext cx="1711440" cy="957240"/>
+            <a:ext cx="1711080" cy="956880"/>
           </a:xfrm>
           <a:prstGeom prst="rect">
             <a:avLst/>
@@ -38813,7 +38813,7 @@
         <p:spPr>
           <a:xfrm>
             <a:off x="9940680" y="3267720"/>
-            <a:ext cx="1469880" cy="296280"/>
+            <a:ext cx="1469520" cy="295920"/>
           </a:xfrm>
           <a:prstGeom prst="roundRect">
             <a:avLst>
@@ -38916,7 +38916,7 @@
         <p:spPr>
           <a:xfrm>
             <a:off x="9942840" y="2803680"/>
-            <a:ext cx="1469880" cy="296640"/>
+            <a:ext cx="1469520" cy="296280"/>
           </a:xfrm>
           <a:prstGeom prst="roundRect">
             <a:avLst>
@@ -39019,7 +39019,7 @@
         <p:spPr>
           <a:xfrm>
             <a:off x="9940680" y="3773160"/>
-            <a:ext cx="1469880" cy="296280"/>
+            <a:ext cx="1469520" cy="295920"/>
           </a:xfrm>
           <a:prstGeom prst="roundRect">
             <a:avLst>
@@ -39126,7 +39126,7 @@
         <p:spPr>
           <a:xfrm>
             <a:off x="9958320" y="4196160"/>
-            <a:ext cx="1454400" cy="1454400"/>
+            <a:ext cx="1454040" cy="1454040"/>
           </a:xfrm>
           <a:prstGeom prst="rect">
             <a:avLst/>
@@ -39145,7 +39145,7 @@
         <p:spPr>
           <a:xfrm>
             <a:off x="10306800" y="4386960"/>
-            <a:ext cx="730440" cy="531000"/>
+            <a:ext cx="730080" cy="530640"/>
           </a:xfrm>
           <a:prstGeom prst="rect">
             <a:avLst/>
@@ -39233,7 +39233,7 @@
         <p:spPr>
           <a:xfrm>
             <a:off x="2056680" y="-74160"/>
-            <a:ext cx="8221320" cy="1213560"/>
+            <a:ext cx="8220960" cy="1213200"/>
           </a:xfrm>
           <a:prstGeom prst="rect">
             <a:avLst/>
@@ -39326,7 +39326,7 @@
         <p:spPr>
           <a:xfrm>
             <a:off x="11721960" y="6430680"/>
-            <a:ext cx="3820320" cy="424800"/>
+            <a:ext cx="3819960" cy="424440"/>
           </a:xfrm>
           <a:prstGeom prst="rect">
             <a:avLst/>
@@ -39380,7 +39380,7 @@
         <p:spPr>
           <a:xfrm>
             <a:off x="685800" y="1371600"/>
-            <a:ext cx="10971000" cy="5027400"/>
+            <a:ext cx="10970640" cy="5027040"/>
           </a:xfrm>
           <a:prstGeom prst="rect">
             <a:avLst/>
@@ -39430,7 +39430,7 @@
         <p:spPr>
           <a:xfrm>
             <a:off x="313560" y="1706760"/>
-            <a:ext cx="11561760" cy="4175280"/>
+            <a:ext cx="11561400" cy="4174920"/>
           </a:xfrm>
           <a:prstGeom prst="rect">
             <a:avLst/>
@@ -39488,7 +39488,7 @@
         <p:spPr>
           <a:xfrm>
             <a:off x="2056680" y="-74160"/>
-            <a:ext cx="8221320" cy="1213560"/>
+            <a:ext cx="8220960" cy="1213200"/>
           </a:xfrm>
           <a:prstGeom prst="rect">
             <a:avLst/>
@@ -39587,7 +39587,7 @@
         <p:spPr>
           <a:xfrm>
             <a:off x="11721960" y="6430680"/>
-            <a:ext cx="3820320" cy="424800"/>
+            <a:ext cx="3819960" cy="424440"/>
           </a:xfrm>
           <a:prstGeom prst="rect">
             <a:avLst/>
@@ -39641,7 +39641,7 @@
         <p:spPr>
           <a:xfrm>
             <a:off x="457200" y="1143000"/>
-            <a:ext cx="11429640" cy="5028840"/>
+            <a:ext cx="11429280" cy="5028480"/>
           </a:xfrm>
           <a:prstGeom prst="rect">
             <a:avLst/>
@@ -39679,6 +39679,7 @@
                   <a:srgbClr val="000000"/>
                 </a:solidFill>
                 <a:latin typeface="Times New Roman"/>
+                <a:ea typeface="DejaVu Sans"/>
               </a:rPr>
               <a:t>git gives you command line control of the “auto-save” process</a:t>
             </a:r>
@@ -39734,7 +39735,7 @@
         <p:spPr>
           <a:xfrm>
             <a:off x="2056680" y="-74160"/>
-            <a:ext cx="8221320" cy="1213560"/>
+            <a:ext cx="8220960" cy="1213200"/>
           </a:xfrm>
           <a:prstGeom prst="rect">
             <a:avLst/>
@@ -39833,7 +39834,7 @@
         <p:spPr>
           <a:xfrm>
             <a:off x="11721960" y="6430680"/>
-            <a:ext cx="3820320" cy="424800"/>
+            <a:ext cx="3819960" cy="424440"/>
           </a:xfrm>
           <a:prstGeom prst="rect">
             <a:avLst/>
@@ -39887,7 +39888,7 @@
         <p:spPr>
           <a:xfrm>
             <a:off x="457200" y="1143000"/>
-            <a:ext cx="11429640" cy="5028840"/>
+            <a:ext cx="11429280" cy="5028480"/>
           </a:xfrm>
           <a:prstGeom prst="rect">
             <a:avLst/>
@@ -39925,6 +39926,7 @@
                   <a:srgbClr val="000000"/>
                 </a:solidFill>
                 <a:latin typeface="Times New Roman"/>
+                <a:ea typeface="DejaVu Sans"/>
               </a:rPr>
               <a:t>git gives you command line control of the “auto-save” process</a:t>
             </a:r>
@@ -39953,6 +39955,7 @@
                   <a:srgbClr val="000000"/>
                 </a:solidFill>
                 <a:latin typeface="Times New Roman"/>
+                <a:ea typeface="DejaVu Sans"/>
               </a:rPr>
               <a:t>Github can host your repositories online:</a:t>
             </a:r>
@@ -39975,6 +39978,7 @@
                   <a:srgbClr val="000000"/>
                 </a:solidFill>
                 <a:latin typeface="Times New Roman"/>
+                <a:ea typeface="DejaVu Sans"/>
               </a:rPr>
               <a:t>	</a:t>
             </a:r>
@@ -39984,6 +39988,7 @@
                   <a:srgbClr val="000000"/>
                 </a:solidFill>
                 <a:latin typeface="Times New Roman"/>
+                <a:ea typeface="DejaVu Sans"/>
               </a:rPr>
               <a:t>- Industry standard for codebase collaboration</a:t>
             </a:r>
@@ -40082,7 +40087,7 @@
         <p:spPr>
           <a:xfrm>
             <a:off x="2056680" y="-74160"/>
-            <a:ext cx="8221320" cy="1213560"/>
+            <a:ext cx="8220960" cy="1213200"/>
           </a:xfrm>
           <a:prstGeom prst="rect">
             <a:avLst/>
@@ -40181,7 +40186,7 @@
         <p:spPr>
           <a:xfrm>
             <a:off x="11721960" y="6430680"/>
-            <a:ext cx="3820320" cy="424800"/>
+            <a:ext cx="3819960" cy="424440"/>
           </a:xfrm>
           <a:prstGeom prst="rect">
             <a:avLst/>
@@ -40235,7 +40240,7 @@
         <p:spPr>
           <a:xfrm>
             <a:off x="457200" y="1143000"/>
-            <a:ext cx="11429640" cy="5028840"/>
+            <a:ext cx="11429280" cy="5028480"/>
           </a:xfrm>
           <a:prstGeom prst="rect">
             <a:avLst/>
@@ -40273,6 +40278,7 @@
                   <a:srgbClr val="000000"/>
                 </a:solidFill>
                 <a:latin typeface="Times New Roman"/>
+                <a:ea typeface="DejaVu Sans"/>
               </a:rPr>
               <a:t>git gives you command line control of the “auto-save” process</a:t>
             </a:r>
@@ -40301,6 +40307,7 @@
                   <a:srgbClr val="000000"/>
                 </a:solidFill>
                 <a:latin typeface="Times New Roman"/>
+                <a:ea typeface="DejaVu Sans"/>
               </a:rPr>
               <a:t>Github can host your repositories online:</a:t>
             </a:r>
@@ -40323,6 +40330,7 @@
                   <a:srgbClr val="000000"/>
                 </a:solidFill>
                 <a:latin typeface="Times New Roman"/>
+                <a:ea typeface="DejaVu Sans"/>
               </a:rPr>
               <a:t>	</a:t>
             </a:r>
@@ -40332,6 +40340,7 @@
                   <a:srgbClr val="000000"/>
                 </a:solidFill>
                 <a:latin typeface="Times New Roman"/>
+                <a:ea typeface="DejaVu Sans"/>
               </a:rPr>
               <a:t>- Industry standard for codebase collaboration</a:t>
             </a:r>
@@ -40366,17 +40375,7 @@
                 <a:latin typeface="Times New Roman"/>
                 <a:ea typeface="Source Han Sans CN"/>
               </a:rPr>
-              <a:t>- </a:t>
-            </a:r>
-            <a:r>
-              <a:rPr b="0" lang="en-US" sz="2800" spc="-1" strike="noStrike">
-                <a:solidFill>
-                  <a:srgbClr val="000000"/>
-                </a:solidFill>
-                <a:latin typeface="Times New Roman"/>
-                <a:ea typeface="Source Han Sans CN"/>
-              </a:rPr>
-              <a:t>git/Github are designed to help you be organized and </a:t>
+              <a:t>- git/Github are designed to help you be organized and </a:t>
             </a:r>
             <a:r>
               <a:rPr b="1" lang="en-US" sz="2800" spc="-1" strike="noStrike">
@@ -40413,6 +40412,7 @@
                   <a:srgbClr val="000000"/>
                 </a:solidFill>
                 <a:latin typeface="Times New Roman"/>
+                <a:ea typeface="DejaVu Sans"/>
               </a:rPr>
               <a:t>Be creative, git can be used in a wide array of applications beyond code</a:t>
             </a:r>
@@ -40435,6 +40435,7 @@
                   <a:srgbClr val="000000"/>
                 </a:solidFill>
                 <a:latin typeface="Times New Roman"/>
+                <a:ea typeface="DejaVu Sans"/>
               </a:rPr>
               <a:t>	</a:t>
             </a:r>
@@ -40444,6 +40445,7 @@
                   <a:srgbClr val="000000"/>
                 </a:solidFill>
                 <a:latin typeface="Times New Roman"/>
+                <a:ea typeface="DejaVu Sans"/>
               </a:rPr>
               <a:t>- Track coursework/projects and display in public repos</a:t>
             </a:r>
@@ -40466,6 +40468,7 @@
                   <a:srgbClr val="000000"/>
                 </a:solidFill>
                 <a:latin typeface="Times New Roman"/>
+                <a:ea typeface="DejaVu Sans"/>
               </a:rPr>
               <a:t>	</a:t>
             </a:r>
@@ -40475,6 +40478,7 @@
                   <a:srgbClr val="000000"/>
                 </a:solidFill>
                 <a:latin typeface="Times New Roman"/>
+                <a:ea typeface="DejaVu Sans"/>
               </a:rPr>
               <a:t>- Back-up important documents with a private repo</a:t>
             </a:r>
@@ -40530,7 +40534,7 @@
         <p:spPr>
           <a:xfrm>
             <a:off x="2056680" y="-74160"/>
-            <a:ext cx="8221320" cy="1213560"/>
+            <a:ext cx="8220960" cy="1213200"/>
           </a:xfrm>
           <a:prstGeom prst="rect">
             <a:avLst/>
@@ -40629,7 +40633,7 @@
         <p:spPr>
           <a:xfrm>
             <a:off x="11721960" y="6430680"/>
-            <a:ext cx="3820320" cy="424800"/>
+            <a:ext cx="3819960" cy="424440"/>
           </a:xfrm>
           <a:prstGeom prst="rect">
             <a:avLst/>
@@ -40683,7 +40687,7 @@
         <p:spPr>
           <a:xfrm>
             <a:off x="457200" y="1143000"/>
-            <a:ext cx="11429640" cy="5028840"/>
+            <a:ext cx="11429280" cy="5028480"/>
           </a:xfrm>
           <a:prstGeom prst="rect">
             <a:avLst/>
@@ -40721,6 +40725,7 @@
                   <a:srgbClr val="000000"/>
                 </a:solidFill>
                 <a:latin typeface="Times New Roman"/>
+                <a:ea typeface="DejaVu Sans"/>
               </a:rPr>
               <a:t>git gives you command line control of the “auto-save” process</a:t>
             </a:r>
@@ -40749,6 +40754,7 @@
                   <a:srgbClr val="000000"/>
                 </a:solidFill>
                 <a:latin typeface="Times New Roman"/>
+                <a:ea typeface="DejaVu Sans"/>
               </a:rPr>
               <a:t>Github can host your repositories online:</a:t>
             </a:r>
@@ -40771,6 +40777,7 @@
                   <a:srgbClr val="000000"/>
                 </a:solidFill>
                 <a:latin typeface="Times New Roman"/>
+                <a:ea typeface="DejaVu Sans"/>
               </a:rPr>
               <a:t>	</a:t>
             </a:r>
@@ -40780,6 +40787,7 @@
                   <a:srgbClr val="000000"/>
                 </a:solidFill>
                 <a:latin typeface="Times New Roman"/>
+                <a:ea typeface="DejaVu Sans"/>
               </a:rPr>
               <a:t>- Industry standard for codebase collaboration</a:t>
             </a:r>
@@ -40814,17 +40822,7 @@
                 <a:latin typeface="Times New Roman"/>
                 <a:ea typeface="Source Han Sans CN"/>
               </a:rPr>
-              <a:t>- </a:t>
-            </a:r>
-            <a:r>
-              <a:rPr b="0" lang="en-US" sz="2800" spc="-1" strike="noStrike">
-                <a:solidFill>
-                  <a:srgbClr val="000000"/>
-                </a:solidFill>
-                <a:latin typeface="Times New Roman"/>
-                <a:ea typeface="Source Han Sans CN"/>
-              </a:rPr>
-              <a:t>git/Github are designed to help you be organized and </a:t>
+              <a:t>- git/Github are designed to help you be organized and </a:t>
             </a:r>
             <a:r>
               <a:rPr b="1" lang="en-US" sz="2800" spc="-1" strike="noStrike">
@@ -40861,6 +40859,7 @@
                   <a:srgbClr val="000000"/>
                 </a:solidFill>
                 <a:latin typeface="Times New Roman"/>
+                <a:ea typeface="DejaVu Sans"/>
               </a:rPr>
               <a:t>Be creative, git can be used in a wide array of applications beyond code</a:t>
             </a:r>
@@ -40883,6 +40882,7 @@
                   <a:srgbClr val="000000"/>
                 </a:solidFill>
                 <a:latin typeface="Times New Roman"/>
+                <a:ea typeface="DejaVu Sans"/>
               </a:rPr>
               <a:t>	</a:t>
             </a:r>
@@ -40892,6 +40892,7 @@
                   <a:srgbClr val="000000"/>
                 </a:solidFill>
                 <a:latin typeface="Times New Roman"/>
+                <a:ea typeface="DejaVu Sans"/>
               </a:rPr>
               <a:t>- Track coursework/projects and display in public repos</a:t>
             </a:r>
@@ -40914,6 +40915,7 @@
                   <a:srgbClr val="000000"/>
                 </a:solidFill>
                 <a:latin typeface="Times New Roman"/>
+                <a:ea typeface="DejaVu Sans"/>
               </a:rPr>
               <a:t>	</a:t>
             </a:r>
@@ -40923,6 +40925,7 @@
                   <a:srgbClr val="000000"/>
                 </a:solidFill>
                 <a:latin typeface="Times New Roman"/>
+                <a:ea typeface="DejaVu Sans"/>
               </a:rPr>
               <a:t>- Back-up important documents with a private repo</a:t>
             </a:r>
@@ -40945,6 +40948,7 @@
                   <a:srgbClr val="000000"/>
                 </a:solidFill>
                 <a:latin typeface="Times New Roman"/>
+                <a:ea typeface="DejaVu Sans"/>
               </a:rPr>
               <a:t>	</a:t>
             </a:r>
@@ -40954,6 +40958,7 @@
                   <a:srgbClr val="000000"/>
                 </a:solidFill>
                 <a:latin typeface="Times New Roman"/>
+                <a:ea typeface="DejaVu Sans"/>
               </a:rPr>
               <a:t>-</a:t>
             </a:r>
@@ -40963,6 +40968,7 @@
                   <a:srgbClr val="000000"/>
                 </a:solidFill>
                 <a:latin typeface="Times New Roman"/>
+                <a:ea typeface="DejaVu Sans"/>
               </a:rPr>
               <a:t> Documentation, Documentation, Documentation!</a:t>
             </a:r>
@@ -41018,7 +41024,7 @@
         <p:spPr>
           <a:xfrm>
             <a:off x="2056680" y="-74160"/>
-            <a:ext cx="8221320" cy="1213560"/>
+            <a:ext cx="8220960" cy="1213200"/>
           </a:xfrm>
           <a:prstGeom prst="rect">
             <a:avLst/>
@@ -41060,26 +41066,7 @@
                 <a:latin typeface="Times New Roman"/>
                 <a:ea typeface="Times New Roman"/>
               </a:rPr>
-              <a:t>e</a:t>
-            </a:r>
-            <a:r>
-              <a:rPr b="0" lang="en-US" sz="3200" spc="-1" strike="noStrike">
-                <a:solidFill>
-                  <a:srgbClr val="000000"/>
-                </a:solidFill>
-                <a:latin typeface="Times New Roman"/>
-              </a:rPr>
-              <a:t>sum</a:t>
-            </a:r>
-            <a:r>
-              <a:rPr b="0" lang="en-US" sz="3200" spc="-1" strike="noStrike">
-                <a:solidFill>
-                  <a:srgbClr val="000000"/>
-                </a:solidFill>
-                <a:latin typeface="Times New Roman"/>
-                <a:ea typeface="Times New Roman"/>
-              </a:rPr>
-              <a:t>e</a:t>
+              <a:t>esume</a:t>
             </a:r>
             <a:br>
               <a:rPr sz="3200"/>
@@ -41147,7 +41134,7 @@
         <p:spPr>
           <a:xfrm>
             <a:off x="11721960" y="6430680"/>
-            <a:ext cx="3820320" cy="424800"/>
+            <a:ext cx="3819960" cy="424440"/>
           </a:xfrm>
           <a:prstGeom prst="rect">
             <a:avLst/>
@@ -41201,7 +41188,7 @@
         <p:spPr>
           <a:xfrm>
             <a:off x="457200" y="1143000"/>
-            <a:ext cx="11429640" cy="5028840"/>
+            <a:ext cx="11429280" cy="5028480"/>
           </a:xfrm>
           <a:prstGeom prst="rect">
             <a:avLst/>
@@ -41239,8 +41226,29 @@
                   <a:srgbClr val="000000"/>
                 </a:solidFill>
                 <a:latin typeface="Times New Roman"/>
-              </a:rPr>
-              <a:t>Personally, I would never hire an engineer who is unwilling to learn git</a:t>
+                <a:ea typeface="DejaVu Sans"/>
+              </a:rPr>
+              <a:t>Personally, I would </a:t>
+            </a:r>
+            <a:r>
+              <a:rPr b="1" lang="en-US" sz="2800" spc="-1" strike="noStrike">
+                <a:solidFill>
+                  <a:srgbClr val="000000"/>
+                </a:solidFill>
+                <a:latin typeface="Times New Roman"/>
+                <a:ea typeface="DejaVu Sans"/>
+              </a:rPr>
+              <a:t>never</a:t>
+            </a:r>
+            <a:r>
+              <a:rPr b="0" lang="en-US" sz="2800" spc="-1" strike="noStrike">
+                <a:solidFill>
+                  <a:srgbClr val="000000"/>
+                </a:solidFill>
+                <a:latin typeface="Times New Roman"/>
+                <a:ea typeface="DejaVu Sans"/>
+              </a:rPr>
+              <a:t> hire an engineer who is unwilling to learn git</a:t>
             </a:r>
             <a:endParaRPr b="0" lang="en-US" sz="2800" spc="-1" strike="noStrike">
               <a:solidFill>
@@ -41261,6 +41269,7 @@
                   <a:srgbClr val="000000"/>
                 </a:solidFill>
                 <a:latin typeface="Times New Roman"/>
+                <a:ea typeface="DejaVu Sans"/>
               </a:rPr>
               <a:t>	</a:t>
             </a:r>
@@ -41270,6 +41279,7 @@
                   <a:srgbClr val="000000"/>
                 </a:solidFill>
                 <a:latin typeface="Times New Roman"/>
+                <a:ea typeface="DejaVu Sans"/>
               </a:rPr>
               <a:t>- and I am a mere undergrad</a:t>
             </a:r>
@@ -41295,7 +41305,7 @@
         <p:spPr>
           <a:xfrm>
             <a:off x="5295240" y="4909320"/>
-            <a:ext cx="1597320" cy="1597680"/>
+            <a:ext cx="1596960" cy="1597320"/>
           </a:xfrm>
           <a:prstGeom prst="rect">
             <a:avLst/>
@@ -41319,7 +41329,7 @@
         <p:spPr>
           <a:xfrm>
             <a:off x="5457600" y="4355640"/>
-            <a:ext cx="1272600" cy="912240"/>
+            <a:ext cx="1272240" cy="911880"/>
           </a:xfrm>
           <a:prstGeom prst="rect">
             <a:avLst/>
@@ -41372,7 +41382,7 @@
         <p:spPr>
           <a:xfrm>
             <a:off x="2056680" y="-74160"/>
-            <a:ext cx="8221320" cy="1213560"/>
+            <a:ext cx="8220960" cy="1213200"/>
           </a:xfrm>
           <a:prstGeom prst="rect">
             <a:avLst/>
@@ -41414,26 +41424,7 @@
                 <a:latin typeface="Times New Roman"/>
                 <a:ea typeface="Times New Roman"/>
               </a:rPr>
-              <a:t>e</a:t>
-            </a:r>
-            <a:r>
-              <a:rPr b="0" lang="en-US" sz="3200" spc="-1" strike="noStrike">
-                <a:solidFill>
-                  <a:srgbClr val="000000"/>
-                </a:solidFill>
-                <a:latin typeface="Times New Roman"/>
-              </a:rPr>
-              <a:t>sum</a:t>
-            </a:r>
-            <a:r>
-              <a:rPr b="0" lang="en-US" sz="3200" spc="-1" strike="noStrike">
-                <a:solidFill>
-                  <a:srgbClr val="000000"/>
-                </a:solidFill>
-                <a:latin typeface="Times New Roman"/>
-                <a:ea typeface="Times New Roman"/>
-              </a:rPr>
-              <a:t>e</a:t>
+              <a:t>esume</a:t>
             </a:r>
             <a:br>
               <a:rPr sz="3200"/>
@@ -41501,7 +41492,7 @@
         <p:spPr>
           <a:xfrm>
             <a:off x="11721960" y="6430680"/>
-            <a:ext cx="3820320" cy="424800"/>
+            <a:ext cx="3819960" cy="424440"/>
           </a:xfrm>
           <a:prstGeom prst="rect">
             <a:avLst/>
@@ -41555,7 +41546,7 @@
         <p:spPr>
           <a:xfrm>
             <a:off x="457200" y="1143000"/>
-            <a:ext cx="11429640" cy="5028840"/>
+            <a:ext cx="11429280" cy="5028480"/>
           </a:xfrm>
           <a:prstGeom prst="rect">
             <a:avLst/>
@@ -41593,6 +41584,7 @@
                   <a:srgbClr val="000000"/>
                 </a:solidFill>
                 <a:latin typeface="Times New Roman"/>
+                <a:ea typeface="DejaVu Sans"/>
               </a:rPr>
               <a:t>You must be able to present your ideas/projects, and therefore yourself, effectively</a:t>
             </a:r>
@@ -41618,7 +41610,7 @@
         <p:spPr>
           <a:xfrm>
             <a:off x="5295240" y="4909320"/>
-            <a:ext cx="1597320" cy="1597680"/>
+            <a:ext cx="1596960" cy="1597320"/>
           </a:xfrm>
           <a:prstGeom prst="rect">
             <a:avLst/>
@@ -41642,7 +41634,7 @@
         <p:spPr>
           <a:xfrm>
             <a:off x="5457600" y="4355640"/>
-            <a:ext cx="1272600" cy="912240"/>
+            <a:ext cx="1272240" cy="911880"/>
           </a:xfrm>
           <a:prstGeom prst="rect">
             <a:avLst/>
@@ -41695,7 +41687,7 @@
         <p:spPr>
           <a:xfrm>
             <a:off x="2056680" y="-74160"/>
-            <a:ext cx="8221320" cy="1213560"/>
+            <a:ext cx="8220960" cy="1213200"/>
           </a:xfrm>
           <a:prstGeom prst="rect">
             <a:avLst/>
@@ -41737,26 +41729,7 @@
                 <a:latin typeface="Times New Roman"/>
                 <a:ea typeface="Times New Roman"/>
               </a:rPr>
-              <a:t>e</a:t>
-            </a:r>
-            <a:r>
-              <a:rPr b="0" lang="en-US" sz="3200" spc="-1" strike="noStrike">
-                <a:solidFill>
-                  <a:srgbClr val="000000"/>
-                </a:solidFill>
-                <a:latin typeface="Times New Roman"/>
-              </a:rPr>
-              <a:t>sum</a:t>
-            </a:r>
-            <a:r>
-              <a:rPr b="0" lang="en-US" sz="3200" spc="-1" strike="noStrike">
-                <a:solidFill>
-                  <a:srgbClr val="000000"/>
-                </a:solidFill>
-                <a:latin typeface="Times New Roman"/>
-                <a:ea typeface="Times New Roman"/>
-              </a:rPr>
-              <a:t>e</a:t>
+              <a:t>esume</a:t>
             </a:r>
             <a:br>
               <a:rPr sz="3200"/>
@@ -41824,7 +41797,7 @@
         <p:spPr>
           <a:xfrm>
             <a:off x="11721960" y="6430680"/>
-            <a:ext cx="3820320" cy="424800"/>
+            <a:ext cx="3819960" cy="424440"/>
           </a:xfrm>
           <a:prstGeom prst="rect">
             <a:avLst/>
@@ -41878,7 +41851,7 @@
         <p:spPr>
           <a:xfrm>
             <a:off x="457200" y="1143000"/>
-            <a:ext cx="11429640" cy="5028840"/>
+            <a:ext cx="11429280" cy="5028480"/>
           </a:xfrm>
           <a:prstGeom prst="rect">
             <a:avLst/>
@@ -41916,6 +41889,7 @@
                   <a:srgbClr val="000000"/>
                 </a:solidFill>
                 <a:latin typeface="Times New Roman"/>
+                <a:ea typeface="DejaVu Sans"/>
               </a:rPr>
               <a:t>You must be able to present your ideas/projects, and therefore yourself, effectively</a:t>
             </a:r>
@@ -41944,6 +41918,7 @@
                   <a:srgbClr val="000000"/>
                 </a:solidFill>
                 <a:latin typeface="Times New Roman"/>
+                <a:ea typeface="DejaVu Sans"/>
               </a:rPr>
               <a:t>Even if you build a table, I think it should be featured somewhere linked to your personal Github page</a:t>
             </a:r>
@@ -41969,7 +41944,7 @@
         <p:spPr>
           <a:xfrm>
             <a:off x="5295240" y="4909320"/>
-            <a:ext cx="1597320" cy="1597680"/>
+            <a:ext cx="1596960" cy="1597320"/>
           </a:xfrm>
           <a:prstGeom prst="rect">
             <a:avLst/>
@@ -41993,7 +41968,7 @@
         <p:spPr>
           <a:xfrm>
             <a:off x="5457600" y="4355640"/>
-            <a:ext cx="1272600" cy="912240"/>
+            <a:ext cx="1272240" cy="911880"/>
           </a:xfrm>
           <a:prstGeom prst="rect">
             <a:avLst/>
@@ -42046,7 +42021,7 @@
         <p:spPr>
           <a:xfrm>
             <a:off x="1982520" y="-74160"/>
-            <a:ext cx="8221320" cy="1213560"/>
+            <a:ext cx="8220960" cy="1213200"/>
           </a:xfrm>
           <a:prstGeom prst="rect">
             <a:avLst/>
@@ -42145,7 +42120,7 @@
         <p:spPr>
           <a:xfrm>
             <a:off x="456840" y="1371600"/>
-            <a:ext cx="11194920" cy="5025600"/>
+            <a:ext cx="11194560" cy="5025240"/>
           </a:xfrm>
           <a:prstGeom prst="rect">
             <a:avLst/>
@@ -42285,7 +42260,7 @@
         <p:spPr>
           <a:xfrm>
             <a:off x="8186040" y="2514600"/>
-            <a:ext cx="3606480" cy="3883320"/>
+            <a:ext cx="3606120" cy="3882960"/>
           </a:xfrm>
           <a:prstGeom prst="rect">
             <a:avLst/>
@@ -42313,7 +42288,7 @@
         <p:spPr>
           <a:xfrm>
             <a:off x="1055520" y="3587400"/>
-            <a:ext cx="6394680" cy="2809800"/>
+            <a:ext cx="6394320" cy="2809440"/>
           </a:xfrm>
           <a:prstGeom prst="rect">
             <a:avLst/>
@@ -42337,7 +42312,7 @@
         <p:spPr>
           <a:xfrm>
             <a:off x="11721960" y="6399720"/>
-            <a:ext cx="3820320" cy="424800"/>
+            <a:ext cx="3819960" cy="424440"/>
           </a:xfrm>
           <a:prstGeom prst="rect">
             <a:avLst/>
@@ -42425,7 +42400,7 @@
         <p:spPr>
           <a:xfrm>
             <a:off x="2056680" y="-74160"/>
-            <a:ext cx="8221320" cy="1213560"/>
+            <a:ext cx="8220960" cy="1213200"/>
           </a:xfrm>
           <a:prstGeom prst="rect">
             <a:avLst/>
@@ -42524,7 +42499,7 @@
         <p:spPr>
           <a:xfrm>
             <a:off x="456840" y="1371600"/>
-            <a:ext cx="11194920" cy="5025600"/>
+            <a:ext cx="11194560" cy="5025240"/>
           </a:xfrm>
           <a:prstGeom prst="rect">
             <a:avLst/>
@@ -42696,7 +42671,7 @@
         <p:spPr>
           <a:xfrm>
             <a:off x="2069640" y="20520"/>
-            <a:ext cx="8221320" cy="6291720"/>
+            <a:ext cx="8220960" cy="6291360"/>
           </a:xfrm>
           <a:prstGeom prst="rect">
             <a:avLst/>
@@ -42937,7 +42912,7 @@
         <p:spPr>
           <a:xfrm>
             <a:off x="1982520" y="-74160"/>
-            <a:ext cx="8221320" cy="1213560"/>
+            <a:ext cx="8220960" cy="1213200"/>
           </a:xfrm>
           <a:prstGeom prst="rect">
             <a:avLst/>
@@ -43036,7 +43011,7 @@
         <p:spPr>
           <a:xfrm>
             <a:off x="456840" y="1371600"/>
-            <a:ext cx="11194920" cy="5025600"/>
+            <a:ext cx="11194560" cy="5025240"/>
           </a:xfrm>
           <a:prstGeom prst="rect">
             <a:avLst/>
@@ -43225,7 +43200,7 @@
         <p:spPr>
           <a:xfrm>
             <a:off x="5485680" y="5029200"/>
-            <a:ext cx="1597320" cy="1597680"/>
+            <a:ext cx="1596960" cy="1597320"/>
           </a:xfrm>
           <a:prstGeom prst="rect">
             <a:avLst/>
@@ -43248,7 +43223,7 @@
         <p:spPr>
           <a:xfrm>
             <a:off x="2743200" y="4298040"/>
-            <a:ext cx="1711440" cy="957240"/>
+            <a:ext cx="1711080" cy="956880"/>
           </a:xfrm>
           <a:prstGeom prst="rect">
             <a:avLst/>
@@ -43271,7 +43246,7 @@
         <p:spPr>
           <a:xfrm>
             <a:off x="8179560" y="4343400"/>
-            <a:ext cx="1257480" cy="1140480"/>
+            <a:ext cx="1257120" cy="1140120"/>
           </a:xfrm>
           <a:prstGeom prst="rect">
             <a:avLst/>
@@ -43376,7 +43351,7 @@
         <p:spPr>
           <a:xfrm>
             <a:off x="11721960" y="6430680"/>
-            <a:ext cx="3820320" cy="424800"/>
+            <a:ext cx="3819960" cy="424440"/>
           </a:xfrm>
           <a:prstGeom prst="rect">
             <a:avLst/>
@@ -43430,15 +43405,15 @@
         <p:spPr>
           <a:xfrm>
             <a:off x="8060400" y="4186800"/>
-            <a:ext cx="1598400" cy="1462320"/>
+            <a:ext cx="1598040" cy="1461960"/>
           </a:xfrm>
           <a:custGeom>
             <a:avLst/>
             <a:gdLst>
-              <a:gd name="textAreaLeft" fmla="*/ 222120 w 1598400"/>
-              <a:gd name="textAreaRight" fmla="*/ 1267560 w 1598400"/>
-              <a:gd name="textAreaTop" fmla="*/ 225000 h 1462320"/>
-              <a:gd name="textAreaBottom" fmla="*/ 1174680 h 1462320"/>
+              <a:gd name="textAreaLeft" fmla="*/ 222120 w 1598040"/>
+              <a:gd name="textAreaRight" fmla="*/ 1267560 w 1598040"/>
+              <a:gd name="textAreaTop" fmla="*/ 225000 h 1461960"/>
+              <a:gd name="textAreaBottom" fmla="*/ 1174680 h 1461960"/>
             </a:gdLst>
             <a:ahLst/>
             <a:rect l="textAreaLeft" t="textAreaTop" r="textAreaRight" b="textAreaBottom"/>
@@ -43714,15 +43689,15 @@
         <p:spPr>
           <a:xfrm>
             <a:off x="2815200" y="4114800"/>
-            <a:ext cx="1587960" cy="1462680"/>
+            <a:ext cx="1587600" cy="1462320"/>
           </a:xfrm>
           <a:custGeom>
             <a:avLst/>
             <a:gdLst>
-              <a:gd name="textAreaLeft" fmla="*/ 220680 w 1587960"/>
-              <a:gd name="textAreaRight" fmla="*/ 1259280 w 1587960"/>
-              <a:gd name="textAreaTop" fmla="*/ 225000 h 1462680"/>
-              <a:gd name="textAreaBottom" fmla="*/ 1175040 h 1462680"/>
+              <a:gd name="textAreaLeft" fmla="*/ 220680 w 1587600"/>
+              <a:gd name="textAreaRight" fmla="*/ 1259280 w 1587600"/>
+              <a:gd name="textAreaTop" fmla="*/ 225000 h 1462320"/>
+              <a:gd name="textAreaBottom" fmla="*/ 1175040 h 1462320"/>
             </a:gdLst>
             <a:ahLst/>
             <a:rect l="textAreaLeft" t="textAreaTop" r="textAreaRight" b="textAreaBottom"/>
@@ -44032,7 +44007,7 @@
         <p:spPr>
           <a:xfrm>
             <a:off x="1982520" y="-72720"/>
-            <a:ext cx="8221320" cy="1213560"/>
+            <a:ext cx="8220960" cy="1213200"/>
           </a:xfrm>
           <a:prstGeom prst="rect">
             <a:avLst/>
@@ -44131,7 +44106,7 @@
         <p:spPr>
           <a:xfrm>
             <a:off x="456840" y="1371600"/>
-            <a:ext cx="11194920" cy="5025600"/>
+            <a:ext cx="11194560" cy="5025240"/>
           </a:xfrm>
           <a:prstGeom prst="rect">
             <a:avLst/>
@@ -44176,7 +44151,7 @@
         <p:spPr>
           <a:xfrm>
             <a:off x="11721960" y="6430680"/>
-            <a:ext cx="3820320" cy="424800"/>
+            <a:ext cx="3819960" cy="424440"/>
           </a:xfrm>
           <a:prstGeom prst="rect">
             <a:avLst/>
@@ -44234,7 +44209,7 @@
         <p:spPr>
           <a:xfrm>
             <a:off x="5237640" y="1828800"/>
-            <a:ext cx="1711440" cy="957240"/>
+            <a:ext cx="1711080" cy="956880"/>
           </a:xfrm>
           <a:prstGeom prst="rect">
             <a:avLst/>
@@ -44257,7 +44232,7 @@
         <p:spPr>
           <a:xfrm>
             <a:off x="2314080" y="3429000"/>
-            <a:ext cx="1454400" cy="1454400"/>
+            <a:ext cx="1454040" cy="1454040"/>
           </a:xfrm>
           <a:prstGeom prst="rect">
             <a:avLst/>
@@ -44280,7 +44255,7 @@
         <p:spPr>
           <a:xfrm>
             <a:off x="8657280" y="3429000"/>
-            <a:ext cx="1463040" cy="1463040"/>
+            <a:ext cx="1462680" cy="1462680"/>
           </a:xfrm>
           <a:prstGeom prst="rect">
             <a:avLst/>
@@ -44470,8 +44445,8 @@
         </p:nvSpPr>
         <p:spPr>
           <a:xfrm rot="19620000">
-            <a:off x="3647880" y="2926440"/>
-            <a:ext cx="1646280" cy="454680"/>
+            <a:off x="3647520" y="2926440"/>
+            <a:ext cx="1645920" cy="454320"/>
           </a:xfrm>
           <a:prstGeom prst="rect">
             <a:avLst/>
@@ -44524,8 +44499,8 @@
         </p:nvSpPr>
         <p:spPr>
           <a:xfrm rot="19860000">
-            <a:off x="3417120" y="2415960"/>
-            <a:ext cx="1597680" cy="454680"/>
+            <a:off x="3416760" y="2415960"/>
+            <a:ext cx="1597320" cy="454320"/>
           </a:xfrm>
           <a:prstGeom prst="rect">
             <a:avLst/>
@@ -44579,7 +44554,7 @@
         <p:spPr>
           <a:xfrm rot="2220000">
             <a:off x="6931800" y="2948400"/>
-            <a:ext cx="1597680" cy="454680"/>
+            <a:ext cx="1597320" cy="454320"/>
           </a:xfrm>
           <a:prstGeom prst="rect">
             <a:avLst/>
@@ -44633,7 +44608,7 @@
         <p:spPr>
           <a:xfrm rot="2280000">
             <a:off x="7343280" y="2499840"/>
-            <a:ext cx="1597680" cy="454680"/>
+            <a:ext cx="1597320" cy="454320"/>
           </a:xfrm>
           <a:prstGeom prst="rect">
             <a:avLst/>
@@ -44687,7 +44662,7 @@
         <p:spPr>
           <a:xfrm>
             <a:off x="2399400" y="4885920"/>
-            <a:ext cx="1369080" cy="683280"/>
+            <a:ext cx="1368720" cy="682920"/>
           </a:xfrm>
           <a:prstGeom prst="rect">
             <a:avLst/>
@@ -44741,7 +44716,7 @@
         <p:spPr>
           <a:xfrm>
             <a:off x="8393760" y="4884120"/>
-            <a:ext cx="2119320" cy="761760"/>
+            <a:ext cx="2118960" cy="761400"/>
           </a:xfrm>
           <a:prstGeom prst="rect">
             <a:avLst/>
@@ -44795,7 +44770,7 @@
         <p:spPr>
           <a:xfrm>
             <a:off x="4380120" y="3335400"/>
-            <a:ext cx="3426480" cy="2388240"/>
+            <a:ext cx="3426120" cy="2387880"/>
           </a:xfrm>
           <a:prstGeom prst="rect">
             <a:avLst/>
@@ -44975,7 +44950,7 @@
         <p:spPr>
           <a:xfrm>
             <a:off x="1982520" y="-72720"/>
-            <a:ext cx="8221320" cy="1213560"/>
+            <a:ext cx="8220960" cy="1213200"/>
           </a:xfrm>
           <a:prstGeom prst="rect">
             <a:avLst/>
@@ -45074,7 +45049,7 @@
         <p:spPr>
           <a:xfrm>
             <a:off x="456840" y="1371600"/>
-            <a:ext cx="11194920" cy="5025600"/>
+            <a:ext cx="11194560" cy="5025240"/>
           </a:xfrm>
           <a:prstGeom prst="rect">
             <a:avLst/>
@@ -45119,7 +45094,7 @@
         <p:spPr>
           <a:xfrm>
             <a:off x="11721960" y="6430680"/>
-            <a:ext cx="3820320" cy="424800"/>
+            <a:ext cx="3819960" cy="424440"/>
           </a:xfrm>
           <a:prstGeom prst="rect">
             <a:avLst/>
@@ -45177,7 +45152,7 @@
         <p:spPr>
           <a:xfrm>
             <a:off x="5237640" y="1828800"/>
-            <a:ext cx="1711440" cy="957240"/>
+            <a:ext cx="1711080" cy="956880"/>
           </a:xfrm>
           <a:prstGeom prst="rect">
             <a:avLst/>
@@ -45200,7 +45175,7 @@
         <p:spPr>
           <a:xfrm>
             <a:off x="2314080" y="3429000"/>
-            <a:ext cx="1454400" cy="1454400"/>
+            <a:ext cx="1454040" cy="1454040"/>
           </a:xfrm>
           <a:prstGeom prst="rect">
             <a:avLst/>
@@ -45223,7 +45198,7 @@
         <p:spPr>
           <a:xfrm>
             <a:off x="8657280" y="3429000"/>
-            <a:ext cx="1463040" cy="1463040"/>
+            <a:ext cx="1462680" cy="1462680"/>
           </a:xfrm>
           <a:prstGeom prst="rect">
             <a:avLst/>
@@ -45413,8 +45388,8 @@
         </p:nvSpPr>
         <p:spPr>
           <a:xfrm rot="19620000">
-            <a:off x="3647880" y="2926440"/>
-            <a:ext cx="1646280" cy="454680"/>
+            <a:off x="3647520" y="2926440"/>
+            <a:ext cx="1645920" cy="454320"/>
           </a:xfrm>
           <a:prstGeom prst="rect">
             <a:avLst/>
@@ -45467,8 +45442,8 @@
         </p:nvSpPr>
         <p:spPr>
           <a:xfrm rot="19860000">
-            <a:off x="3417120" y="2415960"/>
-            <a:ext cx="1597680" cy="454680"/>
+            <a:off x="3416760" y="2415960"/>
+            <a:ext cx="1597320" cy="454320"/>
           </a:xfrm>
           <a:prstGeom prst="rect">
             <a:avLst/>
@@ -45522,7 +45497,7 @@
         <p:spPr>
           <a:xfrm rot="2220000">
             <a:off x="6931800" y="2948400"/>
-            <a:ext cx="1597680" cy="454680"/>
+            <a:ext cx="1597320" cy="454320"/>
           </a:xfrm>
           <a:prstGeom prst="rect">
             <a:avLst/>
@@ -45576,7 +45551,7 @@
         <p:spPr>
           <a:xfrm rot="2280000">
             <a:off x="7343280" y="2499840"/>
-            <a:ext cx="1597680" cy="454680"/>
+            <a:ext cx="1597320" cy="454320"/>
           </a:xfrm>
           <a:prstGeom prst="rect">
             <a:avLst/>
@@ -45630,7 +45605,7 @@
         <p:spPr>
           <a:xfrm>
             <a:off x="2399400" y="4885920"/>
-            <a:ext cx="1369080" cy="683280"/>
+            <a:ext cx="1368720" cy="682920"/>
           </a:xfrm>
           <a:prstGeom prst="rect">
             <a:avLst/>
@@ -45684,7 +45659,7 @@
         <p:spPr>
           <a:xfrm>
             <a:off x="8393760" y="4884120"/>
-            <a:ext cx="2119320" cy="761760"/>
+            <a:ext cx="2118960" cy="761400"/>
           </a:xfrm>
           <a:prstGeom prst="rect">
             <a:avLst/>
@@ -45738,7 +45713,7 @@
         <p:spPr>
           <a:xfrm>
             <a:off x="4380120" y="3335400"/>
-            <a:ext cx="3426480" cy="2388240"/>
+            <a:ext cx="3426120" cy="2387880"/>
           </a:xfrm>
           <a:prstGeom prst="rect">
             <a:avLst/>
@@ -45927,7 +45902,7 @@
         <p:spPr>
           <a:xfrm>
             <a:off x="3487320" y="1947960"/>
-            <a:ext cx="1960560" cy="1960560"/>
+            <a:ext cx="1960200" cy="1960200"/>
           </a:xfrm>
           <a:prstGeom prst="ellipse">
             <a:avLst/>
@@ -45975,7 +45950,7 @@
         <p:spPr>
           <a:xfrm>
             <a:off x="914400" y="1828800"/>
-            <a:ext cx="1597680" cy="683280"/>
+            <a:ext cx="1597320" cy="682920"/>
           </a:xfrm>
           <a:prstGeom prst="rect">
             <a:avLst/>
@@ -46063,7 +46038,7 @@
         <p:spPr>
           <a:xfrm>
             <a:off x="2056680" y="-74160"/>
-            <a:ext cx="8221320" cy="1213560"/>
+            <a:ext cx="8220960" cy="1213200"/>
           </a:xfrm>
           <a:prstGeom prst="rect">
             <a:avLst/>
@@ -46162,7 +46137,7 @@
         <p:spPr>
           <a:xfrm>
             <a:off x="11721960" y="6430680"/>
-            <a:ext cx="3820320" cy="424800"/>
+            <a:ext cx="3819960" cy="424440"/>
           </a:xfrm>
           <a:prstGeom prst="rect">
             <a:avLst/>
@@ -46220,7 +46195,7 @@
         <p:spPr>
           <a:xfrm>
             <a:off x="5237640" y="1326240"/>
-            <a:ext cx="1711440" cy="957240"/>
+            <a:ext cx="1711080" cy="956880"/>
           </a:xfrm>
           <a:prstGeom prst="rect">
             <a:avLst/>
@@ -46282,7 +46257,7 @@
         <p:spPr>
           <a:xfrm>
             <a:off x="5408640" y="3236400"/>
-            <a:ext cx="1369080" cy="454680"/>
+            <a:ext cx="1368720" cy="454320"/>
           </a:xfrm>
           <a:prstGeom prst="roundRect">
             <a:avLst>
@@ -46385,7 +46360,7 @@
         <p:spPr>
           <a:xfrm>
             <a:off x="5411160" y="2525760"/>
-            <a:ext cx="1369080" cy="454680"/>
+            <a:ext cx="1368720" cy="454320"/>
           </a:xfrm>
           <a:prstGeom prst="roundRect">
             <a:avLst>
@@ -46488,7 +46463,7 @@
         <p:spPr>
           <a:xfrm>
             <a:off x="5409000" y="3956760"/>
-            <a:ext cx="1369080" cy="454680"/>
+            <a:ext cx="1368720" cy="454320"/>
           </a:xfrm>
           <a:prstGeom prst="roundRect">
             <a:avLst>
@@ -46595,7 +46570,7 @@
         <p:spPr>
           <a:xfrm>
             <a:off x="5366160" y="4726800"/>
-            <a:ext cx="1454400" cy="1454400"/>
+            <a:ext cx="1454040" cy="1454040"/>
           </a:xfrm>
           <a:prstGeom prst="rect">
             <a:avLst/>
@@ -46614,7 +46589,7 @@
         <p:spPr>
           <a:xfrm>
             <a:off x="5751720" y="4924440"/>
-            <a:ext cx="683280" cy="594000"/>
+            <a:ext cx="682920" cy="593640"/>
           </a:xfrm>
           <a:prstGeom prst="rect">
             <a:avLst/>
@@ -46788,7 +46763,7 @@
         <p:spPr>
           <a:xfrm>
             <a:off x="2056680" y="-74160"/>
-            <a:ext cx="8221320" cy="1213560"/>
+            <a:ext cx="8220960" cy="1213200"/>
           </a:xfrm>
           <a:prstGeom prst="rect">
             <a:avLst/>
@@ -46887,7 +46862,7 @@
         <p:spPr>
           <a:xfrm>
             <a:off x="11721960" y="6430680"/>
-            <a:ext cx="3820320" cy="424800"/>
+            <a:ext cx="3819960" cy="424440"/>
           </a:xfrm>
           <a:prstGeom prst="rect">
             <a:avLst/>
@@ -46945,7 +46920,7 @@
         <p:spPr>
           <a:xfrm>
             <a:off x="5237640" y="1326240"/>
-            <a:ext cx="1711440" cy="957240"/>
+            <a:ext cx="1711080" cy="956880"/>
           </a:xfrm>
           <a:prstGeom prst="rect">
             <a:avLst/>
@@ -47007,7 +46982,7 @@
         <p:spPr>
           <a:xfrm>
             <a:off x="5408640" y="3236400"/>
-            <a:ext cx="1369080" cy="454680"/>
+            <a:ext cx="1368720" cy="454320"/>
           </a:xfrm>
           <a:prstGeom prst="roundRect">
             <a:avLst>
@@ -47110,7 +47085,7 @@
         <p:spPr>
           <a:xfrm>
             <a:off x="5411160" y="2525760"/>
-            <a:ext cx="1369080" cy="454680"/>
+            <a:ext cx="1368720" cy="454320"/>
           </a:xfrm>
           <a:prstGeom prst="roundRect">
             <a:avLst>
@@ -47213,7 +47188,7 @@
         <p:spPr>
           <a:xfrm>
             <a:off x="5409000" y="3956760"/>
-            <a:ext cx="1369080" cy="454680"/>
+            <a:ext cx="1368720" cy="454320"/>
           </a:xfrm>
           <a:prstGeom prst="roundRect">
             <a:avLst>
@@ -47320,7 +47295,7 @@
         <p:spPr>
           <a:xfrm>
             <a:off x="5366160" y="4726800"/>
-            <a:ext cx="1454400" cy="1454400"/>
+            <a:ext cx="1454040" cy="1454040"/>
           </a:xfrm>
           <a:prstGeom prst="rect">
             <a:avLst/>
@@ -47339,7 +47314,7 @@
         <p:spPr>
           <a:xfrm>
             <a:off x="5751720" y="4924440"/>
-            <a:ext cx="683280" cy="594000"/>
+            <a:ext cx="682920" cy="593640"/>
           </a:xfrm>
           <a:prstGeom prst="rect">
             <a:avLst/>
